--- a/Presentation/초기 발표.pptx
+++ b/Presentation/초기 발표.pptx
@@ -8,10 +8,14 @@
     <p:sldId id="256" r:id="rId2"/>
     <p:sldId id="257" r:id="rId3"/>
     <p:sldId id="258" r:id="rId4"/>
-    <p:sldId id="259" r:id="rId5"/>
-    <p:sldId id="260" r:id="rId6"/>
-    <p:sldId id="261" r:id="rId7"/>
-    <p:sldId id="262" r:id="rId8"/>
+    <p:sldId id="264" r:id="rId5"/>
+    <p:sldId id="263" r:id="rId6"/>
+    <p:sldId id="259" r:id="rId7"/>
+    <p:sldId id="260" r:id="rId8"/>
+    <p:sldId id="261" r:id="rId9"/>
+    <p:sldId id="262" r:id="rId10"/>
+    <p:sldId id="265" r:id="rId11"/>
+    <p:sldId id="266" r:id="rId12"/>
   </p:sldIdLst>
   <p:sldSz cx="12192000" cy="6858000"/>
   <p:notesSz cx="6858000" cy="9144000"/>
@@ -110,6 +114,11 @@
       </a:defRPr>
     </a:lvl9pPr>
   </p:defaultTextStyle>
+  <p:extLst>
+    <p:ext uri="{EFAFB233-063F-42B5-8137-9DF3F51BA10A}">
+      <p15:sldGuideLst xmlns:p15="http://schemas.microsoft.com/office/powerpoint/2012/main"/>
+    </p:ext>
+  </p:extLst>
 </p:presentation>
 </file>
 
@@ -3420,6 +3429,869 @@
 </p:sld>
 </file>
 
+<file path=ppt/slides/slide10.xml><?xml version="1.0" encoding="utf-8"?>
+<p:sld xmlns:a="http://schemas.openxmlformats.org/drawingml/2006/main" xmlns:r="http://schemas.openxmlformats.org/officeDocument/2006/relationships" xmlns:p="http://schemas.openxmlformats.org/presentationml/2006/main">
+  <p:cSld>
+    <p:spTree>
+      <p:nvGrpSpPr>
+        <p:cNvPr id="1" name=""/>
+        <p:cNvGrpSpPr/>
+        <p:nvPr/>
+      </p:nvGrpSpPr>
+      <p:grpSpPr>
+        <a:xfrm>
+          <a:off x="0" y="0"/>
+          <a:ext cx="0" cy="0"/>
+          <a:chOff x="0" y="0"/>
+          <a:chExt cx="0" cy="0"/>
+        </a:xfrm>
+      </p:grpSpPr>
+      <p:pic>
+        <p:nvPicPr>
+          <p:cNvPr id="35" name="내용 개체 틀 4">
+            <a:extLst>
+              <a:ext uri="{FF2B5EF4-FFF2-40B4-BE49-F238E27FC236}">
+                <a16:creationId xmlns:a16="http://schemas.microsoft.com/office/drawing/2014/main" id="{6A1232E6-8CCC-E5ED-BC6A-C9334EDCF8EB}"/>
+              </a:ext>
+            </a:extLst>
+          </p:cNvPr>
+          <p:cNvPicPr>
+            <a:picLocks noChangeAspect="1"/>
+          </p:cNvPicPr>
+          <p:nvPr/>
+        </p:nvPicPr>
+        <p:blipFill rotWithShape="1">
+          <a:blip r:embed="rId2">
+            <a:extLst>
+              <a:ext uri="{28A0092B-C50C-407E-A947-70E740481C1C}">
+                <a14:useLocalDpi xmlns:a14="http://schemas.microsoft.com/office/drawing/2010/main" val="0"/>
+              </a:ext>
+            </a:extLst>
+          </a:blip>
+          <a:srcRect l="7998" t="9571" r="8823" b="4879"/>
+          <a:stretch/>
+        </p:blipFill>
+        <p:spPr>
+          <a:xfrm>
+            <a:off x="9427888" y="2000564"/>
+            <a:ext cx="2769184" cy="1755436"/>
+          </a:xfrm>
+          <a:prstGeom prst="rect">
+            <a:avLst/>
+          </a:prstGeom>
+        </p:spPr>
+      </p:pic>
+      <p:pic>
+        <p:nvPicPr>
+          <p:cNvPr id="24" name="내용 개체 틀 23">
+            <a:extLst>
+              <a:ext uri="{FF2B5EF4-FFF2-40B4-BE49-F238E27FC236}">
+                <a16:creationId xmlns:a16="http://schemas.microsoft.com/office/drawing/2014/main" id="{AC15D9FA-62EC-F0EC-EB68-57C14E065EE1}"/>
+              </a:ext>
+            </a:extLst>
+          </p:cNvPr>
+          <p:cNvPicPr>
+            <a:picLocks noGrp="1" noChangeAspect="1"/>
+          </p:cNvPicPr>
+          <p:nvPr>
+            <p:ph idx="1"/>
+          </p:nvPr>
+        </p:nvPicPr>
+        <p:blipFill rotWithShape="1">
+          <a:blip r:embed="rId3">
+            <a:extLst>
+              <a:ext uri="{28A0092B-C50C-407E-A947-70E740481C1C}">
+                <a14:useLocalDpi xmlns:a14="http://schemas.microsoft.com/office/drawing/2010/main" val="0"/>
+              </a:ext>
+            </a:extLst>
+          </a:blip>
+          <a:srcRect l="7263" t="8725" r="8718" b="5694"/>
+          <a:stretch/>
+        </p:blipFill>
+        <p:spPr>
+          <a:xfrm>
+            <a:off x="9397401" y="308474"/>
+            <a:ext cx="2794599" cy="1793279"/>
+          </a:xfrm>
+        </p:spPr>
+      </p:pic>
+      <p:pic>
+        <p:nvPicPr>
+          <p:cNvPr id="30" name="그림 29">
+            <a:extLst>
+              <a:ext uri="{FF2B5EF4-FFF2-40B4-BE49-F238E27FC236}">
+                <a16:creationId xmlns:a16="http://schemas.microsoft.com/office/drawing/2014/main" id="{E14EC61D-397D-1BC4-5783-65BFC2113B17}"/>
+              </a:ext>
+            </a:extLst>
+          </p:cNvPr>
+          <p:cNvPicPr>
+            <a:picLocks noChangeAspect="1"/>
+          </p:cNvPicPr>
+          <p:nvPr/>
+        </p:nvPicPr>
+        <p:blipFill rotWithShape="1">
+          <a:blip r:embed="rId4">
+            <a:extLst>
+              <a:ext uri="{28A0092B-C50C-407E-A947-70E740481C1C}">
+                <a14:useLocalDpi xmlns:a14="http://schemas.microsoft.com/office/drawing/2010/main" val="0"/>
+              </a:ext>
+            </a:extLst>
+          </a:blip>
+          <a:srcRect l="3364" t="8186" r="7218"/>
+          <a:stretch/>
+        </p:blipFill>
+        <p:spPr>
+          <a:xfrm>
+            <a:off x="6428792" y="315169"/>
+            <a:ext cx="3141815" cy="1894444"/>
+          </a:xfrm>
+          <a:prstGeom prst="rect">
+            <a:avLst/>
+          </a:prstGeom>
+        </p:spPr>
+      </p:pic>
+      <p:sp>
+        <p:nvSpPr>
+          <p:cNvPr id="20" name="TextBox 19">
+            <a:extLst>
+              <a:ext uri="{FF2B5EF4-FFF2-40B4-BE49-F238E27FC236}">
+                <a16:creationId xmlns:a16="http://schemas.microsoft.com/office/drawing/2014/main" id="{8A410553-1381-F593-7D12-A1BDF89A934B}"/>
+              </a:ext>
+            </a:extLst>
+          </p:cNvPr>
+          <p:cNvSpPr txBox="1"/>
+          <p:nvPr/>
+        </p:nvSpPr>
+        <p:spPr>
+          <a:xfrm>
+            <a:off x="436342" y="881947"/>
+            <a:ext cx="2416431" cy="646331"/>
+          </a:xfrm>
+          <a:prstGeom prst="rect">
+            <a:avLst/>
+          </a:prstGeom>
+          <a:noFill/>
+        </p:spPr>
+        <p:txBody>
+          <a:bodyPr wrap="none" rtlCol="0">
+            <a:spAutoFit/>
+          </a:bodyPr>
+          <a:lstStyle/>
+          <a:p>
+            <a:r>
+              <a:rPr lang="en-US" altLang="ko-KR"/>
+              <a:t>Upsampling X, </a:t>
+            </a:r>
+          </a:p>
+          <a:p>
+            <a:r>
+              <a:rPr lang="en-US" altLang="ko-KR"/>
+              <a:t>class weight [1.0, 1.0]</a:t>
+            </a:r>
+            <a:endParaRPr lang="ko-KR" altLang="en-US"/>
+          </a:p>
+        </p:txBody>
+      </p:sp>
+      <p:pic>
+        <p:nvPicPr>
+          <p:cNvPr id="28" name="그림 27">
+            <a:extLst>
+              <a:ext uri="{FF2B5EF4-FFF2-40B4-BE49-F238E27FC236}">
+                <a16:creationId xmlns:a16="http://schemas.microsoft.com/office/drawing/2014/main" id="{E71ADADE-D0AE-9D70-E7B0-6B98C0420A84}"/>
+              </a:ext>
+            </a:extLst>
+          </p:cNvPr>
+          <p:cNvPicPr>
+            <a:picLocks noChangeAspect="1"/>
+          </p:cNvPicPr>
+          <p:nvPr/>
+        </p:nvPicPr>
+        <p:blipFill rotWithShape="1">
+          <a:blip r:embed="rId5">
+            <a:extLst>
+              <a:ext uri="{28A0092B-C50C-407E-A947-70E740481C1C}">
+                <a14:useLocalDpi xmlns:a14="http://schemas.microsoft.com/office/drawing/2010/main" val="0"/>
+              </a:ext>
+            </a:extLst>
+          </a:blip>
+          <a:srcRect l="3090" t="9888" r="8268"/>
+          <a:stretch/>
+        </p:blipFill>
+        <p:spPr>
+          <a:xfrm>
+            <a:off x="3376899" y="327395"/>
+            <a:ext cx="3341216" cy="1875607"/>
+          </a:xfrm>
+          <a:prstGeom prst="rect">
+            <a:avLst/>
+          </a:prstGeom>
+        </p:spPr>
+      </p:pic>
+      <p:sp>
+        <p:nvSpPr>
+          <p:cNvPr id="32" name="TextBox 31">
+            <a:extLst>
+              <a:ext uri="{FF2B5EF4-FFF2-40B4-BE49-F238E27FC236}">
+                <a16:creationId xmlns:a16="http://schemas.microsoft.com/office/drawing/2014/main" id="{E5D2717A-185B-BDC8-AADC-B59FBB5012B2}"/>
+              </a:ext>
+            </a:extLst>
+          </p:cNvPr>
+          <p:cNvSpPr txBox="1"/>
+          <p:nvPr/>
+        </p:nvSpPr>
+        <p:spPr>
+          <a:xfrm>
+            <a:off x="5011316" y="4552"/>
+            <a:ext cx="1084684" cy="369332"/>
+          </a:xfrm>
+          <a:prstGeom prst="rect">
+            <a:avLst/>
+          </a:prstGeom>
+          <a:noFill/>
+        </p:spPr>
+        <p:txBody>
+          <a:bodyPr wrap="square">
+            <a:spAutoFit/>
+          </a:bodyPr>
+          <a:lstStyle/>
+          <a:p>
+            <a:r>
+              <a:rPr lang="en-US" altLang="ko-KR"/>
+              <a:t>SEN</a:t>
+            </a:r>
+            <a:endParaRPr lang="ko-KR" altLang="en-US"/>
+          </a:p>
+        </p:txBody>
+      </p:sp>
+      <p:sp>
+        <p:nvSpPr>
+          <p:cNvPr id="34" name="TextBox 33">
+            <a:extLst>
+              <a:ext uri="{FF2B5EF4-FFF2-40B4-BE49-F238E27FC236}">
+                <a16:creationId xmlns:a16="http://schemas.microsoft.com/office/drawing/2014/main" id="{28863417-B92E-74B1-953A-415FBABDDF98}"/>
+              </a:ext>
+            </a:extLst>
+          </p:cNvPr>
+          <p:cNvSpPr txBox="1"/>
+          <p:nvPr/>
+        </p:nvSpPr>
+        <p:spPr>
+          <a:xfrm>
+            <a:off x="436342" y="2445275"/>
+            <a:ext cx="2589244" cy="646331"/>
+          </a:xfrm>
+          <a:prstGeom prst="rect">
+            <a:avLst/>
+          </a:prstGeom>
+          <a:noFill/>
+        </p:spPr>
+        <p:txBody>
+          <a:bodyPr wrap="square">
+            <a:spAutoFit/>
+          </a:bodyPr>
+          <a:lstStyle/>
+          <a:p>
+            <a:r>
+              <a:rPr lang="en-US" altLang="ko-KR"/>
+              <a:t>Upsampling X, </a:t>
+            </a:r>
+          </a:p>
+          <a:p>
+            <a:r>
+              <a:rPr lang="en-US" altLang="ko-KR"/>
+              <a:t>class weight [0.72, 1.66]</a:t>
+            </a:r>
+            <a:endParaRPr lang="ko-KR" altLang="en-US"/>
+          </a:p>
+        </p:txBody>
+      </p:sp>
+      <p:pic>
+        <p:nvPicPr>
+          <p:cNvPr id="37" name="그림 36">
+            <a:extLst>
+              <a:ext uri="{FF2B5EF4-FFF2-40B4-BE49-F238E27FC236}">
+                <a16:creationId xmlns:a16="http://schemas.microsoft.com/office/drawing/2014/main" id="{B8E91300-B8C6-20A9-BB2A-EA9477EB5298}"/>
+              </a:ext>
+            </a:extLst>
+          </p:cNvPr>
+          <p:cNvPicPr>
+            <a:picLocks noChangeAspect="1"/>
+          </p:cNvPicPr>
+          <p:nvPr/>
+        </p:nvPicPr>
+        <p:blipFill rotWithShape="1">
+          <a:blip r:embed="rId6">
+            <a:extLst>
+              <a:ext uri="{28A0092B-C50C-407E-A947-70E740481C1C}">
+                <a14:useLocalDpi xmlns:a14="http://schemas.microsoft.com/office/drawing/2010/main" val="0"/>
+              </a:ext>
+            </a:extLst>
+          </a:blip>
+          <a:srcRect l="3665" t="9793" r="8496"/>
+          <a:stretch/>
+        </p:blipFill>
+        <p:spPr>
+          <a:xfrm>
+            <a:off x="6527375" y="2000564"/>
+            <a:ext cx="3014769" cy="1855551"/>
+          </a:xfrm>
+          <a:prstGeom prst="rect">
+            <a:avLst/>
+          </a:prstGeom>
+        </p:spPr>
+      </p:pic>
+      <p:pic>
+        <p:nvPicPr>
+          <p:cNvPr id="36" name="그림 35">
+            <a:extLst>
+              <a:ext uri="{FF2B5EF4-FFF2-40B4-BE49-F238E27FC236}">
+                <a16:creationId xmlns:a16="http://schemas.microsoft.com/office/drawing/2014/main" id="{C4400163-902C-664E-A10E-63A74A70A15F}"/>
+              </a:ext>
+            </a:extLst>
+          </p:cNvPr>
+          <p:cNvPicPr>
+            <a:picLocks noChangeAspect="1"/>
+          </p:cNvPicPr>
+          <p:nvPr/>
+        </p:nvPicPr>
+        <p:blipFill rotWithShape="1">
+          <a:blip r:embed="rId7">
+            <a:extLst>
+              <a:ext uri="{28A0092B-C50C-407E-A947-70E740481C1C}">
+                <a14:useLocalDpi xmlns:a14="http://schemas.microsoft.com/office/drawing/2010/main" val="0"/>
+              </a:ext>
+            </a:extLst>
+          </a:blip>
+          <a:srcRect l="3965" t="9793" r="8195"/>
+          <a:stretch/>
+        </p:blipFill>
+        <p:spPr>
+          <a:xfrm>
+            <a:off x="3457584" y="1977221"/>
+            <a:ext cx="3327054" cy="1891260"/>
+          </a:xfrm>
+          <a:prstGeom prst="rect">
+            <a:avLst/>
+          </a:prstGeom>
+        </p:spPr>
+      </p:pic>
+      <p:sp>
+        <p:nvSpPr>
+          <p:cNvPr id="40" name="TextBox 39">
+            <a:extLst>
+              <a:ext uri="{FF2B5EF4-FFF2-40B4-BE49-F238E27FC236}">
+                <a16:creationId xmlns:a16="http://schemas.microsoft.com/office/drawing/2014/main" id="{39788DF1-308B-6460-934E-3CA7793070B7}"/>
+              </a:ext>
+            </a:extLst>
+          </p:cNvPr>
+          <p:cNvSpPr txBox="1"/>
+          <p:nvPr/>
+        </p:nvSpPr>
+        <p:spPr>
+          <a:xfrm>
+            <a:off x="7878921" y="-29942"/>
+            <a:ext cx="788437" cy="369332"/>
+          </a:xfrm>
+          <a:prstGeom prst="rect">
+            <a:avLst/>
+          </a:prstGeom>
+          <a:noFill/>
+        </p:spPr>
+        <p:txBody>
+          <a:bodyPr wrap="square">
+            <a:spAutoFit/>
+          </a:bodyPr>
+          <a:lstStyle/>
+          <a:p>
+            <a:r>
+              <a:rPr lang="en-US" altLang="ko-KR"/>
+              <a:t>SPE</a:t>
+            </a:r>
+            <a:endParaRPr lang="ko-KR" altLang="en-US"/>
+          </a:p>
+        </p:txBody>
+      </p:sp>
+      <p:sp>
+        <p:nvSpPr>
+          <p:cNvPr id="42" name="TextBox 41">
+            <a:extLst>
+              <a:ext uri="{FF2B5EF4-FFF2-40B4-BE49-F238E27FC236}">
+                <a16:creationId xmlns:a16="http://schemas.microsoft.com/office/drawing/2014/main" id="{7882D39D-D20E-A909-759B-378F2484F147}"/>
+              </a:ext>
+            </a:extLst>
+          </p:cNvPr>
+          <p:cNvSpPr txBox="1"/>
+          <p:nvPr/>
+        </p:nvSpPr>
+        <p:spPr>
+          <a:xfrm>
+            <a:off x="10608746" y="4552"/>
+            <a:ext cx="657808" cy="369332"/>
+          </a:xfrm>
+          <a:prstGeom prst="rect">
+            <a:avLst/>
+          </a:prstGeom>
+          <a:noFill/>
+        </p:spPr>
+        <p:txBody>
+          <a:bodyPr wrap="square">
+            <a:spAutoFit/>
+          </a:bodyPr>
+          <a:lstStyle/>
+          <a:p>
+            <a:r>
+              <a:rPr lang="en-US" altLang="ko-KR"/>
+              <a:t>BAC</a:t>
+            </a:r>
+            <a:endParaRPr lang="ko-KR" altLang="en-US"/>
+          </a:p>
+        </p:txBody>
+      </p:sp>
+      <p:pic>
+        <p:nvPicPr>
+          <p:cNvPr id="43" name="그림 42">
+            <a:extLst>
+              <a:ext uri="{FF2B5EF4-FFF2-40B4-BE49-F238E27FC236}">
+                <a16:creationId xmlns:a16="http://schemas.microsoft.com/office/drawing/2014/main" id="{E84ACC8D-6C4E-5EEC-CA0C-57335BD3225F}"/>
+              </a:ext>
+            </a:extLst>
+          </p:cNvPr>
+          <p:cNvPicPr>
+            <a:picLocks noChangeAspect="1"/>
+          </p:cNvPicPr>
+          <p:nvPr/>
+        </p:nvPicPr>
+        <p:blipFill rotWithShape="1">
+          <a:blip r:embed="rId8">
+            <a:extLst>
+              <a:ext uri="{28A0092B-C50C-407E-A947-70E740481C1C}">
+                <a14:useLocalDpi xmlns:a14="http://schemas.microsoft.com/office/drawing/2010/main" val="0"/>
+              </a:ext>
+            </a:extLst>
+          </a:blip>
+          <a:srcRect l="3306" t="8183" r="8776"/>
+          <a:stretch/>
+        </p:blipFill>
+        <p:spPr>
+          <a:xfrm>
+            <a:off x="9265299" y="3621732"/>
+            <a:ext cx="2926702" cy="1836833"/>
+          </a:xfrm>
+          <a:prstGeom prst="rect">
+            <a:avLst/>
+          </a:prstGeom>
+        </p:spPr>
+      </p:pic>
+      <p:pic>
+        <p:nvPicPr>
+          <p:cNvPr id="45" name="그림 44">
+            <a:extLst>
+              <a:ext uri="{FF2B5EF4-FFF2-40B4-BE49-F238E27FC236}">
+                <a16:creationId xmlns:a16="http://schemas.microsoft.com/office/drawing/2014/main" id="{719F1DF7-758E-4770-6284-E7D19FFFDA2C}"/>
+              </a:ext>
+            </a:extLst>
+          </p:cNvPr>
+          <p:cNvPicPr>
+            <a:picLocks noChangeAspect="1"/>
+          </p:cNvPicPr>
+          <p:nvPr/>
+        </p:nvPicPr>
+        <p:blipFill rotWithShape="1">
+          <a:blip r:embed="rId9">
+            <a:extLst>
+              <a:ext uri="{28A0092B-C50C-407E-A947-70E740481C1C}">
+                <a14:useLocalDpi xmlns:a14="http://schemas.microsoft.com/office/drawing/2010/main" val="0"/>
+              </a:ext>
+            </a:extLst>
+          </a:blip>
+          <a:srcRect l="3436" t="10100" r="8566"/>
+          <a:stretch/>
+        </p:blipFill>
+        <p:spPr>
+          <a:xfrm>
+            <a:off x="6564468" y="3629477"/>
+            <a:ext cx="3014769" cy="1887812"/>
+          </a:xfrm>
+          <a:prstGeom prst="rect">
+            <a:avLst/>
+          </a:prstGeom>
+        </p:spPr>
+      </p:pic>
+      <p:pic>
+        <p:nvPicPr>
+          <p:cNvPr id="46" name="그림 45">
+            <a:extLst>
+              <a:ext uri="{FF2B5EF4-FFF2-40B4-BE49-F238E27FC236}">
+                <a16:creationId xmlns:a16="http://schemas.microsoft.com/office/drawing/2014/main" id="{0A779A89-32BF-074B-0FE2-D69553728035}"/>
+              </a:ext>
+            </a:extLst>
+          </p:cNvPr>
+          <p:cNvPicPr>
+            <a:picLocks noChangeAspect="1"/>
+          </p:cNvPicPr>
+          <p:nvPr/>
+        </p:nvPicPr>
+        <p:blipFill rotWithShape="1">
+          <a:blip r:embed="rId10">
+            <a:extLst>
+              <a:ext uri="{28A0092B-C50C-407E-A947-70E740481C1C}">
+                <a14:useLocalDpi xmlns:a14="http://schemas.microsoft.com/office/drawing/2010/main" val="0"/>
+              </a:ext>
+            </a:extLst>
+          </a:blip>
+          <a:srcRect l="6956" t="10865" r="8429" b="3277"/>
+          <a:stretch/>
+        </p:blipFill>
+        <p:spPr>
+          <a:xfrm>
+            <a:off x="9427888" y="5243407"/>
+            <a:ext cx="2764112" cy="1735137"/>
+          </a:xfrm>
+          <a:prstGeom prst="rect">
+            <a:avLst/>
+          </a:prstGeom>
+        </p:spPr>
+      </p:pic>
+      <p:pic>
+        <p:nvPicPr>
+          <p:cNvPr id="48" name="그림 47">
+            <a:extLst>
+              <a:ext uri="{FF2B5EF4-FFF2-40B4-BE49-F238E27FC236}">
+                <a16:creationId xmlns:a16="http://schemas.microsoft.com/office/drawing/2014/main" id="{74B8717C-DA39-B430-77C8-382C11F019A9}"/>
+              </a:ext>
+            </a:extLst>
+          </p:cNvPr>
+          <p:cNvPicPr>
+            <a:picLocks noChangeAspect="1"/>
+          </p:cNvPicPr>
+          <p:nvPr/>
+        </p:nvPicPr>
+        <p:blipFill rotWithShape="1">
+          <a:blip r:embed="rId11">
+            <a:extLst>
+              <a:ext uri="{28A0092B-C50C-407E-A947-70E740481C1C}">
+                <a14:useLocalDpi xmlns:a14="http://schemas.microsoft.com/office/drawing/2010/main" val="0"/>
+              </a:ext>
+            </a:extLst>
+          </a:blip>
+          <a:srcRect l="11285" t="10043" r="8454" b="9178"/>
+          <a:stretch/>
+        </p:blipFill>
+        <p:spPr>
+          <a:xfrm>
+            <a:off x="6876660" y="5275979"/>
+            <a:ext cx="2665483" cy="1606641"/>
+          </a:xfrm>
+          <a:prstGeom prst="rect">
+            <a:avLst/>
+          </a:prstGeom>
+        </p:spPr>
+      </p:pic>
+      <p:pic>
+        <p:nvPicPr>
+          <p:cNvPr id="44" name="그림 43">
+            <a:extLst>
+              <a:ext uri="{FF2B5EF4-FFF2-40B4-BE49-F238E27FC236}">
+                <a16:creationId xmlns:a16="http://schemas.microsoft.com/office/drawing/2014/main" id="{66F5BE7F-71DB-C24C-9F5A-49198DC674F2}"/>
+              </a:ext>
+            </a:extLst>
+          </p:cNvPr>
+          <p:cNvPicPr>
+            <a:picLocks noChangeAspect="1"/>
+          </p:cNvPicPr>
+          <p:nvPr/>
+        </p:nvPicPr>
+        <p:blipFill rotWithShape="1">
+          <a:blip r:embed="rId12">
+            <a:extLst>
+              <a:ext uri="{28A0092B-C50C-407E-A947-70E740481C1C}">
+                <a14:useLocalDpi xmlns:a14="http://schemas.microsoft.com/office/drawing/2010/main" val="0"/>
+              </a:ext>
+            </a:extLst>
+          </a:blip>
+          <a:srcRect l="4138" t="8985" r="8664" b="688"/>
+          <a:stretch/>
+        </p:blipFill>
+        <p:spPr>
+          <a:xfrm>
+            <a:off x="3600562" y="3629476"/>
+            <a:ext cx="3257552" cy="1924399"/>
+          </a:xfrm>
+          <a:prstGeom prst="rect">
+            <a:avLst/>
+          </a:prstGeom>
+        </p:spPr>
+      </p:pic>
+      <p:pic>
+        <p:nvPicPr>
+          <p:cNvPr id="47" name="그림 46">
+            <a:extLst>
+              <a:ext uri="{FF2B5EF4-FFF2-40B4-BE49-F238E27FC236}">
+                <a16:creationId xmlns:a16="http://schemas.microsoft.com/office/drawing/2014/main" id="{D3D57CE3-5F4A-54BF-C253-82782B8468C5}"/>
+              </a:ext>
+            </a:extLst>
+          </p:cNvPr>
+          <p:cNvPicPr>
+            <a:picLocks noChangeAspect="1"/>
+          </p:cNvPicPr>
+          <p:nvPr/>
+        </p:nvPicPr>
+        <p:blipFill rotWithShape="1">
+          <a:blip r:embed="rId13">
+            <a:extLst>
+              <a:ext uri="{28A0092B-C50C-407E-A947-70E740481C1C}">
+                <a14:useLocalDpi xmlns:a14="http://schemas.microsoft.com/office/drawing/2010/main" val="0"/>
+              </a:ext>
+            </a:extLst>
+          </a:blip>
+          <a:srcRect l="3733" t="9305" r="8769"/>
+          <a:stretch/>
+        </p:blipFill>
+        <p:spPr>
+          <a:xfrm>
+            <a:off x="3639333" y="5275979"/>
+            <a:ext cx="3218781" cy="1735137"/>
+          </a:xfrm>
+          <a:prstGeom prst="rect">
+            <a:avLst/>
+          </a:prstGeom>
+        </p:spPr>
+      </p:pic>
+      <p:sp>
+        <p:nvSpPr>
+          <p:cNvPr id="49" name="TextBox 48">
+            <a:extLst>
+              <a:ext uri="{FF2B5EF4-FFF2-40B4-BE49-F238E27FC236}">
+                <a16:creationId xmlns:a16="http://schemas.microsoft.com/office/drawing/2014/main" id="{D85E3026-FD05-36CD-9FE5-644F63BB04ED}"/>
+              </a:ext>
+            </a:extLst>
+          </p:cNvPr>
+          <p:cNvSpPr txBox="1"/>
+          <p:nvPr/>
+        </p:nvSpPr>
+        <p:spPr>
+          <a:xfrm>
+            <a:off x="560750" y="4008603"/>
+            <a:ext cx="2589244" cy="646331"/>
+          </a:xfrm>
+          <a:prstGeom prst="rect">
+            <a:avLst/>
+          </a:prstGeom>
+          <a:noFill/>
+        </p:spPr>
+        <p:txBody>
+          <a:bodyPr wrap="square">
+            <a:spAutoFit/>
+          </a:bodyPr>
+          <a:lstStyle/>
+          <a:p>
+            <a:r>
+              <a:rPr lang="en-US" altLang="ko-KR"/>
+              <a:t>Upsampling O, </a:t>
+            </a:r>
+          </a:p>
+          <a:p>
+            <a:r>
+              <a:rPr lang="en-US" altLang="ko-KR"/>
+              <a:t>class weight [1.0, 1.0]</a:t>
+            </a:r>
+            <a:endParaRPr lang="ko-KR" altLang="en-US"/>
+          </a:p>
+        </p:txBody>
+      </p:sp>
+      <p:sp>
+        <p:nvSpPr>
+          <p:cNvPr id="50" name="TextBox 49">
+            <a:extLst>
+              <a:ext uri="{FF2B5EF4-FFF2-40B4-BE49-F238E27FC236}">
+                <a16:creationId xmlns:a16="http://schemas.microsoft.com/office/drawing/2014/main" id="{46F2C369-7915-2EAA-A732-92E40C06A510}"/>
+              </a:ext>
+            </a:extLst>
+          </p:cNvPr>
+          <p:cNvSpPr txBox="1"/>
+          <p:nvPr/>
+        </p:nvSpPr>
+        <p:spPr>
+          <a:xfrm>
+            <a:off x="560750" y="5464644"/>
+            <a:ext cx="2589244" cy="646331"/>
+          </a:xfrm>
+          <a:prstGeom prst="rect">
+            <a:avLst/>
+          </a:prstGeom>
+          <a:noFill/>
+        </p:spPr>
+        <p:txBody>
+          <a:bodyPr wrap="square">
+            <a:spAutoFit/>
+          </a:bodyPr>
+          <a:lstStyle/>
+          <a:p>
+            <a:r>
+              <a:rPr lang="en-US" altLang="ko-KR"/>
+              <a:t>Upsampling O, </a:t>
+            </a:r>
+          </a:p>
+          <a:p>
+            <a:r>
+              <a:rPr lang="en-US" altLang="ko-KR"/>
+              <a:t>class weight [0.72, 1.66]</a:t>
+            </a:r>
+            <a:endParaRPr lang="ko-KR" altLang="en-US"/>
+          </a:p>
+        </p:txBody>
+      </p:sp>
+    </p:spTree>
+    <p:extLst>
+      <p:ext uri="{BB962C8B-B14F-4D97-AF65-F5344CB8AC3E}">
+        <p14:creationId xmlns:p14="http://schemas.microsoft.com/office/powerpoint/2010/main" val="592447873"/>
+      </p:ext>
+    </p:extLst>
+  </p:cSld>
+  <p:clrMapOvr>
+    <a:masterClrMapping/>
+  </p:clrMapOvr>
+</p:sld>
+</file>
+
+<file path=ppt/slides/slide11.xml><?xml version="1.0" encoding="utf-8"?>
+<p:sld xmlns:a="http://schemas.openxmlformats.org/drawingml/2006/main" xmlns:r="http://schemas.openxmlformats.org/officeDocument/2006/relationships" xmlns:p="http://schemas.openxmlformats.org/presentationml/2006/main">
+  <p:cSld>
+    <p:spTree>
+      <p:nvGrpSpPr>
+        <p:cNvPr id="1" name=""/>
+        <p:cNvGrpSpPr/>
+        <p:nvPr/>
+      </p:nvGrpSpPr>
+      <p:grpSpPr>
+        <a:xfrm>
+          <a:off x="0" y="0"/>
+          <a:ext cx="0" cy="0"/>
+          <a:chOff x="0" y="0"/>
+          <a:chExt cx="0" cy="0"/>
+        </a:xfrm>
+      </p:grpSpPr>
+      <p:pic>
+        <p:nvPicPr>
+          <p:cNvPr id="4" name="그림 3">
+            <a:extLst>
+              <a:ext uri="{FF2B5EF4-FFF2-40B4-BE49-F238E27FC236}">
+                <a16:creationId xmlns:a16="http://schemas.microsoft.com/office/drawing/2014/main" id="{A550B4D5-7311-EB16-04FA-2A0C9DD41F3F}"/>
+              </a:ext>
+            </a:extLst>
+          </p:cNvPr>
+          <p:cNvPicPr>
+            <a:picLocks noChangeAspect="1"/>
+          </p:cNvPicPr>
+          <p:nvPr/>
+        </p:nvPicPr>
+        <p:blipFill>
+          <a:blip r:embed="rId2">
+            <a:extLst>
+              <a:ext uri="{28A0092B-C50C-407E-A947-70E740481C1C}">
+                <a14:useLocalDpi xmlns:a14="http://schemas.microsoft.com/office/drawing/2010/main" val="0"/>
+              </a:ext>
+            </a:extLst>
+          </a:blip>
+          <a:stretch>
+            <a:fillRect/>
+          </a:stretch>
+        </p:blipFill>
+        <p:spPr>
+          <a:xfrm>
+            <a:off x="178290" y="2390187"/>
+            <a:ext cx="3511031" cy="2633273"/>
+          </a:xfrm>
+          <a:prstGeom prst="rect">
+            <a:avLst/>
+          </a:prstGeom>
+        </p:spPr>
+      </p:pic>
+      <p:pic>
+        <p:nvPicPr>
+          <p:cNvPr id="15" name="그림 14">
+            <a:extLst>
+              <a:ext uri="{FF2B5EF4-FFF2-40B4-BE49-F238E27FC236}">
+                <a16:creationId xmlns:a16="http://schemas.microsoft.com/office/drawing/2014/main" id="{15F53C10-BC0A-C6C2-602C-FE58AF911EA3}"/>
+              </a:ext>
+            </a:extLst>
+          </p:cNvPr>
+          <p:cNvPicPr>
+            <a:picLocks noChangeAspect="1"/>
+          </p:cNvPicPr>
+          <p:nvPr/>
+        </p:nvPicPr>
+        <p:blipFill>
+          <a:blip r:embed="rId3">
+            <a:extLst>
+              <a:ext uri="{28A0092B-C50C-407E-A947-70E740481C1C}">
+                <a14:useLocalDpi xmlns:a14="http://schemas.microsoft.com/office/drawing/2010/main" val="0"/>
+              </a:ext>
+            </a:extLst>
+          </a:blip>
+          <a:stretch>
+            <a:fillRect/>
+          </a:stretch>
+        </p:blipFill>
+        <p:spPr>
+          <a:xfrm>
+            <a:off x="3795065" y="2244731"/>
+            <a:ext cx="3969421" cy="2977066"/>
+          </a:xfrm>
+          <a:prstGeom prst="rect">
+            <a:avLst/>
+          </a:prstGeom>
+        </p:spPr>
+      </p:pic>
+      <p:pic>
+        <p:nvPicPr>
+          <p:cNvPr id="19" name="그림 18">
+            <a:extLst>
+              <a:ext uri="{FF2B5EF4-FFF2-40B4-BE49-F238E27FC236}">
+                <a16:creationId xmlns:a16="http://schemas.microsoft.com/office/drawing/2014/main" id="{E5F045B6-E867-2B7C-43C9-F4CD760CA775}"/>
+              </a:ext>
+            </a:extLst>
+          </p:cNvPr>
+          <p:cNvPicPr>
+            <a:picLocks noChangeAspect="1"/>
+          </p:cNvPicPr>
+          <p:nvPr/>
+        </p:nvPicPr>
+        <p:blipFill>
+          <a:blip r:embed="rId4">
+            <a:extLst>
+              <a:ext uri="{28A0092B-C50C-407E-A947-70E740481C1C}">
+                <a14:useLocalDpi xmlns:a14="http://schemas.microsoft.com/office/drawing/2010/main" val="0"/>
+              </a:ext>
+            </a:extLst>
+          </a:blip>
+          <a:stretch>
+            <a:fillRect/>
+          </a:stretch>
+        </p:blipFill>
+        <p:spPr>
+          <a:xfrm>
+            <a:off x="7975974" y="2390187"/>
+            <a:ext cx="3961930" cy="2971448"/>
+          </a:xfrm>
+          <a:prstGeom prst="rect">
+            <a:avLst/>
+          </a:prstGeom>
+        </p:spPr>
+      </p:pic>
+    </p:spTree>
+    <p:extLst>
+      <p:ext uri="{BB962C8B-B14F-4D97-AF65-F5344CB8AC3E}">
+        <p14:creationId xmlns:p14="http://schemas.microsoft.com/office/powerpoint/2010/main" val="2688272030"/>
+      </p:ext>
+    </p:extLst>
+  </p:cSld>
+  <p:clrMapOvr>
+    <a:masterClrMapping/>
+  </p:clrMapOvr>
+</p:sld>
+</file>
+
 <file path=ppt/slides/slide2.xml><?xml version="1.0" encoding="utf-8"?>
 <p:sld xmlns:a="http://schemas.openxmlformats.org/drawingml/2006/main" xmlns:r="http://schemas.openxmlformats.org/officeDocument/2006/relationships" xmlns:p="http://schemas.openxmlformats.org/presentationml/2006/main">
   <p:cSld>
@@ -3630,20 +4502,267 @@
             <p:ph idx="1"/>
           </p:nvPr>
         </p:nvSpPr>
-        <p:spPr/>
-        <p:txBody>
-          <a:bodyPr/>
-          <a:lstStyle/>
-          <a:p>
-            <a:r>
-              <a:rPr lang="ko-KR" altLang="en-US"/>
-              <a:t>전처리에서 뭘 하는지</a:t>
-            </a:r>
-            <a:r>
-              <a:rPr lang="en-US" altLang="ko-KR"/>
-              <a:t>..</a:t>
-            </a:r>
-            <a:endParaRPr lang="ko-KR" altLang="en-US"/>
+        <p:spPr>
+          <a:xfrm>
+            <a:off x="614265" y="1912776"/>
+            <a:ext cx="10515600" cy="4318842"/>
+          </a:xfrm>
+        </p:spPr>
+        <p:txBody>
+          <a:bodyPr>
+            <a:normAutofit/>
+          </a:bodyPr>
+          <a:lstStyle/>
+          <a:p>
+            <a:pPr marL="0" indent="0">
+              <a:buNone/>
+            </a:pPr>
+            <a:r>
+              <a:rPr lang="en-US" altLang="ko-KR" sz="2000"/>
+              <a:t>1.</a:t>
+            </a:r>
+            <a:r>
+              <a:rPr lang="ko-KR" altLang="en-US" sz="2000"/>
+              <a:t>초기 </a:t>
+            </a:r>
+            <a:r>
+              <a:rPr lang="en-US" altLang="ko-KR" sz="2000"/>
+              <a:t>10 time</a:t>
+            </a:r>
+            <a:r>
+              <a:rPr lang="ko-KR" altLang="en-US" sz="2000"/>
+              <a:t> </a:t>
+            </a:r>
+            <a:r>
+              <a:rPr lang="en-US" altLang="ko-KR" sz="2000"/>
+              <a:t>points</a:t>
+            </a:r>
+            <a:r>
+              <a:rPr lang="ko-KR" altLang="en-US" sz="2000"/>
+              <a:t> 제거 </a:t>
+            </a:r>
+            <a:r>
+              <a:rPr lang="en-US" altLang="ko-KR" sz="2000"/>
+              <a:t>: </a:t>
+            </a:r>
+            <a:r>
+              <a:rPr lang="ko-KR" altLang="en-US" sz="2000"/>
+              <a:t>초기 </a:t>
+            </a:r>
+            <a:r>
+              <a:rPr lang="en-US" altLang="ko-KR" sz="2000"/>
+              <a:t>MRI signal</a:t>
+            </a:r>
+            <a:r>
+              <a:rPr lang="ko-KR" altLang="en-US" sz="2000"/>
+              <a:t>의 </a:t>
+            </a:r>
+            <a:r>
+              <a:rPr lang="en-US" altLang="ko-KR" sz="2000"/>
+              <a:t>instability impact </a:t>
+            </a:r>
+            <a:r>
+              <a:rPr lang="ko-KR" altLang="en-US" sz="2000"/>
+              <a:t>최소화</a:t>
+            </a:r>
+            <a:r>
+              <a:rPr lang="en-US" altLang="ko-KR" sz="2000"/>
+              <a:t> </a:t>
+            </a:r>
+          </a:p>
+          <a:p>
+            <a:pPr marL="0" indent="0">
+              <a:buNone/>
+            </a:pPr>
+            <a:r>
+              <a:rPr lang="en-US" altLang="ko-KR" sz="2000"/>
+              <a:t>2. Friston 24-parameter correction + head motion scrubbing method : head</a:t>
+            </a:r>
+            <a:r>
+              <a:rPr lang="ko-KR" altLang="en-US" sz="2000"/>
+              <a:t> </a:t>
+            </a:r>
+            <a:r>
+              <a:rPr lang="en-US" altLang="ko-KR" sz="2000"/>
+              <a:t>motion</a:t>
+            </a:r>
+            <a:r>
+              <a:rPr lang="ko-KR" altLang="en-US" sz="2000"/>
+              <a:t> </a:t>
+            </a:r>
+            <a:r>
+              <a:rPr lang="en-US" altLang="ko-KR" sz="2000"/>
+              <a:t>artifacts</a:t>
+            </a:r>
+            <a:r>
+              <a:rPr lang="ko-KR" altLang="en-US" sz="2000"/>
+              <a:t> 영향 최소화</a:t>
+            </a:r>
+            <a:endParaRPr lang="en-US" altLang="ko-KR" sz="2000"/>
+          </a:p>
+          <a:p>
+            <a:pPr marL="0" indent="0">
+              <a:buNone/>
+            </a:pPr>
+            <a:r>
+              <a:rPr lang="en-US" altLang="ko-KR" sz="2000"/>
+              <a:t>3. 0.5mm</a:t>
+            </a:r>
+            <a:r>
+              <a:rPr lang="ko-KR" altLang="en-US" sz="2000"/>
+              <a:t>이상 </a:t>
+            </a:r>
+            <a:r>
+              <a:rPr lang="en-US" altLang="ko-KR" sz="2000"/>
+              <a:t>framwise displacement(FD) volume </a:t>
+            </a:r>
+            <a:r>
+              <a:rPr lang="ko-KR" altLang="en-US" sz="2000"/>
+              <a:t>제거</a:t>
+            </a:r>
+            <a:endParaRPr lang="en-US" altLang="ko-KR" sz="2000"/>
+          </a:p>
+          <a:p>
+            <a:pPr marL="0" indent="0">
+              <a:buNone/>
+            </a:pPr>
+            <a:r>
+              <a:rPr lang="en-US" altLang="ko-KR" sz="2000"/>
+              <a:t>4. 3x3x3mm^3</a:t>
+            </a:r>
+            <a:r>
+              <a:rPr lang="ko-KR" altLang="en-US" sz="2000"/>
+              <a:t> </a:t>
+            </a:r>
+            <a:r>
+              <a:rPr lang="en-US" altLang="ko-KR" sz="2000"/>
+              <a:t>MNI</a:t>
+            </a:r>
+            <a:r>
+              <a:rPr lang="ko-KR" altLang="en-US" sz="2000"/>
+              <a:t> </a:t>
+            </a:r>
+            <a:r>
+              <a:rPr lang="en-US" altLang="ko-KR" sz="2000"/>
+              <a:t>152</a:t>
+            </a:r>
+            <a:r>
+              <a:rPr lang="ko-KR" altLang="en-US" sz="2000"/>
+              <a:t> </a:t>
+            </a:r>
+            <a:r>
+              <a:rPr lang="en-US" altLang="ko-KR" sz="2000"/>
+              <a:t>template</a:t>
+            </a:r>
+            <a:r>
+              <a:rPr lang="ko-KR" altLang="en-US" sz="2000"/>
+              <a:t> </a:t>
+            </a:r>
+            <a:r>
+              <a:rPr lang="en-US" altLang="ko-KR" sz="2000"/>
+              <a:t>normalization</a:t>
+            </a:r>
+          </a:p>
+          <a:p>
+            <a:pPr marL="0" indent="0">
+              <a:buNone/>
+            </a:pPr>
+            <a:r>
+              <a:rPr lang="en-US" altLang="ko-KR" sz="2000"/>
+              <a:t>5. linearly</a:t>
+            </a:r>
+            <a:r>
+              <a:rPr lang="ko-KR" altLang="en-US" sz="2000"/>
+              <a:t> </a:t>
+            </a:r>
+            <a:r>
+              <a:rPr lang="en-US" altLang="ko-KR" sz="2000"/>
+              <a:t>detrended</a:t>
+            </a:r>
+            <a:r>
+              <a:rPr lang="ko-KR" altLang="en-US" sz="2000"/>
+              <a:t> </a:t>
+            </a:r>
+            <a:r>
+              <a:rPr lang="en-US" altLang="ko-KR" sz="2000"/>
+              <a:t>and</a:t>
+            </a:r>
+            <a:r>
+              <a:rPr lang="ko-KR" altLang="en-US" sz="2000"/>
+              <a:t> </a:t>
+            </a:r>
+            <a:r>
+              <a:rPr lang="en-US" altLang="ko-KR" sz="2000"/>
+              <a:t>temporally bandpass filtered(0.01~0.08Hz) : low frequency drift, high frequency physiological noise </a:t>
+            </a:r>
+            <a:r>
+              <a:rPr lang="ko-KR" altLang="en-US" sz="2000"/>
+              <a:t>제거</a:t>
+            </a:r>
+            <a:endParaRPr lang="en-US" altLang="ko-KR" sz="2000"/>
+          </a:p>
+          <a:p>
+            <a:pPr marL="0" indent="0">
+              <a:buNone/>
+            </a:pPr>
+            <a:r>
+              <a:rPr lang="en-US" altLang="ko-KR" sz="2000"/>
+              <a:t>6. Global signal, white matter signal, cerebrospinal fluid signal, motion parameter</a:t>
+            </a:r>
+            <a:r>
+              <a:rPr lang="ko-KR" altLang="en-US" sz="2000"/>
+              <a:t>는 </a:t>
+            </a:r>
+            <a:r>
+              <a:rPr lang="en-US" altLang="ko-KR" sz="2000"/>
+              <a:t>regressed out</a:t>
+            </a:r>
+          </a:p>
+          <a:p>
+            <a:pPr marL="0" indent="0">
+              <a:buNone/>
+            </a:pPr>
+            <a:r>
+              <a:rPr lang="en-US" altLang="ko-KR" sz="2000"/>
+              <a:t>7. Scanning </a:t>
+            </a:r>
+            <a:r>
+              <a:rPr lang="ko-KR" altLang="en-US" sz="2000"/>
+              <a:t>동안 일정 수준 이상의 </a:t>
+            </a:r>
+            <a:r>
+              <a:rPr lang="en-US" altLang="ko-KR" sz="2000"/>
+              <a:t>head motion(1.5</a:t>
+            </a:r>
+            <a:r>
+              <a:rPr lang="ko-KR" altLang="en-US" sz="2000"/>
+              <a:t>도 이상 회전</a:t>
+            </a:r>
+            <a:r>
+              <a:rPr lang="en-US" altLang="ko-KR" sz="2000"/>
+              <a:t>, 1.5mm</a:t>
+            </a:r>
+            <a:r>
+              <a:rPr lang="ko-KR" altLang="en-US" sz="2000"/>
+              <a:t>이상 움직임</a:t>
+            </a:r>
+            <a:r>
+              <a:rPr lang="en-US" altLang="ko-KR" sz="2000"/>
+              <a:t>)</a:t>
+            </a:r>
+            <a:r>
+              <a:rPr lang="ko-KR" altLang="en-US" sz="2000"/>
+              <a:t>이 보여진 </a:t>
+            </a:r>
+            <a:r>
+              <a:rPr lang="en-US" altLang="ko-KR" sz="2000"/>
+              <a:t>subject </a:t>
+            </a:r>
+            <a:r>
+              <a:rPr lang="ko-KR" altLang="en-US" sz="2000"/>
+              <a:t>제거</a:t>
+            </a:r>
+            <a:endParaRPr lang="en-US" altLang="ko-KR" sz="2000"/>
           </a:p>
         </p:txBody>
       </p:sp>
@@ -3661,6 +4780,562 @@
 </file>
 
 <file path=ppt/slides/slide4.xml><?xml version="1.0" encoding="utf-8"?>
+<p:sld xmlns:a="http://schemas.openxmlformats.org/drawingml/2006/main" xmlns:r="http://schemas.openxmlformats.org/officeDocument/2006/relationships" xmlns:p="http://schemas.openxmlformats.org/presentationml/2006/main">
+  <p:cSld>
+    <p:spTree>
+      <p:nvGrpSpPr>
+        <p:cNvPr id="1" name="">
+          <a:extLst>
+            <a:ext uri="{FF2B5EF4-FFF2-40B4-BE49-F238E27FC236}">
+              <a16:creationId xmlns:a16="http://schemas.microsoft.com/office/drawing/2014/main" id="{64A473B1-2EB1-91A1-2EE7-EF1A96B7C025}"/>
+            </a:ext>
+          </a:extLst>
+        </p:cNvPr>
+        <p:cNvGrpSpPr/>
+        <p:nvPr/>
+      </p:nvGrpSpPr>
+      <p:grpSpPr>
+        <a:xfrm>
+          <a:off x="0" y="0"/>
+          <a:ext cx="0" cy="0"/>
+          <a:chOff x="0" y="0"/>
+          <a:chExt cx="0" cy="0"/>
+        </a:xfrm>
+      </p:grpSpPr>
+      <p:sp>
+        <p:nvSpPr>
+          <p:cNvPr id="2" name="제목 1">
+            <a:extLst>
+              <a:ext uri="{FF2B5EF4-FFF2-40B4-BE49-F238E27FC236}">
+                <a16:creationId xmlns:a16="http://schemas.microsoft.com/office/drawing/2014/main" id="{2731AA2E-B205-6576-369E-70DC5316FAAB}"/>
+              </a:ext>
+            </a:extLst>
+          </p:cNvPr>
+          <p:cNvSpPr>
+            <a:spLocks noGrp="1"/>
+          </p:cNvSpPr>
+          <p:nvPr>
+            <p:ph type="title"/>
+          </p:nvPr>
+        </p:nvSpPr>
+        <p:spPr/>
+        <p:txBody>
+          <a:bodyPr/>
+          <a:lstStyle/>
+          <a:p>
+            <a:r>
+              <a:rPr lang="en-US" altLang="ko-KR"/>
+              <a:t>1. fMRI data </a:t>
+            </a:r>
+            <a:r>
+              <a:rPr lang="ko-KR" altLang="en-US"/>
+              <a:t>전처리</a:t>
+            </a:r>
+            <a:r>
+              <a:rPr lang="en-US" altLang="ko-KR"/>
+              <a:t>(fmri-prep) </a:t>
+            </a:r>
+            <a:endParaRPr lang="ko-KR" altLang="en-US"/>
+          </a:p>
+        </p:txBody>
+      </p:sp>
+      <p:sp>
+        <p:nvSpPr>
+          <p:cNvPr id="3" name="내용 개체 틀 2">
+            <a:extLst>
+              <a:ext uri="{FF2B5EF4-FFF2-40B4-BE49-F238E27FC236}">
+                <a16:creationId xmlns:a16="http://schemas.microsoft.com/office/drawing/2014/main" id="{558F9AC2-6B15-9439-6B53-51B2CD377955}"/>
+              </a:ext>
+            </a:extLst>
+          </p:cNvPr>
+          <p:cNvSpPr>
+            <a:spLocks noGrp="1"/>
+          </p:cNvSpPr>
+          <p:nvPr>
+            <p:ph idx="1"/>
+          </p:nvPr>
+        </p:nvSpPr>
+        <p:spPr/>
+        <p:txBody>
+          <a:bodyPr/>
+          <a:lstStyle/>
+          <a:p>
+            <a:pPr marL="0" indent="0">
+              <a:buNone/>
+            </a:pPr>
+            <a:r>
+              <a:rPr lang="en-US" altLang="ko-KR"/>
+              <a:t>Dataset 1 (UCLA_CNP)</a:t>
+            </a:r>
+          </a:p>
+          <a:p>
+            <a:pPr marL="0" indent="0">
+              <a:buNone/>
+            </a:pPr>
+            <a:r>
+              <a:rPr lang="en-US" altLang="ko-KR"/>
+              <a:t>Subject</a:t>
+            </a:r>
+            <a:r>
+              <a:rPr lang="ko-KR" altLang="en-US"/>
+              <a:t> </a:t>
+            </a:r>
+            <a:r>
+              <a:rPr lang="en-US" altLang="ko-KR"/>
+              <a:t>272</a:t>
+            </a:r>
+            <a:r>
+              <a:rPr lang="ko-KR" altLang="en-US"/>
+              <a:t>명 중</a:t>
+            </a:r>
+            <a:r>
+              <a:rPr lang="en-US" altLang="ko-KR"/>
+              <a:t> 263</a:t>
+            </a:r>
+            <a:r>
+              <a:rPr lang="ko-KR" altLang="en-US"/>
+              <a:t>명</a:t>
+            </a:r>
+            <a:endParaRPr lang="en-US" altLang="ko-KR"/>
+          </a:p>
+          <a:p>
+            <a:pPr marL="0" indent="0">
+              <a:buNone/>
+            </a:pPr>
+            <a:endParaRPr lang="en-US" altLang="ko-KR"/>
+          </a:p>
+          <a:p>
+            <a:pPr marL="0" indent="0">
+              <a:buNone/>
+            </a:pPr>
+            <a:r>
+              <a:rPr lang="en-US" altLang="ko-KR"/>
+              <a:t>Dataset 2 (COBRE)</a:t>
+            </a:r>
+          </a:p>
+          <a:p>
+            <a:pPr marL="0" indent="0">
+              <a:buNone/>
+            </a:pPr>
+            <a:r>
+              <a:rPr lang="en-US" altLang="ko-KR"/>
+              <a:t>Subject 148</a:t>
+            </a:r>
+            <a:r>
+              <a:rPr lang="ko-KR" altLang="en-US"/>
+              <a:t>명 중</a:t>
+            </a:r>
+            <a:r>
+              <a:rPr lang="en-US" altLang="ko-KR"/>
+              <a:t> 148</a:t>
+            </a:r>
+            <a:r>
+              <a:rPr lang="ko-KR" altLang="en-US"/>
+              <a:t>명</a:t>
+            </a:r>
+          </a:p>
+          <a:p>
+            <a:pPr marL="0" indent="0">
+              <a:buNone/>
+            </a:pPr>
+            <a:endParaRPr lang="en-US" altLang="ko-KR"/>
+          </a:p>
+        </p:txBody>
+      </p:sp>
+    </p:spTree>
+    <p:extLst>
+      <p:ext uri="{BB962C8B-B14F-4D97-AF65-F5344CB8AC3E}">
+        <p14:creationId xmlns:p14="http://schemas.microsoft.com/office/powerpoint/2010/main" val="3625852953"/>
+      </p:ext>
+    </p:extLst>
+  </p:cSld>
+  <p:clrMapOvr>
+    <a:masterClrMapping/>
+  </p:clrMapOvr>
+</p:sld>
+</file>
+
+<file path=ppt/slides/slide5.xml><?xml version="1.0" encoding="utf-8"?>
+<p:sld xmlns:a="http://schemas.openxmlformats.org/drawingml/2006/main" xmlns:r="http://schemas.openxmlformats.org/officeDocument/2006/relationships" xmlns:p="http://schemas.openxmlformats.org/presentationml/2006/main">
+  <p:cSld>
+    <p:spTree>
+      <p:nvGrpSpPr>
+        <p:cNvPr id="1" name="">
+          <a:extLst>
+            <a:ext uri="{FF2B5EF4-FFF2-40B4-BE49-F238E27FC236}">
+              <a16:creationId xmlns:a16="http://schemas.microsoft.com/office/drawing/2014/main" id="{26FF4B0E-1E48-91C4-8C99-51682A7CCD41}"/>
+            </a:ext>
+          </a:extLst>
+        </p:cNvPr>
+        <p:cNvGrpSpPr/>
+        <p:nvPr/>
+      </p:nvGrpSpPr>
+      <p:grpSpPr>
+        <a:xfrm>
+          <a:off x="0" y="0"/>
+          <a:ext cx="0" cy="0"/>
+          <a:chOff x="0" y="0"/>
+          <a:chExt cx="0" cy="0"/>
+        </a:xfrm>
+      </p:grpSpPr>
+      <p:sp>
+        <p:nvSpPr>
+          <p:cNvPr id="2" name="제목 1">
+            <a:extLst>
+              <a:ext uri="{FF2B5EF4-FFF2-40B4-BE49-F238E27FC236}">
+                <a16:creationId xmlns:a16="http://schemas.microsoft.com/office/drawing/2014/main" id="{7C5DD28E-9CBF-E8DA-38DC-E0CF61B1AEF8}"/>
+              </a:ext>
+            </a:extLst>
+          </p:cNvPr>
+          <p:cNvSpPr>
+            <a:spLocks noGrp="1"/>
+          </p:cNvSpPr>
+          <p:nvPr>
+            <p:ph type="title"/>
+          </p:nvPr>
+        </p:nvSpPr>
+        <p:spPr/>
+        <p:txBody>
+          <a:bodyPr/>
+          <a:lstStyle/>
+          <a:p>
+            <a:r>
+              <a:rPr lang="en-US" altLang="ko-KR"/>
+              <a:t>2. functional connectivity </a:t>
+            </a:r>
+            <a:r>
+              <a:rPr lang="ko-KR" altLang="en-US"/>
+              <a:t>제작</a:t>
+            </a:r>
+            <a:endParaRPr lang="en-US" altLang="ko-KR"/>
+          </a:p>
+        </p:txBody>
+      </p:sp>
+      <p:sp>
+        <p:nvSpPr>
+          <p:cNvPr id="3" name="내용 개체 틀 2">
+            <a:extLst>
+              <a:ext uri="{FF2B5EF4-FFF2-40B4-BE49-F238E27FC236}">
+                <a16:creationId xmlns:a16="http://schemas.microsoft.com/office/drawing/2014/main" id="{9F5A693B-255A-DEB9-AA0E-E3AA04E603E6}"/>
+              </a:ext>
+            </a:extLst>
+          </p:cNvPr>
+          <p:cNvSpPr>
+            <a:spLocks noGrp="1"/>
+          </p:cNvSpPr>
+          <p:nvPr>
+            <p:ph idx="1"/>
+          </p:nvPr>
+        </p:nvSpPr>
+        <p:spPr>
+          <a:xfrm>
+            <a:off x="671945" y="1925724"/>
+            <a:ext cx="10515600" cy="4351338"/>
+          </a:xfrm>
+        </p:spPr>
+        <p:txBody>
+          <a:bodyPr>
+            <a:normAutofit/>
+          </a:bodyPr>
+          <a:lstStyle/>
+          <a:p>
+            <a:pPr marL="0" indent="0">
+              <a:buNone/>
+            </a:pPr>
+            <a:r>
+              <a:rPr lang="en-US" altLang="ko-KR"/>
+              <a:t>&lt;Input&gt;</a:t>
+            </a:r>
+          </a:p>
+          <a:p>
+            <a:pPr marL="0" indent="0">
+              <a:buNone/>
+            </a:pPr>
+            <a:r>
+              <a:rPr lang="en-US" altLang="ko-KR">
+                <a:highlight>
+                  <a:srgbClr val="FFFF00"/>
+                </a:highlight>
+              </a:rPr>
+              <a:t>fMRI image, Atlas label image</a:t>
+            </a:r>
+            <a:r>
+              <a:rPr lang="ko-KR" altLang="en-US">
+                <a:highlight>
+                  <a:srgbClr val="FFFF00"/>
+                </a:highlight>
+              </a:rPr>
+              <a:t>에 </a:t>
+            </a:r>
+            <a:r>
+              <a:rPr lang="en-US" altLang="ko-KR">
+                <a:highlight>
+                  <a:srgbClr val="FFFF00"/>
+                </a:highlight>
+              </a:rPr>
+              <a:t>Masking </a:t>
+            </a:r>
+            <a:r>
+              <a:rPr lang="ko-KR" altLang="en-US">
+                <a:highlight>
+                  <a:srgbClr val="FFFF00"/>
+                </a:highlight>
+              </a:rPr>
+              <a:t>적용 </a:t>
+            </a:r>
+            <a:r>
+              <a:rPr lang="en-US" altLang="ko-KR">
+                <a:highlight>
+                  <a:srgbClr val="FFFF00"/>
+                </a:highlight>
+              </a:rPr>
+              <a:t>: </a:t>
+            </a:r>
+            <a:r>
+              <a:rPr lang="ko-KR" altLang="en-US">
+                <a:highlight>
+                  <a:srgbClr val="FFFF00"/>
+                </a:highlight>
+              </a:rPr>
+              <a:t>유의미한 데이터 추출</a:t>
+            </a:r>
+            <a:endParaRPr lang="en-US" altLang="ko-KR">
+              <a:highlight>
+                <a:srgbClr val="FFFF00"/>
+              </a:highlight>
+            </a:endParaRPr>
+          </a:p>
+          <a:p>
+            <a:pPr marL="0" indent="0">
+              <a:buNone/>
+            </a:pPr>
+            <a:r>
+              <a:rPr lang="en-US" altLang="ko-KR">
+                <a:highlight>
+                  <a:srgbClr val="FFFF00"/>
+                </a:highlight>
+              </a:rPr>
+              <a:t>, </a:t>
+            </a:r>
+            <a:r>
+              <a:rPr lang="ko-KR" altLang="en-US">
+                <a:highlight>
+                  <a:srgbClr val="FFFF00"/>
+                </a:highlight>
+              </a:rPr>
+              <a:t>한 </a:t>
+            </a:r>
+            <a:r>
+              <a:rPr lang="en-US" altLang="ko-KR">
+                <a:highlight>
+                  <a:srgbClr val="FFFF00"/>
+                </a:highlight>
+              </a:rPr>
+              <a:t>rsimg</a:t>
+            </a:r>
+            <a:r>
+              <a:rPr lang="ko-KR" altLang="en-US">
+                <a:highlight>
+                  <a:srgbClr val="FFFF00"/>
+                </a:highlight>
+              </a:rPr>
+              <a:t>에 </a:t>
+            </a:r>
+            <a:r>
+              <a:rPr lang="en-US" altLang="ko-KR">
+                <a:highlight>
+                  <a:srgbClr val="FFFF00"/>
+                </a:highlight>
+              </a:rPr>
+              <a:t>masking </a:t>
+            </a:r>
+            <a:r>
+              <a:rPr lang="ko-KR" altLang="en-US">
+                <a:highlight>
+                  <a:srgbClr val="FFFF00"/>
+                </a:highlight>
+              </a:rPr>
+              <a:t>적용한 </a:t>
+            </a:r>
+            <a:r>
+              <a:rPr lang="en-US" altLang="ko-KR">
+                <a:highlight>
+                  <a:srgbClr val="FFFF00"/>
+                </a:highlight>
+              </a:rPr>
+              <a:t>label img</a:t>
+            </a:r>
+            <a:r>
+              <a:rPr lang="ko-KR" altLang="en-US">
+                <a:highlight>
+                  <a:srgbClr val="FFFF00"/>
+                </a:highlight>
+              </a:rPr>
+              <a:t>를 기반으로 </a:t>
+            </a:r>
+            <a:r>
+              <a:rPr lang="en-US" altLang="ko-KR">
+                <a:highlight>
+                  <a:srgbClr val="FFFF00"/>
+                </a:highlight>
+              </a:rPr>
+              <a:t>ROI</a:t>
+            </a:r>
+            <a:r>
+              <a:rPr lang="ko-KR" altLang="en-US">
+                <a:highlight>
+                  <a:srgbClr val="FFFF00"/>
+                </a:highlight>
+              </a:rPr>
+              <a:t>간의 </a:t>
+            </a:r>
+            <a:r>
+              <a:rPr lang="en-US" altLang="ko-KR">
+                <a:highlight>
+                  <a:srgbClr val="FFFF00"/>
+                </a:highlight>
+              </a:rPr>
+              <a:t>functional connectivity </a:t>
+            </a:r>
+            <a:r>
+              <a:rPr lang="ko-KR" altLang="en-US">
+                <a:highlight>
+                  <a:srgbClr val="FFFF00"/>
+                </a:highlight>
+              </a:rPr>
+              <a:t>제작</a:t>
+            </a:r>
+            <a:endParaRPr lang="en-US" altLang="ko-KR">
+              <a:highlight>
+                <a:srgbClr val="FFFF00"/>
+              </a:highlight>
+            </a:endParaRPr>
+          </a:p>
+          <a:p>
+            <a:pPr marL="0" indent="0">
+              <a:buNone/>
+            </a:pPr>
+            <a:endParaRPr lang="en-US" altLang="ko-KR">
+              <a:highlight>
+                <a:srgbClr val="FFFF00"/>
+              </a:highlight>
+            </a:endParaRPr>
+          </a:p>
+          <a:p>
+            <a:pPr marL="0" indent="0">
+              <a:buNone/>
+            </a:pPr>
+            <a:r>
+              <a:rPr lang="ko-KR" altLang="en-US">
+                <a:highlight>
+                  <a:srgbClr val="FFFF00"/>
+                </a:highlight>
+              </a:rPr>
+              <a:t>문제 </a:t>
+            </a:r>
+            <a:r>
+              <a:rPr lang="en-US" altLang="ko-KR">
+                <a:highlight>
+                  <a:srgbClr val="FFFF00"/>
+                </a:highlight>
+              </a:rPr>
+              <a:t>: mask </a:t>
+            </a:r>
+            <a:r>
+              <a:rPr lang="ko-KR" altLang="en-US">
+                <a:highlight>
+                  <a:srgbClr val="FFFF00"/>
+                </a:highlight>
+              </a:rPr>
+              <a:t>적용한 </a:t>
+            </a:r>
+            <a:r>
+              <a:rPr lang="en-US" altLang="ko-KR">
+                <a:highlight>
+                  <a:srgbClr val="FFFF00"/>
+                </a:highlight>
+              </a:rPr>
+              <a:t>unique</a:t>
+            </a:r>
+            <a:r>
+              <a:rPr lang="ko-KR" altLang="en-US">
+                <a:highlight>
+                  <a:srgbClr val="FFFF00"/>
+                </a:highlight>
+              </a:rPr>
+              <a:t>한 </a:t>
+            </a:r>
+            <a:r>
+              <a:rPr lang="en-US" altLang="ko-KR">
+                <a:highlight>
+                  <a:srgbClr val="FFFF00"/>
+                </a:highlight>
+              </a:rPr>
+              <a:t>label</a:t>
+            </a:r>
+            <a:r>
+              <a:rPr lang="ko-KR" altLang="en-US">
+                <a:highlight>
+                  <a:srgbClr val="FFFF00"/>
+                </a:highlight>
+              </a:rPr>
+              <a:t> 개수와</a:t>
+            </a:r>
+            <a:r>
+              <a:rPr lang="en-US" altLang="ko-KR">
+                <a:highlight>
+                  <a:srgbClr val="FFFF00"/>
+                </a:highlight>
+              </a:rPr>
+              <a:t>, </a:t>
+            </a:r>
+          </a:p>
+          <a:p>
+            <a:pPr marL="0" indent="0">
+              <a:buNone/>
+            </a:pPr>
+            <a:endParaRPr lang="en-US" altLang="ko-KR"/>
+          </a:p>
+          <a:p>
+            <a:pPr marL="0" indent="0">
+              <a:buNone/>
+            </a:pPr>
+            <a:endParaRPr lang="en-US" altLang="ko-KR"/>
+          </a:p>
+          <a:p>
+            <a:pPr marL="0" indent="0">
+              <a:buNone/>
+            </a:pPr>
+            <a:endParaRPr lang="en-US" altLang="ko-KR"/>
+          </a:p>
+          <a:p>
+            <a:pPr marL="0" indent="0">
+              <a:buNone/>
+            </a:pPr>
+            <a:endParaRPr lang="en-US" altLang="ko-KR"/>
+          </a:p>
+          <a:p>
+            <a:pPr marL="0" indent="0">
+              <a:buNone/>
+            </a:pPr>
+            <a:endParaRPr lang="ko-KR" altLang="en-US"/>
+          </a:p>
+        </p:txBody>
+      </p:sp>
+    </p:spTree>
+    <p:extLst>
+      <p:ext uri="{BB962C8B-B14F-4D97-AF65-F5344CB8AC3E}">
+        <p14:creationId xmlns:p14="http://schemas.microsoft.com/office/powerpoint/2010/main" val="3177400727"/>
+      </p:ext>
+    </p:extLst>
+  </p:cSld>
+  <p:clrMapOvr>
+    <a:masterClrMapping/>
+  </p:clrMapOvr>
+</p:sld>
+</file>
+
+<file path=ppt/slides/slide6.xml><?xml version="1.0" encoding="utf-8"?>
 <p:sld xmlns:a="http://schemas.openxmlformats.org/drawingml/2006/main" xmlns:r="http://schemas.openxmlformats.org/officeDocument/2006/relationships" xmlns:p="http://schemas.openxmlformats.org/presentationml/2006/main">
   <p:cSld>
     <p:spTree>
@@ -3732,11 +5407,165 @@
             <p:ph idx="1"/>
           </p:nvPr>
         </p:nvSpPr>
-        <p:spPr/>
-        <p:txBody>
-          <a:bodyPr/>
-          <a:lstStyle/>
-          <a:p>
+        <p:spPr>
+          <a:xfrm>
+            <a:off x="176309" y="1690688"/>
+            <a:ext cx="11839381" cy="4351338"/>
+          </a:xfrm>
+        </p:spPr>
+        <p:txBody>
+          <a:bodyPr>
+            <a:normAutofit lnSpcReduction="10000"/>
+          </a:bodyPr>
+          <a:lstStyle/>
+          <a:p>
+            <a:pPr marL="0" indent="0">
+              <a:buNone/>
+            </a:pPr>
+            <a:r>
+              <a:rPr lang="en-US" altLang="ko-KR"/>
+              <a:t>1. Schaefer2018 (400Parcels_17Networks_1mm)</a:t>
+            </a:r>
+          </a:p>
+          <a:p>
+            <a:pPr>
+              <a:buFont typeface="Wingdings" panose="05000000000000000000" pitchFamily="2" charset="2"/>
+              <a:buChar char="è"/>
+            </a:pPr>
+            <a:r>
+              <a:rPr lang="en-US" altLang="ko-KR"/>
+              <a:t>Dataset1(UCLA_CNP) : subject 263</a:t>
+            </a:r>
+            <a:r>
+              <a:rPr lang="ko-KR" altLang="en-US"/>
+              <a:t>명 중 </a:t>
+            </a:r>
+            <a:r>
+              <a:rPr lang="en-US" altLang="ko-KR"/>
+              <a:t>117</a:t>
+            </a:r>
+            <a:r>
+              <a:rPr lang="ko-KR" altLang="en-US"/>
+              <a:t>명 가능</a:t>
+            </a:r>
+            <a:r>
+              <a:rPr lang="en-US" altLang="ko-KR"/>
+              <a:t>(HC 52, SCZ 25)</a:t>
+            </a:r>
+          </a:p>
+          <a:p>
+            <a:pPr>
+              <a:buFont typeface="Wingdings" panose="05000000000000000000" pitchFamily="2" charset="2"/>
+              <a:buChar char="è"/>
+            </a:pPr>
+            <a:endParaRPr lang="en-US" altLang="ko-KR"/>
+          </a:p>
+          <a:p>
+            <a:pPr marL="0" indent="0">
+              <a:buNone/>
+            </a:pPr>
+            <a:r>
+              <a:rPr lang="en-US" altLang="ko-KR"/>
+              <a:t>2. AAL3v1 (164parcels)</a:t>
+            </a:r>
+          </a:p>
+          <a:p>
+            <a:pPr marL="0" indent="0">
+              <a:buNone/>
+            </a:pPr>
+            <a:r>
+              <a:rPr lang="en-US" altLang="ko-KR"/>
+              <a:t>-&gt; Dataset 1 (UCLA_CNP) : subject</a:t>
+            </a:r>
+            <a:r>
+              <a:rPr lang="ko-KR" altLang="en-US"/>
+              <a:t> </a:t>
+            </a:r>
+            <a:r>
+              <a:rPr lang="en-US" altLang="ko-KR"/>
+              <a:t>263</a:t>
+            </a:r>
+            <a:r>
+              <a:rPr lang="ko-KR" altLang="en-US"/>
+              <a:t>명 중 </a:t>
+            </a:r>
+            <a:r>
+              <a:rPr lang="en-US" altLang="ko-KR"/>
+              <a:t>223</a:t>
+            </a:r>
+            <a:r>
+              <a:rPr lang="ko-KR" altLang="en-US"/>
+              <a:t>명 가능</a:t>
+            </a:r>
+            <a:r>
+              <a:rPr lang="en-US" altLang="ko-KR"/>
+              <a:t>(HC104, SCZ44)</a:t>
+            </a:r>
+          </a:p>
+          <a:p>
+            <a:pPr>
+              <a:buFont typeface="Wingdings" panose="05000000000000000000" pitchFamily="2" charset="2"/>
+              <a:buChar char="è"/>
+            </a:pPr>
+            <a:r>
+              <a:rPr lang="en-US" altLang="ko-KR"/>
+              <a:t>Dataset2(COBRE) : subject 148</a:t>
+            </a:r>
+            <a:r>
+              <a:rPr lang="ko-KR" altLang="en-US"/>
+              <a:t>명 중 </a:t>
+            </a:r>
+            <a:r>
+              <a:rPr lang="en-US" altLang="ko-KR"/>
+              <a:t>130</a:t>
+            </a:r>
+            <a:r>
+              <a:rPr lang="ko-KR" altLang="en-US"/>
+              <a:t>명 가능</a:t>
+            </a:r>
+            <a:endParaRPr lang="en-US" altLang="ko-KR"/>
+          </a:p>
+          <a:p>
+            <a:pPr>
+              <a:buFont typeface="Wingdings" panose="05000000000000000000" pitchFamily="2" charset="2"/>
+              <a:buChar char="è"/>
+            </a:pPr>
+            <a:endParaRPr lang="en-US" altLang="ko-KR"/>
+          </a:p>
+          <a:p>
+            <a:pPr marL="0" indent="0">
+              <a:buNone/>
+            </a:pPr>
+            <a:r>
+              <a:rPr lang="en-US" altLang="ko-KR"/>
+              <a:t>3. AAL1 (116parcels)</a:t>
+            </a:r>
+          </a:p>
+          <a:p>
+            <a:pPr marL="0" indent="0">
+              <a:buNone/>
+            </a:pPr>
+            <a:r>
+              <a:rPr lang="en-US" altLang="ko-KR"/>
+              <a:t>-&gt; Dataset1(UCLA_CNP) : </a:t>
+            </a:r>
+          </a:p>
+          <a:p>
+            <a:pPr marL="0" indent="0">
+              <a:buNone/>
+            </a:pPr>
+            <a:endParaRPr lang="en-US" altLang="ko-KR"/>
+          </a:p>
+          <a:p>
+            <a:pPr marL="0" indent="0">
+              <a:buNone/>
+            </a:pPr>
+            <a:endParaRPr lang="en-US" altLang="ko-KR"/>
+          </a:p>
+          <a:p>
+            <a:pPr marL="0" indent="0">
+              <a:buNone/>
+            </a:pPr>
             <a:endParaRPr lang="ko-KR" altLang="en-US"/>
           </a:p>
         </p:txBody>
@@ -3754,7 +5583,7 @@
 </p:sld>
 </file>
 
-<file path=ppt/slides/slide5.xml><?xml version="1.0" encoding="utf-8"?>
+<file path=ppt/slides/slide7.xml><?xml version="1.0" encoding="utf-8"?>
 <p:sld xmlns:a="http://schemas.openxmlformats.org/drawingml/2006/main" xmlns:r="http://schemas.openxmlformats.org/officeDocument/2006/relationships" xmlns:p="http://schemas.openxmlformats.org/presentationml/2006/main">
   <p:cSld>
     <p:spTree>
@@ -3825,11 +5654,180 @@
             <p:ph idx="1"/>
           </p:nvPr>
         </p:nvSpPr>
-        <p:spPr/>
-        <p:txBody>
-          <a:bodyPr/>
-          <a:lstStyle/>
-          <a:p>
+        <p:spPr>
+          <a:xfrm>
+            <a:off x="726233" y="1769642"/>
+            <a:ext cx="10515600" cy="4351338"/>
+          </a:xfrm>
+        </p:spPr>
+        <p:txBody>
+          <a:bodyPr>
+            <a:normAutofit fontScale="92500" lnSpcReduction="20000"/>
+          </a:bodyPr>
+          <a:lstStyle/>
+          <a:p>
+            <a:pPr marL="0" indent="0">
+              <a:buNone/>
+            </a:pPr>
+            <a:r>
+              <a:rPr lang="en-US" altLang="ko-KR"/>
+              <a:t>G = (V, E, W)</a:t>
+            </a:r>
+          </a:p>
+          <a:p>
+            <a:r>
+              <a:rPr lang="en-US" altLang="ko-KR"/>
+              <a:t>G : subject 1</a:t>
+            </a:r>
+            <a:r>
+              <a:rPr lang="ko-KR" altLang="en-US"/>
+              <a:t>명의 뇌</a:t>
+            </a:r>
+          </a:p>
+          <a:p>
+            <a:r>
+              <a:rPr lang="en-US" altLang="ko-KR"/>
+              <a:t>V : FC</a:t>
+            </a:r>
+            <a:r>
+              <a:rPr lang="ko-KR" altLang="en-US"/>
+              <a:t>의 </a:t>
+            </a:r>
+            <a:r>
+              <a:rPr lang="en-US" altLang="ko-KR"/>
+              <a:t>brain regions (defined by atlas)</a:t>
+            </a:r>
+          </a:p>
+          <a:p>
+            <a:r>
+              <a:rPr lang="en-US" altLang="ko-KR">
+                <a:highlight>
+                  <a:srgbClr val="FFFF00"/>
+                </a:highlight>
+              </a:rPr>
+              <a:t>E : brain regions</a:t>
+            </a:r>
+            <a:r>
+              <a:rPr lang="ko-KR" altLang="en-US">
+                <a:highlight>
+                  <a:srgbClr val="FFFF00"/>
+                </a:highlight>
+              </a:rPr>
+              <a:t>간 </a:t>
+            </a:r>
+            <a:r>
+              <a:rPr lang="en-US" altLang="ko-KR">
+                <a:highlight>
+                  <a:srgbClr val="FFFF00"/>
+                </a:highlight>
+              </a:rPr>
+              <a:t>threshold </a:t>
+            </a:r>
+            <a:r>
+              <a:rPr lang="ko-KR" altLang="en-US">
+                <a:highlight>
+                  <a:srgbClr val="FFFF00"/>
+                </a:highlight>
+              </a:rPr>
+              <a:t>넘은</a:t>
+            </a:r>
+            <a:r>
+              <a:rPr lang="en-US" altLang="ko-KR">
+                <a:highlight>
+                  <a:srgbClr val="FFFF00"/>
+                </a:highlight>
+              </a:rPr>
+              <a:t>functional connections (threshold 0 </a:t>
+            </a:r>
+            <a:r>
+              <a:rPr lang="ko-KR" altLang="en-US">
+                <a:highlight>
+                  <a:srgbClr val="FFFF00"/>
+                </a:highlight>
+              </a:rPr>
+              <a:t>이면 </a:t>
+            </a:r>
+            <a:r>
+              <a:rPr lang="en-US" altLang="ko-KR">
+                <a:highlight>
+                  <a:srgbClr val="FFFF00"/>
+                </a:highlight>
+              </a:rPr>
+              <a:t>complete graph)</a:t>
+            </a:r>
+          </a:p>
+          <a:p>
+            <a:pPr marL="0" indent="0">
+              <a:buNone/>
+            </a:pPr>
+            <a:endParaRPr lang="en-US" altLang="ko-KR">
+              <a:highlight>
+                <a:srgbClr val="FFFF00"/>
+              </a:highlight>
+            </a:endParaRPr>
+          </a:p>
+          <a:p>
+            <a:r>
+              <a:rPr lang="en-US" altLang="ko-KR">
+                <a:highlight>
+                  <a:srgbClr val="FFFF00"/>
+                </a:highlight>
+              </a:rPr>
+              <a:t>W(node#, node#) : weighted adjacency matrix</a:t>
+            </a:r>
+          </a:p>
+          <a:p>
+            <a:r>
+              <a:rPr lang="en-US" altLang="ko-KR">
+                <a:highlight>
+                  <a:srgbClr val="FFFF00"/>
+                </a:highlight>
+              </a:rPr>
+              <a:t>KNN </a:t>
+            </a:r>
+            <a:r>
+              <a:rPr lang="ko-KR" altLang="en-US">
+                <a:highlight>
+                  <a:srgbClr val="FFFF00"/>
+                </a:highlight>
+              </a:rPr>
+              <a:t>알고리즘 사용</a:t>
+            </a:r>
+            <a:r>
+              <a:rPr lang="en-US" altLang="ko-KR">
+                <a:highlight>
+                  <a:srgbClr val="FFFF00"/>
+                </a:highlight>
+              </a:rPr>
+              <a:t>(k=10)</a:t>
+            </a:r>
+          </a:p>
+          <a:p>
+            <a:endParaRPr lang="en-US" altLang="ko-KR"/>
+          </a:p>
+          <a:p>
+            <a:r>
+              <a:rPr lang="en-US" altLang="ko-KR"/>
+              <a:t>FCGraphDataset(</a:t>
+            </a:r>
+            <a:r>
+              <a:rPr lang="en-US" altLang="ko-KR">
+                <a:highlight>
+                  <a:srgbClr val="FFFF00"/>
+                </a:highlight>
+              </a:rPr>
+              <a:t>146</a:t>
+            </a:r>
+            <a:r>
+              <a:rPr lang="en-US" altLang="ko-KR"/>
+              <a:t>)</a:t>
+            </a:r>
+          </a:p>
+          <a:p>
+            <a:r>
+              <a:rPr lang="en-US" altLang="ko-KR"/>
+              <a:t>Data(x=[164, 164], edge_index=[2, 2084], edge_attr=[2084], y=[1])</a:t>
+            </a:r>
             <a:endParaRPr lang="ko-KR" altLang="en-US"/>
           </a:p>
         </p:txBody>
@@ -3847,7 +5845,7 @@
 </p:sld>
 </file>
 
-<file path=ppt/slides/slide6.xml><?xml version="1.0" encoding="utf-8"?>
+<file path=ppt/slides/slide8.xml><?xml version="1.0" encoding="utf-8"?>
 <p:sld xmlns:a="http://schemas.openxmlformats.org/drawingml/2006/main" xmlns:r="http://schemas.openxmlformats.org/officeDocument/2006/relationships" xmlns:p="http://schemas.openxmlformats.org/presentationml/2006/main">
   <p:cSld>
     <p:spTree>
@@ -3920,9 +5918,137 @@
         </p:nvSpPr>
         <p:spPr/>
         <p:txBody>
-          <a:bodyPr/>
-          <a:lstStyle/>
-          <a:p>
+          <a:bodyPr>
+            <a:normAutofit lnSpcReduction="10000"/>
+          </a:bodyPr>
+          <a:lstStyle/>
+          <a:p>
+            <a:pPr marL="0" indent="0">
+              <a:buNone/>
+            </a:pPr>
+            <a:r>
+              <a:rPr lang="en-US" altLang="ko-KR"/>
+              <a:t>ChebConv</a:t>
+            </a:r>
+            <a:r>
+              <a:rPr lang="ko-KR" altLang="en-US"/>
+              <a:t> </a:t>
+            </a:r>
+            <a:r>
+              <a:rPr lang="en-US" altLang="ko-KR"/>
+              <a:t>Layer 3 (feature# -&gt; 64 -&gt; 64-&gt; 128) : </a:t>
+            </a:r>
+            <a:r>
+              <a:rPr lang="ko-KR" altLang="en-US"/>
+              <a:t>최대 </a:t>
+            </a:r>
+            <a:r>
+              <a:rPr lang="en-US" altLang="ko-KR"/>
+              <a:t>6</a:t>
+            </a:r>
+            <a:r>
+              <a:rPr lang="ko-KR" altLang="en-US"/>
+              <a:t>차로 설정</a:t>
+            </a:r>
+            <a:endParaRPr lang="en-US" altLang="ko-KR"/>
+          </a:p>
+          <a:p>
+            <a:pPr marL="0" indent="0">
+              <a:buNone/>
+            </a:pPr>
+            <a:r>
+              <a:rPr lang="en-US" altLang="ko-KR"/>
+              <a:t>Linear Layer 1(128 -&gt; 2(class#))</a:t>
+            </a:r>
+          </a:p>
+          <a:p>
+            <a:pPr marL="0" indent="0">
+              <a:buNone/>
+            </a:pPr>
+            <a:r>
+              <a:rPr lang="en-US" altLang="ko-KR"/>
+              <a:t>Log_softmax</a:t>
+            </a:r>
+          </a:p>
+          <a:p>
+            <a:pPr marL="0" indent="0">
+              <a:buNone/>
+            </a:pPr>
+            <a:endParaRPr lang="en-US" altLang="ko-KR"/>
+          </a:p>
+          <a:p>
+            <a:pPr marL="0" indent="0">
+              <a:buNone/>
+            </a:pPr>
+            <a:r>
+              <a:rPr lang="en-US" altLang="ko-KR"/>
+              <a:t>Activation function : ReLU</a:t>
+            </a:r>
+          </a:p>
+          <a:p>
+            <a:pPr marL="0" indent="0">
+              <a:buNone/>
+            </a:pPr>
+            <a:endParaRPr lang="en-US" altLang="ko-KR"/>
+          </a:p>
+          <a:p>
+            <a:pPr marL="0" indent="0">
+              <a:buNone/>
+            </a:pPr>
+            <a:r>
+              <a:rPr lang="en-US" altLang="ko-KR"/>
+              <a:t>2,3 layer</a:t>
+            </a:r>
+            <a:r>
+              <a:rPr lang="ko-KR" altLang="en-US"/>
+              <a:t> </a:t>
+            </a:r>
+            <a:r>
+              <a:rPr lang="en-US" altLang="ko-KR"/>
+              <a:t>dropout(0.5</a:t>
+            </a:r>
+            <a:r>
+              <a:rPr lang="ko-KR" altLang="en-US"/>
+              <a:t>비율</a:t>
+            </a:r>
+            <a:r>
+              <a:rPr lang="en-US" altLang="ko-KR"/>
+              <a:t>)</a:t>
+            </a:r>
+          </a:p>
+          <a:p>
+            <a:pPr marL="0" indent="0">
+              <a:buNone/>
+            </a:pPr>
+            <a:r>
+              <a:rPr lang="en-US" altLang="ko-KR"/>
+              <a:t>Linear Layer </a:t>
+            </a:r>
+            <a:r>
+              <a:rPr lang="ko-KR" altLang="en-US"/>
+              <a:t>전 </a:t>
+            </a:r>
+            <a:r>
+              <a:rPr lang="en-US" altLang="ko-KR"/>
+              <a:t>Global mean pooling</a:t>
+            </a:r>
+          </a:p>
+          <a:p>
+            <a:pPr marL="0" indent="0">
+              <a:buNone/>
+            </a:pPr>
+            <a:endParaRPr lang="en-US" altLang="ko-KR"/>
+          </a:p>
+          <a:p>
+            <a:pPr marL="0" indent="0">
+              <a:buNone/>
+            </a:pPr>
+            <a:endParaRPr lang="en-US" altLang="ko-KR"/>
+          </a:p>
+          <a:p>
+            <a:pPr marL="0" indent="0">
+              <a:buNone/>
+            </a:pPr>
             <a:endParaRPr lang="ko-KR" altLang="en-US"/>
           </a:p>
         </p:txBody>
@@ -3940,7 +6066,7 @@
 </p:sld>
 </file>
 
-<file path=ppt/slides/slide7.xml><?xml version="1.0" encoding="utf-8"?>
+<file path=ppt/slides/slide9.xml><?xml version="1.0" encoding="utf-8"?>
 <p:sld xmlns:a="http://schemas.openxmlformats.org/drawingml/2006/main" xmlns:r="http://schemas.openxmlformats.org/officeDocument/2006/relationships" xmlns:p="http://schemas.openxmlformats.org/presentationml/2006/main">
   <p:cSld>
     <p:spTree>
@@ -4015,7 +6141,9 @@
         </p:nvSpPr>
         <p:spPr/>
         <p:txBody>
-          <a:bodyPr/>
+          <a:bodyPr>
+            <a:normAutofit fontScale="85000" lnSpcReduction="20000"/>
+          </a:bodyPr>
           <a:lstStyle/>
           <a:p>
             <a:r>
@@ -4034,6 +6162,108 @@
               <a:rPr lang="ko-KR" altLang="en-US"/>
               <a:t>의 성능</a:t>
             </a:r>
+            <a:endParaRPr lang="en-US" altLang="ko-KR"/>
+          </a:p>
+          <a:p>
+            <a:endParaRPr lang="en-US" altLang="ko-KR"/>
+          </a:p>
+          <a:p>
+            <a:pPr marL="0" indent="0">
+              <a:buNone/>
+            </a:pPr>
+            <a:r>
+              <a:rPr lang="en-US" altLang="ko-KR"/>
+              <a:t>50 epoch</a:t>
+            </a:r>
+          </a:p>
+          <a:p>
+            <a:pPr marL="0" indent="0">
+              <a:buNone/>
+            </a:pPr>
+            <a:r>
+              <a:rPr lang="en-US" altLang="ko-KR"/>
+              <a:t>stratified 10 fold</a:t>
+            </a:r>
+          </a:p>
+          <a:p>
+            <a:pPr marL="0" indent="0">
+              <a:buNone/>
+            </a:pPr>
+            <a:r>
+              <a:rPr lang="en-US" altLang="ko-KR"/>
+              <a:t>Upsampling X</a:t>
+            </a:r>
+          </a:p>
+          <a:p>
+            <a:pPr marL="0" indent="0">
+              <a:buNone/>
+            </a:pPr>
+            <a:r>
+              <a:rPr lang="en-US" altLang="ko-KR"/>
+              <a:t>Optimizer : </a:t>
+            </a:r>
+            <a:r>
+              <a:rPr lang="en-US" altLang="ko-KR">
+                <a:highlight>
+                  <a:srgbClr val="FFFF00"/>
+                </a:highlight>
+              </a:rPr>
+              <a:t>Adam</a:t>
+            </a:r>
+          </a:p>
+          <a:p>
+            <a:pPr marL="0" indent="0">
+              <a:buNone/>
+            </a:pPr>
+            <a:r>
+              <a:rPr lang="en-US" altLang="ko-KR"/>
+              <a:t>L2 regularization : 5e-4</a:t>
+            </a:r>
+          </a:p>
+          <a:p>
+            <a:pPr marL="0" indent="0">
+              <a:buNone/>
+            </a:pPr>
+            <a:r>
+              <a:rPr lang="en-US" altLang="ko-KR"/>
+              <a:t>Learning rate: 0.001</a:t>
+            </a:r>
+          </a:p>
+          <a:p>
+            <a:pPr marL="0" indent="0">
+              <a:buNone/>
+            </a:pPr>
+            <a:r>
+              <a:rPr lang="en-US" altLang="ko-KR"/>
+              <a:t>Loss :  log_softmax + NLL loss = ? : Class weight: (0.72,1.66)</a:t>
+            </a:r>
+          </a:p>
+          <a:p>
+            <a:pPr marL="0" indent="0">
+              <a:buNone/>
+            </a:pPr>
+            <a:r>
+              <a:rPr lang="en-US" altLang="ko-KR"/>
+              <a:t>Threshold : 0.5</a:t>
+            </a:r>
+          </a:p>
+          <a:p>
+            <a:pPr marL="0" indent="0">
+              <a:buNone/>
+            </a:pPr>
+            <a:endParaRPr lang="en-US" altLang="ko-KR"/>
+          </a:p>
+          <a:p>
+            <a:pPr marL="0" indent="0">
+              <a:buNone/>
+            </a:pPr>
+            <a:endParaRPr lang="en-US" altLang="ko-KR"/>
+          </a:p>
+          <a:p>
+            <a:pPr marL="0" indent="0">
+              <a:buNone/>
+            </a:pPr>
+            <a:endParaRPr lang="ko-KR" altLang="en-US"/>
           </a:p>
         </p:txBody>
       </p:sp>

--- a/Presentation/초기 발표.pptx
+++ b/Presentation/초기 발표.pptx
@@ -269,7 +269,7 @@
           <a:p>
             <a:fld id="{578624AE-E14C-40FB-97A6-76E5215C3D05}" type="datetimeFigureOut">
               <a:rPr lang="ko-KR" altLang="en-US" smtClean="0"/>
-              <a:t>2024-03-04</a:t>
+              <a:t>2024-03-05</a:t>
             </a:fld>
             <a:endParaRPr lang="ko-KR" altLang="en-US"/>
           </a:p>
@@ -467,7 +467,7 @@
           <a:p>
             <a:fld id="{578624AE-E14C-40FB-97A6-76E5215C3D05}" type="datetimeFigureOut">
               <a:rPr lang="ko-KR" altLang="en-US" smtClean="0"/>
-              <a:t>2024-03-04</a:t>
+              <a:t>2024-03-05</a:t>
             </a:fld>
             <a:endParaRPr lang="ko-KR" altLang="en-US"/>
           </a:p>
@@ -675,7 +675,7 @@
           <a:p>
             <a:fld id="{578624AE-E14C-40FB-97A6-76E5215C3D05}" type="datetimeFigureOut">
               <a:rPr lang="ko-KR" altLang="en-US" smtClean="0"/>
-              <a:t>2024-03-04</a:t>
+              <a:t>2024-03-05</a:t>
             </a:fld>
             <a:endParaRPr lang="ko-KR" altLang="en-US"/>
           </a:p>
@@ -873,7 +873,7 @@
           <a:p>
             <a:fld id="{578624AE-E14C-40FB-97A6-76E5215C3D05}" type="datetimeFigureOut">
               <a:rPr lang="ko-KR" altLang="en-US" smtClean="0"/>
-              <a:t>2024-03-04</a:t>
+              <a:t>2024-03-05</a:t>
             </a:fld>
             <a:endParaRPr lang="ko-KR" altLang="en-US"/>
           </a:p>
@@ -1148,7 +1148,7 @@
           <a:p>
             <a:fld id="{578624AE-E14C-40FB-97A6-76E5215C3D05}" type="datetimeFigureOut">
               <a:rPr lang="ko-KR" altLang="en-US" smtClean="0"/>
-              <a:t>2024-03-04</a:t>
+              <a:t>2024-03-05</a:t>
             </a:fld>
             <a:endParaRPr lang="ko-KR" altLang="en-US"/>
           </a:p>
@@ -1413,7 +1413,7 @@
           <a:p>
             <a:fld id="{578624AE-E14C-40FB-97A6-76E5215C3D05}" type="datetimeFigureOut">
               <a:rPr lang="ko-KR" altLang="en-US" smtClean="0"/>
-              <a:t>2024-03-04</a:t>
+              <a:t>2024-03-05</a:t>
             </a:fld>
             <a:endParaRPr lang="ko-KR" altLang="en-US"/>
           </a:p>
@@ -1825,7 +1825,7 @@
           <a:p>
             <a:fld id="{578624AE-E14C-40FB-97A6-76E5215C3D05}" type="datetimeFigureOut">
               <a:rPr lang="ko-KR" altLang="en-US" smtClean="0"/>
-              <a:t>2024-03-04</a:t>
+              <a:t>2024-03-05</a:t>
             </a:fld>
             <a:endParaRPr lang="ko-KR" altLang="en-US"/>
           </a:p>
@@ -1966,7 +1966,7 @@
           <a:p>
             <a:fld id="{578624AE-E14C-40FB-97A6-76E5215C3D05}" type="datetimeFigureOut">
               <a:rPr lang="ko-KR" altLang="en-US" smtClean="0"/>
-              <a:t>2024-03-04</a:t>
+              <a:t>2024-03-05</a:t>
             </a:fld>
             <a:endParaRPr lang="ko-KR" altLang="en-US"/>
           </a:p>
@@ -2079,7 +2079,7 @@
           <a:p>
             <a:fld id="{578624AE-E14C-40FB-97A6-76E5215C3D05}" type="datetimeFigureOut">
               <a:rPr lang="ko-KR" altLang="en-US" smtClean="0"/>
-              <a:t>2024-03-04</a:t>
+              <a:t>2024-03-05</a:t>
             </a:fld>
             <a:endParaRPr lang="ko-KR" altLang="en-US"/>
           </a:p>
@@ -2390,7 +2390,7 @@
           <a:p>
             <a:fld id="{578624AE-E14C-40FB-97A6-76E5215C3D05}" type="datetimeFigureOut">
               <a:rPr lang="ko-KR" altLang="en-US" smtClean="0"/>
-              <a:t>2024-03-04</a:t>
+              <a:t>2024-03-05</a:t>
             </a:fld>
             <a:endParaRPr lang="ko-KR" altLang="en-US"/>
           </a:p>
@@ -2678,7 +2678,7 @@
           <a:p>
             <a:fld id="{578624AE-E14C-40FB-97A6-76E5215C3D05}" type="datetimeFigureOut">
               <a:rPr lang="ko-KR" altLang="en-US" smtClean="0"/>
-              <a:t>2024-03-04</a:t>
+              <a:t>2024-03-05</a:t>
             </a:fld>
             <a:endParaRPr lang="ko-KR" altLang="en-US"/>
           </a:p>
@@ -2919,7 +2919,7 @@
           <a:p>
             <a:fld id="{578624AE-E14C-40FB-97A6-76E5215C3D05}" type="datetimeFigureOut">
               <a:rPr lang="ko-KR" altLang="en-US" smtClean="0"/>
-              <a:t>2024-03-04</a:t>
+              <a:t>2024-03-05</a:t>
             </a:fld>
             <a:endParaRPr lang="ko-KR" altLang="en-US"/>
           </a:p>
@@ -4471,18 +4471,18 @@
           <a:lstStyle/>
           <a:p>
             <a:r>
-              <a:rPr lang="en-US" altLang="ko-KR"/>
-              <a:t>1. fMRI data </a:t>
-            </a:r>
-            <a:r>
-              <a:rPr lang="ko-KR" altLang="en-US"/>
-              <a:t>전처리</a:t>
-            </a:r>
-            <a:r>
-              <a:rPr lang="en-US" altLang="ko-KR"/>
-              <a:t>(fmri-prep) </a:t>
-            </a:r>
-            <a:endParaRPr lang="ko-KR" altLang="en-US"/>
+              <a:rPr lang="en-US" altLang="ko-KR" dirty="0"/>
+              <a:t>1. fMRI data preprocessing (</a:t>
+            </a:r>
+            <a:r>
+              <a:rPr lang="en-US" altLang="ko-KR" dirty="0" err="1"/>
+              <a:t>fmri</a:t>
+            </a:r>
+            <a:r>
+              <a:rPr lang="en-US" altLang="ko-KR" dirty="0"/>
+              <a:t>-prep) </a:t>
+            </a:r>
+            <a:endParaRPr lang="ko-KR" altLang="en-US" dirty="0"/>
           </a:p>
         </p:txBody>
       </p:sp>
@@ -4518,55 +4518,55 @@
               <a:buNone/>
             </a:pPr>
             <a:r>
-              <a:rPr lang="en-US" altLang="ko-KR" sz="2000"/>
+              <a:rPr lang="en-US" altLang="ko-KR" sz="2000" dirty="0"/>
               <a:t>1.</a:t>
             </a:r>
             <a:r>
-              <a:rPr lang="ko-KR" altLang="en-US" sz="2000"/>
+              <a:rPr lang="ko-KR" altLang="en-US" sz="2000" dirty="0"/>
               <a:t>초기 </a:t>
             </a:r>
             <a:r>
-              <a:rPr lang="en-US" altLang="ko-KR" sz="2000"/>
+              <a:rPr lang="en-US" altLang="ko-KR" sz="2000" dirty="0"/>
               <a:t>10 time</a:t>
             </a:r>
             <a:r>
-              <a:rPr lang="ko-KR" altLang="en-US" sz="2000"/>
+              <a:rPr lang="ko-KR" altLang="en-US" sz="2000" dirty="0"/>
               <a:t> </a:t>
             </a:r>
             <a:r>
-              <a:rPr lang="en-US" altLang="ko-KR" sz="2000"/>
+              <a:rPr lang="en-US" altLang="ko-KR" sz="2000" dirty="0"/>
               <a:t>points</a:t>
             </a:r>
             <a:r>
-              <a:rPr lang="ko-KR" altLang="en-US" sz="2000"/>
+              <a:rPr lang="ko-KR" altLang="en-US" sz="2000" dirty="0"/>
               <a:t> 제거 </a:t>
             </a:r>
             <a:r>
-              <a:rPr lang="en-US" altLang="ko-KR" sz="2000"/>
+              <a:rPr lang="en-US" altLang="ko-KR" sz="2000" dirty="0"/>
               <a:t>: </a:t>
             </a:r>
             <a:r>
-              <a:rPr lang="ko-KR" altLang="en-US" sz="2000"/>
+              <a:rPr lang="ko-KR" altLang="en-US" sz="2000" dirty="0"/>
               <a:t>초기 </a:t>
             </a:r>
             <a:r>
-              <a:rPr lang="en-US" altLang="ko-KR" sz="2000"/>
+              <a:rPr lang="en-US" altLang="ko-KR" sz="2000" dirty="0"/>
               <a:t>MRI signal</a:t>
             </a:r>
             <a:r>
-              <a:rPr lang="ko-KR" altLang="en-US" sz="2000"/>
+              <a:rPr lang="ko-KR" altLang="en-US" sz="2000" dirty="0"/>
               <a:t>의 </a:t>
             </a:r>
             <a:r>
-              <a:rPr lang="en-US" altLang="ko-KR" sz="2000"/>
+              <a:rPr lang="en-US" altLang="ko-KR" sz="2000" dirty="0"/>
               <a:t>instability impact </a:t>
             </a:r>
             <a:r>
-              <a:rPr lang="ko-KR" altLang="en-US" sz="2000"/>
+              <a:rPr lang="ko-KR" altLang="en-US" sz="2000" dirty="0"/>
               <a:t>최소화</a:t>
             </a:r>
             <a:r>
-              <a:rPr lang="en-US" altLang="ko-KR" sz="2000"/>
+              <a:rPr lang="en-US" altLang="ko-KR" sz="2000" dirty="0"/>
               <a:t> </a:t>
             </a:r>
           </a:p>
@@ -4575,91 +4575,103 @@
               <a:buNone/>
             </a:pPr>
             <a:r>
-              <a:rPr lang="en-US" altLang="ko-KR" sz="2000"/>
-              <a:t>2. Friston 24-parameter correction + head motion scrubbing method : head</a:t>
-            </a:r>
-            <a:r>
-              <a:rPr lang="ko-KR" altLang="en-US" sz="2000"/>
+              <a:rPr lang="en-US" altLang="ko-KR" sz="2000" dirty="0"/>
+              <a:t>2. </a:t>
+            </a:r>
+            <a:r>
+              <a:rPr lang="en-US" altLang="ko-KR" sz="2000" dirty="0" err="1"/>
+              <a:t>Friston</a:t>
+            </a:r>
+            <a:r>
+              <a:rPr lang="en-US" altLang="ko-KR" sz="2000" dirty="0"/>
+              <a:t> 24-parameter correction + head motion scrubbing method : head</a:t>
+            </a:r>
+            <a:r>
+              <a:rPr lang="ko-KR" altLang="en-US" sz="2000" dirty="0"/>
               <a:t> </a:t>
             </a:r>
             <a:r>
-              <a:rPr lang="en-US" altLang="ko-KR" sz="2000"/>
+              <a:rPr lang="en-US" altLang="ko-KR" sz="2000" dirty="0"/>
               <a:t>motion</a:t>
             </a:r>
             <a:r>
-              <a:rPr lang="ko-KR" altLang="en-US" sz="2000"/>
+              <a:rPr lang="ko-KR" altLang="en-US" sz="2000" dirty="0"/>
               <a:t> </a:t>
             </a:r>
             <a:r>
-              <a:rPr lang="en-US" altLang="ko-KR" sz="2000"/>
+              <a:rPr lang="en-US" altLang="ko-KR" sz="2000" dirty="0"/>
               <a:t>artifacts</a:t>
             </a:r>
             <a:r>
-              <a:rPr lang="ko-KR" altLang="en-US" sz="2000"/>
+              <a:rPr lang="ko-KR" altLang="en-US" sz="2000" dirty="0"/>
               <a:t> 영향 최소화</a:t>
             </a:r>
-            <a:endParaRPr lang="en-US" altLang="ko-KR" sz="2000"/>
+            <a:endParaRPr lang="en-US" altLang="ko-KR" sz="2000" dirty="0"/>
           </a:p>
           <a:p>
             <a:pPr marL="0" indent="0">
               <a:buNone/>
             </a:pPr>
             <a:r>
-              <a:rPr lang="en-US" altLang="ko-KR" sz="2000"/>
+              <a:rPr lang="en-US" altLang="ko-KR" sz="2000" dirty="0"/>
               <a:t>3. 0.5mm</a:t>
             </a:r>
             <a:r>
-              <a:rPr lang="ko-KR" altLang="en-US" sz="2000"/>
+              <a:rPr lang="ko-KR" altLang="en-US" sz="2000" dirty="0"/>
               <a:t>이상 </a:t>
             </a:r>
             <a:r>
-              <a:rPr lang="en-US" altLang="ko-KR" sz="2000"/>
-              <a:t>framwise displacement(FD) volume </a:t>
-            </a:r>
-            <a:r>
-              <a:rPr lang="ko-KR" altLang="en-US" sz="2000"/>
+              <a:rPr lang="en-US" altLang="ko-KR" sz="2000" dirty="0" err="1"/>
+              <a:t>framwise</a:t>
+            </a:r>
+            <a:r>
+              <a:rPr lang="en-US" altLang="ko-KR" sz="2000" dirty="0"/>
+              <a:t> displacement(FD) volume </a:t>
+            </a:r>
+            <a:r>
+              <a:rPr lang="ko-KR" altLang="en-US" sz="2000" dirty="0"/>
               <a:t>제거</a:t>
             </a:r>
-            <a:endParaRPr lang="en-US" altLang="ko-KR" sz="2000"/>
+            <a:endParaRPr lang="en-US" altLang="ko-KR" sz="2000" dirty="0"/>
           </a:p>
           <a:p>
             <a:pPr marL="0" indent="0">
               <a:buNone/>
             </a:pPr>
             <a:r>
-              <a:rPr lang="en-US" altLang="ko-KR" sz="2000"/>
+              <a:rPr lang="en-US" altLang="ko-KR" sz="2000" dirty="0"/>
               <a:t>4. 3x3x3mm^3</a:t>
             </a:r>
             <a:r>
-              <a:rPr lang="ko-KR" altLang="en-US" sz="2000"/>
+              <a:rPr lang="ko-KR" altLang="en-US" sz="2000" dirty="0"/>
               <a:t> </a:t>
             </a:r>
             <a:r>
-              <a:rPr lang="en-US" altLang="ko-KR" sz="2000"/>
+              <a:rPr lang="en-US" altLang="ko-KR" sz="2000" dirty="0"/>
               <a:t>MNI</a:t>
             </a:r>
             <a:r>
-              <a:rPr lang="ko-KR" altLang="en-US" sz="2000"/>
+              <a:rPr lang="ko-KR" altLang="en-US" sz="2000" dirty="0"/>
               <a:t> </a:t>
             </a:r>
             <a:r>
-              <a:rPr lang="en-US" altLang="ko-KR" sz="2000"/>
+              <a:rPr lang="en-US" altLang="ko-KR" sz="2000" dirty="0"/>
               <a:t>152</a:t>
             </a:r>
             <a:r>
-              <a:rPr lang="ko-KR" altLang="en-US" sz="2000"/>
+              <a:rPr lang="ko-KR" altLang="en-US" sz="2000" dirty="0"/>
               <a:t> </a:t>
             </a:r>
             <a:r>
-              <a:rPr lang="en-US" altLang="ko-KR" sz="2000"/>
+              <a:rPr lang="en-US" altLang="ko-KR" sz="2000" dirty="0"/>
               <a:t>template</a:t>
             </a:r>
             <a:r>
-              <a:rPr lang="ko-KR" altLang="en-US" sz="2000"/>
+              <a:rPr lang="ko-KR" altLang="en-US" sz="2000" dirty="0"/>
               <a:t> </a:t>
             </a:r>
             <a:r>
-              <a:rPr lang="en-US" altLang="ko-KR" sz="2000"/>
+              <a:rPr lang="en-US" altLang="ko-KR" sz="2000" dirty="0"/>
               <a:t>normalization</a:t>
             </a:r>
           </a:p>
@@ -4668,53 +4680,53 @@
               <a:buNone/>
             </a:pPr>
             <a:r>
-              <a:rPr lang="en-US" altLang="ko-KR" sz="2000"/>
+              <a:rPr lang="en-US" altLang="ko-KR" sz="2000" dirty="0"/>
               <a:t>5. linearly</a:t>
             </a:r>
             <a:r>
-              <a:rPr lang="ko-KR" altLang="en-US" sz="2000"/>
+              <a:rPr lang="ko-KR" altLang="en-US" sz="2000" dirty="0"/>
               <a:t> </a:t>
             </a:r>
             <a:r>
-              <a:rPr lang="en-US" altLang="ko-KR" sz="2000"/>
+              <a:rPr lang="en-US" altLang="ko-KR" sz="2000" dirty="0"/>
               <a:t>detrended</a:t>
             </a:r>
             <a:r>
-              <a:rPr lang="ko-KR" altLang="en-US" sz="2000"/>
+              <a:rPr lang="ko-KR" altLang="en-US" sz="2000" dirty="0"/>
               <a:t> </a:t>
             </a:r>
             <a:r>
-              <a:rPr lang="en-US" altLang="ko-KR" sz="2000"/>
+              <a:rPr lang="en-US" altLang="ko-KR" sz="2000" dirty="0"/>
               <a:t>and</a:t>
             </a:r>
             <a:r>
-              <a:rPr lang="ko-KR" altLang="en-US" sz="2000"/>
+              <a:rPr lang="ko-KR" altLang="en-US" sz="2000" dirty="0"/>
               <a:t> </a:t>
             </a:r>
             <a:r>
-              <a:rPr lang="en-US" altLang="ko-KR" sz="2000"/>
+              <a:rPr lang="en-US" altLang="ko-KR" sz="2000" dirty="0"/>
               <a:t>temporally bandpass filtered(0.01~0.08Hz) : low frequency drift, high frequency physiological noise </a:t>
             </a:r>
             <a:r>
-              <a:rPr lang="ko-KR" altLang="en-US" sz="2000"/>
+              <a:rPr lang="ko-KR" altLang="en-US" sz="2000" dirty="0"/>
               <a:t>제거</a:t>
             </a:r>
-            <a:endParaRPr lang="en-US" altLang="ko-KR" sz="2000"/>
+            <a:endParaRPr lang="en-US" altLang="ko-KR" sz="2000" dirty="0"/>
           </a:p>
           <a:p>
             <a:pPr marL="0" indent="0">
               <a:buNone/>
             </a:pPr>
             <a:r>
-              <a:rPr lang="en-US" altLang="ko-KR" sz="2000"/>
+              <a:rPr lang="en-US" altLang="ko-KR" sz="2000" dirty="0"/>
               <a:t>6. Global signal, white matter signal, cerebrospinal fluid signal, motion parameter</a:t>
             </a:r>
             <a:r>
-              <a:rPr lang="ko-KR" altLang="en-US" sz="2000"/>
+              <a:rPr lang="ko-KR" altLang="en-US" sz="2000" dirty="0"/>
               <a:t>는 </a:t>
             </a:r>
             <a:r>
-              <a:rPr lang="en-US" altLang="ko-KR" sz="2000"/>
+              <a:rPr lang="en-US" altLang="ko-KR" sz="2000" dirty="0"/>
               <a:t>regressed out</a:t>
             </a:r>
           </a:p>
@@ -4723,46 +4735,46 @@
               <a:buNone/>
             </a:pPr>
             <a:r>
-              <a:rPr lang="en-US" altLang="ko-KR" sz="2000"/>
+              <a:rPr lang="en-US" altLang="ko-KR" sz="2000" dirty="0"/>
               <a:t>7. Scanning </a:t>
             </a:r>
             <a:r>
-              <a:rPr lang="ko-KR" altLang="en-US" sz="2000"/>
+              <a:rPr lang="ko-KR" altLang="en-US" sz="2000" dirty="0"/>
               <a:t>동안 일정 수준 이상의 </a:t>
             </a:r>
             <a:r>
-              <a:rPr lang="en-US" altLang="ko-KR" sz="2000"/>
+              <a:rPr lang="en-US" altLang="ko-KR" sz="2000" dirty="0"/>
               <a:t>head motion(1.5</a:t>
             </a:r>
             <a:r>
-              <a:rPr lang="ko-KR" altLang="en-US" sz="2000"/>
+              <a:rPr lang="ko-KR" altLang="en-US" sz="2000" dirty="0"/>
               <a:t>도 이상 회전</a:t>
             </a:r>
             <a:r>
-              <a:rPr lang="en-US" altLang="ko-KR" sz="2000"/>
+              <a:rPr lang="en-US" altLang="ko-KR" sz="2000" dirty="0"/>
               <a:t>, 1.5mm</a:t>
             </a:r>
             <a:r>
-              <a:rPr lang="ko-KR" altLang="en-US" sz="2000"/>
+              <a:rPr lang="ko-KR" altLang="en-US" sz="2000" dirty="0"/>
               <a:t>이상 움직임</a:t>
             </a:r>
             <a:r>
-              <a:rPr lang="en-US" altLang="ko-KR" sz="2000"/>
+              <a:rPr lang="en-US" altLang="ko-KR" sz="2000" dirty="0"/>
               <a:t>)</a:t>
             </a:r>
             <a:r>
-              <a:rPr lang="ko-KR" altLang="en-US" sz="2000"/>
+              <a:rPr lang="ko-KR" altLang="en-US" sz="2000" dirty="0"/>
               <a:t>이 보여진 </a:t>
             </a:r>
             <a:r>
-              <a:rPr lang="en-US" altLang="ko-KR" sz="2000"/>
+              <a:rPr lang="en-US" altLang="ko-KR" sz="2000" dirty="0"/>
               <a:t>subject </a:t>
             </a:r>
             <a:r>
-              <a:rPr lang="ko-KR" altLang="en-US" sz="2000"/>
+              <a:rPr lang="ko-KR" altLang="en-US" sz="2000" dirty="0"/>
               <a:t>제거</a:t>
             </a:r>
-            <a:endParaRPr lang="en-US" altLang="ko-KR" sz="2000"/>
+            <a:endParaRPr lang="en-US" altLang="ko-KR" sz="2000" dirty="0"/>
           </a:p>
         </p:txBody>
       </p:sp>
@@ -4824,18 +4836,18 @@
           <a:lstStyle/>
           <a:p>
             <a:r>
-              <a:rPr lang="en-US" altLang="ko-KR"/>
-              <a:t>1. fMRI data </a:t>
-            </a:r>
-            <a:r>
-              <a:rPr lang="ko-KR" altLang="en-US"/>
-              <a:t>전처리</a:t>
-            </a:r>
-            <a:r>
-              <a:rPr lang="en-US" altLang="ko-KR"/>
-              <a:t>(fmri-prep) </a:t>
-            </a:r>
-            <a:endParaRPr lang="ko-KR" altLang="en-US"/>
+              <a:rPr lang="en-US" altLang="ko-KR" dirty="0"/>
+              <a:t>1. fMRI data preprocessing(</a:t>
+            </a:r>
+            <a:r>
+              <a:rPr lang="en-US" altLang="ko-KR" dirty="0" err="1"/>
+              <a:t>fmri</a:t>
+            </a:r>
+            <a:r>
+              <a:rPr lang="en-US" altLang="ko-KR" dirty="0"/>
+              <a:t>-prep) </a:t>
+            </a:r>
+            <a:endParaRPr lang="ko-KR" altLang="en-US" dirty="0"/>
           </a:p>
         </p:txBody>
       </p:sp>

--- a/Presentation/초기 발표.pptx
+++ b/Presentation/초기 발표.pptx
@@ -12,10 +12,13 @@
     <p:sldId id="263" r:id="rId6"/>
     <p:sldId id="259" r:id="rId7"/>
     <p:sldId id="260" r:id="rId8"/>
-    <p:sldId id="261" r:id="rId9"/>
-    <p:sldId id="262" r:id="rId10"/>
-    <p:sldId id="265" r:id="rId11"/>
-    <p:sldId id="266" r:id="rId12"/>
+    <p:sldId id="269" r:id="rId9"/>
+    <p:sldId id="270" r:id="rId10"/>
+    <p:sldId id="261" r:id="rId11"/>
+    <p:sldId id="262" r:id="rId12"/>
+    <p:sldId id="265" r:id="rId13"/>
+    <p:sldId id="266" r:id="rId14"/>
+    <p:sldId id="267" r:id="rId15"/>
   </p:sldIdLst>
   <p:sldSz cx="12192000" cy="6858000"/>
   <p:notesSz cx="6858000" cy="9144000"/>
@@ -3434,7 +3437,13 @@
   <p:cSld>
     <p:spTree>
       <p:nvGrpSpPr>
-        <p:cNvPr id="1" name=""/>
+        <p:cNvPr id="1" name="">
+          <a:extLst>
+            <a:ext uri="{FF2B5EF4-FFF2-40B4-BE49-F238E27FC236}">
+              <a16:creationId xmlns:a16="http://schemas.microsoft.com/office/drawing/2014/main" id="{44792E7C-DE38-127E-17D1-2FDCB43238DA}"/>
+            </a:ext>
+          </a:extLst>
+        </p:cNvPr>
         <p:cNvGrpSpPr/>
         <p:nvPr/>
       </p:nvGrpSpPr>
@@ -3446,697 +3455,187 @@
           <a:chExt cx="0" cy="0"/>
         </a:xfrm>
       </p:grpSpPr>
-      <p:pic>
-        <p:nvPicPr>
-          <p:cNvPr id="35" name="내용 개체 틀 4">
-            <a:extLst>
-              <a:ext uri="{FF2B5EF4-FFF2-40B4-BE49-F238E27FC236}">
-                <a16:creationId xmlns:a16="http://schemas.microsoft.com/office/drawing/2014/main" id="{6A1232E6-8CCC-E5ED-BC6A-C9334EDCF8EB}"/>
-              </a:ext>
-            </a:extLst>
-          </p:cNvPr>
-          <p:cNvPicPr>
-            <a:picLocks noChangeAspect="1"/>
-          </p:cNvPicPr>
-          <p:nvPr/>
-        </p:nvPicPr>
-        <p:blipFill rotWithShape="1">
-          <a:blip r:embed="rId2">
-            <a:extLst>
-              <a:ext uri="{28A0092B-C50C-407E-A947-70E740481C1C}">
-                <a14:useLocalDpi xmlns:a14="http://schemas.microsoft.com/office/drawing/2010/main" val="0"/>
-              </a:ext>
-            </a:extLst>
-          </a:blip>
-          <a:srcRect l="7998" t="9571" r="8823" b="4879"/>
-          <a:stretch/>
-        </p:blipFill>
-        <p:spPr>
-          <a:xfrm>
-            <a:off x="9427888" y="2000564"/>
-            <a:ext cx="2769184" cy="1755436"/>
-          </a:xfrm>
-          <a:prstGeom prst="rect">
-            <a:avLst/>
-          </a:prstGeom>
-        </p:spPr>
-      </p:pic>
-      <p:pic>
-        <p:nvPicPr>
-          <p:cNvPr id="24" name="내용 개체 틀 23">
-            <a:extLst>
-              <a:ext uri="{FF2B5EF4-FFF2-40B4-BE49-F238E27FC236}">
-                <a16:creationId xmlns:a16="http://schemas.microsoft.com/office/drawing/2014/main" id="{AC15D9FA-62EC-F0EC-EB68-57C14E065EE1}"/>
-              </a:ext>
-            </a:extLst>
-          </p:cNvPr>
-          <p:cNvPicPr>
-            <a:picLocks noGrp="1" noChangeAspect="1"/>
-          </p:cNvPicPr>
+      <p:sp>
+        <p:nvSpPr>
+          <p:cNvPr id="2" name="제목 1">
+            <a:extLst>
+              <a:ext uri="{FF2B5EF4-FFF2-40B4-BE49-F238E27FC236}">
+                <a16:creationId xmlns:a16="http://schemas.microsoft.com/office/drawing/2014/main" id="{A2D3AE7B-BFE0-B0A5-C805-7CAF963BFEDF}"/>
+              </a:ext>
+            </a:extLst>
+          </p:cNvPr>
+          <p:cNvSpPr>
+            <a:spLocks noGrp="1"/>
+          </p:cNvSpPr>
+          <p:nvPr>
+            <p:ph type="title"/>
+          </p:nvPr>
+        </p:nvSpPr>
+        <p:spPr/>
+        <p:txBody>
+          <a:bodyPr/>
+          <a:lstStyle/>
+          <a:p>
+            <a:r>
+              <a:rPr lang="en-US" altLang="ko-KR"/>
+              <a:t>4. GCN model </a:t>
+            </a:r>
+            <a:r>
+              <a:rPr lang="ko-KR" altLang="en-US"/>
+              <a:t>구축</a:t>
+            </a:r>
+          </a:p>
+        </p:txBody>
+      </p:sp>
+      <p:sp>
+        <p:nvSpPr>
+          <p:cNvPr id="3" name="내용 개체 틀 2">
+            <a:extLst>
+              <a:ext uri="{FF2B5EF4-FFF2-40B4-BE49-F238E27FC236}">
+                <a16:creationId xmlns:a16="http://schemas.microsoft.com/office/drawing/2014/main" id="{64FA42F5-EF64-185D-E8CD-AE28C6BAF63B}"/>
+              </a:ext>
+            </a:extLst>
+          </p:cNvPr>
+          <p:cNvSpPr>
+            <a:spLocks noGrp="1"/>
+          </p:cNvSpPr>
           <p:nvPr>
             <p:ph idx="1"/>
           </p:nvPr>
-        </p:nvPicPr>
-        <p:blipFill rotWithShape="1">
-          <a:blip r:embed="rId3">
-            <a:extLst>
-              <a:ext uri="{28A0092B-C50C-407E-A947-70E740481C1C}">
-                <a14:useLocalDpi xmlns:a14="http://schemas.microsoft.com/office/drawing/2010/main" val="0"/>
-              </a:ext>
-            </a:extLst>
-          </a:blip>
-          <a:srcRect l="7263" t="8725" r="8718" b="5694"/>
-          <a:stretch/>
-        </p:blipFill>
-        <p:spPr>
-          <a:xfrm>
-            <a:off x="9397401" y="308474"/>
-            <a:ext cx="2794599" cy="1793279"/>
-          </a:xfrm>
-        </p:spPr>
-      </p:pic>
-      <p:pic>
-        <p:nvPicPr>
-          <p:cNvPr id="30" name="그림 29">
-            <a:extLst>
-              <a:ext uri="{FF2B5EF4-FFF2-40B4-BE49-F238E27FC236}">
-                <a16:creationId xmlns:a16="http://schemas.microsoft.com/office/drawing/2014/main" id="{E14EC61D-397D-1BC4-5783-65BFC2113B17}"/>
-              </a:ext>
-            </a:extLst>
-          </p:cNvPr>
-          <p:cNvPicPr>
-            <a:picLocks noChangeAspect="1"/>
-          </p:cNvPicPr>
-          <p:nvPr/>
-        </p:nvPicPr>
-        <p:blipFill rotWithShape="1">
-          <a:blip r:embed="rId4">
-            <a:extLst>
-              <a:ext uri="{28A0092B-C50C-407E-A947-70E740481C1C}">
-                <a14:useLocalDpi xmlns:a14="http://schemas.microsoft.com/office/drawing/2010/main" val="0"/>
-              </a:ext>
-            </a:extLst>
-          </a:blip>
-          <a:srcRect l="3364" t="8186" r="7218"/>
-          <a:stretch/>
-        </p:blipFill>
-        <p:spPr>
-          <a:xfrm>
-            <a:off x="6428792" y="315169"/>
-            <a:ext cx="3141815" cy="1894444"/>
-          </a:xfrm>
-          <a:prstGeom prst="rect">
-            <a:avLst/>
-          </a:prstGeom>
-        </p:spPr>
-      </p:pic>
-      <p:sp>
-        <p:nvSpPr>
-          <p:cNvPr id="20" name="TextBox 19">
-            <a:extLst>
-              <a:ext uri="{FF2B5EF4-FFF2-40B4-BE49-F238E27FC236}">
-                <a16:creationId xmlns:a16="http://schemas.microsoft.com/office/drawing/2014/main" id="{8A410553-1381-F593-7D12-A1BDF89A934B}"/>
-              </a:ext>
-            </a:extLst>
-          </p:cNvPr>
-          <p:cNvSpPr txBox="1"/>
-          <p:nvPr/>
-        </p:nvSpPr>
-        <p:spPr>
-          <a:xfrm>
-            <a:off x="436342" y="881947"/>
-            <a:ext cx="2416431" cy="646331"/>
-          </a:xfrm>
-          <a:prstGeom prst="rect">
-            <a:avLst/>
-          </a:prstGeom>
-          <a:noFill/>
-        </p:spPr>
-        <p:txBody>
-          <a:bodyPr wrap="none" rtlCol="0">
-            <a:spAutoFit/>
+        </p:nvSpPr>
+        <p:spPr/>
+        <p:txBody>
+          <a:bodyPr>
+            <a:normAutofit lnSpcReduction="10000"/>
           </a:bodyPr>
           <a:lstStyle/>
           <a:p>
+            <a:pPr marL="0" indent="0">
+              <a:buNone/>
+            </a:pPr>
             <a:r>
               <a:rPr lang="en-US" altLang="ko-KR"/>
-              <a:t>Upsampling X, </a:t>
-            </a:r>
-          </a:p>
-          <a:p>
+              <a:t>ChebConv</a:t>
+            </a:r>
+            <a:r>
+              <a:rPr lang="ko-KR" altLang="en-US"/>
+              <a:t> </a:t>
+            </a:r>
             <a:r>
               <a:rPr lang="en-US" altLang="ko-KR"/>
-              <a:t>class weight [1.0, 1.0]</a:t>
-            </a:r>
-            <a:endParaRPr lang="ko-KR" altLang="en-US"/>
-          </a:p>
-        </p:txBody>
-      </p:sp>
-      <p:pic>
-        <p:nvPicPr>
-          <p:cNvPr id="28" name="그림 27">
-            <a:extLst>
-              <a:ext uri="{FF2B5EF4-FFF2-40B4-BE49-F238E27FC236}">
-                <a16:creationId xmlns:a16="http://schemas.microsoft.com/office/drawing/2014/main" id="{E71ADADE-D0AE-9D70-E7B0-6B98C0420A84}"/>
-              </a:ext>
-            </a:extLst>
-          </p:cNvPr>
-          <p:cNvPicPr>
-            <a:picLocks noChangeAspect="1"/>
-          </p:cNvPicPr>
-          <p:nvPr/>
-        </p:nvPicPr>
-        <p:blipFill rotWithShape="1">
-          <a:blip r:embed="rId5">
-            <a:extLst>
-              <a:ext uri="{28A0092B-C50C-407E-A947-70E740481C1C}">
-                <a14:useLocalDpi xmlns:a14="http://schemas.microsoft.com/office/drawing/2010/main" val="0"/>
-              </a:ext>
-            </a:extLst>
-          </a:blip>
-          <a:srcRect l="3090" t="9888" r="8268"/>
-          <a:stretch/>
-        </p:blipFill>
-        <p:spPr>
-          <a:xfrm>
-            <a:off x="3376899" y="327395"/>
-            <a:ext cx="3341216" cy="1875607"/>
-          </a:xfrm>
-          <a:prstGeom prst="rect">
-            <a:avLst/>
-          </a:prstGeom>
-        </p:spPr>
-      </p:pic>
-      <p:sp>
-        <p:nvSpPr>
-          <p:cNvPr id="32" name="TextBox 31">
-            <a:extLst>
-              <a:ext uri="{FF2B5EF4-FFF2-40B4-BE49-F238E27FC236}">
-                <a16:creationId xmlns:a16="http://schemas.microsoft.com/office/drawing/2014/main" id="{E5D2717A-185B-BDC8-AADC-B59FBB5012B2}"/>
-              </a:ext>
-            </a:extLst>
-          </p:cNvPr>
-          <p:cNvSpPr txBox="1"/>
-          <p:nvPr/>
-        </p:nvSpPr>
-        <p:spPr>
-          <a:xfrm>
-            <a:off x="5011316" y="4552"/>
-            <a:ext cx="1084684" cy="369332"/>
-          </a:xfrm>
-          <a:prstGeom prst="rect">
-            <a:avLst/>
-          </a:prstGeom>
-          <a:noFill/>
-        </p:spPr>
-        <p:txBody>
-          <a:bodyPr wrap="square">
-            <a:spAutoFit/>
-          </a:bodyPr>
-          <a:lstStyle/>
-          <a:p>
+              <a:t>Layer 3 (feature# -&gt; 64 -&gt; 64-&gt; 128) : </a:t>
+            </a:r>
+            <a:r>
+              <a:rPr lang="ko-KR" altLang="en-US"/>
+              <a:t>최대 </a:t>
+            </a:r>
             <a:r>
               <a:rPr lang="en-US" altLang="ko-KR"/>
-              <a:t>SEN</a:t>
-            </a:r>
-            <a:endParaRPr lang="ko-KR" altLang="en-US"/>
-          </a:p>
-        </p:txBody>
-      </p:sp>
-      <p:sp>
-        <p:nvSpPr>
-          <p:cNvPr id="34" name="TextBox 33">
-            <a:extLst>
-              <a:ext uri="{FF2B5EF4-FFF2-40B4-BE49-F238E27FC236}">
-                <a16:creationId xmlns:a16="http://schemas.microsoft.com/office/drawing/2014/main" id="{28863417-B92E-74B1-953A-415FBABDDF98}"/>
-              </a:ext>
-            </a:extLst>
-          </p:cNvPr>
-          <p:cNvSpPr txBox="1"/>
-          <p:nvPr/>
-        </p:nvSpPr>
-        <p:spPr>
-          <a:xfrm>
-            <a:off x="436342" y="2445275"/>
-            <a:ext cx="2589244" cy="646331"/>
-          </a:xfrm>
-          <a:prstGeom prst="rect">
-            <a:avLst/>
-          </a:prstGeom>
-          <a:noFill/>
-        </p:spPr>
-        <p:txBody>
-          <a:bodyPr wrap="square">
-            <a:spAutoFit/>
-          </a:bodyPr>
-          <a:lstStyle/>
-          <a:p>
+              <a:t>6</a:t>
+            </a:r>
+            <a:r>
+              <a:rPr lang="ko-KR" altLang="en-US"/>
+              <a:t>차로 설정</a:t>
+            </a:r>
+            <a:endParaRPr lang="en-US" altLang="ko-KR"/>
+          </a:p>
+          <a:p>
+            <a:pPr marL="0" indent="0">
+              <a:buNone/>
+            </a:pPr>
             <a:r>
               <a:rPr lang="en-US" altLang="ko-KR"/>
-              <a:t>Upsampling X, </a:t>
-            </a:r>
-          </a:p>
-          <a:p>
+              <a:t>Linear Layer 1(128 -&gt; 2(class#))</a:t>
+            </a:r>
+          </a:p>
+          <a:p>
+            <a:pPr marL="0" indent="0">
+              <a:buNone/>
+            </a:pPr>
             <a:r>
               <a:rPr lang="en-US" altLang="ko-KR"/>
-              <a:t>class weight [0.72, 1.66]</a:t>
-            </a:r>
-            <a:endParaRPr lang="ko-KR" altLang="en-US"/>
-          </a:p>
-        </p:txBody>
-      </p:sp>
-      <p:pic>
-        <p:nvPicPr>
-          <p:cNvPr id="37" name="그림 36">
-            <a:extLst>
-              <a:ext uri="{FF2B5EF4-FFF2-40B4-BE49-F238E27FC236}">
-                <a16:creationId xmlns:a16="http://schemas.microsoft.com/office/drawing/2014/main" id="{B8E91300-B8C6-20A9-BB2A-EA9477EB5298}"/>
-              </a:ext>
-            </a:extLst>
-          </p:cNvPr>
-          <p:cNvPicPr>
-            <a:picLocks noChangeAspect="1"/>
-          </p:cNvPicPr>
-          <p:nvPr/>
-        </p:nvPicPr>
-        <p:blipFill rotWithShape="1">
-          <a:blip r:embed="rId6">
-            <a:extLst>
-              <a:ext uri="{28A0092B-C50C-407E-A947-70E740481C1C}">
-                <a14:useLocalDpi xmlns:a14="http://schemas.microsoft.com/office/drawing/2010/main" val="0"/>
-              </a:ext>
-            </a:extLst>
-          </a:blip>
-          <a:srcRect l="3665" t="9793" r="8496"/>
-          <a:stretch/>
-        </p:blipFill>
-        <p:spPr>
-          <a:xfrm>
-            <a:off x="6527375" y="2000564"/>
-            <a:ext cx="3014769" cy="1855551"/>
-          </a:xfrm>
-          <a:prstGeom prst="rect">
-            <a:avLst/>
-          </a:prstGeom>
-        </p:spPr>
-      </p:pic>
-      <p:pic>
-        <p:nvPicPr>
-          <p:cNvPr id="36" name="그림 35">
-            <a:extLst>
-              <a:ext uri="{FF2B5EF4-FFF2-40B4-BE49-F238E27FC236}">
-                <a16:creationId xmlns:a16="http://schemas.microsoft.com/office/drawing/2014/main" id="{C4400163-902C-664E-A10E-63A74A70A15F}"/>
-              </a:ext>
-            </a:extLst>
-          </p:cNvPr>
-          <p:cNvPicPr>
-            <a:picLocks noChangeAspect="1"/>
-          </p:cNvPicPr>
-          <p:nvPr/>
-        </p:nvPicPr>
-        <p:blipFill rotWithShape="1">
-          <a:blip r:embed="rId7">
-            <a:extLst>
-              <a:ext uri="{28A0092B-C50C-407E-A947-70E740481C1C}">
-                <a14:useLocalDpi xmlns:a14="http://schemas.microsoft.com/office/drawing/2010/main" val="0"/>
-              </a:ext>
-            </a:extLst>
-          </a:blip>
-          <a:srcRect l="3965" t="9793" r="8195"/>
-          <a:stretch/>
-        </p:blipFill>
-        <p:spPr>
-          <a:xfrm>
-            <a:off x="3457584" y="1977221"/>
-            <a:ext cx="3327054" cy="1891260"/>
-          </a:xfrm>
-          <a:prstGeom prst="rect">
-            <a:avLst/>
-          </a:prstGeom>
-        </p:spPr>
-      </p:pic>
-      <p:sp>
-        <p:nvSpPr>
-          <p:cNvPr id="40" name="TextBox 39">
-            <a:extLst>
-              <a:ext uri="{FF2B5EF4-FFF2-40B4-BE49-F238E27FC236}">
-                <a16:creationId xmlns:a16="http://schemas.microsoft.com/office/drawing/2014/main" id="{39788DF1-308B-6460-934E-3CA7793070B7}"/>
-              </a:ext>
-            </a:extLst>
-          </p:cNvPr>
-          <p:cNvSpPr txBox="1"/>
-          <p:nvPr/>
-        </p:nvSpPr>
-        <p:spPr>
-          <a:xfrm>
-            <a:off x="7878921" y="-29942"/>
-            <a:ext cx="788437" cy="369332"/>
-          </a:xfrm>
-          <a:prstGeom prst="rect">
-            <a:avLst/>
-          </a:prstGeom>
-          <a:noFill/>
-        </p:spPr>
-        <p:txBody>
-          <a:bodyPr wrap="square">
-            <a:spAutoFit/>
-          </a:bodyPr>
-          <a:lstStyle/>
-          <a:p>
+              <a:t>Log_softmax</a:t>
+            </a:r>
+          </a:p>
+          <a:p>
+            <a:pPr marL="0" indent="0">
+              <a:buNone/>
+            </a:pPr>
+            <a:endParaRPr lang="en-US" altLang="ko-KR"/>
+          </a:p>
+          <a:p>
+            <a:pPr marL="0" indent="0">
+              <a:buNone/>
+            </a:pPr>
             <a:r>
               <a:rPr lang="en-US" altLang="ko-KR"/>
-              <a:t>SPE</a:t>
-            </a:r>
-            <a:endParaRPr lang="ko-KR" altLang="en-US"/>
-          </a:p>
-        </p:txBody>
-      </p:sp>
-      <p:sp>
-        <p:nvSpPr>
-          <p:cNvPr id="42" name="TextBox 41">
-            <a:extLst>
-              <a:ext uri="{FF2B5EF4-FFF2-40B4-BE49-F238E27FC236}">
-                <a16:creationId xmlns:a16="http://schemas.microsoft.com/office/drawing/2014/main" id="{7882D39D-D20E-A909-759B-378F2484F147}"/>
-              </a:ext>
-            </a:extLst>
-          </p:cNvPr>
-          <p:cNvSpPr txBox="1"/>
-          <p:nvPr/>
-        </p:nvSpPr>
-        <p:spPr>
-          <a:xfrm>
-            <a:off x="10608746" y="4552"/>
-            <a:ext cx="657808" cy="369332"/>
-          </a:xfrm>
-          <a:prstGeom prst="rect">
-            <a:avLst/>
-          </a:prstGeom>
-          <a:noFill/>
-        </p:spPr>
-        <p:txBody>
-          <a:bodyPr wrap="square">
-            <a:spAutoFit/>
-          </a:bodyPr>
-          <a:lstStyle/>
-          <a:p>
+              <a:t>Activation function : ReLU</a:t>
+            </a:r>
+          </a:p>
+          <a:p>
+            <a:pPr marL="0" indent="0">
+              <a:buNone/>
+            </a:pPr>
+            <a:endParaRPr lang="en-US" altLang="ko-KR"/>
+          </a:p>
+          <a:p>
+            <a:pPr marL="0" indent="0">
+              <a:buNone/>
+            </a:pPr>
             <a:r>
               <a:rPr lang="en-US" altLang="ko-KR"/>
-              <a:t>BAC</a:t>
-            </a:r>
-            <a:endParaRPr lang="ko-KR" altLang="en-US"/>
-          </a:p>
-        </p:txBody>
-      </p:sp>
-      <p:pic>
-        <p:nvPicPr>
-          <p:cNvPr id="43" name="그림 42">
-            <a:extLst>
-              <a:ext uri="{FF2B5EF4-FFF2-40B4-BE49-F238E27FC236}">
-                <a16:creationId xmlns:a16="http://schemas.microsoft.com/office/drawing/2014/main" id="{E84ACC8D-6C4E-5EEC-CA0C-57335BD3225F}"/>
-              </a:ext>
-            </a:extLst>
-          </p:cNvPr>
-          <p:cNvPicPr>
-            <a:picLocks noChangeAspect="1"/>
-          </p:cNvPicPr>
-          <p:nvPr/>
-        </p:nvPicPr>
-        <p:blipFill rotWithShape="1">
-          <a:blip r:embed="rId8">
-            <a:extLst>
-              <a:ext uri="{28A0092B-C50C-407E-A947-70E740481C1C}">
-                <a14:useLocalDpi xmlns:a14="http://schemas.microsoft.com/office/drawing/2010/main" val="0"/>
-              </a:ext>
-            </a:extLst>
-          </a:blip>
-          <a:srcRect l="3306" t="8183" r="8776"/>
-          <a:stretch/>
-        </p:blipFill>
-        <p:spPr>
-          <a:xfrm>
-            <a:off x="9265299" y="3621732"/>
-            <a:ext cx="2926702" cy="1836833"/>
-          </a:xfrm>
-          <a:prstGeom prst="rect">
-            <a:avLst/>
-          </a:prstGeom>
-        </p:spPr>
-      </p:pic>
-      <p:pic>
-        <p:nvPicPr>
-          <p:cNvPr id="45" name="그림 44">
-            <a:extLst>
-              <a:ext uri="{FF2B5EF4-FFF2-40B4-BE49-F238E27FC236}">
-                <a16:creationId xmlns:a16="http://schemas.microsoft.com/office/drawing/2014/main" id="{719F1DF7-758E-4770-6284-E7D19FFFDA2C}"/>
-              </a:ext>
-            </a:extLst>
-          </p:cNvPr>
-          <p:cNvPicPr>
-            <a:picLocks noChangeAspect="1"/>
-          </p:cNvPicPr>
-          <p:nvPr/>
-        </p:nvPicPr>
-        <p:blipFill rotWithShape="1">
-          <a:blip r:embed="rId9">
-            <a:extLst>
-              <a:ext uri="{28A0092B-C50C-407E-A947-70E740481C1C}">
-                <a14:useLocalDpi xmlns:a14="http://schemas.microsoft.com/office/drawing/2010/main" val="0"/>
-              </a:ext>
-            </a:extLst>
-          </a:blip>
-          <a:srcRect l="3436" t="10100" r="8566"/>
-          <a:stretch/>
-        </p:blipFill>
-        <p:spPr>
-          <a:xfrm>
-            <a:off x="6564468" y="3629477"/>
-            <a:ext cx="3014769" cy="1887812"/>
-          </a:xfrm>
-          <a:prstGeom prst="rect">
-            <a:avLst/>
-          </a:prstGeom>
-        </p:spPr>
-      </p:pic>
-      <p:pic>
-        <p:nvPicPr>
-          <p:cNvPr id="46" name="그림 45">
-            <a:extLst>
-              <a:ext uri="{FF2B5EF4-FFF2-40B4-BE49-F238E27FC236}">
-                <a16:creationId xmlns:a16="http://schemas.microsoft.com/office/drawing/2014/main" id="{0A779A89-32BF-074B-0FE2-D69553728035}"/>
-              </a:ext>
-            </a:extLst>
-          </p:cNvPr>
-          <p:cNvPicPr>
-            <a:picLocks noChangeAspect="1"/>
-          </p:cNvPicPr>
-          <p:nvPr/>
-        </p:nvPicPr>
-        <p:blipFill rotWithShape="1">
-          <a:blip r:embed="rId10">
-            <a:extLst>
-              <a:ext uri="{28A0092B-C50C-407E-A947-70E740481C1C}">
-                <a14:useLocalDpi xmlns:a14="http://schemas.microsoft.com/office/drawing/2010/main" val="0"/>
-              </a:ext>
-            </a:extLst>
-          </a:blip>
-          <a:srcRect l="6956" t="10865" r="8429" b="3277"/>
-          <a:stretch/>
-        </p:blipFill>
-        <p:spPr>
-          <a:xfrm>
-            <a:off x="9427888" y="5243407"/>
-            <a:ext cx="2764112" cy="1735137"/>
-          </a:xfrm>
-          <a:prstGeom prst="rect">
-            <a:avLst/>
-          </a:prstGeom>
-        </p:spPr>
-      </p:pic>
-      <p:pic>
-        <p:nvPicPr>
-          <p:cNvPr id="48" name="그림 47">
-            <a:extLst>
-              <a:ext uri="{FF2B5EF4-FFF2-40B4-BE49-F238E27FC236}">
-                <a16:creationId xmlns:a16="http://schemas.microsoft.com/office/drawing/2014/main" id="{74B8717C-DA39-B430-77C8-382C11F019A9}"/>
-              </a:ext>
-            </a:extLst>
-          </p:cNvPr>
-          <p:cNvPicPr>
-            <a:picLocks noChangeAspect="1"/>
-          </p:cNvPicPr>
-          <p:nvPr/>
-        </p:nvPicPr>
-        <p:blipFill rotWithShape="1">
-          <a:blip r:embed="rId11">
-            <a:extLst>
-              <a:ext uri="{28A0092B-C50C-407E-A947-70E740481C1C}">
-                <a14:useLocalDpi xmlns:a14="http://schemas.microsoft.com/office/drawing/2010/main" val="0"/>
-              </a:ext>
-            </a:extLst>
-          </a:blip>
-          <a:srcRect l="11285" t="10043" r="8454" b="9178"/>
-          <a:stretch/>
-        </p:blipFill>
-        <p:spPr>
-          <a:xfrm>
-            <a:off x="6876660" y="5275979"/>
-            <a:ext cx="2665483" cy="1606641"/>
-          </a:xfrm>
-          <a:prstGeom prst="rect">
-            <a:avLst/>
-          </a:prstGeom>
-        </p:spPr>
-      </p:pic>
-      <p:pic>
-        <p:nvPicPr>
-          <p:cNvPr id="44" name="그림 43">
-            <a:extLst>
-              <a:ext uri="{FF2B5EF4-FFF2-40B4-BE49-F238E27FC236}">
-                <a16:creationId xmlns:a16="http://schemas.microsoft.com/office/drawing/2014/main" id="{66F5BE7F-71DB-C24C-9F5A-49198DC674F2}"/>
-              </a:ext>
-            </a:extLst>
-          </p:cNvPr>
-          <p:cNvPicPr>
-            <a:picLocks noChangeAspect="1"/>
-          </p:cNvPicPr>
-          <p:nvPr/>
-        </p:nvPicPr>
-        <p:blipFill rotWithShape="1">
-          <a:blip r:embed="rId12">
-            <a:extLst>
-              <a:ext uri="{28A0092B-C50C-407E-A947-70E740481C1C}">
-                <a14:useLocalDpi xmlns:a14="http://schemas.microsoft.com/office/drawing/2010/main" val="0"/>
-              </a:ext>
-            </a:extLst>
-          </a:blip>
-          <a:srcRect l="4138" t="8985" r="8664" b="688"/>
-          <a:stretch/>
-        </p:blipFill>
-        <p:spPr>
-          <a:xfrm>
-            <a:off x="3600562" y="3629476"/>
-            <a:ext cx="3257552" cy="1924399"/>
-          </a:xfrm>
-          <a:prstGeom prst="rect">
-            <a:avLst/>
-          </a:prstGeom>
-        </p:spPr>
-      </p:pic>
-      <p:pic>
-        <p:nvPicPr>
-          <p:cNvPr id="47" name="그림 46">
-            <a:extLst>
-              <a:ext uri="{FF2B5EF4-FFF2-40B4-BE49-F238E27FC236}">
-                <a16:creationId xmlns:a16="http://schemas.microsoft.com/office/drawing/2014/main" id="{D3D57CE3-5F4A-54BF-C253-82782B8468C5}"/>
-              </a:ext>
-            </a:extLst>
-          </p:cNvPr>
-          <p:cNvPicPr>
-            <a:picLocks noChangeAspect="1"/>
-          </p:cNvPicPr>
-          <p:nvPr/>
-        </p:nvPicPr>
-        <p:blipFill rotWithShape="1">
-          <a:blip r:embed="rId13">
-            <a:extLst>
-              <a:ext uri="{28A0092B-C50C-407E-A947-70E740481C1C}">
-                <a14:useLocalDpi xmlns:a14="http://schemas.microsoft.com/office/drawing/2010/main" val="0"/>
-              </a:ext>
-            </a:extLst>
-          </a:blip>
-          <a:srcRect l="3733" t="9305" r="8769"/>
-          <a:stretch/>
-        </p:blipFill>
-        <p:spPr>
-          <a:xfrm>
-            <a:off x="3639333" y="5275979"/>
-            <a:ext cx="3218781" cy="1735137"/>
-          </a:xfrm>
-          <a:prstGeom prst="rect">
-            <a:avLst/>
-          </a:prstGeom>
-        </p:spPr>
-      </p:pic>
-      <p:sp>
-        <p:nvSpPr>
-          <p:cNvPr id="49" name="TextBox 48">
-            <a:extLst>
-              <a:ext uri="{FF2B5EF4-FFF2-40B4-BE49-F238E27FC236}">
-                <a16:creationId xmlns:a16="http://schemas.microsoft.com/office/drawing/2014/main" id="{D85E3026-FD05-36CD-9FE5-644F63BB04ED}"/>
-              </a:ext>
-            </a:extLst>
-          </p:cNvPr>
-          <p:cNvSpPr txBox="1"/>
-          <p:nvPr/>
-        </p:nvSpPr>
-        <p:spPr>
-          <a:xfrm>
-            <a:off x="560750" y="4008603"/>
-            <a:ext cx="2589244" cy="646331"/>
-          </a:xfrm>
-          <a:prstGeom prst="rect">
-            <a:avLst/>
-          </a:prstGeom>
-          <a:noFill/>
-        </p:spPr>
-        <p:txBody>
-          <a:bodyPr wrap="square">
-            <a:spAutoFit/>
-          </a:bodyPr>
-          <a:lstStyle/>
-          <a:p>
+              <a:t>2,3 layer</a:t>
+            </a:r>
+            <a:r>
+              <a:rPr lang="ko-KR" altLang="en-US"/>
+              <a:t> </a:t>
+            </a:r>
             <a:r>
               <a:rPr lang="en-US" altLang="ko-KR"/>
-              <a:t>Upsampling O, </a:t>
-            </a:r>
-          </a:p>
-          <a:p>
+              <a:t>dropout(0.5</a:t>
+            </a:r>
+            <a:r>
+              <a:rPr lang="ko-KR" altLang="en-US"/>
+              <a:t>비율</a:t>
+            </a:r>
             <a:r>
               <a:rPr lang="en-US" altLang="ko-KR"/>
-              <a:t>class weight [1.0, 1.0]</a:t>
-            </a:r>
-            <a:endParaRPr lang="ko-KR" altLang="en-US"/>
-          </a:p>
-        </p:txBody>
-      </p:sp>
-      <p:sp>
-        <p:nvSpPr>
-          <p:cNvPr id="50" name="TextBox 49">
-            <a:extLst>
-              <a:ext uri="{FF2B5EF4-FFF2-40B4-BE49-F238E27FC236}">
-                <a16:creationId xmlns:a16="http://schemas.microsoft.com/office/drawing/2014/main" id="{46F2C369-7915-2EAA-A732-92E40C06A510}"/>
-              </a:ext>
-            </a:extLst>
-          </p:cNvPr>
-          <p:cNvSpPr txBox="1"/>
-          <p:nvPr/>
-        </p:nvSpPr>
-        <p:spPr>
-          <a:xfrm>
-            <a:off x="560750" y="5464644"/>
-            <a:ext cx="2589244" cy="646331"/>
-          </a:xfrm>
-          <a:prstGeom prst="rect">
-            <a:avLst/>
-          </a:prstGeom>
-          <a:noFill/>
-        </p:spPr>
-        <p:txBody>
-          <a:bodyPr wrap="square">
-            <a:spAutoFit/>
-          </a:bodyPr>
-          <a:lstStyle/>
-          <a:p>
+              <a:t>)</a:t>
+            </a:r>
+          </a:p>
+          <a:p>
+            <a:pPr marL="0" indent="0">
+              <a:buNone/>
+            </a:pPr>
             <a:r>
               <a:rPr lang="en-US" altLang="ko-KR"/>
-              <a:t>Upsampling O, </a:t>
-            </a:r>
-          </a:p>
-          <a:p>
+              <a:t>Linear Layer </a:t>
+            </a:r>
+            <a:r>
+              <a:rPr lang="ko-KR" altLang="en-US"/>
+              <a:t>전 </a:t>
+            </a:r>
             <a:r>
               <a:rPr lang="en-US" altLang="ko-KR"/>
-              <a:t>class weight [0.72, 1.66]</a:t>
-            </a:r>
+              <a:t>Global mean pooling</a:t>
+            </a:r>
+          </a:p>
+          <a:p>
+            <a:pPr marL="0" indent="0">
+              <a:buNone/>
+            </a:pPr>
+            <a:endParaRPr lang="en-US" altLang="ko-KR"/>
+          </a:p>
+          <a:p>
+            <a:pPr marL="0" indent="0">
+              <a:buNone/>
+            </a:pPr>
+            <a:endParaRPr lang="en-US" altLang="ko-KR"/>
+          </a:p>
+          <a:p>
+            <a:pPr marL="0" indent="0">
+              <a:buNone/>
+            </a:pPr>
             <a:endParaRPr lang="ko-KR" altLang="en-US"/>
           </a:p>
         </p:txBody>
@@ -4144,7 +3643,7 @@
     </p:spTree>
     <p:extLst>
       <p:ext uri="{BB962C8B-B14F-4D97-AF65-F5344CB8AC3E}">
-        <p14:creationId xmlns:p14="http://schemas.microsoft.com/office/powerpoint/2010/main" val="592447873"/>
+        <p14:creationId xmlns:p14="http://schemas.microsoft.com/office/powerpoint/2010/main" val="1272733660"/>
       </p:ext>
     </p:extLst>
   </p:cSld>
@@ -4171,6 +3670,945 @@
           <a:chExt cx="0" cy="0"/>
         </a:xfrm>
       </p:grpSpPr>
+      <p:sp>
+        <p:nvSpPr>
+          <p:cNvPr id="2" name="제목 1">
+            <a:extLst>
+              <a:ext uri="{FF2B5EF4-FFF2-40B4-BE49-F238E27FC236}">
+                <a16:creationId xmlns:a16="http://schemas.microsoft.com/office/drawing/2014/main" id="{F7AD4262-C1CD-E030-D2B9-F6748ABF0DDC}"/>
+              </a:ext>
+            </a:extLst>
+          </p:cNvPr>
+          <p:cNvSpPr>
+            <a:spLocks noGrp="1"/>
+          </p:cNvSpPr>
+          <p:nvPr>
+            <p:ph type="title"/>
+          </p:nvPr>
+        </p:nvSpPr>
+        <p:spPr/>
+        <p:txBody>
+          <a:bodyPr/>
+          <a:lstStyle/>
+          <a:p>
+            <a:r>
+              <a:rPr lang="en-US" altLang="ko-KR"/>
+              <a:t>5. GCN</a:t>
+            </a:r>
+            <a:r>
+              <a:rPr lang="ko-KR" altLang="en-US"/>
+              <a:t>으로 </a:t>
+            </a:r>
+            <a:r>
+              <a:rPr lang="en-US" altLang="ko-KR"/>
+              <a:t>schizophrenia </a:t>
+            </a:r>
+            <a:r>
+              <a:rPr lang="ko-KR" altLang="en-US"/>
+              <a:t>환자 분류</a:t>
+            </a:r>
+          </a:p>
+        </p:txBody>
+      </p:sp>
+      <p:sp>
+        <p:nvSpPr>
+          <p:cNvPr id="3" name="내용 개체 틀 2">
+            <a:extLst>
+              <a:ext uri="{FF2B5EF4-FFF2-40B4-BE49-F238E27FC236}">
+                <a16:creationId xmlns:a16="http://schemas.microsoft.com/office/drawing/2014/main" id="{7AE8962A-4F0E-2805-FAF7-DEB6D39CC713}"/>
+              </a:ext>
+            </a:extLst>
+          </p:cNvPr>
+          <p:cNvSpPr>
+            <a:spLocks noGrp="1"/>
+          </p:cNvSpPr>
+          <p:nvPr>
+            <p:ph idx="1"/>
+          </p:nvPr>
+        </p:nvSpPr>
+        <p:spPr/>
+        <p:txBody>
+          <a:bodyPr>
+            <a:normAutofit fontScale="85000" lnSpcReduction="20000"/>
+          </a:bodyPr>
+          <a:lstStyle/>
+          <a:p>
+            <a:r>
+              <a:rPr lang="en-US" altLang="ko-KR"/>
+              <a:t>linear kernel SVM</a:t>
+            </a:r>
+            <a:r>
+              <a:rPr lang="ko-KR" altLang="en-US"/>
+              <a:t>을 활용한 조현병 진단 모델은 </a:t>
+            </a:r>
+            <a:r>
+              <a:rPr lang="en-US" altLang="ko-KR"/>
+              <a:t>Balanced Accuracy : 0.809, Sensitivity : 0.699, specificity : 0.919 </a:t>
+            </a:r>
+            <a:r>
+              <a:rPr lang="ko-KR" altLang="en-US"/>
+              <a:t>의 성능</a:t>
+            </a:r>
+            <a:endParaRPr lang="en-US" altLang="ko-KR"/>
+          </a:p>
+          <a:p>
+            <a:endParaRPr lang="en-US" altLang="ko-KR"/>
+          </a:p>
+          <a:p>
+            <a:pPr marL="0" indent="0">
+              <a:buNone/>
+            </a:pPr>
+            <a:r>
+              <a:rPr lang="en-US" altLang="ko-KR"/>
+              <a:t>50 epoch</a:t>
+            </a:r>
+          </a:p>
+          <a:p>
+            <a:pPr marL="0" indent="0">
+              <a:buNone/>
+            </a:pPr>
+            <a:r>
+              <a:rPr lang="en-US" altLang="ko-KR"/>
+              <a:t>stratified 10 fold</a:t>
+            </a:r>
+          </a:p>
+          <a:p>
+            <a:pPr marL="0" indent="0">
+              <a:buNone/>
+            </a:pPr>
+            <a:r>
+              <a:rPr lang="en-US" altLang="ko-KR"/>
+              <a:t>Upsampling X</a:t>
+            </a:r>
+          </a:p>
+          <a:p>
+            <a:pPr marL="0" indent="0">
+              <a:buNone/>
+            </a:pPr>
+            <a:r>
+              <a:rPr lang="en-US" altLang="ko-KR"/>
+              <a:t>Optimizer : </a:t>
+            </a:r>
+            <a:r>
+              <a:rPr lang="en-US" altLang="ko-KR">
+                <a:highlight>
+                  <a:srgbClr val="FFFF00"/>
+                </a:highlight>
+              </a:rPr>
+              <a:t>Adam</a:t>
+            </a:r>
+          </a:p>
+          <a:p>
+            <a:pPr marL="0" indent="0">
+              <a:buNone/>
+            </a:pPr>
+            <a:r>
+              <a:rPr lang="en-US" altLang="ko-KR"/>
+              <a:t>L2 regularization : 5e-4</a:t>
+            </a:r>
+          </a:p>
+          <a:p>
+            <a:pPr marL="0" indent="0">
+              <a:buNone/>
+            </a:pPr>
+            <a:r>
+              <a:rPr lang="en-US" altLang="ko-KR"/>
+              <a:t>Learning rate: 0.001</a:t>
+            </a:r>
+          </a:p>
+          <a:p>
+            <a:pPr marL="0" indent="0">
+              <a:buNone/>
+            </a:pPr>
+            <a:r>
+              <a:rPr lang="en-US" altLang="ko-KR"/>
+              <a:t>Loss :  log_softmax + NLL loss = ? : Class weight: (0.72,1.66)</a:t>
+            </a:r>
+          </a:p>
+          <a:p>
+            <a:pPr marL="0" indent="0">
+              <a:buNone/>
+            </a:pPr>
+            <a:r>
+              <a:rPr lang="en-US" altLang="ko-KR"/>
+              <a:t>Threshold : 0.5</a:t>
+            </a:r>
+          </a:p>
+          <a:p>
+            <a:pPr marL="0" indent="0">
+              <a:buNone/>
+            </a:pPr>
+            <a:endParaRPr lang="en-US" altLang="ko-KR"/>
+          </a:p>
+          <a:p>
+            <a:pPr marL="0" indent="0">
+              <a:buNone/>
+            </a:pPr>
+            <a:endParaRPr lang="en-US" altLang="ko-KR"/>
+          </a:p>
+          <a:p>
+            <a:pPr marL="0" indent="0">
+              <a:buNone/>
+            </a:pPr>
+            <a:endParaRPr lang="ko-KR" altLang="en-US"/>
+          </a:p>
+        </p:txBody>
+      </p:sp>
+    </p:spTree>
+    <p:extLst>
+      <p:ext uri="{BB962C8B-B14F-4D97-AF65-F5344CB8AC3E}">
+        <p14:creationId xmlns:p14="http://schemas.microsoft.com/office/powerpoint/2010/main" val="1370428427"/>
+      </p:ext>
+    </p:extLst>
+  </p:cSld>
+  <p:clrMapOvr>
+    <a:masterClrMapping/>
+  </p:clrMapOvr>
+</p:sld>
+</file>
+
+<file path=ppt/slides/slide12.xml><?xml version="1.0" encoding="utf-8"?>
+<p:sld xmlns:a="http://schemas.openxmlformats.org/drawingml/2006/main" xmlns:r="http://schemas.openxmlformats.org/officeDocument/2006/relationships" xmlns:p="http://schemas.openxmlformats.org/presentationml/2006/main">
+  <p:cSld>
+    <p:spTree>
+      <p:nvGrpSpPr>
+        <p:cNvPr id="1" name=""/>
+        <p:cNvGrpSpPr/>
+        <p:nvPr/>
+      </p:nvGrpSpPr>
+      <p:grpSpPr>
+        <a:xfrm>
+          <a:off x="0" y="0"/>
+          <a:ext cx="0" cy="0"/>
+          <a:chOff x="0" y="0"/>
+          <a:chExt cx="0" cy="0"/>
+        </a:xfrm>
+      </p:grpSpPr>
+      <p:pic>
+        <p:nvPicPr>
+          <p:cNvPr id="35" name="내용 개체 틀 4">
+            <a:extLst>
+              <a:ext uri="{FF2B5EF4-FFF2-40B4-BE49-F238E27FC236}">
+                <a16:creationId xmlns:a16="http://schemas.microsoft.com/office/drawing/2014/main" id="{6A1232E6-8CCC-E5ED-BC6A-C9334EDCF8EB}"/>
+              </a:ext>
+            </a:extLst>
+          </p:cNvPr>
+          <p:cNvPicPr>
+            <a:picLocks noChangeAspect="1"/>
+          </p:cNvPicPr>
+          <p:nvPr/>
+        </p:nvPicPr>
+        <p:blipFill rotWithShape="1">
+          <a:blip r:embed="rId2">
+            <a:extLst>
+              <a:ext uri="{28A0092B-C50C-407E-A947-70E740481C1C}">
+                <a14:useLocalDpi xmlns:a14="http://schemas.microsoft.com/office/drawing/2010/main" val="0"/>
+              </a:ext>
+            </a:extLst>
+          </a:blip>
+          <a:srcRect l="7998" t="9571" r="8823" b="4879"/>
+          <a:stretch/>
+        </p:blipFill>
+        <p:spPr>
+          <a:xfrm>
+            <a:off x="9427888" y="2000564"/>
+            <a:ext cx="2769184" cy="1755436"/>
+          </a:xfrm>
+          <a:prstGeom prst="rect">
+            <a:avLst/>
+          </a:prstGeom>
+        </p:spPr>
+      </p:pic>
+      <p:pic>
+        <p:nvPicPr>
+          <p:cNvPr id="24" name="내용 개체 틀 23">
+            <a:extLst>
+              <a:ext uri="{FF2B5EF4-FFF2-40B4-BE49-F238E27FC236}">
+                <a16:creationId xmlns:a16="http://schemas.microsoft.com/office/drawing/2014/main" id="{AC15D9FA-62EC-F0EC-EB68-57C14E065EE1}"/>
+              </a:ext>
+            </a:extLst>
+          </p:cNvPr>
+          <p:cNvPicPr>
+            <a:picLocks noGrp="1" noChangeAspect="1"/>
+          </p:cNvPicPr>
+          <p:nvPr>
+            <p:ph idx="1"/>
+          </p:nvPr>
+        </p:nvPicPr>
+        <p:blipFill rotWithShape="1">
+          <a:blip r:embed="rId3">
+            <a:extLst>
+              <a:ext uri="{28A0092B-C50C-407E-A947-70E740481C1C}">
+                <a14:useLocalDpi xmlns:a14="http://schemas.microsoft.com/office/drawing/2010/main" val="0"/>
+              </a:ext>
+            </a:extLst>
+          </a:blip>
+          <a:srcRect l="7263" t="8725" r="8718" b="5694"/>
+          <a:stretch/>
+        </p:blipFill>
+        <p:spPr>
+          <a:xfrm>
+            <a:off x="9397401" y="308474"/>
+            <a:ext cx="2794599" cy="1793279"/>
+          </a:xfrm>
+        </p:spPr>
+      </p:pic>
+      <p:pic>
+        <p:nvPicPr>
+          <p:cNvPr id="30" name="그림 29">
+            <a:extLst>
+              <a:ext uri="{FF2B5EF4-FFF2-40B4-BE49-F238E27FC236}">
+                <a16:creationId xmlns:a16="http://schemas.microsoft.com/office/drawing/2014/main" id="{E14EC61D-397D-1BC4-5783-65BFC2113B17}"/>
+              </a:ext>
+            </a:extLst>
+          </p:cNvPr>
+          <p:cNvPicPr>
+            <a:picLocks noChangeAspect="1"/>
+          </p:cNvPicPr>
+          <p:nvPr/>
+        </p:nvPicPr>
+        <p:blipFill rotWithShape="1">
+          <a:blip r:embed="rId4">
+            <a:extLst>
+              <a:ext uri="{28A0092B-C50C-407E-A947-70E740481C1C}">
+                <a14:useLocalDpi xmlns:a14="http://schemas.microsoft.com/office/drawing/2010/main" val="0"/>
+              </a:ext>
+            </a:extLst>
+          </a:blip>
+          <a:srcRect l="3364" t="8186" r="7218"/>
+          <a:stretch/>
+        </p:blipFill>
+        <p:spPr>
+          <a:xfrm>
+            <a:off x="6428792" y="315169"/>
+            <a:ext cx="3141815" cy="1894444"/>
+          </a:xfrm>
+          <a:prstGeom prst="rect">
+            <a:avLst/>
+          </a:prstGeom>
+        </p:spPr>
+      </p:pic>
+      <p:sp>
+        <p:nvSpPr>
+          <p:cNvPr id="20" name="TextBox 19">
+            <a:extLst>
+              <a:ext uri="{FF2B5EF4-FFF2-40B4-BE49-F238E27FC236}">
+                <a16:creationId xmlns:a16="http://schemas.microsoft.com/office/drawing/2014/main" id="{8A410553-1381-F593-7D12-A1BDF89A934B}"/>
+              </a:ext>
+            </a:extLst>
+          </p:cNvPr>
+          <p:cNvSpPr txBox="1"/>
+          <p:nvPr/>
+        </p:nvSpPr>
+        <p:spPr>
+          <a:xfrm>
+            <a:off x="436342" y="881947"/>
+            <a:ext cx="2416431" cy="646331"/>
+          </a:xfrm>
+          <a:prstGeom prst="rect">
+            <a:avLst/>
+          </a:prstGeom>
+          <a:noFill/>
+        </p:spPr>
+        <p:txBody>
+          <a:bodyPr wrap="none" rtlCol="0">
+            <a:spAutoFit/>
+          </a:bodyPr>
+          <a:lstStyle/>
+          <a:p>
+            <a:r>
+              <a:rPr lang="en-US" altLang="ko-KR"/>
+              <a:t>Upsampling X, </a:t>
+            </a:r>
+          </a:p>
+          <a:p>
+            <a:r>
+              <a:rPr lang="en-US" altLang="ko-KR"/>
+              <a:t>class weight [1.0, 1.0]</a:t>
+            </a:r>
+            <a:endParaRPr lang="ko-KR" altLang="en-US"/>
+          </a:p>
+        </p:txBody>
+      </p:sp>
+      <p:pic>
+        <p:nvPicPr>
+          <p:cNvPr id="28" name="그림 27">
+            <a:extLst>
+              <a:ext uri="{FF2B5EF4-FFF2-40B4-BE49-F238E27FC236}">
+                <a16:creationId xmlns:a16="http://schemas.microsoft.com/office/drawing/2014/main" id="{E71ADADE-D0AE-9D70-E7B0-6B98C0420A84}"/>
+              </a:ext>
+            </a:extLst>
+          </p:cNvPr>
+          <p:cNvPicPr>
+            <a:picLocks noChangeAspect="1"/>
+          </p:cNvPicPr>
+          <p:nvPr/>
+        </p:nvPicPr>
+        <p:blipFill rotWithShape="1">
+          <a:blip r:embed="rId5">
+            <a:extLst>
+              <a:ext uri="{28A0092B-C50C-407E-A947-70E740481C1C}">
+                <a14:useLocalDpi xmlns:a14="http://schemas.microsoft.com/office/drawing/2010/main" val="0"/>
+              </a:ext>
+            </a:extLst>
+          </a:blip>
+          <a:srcRect l="3090" t="9888" r="8268"/>
+          <a:stretch/>
+        </p:blipFill>
+        <p:spPr>
+          <a:xfrm>
+            <a:off x="3376899" y="327395"/>
+            <a:ext cx="3341216" cy="1875607"/>
+          </a:xfrm>
+          <a:prstGeom prst="rect">
+            <a:avLst/>
+          </a:prstGeom>
+        </p:spPr>
+      </p:pic>
+      <p:sp>
+        <p:nvSpPr>
+          <p:cNvPr id="32" name="TextBox 31">
+            <a:extLst>
+              <a:ext uri="{FF2B5EF4-FFF2-40B4-BE49-F238E27FC236}">
+                <a16:creationId xmlns:a16="http://schemas.microsoft.com/office/drawing/2014/main" id="{E5D2717A-185B-BDC8-AADC-B59FBB5012B2}"/>
+              </a:ext>
+            </a:extLst>
+          </p:cNvPr>
+          <p:cNvSpPr txBox="1"/>
+          <p:nvPr/>
+        </p:nvSpPr>
+        <p:spPr>
+          <a:xfrm>
+            <a:off x="5011316" y="4552"/>
+            <a:ext cx="1084684" cy="369332"/>
+          </a:xfrm>
+          <a:prstGeom prst="rect">
+            <a:avLst/>
+          </a:prstGeom>
+          <a:noFill/>
+        </p:spPr>
+        <p:txBody>
+          <a:bodyPr wrap="square">
+            <a:spAutoFit/>
+          </a:bodyPr>
+          <a:lstStyle/>
+          <a:p>
+            <a:r>
+              <a:rPr lang="en-US" altLang="ko-KR"/>
+              <a:t>SEN</a:t>
+            </a:r>
+            <a:endParaRPr lang="ko-KR" altLang="en-US"/>
+          </a:p>
+        </p:txBody>
+      </p:sp>
+      <p:sp>
+        <p:nvSpPr>
+          <p:cNvPr id="34" name="TextBox 33">
+            <a:extLst>
+              <a:ext uri="{FF2B5EF4-FFF2-40B4-BE49-F238E27FC236}">
+                <a16:creationId xmlns:a16="http://schemas.microsoft.com/office/drawing/2014/main" id="{28863417-B92E-74B1-953A-415FBABDDF98}"/>
+              </a:ext>
+            </a:extLst>
+          </p:cNvPr>
+          <p:cNvSpPr txBox="1"/>
+          <p:nvPr/>
+        </p:nvSpPr>
+        <p:spPr>
+          <a:xfrm>
+            <a:off x="436342" y="2445275"/>
+            <a:ext cx="2589244" cy="646331"/>
+          </a:xfrm>
+          <a:prstGeom prst="rect">
+            <a:avLst/>
+          </a:prstGeom>
+          <a:noFill/>
+        </p:spPr>
+        <p:txBody>
+          <a:bodyPr wrap="square">
+            <a:spAutoFit/>
+          </a:bodyPr>
+          <a:lstStyle/>
+          <a:p>
+            <a:r>
+              <a:rPr lang="en-US" altLang="ko-KR"/>
+              <a:t>Upsampling X, </a:t>
+            </a:r>
+          </a:p>
+          <a:p>
+            <a:r>
+              <a:rPr lang="en-US" altLang="ko-KR"/>
+              <a:t>class weight [0.72, 1.66]</a:t>
+            </a:r>
+            <a:endParaRPr lang="ko-KR" altLang="en-US"/>
+          </a:p>
+        </p:txBody>
+      </p:sp>
+      <p:pic>
+        <p:nvPicPr>
+          <p:cNvPr id="37" name="그림 36">
+            <a:extLst>
+              <a:ext uri="{FF2B5EF4-FFF2-40B4-BE49-F238E27FC236}">
+                <a16:creationId xmlns:a16="http://schemas.microsoft.com/office/drawing/2014/main" id="{B8E91300-B8C6-20A9-BB2A-EA9477EB5298}"/>
+              </a:ext>
+            </a:extLst>
+          </p:cNvPr>
+          <p:cNvPicPr>
+            <a:picLocks noChangeAspect="1"/>
+          </p:cNvPicPr>
+          <p:nvPr/>
+        </p:nvPicPr>
+        <p:blipFill rotWithShape="1">
+          <a:blip r:embed="rId6">
+            <a:extLst>
+              <a:ext uri="{28A0092B-C50C-407E-A947-70E740481C1C}">
+                <a14:useLocalDpi xmlns:a14="http://schemas.microsoft.com/office/drawing/2010/main" val="0"/>
+              </a:ext>
+            </a:extLst>
+          </a:blip>
+          <a:srcRect l="3665" t="9793" r="8496"/>
+          <a:stretch/>
+        </p:blipFill>
+        <p:spPr>
+          <a:xfrm>
+            <a:off x="6527375" y="2000564"/>
+            <a:ext cx="3014769" cy="1855551"/>
+          </a:xfrm>
+          <a:prstGeom prst="rect">
+            <a:avLst/>
+          </a:prstGeom>
+        </p:spPr>
+      </p:pic>
+      <p:pic>
+        <p:nvPicPr>
+          <p:cNvPr id="36" name="그림 35">
+            <a:extLst>
+              <a:ext uri="{FF2B5EF4-FFF2-40B4-BE49-F238E27FC236}">
+                <a16:creationId xmlns:a16="http://schemas.microsoft.com/office/drawing/2014/main" id="{C4400163-902C-664E-A10E-63A74A70A15F}"/>
+              </a:ext>
+            </a:extLst>
+          </p:cNvPr>
+          <p:cNvPicPr>
+            <a:picLocks noChangeAspect="1"/>
+          </p:cNvPicPr>
+          <p:nvPr/>
+        </p:nvPicPr>
+        <p:blipFill rotWithShape="1">
+          <a:blip r:embed="rId7">
+            <a:extLst>
+              <a:ext uri="{28A0092B-C50C-407E-A947-70E740481C1C}">
+                <a14:useLocalDpi xmlns:a14="http://schemas.microsoft.com/office/drawing/2010/main" val="0"/>
+              </a:ext>
+            </a:extLst>
+          </a:blip>
+          <a:srcRect l="3965" t="9793" r="8195"/>
+          <a:stretch/>
+        </p:blipFill>
+        <p:spPr>
+          <a:xfrm>
+            <a:off x="3495741" y="1992604"/>
+            <a:ext cx="3327054" cy="1891260"/>
+          </a:xfrm>
+          <a:prstGeom prst="rect">
+            <a:avLst/>
+          </a:prstGeom>
+        </p:spPr>
+      </p:pic>
+      <p:sp>
+        <p:nvSpPr>
+          <p:cNvPr id="40" name="TextBox 39">
+            <a:extLst>
+              <a:ext uri="{FF2B5EF4-FFF2-40B4-BE49-F238E27FC236}">
+                <a16:creationId xmlns:a16="http://schemas.microsoft.com/office/drawing/2014/main" id="{39788DF1-308B-6460-934E-3CA7793070B7}"/>
+              </a:ext>
+            </a:extLst>
+          </p:cNvPr>
+          <p:cNvSpPr txBox="1"/>
+          <p:nvPr/>
+        </p:nvSpPr>
+        <p:spPr>
+          <a:xfrm>
+            <a:off x="7878921" y="-29942"/>
+            <a:ext cx="788437" cy="369332"/>
+          </a:xfrm>
+          <a:prstGeom prst="rect">
+            <a:avLst/>
+          </a:prstGeom>
+          <a:noFill/>
+        </p:spPr>
+        <p:txBody>
+          <a:bodyPr wrap="square">
+            <a:spAutoFit/>
+          </a:bodyPr>
+          <a:lstStyle/>
+          <a:p>
+            <a:r>
+              <a:rPr lang="en-US" altLang="ko-KR"/>
+              <a:t>SPE</a:t>
+            </a:r>
+            <a:endParaRPr lang="ko-KR" altLang="en-US"/>
+          </a:p>
+        </p:txBody>
+      </p:sp>
+      <p:sp>
+        <p:nvSpPr>
+          <p:cNvPr id="42" name="TextBox 41">
+            <a:extLst>
+              <a:ext uri="{FF2B5EF4-FFF2-40B4-BE49-F238E27FC236}">
+                <a16:creationId xmlns:a16="http://schemas.microsoft.com/office/drawing/2014/main" id="{7882D39D-D20E-A909-759B-378F2484F147}"/>
+              </a:ext>
+            </a:extLst>
+          </p:cNvPr>
+          <p:cNvSpPr txBox="1"/>
+          <p:nvPr/>
+        </p:nvSpPr>
+        <p:spPr>
+          <a:xfrm>
+            <a:off x="10608746" y="4552"/>
+            <a:ext cx="657808" cy="369332"/>
+          </a:xfrm>
+          <a:prstGeom prst="rect">
+            <a:avLst/>
+          </a:prstGeom>
+          <a:noFill/>
+        </p:spPr>
+        <p:txBody>
+          <a:bodyPr wrap="square">
+            <a:spAutoFit/>
+          </a:bodyPr>
+          <a:lstStyle/>
+          <a:p>
+            <a:r>
+              <a:rPr lang="en-US" altLang="ko-KR"/>
+              <a:t>BAC</a:t>
+            </a:r>
+            <a:endParaRPr lang="ko-KR" altLang="en-US"/>
+          </a:p>
+        </p:txBody>
+      </p:sp>
+      <p:pic>
+        <p:nvPicPr>
+          <p:cNvPr id="43" name="그림 42">
+            <a:extLst>
+              <a:ext uri="{FF2B5EF4-FFF2-40B4-BE49-F238E27FC236}">
+                <a16:creationId xmlns:a16="http://schemas.microsoft.com/office/drawing/2014/main" id="{E84ACC8D-6C4E-5EEC-CA0C-57335BD3225F}"/>
+              </a:ext>
+            </a:extLst>
+          </p:cNvPr>
+          <p:cNvPicPr>
+            <a:picLocks noChangeAspect="1"/>
+          </p:cNvPicPr>
+          <p:nvPr/>
+        </p:nvPicPr>
+        <p:blipFill rotWithShape="1">
+          <a:blip r:embed="rId8">
+            <a:extLst>
+              <a:ext uri="{28A0092B-C50C-407E-A947-70E740481C1C}">
+                <a14:useLocalDpi xmlns:a14="http://schemas.microsoft.com/office/drawing/2010/main" val="0"/>
+              </a:ext>
+            </a:extLst>
+          </a:blip>
+          <a:srcRect l="3306" t="8183" r="8776"/>
+          <a:stretch/>
+        </p:blipFill>
+        <p:spPr>
+          <a:xfrm>
+            <a:off x="9265299" y="3621732"/>
+            <a:ext cx="2926702" cy="1836833"/>
+          </a:xfrm>
+          <a:prstGeom prst="rect">
+            <a:avLst/>
+          </a:prstGeom>
+        </p:spPr>
+      </p:pic>
+      <p:pic>
+        <p:nvPicPr>
+          <p:cNvPr id="45" name="그림 44">
+            <a:extLst>
+              <a:ext uri="{FF2B5EF4-FFF2-40B4-BE49-F238E27FC236}">
+                <a16:creationId xmlns:a16="http://schemas.microsoft.com/office/drawing/2014/main" id="{719F1DF7-758E-4770-6284-E7D19FFFDA2C}"/>
+              </a:ext>
+            </a:extLst>
+          </p:cNvPr>
+          <p:cNvPicPr>
+            <a:picLocks noChangeAspect="1"/>
+          </p:cNvPicPr>
+          <p:nvPr/>
+        </p:nvPicPr>
+        <p:blipFill rotWithShape="1">
+          <a:blip r:embed="rId9">
+            <a:extLst>
+              <a:ext uri="{28A0092B-C50C-407E-A947-70E740481C1C}">
+                <a14:useLocalDpi xmlns:a14="http://schemas.microsoft.com/office/drawing/2010/main" val="0"/>
+              </a:ext>
+            </a:extLst>
+          </a:blip>
+          <a:srcRect l="3436" t="10100" r="8566"/>
+          <a:stretch/>
+        </p:blipFill>
+        <p:spPr>
+          <a:xfrm>
+            <a:off x="6564468" y="3629477"/>
+            <a:ext cx="3014769" cy="1887812"/>
+          </a:xfrm>
+          <a:prstGeom prst="rect">
+            <a:avLst/>
+          </a:prstGeom>
+        </p:spPr>
+      </p:pic>
+      <p:pic>
+        <p:nvPicPr>
+          <p:cNvPr id="46" name="그림 45">
+            <a:extLst>
+              <a:ext uri="{FF2B5EF4-FFF2-40B4-BE49-F238E27FC236}">
+                <a16:creationId xmlns:a16="http://schemas.microsoft.com/office/drawing/2014/main" id="{0A779A89-32BF-074B-0FE2-D69553728035}"/>
+              </a:ext>
+            </a:extLst>
+          </p:cNvPr>
+          <p:cNvPicPr>
+            <a:picLocks noChangeAspect="1"/>
+          </p:cNvPicPr>
+          <p:nvPr/>
+        </p:nvPicPr>
+        <p:blipFill rotWithShape="1">
+          <a:blip r:embed="rId10">
+            <a:extLst>
+              <a:ext uri="{28A0092B-C50C-407E-A947-70E740481C1C}">
+                <a14:useLocalDpi xmlns:a14="http://schemas.microsoft.com/office/drawing/2010/main" val="0"/>
+              </a:ext>
+            </a:extLst>
+          </a:blip>
+          <a:srcRect l="6956" t="10865" r="8429" b="3277"/>
+          <a:stretch/>
+        </p:blipFill>
+        <p:spPr>
+          <a:xfrm>
+            <a:off x="9427888" y="5243407"/>
+            <a:ext cx="2764112" cy="1735137"/>
+          </a:xfrm>
+          <a:prstGeom prst="rect">
+            <a:avLst/>
+          </a:prstGeom>
+        </p:spPr>
+      </p:pic>
+      <p:pic>
+        <p:nvPicPr>
+          <p:cNvPr id="48" name="그림 47">
+            <a:extLst>
+              <a:ext uri="{FF2B5EF4-FFF2-40B4-BE49-F238E27FC236}">
+                <a16:creationId xmlns:a16="http://schemas.microsoft.com/office/drawing/2014/main" id="{74B8717C-DA39-B430-77C8-382C11F019A9}"/>
+              </a:ext>
+            </a:extLst>
+          </p:cNvPr>
+          <p:cNvPicPr>
+            <a:picLocks noChangeAspect="1"/>
+          </p:cNvPicPr>
+          <p:nvPr/>
+        </p:nvPicPr>
+        <p:blipFill rotWithShape="1">
+          <a:blip r:embed="rId11">
+            <a:extLst>
+              <a:ext uri="{28A0092B-C50C-407E-A947-70E740481C1C}">
+                <a14:useLocalDpi xmlns:a14="http://schemas.microsoft.com/office/drawing/2010/main" val="0"/>
+              </a:ext>
+            </a:extLst>
+          </a:blip>
+          <a:srcRect l="11285" t="10043" r="8454" b="9178"/>
+          <a:stretch/>
+        </p:blipFill>
+        <p:spPr>
+          <a:xfrm>
+            <a:off x="6876660" y="5275979"/>
+            <a:ext cx="2665483" cy="1606641"/>
+          </a:xfrm>
+          <a:prstGeom prst="rect">
+            <a:avLst/>
+          </a:prstGeom>
+        </p:spPr>
+      </p:pic>
+      <p:pic>
+        <p:nvPicPr>
+          <p:cNvPr id="44" name="그림 43">
+            <a:extLst>
+              <a:ext uri="{FF2B5EF4-FFF2-40B4-BE49-F238E27FC236}">
+                <a16:creationId xmlns:a16="http://schemas.microsoft.com/office/drawing/2014/main" id="{66F5BE7F-71DB-C24C-9F5A-49198DC674F2}"/>
+              </a:ext>
+            </a:extLst>
+          </p:cNvPr>
+          <p:cNvPicPr>
+            <a:picLocks noChangeAspect="1"/>
+          </p:cNvPicPr>
+          <p:nvPr/>
+        </p:nvPicPr>
+        <p:blipFill rotWithShape="1">
+          <a:blip r:embed="rId12">
+            <a:extLst>
+              <a:ext uri="{28A0092B-C50C-407E-A947-70E740481C1C}">
+                <a14:useLocalDpi xmlns:a14="http://schemas.microsoft.com/office/drawing/2010/main" val="0"/>
+              </a:ext>
+            </a:extLst>
+          </a:blip>
+          <a:srcRect l="4138" t="8985" r="8664" b="688"/>
+          <a:stretch/>
+        </p:blipFill>
+        <p:spPr>
+          <a:xfrm>
+            <a:off x="3600562" y="3629476"/>
+            <a:ext cx="3257552" cy="1924399"/>
+          </a:xfrm>
+          <a:prstGeom prst="rect">
+            <a:avLst/>
+          </a:prstGeom>
+        </p:spPr>
+      </p:pic>
+      <p:pic>
+        <p:nvPicPr>
+          <p:cNvPr id="47" name="그림 46">
+            <a:extLst>
+              <a:ext uri="{FF2B5EF4-FFF2-40B4-BE49-F238E27FC236}">
+                <a16:creationId xmlns:a16="http://schemas.microsoft.com/office/drawing/2014/main" id="{D3D57CE3-5F4A-54BF-C253-82782B8468C5}"/>
+              </a:ext>
+            </a:extLst>
+          </p:cNvPr>
+          <p:cNvPicPr>
+            <a:picLocks noChangeAspect="1"/>
+          </p:cNvPicPr>
+          <p:nvPr/>
+        </p:nvPicPr>
+        <p:blipFill rotWithShape="1">
+          <a:blip r:embed="rId13">
+            <a:extLst>
+              <a:ext uri="{28A0092B-C50C-407E-A947-70E740481C1C}">
+                <a14:useLocalDpi xmlns:a14="http://schemas.microsoft.com/office/drawing/2010/main" val="0"/>
+              </a:ext>
+            </a:extLst>
+          </a:blip>
+          <a:srcRect l="3733" t="9305" r="8769"/>
+          <a:stretch/>
+        </p:blipFill>
+        <p:spPr>
+          <a:xfrm>
+            <a:off x="3639333" y="5275979"/>
+            <a:ext cx="3218781" cy="1735137"/>
+          </a:xfrm>
+          <a:prstGeom prst="rect">
+            <a:avLst/>
+          </a:prstGeom>
+        </p:spPr>
+      </p:pic>
+      <p:sp>
+        <p:nvSpPr>
+          <p:cNvPr id="49" name="TextBox 48">
+            <a:extLst>
+              <a:ext uri="{FF2B5EF4-FFF2-40B4-BE49-F238E27FC236}">
+                <a16:creationId xmlns:a16="http://schemas.microsoft.com/office/drawing/2014/main" id="{D85E3026-FD05-36CD-9FE5-644F63BB04ED}"/>
+              </a:ext>
+            </a:extLst>
+          </p:cNvPr>
+          <p:cNvSpPr txBox="1"/>
+          <p:nvPr/>
+        </p:nvSpPr>
+        <p:spPr>
+          <a:xfrm>
+            <a:off x="560750" y="4008603"/>
+            <a:ext cx="2589244" cy="646331"/>
+          </a:xfrm>
+          <a:prstGeom prst="rect">
+            <a:avLst/>
+          </a:prstGeom>
+          <a:noFill/>
+        </p:spPr>
+        <p:txBody>
+          <a:bodyPr wrap="square">
+            <a:spAutoFit/>
+          </a:bodyPr>
+          <a:lstStyle/>
+          <a:p>
+            <a:r>
+              <a:rPr lang="en-US" altLang="ko-KR"/>
+              <a:t>Upsampling O, </a:t>
+            </a:r>
+          </a:p>
+          <a:p>
+            <a:r>
+              <a:rPr lang="en-US" altLang="ko-KR"/>
+              <a:t>class weight [1.0, 1.0]</a:t>
+            </a:r>
+            <a:endParaRPr lang="ko-KR" altLang="en-US"/>
+          </a:p>
+        </p:txBody>
+      </p:sp>
+      <p:sp>
+        <p:nvSpPr>
+          <p:cNvPr id="50" name="TextBox 49">
+            <a:extLst>
+              <a:ext uri="{FF2B5EF4-FFF2-40B4-BE49-F238E27FC236}">
+                <a16:creationId xmlns:a16="http://schemas.microsoft.com/office/drawing/2014/main" id="{46F2C369-7915-2EAA-A732-92E40C06A510}"/>
+              </a:ext>
+            </a:extLst>
+          </p:cNvPr>
+          <p:cNvSpPr txBox="1"/>
+          <p:nvPr/>
+        </p:nvSpPr>
+        <p:spPr>
+          <a:xfrm>
+            <a:off x="560750" y="5464644"/>
+            <a:ext cx="2589244" cy="646331"/>
+          </a:xfrm>
+          <a:prstGeom prst="rect">
+            <a:avLst/>
+          </a:prstGeom>
+          <a:noFill/>
+        </p:spPr>
+        <p:txBody>
+          <a:bodyPr wrap="square">
+            <a:spAutoFit/>
+          </a:bodyPr>
+          <a:lstStyle/>
+          <a:p>
+            <a:r>
+              <a:rPr lang="en-US" altLang="ko-KR"/>
+              <a:t>Upsampling O, </a:t>
+            </a:r>
+          </a:p>
+          <a:p>
+            <a:r>
+              <a:rPr lang="en-US" altLang="ko-KR"/>
+              <a:t>class weight [0.72, 1.66]</a:t>
+            </a:r>
+            <a:endParaRPr lang="ko-KR" altLang="en-US"/>
+          </a:p>
+        </p:txBody>
+      </p:sp>
+    </p:spTree>
+    <p:extLst>
+      <p:ext uri="{BB962C8B-B14F-4D97-AF65-F5344CB8AC3E}">
+        <p14:creationId xmlns:p14="http://schemas.microsoft.com/office/powerpoint/2010/main" val="592447873"/>
+      </p:ext>
+    </p:extLst>
+  </p:cSld>
+  <p:clrMapOvr>
+    <a:masterClrMapping/>
+  </p:clrMapOvr>
+</p:sld>
+</file>
+
+<file path=ppt/slides/slide13.xml><?xml version="1.0" encoding="utf-8"?>
+<p:sld xmlns:a="http://schemas.openxmlformats.org/drawingml/2006/main" xmlns:r="http://schemas.openxmlformats.org/officeDocument/2006/relationships" xmlns:p="http://schemas.openxmlformats.org/presentationml/2006/main">
+  <p:cSld>
+    <p:spTree>
+      <p:nvGrpSpPr>
+        <p:cNvPr id="1" name=""/>
+        <p:cNvGrpSpPr/>
+        <p:nvPr/>
+      </p:nvGrpSpPr>
+      <p:grpSpPr>
+        <a:xfrm>
+          <a:off x="0" y="0"/>
+          <a:ext cx="0" cy="0"/>
+          <a:chOff x="0" y="0"/>
+          <a:chExt cx="0" cy="0"/>
+        </a:xfrm>
+      </p:grpSpPr>
       <p:pic>
         <p:nvPicPr>
           <p:cNvPr id="4" name="그림 3">
@@ -4283,6 +4721,36 @@
     <p:extLst>
       <p:ext uri="{BB962C8B-B14F-4D97-AF65-F5344CB8AC3E}">
         <p14:creationId xmlns:p14="http://schemas.microsoft.com/office/powerpoint/2010/main" val="2688272030"/>
+      </p:ext>
+    </p:extLst>
+  </p:cSld>
+  <p:clrMapOvr>
+    <a:masterClrMapping/>
+  </p:clrMapOvr>
+</p:sld>
+</file>
+
+<file path=ppt/slides/slide14.xml><?xml version="1.0" encoding="utf-8"?>
+<p:sld xmlns:a="http://schemas.openxmlformats.org/drawingml/2006/main" xmlns:r="http://schemas.openxmlformats.org/officeDocument/2006/relationships" xmlns:p="http://schemas.openxmlformats.org/presentationml/2006/main">
+  <p:cSld>
+    <p:spTree>
+      <p:nvGrpSpPr>
+        <p:cNvPr id="1" name=""/>
+        <p:cNvGrpSpPr/>
+        <p:nvPr/>
+      </p:nvGrpSpPr>
+      <p:grpSpPr>
+        <a:xfrm>
+          <a:off x="0" y="0"/>
+          <a:ext cx="0" cy="0"/>
+          <a:chOff x="0" y="0"/>
+          <a:chExt cx="0" cy="0"/>
+        </a:xfrm>
+      </p:grpSpPr>
+    </p:spTree>
+    <p:extLst>
+      <p:ext uri="{BB962C8B-B14F-4D97-AF65-F5344CB8AC3E}">
+        <p14:creationId xmlns:p14="http://schemas.microsoft.com/office/powerpoint/2010/main" val="110676689"/>
       </p:ext>
     </p:extLst>
   </p:cSld>
@@ -4467,22 +4935,16 @@
         </p:nvSpPr>
         <p:spPr/>
         <p:txBody>
-          <a:bodyPr/>
-          <a:lstStyle/>
-          <a:p>
-            <a:r>
-              <a:rPr lang="en-US" altLang="ko-KR" dirty="0"/>
-              <a:t>1. fMRI data preprocessing (</a:t>
-            </a:r>
-            <a:r>
-              <a:rPr lang="en-US" altLang="ko-KR" dirty="0" err="1"/>
-              <a:t>fmri</a:t>
-            </a:r>
-            <a:r>
-              <a:rPr lang="en-US" altLang="ko-KR" dirty="0"/>
-              <a:t>-prep) </a:t>
-            </a:r>
-            <a:endParaRPr lang="ko-KR" altLang="en-US" dirty="0"/>
+          <a:bodyPr>
+            <a:normAutofit/>
+          </a:bodyPr>
+          <a:lstStyle/>
+          <a:p>
+            <a:r>
+              <a:rPr lang="en-US" altLang="ko-KR" sz="2800" dirty="0"/>
+              <a:t>1. fMRI data preprocessing</a:t>
+            </a:r>
+            <a:endParaRPr lang="ko-KR" altLang="en-US" sz="2800" dirty="0"/>
           </a:p>
         </p:txBody>
       </p:sp>
@@ -4504,13 +4966,13 @@
         </p:nvSpPr>
         <p:spPr>
           <a:xfrm>
-            <a:off x="614265" y="1912776"/>
+            <a:off x="1000213" y="1595685"/>
             <a:ext cx="10515600" cy="4318842"/>
           </a:xfrm>
         </p:spPr>
         <p:txBody>
           <a:bodyPr>
-            <a:normAutofit/>
+            <a:normAutofit lnSpcReduction="10000"/>
           </a:bodyPr>
           <a:lstStyle/>
           <a:p>
@@ -4575,16 +5037,113 @@
               <a:buNone/>
             </a:pPr>
             <a:r>
+              <a:rPr lang="en-US" altLang="ko-KR" sz="3200" dirty="0"/>
+              <a:t>2. </a:t>
+            </a:r>
+            <a:r>
+              <a:rPr lang="en-US" altLang="ko-KR" sz="3200" dirty="0" err="1"/>
+              <a:t>Friston</a:t>
+            </a:r>
+            <a:r>
+              <a:rPr lang="en-US" altLang="ko-KR" sz="3200" dirty="0"/>
+              <a:t> 24-parameter correction + head motion scrubbing method : head</a:t>
+            </a:r>
+            <a:r>
+              <a:rPr lang="ko-KR" altLang="en-US" sz="3200" dirty="0"/>
+              <a:t> </a:t>
+            </a:r>
+            <a:r>
+              <a:rPr lang="en-US" altLang="ko-KR" sz="3200" dirty="0"/>
+              <a:t>motion</a:t>
+            </a:r>
+            <a:r>
+              <a:rPr lang="ko-KR" altLang="en-US" sz="3200" dirty="0"/>
+              <a:t> </a:t>
+            </a:r>
+            <a:r>
+              <a:rPr lang="en-US" altLang="ko-KR" sz="3200" dirty="0"/>
+              <a:t>artifacts</a:t>
+            </a:r>
+            <a:r>
+              <a:rPr lang="ko-KR" altLang="en-US" sz="3200" dirty="0"/>
+              <a:t> 영향 최소화</a:t>
+            </a:r>
+            <a:endParaRPr lang="en-US" altLang="ko-KR" sz="3200" dirty="0"/>
+          </a:p>
+          <a:p>
+            <a:pPr marL="0" indent="0">
+              <a:buNone/>
+            </a:pPr>
+            <a:r>
               <a:rPr lang="en-US" altLang="ko-KR" sz="2000" dirty="0"/>
-              <a:t>2. </a:t>
+              <a:t>3. 0.5mm</a:t>
+            </a:r>
+            <a:r>
+              <a:rPr lang="ko-KR" altLang="en-US" sz="2000" dirty="0"/>
+              <a:t>이상 </a:t>
             </a:r>
             <a:r>
               <a:rPr lang="en-US" altLang="ko-KR" sz="2000" dirty="0" err="1"/>
-              <a:t>Friston</a:t>
+              <a:t>framwise</a:t>
             </a:r>
             <a:r>
               <a:rPr lang="en-US" altLang="ko-KR" sz="2000" dirty="0"/>
-              <a:t> 24-parameter correction + head motion scrubbing method : head</a:t>
+              <a:t> displacement(FD) volume </a:t>
+            </a:r>
+            <a:r>
+              <a:rPr lang="ko-KR" altLang="en-US" sz="2000" dirty="0"/>
+              <a:t>제거</a:t>
+            </a:r>
+            <a:endParaRPr lang="en-US" altLang="ko-KR" sz="2000" dirty="0"/>
+          </a:p>
+          <a:p>
+            <a:pPr marL="0" indent="0">
+              <a:buNone/>
+            </a:pPr>
+            <a:r>
+              <a:rPr lang="en-US" altLang="ko-KR" sz="3200" dirty="0"/>
+              <a:t>4. 3x3x3mm^3</a:t>
+            </a:r>
+            <a:r>
+              <a:rPr lang="ko-KR" altLang="en-US" sz="3200" dirty="0"/>
+              <a:t> </a:t>
+            </a:r>
+            <a:r>
+              <a:rPr lang="en-US" altLang="ko-KR" sz="3200" dirty="0"/>
+              <a:t>MNI</a:t>
+            </a:r>
+            <a:r>
+              <a:rPr lang="ko-KR" altLang="en-US" sz="3200" dirty="0"/>
+              <a:t> </a:t>
+            </a:r>
+            <a:r>
+              <a:rPr lang="en-US" altLang="ko-KR" sz="3200" dirty="0"/>
+              <a:t>152</a:t>
+            </a:r>
+            <a:r>
+              <a:rPr lang="ko-KR" altLang="en-US" sz="3200" dirty="0"/>
+              <a:t> </a:t>
+            </a:r>
+            <a:r>
+              <a:rPr lang="en-US" altLang="ko-KR" sz="3200" dirty="0"/>
+              <a:t>template</a:t>
+            </a:r>
+            <a:r>
+              <a:rPr lang="ko-KR" altLang="en-US" sz="3200" dirty="0"/>
+              <a:t> </a:t>
+            </a:r>
+            <a:r>
+              <a:rPr lang="en-US" altLang="ko-KR" sz="3200" dirty="0"/>
+              <a:t>normalization</a:t>
+            </a:r>
+          </a:p>
+          <a:p>
+            <a:pPr marL="0" indent="0">
+              <a:buNone/>
+            </a:pPr>
+            <a:r>
+              <a:rPr lang="en-US" altLang="ko-KR" sz="2000" dirty="0"/>
+              <a:t>5. linearly</a:t>
             </a:r>
             <a:r>
               <a:rPr lang="ko-KR" altLang="en-US" sz="2000" dirty="0"/>
@@ -4592,7 +5151,7 @@
             </a:r>
             <a:r>
               <a:rPr lang="en-US" altLang="ko-KR" sz="2000" dirty="0"/>
-              <a:t>motion</a:t>
+              <a:t>detrended</a:t>
             </a:r>
             <a:r>
               <a:rPr lang="ko-KR" altLang="en-US" sz="2000" dirty="0"/>
@@ -4600,33 +5159,15 @@
             </a:r>
             <a:r>
               <a:rPr lang="en-US" altLang="ko-KR" sz="2000" dirty="0"/>
-              <a:t>artifacts</a:t>
+              <a:t>and</a:t>
             </a:r>
             <a:r>
               <a:rPr lang="ko-KR" altLang="en-US" sz="2000" dirty="0"/>
-              <a:t> 영향 최소화</a:t>
-            </a:r>
-            <a:endParaRPr lang="en-US" altLang="ko-KR" sz="2000" dirty="0"/>
-          </a:p>
-          <a:p>
-            <a:pPr marL="0" indent="0">
-              <a:buNone/>
-            </a:pPr>
+              <a:t> </a:t>
+            </a:r>
             <a:r>
               <a:rPr lang="en-US" altLang="ko-KR" sz="2000" dirty="0"/>
-              <a:t>3. 0.5mm</a:t>
-            </a:r>
-            <a:r>
-              <a:rPr lang="ko-KR" altLang="en-US" sz="2000" dirty="0"/>
-              <a:t>이상 </a:t>
-            </a:r>
-            <a:r>
-              <a:rPr lang="en-US" altLang="ko-KR" sz="2000" dirty="0" err="1"/>
-              <a:t>framwise</a:t>
-            </a:r>
-            <a:r>
-              <a:rPr lang="en-US" altLang="ko-KR" sz="2000" dirty="0"/>
-              <a:t> displacement(FD) volume </a:t>
+              <a:t>temporally bandpass filtered(0.01~0.08Hz) : low frequency drift, high frequency physiological noise </a:t>
             </a:r>
             <a:r>
               <a:rPr lang="ko-KR" altLang="en-US" sz="2000" dirty="0"/>
@@ -4639,94 +5180,27 @@
               <a:buNone/>
             </a:pPr>
             <a:r>
-              <a:rPr lang="en-US" altLang="ko-KR" sz="2000" dirty="0"/>
-              <a:t>4. 3x3x3mm^3</a:t>
-            </a:r>
-            <a:r>
-              <a:rPr lang="ko-KR" altLang="en-US" sz="2000" dirty="0"/>
-              <a:t> </a:t>
-            </a:r>
-            <a:r>
-              <a:rPr lang="en-US" altLang="ko-KR" sz="2000" dirty="0"/>
-              <a:t>MNI</a:t>
-            </a:r>
-            <a:r>
-              <a:rPr lang="ko-KR" altLang="en-US" sz="2000" dirty="0"/>
-              <a:t> </a:t>
-            </a:r>
-            <a:r>
-              <a:rPr lang="en-US" altLang="ko-KR" sz="2000" dirty="0"/>
-              <a:t>152</a:t>
-            </a:r>
-            <a:r>
-              <a:rPr lang="ko-KR" altLang="en-US" sz="2000" dirty="0"/>
-              <a:t> </a:t>
-            </a:r>
-            <a:r>
-              <a:rPr lang="en-US" altLang="ko-KR" sz="2000" dirty="0"/>
-              <a:t>template</a:t>
-            </a:r>
-            <a:r>
-              <a:rPr lang="ko-KR" altLang="en-US" sz="2000" dirty="0"/>
-              <a:t> </a:t>
-            </a:r>
-            <a:r>
-              <a:rPr lang="en-US" altLang="ko-KR" sz="2000" dirty="0"/>
-              <a:t>normalization</a:t>
-            </a:r>
-          </a:p>
-          <a:p>
-            <a:pPr marL="0" indent="0">
-              <a:buNone/>
-            </a:pPr>
-            <a:r>
-              <a:rPr lang="en-US" altLang="ko-KR" sz="2000" dirty="0"/>
-              <a:t>5. linearly</a:t>
-            </a:r>
-            <a:r>
-              <a:rPr lang="ko-KR" altLang="en-US" sz="2000" dirty="0"/>
-              <a:t> </a:t>
-            </a:r>
-            <a:r>
-              <a:rPr lang="en-US" altLang="ko-KR" sz="2000" dirty="0"/>
-              <a:t>detrended</a:t>
-            </a:r>
-            <a:r>
-              <a:rPr lang="ko-KR" altLang="en-US" sz="2000" dirty="0"/>
-              <a:t> </a:t>
-            </a:r>
-            <a:r>
-              <a:rPr lang="en-US" altLang="ko-KR" sz="2000" dirty="0"/>
-              <a:t>and</a:t>
-            </a:r>
-            <a:r>
-              <a:rPr lang="ko-KR" altLang="en-US" sz="2000" dirty="0"/>
-              <a:t> </a:t>
-            </a:r>
-            <a:r>
-              <a:rPr lang="en-US" altLang="ko-KR" sz="2000" dirty="0"/>
-              <a:t>temporally bandpass filtered(0.01~0.08Hz) : low frequency drift, high frequency physiological noise </a:t>
-            </a:r>
-            <a:r>
-              <a:rPr lang="ko-KR" altLang="en-US" sz="2000" dirty="0"/>
-              <a:t>제거</a:t>
-            </a:r>
-            <a:endParaRPr lang="en-US" altLang="ko-KR" sz="2000" dirty="0"/>
-          </a:p>
-          <a:p>
-            <a:pPr marL="0" indent="0">
-              <a:buNone/>
-            </a:pPr>
-            <a:r>
-              <a:rPr lang="en-US" altLang="ko-KR" sz="2000" dirty="0"/>
+              <a:rPr lang="en-US" altLang="ko-KR" sz="2000" dirty="0">
+                <a:solidFill>
+                  <a:srgbClr val="FF0000"/>
+                </a:solidFill>
+              </a:rPr>
               <a:t>6. Global signal, white matter signal, cerebrospinal fluid signal, motion parameter</a:t>
             </a:r>
             <a:r>
-              <a:rPr lang="ko-KR" altLang="en-US" sz="2000" dirty="0"/>
+              <a:rPr lang="ko-KR" altLang="en-US" sz="2000" dirty="0">
+                <a:solidFill>
+                  <a:srgbClr val="FF0000"/>
+                </a:solidFill>
+              </a:rPr>
               <a:t>는 </a:t>
             </a:r>
             <a:r>
-              <a:rPr lang="en-US" altLang="ko-KR" sz="2000" dirty="0"/>
+              <a:rPr lang="en-US" altLang="ko-KR" sz="2000" dirty="0">
+                <a:solidFill>
+                  <a:srgbClr val="FF0000"/>
+                </a:solidFill>
+              </a:rPr>
               <a:t>regressed out</a:t>
             </a:r>
           </a:p>
@@ -5041,7 +5515,7 @@
         </p:nvSpPr>
         <p:spPr>
           <a:xfrm>
-            <a:off x="671945" y="1925724"/>
+            <a:off x="960120" y="1982406"/>
             <a:ext cx="10515600" cy="4351338"/>
           </a:xfrm>
         </p:spPr>
@@ -5055,7 +5529,7 @@
               <a:buNone/>
             </a:pPr>
             <a:r>
-              <a:rPr lang="en-US" altLang="ko-KR"/>
+              <a:rPr lang="en-US" altLang="ko-KR" dirty="0"/>
               <a:t>&lt;Input&gt;</a:t>
             </a:r>
           </a:p>
@@ -5064,273 +5538,92 @@
               <a:buNone/>
             </a:pPr>
             <a:r>
-              <a:rPr lang="en-US" altLang="ko-KR">
-                <a:highlight>
-                  <a:srgbClr val="FFFF00"/>
-                </a:highlight>
-              </a:rPr>
-              <a:t>fMRI image, Atlas label image</a:t>
-            </a:r>
-            <a:r>
-              <a:rPr lang="ko-KR" altLang="en-US">
-                <a:highlight>
-                  <a:srgbClr val="FFFF00"/>
-                </a:highlight>
-              </a:rPr>
-              <a:t>에 </a:t>
-            </a:r>
-            <a:r>
-              <a:rPr lang="en-US" altLang="ko-KR">
-                <a:highlight>
-                  <a:srgbClr val="FFFF00"/>
-                </a:highlight>
-              </a:rPr>
-              <a:t>Masking </a:t>
-            </a:r>
-            <a:r>
-              <a:rPr lang="ko-KR" altLang="en-US">
-                <a:highlight>
-                  <a:srgbClr val="FFFF00"/>
-                </a:highlight>
-              </a:rPr>
-              <a:t>적용 </a:t>
-            </a:r>
-            <a:r>
-              <a:rPr lang="en-US" altLang="ko-KR">
-                <a:highlight>
-                  <a:srgbClr val="FFFF00"/>
-                </a:highlight>
-              </a:rPr>
-              <a:t>: </a:t>
-            </a:r>
-            <a:r>
-              <a:rPr lang="ko-KR" altLang="en-US">
-                <a:highlight>
-                  <a:srgbClr val="FFFF00"/>
-                </a:highlight>
-              </a:rPr>
-              <a:t>유의미한 데이터 추출</a:t>
-            </a:r>
-            <a:endParaRPr lang="en-US" altLang="ko-KR">
-              <a:highlight>
-                <a:srgbClr val="FFFF00"/>
-              </a:highlight>
-            </a:endParaRPr>
+              <a:rPr lang="en-US" altLang="ko-KR" dirty="0"/>
+              <a:t>Atlas </a:t>
+            </a:r>
+            <a:r>
+              <a:rPr lang="ko-KR" altLang="en-US" dirty="0"/>
+              <a:t>적용한 </a:t>
+            </a:r>
+            <a:r>
+              <a:rPr lang="en-US" altLang="ko-KR" dirty="0"/>
+              <a:t>mask</a:t>
+            </a:r>
+            <a:r>
+              <a:rPr lang="ko-KR" altLang="en-US" dirty="0"/>
+              <a:t>를 </a:t>
+            </a:r>
+            <a:r>
+              <a:rPr lang="en-US" altLang="ko-KR" dirty="0"/>
+              <a:t>fMRI image</a:t>
+            </a:r>
+            <a:r>
+              <a:rPr lang="ko-KR" altLang="en-US" dirty="0"/>
+              <a:t>에 적용</a:t>
+            </a:r>
+            <a:endParaRPr lang="en-US" altLang="ko-KR" dirty="0"/>
           </a:p>
           <a:p>
             <a:pPr marL="0" indent="0">
               <a:buNone/>
             </a:pPr>
             <a:r>
-              <a:rPr lang="en-US" altLang="ko-KR">
-                <a:highlight>
-                  <a:srgbClr val="FFFF00"/>
-                </a:highlight>
-              </a:rPr>
-              <a:t>, </a:t>
-            </a:r>
-            <a:r>
-              <a:rPr lang="ko-KR" altLang="en-US">
-                <a:highlight>
-                  <a:srgbClr val="FFFF00"/>
-                </a:highlight>
-              </a:rPr>
-              <a:t>한 </a:t>
-            </a:r>
-            <a:r>
-              <a:rPr lang="en-US" altLang="ko-KR">
-                <a:highlight>
-                  <a:srgbClr val="FFFF00"/>
-                </a:highlight>
-              </a:rPr>
-              <a:t>rsimg</a:t>
-            </a:r>
-            <a:r>
-              <a:rPr lang="ko-KR" altLang="en-US">
-                <a:highlight>
-                  <a:srgbClr val="FFFF00"/>
-                </a:highlight>
-              </a:rPr>
-              <a:t>에 </a:t>
-            </a:r>
-            <a:r>
-              <a:rPr lang="en-US" altLang="ko-KR">
-                <a:highlight>
-                  <a:srgbClr val="FFFF00"/>
-                </a:highlight>
-              </a:rPr>
-              <a:t>masking </a:t>
-            </a:r>
-            <a:r>
-              <a:rPr lang="ko-KR" altLang="en-US">
-                <a:highlight>
-                  <a:srgbClr val="FFFF00"/>
-                </a:highlight>
-              </a:rPr>
-              <a:t>적용한 </a:t>
-            </a:r>
-            <a:r>
-              <a:rPr lang="en-US" altLang="ko-KR">
-                <a:highlight>
-                  <a:srgbClr val="FFFF00"/>
-                </a:highlight>
-              </a:rPr>
-              <a:t>label img</a:t>
-            </a:r>
-            <a:r>
-              <a:rPr lang="ko-KR" altLang="en-US">
-                <a:highlight>
-                  <a:srgbClr val="FFFF00"/>
-                </a:highlight>
-              </a:rPr>
-              <a:t>를 기반으로 </a:t>
-            </a:r>
-            <a:r>
-              <a:rPr lang="en-US" altLang="ko-KR">
-                <a:highlight>
-                  <a:srgbClr val="FFFF00"/>
-                </a:highlight>
-              </a:rPr>
+              <a:rPr lang="en-US" altLang="ko-KR" dirty="0"/>
               <a:t>ROI</a:t>
             </a:r>
             <a:r>
-              <a:rPr lang="ko-KR" altLang="en-US">
-                <a:highlight>
-                  <a:srgbClr val="FFFF00"/>
-                </a:highlight>
-              </a:rPr>
-              <a:t>간의 </a:t>
-            </a:r>
-            <a:r>
-              <a:rPr lang="en-US" altLang="ko-KR">
-                <a:highlight>
-                  <a:srgbClr val="FFFF00"/>
-                </a:highlight>
-              </a:rPr>
-              <a:t>functional connectivity </a:t>
-            </a:r>
-            <a:r>
-              <a:rPr lang="ko-KR" altLang="en-US">
-                <a:highlight>
-                  <a:srgbClr val="FFFF00"/>
-                </a:highlight>
-              </a:rPr>
-              <a:t>제작</a:t>
-            </a:r>
-            <a:endParaRPr lang="en-US" altLang="ko-KR">
-              <a:highlight>
-                <a:srgbClr val="FFFF00"/>
-              </a:highlight>
-            </a:endParaRPr>
+              <a:rPr lang="ko-KR" altLang="en-US" dirty="0"/>
+              <a:t> 간 </a:t>
+            </a:r>
+            <a:r>
+              <a:rPr lang="en-US" altLang="ko-KR" dirty="0" err="1"/>
+              <a:t>pearson</a:t>
+            </a:r>
+            <a:r>
+              <a:rPr lang="en-US" altLang="ko-KR" dirty="0"/>
+              <a:t> correlation </a:t>
+            </a:r>
+            <a:r>
+              <a:rPr lang="ko-KR" altLang="en-US" dirty="0"/>
+              <a:t>계산</a:t>
+            </a:r>
+            <a:endParaRPr lang="en-US" altLang="ko-KR" dirty="0"/>
           </a:p>
           <a:p>
             <a:pPr marL="0" indent="0">
               <a:buNone/>
             </a:pPr>
-            <a:endParaRPr lang="en-US" altLang="ko-KR">
-              <a:highlight>
-                <a:srgbClr val="FFFF00"/>
-              </a:highlight>
-            </a:endParaRPr>
+            <a:endParaRPr lang="en-US" altLang="ko-KR" dirty="0"/>
           </a:p>
           <a:p>
             <a:pPr marL="0" indent="0">
               <a:buNone/>
             </a:pPr>
-            <a:r>
-              <a:rPr lang="ko-KR" altLang="en-US">
-                <a:highlight>
-                  <a:srgbClr val="FFFF00"/>
-                </a:highlight>
-              </a:rPr>
-              <a:t>문제 </a:t>
-            </a:r>
-            <a:r>
-              <a:rPr lang="en-US" altLang="ko-KR">
-                <a:highlight>
-                  <a:srgbClr val="FFFF00"/>
-                </a:highlight>
-              </a:rPr>
-              <a:t>: mask </a:t>
-            </a:r>
-            <a:r>
-              <a:rPr lang="ko-KR" altLang="en-US">
-                <a:highlight>
-                  <a:srgbClr val="FFFF00"/>
-                </a:highlight>
-              </a:rPr>
-              <a:t>적용한 </a:t>
-            </a:r>
-            <a:r>
-              <a:rPr lang="en-US" altLang="ko-KR">
-                <a:highlight>
-                  <a:srgbClr val="FFFF00"/>
-                </a:highlight>
-              </a:rPr>
-              <a:t>unique</a:t>
-            </a:r>
-            <a:r>
-              <a:rPr lang="ko-KR" altLang="en-US">
-                <a:highlight>
-                  <a:srgbClr val="FFFF00"/>
-                </a:highlight>
-              </a:rPr>
-              <a:t>한 </a:t>
-            </a:r>
-            <a:r>
-              <a:rPr lang="en-US" altLang="ko-KR">
-                <a:highlight>
-                  <a:srgbClr val="FFFF00"/>
-                </a:highlight>
-              </a:rPr>
-              <a:t>label</a:t>
-            </a:r>
-            <a:r>
-              <a:rPr lang="ko-KR" altLang="en-US">
-                <a:highlight>
-                  <a:srgbClr val="FFFF00"/>
-                </a:highlight>
-              </a:rPr>
-              <a:t> 개수와</a:t>
-            </a:r>
-            <a:r>
-              <a:rPr lang="en-US" altLang="ko-KR">
-                <a:highlight>
-                  <a:srgbClr val="FFFF00"/>
-                </a:highlight>
-              </a:rPr>
-              <a:t>, </a:t>
-            </a:r>
+            <a:endParaRPr lang="en-US" altLang="ko-KR" dirty="0"/>
           </a:p>
           <a:p>
             <a:pPr marL="0" indent="0">
               <a:buNone/>
             </a:pPr>
-            <a:endParaRPr lang="en-US" altLang="ko-KR"/>
+            <a:endParaRPr lang="en-US" altLang="ko-KR" dirty="0"/>
           </a:p>
           <a:p>
             <a:pPr marL="0" indent="0">
               <a:buNone/>
             </a:pPr>
-            <a:endParaRPr lang="en-US" altLang="ko-KR"/>
+            <a:endParaRPr lang="en-US" altLang="ko-KR" dirty="0"/>
           </a:p>
           <a:p>
             <a:pPr marL="0" indent="0">
               <a:buNone/>
             </a:pPr>
-            <a:endParaRPr lang="en-US" altLang="ko-KR"/>
+            <a:endParaRPr lang="en-US" altLang="ko-KR" dirty="0"/>
           </a:p>
           <a:p>
             <a:pPr marL="0" indent="0">
               <a:buNone/>
             </a:pPr>
-            <a:endParaRPr lang="en-US" altLang="ko-KR"/>
-          </a:p>
-          <a:p>
-            <a:pPr marL="0" indent="0">
-              <a:buNone/>
-            </a:pPr>
-            <a:endParaRPr lang="ko-KR" altLang="en-US"/>
+            <a:endParaRPr lang="ko-KR" altLang="en-US" dirty="0"/>
           </a:p>
         </p:txBody>
       </p:sp>
@@ -5435,7 +5728,7 @@
               <a:buNone/>
             </a:pPr>
             <a:r>
-              <a:rPr lang="en-US" altLang="ko-KR"/>
+              <a:rPr lang="en-US" altLang="ko-KR" dirty="0"/>
               <a:t>1. Schaefer2018 (400Parcels_17Networks_1mm)</a:t>
             </a:r>
           </a:p>
@@ -5445,23 +5738,23 @@
               <a:buChar char="è"/>
             </a:pPr>
             <a:r>
-              <a:rPr lang="en-US" altLang="ko-KR"/>
+              <a:rPr lang="en-US" altLang="ko-KR" dirty="0"/>
               <a:t>Dataset1(UCLA_CNP) : subject 263</a:t>
             </a:r>
             <a:r>
-              <a:rPr lang="ko-KR" altLang="en-US"/>
+              <a:rPr lang="ko-KR" altLang="en-US" dirty="0"/>
               <a:t>명 중 </a:t>
             </a:r>
             <a:r>
-              <a:rPr lang="en-US" altLang="ko-KR"/>
+              <a:rPr lang="en-US" altLang="ko-KR" dirty="0"/>
               <a:t>117</a:t>
             </a:r>
             <a:r>
-              <a:rPr lang="ko-KR" altLang="en-US"/>
+              <a:rPr lang="ko-KR" altLang="en-US" dirty="0"/>
               <a:t>명 가능</a:t>
             </a:r>
             <a:r>
-              <a:rPr lang="en-US" altLang="ko-KR"/>
+              <a:rPr lang="en-US" altLang="ko-KR" dirty="0"/>
               <a:t>(HC 52, SCZ 25)</a:t>
             </a:r>
           </a:p>
@@ -5470,14 +5763,14 @@
               <a:buFont typeface="Wingdings" panose="05000000000000000000" pitchFamily="2" charset="2"/>
               <a:buChar char="è"/>
             </a:pPr>
-            <a:endParaRPr lang="en-US" altLang="ko-KR"/>
+            <a:endParaRPr lang="en-US" altLang="ko-KR" dirty="0"/>
           </a:p>
           <a:p>
             <a:pPr marL="0" indent="0">
               <a:buNone/>
             </a:pPr>
             <a:r>
-              <a:rPr lang="en-US" altLang="ko-KR"/>
+              <a:rPr lang="en-US" altLang="ko-KR" dirty="0"/>
               <a:t>2. AAL3v1 (164parcels)</a:t>
             </a:r>
           </a:p>
@@ -5486,31 +5779,31 @@
               <a:buNone/>
             </a:pPr>
             <a:r>
-              <a:rPr lang="en-US" altLang="ko-KR"/>
+              <a:rPr lang="en-US" altLang="ko-KR" dirty="0"/>
               <a:t>-&gt; Dataset 1 (UCLA_CNP) : subject</a:t>
             </a:r>
             <a:r>
-              <a:rPr lang="ko-KR" altLang="en-US"/>
+              <a:rPr lang="ko-KR" altLang="en-US" dirty="0"/>
               <a:t> </a:t>
             </a:r>
             <a:r>
-              <a:rPr lang="en-US" altLang="ko-KR"/>
+              <a:rPr lang="en-US" altLang="ko-KR" dirty="0"/>
               <a:t>263</a:t>
             </a:r>
             <a:r>
-              <a:rPr lang="ko-KR" altLang="en-US"/>
+              <a:rPr lang="ko-KR" altLang="en-US" dirty="0"/>
               <a:t>명 중 </a:t>
             </a:r>
             <a:r>
-              <a:rPr lang="en-US" altLang="ko-KR"/>
+              <a:rPr lang="en-US" altLang="ko-KR" dirty="0"/>
               <a:t>223</a:t>
             </a:r>
             <a:r>
-              <a:rPr lang="ko-KR" altLang="en-US"/>
+              <a:rPr lang="ko-KR" altLang="en-US" dirty="0"/>
               <a:t>명 가능</a:t>
             </a:r>
             <a:r>
-              <a:rPr lang="en-US" altLang="ko-KR"/>
+              <a:rPr lang="en-US" altLang="ko-KR" dirty="0"/>
               <a:t>(HC104, SCZ44)</a:t>
             </a:r>
           </a:p>
@@ -5520,36 +5813,36 @@
               <a:buChar char="è"/>
             </a:pPr>
             <a:r>
-              <a:rPr lang="en-US" altLang="ko-KR"/>
+              <a:rPr lang="en-US" altLang="ko-KR" dirty="0"/>
               <a:t>Dataset2(COBRE) : subject 148</a:t>
             </a:r>
             <a:r>
-              <a:rPr lang="ko-KR" altLang="en-US"/>
+              <a:rPr lang="ko-KR" altLang="en-US" dirty="0"/>
               <a:t>명 중 </a:t>
             </a:r>
             <a:r>
-              <a:rPr lang="en-US" altLang="ko-KR"/>
+              <a:rPr lang="en-US" altLang="ko-KR" dirty="0"/>
               <a:t>130</a:t>
             </a:r>
             <a:r>
-              <a:rPr lang="ko-KR" altLang="en-US"/>
+              <a:rPr lang="ko-KR" altLang="en-US" dirty="0"/>
               <a:t>명 가능</a:t>
             </a:r>
-            <a:endParaRPr lang="en-US" altLang="ko-KR"/>
+            <a:endParaRPr lang="en-US" altLang="ko-KR" dirty="0"/>
           </a:p>
           <a:p>
             <a:pPr>
               <a:buFont typeface="Wingdings" panose="05000000000000000000" pitchFamily="2" charset="2"/>
               <a:buChar char="è"/>
             </a:pPr>
-            <a:endParaRPr lang="en-US" altLang="ko-KR"/>
+            <a:endParaRPr lang="en-US" altLang="ko-KR" dirty="0"/>
           </a:p>
           <a:p>
             <a:pPr marL="0" indent="0">
               <a:buNone/>
             </a:pPr>
             <a:r>
-              <a:rPr lang="en-US" altLang="ko-KR"/>
+              <a:rPr lang="en-US" altLang="ko-KR" dirty="0"/>
               <a:t>3. AAL1 (116parcels)</a:t>
             </a:r>
           </a:p>
@@ -5558,7 +5851,7 @@
               <a:buNone/>
             </a:pPr>
             <a:r>
-              <a:rPr lang="en-US" altLang="ko-KR"/>
+              <a:rPr lang="en-US" altLang="ko-KR" dirty="0"/>
               <a:t>-&gt; Dataset1(UCLA_CNP) : </a:t>
             </a:r>
           </a:p>
@@ -5566,19 +5859,19 @@
             <a:pPr marL="0" indent="0">
               <a:buNone/>
             </a:pPr>
-            <a:endParaRPr lang="en-US" altLang="ko-KR"/>
+            <a:endParaRPr lang="en-US" altLang="ko-KR" dirty="0"/>
           </a:p>
           <a:p>
             <a:pPr marL="0" indent="0">
               <a:buNone/>
             </a:pPr>
-            <a:endParaRPr lang="en-US" altLang="ko-KR"/>
+            <a:endParaRPr lang="en-US" altLang="ko-KR" dirty="0"/>
           </a:p>
           <a:p>
             <a:pPr marL="0" indent="0">
               <a:buNone/>
             </a:pPr>
-            <a:endParaRPr lang="ko-KR" altLang="en-US"/>
+            <a:endParaRPr lang="ko-KR" altLang="en-US" dirty="0"/>
           </a:p>
         </p:txBody>
       </p:sp>
@@ -5636,17 +5929,16 @@
         </p:nvSpPr>
         <p:spPr/>
         <p:txBody>
-          <a:bodyPr/>
-          <a:lstStyle/>
-          <a:p>
-            <a:r>
-              <a:rPr lang="en-US" altLang="ko-KR"/>
-              <a:t>3. Graph </a:t>
-            </a:r>
-            <a:r>
-              <a:rPr lang="ko-KR" altLang="en-US"/>
-              <a:t>데이터 변환</a:t>
-            </a:r>
+          <a:bodyPr>
+            <a:normAutofit/>
+          </a:bodyPr>
+          <a:lstStyle/>
+          <a:p>
+            <a:r>
+              <a:rPr lang="en-US" altLang="ko-KR" sz="3200" dirty="0"/>
+              <a:t>3. Graph dataset</a:t>
+            </a:r>
+            <a:endParaRPr lang="ko-KR" altLang="en-US" sz="3200" dirty="0"/>
           </a:p>
         </p:txBody>
       </p:sp>
@@ -5668,13 +5960,13 @@
         </p:nvSpPr>
         <p:spPr>
           <a:xfrm>
-            <a:off x="726233" y="1769642"/>
-            <a:ext cx="10515600" cy="4351338"/>
+            <a:off x="689657" y="1422805"/>
+            <a:ext cx="10515600" cy="5088358"/>
           </a:xfrm>
         </p:spPr>
         <p:txBody>
           <a:bodyPr>
-            <a:normAutofit fontScale="92500" lnSpcReduction="20000"/>
+            <a:normAutofit/>
           </a:bodyPr>
           <a:lstStyle/>
           <a:p>
@@ -5682,165 +5974,222 @@
               <a:buNone/>
             </a:pPr>
             <a:r>
-              <a:rPr lang="en-US" altLang="ko-KR"/>
+              <a:rPr lang="en-US" altLang="ko-KR" sz="2000" dirty="0"/>
               <a:t>G = (V, E, W)</a:t>
             </a:r>
           </a:p>
           <a:p>
             <a:r>
-              <a:rPr lang="en-US" altLang="ko-KR"/>
+              <a:rPr lang="en-US" altLang="ko-KR" sz="2000" dirty="0"/>
               <a:t>G : subject 1</a:t>
             </a:r>
             <a:r>
-              <a:rPr lang="ko-KR" altLang="en-US"/>
-              <a:t>명의 뇌</a:t>
-            </a:r>
-          </a:p>
-          <a:p>
-            <a:r>
-              <a:rPr lang="en-US" altLang="ko-KR"/>
-              <a:t>V : FC</a:t>
-            </a:r>
-            <a:r>
-              <a:rPr lang="ko-KR" altLang="en-US"/>
-              <a:t>의 </a:t>
-            </a:r>
-            <a:r>
-              <a:rPr lang="en-US" altLang="ko-KR"/>
-              <a:t>brain regions (defined by atlas)</a:t>
-            </a:r>
-          </a:p>
-          <a:p>
-            <a:r>
-              <a:rPr lang="en-US" altLang="ko-KR">
-                <a:highlight>
-                  <a:srgbClr val="FFFF00"/>
-                </a:highlight>
-              </a:rPr>
-              <a:t>E : brain regions</a:t>
-            </a:r>
-            <a:r>
-              <a:rPr lang="ko-KR" altLang="en-US">
-                <a:highlight>
-                  <a:srgbClr val="FFFF00"/>
-                </a:highlight>
-              </a:rPr>
+              <a:rPr lang="ko-KR" altLang="en-US" sz="2000" dirty="0"/>
+              <a:t>명의 </a:t>
+            </a:r>
+            <a:r>
+              <a:rPr lang="en-US" altLang="ko-KR" sz="2000" dirty="0"/>
+              <a:t>brain network</a:t>
+            </a:r>
+          </a:p>
+          <a:p>
+            <a:r>
+              <a:rPr lang="en-US" altLang="ko-KR" sz="2000" dirty="0"/>
+              <a:t>V : brain regions (defined by atlas)</a:t>
+            </a:r>
+          </a:p>
+          <a:p>
+            <a:pPr marL="0" indent="0">
+              <a:buNone/>
+            </a:pPr>
+            <a:r>
+              <a:rPr lang="en-US" altLang="ko-KR" sz="2000" dirty="0"/>
+              <a:t>	feature(x) : </a:t>
+            </a:r>
+            <a:r>
+              <a:rPr lang="ko-KR" altLang="en-US" sz="2000" dirty="0"/>
+              <a:t>다른 </a:t>
+            </a:r>
+            <a:r>
+              <a:rPr lang="en-US" altLang="ko-KR" sz="2000" dirty="0"/>
+              <a:t>ROI</a:t>
+            </a:r>
+            <a:r>
+              <a:rPr lang="ko-KR" altLang="en-US" sz="2000" dirty="0"/>
+              <a:t>와의 </a:t>
+            </a:r>
+            <a:r>
+              <a:rPr lang="en-US" altLang="ko-KR" sz="2000" dirty="0"/>
+              <a:t>functional connectivity</a:t>
+            </a:r>
+          </a:p>
+          <a:p>
+            <a:r>
+              <a:rPr lang="en-US" altLang="ko-KR" sz="2000" dirty="0"/>
+              <a:t>E(</a:t>
+            </a:r>
+            <a:r>
+              <a:rPr lang="en-US" altLang="ko-KR" sz="2000" dirty="0" err="1"/>
+              <a:t>edge_index</a:t>
+            </a:r>
+            <a:r>
+              <a:rPr lang="en-US" altLang="ko-KR" sz="2000" dirty="0"/>
+              <a:t>) : brain regions</a:t>
+            </a:r>
+            <a:r>
+              <a:rPr lang="ko-KR" altLang="en-US" sz="2000" dirty="0"/>
               <a:t>간 </a:t>
             </a:r>
             <a:r>
-              <a:rPr lang="en-US" altLang="ko-KR">
-                <a:highlight>
-                  <a:srgbClr val="FFFF00"/>
-                </a:highlight>
-              </a:rPr>
+              <a:rPr lang="en-US" altLang="ko-KR" sz="2000" dirty="0"/>
               <a:t>threshold </a:t>
             </a:r>
             <a:r>
-              <a:rPr lang="ko-KR" altLang="en-US">
-                <a:highlight>
-                  <a:srgbClr val="FFFF00"/>
-                </a:highlight>
-              </a:rPr>
+              <a:rPr lang="ko-KR" altLang="en-US" sz="2000" dirty="0"/>
               <a:t>넘은</a:t>
             </a:r>
             <a:r>
-              <a:rPr lang="en-US" altLang="ko-KR">
-                <a:highlight>
-                  <a:srgbClr val="FFFF00"/>
-                </a:highlight>
-              </a:rPr>
-              <a:t>functional connections (threshold 0 </a:t>
-            </a:r>
-            <a:r>
-              <a:rPr lang="ko-KR" altLang="en-US">
-                <a:highlight>
-                  <a:srgbClr val="FFFF00"/>
-                </a:highlight>
-              </a:rPr>
-              <a:t>이면 </a:t>
-            </a:r>
-            <a:r>
-              <a:rPr lang="en-US" altLang="ko-KR">
-                <a:highlight>
-                  <a:srgbClr val="FFFF00"/>
-                </a:highlight>
-              </a:rPr>
-              <a:t>complete graph)</a:t>
+              <a:rPr lang="en-US" altLang="ko-KR" sz="2000" dirty="0"/>
+              <a:t>functional connections (KNN, k=10)</a:t>
             </a:r>
           </a:p>
           <a:p>
             <a:pPr marL="0" indent="0">
               <a:buNone/>
             </a:pPr>
-            <a:endParaRPr lang="en-US" altLang="ko-KR">
+            <a:r>
+              <a:rPr lang="en-US" altLang="ko-KR" sz="2000" dirty="0"/>
+              <a:t>	feature(</a:t>
+            </a:r>
+            <a:r>
+              <a:rPr lang="en-US" altLang="ko-KR" sz="2000" dirty="0" err="1"/>
+              <a:t>edge_attr</a:t>
+            </a:r>
+            <a:r>
+              <a:rPr lang="en-US" altLang="ko-KR" sz="2000" dirty="0"/>
+              <a:t>) :  </a:t>
+            </a:r>
+            <a:r>
+              <a:rPr lang="ko-KR" altLang="en-US" sz="2000" dirty="0"/>
+              <a:t>각</a:t>
+            </a:r>
+            <a:r>
+              <a:rPr lang="en-US" altLang="ko-KR" sz="2000" dirty="0"/>
+              <a:t> </a:t>
+            </a:r>
+            <a:r>
+              <a:rPr lang="ko-KR" altLang="en-US" sz="2000" dirty="0"/>
+              <a:t>연결의 </a:t>
+            </a:r>
+            <a:r>
+              <a:rPr lang="en-US" altLang="ko-KR" sz="2000" dirty="0"/>
+              <a:t>weight (</a:t>
+            </a:r>
+            <a:r>
+              <a:rPr lang="ko-KR" altLang="en-US" sz="2000" dirty="0"/>
+              <a:t>두 </a:t>
+            </a:r>
+            <a:r>
+              <a:rPr lang="en-US" altLang="ko-KR" sz="2000" dirty="0"/>
+              <a:t>node</a:t>
+            </a:r>
+            <a:r>
+              <a:rPr lang="ko-KR" altLang="en-US" sz="2000" dirty="0"/>
+              <a:t>의</a:t>
+            </a:r>
+            <a:r>
+              <a:rPr lang="en-US" altLang="ko-KR" sz="2000" dirty="0"/>
+              <a:t> feature vector</a:t>
+            </a:r>
+            <a:r>
+              <a:rPr lang="ko-KR" altLang="en-US" sz="2000" dirty="0"/>
+              <a:t>간의 </a:t>
+            </a:r>
+            <a:r>
+              <a:rPr lang="en-US" altLang="ko-KR" sz="2000" dirty="0"/>
+              <a:t>pairwise distance</a:t>
+            </a:r>
+            <a:r>
+              <a:rPr lang="ko-KR" altLang="en-US" sz="2000" dirty="0"/>
+              <a:t>를 </a:t>
+            </a:r>
+            <a:r>
+              <a:rPr lang="en-US" altLang="ko-KR" sz="2000" dirty="0"/>
+              <a:t>Gaussian kernel</a:t>
+            </a:r>
+            <a:r>
+              <a:rPr lang="ko-KR" altLang="en-US" sz="2000" dirty="0"/>
+              <a:t>을 통해 가중치로 변환</a:t>
+            </a:r>
+            <a:r>
+              <a:rPr lang="en-US" altLang="ko-KR" sz="2000" dirty="0"/>
+              <a:t>)</a:t>
+            </a:r>
+            <a:endParaRPr lang="en-US" altLang="ko-KR" sz="1600" dirty="0"/>
+          </a:p>
+          <a:p>
+            <a:pPr marL="0" indent="0">
+              <a:buNone/>
+            </a:pPr>
+            <a:endParaRPr lang="en-US" altLang="ko-KR" sz="2000" dirty="0">
               <a:highlight>
                 <a:srgbClr val="FFFF00"/>
               </a:highlight>
             </a:endParaRPr>
           </a:p>
           <a:p>
-            <a:r>
-              <a:rPr lang="en-US" altLang="ko-KR">
-                <a:highlight>
-                  <a:srgbClr val="FFFF00"/>
-                </a:highlight>
-              </a:rPr>
-              <a:t>W(node#, node#) : weighted adjacency matrix</a:t>
-            </a:r>
-          </a:p>
-          <a:p>
-            <a:r>
-              <a:rPr lang="en-US" altLang="ko-KR">
-                <a:highlight>
-                  <a:srgbClr val="FFFF00"/>
-                </a:highlight>
-              </a:rPr>
-              <a:t>KNN </a:t>
-            </a:r>
-            <a:r>
-              <a:rPr lang="ko-KR" altLang="en-US">
-                <a:highlight>
-                  <a:srgbClr val="FFFF00"/>
-                </a:highlight>
-              </a:rPr>
-              <a:t>알고리즘 사용</a:t>
-            </a:r>
-            <a:r>
-              <a:rPr lang="en-US" altLang="ko-KR">
-                <a:highlight>
-                  <a:srgbClr val="FFFF00"/>
-                </a:highlight>
-              </a:rPr>
-              <a:t>(k=10)</a:t>
-            </a:r>
-          </a:p>
-          <a:p>
-            <a:endParaRPr lang="en-US" altLang="ko-KR"/>
-          </a:p>
-          <a:p>
-            <a:r>
-              <a:rPr lang="en-US" altLang="ko-KR"/>
-              <a:t>FCGraphDataset(</a:t>
-            </a:r>
-            <a:r>
-              <a:rPr lang="en-US" altLang="ko-KR">
-                <a:highlight>
-                  <a:srgbClr val="FFFF00"/>
-                </a:highlight>
-              </a:rPr>
-              <a:t>146</a:t>
-            </a:r>
-            <a:r>
-              <a:rPr lang="en-US" altLang="ko-KR"/>
-              <a:t>)</a:t>
-            </a:r>
-          </a:p>
-          <a:p>
-            <a:r>
-              <a:rPr lang="en-US" altLang="ko-KR"/>
-              <a:t>Data(x=[164, 164], edge_index=[2, 2084], edge_attr=[2084], y=[1])</a:t>
-            </a:r>
-            <a:endParaRPr lang="ko-KR" altLang="en-US"/>
+            <a:pPr marL="0" indent="0">
+              <a:buNone/>
+            </a:pPr>
+            <a:endParaRPr lang="en-US" altLang="ko-KR" sz="2000" dirty="0"/>
+          </a:p>
+          <a:p>
+            <a:pPr marL="0" indent="0">
+              <a:buNone/>
+            </a:pPr>
+            <a:r>
+              <a:rPr lang="en-US" altLang="ko-KR" sz="2000" dirty="0" err="1"/>
+              <a:t>FCGraphDataset</a:t>
+            </a:r>
+            <a:r>
+              <a:rPr lang="en-US" altLang="ko-KR" sz="2000" dirty="0"/>
+              <a:t>(146)</a:t>
+            </a:r>
+          </a:p>
+          <a:p>
+            <a:pPr marL="0" indent="0">
+              <a:buNone/>
+            </a:pPr>
+            <a:r>
+              <a:rPr lang="en-US" altLang="ko-KR" sz="2000" dirty="0" err="1"/>
+              <a:t>FCGraphDataset</a:t>
+            </a:r>
+            <a:r>
+              <a:rPr lang="en-US" altLang="ko-KR" sz="2000" dirty="0"/>
+              <a:t> [0] = Data(x=[164, 164], </a:t>
+            </a:r>
+            <a:r>
+              <a:rPr lang="en-US" altLang="ko-KR" sz="2000" dirty="0" err="1"/>
+              <a:t>edge_index</a:t>
+            </a:r>
+            <a:r>
+              <a:rPr lang="en-US" altLang="ko-KR" sz="2000" dirty="0"/>
+              <a:t>=[2, 2084], </a:t>
+            </a:r>
+            <a:r>
+              <a:rPr lang="en-US" altLang="ko-KR" sz="2000" dirty="0" err="1"/>
+              <a:t>edge_attr</a:t>
+            </a:r>
+            <a:r>
+              <a:rPr lang="en-US" altLang="ko-KR" sz="2000" dirty="0"/>
+              <a:t>=[2084], y=[1])</a:t>
+            </a:r>
+          </a:p>
+          <a:p>
+            <a:pPr marL="0" indent="0">
+              <a:buNone/>
+            </a:pPr>
+            <a:endParaRPr lang="ko-KR" altLang="en-US" sz="2000" dirty="0"/>
           </a:p>
         </p:txBody>
       </p:sp>
@@ -5865,7 +6214,7 @@
         <p:cNvPr id="1" name="">
           <a:extLst>
             <a:ext uri="{FF2B5EF4-FFF2-40B4-BE49-F238E27FC236}">
-              <a16:creationId xmlns:a16="http://schemas.microsoft.com/office/drawing/2014/main" id="{44792E7C-DE38-127E-17D1-2FDCB43238DA}"/>
+              <a16:creationId xmlns:a16="http://schemas.microsoft.com/office/drawing/2014/main" id="{C612D8D5-39B5-DED1-0BB5-8A1962B4418F}"/>
             </a:ext>
           </a:extLst>
         </p:cNvPr>
@@ -5885,7 +6234,7 @@
           <p:cNvPr id="2" name="제목 1">
             <a:extLst>
               <a:ext uri="{FF2B5EF4-FFF2-40B4-BE49-F238E27FC236}">
-                <a16:creationId xmlns:a16="http://schemas.microsoft.com/office/drawing/2014/main" id="{A2D3AE7B-BFE0-B0A5-C805-7CAF963BFEDF}"/>
+                <a16:creationId xmlns:a16="http://schemas.microsoft.com/office/drawing/2014/main" id="{D1329C84-438E-3035-82EF-FA18BB26431A}"/>
               </a:ext>
             </a:extLst>
           </p:cNvPr>
@@ -5898,177 +6247,891 @@
         </p:nvSpPr>
         <p:spPr/>
         <p:txBody>
-          <a:bodyPr/>
-          <a:lstStyle/>
-          <a:p>
+          <a:bodyPr>
+            <a:normAutofit/>
+          </a:bodyPr>
+          <a:lstStyle/>
+          <a:p>
+            <a:r>
+              <a:rPr lang="en-US" altLang="ko-KR" sz="3200" dirty="0"/>
+              <a:t>3. Graph dataset – weighted adjacency matrix</a:t>
+            </a:r>
+            <a:endParaRPr lang="ko-KR" altLang="en-US" sz="3200" dirty="0"/>
+          </a:p>
+        </p:txBody>
+      </p:sp>
+      <p:sp>
+        <p:nvSpPr>
+          <p:cNvPr id="4" name="TextBox 3">
+            <a:extLst>
+              <a:ext uri="{FF2B5EF4-FFF2-40B4-BE49-F238E27FC236}">
+                <a16:creationId xmlns:a16="http://schemas.microsoft.com/office/drawing/2014/main" id="{50935AD0-A503-4798-A2F3-5342C36A2E43}"/>
+              </a:ext>
+            </a:extLst>
+          </p:cNvPr>
+          <p:cNvSpPr txBox="1"/>
+          <p:nvPr/>
+        </p:nvSpPr>
+        <p:spPr>
+          <a:xfrm>
+            <a:off x="109728" y="1506022"/>
+            <a:ext cx="2946640" cy="369332"/>
+          </a:xfrm>
+          <a:prstGeom prst="rect">
+            <a:avLst/>
+          </a:prstGeom>
+          <a:noFill/>
+        </p:spPr>
+        <p:txBody>
+          <a:bodyPr wrap="none" rtlCol="0">
+            <a:spAutoFit/>
+          </a:bodyPr>
+          <a:lstStyle/>
+          <a:p>
+            <a:r>
+              <a:rPr lang="en-US" altLang="ko-KR" dirty="0"/>
+              <a:t>Functional connectivity(X) </a:t>
+            </a:r>
+            <a:endParaRPr lang="ko-KR" altLang="en-US" dirty="0"/>
+          </a:p>
+        </p:txBody>
+      </p:sp>
+      <p:sp>
+        <p:nvSpPr>
+          <p:cNvPr id="7" name="TextBox 6">
+            <a:extLst>
+              <a:ext uri="{FF2B5EF4-FFF2-40B4-BE49-F238E27FC236}">
+                <a16:creationId xmlns:a16="http://schemas.microsoft.com/office/drawing/2014/main" id="{78DA09A0-493B-49A2-B2D5-D76F2613C599}"/>
+              </a:ext>
+            </a:extLst>
+          </p:cNvPr>
+          <p:cNvSpPr txBox="1"/>
+          <p:nvPr/>
+        </p:nvSpPr>
+        <p:spPr>
+          <a:xfrm>
+            <a:off x="6992112" y="1453053"/>
+            <a:ext cx="2698559" cy="369332"/>
+          </a:xfrm>
+          <a:prstGeom prst="rect">
+            <a:avLst/>
+          </a:prstGeom>
+          <a:noFill/>
+        </p:spPr>
+        <p:txBody>
+          <a:bodyPr wrap="none" rtlCol="0">
+            <a:spAutoFit/>
+          </a:bodyPr>
+          <a:lstStyle/>
+          <a:p>
+            <a:r>
+              <a:rPr lang="en-US" altLang="ko-KR" dirty="0"/>
+              <a:t>Pairwise distance matrix</a:t>
+            </a:r>
+            <a:endParaRPr lang="ko-KR" altLang="en-US" dirty="0"/>
+          </a:p>
+        </p:txBody>
+      </p:sp>
+      <p:pic>
+        <p:nvPicPr>
+          <p:cNvPr id="17" name="그림 16">
+            <a:extLst>
+              <a:ext uri="{FF2B5EF4-FFF2-40B4-BE49-F238E27FC236}">
+                <a16:creationId xmlns:a16="http://schemas.microsoft.com/office/drawing/2014/main" id="{ADE7F9CD-45AE-44CD-A225-F78A6E472DF1}"/>
+              </a:ext>
+            </a:extLst>
+          </p:cNvPr>
+          <p:cNvPicPr>
+            <a:picLocks noChangeAspect="1"/>
+          </p:cNvPicPr>
+          <p:nvPr/>
+        </p:nvPicPr>
+        <p:blipFill>
+          <a:blip r:embed="rId2"/>
+          <a:stretch>
+            <a:fillRect/>
+          </a:stretch>
+        </p:blipFill>
+        <p:spPr>
+          <a:xfrm>
+            <a:off x="499354" y="2091404"/>
+            <a:ext cx="2389632" cy="1701708"/>
+          </a:xfrm>
+          <a:prstGeom prst="rect">
+            <a:avLst/>
+          </a:prstGeom>
+        </p:spPr>
+      </p:pic>
+      <p:sp>
+        <p:nvSpPr>
+          <p:cNvPr id="21" name="TextBox 20">
+            <a:extLst>
+              <a:ext uri="{FF2B5EF4-FFF2-40B4-BE49-F238E27FC236}">
+                <a16:creationId xmlns:a16="http://schemas.microsoft.com/office/drawing/2014/main" id="{26FCC702-DCF3-49A6-A56D-A63DE9D38952}"/>
+              </a:ext>
+            </a:extLst>
+          </p:cNvPr>
+          <p:cNvSpPr txBox="1"/>
+          <p:nvPr/>
+        </p:nvSpPr>
+        <p:spPr>
+          <a:xfrm>
+            <a:off x="117218" y="3934716"/>
+            <a:ext cx="3249168" cy="646331"/>
+          </a:xfrm>
+          <a:prstGeom prst="rect">
+            <a:avLst/>
+          </a:prstGeom>
+          <a:noFill/>
+        </p:spPr>
+        <p:txBody>
+          <a:bodyPr wrap="square">
+            <a:spAutoFit/>
+          </a:bodyPr>
+          <a:lstStyle/>
+          <a:p>
+            <a:r>
+              <a:rPr lang="ko-KR" altLang="en-US"/>
+              <a:t>값이 클 수록 두 </a:t>
+            </a:r>
             <a:r>
               <a:rPr lang="en-US" altLang="ko-KR"/>
-              <a:t>4. GCN model </a:t>
-            </a:r>
-            <a:r>
-              <a:rPr lang="ko-KR" altLang="en-US"/>
-              <a:t>구축</a:t>
-            </a:r>
-          </a:p>
-        </p:txBody>
-      </p:sp>
-      <p:sp>
-        <p:nvSpPr>
-          <p:cNvPr id="3" name="내용 개체 틀 2">
-            <a:extLst>
-              <a:ext uri="{FF2B5EF4-FFF2-40B4-BE49-F238E27FC236}">
-                <a16:creationId xmlns:a16="http://schemas.microsoft.com/office/drawing/2014/main" id="{64FA42F5-EF64-185D-E8CD-AE28C6BAF63B}"/>
-              </a:ext>
-            </a:extLst>
-          </p:cNvPr>
-          <p:cNvSpPr>
-            <a:spLocks noGrp="1"/>
-          </p:cNvSpPr>
-          <p:nvPr>
-            <p:ph idx="1"/>
-          </p:nvPr>
-        </p:nvSpPr>
-        <p:spPr/>
-        <p:txBody>
-          <a:bodyPr>
-            <a:normAutofit lnSpcReduction="10000"/>
+              <a:t>node</a:t>
+            </a:r>
+            <a:r>
+              <a:rPr lang="ko-KR" altLang="en-US"/>
+              <a:t>간의 </a:t>
+            </a:r>
+            <a:endParaRPr lang="en-US" altLang="ko-KR"/>
+          </a:p>
+          <a:p>
+            <a:r>
+              <a:rPr lang="en-US" altLang="ko-KR"/>
+              <a:t>functional connectivity </a:t>
+            </a:r>
+            <a:r>
+              <a:rPr lang="ko-KR" altLang="en-US"/>
+              <a:t>크다</a:t>
+            </a:r>
+            <a:endParaRPr lang="ko-KR" altLang="en-US" dirty="0"/>
+          </a:p>
+        </p:txBody>
+      </p:sp>
+      <p:sp>
+        <p:nvSpPr>
+          <p:cNvPr id="23" name="직사각형 22">
+            <a:extLst>
+              <a:ext uri="{FF2B5EF4-FFF2-40B4-BE49-F238E27FC236}">
+                <a16:creationId xmlns:a16="http://schemas.microsoft.com/office/drawing/2014/main" id="{E608BE1F-7552-46C5-B387-30A2396D4657}"/>
+              </a:ext>
+            </a:extLst>
+          </p:cNvPr>
+          <p:cNvSpPr/>
+          <p:nvPr/>
+        </p:nvSpPr>
+        <p:spPr>
+          <a:xfrm>
+            <a:off x="547166" y="2170693"/>
+            <a:ext cx="2294008" cy="341376"/>
+          </a:xfrm>
+          <a:prstGeom prst="rect">
+            <a:avLst/>
+          </a:prstGeom>
+          <a:noFill/>
+          <a:ln w="28575">
+            <a:solidFill>
+              <a:srgbClr val="FFFF00"/>
+            </a:solidFill>
+          </a:ln>
+        </p:spPr>
+        <p:style>
+          <a:lnRef idx="2">
+            <a:schemeClr val="accent1">
+              <a:shade val="50000"/>
+            </a:schemeClr>
+          </a:lnRef>
+          <a:fillRef idx="1">
+            <a:schemeClr val="accent1"/>
+          </a:fillRef>
+          <a:effectRef idx="0">
+            <a:schemeClr val="accent1"/>
+          </a:effectRef>
+          <a:fontRef idx="minor">
+            <a:schemeClr val="lt1"/>
+          </a:fontRef>
+        </p:style>
+        <p:txBody>
+          <a:bodyPr rtlCol="0" anchor="ctr"/>
+          <a:lstStyle/>
+          <a:p>
+            <a:pPr algn="ctr"/>
+            <a:endParaRPr lang="ko-KR" altLang="en-US"/>
+          </a:p>
+        </p:txBody>
+      </p:sp>
+      <p:sp>
+        <p:nvSpPr>
+          <p:cNvPr id="25" name="TextBox 24">
+            <a:extLst>
+              <a:ext uri="{FF2B5EF4-FFF2-40B4-BE49-F238E27FC236}">
+                <a16:creationId xmlns:a16="http://schemas.microsoft.com/office/drawing/2014/main" id="{B87AB0F7-FA4B-46C7-835E-D2AE059B5D9C}"/>
+              </a:ext>
+            </a:extLst>
+          </p:cNvPr>
+          <p:cNvSpPr txBox="1"/>
+          <p:nvPr/>
+        </p:nvSpPr>
+        <p:spPr>
+          <a:xfrm>
+            <a:off x="3113712" y="1986983"/>
+            <a:ext cx="3986784" cy="923330"/>
+          </a:xfrm>
+          <a:prstGeom prst="rect">
+            <a:avLst/>
+          </a:prstGeom>
+          <a:noFill/>
+        </p:spPr>
+        <p:txBody>
+          <a:bodyPr wrap="square">
+            <a:spAutoFit/>
           </a:bodyPr>
           <a:lstStyle/>
           <a:p>
-            <a:pPr marL="0" indent="0">
-              <a:buNone/>
-            </a:pPr>
-            <a:r>
-              <a:rPr lang="en-US" altLang="ko-KR"/>
-              <a:t>ChebConv</a:t>
-            </a:r>
-            <a:r>
-              <a:rPr lang="ko-KR" altLang="en-US"/>
+            <a:r>
+              <a:rPr lang="en-US" altLang="ko-KR" dirty="0"/>
+              <a:t>n0,</a:t>
+            </a:r>
+            <a:r>
+              <a:rPr lang="ko-KR" altLang="en-US" dirty="0"/>
               <a:t> </a:t>
             </a:r>
             <a:r>
-              <a:rPr lang="en-US" altLang="ko-KR"/>
-              <a:t>Layer 3 (feature# -&gt; 64 -&gt; 64-&gt; 128) : </a:t>
-            </a:r>
-            <a:r>
-              <a:rPr lang="ko-KR" altLang="en-US"/>
-              <a:t>최대 </a:t>
-            </a:r>
-            <a:r>
-              <a:rPr lang="en-US" altLang="ko-KR"/>
-              <a:t>6</a:t>
-            </a:r>
-            <a:r>
-              <a:rPr lang="ko-KR" altLang="en-US"/>
-              <a:t>차로 설정</a:t>
-            </a:r>
-            <a:endParaRPr lang="en-US" altLang="ko-KR"/>
-          </a:p>
-          <a:p>
-            <a:pPr marL="0" indent="0">
-              <a:buNone/>
-            </a:pPr>
-            <a:r>
-              <a:rPr lang="en-US" altLang="ko-KR"/>
-              <a:t>Linear Layer 1(128 -&gt; 2(class#))</a:t>
-            </a:r>
-          </a:p>
-          <a:p>
-            <a:pPr marL="0" indent="0">
-              <a:buNone/>
-            </a:pPr>
-            <a:r>
-              <a:rPr lang="en-US" altLang="ko-KR"/>
-              <a:t>Log_softmax</a:t>
-            </a:r>
-          </a:p>
-          <a:p>
-            <a:pPr marL="0" indent="0">
-              <a:buNone/>
-            </a:pPr>
-            <a:endParaRPr lang="en-US" altLang="ko-KR"/>
-          </a:p>
-          <a:p>
-            <a:pPr marL="0" indent="0">
-              <a:buNone/>
-            </a:pPr>
-            <a:r>
-              <a:rPr lang="en-US" altLang="ko-KR"/>
-              <a:t>Activation function : ReLU</a:t>
-            </a:r>
-          </a:p>
-          <a:p>
-            <a:pPr marL="0" indent="0">
-              <a:buNone/>
-            </a:pPr>
-            <a:endParaRPr lang="en-US" altLang="ko-KR"/>
-          </a:p>
-          <a:p>
-            <a:pPr marL="0" indent="0">
-              <a:buNone/>
-            </a:pPr>
-            <a:r>
-              <a:rPr lang="en-US" altLang="ko-KR"/>
-              <a:t>2,3 layer</a:t>
-            </a:r>
-            <a:r>
-              <a:rPr lang="ko-KR" altLang="en-US"/>
+              <a:rPr lang="en-US" altLang="ko-KR" dirty="0"/>
+              <a:t>n2</a:t>
+            </a:r>
+            <a:r>
+              <a:rPr lang="ko-KR" altLang="en-US" dirty="0"/>
+              <a:t>의 </a:t>
+            </a:r>
+            <a:endParaRPr lang="en-US" altLang="ko-KR" dirty="0"/>
+          </a:p>
+          <a:p>
+            <a:r>
+              <a:rPr lang="en-US" altLang="ko-KR" dirty="0"/>
+              <a:t>functional</a:t>
+            </a:r>
+            <a:r>
+              <a:rPr lang="ko-KR" altLang="en-US" dirty="0"/>
               <a:t> </a:t>
             </a:r>
             <a:r>
-              <a:rPr lang="en-US" altLang="ko-KR"/>
-              <a:t>dropout(0.5</a:t>
-            </a:r>
-            <a:r>
-              <a:rPr lang="ko-KR" altLang="en-US"/>
-              <a:t>비율</a:t>
-            </a:r>
-            <a:r>
-              <a:rPr lang="en-US" altLang="ko-KR"/>
-              <a:t>)</a:t>
-            </a:r>
-          </a:p>
-          <a:p>
-            <a:pPr marL="0" indent="0">
-              <a:buNone/>
-            </a:pPr>
-            <a:r>
-              <a:rPr lang="en-US" altLang="ko-KR"/>
-              <a:t>Linear Layer </a:t>
-            </a:r>
-            <a:r>
-              <a:rPr lang="ko-KR" altLang="en-US"/>
-              <a:t>전 </a:t>
-            </a:r>
-            <a:r>
-              <a:rPr lang="en-US" altLang="ko-KR"/>
-              <a:t>Global mean pooling</a:t>
-            </a:r>
-          </a:p>
-          <a:p>
-            <a:pPr marL="0" indent="0">
-              <a:buNone/>
-            </a:pPr>
-            <a:endParaRPr lang="en-US" altLang="ko-KR"/>
-          </a:p>
-          <a:p>
-            <a:pPr marL="0" indent="0">
-              <a:buNone/>
-            </a:pPr>
-            <a:endParaRPr lang="en-US" altLang="ko-KR"/>
-          </a:p>
-          <a:p>
-            <a:pPr marL="0" indent="0">
-              <a:buNone/>
-            </a:pPr>
+              <a:rPr lang="en-US" altLang="ko-KR" dirty="0"/>
+              <a:t>connectivity pattern</a:t>
+            </a:r>
+            <a:r>
+              <a:rPr lang="ko-KR" altLang="en-US" dirty="0"/>
+              <a:t>의</a:t>
+            </a:r>
+            <a:r>
+              <a:rPr lang="en-US" altLang="ko-KR" dirty="0"/>
+              <a:t> </a:t>
+            </a:r>
+          </a:p>
+          <a:p>
+            <a:r>
+              <a:rPr lang="ko-KR" altLang="en-US" dirty="0"/>
+              <a:t>유사성 계산</a:t>
+            </a:r>
+          </a:p>
+        </p:txBody>
+      </p:sp>
+      <p:sp>
+        <p:nvSpPr>
+          <p:cNvPr id="26" name="직사각형 25">
+            <a:extLst>
+              <a:ext uri="{FF2B5EF4-FFF2-40B4-BE49-F238E27FC236}">
+                <a16:creationId xmlns:a16="http://schemas.microsoft.com/office/drawing/2014/main" id="{85C34E41-0515-4625-9A38-69B3EDB95A69}"/>
+              </a:ext>
+            </a:extLst>
+          </p:cNvPr>
+          <p:cNvSpPr/>
+          <p:nvPr/>
+        </p:nvSpPr>
+        <p:spPr>
+          <a:xfrm>
+            <a:off x="547166" y="2811214"/>
+            <a:ext cx="2294008" cy="341376"/>
+          </a:xfrm>
+          <a:prstGeom prst="rect">
+            <a:avLst/>
+          </a:prstGeom>
+          <a:noFill/>
+          <a:ln w="28575">
+            <a:solidFill>
+              <a:srgbClr val="FFFF00"/>
+            </a:solidFill>
+          </a:ln>
+        </p:spPr>
+        <p:style>
+          <a:lnRef idx="2">
+            <a:schemeClr val="accent1">
+              <a:shade val="50000"/>
+            </a:schemeClr>
+          </a:lnRef>
+          <a:fillRef idx="1">
+            <a:schemeClr val="accent1"/>
+          </a:fillRef>
+          <a:effectRef idx="0">
+            <a:schemeClr val="accent1"/>
+          </a:effectRef>
+          <a:fontRef idx="minor">
+            <a:schemeClr val="lt1"/>
+          </a:fontRef>
+        </p:style>
+        <p:txBody>
+          <a:bodyPr rtlCol="0" anchor="ctr"/>
+          <a:lstStyle/>
+          <a:p>
+            <a:pPr algn="ctr"/>
             <a:endParaRPr lang="ko-KR" altLang="en-US"/>
+          </a:p>
+        </p:txBody>
+      </p:sp>
+      <p:sp>
+        <p:nvSpPr>
+          <p:cNvPr id="28" name="TextBox 27">
+            <a:extLst>
+              <a:ext uri="{FF2B5EF4-FFF2-40B4-BE49-F238E27FC236}">
+                <a16:creationId xmlns:a16="http://schemas.microsoft.com/office/drawing/2014/main" id="{9AC06455-BF2C-47B8-B7AD-AC264CDD42F4}"/>
+              </a:ext>
+            </a:extLst>
+          </p:cNvPr>
+          <p:cNvSpPr txBox="1"/>
+          <p:nvPr/>
+        </p:nvSpPr>
+        <p:spPr>
+          <a:xfrm>
+            <a:off x="5047488" y="3762137"/>
+            <a:ext cx="6766560" cy="646331"/>
+          </a:xfrm>
+          <a:prstGeom prst="rect">
+            <a:avLst/>
+          </a:prstGeom>
+          <a:noFill/>
+        </p:spPr>
+        <p:txBody>
+          <a:bodyPr wrap="square">
+            <a:spAutoFit/>
+          </a:bodyPr>
+          <a:lstStyle/>
+          <a:p>
+            <a:r>
+              <a:rPr lang="ko-KR" altLang="en-US" dirty="0"/>
+              <a:t>값이 작을 수록 두 </a:t>
+            </a:r>
+            <a:r>
+              <a:rPr lang="en-US" altLang="ko-KR" dirty="0"/>
+              <a:t>node</a:t>
+            </a:r>
+            <a:r>
+              <a:rPr lang="ko-KR" altLang="en-US" dirty="0"/>
+              <a:t>간의 </a:t>
+            </a:r>
+            <a:endParaRPr lang="en-US" altLang="ko-KR" dirty="0"/>
+          </a:p>
+          <a:p>
+            <a:r>
+              <a:rPr lang="ko-KR" altLang="en-US" dirty="0"/>
+              <a:t>모든 </a:t>
+            </a:r>
+            <a:r>
+              <a:rPr lang="en-US" altLang="ko-KR" dirty="0"/>
+              <a:t>node</a:t>
+            </a:r>
+            <a:r>
+              <a:rPr lang="ko-KR" altLang="en-US" dirty="0"/>
+              <a:t>들과 가지는 </a:t>
+            </a:r>
+            <a:r>
+              <a:rPr lang="en-US" altLang="ko-KR" dirty="0"/>
+              <a:t>functional connectivity pattern</a:t>
+            </a:r>
+            <a:r>
+              <a:rPr lang="ko-KR" altLang="en-US" dirty="0"/>
+              <a:t> 유사하다</a:t>
+            </a:r>
+            <a:endParaRPr lang="en-US" altLang="ko-KR" dirty="0"/>
+          </a:p>
+        </p:txBody>
+      </p:sp>
+      <p:pic>
+        <p:nvPicPr>
+          <p:cNvPr id="30" name="그림 29">
+            <a:extLst>
+              <a:ext uri="{FF2B5EF4-FFF2-40B4-BE49-F238E27FC236}">
+                <a16:creationId xmlns:a16="http://schemas.microsoft.com/office/drawing/2014/main" id="{7381BD62-28A1-4003-99A2-F7BB207DC7B2}"/>
+              </a:ext>
+            </a:extLst>
+          </p:cNvPr>
+          <p:cNvPicPr>
+            <a:picLocks noChangeAspect="1"/>
+          </p:cNvPicPr>
+          <p:nvPr/>
+        </p:nvPicPr>
+        <p:blipFill>
+          <a:blip r:embed="rId3"/>
+          <a:stretch>
+            <a:fillRect/>
+          </a:stretch>
+        </p:blipFill>
+        <p:spPr>
+          <a:xfrm>
+            <a:off x="6992112" y="2049946"/>
+            <a:ext cx="3691145" cy="1553204"/>
+          </a:xfrm>
+          <a:prstGeom prst="rect">
+            <a:avLst/>
+          </a:prstGeom>
+        </p:spPr>
+      </p:pic>
+      <p:sp>
+        <p:nvSpPr>
+          <p:cNvPr id="31" name="직사각형 30">
+            <a:extLst>
+              <a:ext uri="{FF2B5EF4-FFF2-40B4-BE49-F238E27FC236}">
+                <a16:creationId xmlns:a16="http://schemas.microsoft.com/office/drawing/2014/main" id="{004E59A1-9FAB-447D-8685-06446FBBECD8}"/>
+              </a:ext>
+            </a:extLst>
+          </p:cNvPr>
+          <p:cNvSpPr/>
+          <p:nvPr/>
+        </p:nvSpPr>
+        <p:spPr>
+          <a:xfrm>
+            <a:off x="8559352" y="2074371"/>
+            <a:ext cx="535880" cy="341376"/>
+          </a:xfrm>
+          <a:prstGeom prst="rect">
+            <a:avLst/>
+          </a:prstGeom>
+          <a:noFill/>
+          <a:ln w="28575">
+            <a:solidFill>
+              <a:srgbClr val="FFFF00"/>
+            </a:solidFill>
+          </a:ln>
+        </p:spPr>
+        <p:style>
+          <a:lnRef idx="2">
+            <a:schemeClr val="accent1">
+              <a:shade val="50000"/>
+            </a:schemeClr>
+          </a:lnRef>
+          <a:fillRef idx="1">
+            <a:schemeClr val="accent1"/>
+          </a:fillRef>
+          <a:effectRef idx="0">
+            <a:schemeClr val="accent1"/>
+          </a:effectRef>
+          <a:fontRef idx="minor">
+            <a:schemeClr val="lt1"/>
+          </a:fontRef>
+        </p:style>
+        <p:txBody>
+          <a:bodyPr rtlCol="0" anchor="ctr"/>
+          <a:lstStyle/>
+          <a:p>
+            <a:pPr algn="ctr"/>
+            <a:endParaRPr lang="ko-KR" altLang="en-US"/>
+          </a:p>
+        </p:txBody>
+      </p:sp>
+      <p:sp>
+        <p:nvSpPr>
+          <p:cNvPr id="38" name="TextBox 37">
+            <a:extLst>
+              <a:ext uri="{FF2B5EF4-FFF2-40B4-BE49-F238E27FC236}">
+                <a16:creationId xmlns:a16="http://schemas.microsoft.com/office/drawing/2014/main" id="{F812C71C-A9E1-4BB9-A376-F6E30CCACBDC}"/>
+              </a:ext>
+            </a:extLst>
+          </p:cNvPr>
+          <p:cNvSpPr txBox="1"/>
+          <p:nvPr/>
+        </p:nvSpPr>
+        <p:spPr>
+          <a:xfrm>
+            <a:off x="87613" y="2122853"/>
+            <a:ext cx="487634" cy="1754326"/>
+          </a:xfrm>
+          <a:prstGeom prst="rect">
+            <a:avLst/>
+          </a:prstGeom>
+          <a:noFill/>
+        </p:spPr>
+        <p:txBody>
+          <a:bodyPr wrap="none" rtlCol="0">
+            <a:spAutoFit/>
+          </a:bodyPr>
+          <a:lstStyle/>
+          <a:p>
+            <a:r>
+              <a:rPr lang="en-US" altLang="ko-KR" dirty="0"/>
+              <a:t>N0</a:t>
+            </a:r>
+          </a:p>
+          <a:p>
+            <a:r>
+              <a:rPr lang="en-US" altLang="ko-KR" dirty="0"/>
+              <a:t>N1</a:t>
+            </a:r>
+          </a:p>
+          <a:p>
+            <a:r>
+              <a:rPr lang="en-US" altLang="ko-KR" dirty="0"/>
+              <a:t>N2</a:t>
+            </a:r>
+          </a:p>
+          <a:p>
+            <a:r>
+              <a:rPr lang="en-US" altLang="ko-KR" dirty="0"/>
+              <a:t>N3</a:t>
+            </a:r>
+          </a:p>
+          <a:p>
+            <a:r>
+              <a:rPr lang="en-US" altLang="ko-KR" dirty="0"/>
+              <a:t>N4</a:t>
+            </a:r>
+          </a:p>
+          <a:p>
+            <a:r>
+              <a:rPr lang="en-US" altLang="ko-KR" dirty="0"/>
+              <a:t>N5</a:t>
+            </a:r>
+          </a:p>
+        </p:txBody>
+      </p:sp>
+      <p:sp>
+        <p:nvSpPr>
+          <p:cNvPr id="40" name="TextBox 39">
+            <a:extLst>
+              <a:ext uri="{FF2B5EF4-FFF2-40B4-BE49-F238E27FC236}">
+                <a16:creationId xmlns:a16="http://schemas.microsoft.com/office/drawing/2014/main" id="{B60DF9C4-4360-4615-BC42-79D2366ACF90}"/>
+              </a:ext>
+            </a:extLst>
+          </p:cNvPr>
+          <p:cNvSpPr txBox="1"/>
+          <p:nvPr/>
+        </p:nvSpPr>
+        <p:spPr>
+          <a:xfrm>
+            <a:off x="672574" y="1761490"/>
+            <a:ext cx="2608520" cy="369332"/>
+          </a:xfrm>
+          <a:prstGeom prst="rect">
+            <a:avLst/>
+          </a:prstGeom>
+          <a:noFill/>
+        </p:spPr>
+        <p:txBody>
+          <a:bodyPr wrap="square">
+            <a:spAutoFit/>
+          </a:bodyPr>
+          <a:lstStyle/>
+          <a:p>
+            <a:r>
+              <a:rPr lang="en-US" altLang="ko-KR" dirty="0"/>
+              <a:t>N0 N1 N2 N3 N4 N5</a:t>
+            </a:r>
+          </a:p>
+        </p:txBody>
+      </p:sp>
+      <p:sp>
+        <p:nvSpPr>
+          <p:cNvPr id="42" name="TextBox 41">
+            <a:extLst>
+              <a:ext uri="{FF2B5EF4-FFF2-40B4-BE49-F238E27FC236}">
+                <a16:creationId xmlns:a16="http://schemas.microsoft.com/office/drawing/2014/main" id="{37222F45-3152-42F2-BBFC-CC53F7A1662F}"/>
+              </a:ext>
+            </a:extLst>
+          </p:cNvPr>
+          <p:cNvSpPr txBox="1"/>
+          <p:nvPr/>
+        </p:nvSpPr>
+        <p:spPr>
+          <a:xfrm>
+            <a:off x="1345872" y="4981762"/>
+            <a:ext cx="8505264" cy="1754326"/>
+          </a:xfrm>
+          <a:prstGeom prst="rect">
+            <a:avLst/>
+          </a:prstGeom>
+          <a:noFill/>
+        </p:spPr>
+        <p:txBody>
+          <a:bodyPr wrap="square">
+            <a:spAutoFit/>
+          </a:bodyPr>
+          <a:lstStyle/>
+          <a:p>
+            <a:r>
+              <a:rPr lang="en-US" altLang="ko-KR" dirty="0"/>
+              <a:t>X </a:t>
+            </a:r>
+            <a:r>
+              <a:rPr lang="ko-KR" altLang="en-US" dirty="0"/>
+              <a:t>크고</a:t>
+            </a:r>
+            <a:r>
+              <a:rPr lang="en-US" altLang="ko-KR" dirty="0"/>
+              <a:t>, pd </a:t>
+            </a:r>
+            <a:r>
+              <a:rPr lang="ko-KR" altLang="en-US" dirty="0"/>
+              <a:t>크다 </a:t>
+            </a:r>
+            <a:r>
+              <a:rPr lang="en-US" altLang="ko-KR" dirty="0"/>
+              <a:t>: </a:t>
+            </a:r>
+            <a:r>
+              <a:rPr lang="ko-KR" altLang="en-US" dirty="0"/>
+              <a:t>특정 작업이나 기능을 수행할 땐 밀접하게 협력하나 다른 </a:t>
+            </a:r>
+            <a:r>
+              <a:rPr lang="en-US" altLang="ko-KR" dirty="0"/>
+              <a:t>node</a:t>
+            </a:r>
+            <a:r>
+              <a:rPr lang="ko-KR" altLang="en-US" dirty="0"/>
+              <a:t>들과의 연결 패턴은 다르다</a:t>
+            </a:r>
+            <a:r>
+              <a:rPr lang="en-US" altLang="ko-KR" dirty="0"/>
+              <a:t>. </a:t>
+            </a:r>
+          </a:p>
+          <a:p>
+            <a:r>
+              <a:rPr lang="en-US" altLang="ko-KR" dirty="0"/>
+              <a:t>X </a:t>
+            </a:r>
+            <a:r>
+              <a:rPr lang="ko-KR" altLang="en-US" dirty="0"/>
+              <a:t>크고</a:t>
+            </a:r>
+            <a:r>
+              <a:rPr lang="en-US" altLang="ko-KR" dirty="0"/>
+              <a:t>, pd </a:t>
+            </a:r>
+            <a:r>
+              <a:rPr lang="ko-KR" altLang="en-US" dirty="0"/>
+              <a:t>작다 </a:t>
+            </a:r>
+            <a:r>
+              <a:rPr lang="en-US" altLang="ko-KR" dirty="0"/>
+              <a:t>: </a:t>
+            </a:r>
+            <a:r>
+              <a:rPr lang="ko-KR" altLang="en-US" dirty="0"/>
+              <a:t>기능적인 연결 강도 높고</a:t>
+            </a:r>
+            <a:r>
+              <a:rPr lang="en-US" altLang="ko-KR" dirty="0"/>
+              <a:t>, </a:t>
+            </a:r>
+            <a:r>
+              <a:rPr lang="ko-KR" altLang="en-US" dirty="0"/>
+              <a:t>유사한 역할을 수행한다</a:t>
+            </a:r>
+            <a:r>
+              <a:rPr lang="en-US" altLang="ko-KR" dirty="0"/>
+              <a:t>. </a:t>
+            </a:r>
+          </a:p>
+          <a:p>
+            <a:r>
+              <a:rPr lang="en-US" altLang="ko-KR" dirty="0"/>
+              <a:t>X </a:t>
+            </a:r>
+            <a:r>
+              <a:rPr lang="ko-KR" altLang="en-US" dirty="0"/>
+              <a:t>작고</a:t>
+            </a:r>
+            <a:r>
+              <a:rPr lang="en-US" altLang="ko-KR" dirty="0"/>
+              <a:t>, pd </a:t>
+            </a:r>
+            <a:r>
+              <a:rPr lang="ko-KR" altLang="en-US" dirty="0"/>
+              <a:t>작다 </a:t>
+            </a:r>
+            <a:r>
+              <a:rPr lang="en-US" altLang="ko-KR" dirty="0"/>
+              <a:t>: </a:t>
+            </a:r>
+            <a:r>
+              <a:rPr lang="ko-KR" altLang="en-US" dirty="0"/>
+              <a:t>기능 중복</a:t>
+            </a:r>
+            <a:r>
+              <a:rPr lang="en-US" altLang="ko-KR" dirty="0"/>
+              <a:t>,</a:t>
+            </a:r>
+            <a:r>
+              <a:rPr lang="ko-KR" altLang="en-US" dirty="0"/>
+              <a:t> 역할 분배 등으로 직접적인 기능적 연결은 적지만 유사한 역할을 수행한다</a:t>
+            </a:r>
+            <a:r>
+              <a:rPr lang="en-US" altLang="ko-KR" dirty="0"/>
+              <a:t>. </a:t>
+            </a:r>
+          </a:p>
+          <a:p>
+            <a:r>
+              <a:rPr lang="en-US" altLang="ko-KR" dirty="0"/>
+              <a:t>X </a:t>
+            </a:r>
+            <a:r>
+              <a:rPr lang="ko-KR" altLang="en-US" dirty="0"/>
+              <a:t>작고</a:t>
+            </a:r>
+            <a:r>
+              <a:rPr lang="en-US" altLang="ko-KR" dirty="0"/>
+              <a:t>, pd </a:t>
+            </a:r>
+            <a:r>
+              <a:rPr lang="ko-KR" altLang="en-US" dirty="0"/>
+              <a:t>크다 </a:t>
+            </a:r>
+            <a:r>
+              <a:rPr lang="en-US" altLang="ko-KR" dirty="0"/>
+              <a:t>: </a:t>
+            </a:r>
+            <a:r>
+              <a:rPr lang="ko-KR" altLang="en-US" dirty="0"/>
+              <a:t>직접적인 기능적 연결성도 낮고</a:t>
+            </a:r>
+            <a:r>
+              <a:rPr lang="en-US" altLang="ko-KR" dirty="0"/>
+              <a:t>, </a:t>
+            </a:r>
+            <a:r>
+              <a:rPr lang="ko-KR" altLang="en-US" dirty="0"/>
+              <a:t>수행하는 역할도 다르다</a:t>
+            </a:r>
+            <a:r>
+              <a:rPr lang="en-US" altLang="ko-KR" dirty="0"/>
+              <a:t>.</a:t>
+            </a:r>
+            <a:endParaRPr lang="ko-KR" altLang="en-US" dirty="0"/>
+          </a:p>
+        </p:txBody>
+      </p:sp>
+      <p:sp>
+        <p:nvSpPr>
+          <p:cNvPr id="43" name="TextBox 42">
+            <a:extLst>
+              <a:ext uri="{FF2B5EF4-FFF2-40B4-BE49-F238E27FC236}">
+                <a16:creationId xmlns:a16="http://schemas.microsoft.com/office/drawing/2014/main" id="{32F030B2-D46D-471C-9915-7D8C912DBC85}"/>
+              </a:ext>
+            </a:extLst>
+          </p:cNvPr>
+          <p:cNvSpPr txBox="1"/>
+          <p:nvPr/>
+        </p:nvSpPr>
+        <p:spPr>
+          <a:xfrm>
+            <a:off x="6552192" y="1946156"/>
+            <a:ext cx="487634" cy="1754326"/>
+          </a:xfrm>
+          <a:prstGeom prst="rect">
+            <a:avLst/>
+          </a:prstGeom>
+          <a:noFill/>
+        </p:spPr>
+        <p:txBody>
+          <a:bodyPr wrap="none" rtlCol="0">
+            <a:spAutoFit/>
+          </a:bodyPr>
+          <a:lstStyle/>
+          <a:p>
+            <a:r>
+              <a:rPr lang="en-US" altLang="ko-KR" dirty="0"/>
+              <a:t>N0</a:t>
+            </a:r>
+          </a:p>
+          <a:p>
+            <a:r>
+              <a:rPr lang="en-US" altLang="ko-KR" dirty="0"/>
+              <a:t>N1</a:t>
+            </a:r>
+          </a:p>
+          <a:p>
+            <a:r>
+              <a:rPr lang="en-US" altLang="ko-KR" dirty="0"/>
+              <a:t>N2</a:t>
+            </a:r>
+          </a:p>
+          <a:p>
+            <a:r>
+              <a:rPr lang="en-US" altLang="ko-KR" dirty="0"/>
+              <a:t>N3</a:t>
+            </a:r>
+          </a:p>
+          <a:p>
+            <a:r>
+              <a:rPr lang="en-US" altLang="ko-KR" dirty="0"/>
+              <a:t>N4</a:t>
+            </a:r>
+          </a:p>
+          <a:p>
+            <a:r>
+              <a:rPr lang="en-US" altLang="ko-KR" dirty="0"/>
+              <a:t>N5</a:t>
+            </a:r>
+          </a:p>
+        </p:txBody>
+      </p:sp>
+      <p:sp>
+        <p:nvSpPr>
+          <p:cNvPr id="45" name="TextBox 44">
+            <a:extLst>
+              <a:ext uri="{FF2B5EF4-FFF2-40B4-BE49-F238E27FC236}">
+                <a16:creationId xmlns:a16="http://schemas.microsoft.com/office/drawing/2014/main" id="{75D0135A-C902-40D0-916F-9363C16B7616}"/>
+              </a:ext>
+            </a:extLst>
+          </p:cNvPr>
+          <p:cNvSpPr txBox="1"/>
+          <p:nvPr/>
+        </p:nvSpPr>
+        <p:spPr>
+          <a:xfrm>
+            <a:off x="7039826" y="1718195"/>
+            <a:ext cx="2608520" cy="369332"/>
+          </a:xfrm>
+          <a:prstGeom prst="rect">
+            <a:avLst/>
+          </a:prstGeom>
+          <a:noFill/>
+        </p:spPr>
+        <p:txBody>
+          <a:bodyPr wrap="square">
+            <a:spAutoFit/>
+          </a:bodyPr>
+          <a:lstStyle/>
+          <a:p>
+            <a:r>
+              <a:rPr lang="en-US" altLang="ko-KR" dirty="0"/>
+              <a:t>N0 N1 N2 N3 N4 N5</a:t>
+            </a:r>
           </a:p>
         </p:txBody>
       </p:sp>
     </p:spTree>
     <p:extLst>
       <p:ext uri="{BB962C8B-B14F-4D97-AF65-F5344CB8AC3E}">
-        <p14:creationId xmlns:p14="http://schemas.microsoft.com/office/powerpoint/2010/main" val="1272733660"/>
+        <p14:creationId xmlns:p14="http://schemas.microsoft.com/office/powerpoint/2010/main" val="448161822"/>
       </p:ext>
     </p:extLst>
   </p:cSld>
@@ -6083,7 +7146,13 @@
   <p:cSld>
     <p:spTree>
       <p:nvGrpSpPr>
-        <p:cNvPr id="1" name=""/>
+        <p:cNvPr id="1" name="">
+          <a:extLst>
+            <a:ext uri="{FF2B5EF4-FFF2-40B4-BE49-F238E27FC236}">
+              <a16:creationId xmlns:a16="http://schemas.microsoft.com/office/drawing/2014/main" id="{C612D8D5-39B5-DED1-0BB5-8A1962B4418F}"/>
+            </a:ext>
+          </a:extLst>
+        </p:cNvPr>
         <p:cNvGrpSpPr/>
         <p:nvPr/>
       </p:nvGrpSpPr>
@@ -6100,7 +7169,7 @@
           <p:cNvPr id="2" name="제목 1">
             <a:extLst>
               <a:ext uri="{FF2B5EF4-FFF2-40B4-BE49-F238E27FC236}">
-                <a16:creationId xmlns:a16="http://schemas.microsoft.com/office/drawing/2014/main" id="{F7AD4262-C1CD-E030-D2B9-F6748ABF0DDC}"/>
+                <a16:creationId xmlns:a16="http://schemas.microsoft.com/office/drawing/2014/main" id="{D1329C84-438E-3035-82EF-FA18BB26431A}"/>
               </a:ext>
             </a:extLst>
           </p:cNvPr>
@@ -6113,176 +7182,320 @@
         </p:nvSpPr>
         <p:spPr/>
         <p:txBody>
-          <a:bodyPr/>
-          <a:lstStyle/>
-          <a:p>
-            <a:r>
-              <a:rPr lang="en-US" altLang="ko-KR"/>
-              <a:t>5. GCN</a:t>
-            </a:r>
-            <a:r>
-              <a:rPr lang="ko-KR" altLang="en-US"/>
-              <a:t>으로 </a:t>
-            </a:r>
-            <a:r>
-              <a:rPr lang="en-US" altLang="ko-KR"/>
-              <a:t>schizophrenia </a:t>
-            </a:r>
-            <a:r>
-              <a:rPr lang="ko-KR" altLang="en-US"/>
-              <a:t>환자 분류</a:t>
-            </a:r>
-          </a:p>
-        </p:txBody>
-      </p:sp>
-      <p:sp>
-        <p:nvSpPr>
-          <p:cNvPr id="3" name="내용 개체 틀 2">
-            <a:extLst>
-              <a:ext uri="{FF2B5EF4-FFF2-40B4-BE49-F238E27FC236}">
-                <a16:creationId xmlns:a16="http://schemas.microsoft.com/office/drawing/2014/main" id="{7AE8962A-4F0E-2805-FAF7-DEB6D39CC713}"/>
-              </a:ext>
-            </a:extLst>
-          </p:cNvPr>
-          <p:cNvSpPr>
-            <a:spLocks noGrp="1"/>
-          </p:cNvSpPr>
-          <p:nvPr>
-            <p:ph idx="1"/>
-          </p:nvPr>
-        </p:nvSpPr>
-        <p:spPr/>
-        <p:txBody>
           <a:bodyPr>
-            <a:normAutofit fontScale="85000" lnSpcReduction="20000"/>
+            <a:normAutofit/>
           </a:bodyPr>
           <a:lstStyle/>
           <a:p>
             <a:r>
-              <a:rPr lang="en-US" altLang="ko-KR"/>
-              <a:t>linear kernel SVM</a:t>
-            </a:r>
-            <a:r>
-              <a:rPr lang="ko-KR" altLang="en-US"/>
-              <a:t>을 활용한 조현병 진단 모델은 </a:t>
-            </a:r>
-            <a:r>
-              <a:rPr lang="en-US" altLang="ko-KR"/>
-              <a:t>Balanced Accuracy : 0.809, Sensitivity : 0.699, specificity : 0.919 </a:t>
-            </a:r>
-            <a:r>
-              <a:rPr lang="ko-KR" altLang="en-US"/>
-              <a:t>의 성능</a:t>
-            </a:r>
-            <a:endParaRPr lang="en-US" altLang="ko-KR"/>
-          </a:p>
-          <a:p>
-            <a:endParaRPr lang="en-US" altLang="ko-KR"/>
-          </a:p>
-          <a:p>
-            <a:pPr marL="0" indent="0">
-              <a:buNone/>
-            </a:pPr>
-            <a:r>
-              <a:rPr lang="en-US" altLang="ko-KR"/>
-              <a:t>50 epoch</a:t>
-            </a:r>
-          </a:p>
-          <a:p>
-            <a:pPr marL="0" indent="0">
-              <a:buNone/>
-            </a:pPr>
-            <a:r>
-              <a:rPr lang="en-US" altLang="ko-KR"/>
-              <a:t>stratified 10 fold</a:t>
-            </a:r>
-          </a:p>
-          <a:p>
-            <a:pPr marL="0" indent="0">
-              <a:buNone/>
-            </a:pPr>
-            <a:r>
-              <a:rPr lang="en-US" altLang="ko-KR"/>
-              <a:t>Upsampling X</a:t>
-            </a:r>
-          </a:p>
-          <a:p>
-            <a:pPr marL="0" indent="0">
-              <a:buNone/>
-            </a:pPr>
-            <a:r>
-              <a:rPr lang="en-US" altLang="ko-KR"/>
-              <a:t>Optimizer : </a:t>
-            </a:r>
-            <a:r>
-              <a:rPr lang="en-US" altLang="ko-KR">
-                <a:highlight>
-                  <a:srgbClr val="FFFF00"/>
-                </a:highlight>
-              </a:rPr>
-              <a:t>Adam</a:t>
-            </a:r>
-          </a:p>
-          <a:p>
-            <a:pPr marL="0" indent="0">
-              <a:buNone/>
-            </a:pPr>
-            <a:r>
-              <a:rPr lang="en-US" altLang="ko-KR"/>
-              <a:t>L2 regularization : 5e-4</a:t>
-            </a:r>
-          </a:p>
-          <a:p>
-            <a:pPr marL="0" indent="0">
-              <a:buNone/>
-            </a:pPr>
-            <a:r>
-              <a:rPr lang="en-US" altLang="ko-KR"/>
-              <a:t>Learning rate: 0.001</a:t>
-            </a:r>
-          </a:p>
-          <a:p>
-            <a:pPr marL="0" indent="0">
-              <a:buNone/>
-            </a:pPr>
-            <a:r>
-              <a:rPr lang="en-US" altLang="ko-KR"/>
-              <a:t>Loss :  log_softmax + NLL loss = ? : Class weight: (0.72,1.66)</a:t>
-            </a:r>
-          </a:p>
-          <a:p>
-            <a:pPr marL="0" indent="0">
-              <a:buNone/>
-            </a:pPr>
-            <a:r>
-              <a:rPr lang="en-US" altLang="ko-KR"/>
-              <a:t>Threshold : 0.5</a:t>
-            </a:r>
-          </a:p>
-          <a:p>
-            <a:pPr marL="0" indent="0">
-              <a:buNone/>
-            </a:pPr>
-            <a:endParaRPr lang="en-US" altLang="ko-KR"/>
-          </a:p>
-          <a:p>
-            <a:pPr marL="0" indent="0">
-              <a:buNone/>
-            </a:pPr>
-            <a:endParaRPr lang="en-US" altLang="ko-KR"/>
-          </a:p>
-          <a:p>
-            <a:pPr marL="0" indent="0">
-              <a:buNone/>
-            </a:pPr>
+              <a:rPr lang="en-US" altLang="ko-KR" sz="3200" dirty="0"/>
+              <a:t>3. Graph dataset – weighted adjacency matrix</a:t>
+            </a:r>
+            <a:endParaRPr lang="ko-KR" altLang="en-US" sz="3200" dirty="0"/>
+          </a:p>
+        </p:txBody>
+      </p:sp>
+      <p:sp>
+        <p:nvSpPr>
+          <p:cNvPr id="7" name="TextBox 6">
+            <a:extLst>
+              <a:ext uri="{FF2B5EF4-FFF2-40B4-BE49-F238E27FC236}">
+                <a16:creationId xmlns:a16="http://schemas.microsoft.com/office/drawing/2014/main" id="{78DA09A0-493B-49A2-B2D5-D76F2613C599}"/>
+              </a:ext>
+            </a:extLst>
+          </p:cNvPr>
+          <p:cNvSpPr txBox="1"/>
+          <p:nvPr/>
+        </p:nvSpPr>
+        <p:spPr>
+          <a:xfrm>
+            <a:off x="518160" y="1506022"/>
+            <a:ext cx="3326936" cy="369332"/>
+          </a:xfrm>
+          <a:prstGeom prst="rect">
+            <a:avLst/>
+          </a:prstGeom>
+          <a:noFill/>
+        </p:spPr>
+        <p:txBody>
+          <a:bodyPr wrap="none" rtlCol="0">
+            <a:spAutoFit/>
+          </a:bodyPr>
+          <a:lstStyle/>
+          <a:p>
+            <a:r>
+              <a:rPr lang="en-US" altLang="ko-KR" dirty="0"/>
+              <a:t>Pairwise distance matrix (k=3)</a:t>
+            </a:r>
+            <a:endParaRPr lang="ko-KR" altLang="en-US" dirty="0"/>
+          </a:p>
+        </p:txBody>
+      </p:sp>
+      <p:sp>
+        <p:nvSpPr>
+          <p:cNvPr id="28" name="TextBox 27">
+            <a:extLst>
+              <a:ext uri="{FF2B5EF4-FFF2-40B4-BE49-F238E27FC236}">
+                <a16:creationId xmlns:a16="http://schemas.microsoft.com/office/drawing/2014/main" id="{9AC06455-BF2C-47B8-B7AD-AC264CDD42F4}"/>
+              </a:ext>
+            </a:extLst>
+          </p:cNvPr>
+          <p:cNvSpPr txBox="1"/>
+          <p:nvPr/>
+        </p:nvSpPr>
+        <p:spPr>
+          <a:xfrm>
+            <a:off x="4660392" y="2087964"/>
+            <a:ext cx="6693408" cy="369332"/>
+          </a:xfrm>
+          <a:prstGeom prst="rect">
+            <a:avLst/>
+          </a:prstGeom>
+          <a:noFill/>
+        </p:spPr>
+        <p:txBody>
+          <a:bodyPr wrap="square">
+            <a:spAutoFit/>
+          </a:bodyPr>
+          <a:lstStyle/>
+          <a:p>
+            <a:r>
+              <a:rPr lang="ko-KR" altLang="en-US" dirty="0"/>
+              <a:t>각 </a:t>
+            </a:r>
+            <a:r>
+              <a:rPr lang="en-US" altLang="ko-KR" dirty="0"/>
+              <a:t>node</a:t>
+            </a:r>
+            <a:r>
+              <a:rPr lang="ko-KR" altLang="en-US" dirty="0"/>
+              <a:t>별로 </a:t>
+            </a:r>
+            <a:r>
+              <a:rPr lang="en-US" altLang="ko-KR" dirty="0"/>
+              <a:t>functional connectivity pattern </a:t>
+            </a:r>
+            <a:r>
+              <a:rPr lang="ko-KR" altLang="en-US" dirty="0"/>
+              <a:t>유사성</a:t>
+            </a:r>
+          </a:p>
+        </p:txBody>
+      </p:sp>
+      <p:pic>
+        <p:nvPicPr>
+          <p:cNvPr id="5" name="그림 4">
+            <a:extLst>
+              <a:ext uri="{FF2B5EF4-FFF2-40B4-BE49-F238E27FC236}">
+                <a16:creationId xmlns:a16="http://schemas.microsoft.com/office/drawing/2014/main" id="{4F435CDB-A65C-474D-B662-CB955E39A1D0}"/>
+              </a:ext>
+            </a:extLst>
+          </p:cNvPr>
+          <p:cNvPicPr>
+            <a:picLocks noChangeAspect="1"/>
+          </p:cNvPicPr>
+          <p:nvPr/>
+        </p:nvPicPr>
+        <p:blipFill>
+          <a:blip r:embed="rId2"/>
+          <a:stretch>
+            <a:fillRect/>
+          </a:stretch>
+        </p:blipFill>
+        <p:spPr>
+          <a:xfrm>
+            <a:off x="638321" y="2077615"/>
+            <a:ext cx="3711994" cy="1614718"/>
+          </a:xfrm>
+          <a:prstGeom prst="rect">
+            <a:avLst/>
+          </a:prstGeom>
+        </p:spPr>
+      </p:pic>
+      <p:sp>
+        <p:nvSpPr>
+          <p:cNvPr id="13" name="TextBox 12">
+            <a:extLst>
+              <a:ext uri="{FF2B5EF4-FFF2-40B4-BE49-F238E27FC236}">
+                <a16:creationId xmlns:a16="http://schemas.microsoft.com/office/drawing/2014/main" id="{B09AE489-48BD-49ED-9BB3-92AEFCE43D70}"/>
+              </a:ext>
+            </a:extLst>
+          </p:cNvPr>
+          <p:cNvSpPr txBox="1"/>
+          <p:nvPr/>
+        </p:nvSpPr>
+        <p:spPr>
+          <a:xfrm>
+            <a:off x="150687" y="2007811"/>
+            <a:ext cx="487634" cy="1754326"/>
+          </a:xfrm>
+          <a:prstGeom prst="rect">
+            <a:avLst/>
+          </a:prstGeom>
+          <a:noFill/>
+        </p:spPr>
+        <p:txBody>
+          <a:bodyPr wrap="none" rtlCol="0">
+            <a:spAutoFit/>
+          </a:bodyPr>
+          <a:lstStyle/>
+          <a:p>
+            <a:r>
+              <a:rPr lang="en-US" altLang="ko-KR" dirty="0"/>
+              <a:t>N0</a:t>
+            </a:r>
+          </a:p>
+          <a:p>
+            <a:r>
+              <a:rPr lang="en-US" altLang="ko-KR" dirty="0"/>
+              <a:t>N1</a:t>
+            </a:r>
+          </a:p>
+          <a:p>
+            <a:r>
+              <a:rPr lang="en-US" altLang="ko-KR" dirty="0"/>
+              <a:t>N2</a:t>
+            </a:r>
+          </a:p>
+          <a:p>
+            <a:r>
+              <a:rPr lang="en-US" altLang="ko-KR" dirty="0"/>
+              <a:t>N3</a:t>
+            </a:r>
+          </a:p>
+          <a:p>
+            <a:r>
+              <a:rPr lang="en-US" altLang="ko-KR" dirty="0"/>
+              <a:t>N4</a:t>
+            </a:r>
+          </a:p>
+          <a:p>
+            <a:r>
+              <a:rPr lang="en-US" altLang="ko-KR" dirty="0"/>
+              <a:t>N5</a:t>
+            </a:r>
+          </a:p>
+        </p:txBody>
+      </p:sp>
+      <p:cxnSp>
+        <p:nvCxnSpPr>
+          <p:cNvPr id="8" name="직선 연결선 7">
+            <a:extLst>
+              <a:ext uri="{FF2B5EF4-FFF2-40B4-BE49-F238E27FC236}">
+                <a16:creationId xmlns:a16="http://schemas.microsoft.com/office/drawing/2014/main" id="{C8374646-F20E-46F2-8F2A-4541152B1DB2}"/>
+              </a:ext>
+            </a:extLst>
+          </p:cNvPr>
+          <p:cNvCxnSpPr/>
+          <p:nvPr/>
+        </p:nvCxnSpPr>
+        <p:spPr>
+          <a:xfrm>
+            <a:off x="1146048" y="1875354"/>
+            <a:ext cx="0" cy="2071449"/>
+          </a:xfrm>
+          <a:prstGeom prst="line">
+            <a:avLst/>
+          </a:prstGeom>
+          <a:ln w="38100">
+            <a:solidFill>
+              <a:srgbClr val="FFFF00"/>
+            </a:solidFill>
+          </a:ln>
+        </p:spPr>
+        <p:style>
+          <a:lnRef idx="1">
+            <a:schemeClr val="accent1"/>
+          </a:lnRef>
+          <a:fillRef idx="0">
+            <a:schemeClr val="accent1"/>
+          </a:fillRef>
+          <a:effectRef idx="0">
+            <a:schemeClr val="accent1"/>
+          </a:effectRef>
+          <a:fontRef idx="minor">
+            <a:schemeClr val="tx1"/>
+          </a:fontRef>
+        </p:style>
+      </p:cxnSp>
+      <p:sp>
+        <p:nvSpPr>
+          <p:cNvPr id="9" name="오른쪽 중괄호 8">
+            <a:extLst>
+              <a:ext uri="{FF2B5EF4-FFF2-40B4-BE49-F238E27FC236}">
+                <a16:creationId xmlns:a16="http://schemas.microsoft.com/office/drawing/2014/main" id="{5B98C14F-0F15-4684-BDF9-A9AAD58862CE}"/>
+              </a:ext>
+            </a:extLst>
+          </p:cNvPr>
+          <p:cNvSpPr/>
+          <p:nvPr/>
+        </p:nvSpPr>
+        <p:spPr>
+          <a:xfrm rot="5400000">
+            <a:off x="2401088" y="3087344"/>
+            <a:ext cx="188969" cy="1614718"/>
+          </a:xfrm>
+          <a:prstGeom prst="rightBrace">
+            <a:avLst/>
+          </a:prstGeom>
+        </p:spPr>
+        <p:style>
+          <a:lnRef idx="1">
+            <a:schemeClr val="accent1"/>
+          </a:lnRef>
+          <a:fillRef idx="0">
+            <a:schemeClr val="accent1"/>
+          </a:fillRef>
+          <a:effectRef idx="0">
+            <a:schemeClr val="accent1"/>
+          </a:effectRef>
+          <a:fontRef idx="minor">
+            <a:schemeClr val="tx1"/>
+          </a:fontRef>
+        </p:style>
+        <p:txBody>
+          <a:bodyPr rtlCol="0" anchor="ctr"/>
+          <a:lstStyle/>
+          <a:p>
+            <a:pPr algn="ctr"/>
             <a:endParaRPr lang="ko-KR" altLang="en-US"/>
           </a:p>
         </p:txBody>
       </p:sp>
+      <p:pic>
+        <p:nvPicPr>
+          <p:cNvPr id="11" name="그림 10">
+            <a:extLst>
+              <a:ext uri="{FF2B5EF4-FFF2-40B4-BE49-F238E27FC236}">
+                <a16:creationId xmlns:a16="http://schemas.microsoft.com/office/drawing/2014/main" id="{D089DC51-590B-4BCD-AB72-0496EB5055F8}"/>
+              </a:ext>
+            </a:extLst>
+          </p:cNvPr>
+          <p:cNvPicPr>
+            <a:picLocks noChangeAspect="1"/>
+          </p:cNvPicPr>
+          <p:nvPr/>
+        </p:nvPicPr>
+        <p:blipFill>
+          <a:blip r:embed="rId3"/>
+          <a:stretch>
+            <a:fillRect/>
+          </a:stretch>
+        </p:blipFill>
+        <p:spPr>
+          <a:xfrm>
+            <a:off x="1686958" y="5023193"/>
+            <a:ext cx="1614719" cy="1262417"/>
+          </a:xfrm>
+          <a:prstGeom prst="rect">
+            <a:avLst/>
+          </a:prstGeom>
+        </p:spPr>
+      </p:pic>
     </p:spTree>
     <p:extLst>
       <p:ext uri="{BB962C8B-B14F-4D97-AF65-F5344CB8AC3E}">
-        <p14:creationId xmlns:p14="http://schemas.microsoft.com/office/powerpoint/2010/main" val="1370428427"/>
+        <p14:creationId xmlns:p14="http://schemas.microsoft.com/office/powerpoint/2010/main" val="1956321875"/>
       </p:ext>
     </p:extLst>
   </p:cSld>

--- a/Presentation/초기 발표.pptx
+++ b/Presentation/초기 발표.pptx
@@ -272,7 +272,7 @@
           <a:p>
             <a:fld id="{578624AE-E14C-40FB-97A6-76E5215C3D05}" type="datetimeFigureOut">
               <a:rPr lang="ko-KR" altLang="en-US" smtClean="0"/>
-              <a:t>2024-03-05</a:t>
+              <a:t>2024-03-06</a:t>
             </a:fld>
             <a:endParaRPr lang="ko-KR" altLang="en-US"/>
           </a:p>
@@ -470,7 +470,7 @@
           <a:p>
             <a:fld id="{578624AE-E14C-40FB-97A6-76E5215C3D05}" type="datetimeFigureOut">
               <a:rPr lang="ko-KR" altLang="en-US" smtClean="0"/>
-              <a:t>2024-03-05</a:t>
+              <a:t>2024-03-06</a:t>
             </a:fld>
             <a:endParaRPr lang="ko-KR" altLang="en-US"/>
           </a:p>
@@ -678,7 +678,7 @@
           <a:p>
             <a:fld id="{578624AE-E14C-40FB-97A6-76E5215C3D05}" type="datetimeFigureOut">
               <a:rPr lang="ko-KR" altLang="en-US" smtClean="0"/>
-              <a:t>2024-03-05</a:t>
+              <a:t>2024-03-06</a:t>
             </a:fld>
             <a:endParaRPr lang="ko-KR" altLang="en-US"/>
           </a:p>
@@ -876,7 +876,7 @@
           <a:p>
             <a:fld id="{578624AE-E14C-40FB-97A6-76E5215C3D05}" type="datetimeFigureOut">
               <a:rPr lang="ko-KR" altLang="en-US" smtClean="0"/>
-              <a:t>2024-03-05</a:t>
+              <a:t>2024-03-06</a:t>
             </a:fld>
             <a:endParaRPr lang="ko-KR" altLang="en-US"/>
           </a:p>
@@ -1151,7 +1151,7 @@
           <a:p>
             <a:fld id="{578624AE-E14C-40FB-97A6-76E5215C3D05}" type="datetimeFigureOut">
               <a:rPr lang="ko-KR" altLang="en-US" smtClean="0"/>
-              <a:t>2024-03-05</a:t>
+              <a:t>2024-03-06</a:t>
             </a:fld>
             <a:endParaRPr lang="ko-KR" altLang="en-US"/>
           </a:p>
@@ -1416,7 +1416,7 @@
           <a:p>
             <a:fld id="{578624AE-E14C-40FB-97A6-76E5215C3D05}" type="datetimeFigureOut">
               <a:rPr lang="ko-KR" altLang="en-US" smtClean="0"/>
-              <a:t>2024-03-05</a:t>
+              <a:t>2024-03-06</a:t>
             </a:fld>
             <a:endParaRPr lang="ko-KR" altLang="en-US"/>
           </a:p>
@@ -1828,7 +1828,7 @@
           <a:p>
             <a:fld id="{578624AE-E14C-40FB-97A6-76E5215C3D05}" type="datetimeFigureOut">
               <a:rPr lang="ko-KR" altLang="en-US" smtClean="0"/>
-              <a:t>2024-03-05</a:t>
+              <a:t>2024-03-06</a:t>
             </a:fld>
             <a:endParaRPr lang="ko-KR" altLang="en-US"/>
           </a:p>
@@ -1969,7 +1969,7 @@
           <a:p>
             <a:fld id="{578624AE-E14C-40FB-97A6-76E5215C3D05}" type="datetimeFigureOut">
               <a:rPr lang="ko-KR" altLang="en-US" smtClean="0"/>
-              <a:t>2024-03-05</a:t>
+              <a:t>2024-03-06</a:t>
             </a:fld>
             <a:endParaRPr lang="ko-KR" altLang="en-US"/>
           </a:p>
@@ -2082,7 +2082,7 @@
           <a:p>
             <a:fld id="{578624AE-E14C-40FB-97A6-76E5215C3D05}" type="datetimeFigureOut">
               <a:rPr lang="ko-KR" altLang="en-US" smtClean="0"/>
-              <a:t>2024-03-05</a:t>
+              <a:t>2024-03-06</a:t>
             </a:fld>
             <a:endParaRPr lang="ko-KR" altLang="en-US"/>
           </a:p>
@@ -2393,7 +2393,7 @@
           <a:p>
             <a:fld id="{578624AE-E14C-40FB-97A6-76E5215C3D05}" type="datetimeFigureOut">
               <a:rPr lang="ko-KR" altLang="en-US" smtClean="0"/>
-              <a:t>2024-03-05</a:t>
+              <a:t>2024-03-06</a:t>
             </a:fld>
             <a:endParaRPr lang="ko-KR" altLang="en-US"/>
           </a:p>
@@ -2681,7 +2681,7 @@
           <a:p>
             <a:fld id="{578624AE-E14C-40FB-97A6-76E5215C3D05}" type="datetimeFigureOut">
               <a:rPr lang="ko-KR" altLang="en-US" smtClean="0"/>
-              <a:t>2024-03-05</a:t>
+              <a:t>2024-03-06</a:t>
             </a:fld>
             <a:endParaRPr lang="ko-KR" altLang="en-US"/>
           </a:p>
@@ -2922,7 +2922,7 @@
           <a:p>
             <a:fld id="{578624AE-E14C-40FB-97A6-76E5215C3D05}" type="datetimeFigureOut">
               <a:rPr lang="ko-KR" altLang="en-US" smtClean="0"/>
-              <a:t>2024-03-05</a:t>
+              <a:t>2024-03-06</a:t>
             </a:fld>
             <a:endParaRPr lang="ko-KR" altLang="en-US"/>
           </a:p>
@@ -6037,20 +6037,16 @@
               <a:t>) : brain regions</a:t>
             </a:r>
             <a:r>
-              <a:rPr lang="ko-KR" altLang="en-US" sz="2000" dirty="0"/>
+              <a:rPr lang="ko-KR" altLang="en-US" sz="2000"/>
               <a:t>간 </a:t>
             </a:r>
             <a:r>
+              <a:rPr lang="en-US" altLang="ko-KR" sz="2000"/>
+              <a:t>functional </a:t>
+            </a:r>
+            <a:r>
               <a:rPr lang="en-US" altLang="ko-KR" sz="2000" dirty="0"/>
-              <a:t>threshold </a:t>
-            </a:r>
-            <a:r>
-              <a:rPr lang="ko-KR" altLang="en-US" sz="2000" dirty="0"/>
-              <a:t>넘은</a:t>
-            </a:r>
-            <a:r>
-              <a:rPr lang="en-US" altLang="ko-KR" sz="2000" dirty="0"/>
-              <a:t>functional connections (KNN, k=10)</a:t>
+              <a:t>connections (KNN, k=10)</a:t>
             </a:r>
           </a:p>
           <a:p>
@@ -6067,23 +6063,36 @@
             </a:r>
             <a:r>
               <a:rPr lang="en-US" altLang="ko-KR" sz="2000" dirty="0"/>
-              <a:t>) :  </a:t>
-            </a:r>
-            <a:r>
-              <a:rPr lang="ko-KR" altLang="en-US" sz="2000" dirty="0"/>
-              <a:t>각</a:t>
-            </a:r>
-            <a:r>
-              <a:rPr lang="en-US" altLang="ko-KR" sz="2000" dirty="0"/>
-              <a:t> </a:t>
-            </a:r>
-            <a:r>
-              <a:rPr lang="ko-KR" altLang="en-US" sz="2000" dirty="0"/>
-              <a:t>연결의 </a:t>
-            </a:r>
-            <a:r>
-              <a:rPr lang="en-US" altLang="ko-KR" sz="2000" dirty="0"/>
-              <a:t>weight (</a:t>
+              <a:t>) </a:t>
+            </a:r>
+            <a:r>
+              <a:rPr lang="en-US" altLang="ko-KR" sz="2000"/>
+              <a:t>:  </a:t>
+            </a:r>
+            <a:r>
+              <a:rPr lang="ko-KR" altLang="en-US" sz="2000"/>
+              <a:t>두 </a:t>
+            </a:r>
+            <a:r>
+              <a:rPr lang="en-US" altLang="ko-KR" sz="2000"/>
+              <a:t>node</a:t>
+            </a:r>
+            <a:r>
+              <a:rPr lang="ko-KR" altLang="en-US" sz="2000"/>
+              <a:t>간 연결의 </a:t>
+            </a:r>
+            <a:r>
+              <a:rPr lang="en-US" altLang="ko-KR" sz="2000"/>
+              <a:t>weight </a:t>
+            </a:r>
+          </a:p>
+          <a:p>
+            <a:pPr marL="0" indent="0">
+              <a:buNone/>
+            </a:pPr>
+            <a:r>
+              <a:rPr lang="en-US" altLang="ko-KR" sz="2000"/>
+              <a:t>	(</a:t>
             </a:r>
             <a:r>
               <a:rPr lang="ko-KR" altLang="en-US" sz="2000" dirty="0"/>
@@ -6094,43 +6103,37 @@
               <a:t>node</a:t>
             </a:r>
             <a:r>
-              <a:rPr lang="ko-KR" altLang="en-US" sz="2000" dirty="0"/>
+              <a:rPr lang="ko-KR" altLang="en-US" sz="2000"/>
               <a:t>의</a:t>
             </a:r>
             <a:r>
-              <a:rPr lang="en-US" altLang="ko-KR" sz="2000" dirty="0"/>
-              <a:t> feature vector</a:t>
-            </a:r>
-            <a:r>
-              <a:rPr lang="ko-KR" altLang="en-US" sz="2000" dirty="0"/>
-              <a:t>간의 </a:t>
-            </a:r>
-            <a:r>
-              <a:rPr lang="en-US" altLang="ko-KR" sz="2000" dirty="0"/>
-              <a:t>pairwise distance</a:t>
-            </a:r>
-            <a:r>
-              <a:rPr lang="ko-KR" altLang="en-US" sz="2000" dirty="0"/>
-              <a:t>를 </a:t>
-            </a:r>
-            <a:r>
-              <a:rPr lang="en-US" altLang="ko-KR" sz="2000" dirty="0"/>
-              <a:t>Gaussian kernel</a:t>
-            </a:r>
-            <a:r>
-              <a:rPr lang="ko-KR" altLang="en-US" sz="2000" dirty="0"/>
-              <a:t>을 통해 가중치로 변환</a:t>
-            </a:r>
-            <a:r>
-              <a:rPr lang="en-US" altLang="ko-KR" sz="2000" dirty="0"/>
+              <a:rPr lang="en-US" altLang="ko-KR" sz="2000"/>
+              <a:t> functional connectivity pattern</a:t>
+            </a:r>
+            <a:r>
+              <a:rPr lang="ko-KR" altLang="en-US" sz="2000"/>
+              <a:t>간의</a:t>
+            </a:r>
+            <a:r>
+              <a:rPr lang="en-US" altLang="ko-KR" sz="2000"/>
+              <a:t> </a:t>
+            </a:r>
+            <a:r>
+              <a:rPr lang="ko-KR" altLang="en-US" sz="2000"/>
+              <a:t>유사성을 기반으로 </a:t>
+            </a:r>
+            <a:r>
+              <a:rPr lang="en-US" altLang="ko-KR" sz="2000"/>
+              <a:t>weight </a:t>
+            </a:r>
+            <a:r>
+              <a:rPr lang="ko-KR" altLang="en-US" sz="2000"/>
+              <a:t>계산</a:t>
+            </a:r>
+            <a:r>
+              <a:rPr lang="en-US" altLang="ko-KR" sz="2000"/>
               <a:t>)</a:t>
             </a:r>
-            <a:endParaRPr lang="en-US" altLang="ko-KR" sz="1600" dirty="0"/>
-          </a:p>
-          <a:p>
-            <a:pPr marL="0" indent="0">
-              <a:buNone/>
-            </a:pPr>
             <a:endParaRPr lang="en-US" altLang="ko-KR" sz="2000" dirty="0">
               <a:highlight>
                 <a:srgbClr val="FFFF00"/>
@@ -6311,7 +6314,7 @@
         <p:spPr>
           <a:xfrm>
             <a:off x="6992112" y="1453053"/>
-            <a:ext cx="2698559" cy="369332"/>
+            <a:ext cx="1972015" cy="369332"/>
           </a:xfrm>
           <a:prstGeom prst="rect">
             <a:avLst/>
@@ -6325,8 +6328,8 @@
           <a:lstStyle/>
           <a:p>
             <a:r>
-              <a:rPr lang="en-US" altLang="ko-KR" dirty="0"/>
-              <a:t>Pairwise distance matrix</a:t>
+              <a:rPr lang="en-US" altLang="ko-KR"/>
+              <a:t>Adjacency matrix</a:t>
             </a:r>
             <a:endParaRPr lang="ko-KR" altLang="en-US" dirty="0"/>
           </a:p>
@@ -6498,8 +6501,12 @@
           <a:lstStyle/>
           <a:p>
             <a:r>
+              <a:rPr lang="en-US" altLang="ko-KR"/>
+              <a:t>n0</a:t>
+            </a:r>
+            <a:r>
               <a:rPr lang="en-US" altLang="ko-KR" dirty="0"/>
-              <a:t>n0,</a:t>
+              <a:t>,</a:t>
             </a:r>
             <a:r>
               <a:rPr lang="ko-KR" altLang="en-US" dirty="0"/>
@@ -6539,9 +6546,14 @@
           </a:p>
           <a:p>
             <a:r>
-              <a:rPr lang="ko-KR" altLang="en-US" dirty="0"/>
+              <a:rPr lang="ko-KR" altLang="en-US"/>
               <a:t>유사성 계산</a:t>
             </a:r>
+            <a:r>
+              <a:rPr lang="en-US" altLang="ko-KR"/>
+              <a:t>(pairwise distance)</a:t>
+            </a:r>
+            <a:endParaRPr lang="ko-KR" altLang="en-US" dirty="0"/>
           </a:p>
         </p:txBody>
       </p:sp>
@@ -7188,106 +7200,19 @@
           <a:lstStyle/>
           <a:p>
             <a:r>
-              <a:rPr lang="en-US" altLang="ko-KR" sz="3200" dirty="0"/>
+              <a:rPr lang="en-US" altLang="ko-KR" sz="3200"/>
               <a:t>3. Graph dataset – weighted adjacency matrix</a:t>
             </a:r>
             <a:endParaRPr lang="ko-KR" altLang="en-US" sz="3200" dirty="0"/>
-          </a:p>
-        </p:txBody>
-      </p:sp>
-      <p:sp>
-        <p:nvSpPr>
-          <p:cNvPr id="7" name="TextBox 6">
-            <a:extLst>
-              <a:ext uri="{FF2B5EF4-FFF2-40B4-BE49-F238E27FC236}">
-                <a16:creationId xmlns:a16="http://schemas.microsoft.com/office/drawing/2014/main" id="{78DA09A0-493B-49A2-B2D5-D76F2613C599}"/>
-              </a:ext>
-            </a:extLst>
-          </p:cNvPr>
-          <p:cNvSpPr txBox="1"/>
-          <p:nvPr/>
-        </p:nvSpPr>
-        <p:spPr>
-          <a:xfrm>
-            <a:off x="518160" y="1506022"/>
-            <a:ext cx="3326936" cy="369332"/>
-          </a:xfrm>
-          <a:prstGeom prst="rect">
-            <a:avLst/>
-          </a:prstGeom>
-          <a:noFill/>
-        </p:spPr>
-        <p:txBody>
-          <a:bodyPr wrap="none" rtlCol="0">
-            <a:spAutoFit/>
-          </a:bodyPr>
-          <a:lstStyle/>
-          <a:p>
-            <a:r>
-              <a:rPr lang="en-US" altLang="ko-KR" dirty="0"/>
-              <a:t>Pairwise distance matrix (k=3)</a:t>
-            </a:r>
-            <a:endParaRPr lang="ko-KR" altLang="en-US" dirty="0"/>
-          </a:p>
-        </p:txBody>
-      </p:sp>
-      <p:sp>
-        <p:nvSpPr>
-          <p:cNvPr id="28" name="TextBox 27">
-            <a:extLst>
-              <a:ext uri="{FF2B5EF4-FFF2-40B4-BE49-F238E27FC236}">
-                <a16:creationId xmlns:a16="http://schemas.microsoft.com/office/drawing/2014/main" id="{9AC06455-BF2C-47B8-B7AD-AC264CDD42F4}"/>
-              </a:ext>
-            </a:extLst>
-          </p:cNvPr>
-          <p:cNvSpPr txBox="1"/>
-          <p:nvPr/>
-        </p:nvSpPr>
-        <p:spPr>
-          <a:xfrm>
-            <a:off x="4660392" y="2087964"/>
-            <a:ext cx="6693408" cy="369332"/>
-          </a:xfrm>
-          <a:prstGeom prst="rect">
-            <a:avLst/>
-          </a:prstGeom>
-          <a:noFill/>
-        </p:spPr>
-        <p:txBody>
-          <a:bodyPr wrap="square">
-            <a:spAutoFit/>
-          </a:bodyPr>
-          <a:lstStyle/>
-          <a:p>
-            <a:r>
-              <a:rPr lang="ko-KR" altLang="en-US" dirty="0"/>
-              <a:t>각 </a:t>
-            </a:r>
-            <a:r>
-              <a:rPr lang="en-US" altLang="ko-KR" dirty="0"/>
-              <a:t>node</a:t>
-            </a:r>
-            <a:r>
-              <a:rPr lang="ko-KR" altLang="en-US" dirty="0"/>
-              <a:t>별로 </a:t>
-            </a:r>
-            <a:r>
-              <a:rPr lang="en-US" altLang="ko-KR" dirty="0"/>
-              <a:t>functional connectivity pattern </a:t>
-            </a:r>
-            <a:r>
-              <a:rPr lang="ko-KR" altLang="en-US" dirty="0"/>
-              <a:t>유사성</a:t>
-            </a:r>
           </a:p>
         </p:txBody>
       </p:sp>
       <p:pic>
         <p:nvPicPr>
-          <p:cNvPr id="5" name="그림 4">
-            <a:extLst>
-              <a:ext uri="{FF2B5EF4-FFF2-40B4-BE49-F238E27FC236}">
-                <a16:creationId xmlns:a16="http://schemas.microsoft.com/office/drawing/2014/main" id="{4F435CDB-A65C-474D-B662-CB955E39A1D0}"/>
+          <p:cNvPr id="10" name="그림 9">
+            <a:extLst>
+              <a:ext uri="{FF2B5EF4-FFF2-40B4-BE49-F238E27FC236}">
+                <a16:creationId xmlns:a16="http://schemas.microsoft.com/office/drawing/2014/main" id="{DA37A6A1-699A-CD6C-9C9A-0EECC5F2EEA2}"/>
               </a:ext>
             </a:extLst>
           </p:cNvPr>
@@ -7304,170 +7229,20 @@
         </p:blipFill>
         <p:spPr>
           <a:xfrm>
-            <a:off x="638321" y="2077615"/>
-            <a:ext cx="3711994" cy="1614718"/>
+            <a:off x="8481252" y="1715084"/>
+            <a:ext cx="3277550" cy="1817409"/>
           </a:xfrm>
           <a:prstGeom prst="rect">
             <a:avLst/>
           </a:prstGeom>
         </p:spPr>
       </p:pic>
-      <p:sp>
-        <p:nvSpPr>
-          <p:cNvPr id="13" name="TextBox 12">
-            <a:extLst>
-              <a:ext uri="{FF2B5EF4-FFF2-40B4-BE49-F238E27FC236}">
-                <a16:creationId xmlns:a16="http://schemas.microsoft.com/office/drawing/2014/main" id="{B09AE489-48BD-49ED-9BB3-92AEFCE43D70}"/>
-              </a:ext>
-            </a:extLst>
-          </p:cNvPr>
-          <p:cNvSpPr txBox="1"/>
-          <p:nvPr/>
-        </p:nvSpPr>
-        <p:spPr>
-          <a:xfrm>
-            <a:off x="150687" y="2007811"/>
-            <a:ext cx="487634" cy="1754326"/>
-          </a:xfrm>
-          <a:prstGeom prst="rect">
-            <a:avLst/>
-          </a:prstGeom>
-          <a:noFill/>
-        </p:spPr>
-        <p:txBody>
-          <a:bodyPr wrap="none" rtlCol="0">
-            <a:spAutoFit/>
-          </a:bodyPr>
-          <a:lstStyle/>
-          <a:p>
-            <a:r>
-              <a:rPr lang="en-US" altLang="ko-KR" dirty="0"/>
-              <a:t>N0</a:t>
-            </a:r>
-          </a:p>
-          <a:p>
-            <a:r>
-              <a:rPr lang="en-US" altLang="ko-KR" dirty="0"/>
-              <a:t>N1</a:t>
-            </a:r>
-          </a:p>
-          <a:p>
-            <a:r>
-              <a:rPr lang="en-US" altLang="ko-KR" dirty="0"/>
-              <a:t>N2</a:t>
-            </a:r>
-          </a:p>
-          <a:p>
-            <a:r>
-              <a:rPr lang="en-US" altLang="ko-KR" dirty="0"/>
-              <a:t>N3</a:t>
-            </a:r>
-          </a:p>
-          <a:p>
-            <a:r>
-              <a:rPr lang="en-US" altLang="ko-KR" dirty="0"/>
-              <a:t>N4</a:t>
-            </a:r>
-          </a:p>
-          <a:p>
-            <a:r>
-              <a:rPr lang="en-US" altLang="ko-KR" dirty="0"/>
-              <a:t>N5</a:t>
-            </a:r>
-          </a:p>
-        </p:txBody>
-      </p:sp>
-      <p:cxnSp>
-        <p:nvCxnSpPr>
-          <p:cNvPr id="8" name="직선 연결선 7">
-            <a:extLst>
-              <a:ext uri="{FF2B5EF4-FFF2-40B4-BE49-F238E27FC236}">
-                <a16:creationId xmlns:a16="http://schemas.microsoft.com/office/drawing/2014/main" id="{C8374646-F20E-46F2-8F2A-4541152B1DB2}"/>
-              </a:ext>
-            </a:extLst>
-          </p:cNvPr>
-          <p:cNvCxnSpPr/>
-          <p:nvPr/>
-        </p:nvCxnSpPr>
-        <p:spPr>
-          <a:xfrm>
-            <a:off x="1146048" y="1875354"/>
-            <a:ext cx="0" cy="2071449"/>
-          </a:xfrm>
-          <a:prstGeom prst="line">
-            <a:avLst/>
-          </a:prstGeom>
-          <a:ln w="38100">
-            <a:solidFill>
-              <a:srgbClr val="FFFF00"/>
-            </a:solidFill>
-          </a:ln>
-        </p:spPr>
-        <p:style>
-          <a:lnRef idx="1">
-            <a:schemeClr val="accent1"/>
-          </a:lnRef>
-          <a:fillRef idx="0">
-            <a:schemeClr val="accent1"/>
-          </a:fillRef>
-          <a:effectRef idx="0">
-            <a:schemeClr val="accent1"/>
-          </a:effectRef>
-          <a:fontRef idx="minor">
-            <a:schemeClr val="tx1"/>
-          </a:fontRef>
-        </p:style>
-      </p:cxnSp>
-      <p:sp>
-        <p:nvSpPr>
-          <p:cNvPr id="9" name="오른쪽 중괄호 8">
-            <a:extLst>
-              <a:ext uri="{FF2B5EF4-FFF2-40B4-BE49-F238E27FC236}">
-                <a16:creationId xmlns:a16="http://schemas.microsoft.com/office/drawing/2014/main" id="{5B98C14F-0F15-4684-BDF9-A9AAD58862CE}"/>
-              </a:ext>
-            </a:extLst>
-          </p:cNvPr>
-          <p:cNvSpPr/>
-          <p:nvPr/>
-        </p:nvSpPr>
-        <p:spPr>
-          <a:xfrm rot="5400000">
-            <a:off x="2401088" y="3087344"/>
-            <a:ext cx="188969" cy="1614718"/>
-          </a:xfrm>
-          <a:prstGeom prst="rightBrace">
-            <a:avLst/>
-          </a:prstGeom>
-        </p:spPr>
-        <p:style>
-          <a:lnRef idx="1">
-            <a:schemeClr val="accent1"/>
-          </a:lnRef>
-          <a:fillRef idx="0">
-            <a:schemeClr val="accent1"/>
-          </a:fillRef>
-          <a:effectRef idx="0">
-            <a:schemeClr val="accent1"/>
-          </a:effectRef>
-          <a:fontRef idx="minor">
-            <a:schemeClr val="tx1"/>
-          </a:fontRef>
-        </p:style>
-        <p:txBody>
-          <a:bodyPr rtlCol="0" anchor="ctr"/>
-          <a:lstStyle/>
-          <a:p>
-            <a:pPr algn="ctr"/>
-            <a:endParaRPr lang="ko-KR" altLang="en-US"/>
-          </a:p>
-        </p:txBody>
-      </p:sp>
       <p:pic>
         <p:nvPicPr>
-          <p:cNvPr id="11" name="그림 10">
-            <a:extLst>
-              <a:ext uri="{FF2B5EF4-FFF2-40B4-BE49-F238E27FC236}">
-                <a16:creationId xmlns:a16="http://schemas.microsoft.com/office/drawing/2014/main" id="{D089DC51-590B-4BCD-AB72-0496EB5055F8}"/>
+          <p:cNvPr id="25" name="그림 24">
+            <a:extLst>
+              <a:ext uri="{FF2B5EF4-FFF2-40B4-BE49-F238E27FC236}">
+                <a16:creationId xmlns:a16="http://schemas.microsoft.com/office/drawing/2014/main" id="{F0C490BA-A597-2E61-D059-C65D40233C7F}"/>
               </a:ext>
             </a:extLst>
           </p:cNvPr>
@@ -7484,14 +7259,1061 @@
         </p:blipFill>
         <p:spPr>
           <a:xfrm>
-            <a:off x="1686958" y="5023193"/>
-            <a:ext cx="1614719" cy="1262417"/>
+            <a:off x="1020521" y="2050108"/>
+            <a:ext cx="3691145" cy="1553204"/>
           </a:xfrm>
           <a:prstGeom prst="rect">
             <a:avLst/>
           </a:prstGeom>
         </p:spPr>
       </p:pic>
+      <p:sp>
+        <p:nvSpPr>
+          <p:cNvPr id="26" name="TextBox 25">
+            <a:extLst>
+              <a:ext uri="{FF2B5EF4-FFF2-40B4-BE49-F238E27FC236}">
+                <a16:creationId xmlns:a16="http://schemas.microsoft.com/office/drawing/2014/main" id="{AB212F12-244C-A190-45D8-F7DDDD367AB0}"/>
+              </a:ext>
+            </a:extLst>
+          </p:cNvPr>
+          <p:cNvSpPr txBox="1"/>
+          <p:nvPr/>
+        </p:nvSpPr>
+        <p:spPr>
+          <a:xfrm>
+            <a:off x="596891" y="2116635"/>
+            <a:ext cx="487634" cy="1477328"/>
+          </a:xfrm>
+          <a:prstGeom prst="rect">
+            <a:avLst/>
+          </a:prstGeom>
+          <a:noFill/>
+        </p:spPr>
+        <p:txBody>
+          <a:bodyPr wrap="none" rtlCol="0">
+            <a:spAutoFit/>
+          </a:bodyPr>
+          <a:lstStyle/>
+          <a:p>
+            <a:r>
+              <a:rPr lang="en-US" altLang="ko-KR" dirty="0"/>
+              <a:t>N0</a:t>
+            </a:r>
+          </a:p>
+          <a:p>
+            <a:r>
+              <a:rPr lang="en-US" altLang="ko-KR" dirty="0"/>
+              <a:t>N1</a:t>
+            </a:r>
+          </a:p>
+          <a:p>
+            <a:r>
+              <a:rPr lang="en-US" altLang="ko-KR" dirty="0"/>
+              <a:t>N2</a:t>
+            </a:r>
+          </a:p>
+          <a:p>
+            <a:r>
+              <a:rPr lang="en-US" altLang="ko-KR" dirty="0"/>
+              <a:t>N3</a:t>
+            </a:r>
+          </a:p>
+          <a:p>
+            <a:r>
+              <a:rPr lang="en-US" altLang="ko-KR"/>
+              <a:t>N4</a:t>
+            </a:r>
+            <a:endParaRPr lang="en-US" altLang="ko-KR" dirty="0"/>
+          </a:p>
+        </p:txBody>
+      </p:sp>
+      <p:sp>
+        <p:nvSpPr>
+          <p:cNvPr id="27" name="TextBox 26">
+            <a:extLst>
+              <a:ext uri="{FF2B5EF4-FFF2-40B4-BE49-F238E27FC236}">
+                <a16:creationId xmlns:a16="http://schemas.microsoft.com/office/drawing/2014/main" id="{36D2374C-48F7-3F59-D961-98AECDB44FA8}"/>
+              </a:ext>
+            </a:extLst>
+          </p:cNvPr>
+          <p:cNvSpPr txBox="1"/>
+          <p:nvPr/>
+        </p:nvSpPr>
+        <p:spPr>
+          <a:xfrm>
+            <a:off x="1199405" y="1671979"/>
+            <a:ext cx="3691144" cy="369332"/>
+          </a:xfrm>
+          <a:prstGeom prst="rect">
+            <a:avLst/>
+          </a:prstGeom>
+          <a:noFill/>
+        </p:spPr>
+        <p:txBody>
+          <a:bodyPr wrap="square">
+            <a:spAutoFit/>
+          </a:bodyPr>
+          <a:lstStyle/>
+          <a:p>
+            <a:r>
+              <a:rPr lang="en-US" altLang="ko-KR"/>
+              <a:t>N0     N1      N2    N3   N4 </a:t>
+            </a:r>
+            <a:endParaRPr lang="en-US" altLang="ko-KR" dirty="0"/>
+          </a:p>
+        </p:txBody>
+      </p:sp>
+      <p:sp>
+        <p:nvSpPr>
+          <p:cNvPr id="29" name="직사각형 28">
+            <a:extLst>
+              <a:ext uri="{FF2B5EF4-FFF2-40B4-BE49-F238E27FC236}">
+                <a16:creationId xmlns:a16="http://schemas.microsoft.com/office/drawing/2014/main" id="{AC56E547-71ED-3AE1-915C-3BAAEE40D74E}"/>
+              </a:ext>
+            </a:extLst>
+          </p:cNvPr>
+          <p:cNvSpPr/>
+          <p:nvPr/>
+        </p:nvSpPr>
+        <p:spPr>
+          <a:xfrm>
+            <a:off x="1813243" y="2058908"/>
+            <a:ext cx="1994682" cy="265142"/>
+          </a:xfrm>
+          <a:prstGeom prst="rect">
+            <a:avLst/>
+          </a:prstGeom>
+          <a:noFill/>
+          <a:ln w="28575">
+            <a:solidFill>
+              <a:srgbClr val="FFC000"/>
+            </a:solidFill>
+          </a:ln>
+        </p:spPr>
+        <p:style>
+          <a:lnRef idx="2">
+            <a:schemeClr val="accent1">
+              <a:shade val="15000"/>
+            </a:schemeClr>
+          </a:lnRef>
+          <a:fillRef idx="1">
+            <a:schemeClr val="accent1"/>
+          </a:fillRef>
+          <a:effectRef idx="0">
+            <a:schemeClr val="accent1"/>
+          </a:effectRef>
+          <a:fontRef idx="minor">
+            <a:schemeClr val="lt1"/>
+          </a:fontRef>
+        </p:style>
+        <p:txBody>
+          <a:bodyPr rtlCol="0" anchor="ctr"/>
+          <a:lstStyle/>
+          <a:p>
+            <a:pPr algn="ctr"/>
+            <a:endParaRPr lang="ko-KR" altLang="en-US"/>
+          </a:p>
+        </p:txBody>
+      </p:sp>
+      <p:sp>
+        <p:nvSpPr>
+          <p:cNvPr id="31" name="직사각형 30">
+            <a:extLst>
+              <a:ext uri="{FF2B5EF4-FFF2-40B4-BE49-F238E27FC236}">
+                <a16:creationId xmlns:a16="http://schemas.microsoft.com/office/drawing/2014/main" id="{A6944BDB-220E-1D1F-8B4C-74A839B31FE9}"/>
+              </a:ext>
+            </a:extLst>
+          </p:cNvPr>
+          <p:cNvSpPr/>
+          <p:nvPr/>
+        </p:nvSpPr>
+        <p:spPr>
+          <a:xfrm>
+            <a:off x="1188099" y="2378751"/>
+            <a:ext cx="678024" cy="265142"/>
+          </a:xfrm>
+          <a:prstGeom prst="rect">
+            <a:avLst/>
+          </a:prstGeom>
+          <a:noFill/>
+          <a:ln w="28575">
+            <a:solidFill>
+              <a:srgbClr val="FFC000"/>
+            </a:solidFill>
+          </a:ln>
+        </p:spPr>
+        <p:style>
+          <a:lnRef idx="2">
+            <a:schemeClr val="accent1">
+              <a:shade val="15000"/>
+            </a:schemeClr>
+          </a:lnRef>
+          <a:fillRef idx="1">
+            <a:schemeClr val="accent1"/>
+          </a:fillRef>
+          <a:effectRef idx="0">
+            <a:schemeClr val="accent1"/>
+          </a:effectRef>
+          <a:fontRef idx="minor">
+            <a:schemeClr val="lt1"/>
+          </a:fontRef>
+        </p:style>
+        <p:txBody>
+          <a:bodyPr rtlCol="0" anchor="ctr"/>
+          <a:lstStyle/>
+          <a:p>
+            <a:pPr algn="ctr"/>
+            <a:endParaRPr lang="ko-KR" altLang="en-US"/>
+          </a:p>
+        </p:txBody>
+      </p:sp>
+      <p:sp>
+        <p:nvSpPr>
+          <p:cNvPr id="32" name="직사각형 31">
+            <a:extLst>
+              <a:ext uri="{FF2B5EF4-FFF2-40B4-BE49-F238E27FC236}">
+                <a16:creationId xmlns:a16="http://schemas.microsoft.com/office/drawing/2014/main" id="{862D17C8-EE54-6614-396E-3417CA33EAD7}"/>
+              </a:ext>
+            </a:extLst>
+          </p:cNvPr>
+          <p:cNvSpPr/>
+          <p:nvPr/>
+        </p:nvSpPr>
+        <p:spPr>
+          <a:xfrm>
+            <a:off x="2369800" y="2378751"/>
+            <a:ext cx="678024" cy="265142"/>
+          </a:xfrm>
+          <a:prstGeom prst="rect">
+            <a:avLst/>
+          </a:prstGeom>
+          <a:noFill/>
+          <a:ln w="28575">
+            <a:solidFill>
+              <a:srgbClr val="FFC000"/>
+            </a:solidFill>
+          </a:ln>
+        </p:spPr>
+        <p:style>
+          <a:lnRef idx="2">
+            <a:schemeClr val="accent1">
+              <a:shade val="15000"/>
+            </a:schemeClr>
+          </a:lnRef>
+          <a:fillRef idx="1">
+            <a:schemeClr val="accent1"/>
+          </a:fillRef>
+          <a:effectRef idx="0">
+            <a:schemeClr val="accent1"/>
+          </a:effectRef>
+          <a:fontRef idx="minor">
+            <a:schemeClr val="lt1"/>
+          </a:fontRef>
+        </p:style>
+        <p:txBody>
+          <a:bodyPr rtlCol="0" anchor="ctr"/>
+          <a:lstStyle/>
+          <a:p>
+            <a:pPr algn="ctr"/>
+            <a:endParaRPr lang="ko-KR" altLang="en-US"/>
+          </a:p>
+        </p:txBody>
+      </p:sp>
+      <p:sp>
+        <p:nvSpPr>
+          <p:cNvPr id="33" name="직사각형 32">
+            <a:extLst>
+              <a:ext uri="{FF2B5EF4-FFF2-40B4-BE49-F238E27FC236}">
+                <a16:creationId xmlns:a16="http://schemas.microsoft.com/office/drawing/2014/main" id="{0CEF8A57-7B34-2292-3F6D-5BFF4CD9ECA4}"/>
+              </a:ext>
+            </a:extLst>
+          </p:cNvPr>
+          <p:cNvSpPr/>
+          <p:nvPr/>
+        </p:nvSpPr>
+        <p:spPr>
+          <a:xfrm>
+            <a:off x="3771644" y="2385594"/>
+            <a:ext cx="678024" cy="265142"/>
+          </a:xfrm>
+          <a:prstGeom prst="rect">
+            <a:avLst/>
+          </a:prstGeom>
+          <a:noFill/>
+          <a:ln w="28575">
+            <a:solidFill>
+              <a:srgbClr val="FFC000"/>
+            </a:solidFill>
+          </a:ln>
+        </p:spPr>
+        <p:style>
+          <a:lnRef idx="2">
+            <a:schemeClr val="accent1">
+              <a:shade val="15000"/>
+            </a:schemeClr>
+          </a:lnRef>
+          <a:fillRef idx="1">
+            <a:schemeClr val="accent1"/>
+          </a:fillRef>
+          <a:effectRef idx="0">
+            <a:schemeClr val="accent1"/>
+          </a:effectRef>
+          <a:fontRef idx="minor">
+            <a:schemeClr val="lt1"/>
+          </a:fontRef>
+        </p:style>
+        <p:txBody>
+          <a:bodyPr rtlCol="0" anchor="ctr"/>
+          <a:lstStyle/>
+          <a:p>
+            <a:pPr algn="ctr"/>
+            <a:endParaRPr lang="ko-KR" altLang="en-US"/>
+          </a:p>
+        </p:txBody>
+      </p:sp>
+      <p:sp>
+        <p:nvSpPr>
+          <p:cNvPr id="34" name="직사각형 33">
+            <a:extLst>
+              <a:ext uri="{FF2B5EF4-FFF2-40B4-BE49-F238E27FC236}">
+                <a16:creationId xmlns:a16="http://schemas.microsoft.com/office/drawing/2014/main" id="{4FB5A61C-5877-90B3-50BF-0F1A4ABD24E2}"/>
+              </a:ext>
+            </a:extLst>
+          </p:cNvPr>
+          <p:cNvSpPr/>
+          <p:nvPr/>
+        </p:nvSpPr>
+        <p:spPr>
+          <a:xfrm>
+            <a:off x="1188099" y="2707794"/>
+            <a:ext cx="678024" cy="265142"/>
+          </a:xfrm>
+          <a:prstGeom prst="rect">
+            <a:avLst/>
+          </a:prstGeom>
+          <a:noFill/>
+          <a:ln w="28575">
+            <a:solidFill>
+              <a:srgbClr val="FFC000"/>
+            </a:solidFill>
+          </a:ln>
+        </p:spPr>
+        <p:style>
+          <a:lnRef idx="2">
+            <a:schemeClr val="accent1">
+              <a:shade val="15000"/>
+            </a:schemeClr>
+          </a:lnRef>
+          <a:fillRef idx="1">
+            <a:schemeClr val="accent1"/>
+          </a:fillRef>
+          <a:effectRef idx="0">
+            <a:schemeClr val="accent1"/>
+          </a:effectRef>
+          <a:fontRef idx="minor">
+            <a:schemeClr val="lt1"/>
+          </a:fontRef>
+        </p:style>
+        <p:txBody>
+          <a:bodyPr rtlCol="0" anchor="ctr"/>
+          <a:lstStyle/>
+          <a:p>
+            <a:pPr algn="ctr"/>
+            <a:endParaRPr lang="ko-KR" altLang="en-US"/>
+          </a:p>
+        </p:txBody>
+      </p:sp>
+      <p:sp>
+        <p:nvSpPr>
+          <p:cNvPr id="35" name="직사각형 34">
+            <a:extLst>
+              <a:ext uri="{FF2B5EF4-FFF2-40B4-BE49-F238E27FC236}">
+                <a16:creationId xmlns:a16="http://schemas.microsoft.com/office/drawing/2014/main" id="{5C5FADF7-662B-43BC-8213-8BD0F498672A}"/>
+              </a:ext>
+            </a:extLst>
+          </p:cNvPr>
+          <p:cNvSpPr/>
+          <p:nvPr/>
+        </p:nvSpPr>
+        <p:spPr>
+          <a:xfrm>
+            <a:off x="3047824" y="2714237"/>
+            <a:ext cx="1401844" cy="258699"/>
+          </a:xfrm>
+          <a:prstGeom prst="rect">
+            <a:avLst/>
+          </a:prstGeom>
+          <a:noFill/>
+          <a:ln w="28575">
+            <a:solidFill>
+              <a:srgbClr val="FFC000"/>
+            </a:solidFill>
+          </a:ln>
+        </p:spPr>
+        <p:style>
+          <a:lnRef idx="2">
+            <a:schemeClr val="accent1">
+              <a:shade val="15000"/>
+            </a:schemeClr>
+          </a:lnRef>
+          <a:fillRef idx="1">
+            <a:schemeClr val="accent1"/>
+          </a:fillRef>
+          <a:effectRef idx="0">
+            <a:schemeClr val="accent1"/>
+          </a:effectRef>
+          <a:fontRef idx="minor">
+            <a:schemeClr val="lt1"/>
+          </a:fontRef>
+        </p:style>
+        <p:txBody>
+          <a:bodyPr rtlCol="0" anchor="ctr"/>
+          <a:lstStyle/>
+          <a:p>
+            <a:pPr algn="ctr"/>
+            <a:endParaRPr lang="ko-KR" altLang="en-US"/>
+          </a:p>
+        </p:txBody>
+      </p:sp>
+      <p:sp>
+        <p:nvSpPr>
+          <p:cNvPr id="36" name="직사각형 35">
+            <a:extLst>
+              <a:ext uri="{FF2B5EF4-FFF2-40B4-BE49-F238E27FC236}">
+                <a16:creationId xmlns:a16="http://schemas.microsoft.com/office/drawing/2014/main" id="{BFCE2DBA-0036-7CB1-D021-A8F6CBFA27BF}"/>
+              </a:ext>
+            </a:extLst>
+          </p:cNvPr>
+          <p:cNvSpPr/>
+          <p:nvPr/>
+        </p:nvSpPr>
+        <p:spPr>
+          <a:xfrm>
+            <a:off x="1186024" y="3030820"/>
+            <a:ext cx="678024" cy="223355"/>
+          </a:xfrm>
+          <a:prstGeom prst="rect">
+            <a:avLst/>
+          </a:prstGeom>
+          <a:noFill/>
+          <a:ln w="28575">
+            <a:solidFill>
+              <a:srgbClr val="FFC000"/>
+            </a:solidFill>
+          </a:ln>
+        </p:spPr>
+        <p:style>
+          <a:lnRef idx="2">
+            <a:schemeClr val="accent1">
+              <a:shade val="15000"/>
+            </a:schemeClr>
+          </a:lnRef>
+          <a:fillRef idx="1">
+            <a:schemeClr val="accent1"/>
+          </a:fillRef>
+          <a:effectRef idx="0">
+            <a:schemeClr val="accent1"/>
+          </a:effectRef>
+          <a:fontRef idx="minor">
+            <a:schemeClr val="lt1"/>
+          </a:fontRef>
+        </p:style>
+        <p:txBody>
+          <a:bodyPr rtlCol="0" anchor="ctr"/>
+          <a:lstStyle/>
+          <a:p>
+            <a:pPr algn="ctr"/>
+            <a:endParaRPr lang="ko-KR" altLang="en-US"/>
+          </a:p>
+        </p:txBody>
+      </p:sp>
+      <p:sp>
+        <p:nvSpPr>
+          <p:cNvPr id="38" name="직사각형 37">
+            <a:extLst>
+              <a:ext uri="{FF2B5EF4-FFF2-40B4-BE49-F238E27FC236}">
+                <a16:creationId xmlns:a16="http://schemas.microsoft.com/office/drawing/2014/main" id="{2F4B0897-FC8C-8ECE-5374-9D80BD35A07D}"/>
+              </a:ext>
+            </a:extLst>
+          </p:cNvPr>
+          <p:cNvSpPr/>
+          <p:nvPr/>
+        </p:nvSpPr>
+        <p:spPr>
+          <a:xfrm>
+            <a:off x="2527081" y="3009926"/>
+            <a:ext cx="678024" cy="265142"/>
+          </a:xfrm>
+          <a:prstGeom prst="rect">
+            <a:avLst/>
+          </a:prstGeom>
+          <a:noFill/>
+          <a:ln w="28575">
+            <a:solidFill>
+              <a:srgbClr val="FFC000"/>
+            </a:solidFill>
+          </a:ln>
+        </p:spPr>
+        <p:style>
+          <a:lnRef idx="2">
+            <a:schemeClr val="accent1">
+              <a:shade val="15000"/>
+            </a:schemeClr>
+          </a:lnRef>
+          <a:fillRef idx="1">
+            <a:schemeClr val="accent1"/>
+          </a:fillRef>
+          <a:effectRef idx="0">
+            <a:schemeClr val="accent1"/>
+          </a:effectRef>
+          <a:fontRef idx="minor">
+            <a:schemeClr val="lt1"/>
+          </a:fontRef>
+        </p:style>
+        <p:txBody>
+          <a:bodyPr rtlCol="0" anchor="ctr"/>
+          <a:lstStyle/>
+          <a:p>
+            <a:pPr algn="ctr"/>
+            <a:endParaRPr lang="ko-KR" altLang="en-US"/>
+          </a:p>
+        </p:txBody>
+      </p:sp>
+      <p:sp>
+        <p:nvSpPr>
+          <p:cNvPr id="39" name="직사각형 38">
+            <a:extLst>
+              <a:ext uri="{FF2B5EF4-FFF2-40B4-BE49-F238E27FC236}">
+                <a16:creationId xmlns:a16="http://schemas.microsoft.com/office/drawing/2014/main" id="{85EAA4C0-7E44-F457-8211-E8D8F7073CA7}"/>
+              </a:ext>
+            </a:extLst>
+          </p:cNvPr>
+          <p:cNvSpPr/>
+          <p:nvPr/>
+        </p:nvSpPr>
+        <p:spPr>
+          <a:xfrm>
+            <a:off x="3748746" y="3037663"/>
+            <a:ext cx="678024" cy="265142"/>
+          </a:xfrm>
+          <a:prstGeom prst="rect">
+            <a:avLst/>
+          </a:prstGeom>
+          <a:noFill/>
+          <a:ln w="28575">
+            <a:solidFill>
+              <a:srgbClr val="FFC000"/>
+            </a:solidFill>
+          </a:ln>
+        </p:spPr>
+        <p:style>
+          <a:lnRef idx="2">
+            <a:schemeClr val="accent1">
+              <a:shade val="15000"/>
+            </a:schemeClr>
+          </a:lnRef>
+          <a:fillRef idx="1">
+            <a:schemeClr val="accent1"/>
+          </a:fillRef>
+          <a:effectRef idx="0">
+            <a:schemeClr val="accent1"/>
+          </a:effectRef>
+          <a:fontRef idx="minor">
+            <a:schemeClr val="lt1"/>
+          </a:fontRef>
+        </p:style>
+        <p:txBody>
+          <a:bodyPr rtlCol="0" anchor="ctr"/>
+          <a:lstStyle/>
+          <a:p>
+            <a:pPr algn="ctr"/>
+            <a:endParaRPr lang="ko-KR" altLang="en-US"/>
+          </a:p>
+        </p:txBody>
+      </p:sp>
+      <p:sp>
+        <p:nvSpPr>
+          <p:cNvPr id="40" name="직사각형 39">
+            <a:extLst>
+              <a:ext uri="{FF2B5EF4-FFF2-40B4-BE49-F238E27FC236}">
+                <a16:creationId xmlns:a16="http://schemas.microsoft.com/office/drawing/2014/main" id="{EDBEEC4F-692E-EAB6-8349-F71D33B4E6CE}"/>
+              </a:ext>
+            </a:extLst>
+          </p:cNvPr>
+          <p:cNvSpPr/>
+          <p:nvPr/>
+        </p:nvSpPr>
+        <p:spPr>
+          <a:xfrm>
+            <a:off x="1186024" y="3318076"/>
+            <a:ext cx="1994682" cy="265142"/>
+          </a:xfrm>
+          <a:prstGeom prst="rect">
+            <a:avLst/>
+          </a:prstGeom>
+          <a:noFill/>
+          <a:ln w="28575">
+            <a:solidFill>
+              <a:srgbClr val="FFC000"/>
+            </a:solidFill>
+          </a:ln>
+        </p:spPr>
+        <p:style>
+          <a:lnRef idx="2">
+            <a:schemeClr val="accent1">
+              <a:shade val="15000"/>
+            </a:schemeClr>
+          </a:lnRef>
+          <a:fillRef idx="1">
+            <a:schemeClr val="accent1"/>
+          </a:fillRef>
+          <a:effectRef idx="0">
+            <a:schemeClr val="accent1"/>
+          </a:effectRef>
+          <a:fontRef idx="minor">
+            <a:schemeClr val="lt1"/>
+          </a:fontRef>
+        </p:style>
+        <p:txBody>
+          <a:bodyPr rtlCol="0" anchor="ctr"/>
+          <a:lstStyle/>
+          <a:p>
+            <a:pPr algn="ctr"/>
+            <a:endParaRPr lang="ko-KR" altLang="en-US"/>
+          </a:p>
+        </p:txBody>
+      </p:sp>
+      <p:sp>
+        <p:nvSpPr>
+          <p:cNvPr id="42" name="TextBox 41">
+            <a:extLst>
+              <a:ext uri="{FF2B5EF4-FFF2-40B4-BE49-F238E27FC236}">
+                <a16:creationId xmlns:a16="http://schemas.microsoft.com/office/drawing/2014/main" id="{56B6E293-B5FC-8A19-0273-1350DA02E269}"/>
+              </a:ext>
+            </a:extLst>
+          </p:cNvPr>
+          <p:cNvSpPr txBox="1"/>
+          <p:nvPr/>
+        </p:nvSpPr>
+        <p:spPr>
+          <a:xfrm>
+            <a:off x="5004350" y="2571653"/>
+            <a:ext cx="6097554" cy="646331"/>
+          </a:xfrm>
+          <a:prstGeom prst="rect">
+            <a:avLst/>
+          </a:prstGeom>
+          <a:noFill/>
+        </p:spPr>
+        <p:txBody>
+          <a:bodyPr wrap="square">
+            <a:spAutoFit/>
+          </a:bodyPr>
+          <a:lstStyle/>
+          <a:p>
+            <a:r>
+              <a:rPr lang="en-US" altLang="ko-KR"/>
+              <a:t>Gaussian Kernel</a:t>
+            </a:r>
+            <a:r>
+              <a:rPr lang="ko-KR" altLang="en-US"/>
+              <a:t>을 사용해</a:t>
+            </a:r>
+            <a:endParaRPr lang="en-US" altLang="ko-KR"/>
+          </a:p>
+          <a:p>
+            <a:r>
+              <a:rPr lang="en-US" altLang="ko-KR"/>
+              <a:t>Distance</a:t>
+            </a:r>
+            <a:r>
+              <a:rPr lang="ko-KR" altLang="en-US"/>
+              <a:t> 값을 </a:t>
+            </a:r>
+            <a:r>
+              <a:rPr lang="en-US" altLang="ko-KR"/>
+              <a:t>weight</a:t>
+            </a:r>
+            <a:r>
+              <a:rPr lang="ko-KR" altLang="en-US"/>
+              <a:t>으로 변환</a:t>
+            </a:r>
+          </a:p>
+        </p:txBody>
+      </p:sp>
+      <p:pic>
+        <p:nvPicPr>
+          <p:cNvPr id="46" name="그림 45">
+            <a:extLst>
+              <a:ext uri="{FF2B5EF4-FFF2-40B4-BE49-F238E27FC236}">
+                <a16:creationId xmlns:a16="http://schemas.microsoft.com/office/drawing/2014/main" id="{56118E44-FD3C-08D1-CF4F-5472A35A098D}"/>
+              </a:ext>
+            </a:extLst>
+          </p:cNvPr>
+          <p:cNvPicPr>
+            <a:picLocks noChangeAspect="1"/>
+          </p:cNvPicPr>
+          <p:nvPr/>
+        </p:nvPicPr>
+        <p:blipFill rotWithShape="1">
+          <a:blip r:embed="rId4"/>
+          <a:srcRect l="9814"/>
+          <a:stretch/>
+        </p:blipFill>
+        <p:spPr>
+          <a:xfrm>
+            <a:off x="2540558" y="4815922"/>
+            <a:ext cx="6195688" cy="589181"/>
+          </a:xfrm>
+          <a:prstGeom prst="rect">
+            <a:avLst/>
+          </a:prstGeom>
+        </p:spPr>
+      </p:pic>
+      <p:pic>
+        <p:nvPicPr>
+          <p:cNvPr id="50" name="그림 49">
+            <a:extLst>
+              <a:ext uri="{FF2B5EF4-FFF2-40B4-BE49-F238E27FC236}">
+                <a16:creationId xmlns:a16="http://schemas.microsoft.com/office/drawing/2014/main" id="{3CB62ECF-63B8-A93B-D1F4-FF8A54B708EE}"/>
+              </a:ext>
+            </a:extLst>
+          </p:cNvPr>
+          <p:cNvPicPr>
+            <a:picLocks noChangeAspect="1"/>
+          </p:cNvPicPr>
+          <p:nvPr/>
+        </p:nvPicPr>
+        <p:blipFill>
+          <a:blip r:embed="rId5"/>
+          <a:stretch>
+            <a:fillRect/>
+          </a:stretch>
+        </p:blipFill>
+        <p:spPr>
+          <a:xfrm>
+            <a:off x="2540558" y="5489523"/>
+            <a:ext cx="6195688" cy="360047"/>
+          </a:xfrm>
+          <a:prstGeom prst="rect">
+            <a:avLst/>
+          </a:prstGeom>
+        </p:spPr>
+      </p:pic>
+      <p:sp>
+        <p:nvSpPr>
+          <p:cNvPr id="51" name="직사각형 50">
+            <a:extLst>
+              <a:ext uri="{FF2B5EF4-FFF2-40B4-BE49-F238E27FC236}">
+                <a16:creationId xmlns:a16="http://schemas.microsoft.com/office/drawing/2014/main" id="{94718507-334E-ABAA-FD76-B249CCBE6D7A}"/>
+              </a:ext>
+            </a:extLst>
+          </p:cNvPr>
+          <p:cNvSpPr/>
+          <p:nvPr/>
+        </p:nvSpPr>
+        <p:spPr>
+          <a:xfrm rot="5400000">
+            <a:off x="2866093" y="4960871"/>
+            <a:ext cx="678024" cy="265142"/>
+          </a:xfrm>
+          <a:prstGeom prst="rect">
+            <a:avLst/>
+          </a:prstGeom>
+          <a:noFill/>
+          <a:ln w="28575">
+            <a:solidFill>
+              <a:srgbClr val="FFC000"/>
+            </a:solidFill>
+          </a:ln>
+        </p:spPr>
+        <p:style>
+          <a:lnRef idx="2">
+            <a:schemeClr val="accent1">
+              <a:shade val="15000"/>
+            </a:schemeClr>
+          </a:lnRef>
+          <a:fillRef idx="1">
+            <a:schemeClr val="accent1"/>
+          </a:fillRef>
+          <a:effectRef idx="0">
+            <a:schemeClr val="accent1"/>
+          </a:effectRef>
+          <a:fontRef idx="minor">
+            <a:schemeClr val="lt1"/>
+          </a:fontRef>
+        </p:style>
+        <p:txBody>
+          <a:bodyPr rtlCol="0" anchor="ctr"/>
+          <a:lstStyle/>
+          <a:p>
+            <a:pPr algn="ctr"/>
+            <a:endParaRPr lang="ko-KR" altLang="en-US"/>
+          </a:p>
+        </p:txBody>
+      </p:sp>
+      <p:sp>
+        <p:nvSpPr>
+          <p:cNvPr id="52" name="직사각형 51">
+            <a:extLst>
+              <a:ext uri="{FF2B5EF4-FFF2-40B4-BE49-F238E27FC236}">
+                <a16:creationId xmlns:a16="http://schemas.microsoft.com/office/drawing/2014/main" id="{654091E2-AB48-25AD-20DE-13E2D270ACC0}"/>
+              </a:ext>
+            </a:extLst>
+          </p:cNvPr>
+          <p:cNvSpPr/>
+          <p:nvPr/>
+        </p:nvSpPr>
+        <p:spPr>
+          <a:xfrm rot="5400000">
+            <a:off x="2948674" y="5470689"/>
+            <a:ext cx="380290" cy="397713"/>
+          </a:xfrm>
+          <a:prstGeom prst="rect">
+            <a:avLst/>
+          </a:prstGeom>
+          <a:noFill/>
+          <a:ln w="28575">
+            <a:solidFill>
+              <a:srgbClr val="FFC000"/>
+            </a:solidFill>
+          </a:ln>
+        </p:spPr>
+        <p:style>
+          <a:lnRef idx="2">
+            <a:schemeClr val="accent1">
+              <a:shade val="15000"/>
+            </a:schemeClr>
+          </a:lnRef>
+          <a:fillRef idx="1">
+            <a:schemeClr val="accent1"/>
+          </a:fillRef>
+          <a:effectRef idx="0">
+            <a:schemeClr val="accent1"/>
+          </a:effectRef>
+          <a:fontRef idx="minor">
+            <a:schemeClr val="lt1"/>
+          </a:fontRef>
+        </p:style>
+        <p:txBody>
+          <a:bodyPr rtlCol="0" anchor="ctr"/>
+          <a:lstStyle/>
+          <a:p>
+            <a:pPr algn="ctr"/>
+            <a:endParaRPr lang="ko-KR" altLang="en-US"/>
+          </a:p>
+        </p:txBody>
+      </p:sp>
+      <p:sp>
+        <p:nvSpPr>
+          <p:cNvPr id="54" name="TextBox 53">
+            <a:extLst>
+              <a:ext uri="{FF2B5EF4-FFF2-40B4-BE49-F238E27FC236}">
+                <a16:creationId xmlns:a16="http://schemas.microsoft.com/office/drawing/2014/main" id="{20F234D8-335A-1F71-E4A9-20F15F230F77}"/>
+              </a:ext>
+            </a:extLst>
+          </p:cNvPr>
+          <p:cNvSpPr txBox="1"/>
+          <p:nvPr/>
+        </p:nvSpPr>
+        <p:spPr>
+          <a:xfrm>
+            <a:off x="596891" y="4940966"/>
+            <a:ext cx="1993383" cy="369332"/>
+          </a:xfrm>
+          <a:prstGeom prst="rect">
+            <a:avLst/>
+          </a:prstGeom>
+          <a:noFill/>
+        </p:spPr>
+        <p:txBody>
+          <a:bodyPr wrap="square">
+            <a:spAutoFit/>
+          </a:bodyPr>
+          <a:lstStyle/>
+          <a:p>
+            <a:r>
+              <a:rPr lang="en-US" altLang="ko-KR"/>
+              <a:t>Edge_index</a:t>
+            </a:r>
+            <a:endParaRPr lang="ko-KR" altLang="en-US"/>
+          </a:p>
+        </p:txBody>
+      </p:sp>
+      <p:sp>
+        <p:nvSpPr>
+          <p:cNvPr id="56" name="TextBox 55">
+            <a:extLst>
+              <a:ext uri="{FF2B5EF4-FFF2-40B4-BE49-F238E27FC236}">
+                <a16:creationId xmlns:a16="http://schemas.microsoft.com/office/drawing/2014/main" id="{83B66354-C3A6-274A-5F43-348FB1F75256}"/>
+              </a:ext>
+            </a:extLst>
+          </p:cNvPr>
+          <p:cNvSpPr txBox="1"/>
+          <p:nvPr/>
+        </p:nvSpPr>
+        <p:spPr>
+          <a:xfrm>
+            <a:off x="596891" y="5425347"/>
+            <a:ext cx="1772909" cy="369332"/>
+          </a:xfrm>
+          <a:prstGeom prst="rect">
+            <a:avLst/>
+          </a:prstGeom>
+          <a:noFill/>
+        </p:spPr>
+        <p:txBody>
+          <a:bodyPr wrap="square">
+            <a:spAutoFit/>
+          </a:bodyPr>
+          <a:lstStyle/>
+          <a:p>
+            <a:r>
+              <a:rPr lang="en-US" altLang="ko-KR"/>
+              <a:t>Edge_attribute</a:t>
+            </a:r>
+            <a:endParaRPr lang="ko-KR" altLang="en-US"/>
+          </a:p>
+        </p:txBody>
+      </p:sp>
+      <p:sp>
+        <p:nvSpPr>
+          <p:cNvPr id="57" name="TextBox 56">
+            <a:extLst>
+              <a:ext uri="{FF2B5EF4-FFF2-40B4-BE49-F238E27FC236}">
+                <a16:creationId xmlns:a16="http://schemas.microsoft.com/office/drawing/2014/main" id="{6BF3B454-4526-A9B4-EF38-34747F29B092}"/>
+              </a:ext>
+            </a:extLst>
+          </p:cNvPr>
+          <p:cNvSpPr txBox="1"/>
+          <p:nvPr/>
+        </p:nvSpPr>
+        <p:spPr>
+          <a:xfrm>
+            <a:off x="8556803" y="1358505"/>
+            <a:ext cx="3201999" cy="369332"/>
+          </a:xfrm>
+          <a:prstGeom prst="rect">
+            <a:avLst/>
+          </a:prstGeom>
+          <a:noFill/>
+        </p:spPr>
+        <p:txBody>
+          <a:bodyPr wrap="square">
+            <a:spAutoFit/>
+          </a:bodyPr>
+          <a:lstStyle/>
+          <a:p>
+            <a:r>
+              <a:rPr lang="en-US" altLang="ko-KR"/>
+              <a:t>Weighted adjacency matrix</a:t>
+            </a:r>
+            <a:endParaRPr lang="ko-KR" altLang="en-US"/>
+          </a:p>
+        </p:txBody>
+      </p:sp>
+      <p:sp>
+        <p:nvSpPr>
+          <p:cNvPr id="59" name="TextBox 58">
+            <a:extLst>
+              <a:ext uri="{FF2B5EF4-FFF2-40B4-BE49-F238E27FC236}">
+                <a16:creationId xmlns:a16="http://schemas.microsoft.com/office/drawing/2014/main" id="{5AC99820-C6F8-1A83-0D75-A208C48148FB}"/>
+              </a:ext>
+            </a:extLst>
+          </p:cNvPr>
+          <p:cNvSpPr txBox="1"/>
+          <p:nvPr/>
+        </p:nvSpPr>
+        <p:spPr>
+          <a:xfrm>
+            <a:off x="838200" y="1360931"/>
+            <a:ext cx="4166651" cy="369332"/>
+          </a:xfrm>
+          <a:prstGeom prst="rect">
+            <a:avLst/>
+          </a:prstGeom>
+          <a:noFill/>
+        </p:spPr>
+        <p:txBody>
+          <a:bodyPr wrap="square">
+            <a:spAutoFit/>
+          </a:bodyPr>
+          <a:lstStyle/>
+          <a:p>
+            <a:r>
+              <a:rPr lang="en-US" altLang="ko-KR"/>
+              <a:t>KNN-based Adjacency matrix (k=3)</a:t>
+            </a:r>
+            <a:endParaRPr lang="ko-KR" altLang="en-US" dirty="0"/>
+          </a:p>
+        </p:txBody>
+      </p:sp>
+      <p:sp>
+        <p:nvSpPr>
+          <p:cNvPr id="61" name="TextBox 60">
+            <a:extLst>
+              <a:ext uri="{FF2B5EF4-FFF2-40B4-BE49-F238E27FC236}">
+                <a16:creationId xmlns:a16="http://schemas.microsoft.com/office/drawing/2014/main" id="{A65B8940-D025-3A73-D3A8-A46F1B51ABA7}"/>
+              </a:ext>
+            </a:extLst>
+          </p:cNvPr>
+          <p:cNvSpPr txBox="1"/>
+          <p:nvPr/>
+        </p:nvSpPr>
+        <p:spPr>
+          <a:xfrm>
+            <a:off x="156328" y="3666813"/>
+            <a:ext cx="6097554" cy="646331"/>
+          </a:xfrm>
+          <a:prstGeom prst="rect">
+            <a:avLst/>
+          </a:prstGeom>
+          <a:noFill/>
+        </p:spPr>
+        <p:txBody>
+          <a:bodyPr wrap="square">
+            <a:spAutoFit/>
+          </a:bodyPr>
+          <a:lstStyle/>
+          <a:p>
+            <a:r>
+              <a:rPr lang="ko-KR" altLang="en-US"/>
+              <a:t>각 </a:t>
+            </a:r>
+            <a:r>
+              <a:rPr lang="en-US" altLang="ko-KR"/>
+              <a:t>node</a:t>
+            </a:r>
+            <a:r>
+              <a:rPr lang="ko-KR" altLang="en-US"/>
+              <a:t>마다 </a:t>
+            </a:r>
+            <a:endParaRPr lang="en-US" altLang="ko-KR"/>
+          </a:p>
+          <a:p>
+            <a:r>
+              <a:rPr lang="ko-KR" altLang="en-US"/>
+              <a:t>유사성이 높은 특정 개수</a:t>
+            </a:r>
+            <a:r>
+              <a:rPr lang="en-US" altLang="ko-KR"/>
+              <a:t>(k)</a:t>
+            </a:r>
+            <a:r>
+              <a:rPr lang="ko-KR" altLang="en-US"/>
+              <a:t>의 </a:t>
+            </a:r>
+            <a:r>
+              <a:rPr lang="en-US" altLang="ko-KR"/>
+              <a:t>node</a:t>
+            </a:r>
+            <a:r>
+              <a:rPr lang="ko-KR" altLang="en-US"/>
+              <a:t>와의 관계만 고려</a:t>
+            </a:r>
+          </a:p>
+        </p:txBody>
+      </p:sp>
     </p:spTree>
     <p:extLst>
       <p:ext uri="{BB962C8B-B14F-4D97-AF65-F5344CB8AC3E}">

--- a/Presentation/초기 발표.pptx
+++ b/Presentation/초기 발표.pptx
@@ -10,15 +10,13 @@
     <p:sldId id="258" r:id="rId4"/>
     <p:sldId id="264" r:id="rId5"/>
     <p:sldId id="263" r:id="rId6"/>
-    <p:sldId id="259" r:id="rId7"/>
-    <p:sldId id="260" r:id="rId8"/>
-    <p:sldId id="269" r:id="rId9"/>
-    <p:sldId id="270" r:id="rId10"/>
-    <p:sldId id="261" r:id="rId11"/>
-    <p:sldId id="262" r:id="rId12"/>
-    <p:sldId id="265" r:id="rId13"/>
-    <p:sldId id="266" r:id="rId14"/>
-    <p:sldId id="267" r:id="rId15"/>
+    <p:sldId id="260" r:id="rId7"/>
+    <p:sldId id="269" r:id="rId8"/>
+    <p:sldId id="270" r:id="rId9"/>
+    <p:sldId id="261" r:id="rId10"/>
+    <p:sldId id="262" r:id="rId11"/>
+    <p:sldId id="265" r:id="rId12"/>
+    <p:sldId id="271" r:id="rId13"/>
   </p:sldIdLst>
   <p:sldSz cx="12192000" cy="6858000"/>
   <p:notesSz cx="6858000" cy="9144000"/>
@@ -2916,12 +2914,15 @@
                     <a:tint val="75000"/>
                   </a:schemeClr>
                 </a:solidFill>
+                <a:latin typeface="나눔스퀘어" panose="020B0600000101010101" pitchFamily="50" charset="-127"/>
+                <a:ea typeface="나눔스퀘어" panose="020B0600000101010101" pitchFamily="50" charset="-127"/>
               </a:defRPr>
             </a:lvl1pPr>
           </a:lstStyle>
           <a:p>
             <a:fld id="{578624AE-E14C-40FB-97A6-76E5215C3D05}" type="datetimeFigureOut">
               <a:rPr lang="ko-KR" altLang="en-US" smtClean="0"/>
+              <a:pPr/>
               <a:t>2024-03-06</a:t>
             </a:fld>
             <a:endParaRPr lang="ko-KR" altLang="en-US"/>
@@ -2963,6 +2964,8 @@
                     <a:tint val="75000"/>
                   </a:schemeClr>
                 </a:solidFill>
+                <a:latin typeface="나눔스퀘어" panose="020B0600000101010101" pitchFamily="50" charset="-127"/>
+                <a:ea typeface="나눔스퀘어" panose="020B0600000101010101" pitchFamily="50" charset="-127"/>
               </a:defRPr>
             </a:lvl1pPr>
           </a:lstStyle>
@@ -3006,12 +3009,15 @@
                     <a:tint val="75000"/>
                   </a:schemeClr>
                 </a:solidFill>
+                <a:latin typeface="나눔스퀘어" panose="020B0600000101010101" pitchFamily="50" charset="-127"/>
+                <a:ea typeface="나눔스퀘어" panose="020B0600000101010101" pitchFamily="50" charset="-127"/>
               </a:defRPr>
             </a:lvl1pPr>
           </a:lstStyle>
           <a:p>
             <a:fld id="{067CB161-742F-43A2-B4A2-EA5BE96F7C5A}" type="slidenum">
               <a:rPr lang="ko-KR" altLang="en-US" smtClean="0"/>
+              <a:pPr/>
               <a:t>‹#›</a:t>
             </a:fld>
             <a:endParaRPr lang="ko-KR" altLang="en-US"/>
@@ -3053,8 +3059,8 @@
           <a:solidFill>
             <a:schemeClr val="tx1"/>
           </a:solidFill>
-          <a:latin typeface="+mj-lt"/>
-          <a:ea typeface="+mj-ea"/>
+          <a:latin typeface="나눔스퀘어" panose="020B0600000101010101" pitchFamily="50" charset="-127"/>
+          <a:ea typeface="나눔스퀘어" panose="020B0600000101010101" pitchFamily="50" charset="-127"/>
           <a:cs typeface="+mj-cs"/>
         </a:defRPr>
       </a:lvl1pPr>
@@ -3073,8 +3079,8 @@
           <a:solidFill>
             <a:schemeClr val="tx1"/>
           </a:solidFill>
-          <a:latin typeface="+mn-lt"/>
-          <a:ea typeface="+mn-ea"/>
+          <a:latin typeface="나눔스퀘어" panose="020B0600000101010101" pitchFamily="50" charset="-127"/>
+          <a:ea typeface="나눔스퀘어" panose="020B0600000101010101" pitchFamily="50" charset="-127"/>
           <a:cs typeface="+mn-cs"/>
         </a:defRPr>
       </a:lvl1pPr>
@@ -3091,8 +3097,8 @@
           <a:solidFill>
             <a:schemeClr val="tx1"/>
           </a:solidFill>
-          <a:latin typeface="+mn-lt"/>
-          <a:ea typeface="+mn-ea"/>
+          <a:latin typeface="나눔스퀘어" panose="020B0600000101010101" pitchFamily="50" charset="-127"/>
+          <a:ea typeface="나눔스퀘어" panose="020B0600000101010101" pitchFamily="50" charset="-127"/>
           <a:cs typeface="+mn-cs"/>
         </a:defRPr>
       </a:lvl2pPr>
@@ -3109,8 +3115,8 @@
           <a:solidFill>
             <a:schemeClr val="tx1"/>
           </a:solidFill>
-          <a:latin typeface="+mn-lt"/>
-          <a:ea typeface="+mn-ea"/>
+          <a:latin typeface="나눔스퀘어" panose="020B0600000101010101" pitchFamily="50" charset="-127"/>
+          <a:ea typeface="나눔스퀘어" panose="020B0600000101010101" pitchFamily="50" charset="-127"/>
           <a:cs typeface="+mn-cs"/>
         </a:defRPr>
       </a:lvl3pPr>
@@ -3127,8 +3133,8 @@
           <a:solidFill>
             <a:schemeClr val="tx1"/>
           </a:solidFill>
-          <a:latin typeface="+mn-lt"/>
-          <a:ea typeface="+mn-ea"/>
+          <a:latin typeface="나눔스퀘어" panose="020B0600000101010101" pitchFamily="50" charset="-127"/>
+          <a:ea typeface="나눔스퀘어" panose="020B0600000101010101" pitchFamily="50" charset="-127"/>
           <a:cs typeface="+mn-cs"/>
         </a:defRPr>
       </a:lvl4pPr>
@@ -3145,8 +3151,8 @@
           <a:solidFill>
             <a:schemeClr val="tx1"/>
           </a:solidFill>
-          <a:latin typeface="+mn-lt"/>
-          <a:ea typeface="+mn-ea"/>
+          <a:latin typeface="나눔스퀘어" panose="020B0600000101010101" pitchFamily="50" charset="-127"/>
+          <a:ea typeface="나눔스퀘어" panose="020B0600000101010101" pitchFamily="50" charset="-127"/>
           <a:cs typeface="+mn-cs"/>
         </a:defRPr>
       </a:lvl5pPr>
@@ -3358,23 +3364,23 @@
         <p:spPr/>
         <p:txBody>
           <a:bodyPr>
-            <a:normAutofit fontScale="90000"/>
+            <a:normAutofit/>
           </a:bodyPr>
           <a:lstStyle/>
           <a:p>
             <a:r>
-              <a:rPr lang="en-US" altLang="ko-KR"/>
+              <a:rPr lang="en-US" altLang="ko-KR" sz="4800"/>
               <a:t>Functional MRI</a:t>
             </a:r>
             <a:r>
-              <a:rPr lang="ko-KR" altLang="en-US"/>
+              <a:rPr lang="ko-KR" altLang="en-US" sz="4800"/>
               <a:t>를 이용한 그래프 신경망 </a:t>
             </a:r>
             <a:br>
-              <a:rPr lang="ko-KR" altLang="en-US"/>
+              <a:rPr lang="ko-KR" altLang="en-US" sz="4800"/>
             </a:br>
             <a:r>
-              <a:rPr lang="ko-KR" altLang="en-US"/>
+              <a:rPr lang="ko-KR" altLang="en-US" sz="4800"/>
               <a:t>기반 조현병 분류 모델 개발</a:t>
             </a:r>
           </a:p>
@@ -3437,13 +3443,7 @@
   <p:cSld>
     <p:spTree>
       <p:nvGrpSpPr>
-        <p:cNvPr id="1" name="">
-          <a:extLst>
-            <a:ext uri="{FF2B5EF4-FFF2-40B4-BE49-F238E27FC236}">
-              <a16:creationId xmlns:a16="http://schemas.microsoft.com/office/drawing/2014/main" id="{44792E7C-DE38-127E-17D1-2FDCB43238DA}"/>
-            </a:ext>
-          </a:extLst>
-        </p:cNvPr>
+        <p:cNvPr id="1" name=""/>
         <p:cNvGrpSpPr/>
         <p:nvPr/>
       </p:nvGrpSpPr>
@@ -3460,7 +3460,7 @@
           <p:cNvPr id="2" name="제목 1">
             <a:extLst>
               <a:ext uri="{FF2B5EF4-FFF2-40B4-BE49-F238E27FC236}">
-                <a16:creationId xmlns:a16="http://schemas.microsoft.com/office/drawing/2014/main" id="{A2D3AE7B-BFE0-B0A5-C805-7CAF963BFEDF}"/>
+                <a16:creationId xmlns:a16="http://schemas.microsoft.com/office/drawing/2014/main" id="{F7AD4262-C1CD-E030-D2B9-F6748ABF0DDC}"/>
               </a:ext>
             </a:extLst>
           </p:cNvPr>
@@ -3478,11 +3478,19 @@
           <a:p>
             <a:r>
               <a:rPr lang="en-US" altLang="ko-KR"/>
-              <a:t>4. GCN model </a:t>
+              <a:t>5. GCN</a:t>
             </a:r>
             <a:r>
               <a:rPr lang="ko-KR" altLang="en-US"/>
-              <a:t>구축</a:t>
+              <a:t>으로 </a:t>
+            </a:r>
+            <a:r>
+              <a:rPr lang="en-US" altLang="ko-KR"/>
+              <a:t>schizophrenia </a:t>
+            </a:r>
+            <a:r>
+              <a:rPr lang="ko-KR" altLang="en-US"/>
+              <a:t>환자 분류</a:t>
             </a:r>
           </a:p>
         </p:txBody>
@@ -3492,7 +3500,7 @@
           <p:cNvPr id="3" name="내용 개체 틀 2">
             <a:extLst>
               <a:ext uri="{FF2B5EF4-FFF2-40B4-BE49-F238E27FC236}">
-                <a16:creationId xmlns:a16="http://schemas.microsoft.com/office/drawing/2014/main" id="{64FA42F5-EF64-185D-E8CD-AE28C6BAF63B}"/>
+                <a16:creationId xmlns:a16="http://schemas.microsoft.com/office/drawing/2014/main" id="{7AE8962A-4F0E-2805-FAF7-DEB6D39CC713}"/>
               </a:ext>
             </a:extLst>
           </p:cNvPr>
@@ -3506,38 +3514,57 @@
         <p:spPr/>
         <p:txBody>
           <a:bodyPr>
-            <a:normAutofit lnSpcReduction="10000"/>
+            <a:normAutofit fontScale="85000" lnSpcReduction="20000"/>
           </a:bodyPr>
           <a:lstStyle/>
           <a:p>
+            <a:r>
+              <a:rPr lang="en-US" altLang="ko-KR"/>
+              <a:t>linear kernel SVM</a:t>
+            </a:r>
+            <a:r>
+              <a:rPr lang="ko-KR" altLang="en-US"/>
+              <a:t>을 활용한 조현병 진단 모델은 </a:t>
+            </a:r>
+            <a:r>
+              <a:rPr lang="en-US" altLang="ko-KR"/>
+              <a:t>Balanced Accuracy : 0.809, Sensitivity : 0.699, specificity : 0.919 </a:t>
+            </a:r>
+            <a:r>
+              <a:rPr lang="ko-KR" altLang="en-US"/>
+              <a:t>의 성능</a:t>
+            </a:r>
+            <a:endParaRPr lang="en-US" altLang="ko-KR"/>
+          </a:p>
+          <a:p>
+            <a:endParaRPr lang="en-US" altLang="ko-KR"/>
+          </a:p>
+          <a:p>
             <a:pPr marL="0" indent="0">
               <a:buNone/>
             </a:pPr>
             <a:r>
               <a:rPr lang="en-US" altLang="ko-KR"/>
-              <a:t>ChebConv</a:t>
-            </a:r>
-            <a:r>
-              <a:rPr lang="ko-KR" altLang="en-US"/>
-              <a:t> </a:t>
-            </a:r>
+              <a:t>50 epoch</a:t>
+            </a:r>
+          </a:p>
+          <a:p>
+            <a:pPr marL="0" indent="0">
+              <a:buNone/>
+            </a:pPr>
             <a:r>
               <a:rPr lang="en-US" altLang="ko-KR"/>
-              <a:t>Layer 3 (feature# -&gt; 64 -&gt; 64-&gt; 128) : </a:t>
-            </a:r>
-            <a:r>
-              <a:rPr lang="ko-KR" altLang="en-US"/>
-              <a:t>최대 </a:t>
-            </a:r>
+              <a:t>stratified 10 fold</a:t>
+            </a:r>
+          </a:p>
+          <a:p>
+            <a:pPr marL="0" indent="0">
+              <a:buNone/>
+            </a:pPr>
             <a:r>
               <a:rPr lang="en-US" altLang="ko-KR"/>
-              <a:t>6</a:t>
-            </a:r>
-            <a:r>
-              <a:rPr lang="ko-KR" altLang="en-US"/>
-              <a:t>차로 설정</a:t>
-            </a:r>
-            <a:endParaRPr lang="en-US" altLang="ko-KR"/>
+              <a:t>Upsampling X</a:t>
+            </a:r>
           </a:p>
           <a:p>
             <a:pPr marL="0" indent="0">
@@ -3545,7 +3572,15 @@
             </a:pPr>
             <a:r>
               <a:rPr lang="en-US" altLang="ko-KR"/>
-              <a:t>Linear Layer 1(128 -&gt; 2(class#))</a:t>
+              <a:t>Optimizer : </a:t>
+            </a:r>
+            <a:r>
+              <a:rPr lang="en-US" altLang="ko-KR">
+                <a:highlight>
+                  <a:srgbClr val="FFFF00"/>
+                </a:highlight>
+              </a:rPr>
+              <a:t>Adam</a:t>
             </a:r>
           </a:p>
           <a:p>
@@ -3554,14 +3589,17 @@
             </a:pPr>
             <a:r>
               <a:rPr lang="en-US" altLang="ko-KR"/>
-              <a:t>Log_softmax</a:t>
+              <a:t>L2 regularization : 5e-4</a:t>
             </a:r>
           </a:p>
           <a:p>
             <a:pPr marL="0" indent="0">
               <a:buNone/>
             </a:pPr>
-            <a:endParaRPr lang="en-US" altLang="ko-KR"/>
+            <a:r>
+              <a:rPr lang="en-US" altLang="ko-KR"/>
+              <a:t>Learning rate: 0.001</a:t>
+            </a:r>
           </a:p>
           <a:p>
             <a:pPr marL="0" indent="0">
@@ -3569,55 +3607,16 @@
             </a:pPr>
             <a:r>
               <a:rPr lang="en-US" altLang="ko-KR"/>
-              <a:t>Activation function : ReLU</a:t>
+              <a:t>Loss :  log_softmax + NLL loss = ? : Class weight: (0.72,1.66)</a:t>
             </a:r>
           </a:p>
           <a:p>
             <a:pPr marL="0" indent="0">
               <a:buNone/>
             </a:pPr>
-            <a:endParaRPr lang="en-US" altLang="ko-KR"/>
-          </a:p>
-          <a:p>
-            <a:pPr marL="0" indent="0">
-              <a:buNone/>
-            </a:pPr>
             <a:r>
               <a:rPr lang="en-US" altLang="ko-KR"/>
-              <a:t>2,3 layer</a:t>
-            </a:r>
-            <a:r>
-              <a:rPr lang="ko-KR" altLang="en-US"/>
-              <a:t> </a:t>
-            </a:r>
-            <a:r>
-              <a:rPr lang="en-US" altLang="ko-KR"/>
-              <a:t>dropout(0.5</a:t>
-            </a:r>
-            <a:r>
-              <a:rPr lang="ko-KR" altLang="en-US"/>
-              <a:t>비율</a:t>
-            </a:r>
-            <a:r>
-              <a:rPr lang="en-US" altLang="ko-KR"/>
-              <a:t>)</a:t>
-            </a:r>
-          </a:p>
-          <a:p>
-            <a:pPr marL="0" indent="0">
-              <a:buNone/>
-            </a:pPr>
-            <a:r>
-              <a:rPr lang="en-US" altLang="ko-KR"/>
-              <a:t>Linear Layer </a:t>
-            </a:r>
-            <a:r>
-              <a:rPr lang="ko-KR" altLang="en-US"/>
-              <a:t>전 </a:t>
-            </a:r>
-            <a:r>
-              <a:rPr lang="en-US" altLang="ko-KR"/>
-              <a:t>Global mean pooling</a:t>
+              <a:t>Threshold : 0.5</a:t>
             </a:r>
           </a:p>
           <a:p>
@@ -3643,7 +3642,7 @@
     </p:spTree>
     <p:extLst>
       <p:ext uri="{BB962C8B-B14F-4D97-AF65-F5344CB8AC3E}">
-        <p14:creationId xmlns:p14="http://schemas.microsoft.com/office/powerpoint/2010/main" val="1272733660"/>
+        <p14:creationId xmlns:p14="http://schemas.microsoft.com/office/powerpoint/2010/main" val="1370428427"/>
       </p:ext>
     </p:extLst>
   </p:cSld>
@@ -3670,194 +3669,759 @@
           <a:chExt cx="0" cy="0"/>
         </a:xfrm>
       </p:grpSpPr>
-      <p:sp>
-        <p:nvSpPr>
-          <p:cNvPr id="2" name="제목 1">
-            <a:extLst>
-              <a:ext uri="{FF2B5EF4-FFF2-40B4-BE49-F238E27FC236}">
-                <a16:creationId xmlns:a16="http://schemas.microsoft.com/office/drawing/2014/main" id="{F7AD4262-C1CD-E030-D2B9-F6748ABF0DDC}"/>
-              </a:ext>
-            </a:extLst>
-          </p:cNvPr>
-          <p:cNvSpPr>
-            <a:spLocks noGrp="1"/>
-          </p:cNvSpPr>
-          <p:nvPr>
-            <p:ph type="title"/>
-          </p:nvPr>
-        </p:nvSpPr>
-        <p:spPr/>
-        <p:txBody>
-          <a:bodyPr/>
-          <a:lstStyle/>
-          <a:p>
-            <a:r>
-              <a:rPr lang="en-US" altLang="ko-KR"/>
-              <a:t>5. GCN</a:t>
-            </a:r>
-            <a:r>
-              <a:rPr lang="ko-KR" altLang="en-US"/>
-              <a:t>으로 </a:t>
-            </a:r>
-            <a:r>
-              <a:rPr lang="en-US" altLang="ko-KR"/>
-              <a:t>schizophrenia </a:t>
-            </a:r>
-            <a:r>
-              <a:rPr lang="ko-KR" altLang="en-US"/>
-              <a:t>환자 분류</a:t>
-            </a:r>
-          </a:p>
-        </p:txBody>
-      </p:sp>
-      <p:sp>
-        <p:nvSpPr>
-          <p:cNvPr id="3" name="내용 개체 틀 2">
-            <a:extLst>
-              <a:ext uri="{FF2B5EF4-FFF2-40B4-BE49-F238E27FC236}">
-                <a16:creationId xmlns:a16="http://schemas.microsoft.com/office/drawing/2014/main" id="{7AE8962A-4F0E-2805-FAF7-DEB6D39CC713}"/>
-              </a:ext>
-            </a:extLst>
-          </p:cNvPr>
-          <p:cNvSpPr>
-            <a:spLocks noGrp="1"/>
-          </p:cNvSpPr>
+      <p:pic>
+        <p:nvPicPr>
+          <p:cNvPr id="35" name="내용 개체 틀 4">
+            <a:extLst>
+              <a:ext uri="{FF2B5EF4-FFF2-40B4-BE49-F238E27FC236}">
+                <a16:creationId xmlns:a16="http://schemas.microsoft.com/office/drawing/2014/main" id="{6A1232E6-8CCC-E5ED-BC6A-C9334EDCF8EB}"/>
+              </a:ext>
+            </a:extLst>
+          </p:cNvPr>
+          <p:cNvPicPr>
+            <a:picLocks noChangeAspect="1"/>
+          </p:cNvPicPr>
+          <p:nvPr/>
+        </p:nvPicPr>
+        <p:blipFill rotWithShape="1">
+          <a:blip r:embed="rId2">
+            <a:extLst>
+              <a:ext uri="{28A0092B-C50C-407E-A947-70E740481C1C}">
+                <a14:useLocalDpi xmlns:a14="http://schemas.microsoft.com/office/drawing/2010/main" val="0"/>
+              </a:ext>
+            </a:extLst>
+          </a:blip>
+          <a:srcRect l="7998" t="9571" r="8823" b="4879"/>
+          <a:stretch/>
+        </p:blipFill>
+        <p:spPr>
+          <a:xfrm>
+            <a:off x="9427888" y="2000564"/>
+            <a:ext cx="2769184" cy="1755436"/>
+          </a:xfrm>
+          <a:prstGeom prst="rect">
+            <a:avLst/>
+          </a:prstGeom>
+        </p:spPr>
+      </p:pic>
+      <p:pic>
+        <p:nvPicPr>
+          <p:cNvPr id="24" name="내용 개체 틀 23">
+            <a:extLst>
+              <a:ext uri="{FF2B5EF4-FFF2-40B4-BE49-F238E27FC236}">
+                <a16:creationId xmlns:a16="http://schemas.microsoft.com/office/drawing/2014/main" id="{AC15D9FA-62EC-F0EC-EB68-57C14E065EE1}"/>
+              </a:ext>
+            </a:extLst>
+          </p:cNvPr>
+          <p:cNvPicPr>
+            <a:picLocks noGrp="1" noChangeAspect="1"/>
+          </p:cNvPicPr>
           <p:nvPr>
             <p:ph idx="1"/>
           </p:nvPr>
-        </p:nvSpPr>
-        <p:spPr/>
-        <p:txBody>
-          <a:bodyPr>
-            <a:normAutofit fontScale="85000" lnSpcReduction="20000"/>
+        </p:nvPicPr>
+        <p:blipFill rotWithShape="1">
+          <a:blip r:embed="rId3">
+            <a:extLst>
+              <a:ext uri="{28A0092B-C50C-407E-A947-70E740481C1C}">
+                <a14:useLocalDpi xmlns:a14="http://schemas.microsoft.com/office/drawing/2010/main" val="0"/>
+              </a:ext>
+            </a:extLst>
+          </a:blip>
+          <a:srcRect l="7263" t="8725" r="8718" b="5694"/>
+          <a:stretch/>
+        </p:blipFill>
+        <p:spPr>
+          <a:xfrm>
+            <a:off x="9397401" y="308474"/>
+            <a:ext cx="2794599" cy="1793279"/>
+          </a:xfrm>
+        </p:spPr>
+      </p:pic>
+      <p:pic>
+        <p:nvPicPr>
+          <p:cNvPr id="30" name="그림 29">
+            <a:extLst>
+              <a:ext uri="{FF2B5EF4-FFF2-40B4-BE49-F238E27FC236}">
+                <a16:creationId xmlns:a16="http://schemas.microsoft.com/office/drawing/2014/main" id="{E14EC61D-397D-1BC4-5783-65BFC2113B17}"/>
+              </a:ext>
+            </a:extLst>
+          </p:cNvPr>
+          <p:cNvPicPr>
+            <a:picLocks noChangeAspect="1"/>
+          </p:cNvPicPr>
+          <p:nvPr/>
+        </p:nvPicPr>
+        <p:blipFill rotWithShape="1">
+          <a:blip r:embed="rId4">
+            <a:extLst>
+              <a:ext uri="{28A0092B-C50C-407E-A947-70E740481C1C}">
+                <a14:useLocalDpi xmlns:a14="http://schemas.microsoft.com/office/drawing/2010/main" val="0"/>
+              </a:ext>
+            </a:extLst>
+          </a:blip>
+          <a:srcRect l="3364" t="8186" r="7218"/>
+          <a:stretch/>
+        </p:blipFill>
+        <p:spPr>
+          <a:xfrm>
+            <a:off x="6428792" y="315169"/>
+            <a:ext cx="3141815" cy="1894444"/>
+          </a:xfrm>
+          <a:prstGeom prst="rect">
+            <a:avLst/>
+          </a:prstGeom>
+        </p:spPr>
+      </p:pic>
+      <p:sp>
+        <p:nvSpPr>
+          <p:cNvPr id="20" name="TextBox 19">
+            <a:extLst>
+              <a:ext uri="{FF2B5EF4-FFF2-40B4-BE49-F238E27FC236}">
+                <a16:creationId xmlns:a16="http://schemas.microsoft.com/office/drawing/2014/main" id="{8A410553-1381-F593-7D12-A1BDF89A934B}"/>
+              </a:ext>
+            </a:extLst>
+          </p:cNvPr>
+          <p:cNvSpPr txBox="1"/>
+          <p:nvPr/>
+        </p:nvSpPr>
+        <p:spPr>
+          <a:xfrm>
+            <a:off x="436342" y="881947"/>
+            <a:ext cx="2469843" cy="646331"/>
+          </a:xfrm>
+          <a:prstGeom prst="rect">
+            <a:avLst/>
+          </a:prstGeom>
+          <a:noFill/>
+        </p:spPr>
+        <p:txBody>
+          <a:bodyPr wrap="none" rtlCol="0">
+            <a:spAutoFit/>
           </a:bodyPr>
           <a:lstStyle/>
           <a:p>
             <a:r>
-              <a:rPr lang="en-US" altLang="ko-KR"/>
-              <a:t>linear kernel SVM</a:t>
-            </a:r>
-            <a:r>
-              <a:rPr lang="ko-KR" altLang="en-US"/>
-              <a:t>을 활용한 조현병 진단 모델은 </a:t>
-            </a:r>
-            <a:r>
-              <a:rPr lang="en-US" altLang="ko-KR"/>
-              <a:t>Balanced Accuracy : 0.809, Sensitivity : 0.699, specificity : 0.919 </a:t>
-            </a:r>
-            <a:r>
-              <a:rPr lang="ko-KR" altLang="en-US"/>
-              <a:t>의 성능</a:t>
-            </a:r>
-            <a:endParaRPr lang="en-US" altLang="ko-KR"/>
-          </a:p>
-          <a:p>
-            <a:endParaRPr lang="en-US" altLang="ko-KR"/>
-          </a:p>
-          <a:p>
-            <a:pPr marL="0" indent="0">
-              <a:buNone/>
-            </a:pPr>
-            <a:r>
-              <a:rPr lang="en-US" altLang="ko-KR"/>
-              <a:t>50 epoch</a:t>
-            </a:r>
-          </a:p>
-          <a:p>
-            <a:pPr marL="0" indent="0">
-              <a:buNone/>
-            </a:pPr>
-            <a:r>
-              <a:rPr lang="en-US" altLang="ko-KR"/>
-              <a:t>stratified 10 fold</a:t>
-            </a:r>
-          </a:p>
-          <a:p>
-            <a:pPr marL="0" indent="0">
-              <a:buNone/>
-            </a:pPr>
-            <a:r>
-              <a:rPr lang="en-US" altLang="ko-KR"/>
-              <a:t>Upsampling X</a:t>
-            </a:r>
-          </a:p>
-          <a:p>
-            <a:pPr marL="0" indent="0">
-              <a:buNone/>
-            </a:pPr>
-            <a:r>
-              <a:rPr lang="en-US" altLang="ko-KR"/>
-              <a:t>Optimizer : </a:t>
-            </a:r>
-            <a:r>
               <a:rPr lang="en-US" altLang="ko-KR">
-                <a:highlight>
-                  <a:srgbClr val="FFFF00"/>
-                </a:highlight>
-              </a:rPr>
-              <a:t>Adam</a:t>
-            </a:r>
-          </a:p>
-          <a:p>
-            <a:pPr marL="0" indent="0">
-              <a:buNone/>
-            </a:pPr>
-            <a:r>
-              <a:rPr lang="en-US" altLang="ko-KR"/>
-              <a:t>L2 regularization : 5e-4</a:t>
-            </a:r>
-          </a:p>
-          <a:p>
-            <a:pPr marL="0" indent="0">
-              <a:buNone/>
-            </a:pPr>
-            <a:r>
-              <a:rPr lang="en-US" altLang="ko-KR"/>
-              <a:t>Learning rate: 0.001</a:t>
-            </a:r>
-          </a:p>
-          <a:p>
-            <a:pPr marL="0" indent="0">
-              <a:buNone/>
-            </a:pPr>
-            <a:r>
-              <a:rPr lang="en-US" altLang="ko-KR"/>
-              <a:t>Loss :  log_softmax + NLL loss = ? : Class weight: (0.72,1.66)</a:t>
-            </a:r>
-          </a:p>
-          <a:p>
-            <a:pPr marL="0" indent="0">
-              <a:buNone/>
-            </a:pPr>
-            <a:r>
-              <a:rPr lang="en-US" altLang="ko-KR"/>
-              <a:t>Threshold : 0.5</a:t>
-            </a:r>
-          </a:p>
-          <a:p>
-            <a:pPr marL="0" indent="0">
-              <a:buNone/>
-            </a:pPr>
-            <a:endParaRPr lang="en-US" altLang="ko-KR"/>
-          </a:p>
-          <a:p>
-            <a:pPr marL="0" indent="0">
-              <a:buNone/>
-            </a:pPr>
-            <a:endParaRPr lang="en-US" altLang="ko-KR"/>
-          </a:p>
-          <a:p>
-            <a:pPr marL="0" indent="0">
-              <a:buNone/>
-            </a:pPr>
-            <a:endParaRPr lang="ko-KR" altLang="en-US"/>
+                <a:latin typeface="나눔스퀘어" panose="020B0600000101010101" pitchFamily="50" charset="-127"/>
+                <a:ea typeface="나눔스퀘어" panose="020B0600000101010101" pitchFamily="50" charset="-127"/>
+              </a:rPr>
+              <a:t>Upsampling X, </a:t>
+            </a:r>
+          </a:p>
+          <a:p>
+            <a:r>
+              <a:rPr lang="en-US" altLang="ko-KR">
+                <a:latin typeface="나눔스퀘어" panose="020B0600000101010101" pitchFamily="50" charset="-127"/>
+                <a:ea typeface="나눔스퀘어" panose="020B0600000101010101" pitchFamily="50" charset="-127"/>
+              </a:rPr>
+              <a:t>class weight [1.0, 1.0]</a:t>
+            </a:r>
+            <a:endParaRPr lang="ko-KR" altLang="en-US">
+              <a:latin typeface="나눔스퀘어" panose="020B0600000101010101" pitchFamily="50" charset="-127"/>
+              <a:ea typeface="나눔스퀘어" panose="020B0600000101010101" pitchFamily="50" charset="-127"/>
+            </a:endParaRPr>
+          </a:p>
+        </p:txBody>
+      </p:sp>
+      <p:pic>
+        <p:nvPicPr>
+          <p:cNvPr id="28" name="그림 27">
+            <a:extLst>
+              <a:ext uri="{FF2B5EF4-FFF2-40B4-BE49-F238E27FC236}">
+                <a16:creationId xmlns:a16="http://schemas.microsoft.com/office/drawing/2014/main" id="{E71ADADE-D0AE-9D70-E7B0-6B98C0420A84}"/>
+              </a:ext>
+            </a:extLst>
+          </p:cNvPr>
+          <p:cNvPicPr>
+            <a:picLocks noChangeAspect="1"/>
+          </p:cNvPicPr>
+          <p:nvPr/>
+        </p:nvPicPr>
+        <p:blipFill rotWithShape="1">
+          <a:blip r:embed="rId5">
+            <a:extLst>
+              <a:ext uri="{28A0092B-C50C-407E-A947-70E740481C1C}">
+                <a14:useLocalDpi xmlns:a14="http://schemas.microsoft.com/office/drawing/2010/main" val="0"/>
+              </a:ext>
+            </a:extLst>
+          </a:blip>
+          <a:srcRect l="3090" t="9888" r="8268"/>
+          <a:stretch/>
+        </p:blipFill>
+        <p:spPr>
+          <a:xfrm>
+            <a:off x="3376899" y="327395"/>
+            <a:ext cx="3341216" cy="1875607"/>
+          </a:xfrm>
+          <a:prstGeom prst="rect">
+            <a:avLst/>
+          </a:prstGeom>
+        </p:spPr>
+      </p:pic>
+      <p:sp>
+        <p:nvSpPr>
+          <p:cNvPr id="32" name="TextBox 31">
+            <a:extLst>
+              <a:ext uri="{FF2B5EF4-FFF2-40B4-BE49-F238E27FC236}">
+                <a16:creationId xmlns:a16="http://schemas.microsoft.com/office/drawing/2014/main" id="{E5D2717A-185B-BDC8-AADC-B59FBB5012B2}"/>
+              </a:ext>
+            </a:extLst>
+          </p:cNvPr>
+          <p:cNvSpPr txBox="1"/>
+          <p:nvPr/>
+        </p:nvSpPr>
+        <p:spPr>
+          <a:xfrm>
+            <a:off x="5011316" y="4552"/>
+            <a:ext cx="1084684" cy="369332"/>
+          </a:xfrm>
+          <a:prstGeom prst="rect">
+            <a:avLst/>
+          </a:prstGeom>
+          <a:noFill/>
+        </p:spPr>
+        <p:txBody>
+          <a:bodyPr wrap="square">
+            <a:spAutoFit/>
+          </a:bodyPr>
+          <a:lstStyle/>
+          <a:p>
+            <a:r>
+              <a:rPr lang="en-US" altLang="ko-KR">
+                <a:latin typeface="나눔스퀘어" panose="020B0600000101010101" pitchFamily="50" charset="-127"/>
+                <a:ea typeface="나눔스퀘어" panose="020B0600000101010101" pitchFamily="50" charset="-127"/>
+              </a:rPr>
+              <a:t>SEN</a:t>
+            </a:r>
+            <a:endParaRPr lang="ko-KR" altLang="en-US">
+              <a:latin typeface="나눔스퀘어" panose="020B0600000101010101" pitchFamily="50" charset="-127"/>
+              <a:ea typeface="나눔스퀘어" panose="020B0600000101010101" pitchFamily="50" charset="-127"/>
+            </a:endParaRPr>
+          </a:p>
+        </p:txBody>
+      </p:sp>
+      <p:sp>
+        <p:nvSpPr>
+          <p:cNvPr id="34" name="TextBox 33">
+            <a:extLst>
+              <a:ext uri="{FF2B5EF4-FFF2-40B4-BE49-F238E27FC236}">
+                <a16:creationId xmlns:a16="http://schemas.microsoft.com/office/drawing/2014/main" id="{28863417-B92E-74B1-953A-415FBABDDF98}"/>
+              </a:ext>
+            </a:extLst>
+          </p:cNvPr>
+          <p:cNvSpPr txBox="1"/>
+          <p:nvPr/>
+        </p:nvSpPr>
+        <p:spPr>
+          <a:xfrm>
+            <a:off x="436342" y="2445275"/>
+            <a:ext cx="2589244" cy="923330"/>
+          </a:xfrm>
+          <a:prstGeom prst="rect">
+            <a:avLst/>
+          </a:prstGeom>
+          <a:noFill/>
+        </p:spPr>
+        <p:txBody>
+          <a:bodyPr wrap="square">
+            <a:spAutoFit/>
+          </a:bodyPr>
+          <a:lstStyle/>
+          <a:p>
+            <a:r>
+              <a:rPr lang="en-US" altLang="ko-KR">
+                <a:latin typeface="나눔스퀘어" panose="020B0600000101010101" pitchFamily="50" charset="-127"/>
+                <a:ea typeface="나눔스퀘어" panose="020B0600000101010101" pitchFamily="50" charset="-127"/>
+              </a:rPr>
+              <a:t>Upsampling X, </a:t>
+            </a:r>
+          </a:p>
+          <a:p>
+            <a:r>
+              <a:rPr lang="en-US" altLang="ko-KR">
+                <a:latin typeface="나눔스퀘어" panose="020B0600000101010101" pitchFamily="50" charset="-127"/>
+                <a:ea typeface="나눔스퀘어" panose="020B0600000101010101" pitchFamily="50" charset="-127"/>
+              </a:rPr>
+              <a:t>class weight [0.72, 1.66]</a:t>
+            </a:r>
+            <a:endParaRPr lang="ko-KR" altLang="en-US">
+              <a:latin typeface="나눔스퀘어" panose="020B0600000101010101" pitchFamily="50" charset="-127"/>
+              <a:ea typeface="나눔스퀘어" panose="020B0600000101010101" pitchFamily="50" charset="-127"/>
+            </a:endParaRPr>
+          </a:p>
+        </p:txBody>
+      </p:sp>
+      <p:pic>
+        <p:nvPicPr>
+          <p:cNvPr id="37" name="그림 36">
+            <a:extLst>
+              <a:ext uri="{FF2B5EF4-FFF2-40B4-BE49-F238E27FC236}">
+                <a16:creationId xmlns:a16="http://schemas.microsoft.com/office/drawing/2014/main" id="{B8E91300-B8C6-20A9-BB2A-EA9477EB5298}"/>
+              </a:ext>
+            </a:extLst>
+          </p:cNvPr>
+          <p:cNvPicPr>
+            <a:picLocks noChangeAspect="1"/>
+          </p:cNvPicPr>
+          <p:nvPr/>
+        </p:nvPicPr>
+        <p:blipFill rotWithShape="1">
+          <a:blip r:embed="rId6">
+            <a:extLst>
+              <a:ext uri="{28A0092B-C50C-407E-A947-70E740481C1C}">
+                <a14:useLocalDpi xmlns:a14="http://schemas.microsoft.com/office/drawing/2010/main" val="0"/>
+              </a:ext>
+            </a:extLst>
+          </a:blip>
+          <a:srcRect l="3665" t="9793" r="8496"/>
+          <a:stretch/>
+        </p:blipFill>
+        <p:spPr>
+          <a:xfrm>
+            <a:off x="6527375" y="2000564"/>
+            <a:ext cx="3014769" cy="1855551"/>
+          </a:xfrm>
+          <a:prstGeom prst="rect">
+            <a:avLst/>
+          </a:prstGeom>
+        </p:spPr>
+      </p:pic>
+      <p:pic>
+        <p:nvPicPr>
+          <p:cNvPr id="36" name="그림 35">
+            <a:extLst>
+              <a:ext uri="{FF2B5EF4-FFF2-40B4-BE49-F238E27FC236}">
+                <a16:creationId xmlns:a16="http://schemas.microsoft.com/office/drawing/2014/main" id="{C4400163-902C-664E-A10E-63A74A70A15F}"/>
+              </a:ext>
+            </a:extLst>
+          </p:cNvPr>
+          <p:cNvPicPr>
+            <a:picLocks noChangeAspect="1"/>
+          </p:cNvPicPr>
+          <p:nvPr/>
+        </p:nvPicPr>
+        <p:blipFill rotWithShape="1">
+          <a:blip r:embed="rId7">
+            <a:extLst>
+              <a:ext uri="{28A0092B-C50C-407E-A947-70E740481C1C}">
+                <a14:useLocalDpi xmlns:a14="http://schemas.microsoft.com/office/drawing/2010/main" val="0"/>
+              </a:ext>
+            </a:extLst>
+          </a:blip>
+          <a:srcRect l="3965" t="9793" r="8195"/>
+          <a:stretch/>
+        </p:blipFill>
+        <p:spPr>
+          <a:xfrm>
+            <a:off x="3495741" y="1992604"/>
+            <a:ext cx="3327054" cy="1891260"/>
+          </a:xfrm>
+          <a:prstGeom prst="rect">
+            <a:avLst/>
+          </a:prstGeom>
+        </p:spPr>
+      </p:pic>
+      <p:sp>
+        <p:nvSpPr>
+          <p:cNvPr id="40" name="TextBox 39">
+            <a:extLst>
+              <a:ext uri="{FF2B5EF4-FFF2-40B4-BE49-F238E27FC236}">
+                <a16:creationId xmlns:a16="http://schemas.microsoft.com/office/drawing/2014/main" id="{39788DF1-308B-6460-934E-3CA7793070B7}"/>
+              </a:ext>
+            </a:extLst>
+          </p:cNvPr>
+          <p:cNvSpPr txBox="1"/>
+          <p:nvPr/>
+        </p:nvSpPr>
+        <p:spPr>
+          <a:xfrm>
+            <a:off x="7878921" y="-29942"/>
+            <a:ext cx="788437" cy="369332"/>
+          </a:xfrm>
+          <a:prstGeom prst="rect">
+            <a:avLst/>
+          </a:prstGeom>
+          <a:noFill/>
+        </p:spPr>
+        <p:txBody>
+          <a:bodyPr wrap="square">
+            <a:spAutoFit/>
+          </a:bodyPr>
+          <a:lstStyle/>
+          <a:p>
+            <a:r>
+              <a:rPr lang="en-US" altLang="ko-KR">
+                <a:latin typeface="나눔스퀘어" panose="020B0600000101010101" pitchFamily="50" charset="-127"/>
+                <a:ea typeface="나눔스퀘어" panose="020B0600000101010101" pitchFamily="50" charset="-127"/>
+              </a:rPr>
+              <a:t>SPE</a:t>
+            </a:r>
+            <a:endParaRPr lang="ko-KR" altLang="en-US">
+              <a:latin typeface="나눔스퀘어" panose="020B0600000101010101" pitchFamily="50" charset="-127"/>
+              <a:ea typeface="나눔스퀘어" panose="020B0600000101010101" pitchFamily="50" charset="-127"/>
+            </a:endParaRPr>
+          </a:p>
+        </p:txBody>
+      </p:sp>
+      <p:sp>
+        <p:nvSpPr>
+          <p:cNvPr id="42" name="TextBox 41">
+            <a:extLst>
+              <a:ext uri="{FF2B5EF4-FFF2-40B4-BE49-F238E27FC236}">
+                <a16:creationId xmlns:a16="http://schemas.microsoft.com/office/drawing/2014/main" id="{7882D39D-D20E-A909-759B-378F2484F147}"/>
+              </a:ext>
+            </a:extLst>
+          </p:cNvPr>
+          <p:cNvSpPr txBox="1"/>
+          <p:nvPr/>
+        </p:nvSpPr>
+        <p:spPr>
+          <a:xfrm>
+            <a:off x="10608746" y="4552"/>
+            <a:ext cx="657808" cy="369332"/>
+          </a:xfrm>
+          <a:prstGeom prst="rect">
+            <a:avLst/>
+          </a:prstGeom>
+          <a:noFill/>
+        </p:spPr>
+        <p:txBody>
+          <a:bodyPr wrap="square">
+            <a:spAutoFit/>
+          </a:bodyPr>
+          <a:lstStyle/>
+          <a:p>
+            <a:r>
+              <a:rPr lang="en-US" altLang="ko-KR">
+                <a:latin typeface="나눔스퀘어" panose="020B0600000101010101" pitchFamily="50" charset="-127"/>
+                <a:ea typeface="나눔스퀘어" panose="020B0600000101010101" pitchFamily="50" charset="-127"/>
+              </a:rPr>
+              <a:t>BAC</a:t>
+            </a:r>
+            <a:endParaRPr lang="ko-KR" altLang="en-US">
+              <a:latin typeface="나눔스퀘어" panose="020B0600000101010101" pitchFamily="50" charset="-127"/>
+              <a:ea typeface="나눔스퀘어" panose="020B0600000101010101" pitchFamily="50" charset="-127"/>
+            </a:endParaRPr>
+          </a:p>
+        </p:txBody>
+      </p:sp>
+      <p:pic>
+        <p:nvPicPr>
+          <p:cNvPr id="43" name="그림 42">
+            <a:extLst>
+              <a:ext uri="{FF2B5EF4-FFF2-40B4-BE49-F238E27FC236}">
+                <a16:creationId xmlns:a16="http://schemas.microsoft.com/office/drawing/2014/main" id="{E84ACC8D-6C4E-5EEC-CA0C-57335BD3225F}"/>
+              </a:ext>
+            </a:extLst>
+          </p:cNvPr>
+          <p:cNvPicPr>
+            <a:picLocks noChangeAspect="1"/>
+          </p:cNvPicPr>
+          <p:nvPr/>
+        </p:nvPicPr>
+        <p:blipFill rotWithShape="1">
+          <a:blip r:embed="rId8">
+            <a:extLst>
+              <a:ext uri="{28A0092B-C50C-407E-A947-70E740481C1C}">
+                <a14:useLocalDpi xmlns:a14="http://schemas.microsoft.com/office/drawing/2010/main" val="0"/>
+              </a:ext>
+            </a:extLst>
+          </a:blip>
+          <a:srcRect l="3306" t="8183" r="8776"/>
+          <a:stretch/>
+        </p:blipFill>
+        <p:spPr>
+          <a:xfrm>
+            <a:off x="9265299" y="3621732"/>
+            <a:ext cx="2926702" cy="1836833"/>
+          </a:xfrm>
+          <a:prstGeom prst="rect">
+            <a:avLst/>
+          </a:prstGeom>
+        </p:spPr>
+      </p:pic>
+      <p:pic>
+        <p:nvPicPr>
+          <p:cNvPr id="45" name="그림 44">
+            <a:extLst>
+              <a:ext uri="{FF2B5EF4-FFF2-40B4-BE49-F238E27FC236}">
+                <a16:creationId xmlns:a16="http://schemas.microsoft.com/office/drawing/2014/main" id="{719F1DF7-758E-4770-6284-E7D19FFFDA2C}"/>
+              </a:ext>
+            </a:extLst>
+          </p:cNvPr>
+          <p:cNvPicPr>
+            <a:picLocks noChangeAspect="1"/>
+          </p:cNvPicPr>
+          <p:nvPr/>
+        </p:nvPicPr>
+        <p:blipFill rotWithShape="1">
+          <a:blip r:embed="rId9">
+            <a:extLst>
+              <a:ext uri="{28A0092B-C50C-407E-A947-70E740481C1C}">
+                <a14:useLocalDpi xmlns:a14="http://schemas.microsoft.com/office/drawing/2010/main" val="0"/>
+              </a:ext>
+            </a:extLst>
+          </a:blip>
+          <a:srcRect l="3436" t="10100" r="8566"/>
+          <a:stretch/>
+        </p:blipFill>
+        <p:spPr>
+          <a:xfrm>
+            <a:off x="6564468" y="3629477"/>
+            <a:ext cx="3014769" cy="1887812"/>
+          </a:xfrm>
+          <a:prstGeom prst="rect">
+            <a:avLst/>
+          </a:prstGeom>
+        </p:spPr>
+      </p:pic>
+      <p:pic>
+        <p:nvPicPr>
+          <p:cNvPr id="46" name="그림 45">
+            <a:extLst>
+              <a:ext uri="{FF2B5EF4-FFF2-40B4-BE49-F238E27FC236}">
+                <a16:creationId xmlns:a16="http://schemas.microsoft.com/office/drawing/2014/main" id="{0A779A89-32BF-074B-0FE2-D69553728035}"/>
+              </a:ext>
+            </a:extLst>
+          </p:cNvPr>
+          <p:cNvPicPr>
+            <a:picLocks noChangeAspect="1"/>
+          </p:cNvPicPr>
+          <p:nvPr/>
+        </p:nvPicPr>
+        <p:blipFill rotWithShape="1">
+          <a:blip r:embed="rId10">
+            <a:extLst>
+              <a:ext uri="{28A0092B-C50C-407E-A947-70E740481C1C}">
+                <a14:useLocalDpi xmlns:a14="http://schemas.microsoft.com/office/drawing/2010/main" val="0"/>
+              </a:ext>
+            </a:extLst>
+          </a:blip>
+          <a:srcRect l="6956" t="10865" r="8429" b="3277"/>
+          <a:stretch/>
+        </p:blipFill>
+        <p:spPr>
+          <a:xfrm>
+            <a:off x="9427888" y="5243407"/>
+            <a:ext cx="2764112" cy="1735137"/>
+          </a:xfrm>
+          <a:prstGeom prst="rect">
+            <a:avLst/>
+          </a:prstGeom>
+        </p:spPr>
+      </p:pic>
+      <p:pic>
+        <p:nvPicPr>
+          <p:cNvPr id="48" name="그림 47">
+            <a:extLst>
+              <a:ext uri="{FF2B5EF4-FFF2-40B4-BE49-F238E27FC236}">
+                <a16:creationId xmlns:a16="http://schemas.microsoft.com/office/drawing/2014/main" id="{74B8717C-DA39-B430-77C8-382C11F019A9}"/>
+              </a:ext>
+            </a:extLst>
+          </p:cNvPr>
+          <p:cNvPicPr>
+            <a:picLocks noChangeAspect="1"/>
+          </p:cNvPicPr>
+          <p:nvPr/>
+        </p:nvPicPr>
+        <p:blipFill rotWithShape="1">
+          <a:blip r:embed="rId11">
+            <a:extLst>
+              <a:ext uri="{28A0092B-C50C-407E-A947-70E740481C1C}">
+                <a14:useLocalDpi xmlns:a14="http://schemas.microsoft.com/office/drawing/2010/main" val="0"/>
+              </a:ext>
+            </a:extLst>
+          </a:blip>
+          <a:srcRect l="11285" t="10043" r="8454" b="9178"/>
+          <a:stretch/>
+        </p:blipFill>
+        <p:spPr>
+          <a:xfrm>
+            <a:off x="6876660" y="5275979"/>
+            <a:ext cx="2665483" cy="1606641"/>
+          </a:xfrm>
+          <a:prstGeom prst="rect">
+            <a:avLst/>
+          </a:prstGeom>
+        </p:spPr>
+      </p:pic>
+      <p:pic>
+        <p:nvPicPr>
+          <p:cNvPr id="44" name="그림 43">
+            <a:extLst>
+              <a:ext uri="{FF2B5EF4-FFF2-40B4-BE49-F238E27FC236}">
+                <a16:creationId xmlns:a16="http://schemas.microsoft.com/office/drawing/2014/main" id="{66F5BE7F-71DB-C24C-9F5A-49198DC674F2}"/>
+              </a:ext>
+            </a:extLst>
+          </p:cNvPr>
+          <p:cNvPicPr>
+            <a:picLocks noChangeAspect="1"/>
+          </p:cNvPicPr>
+          <p:nvPr/>
+        </p:nvPicPr>
+        <p:blipFill rotWithShape="1">
+          <a:blip r:embed="rId12">
+            <a:extLst>
+              <a:ext uri="{28A0092B-C50C-407E-A947-70E740481C1C}">
+                <a14:useLocalDpi xmlns:a14="http://schemas.microsoft.com/office/drawing/2010/main" val="0"/>
+              </a:ext>
+            </a:extLst>
+          </a:blip>
+          <a:srcRect l="4138" t="8985" r="8664" b="688"/>
+          <a:stretch/>
+        </p:blipFill>
+        <p:spPr>
+          <a:xfrm>
+            <a:off x="3600562" y="3629476"/>
+            <a:ext cx="3257552" cy="1924399"/>
+          </a:xfrm>
+          <a:prstGeom prst="rect">
+            <a:avLst/>
+          </a:prstGeom>
+        </p:spPr>
+      </p:pic>
+      <p:pic>
+        <p:nvPicPr>
+          <p:cNvPr id="47" name="그림 46">
+            <a:extLst>
+              <a:ext uri="{FF2B5EF4-FFF2-40B4-BE49-F238E27FC236}">
+                <a16:creationId xmlns:a16="http://schemas.microsoft.com/office/drawing/2014/main" id="{D3D57CE3-5F4A-54BF-C253-82782B8468C5}"/>
+              </a:ext>
+            </a:extLst>
+          </p:cNvPr>
+          <p:cNvPicPr>
+            <a:picLocks noChangeAspect="1"/>
+          </p:cNvPicPr>
+          <p:nvPr/>
+        </p:nvPicPr>
+        <p:blipFill rotWithShape="1">
+          <a:blip r:embed="rId13">
+            <a:extLst>
+              <a:ext uri="{28A0092B-C50C-407E-A947-70E740481C1C}">
+                <a14:useLocalDpi xmlns:a14="http://schemas.microsoft.com/office/drawing/2010/main" val="0"/>
+              </a:ext>
+            </a:extLst>
+          </a:blip>
+          <a:srcRect l="3733" t="9305" r="8769"/>
+          <a:stretch/>
+        </p:blipFill>
+        <p:spPr>
+          <a:xfrm>
+            <a:off x="3639333" y="5275979"/>
+            <a:ext cx="3218781" cy="1735137"/>
+          </a:xfrm>
+          <a:prstGeom prst="rect">
+            <a:avLst/>
+          </a:prstGeom>
+        </p:spPr>
+      </p:pic>
+      <p:sp>
+        <p:nvSpPr>
+          <p:cNvPr id="49" name="TextBox 48">
+            <a:extLst>
+              <a:ext uri="{FF2B5EF4-FFF2-40B4-BE49-F238E27FC236}">
+                <a16:creationId xmlns:a16="http://schemas.microsoft.com/office/drawing/2014/main" id="{D85E3026-FD05-36CD-9FE5-644F63BB04ED}"/>
+              </a:ext>
+            </a:extLst>
+          </p:cNvPr>
+          <p:cNvSpPr txBox="1"/>
+          <p:nvPr/>
+        </p:nvSpPr>
+        <p:spPr>
+          <a:xfrm>
+            <a:off x="560750" y="4008603"/>
+            <a:ext cx="2589244" cy="646331"/>
+          </a:xfrm>
+          <a:prstGeom prst="rect">
+            <a:avLst/>
+          </a:prstGeom>
+          <a:noFill/>
+        </p:spPr>
+        <p:txBody>
+          <a:bodyPr wrap="square">
+            <a:spAutoFit/>
+          </a:bodyPr>
+          <a:lstStyle/>
+          <a:p>
+            <a:r>
+              <a:rPr lang="en-US" altLang="ko-KR">
+                <a:latin typeface="나눔스퀘어" panose="020B0600000101010101" pitchFamily="50" charset="-127"/>
+                <a:ea typeface="나눔스퀘어" panose="020B0600000101010101" pitchFamily="50" charset="-127"/>
+              </a:rPr>
+              <a:t>Upsampling O, </a:t>
+            </a:r>
+          </a:p>
+          <a:p>
+            <a:r>
+              <a:rPr lang="en-US" altLang="ko-KR">
+                <a:latin typeface="나눔스퀘어" panose="020B0600000101010101" pitchFamily="50" charset="-127"/>
+                <a:ea typeface="나눔스퀘어" panose="020B0600000101010101" pitchFamily="50" charset="-127"/>
+              </a:rPr>
+              <a:t>class weight [1.0, 1.0]</a:t>
+            </a:r>
+            <a:endParaRPr lang="ko-KR" altLang="en-US">
+              <a:latin typeface="나눔스퀘어" panose="020B0600000101010101" pitchFamily="50" charset="-127"/>
+              <a:ea typeface="나눔스퀘어" panose="020B0600000101010101" pitchFamily="50" charset="-127"/>
+            </a:endParaRPr>
+          </a:p>
+        </p:txBody>
+      </p:sp>
+      <p:sp>
+        <p:nvSpPr>
+          <p:cNvPr id="50" name="TextBox 49">
+            <a:extLst>
+              <a:ext uri="{FF2B5EF4-FFF2-40B4-BE49-F238E27FC236}">
+                <a16:creationId xmlns:a16="http://schemas.microsoft.com/office/drawing/2014/main" id="{46F2C369-7915-2EAA-A732-92E40C06A510}"/>
+              </a:ext>
+            </a:extLst>
+          </p:cNvPr>
+          <p:cNvSpPr txBox="1"/>
+          <p:nvPr/>
+        </p:nvSpPr>
+        <p:spPr>
+          <a:xfrm>
+            <a:off x="560750" y="5464644"/>
+            <a:ext cx="2589244" cy="923330"/>
+          </a:xfrm>
+          <a:prstGeom prst="rect">
+            <a:avLst/>
+          </a:prstGeom>
+          <a:noFill/>
+        </p:spPr>
+        <p:txBody>
+          <a:bodyPr wrap="square">
+            <a:spAutoFit/>
+          </a:bodyPr>
+          <a:lstStyle/>
+          <a:p>
+            <a:r>
+              <a:rPr lang="en-US" altLang="ko-KR">
+                <a:latin typeface="나눔스퀘어" panose="020B0600000101010101" pitchFamily="50" charset="-127"/>
+                <a:ea typeface="나눔스퀘어" panose="020B0600000101010101" pitchFamily="50" charset="-127"/>
+              </a:rPr>
+              <a:t>Upsampling O, </a:t>
+            </a:r>
+          </a:p>
+          <a:p>
+            <a:r>
+              <a:rPr lang="en-US" altLang="ko-KR">
+                <a:latin typeface="나눔스퀘어" panose="020B0600000101010101" pitchFamily="50" charset="-127"/>
+                <a:ea typeface="나눔스퀘어" panose="020B0600000101010101" pitchFamily="50" charset="-127"/>
+              </a:rPr>
+              <a:t>class weight [0.72, 1.66]</a:t>
+            </a:r>
+            <a:endParaRPr lang="ko-KR" altLang="en-US">
+              <a:latin typeface="나눔스퀘어" panose="020B0600000101010101" pitchFamily="50" charset="-127"/>
+              <a:ea typeface="나눔스퀘어" panose="020B0600000101010101" pitchFamily="50" charset="-127"/>
+            </a:endParaRPr>
           </a:p>
         </p:txBody>
       </p:sp>
     </p:spTree>
     <p:extLst>
       <p:ext uri="{BB962C8B-B14F-4D97-AF65-F5344CB8AC3E}">
-        <p14:creationId xmlns:p14="http://schemas.microsoft.com/office/powerpoint/2010/main" val="1370428427"/>
+        <p14:creationId xmlns:p14="http://schemas.microsoft.com/office/powerpoint/2010/main" val="592447873"/>
       </p:ext>
     </p:extLst>
   </p:cSld>
@@ -3884,696 +4448,222 @@
           <a:chExt cx="0" cy="0"/>
         </a:xfrm>
       </p:grpSpPr>
-      <p:pic>
-        <p:nvPicPr>
-          <p:cNvPr id="35" name="내용 개체 틀 4">
-            <a:extLst>
-              <a:ext uri="{FF2B5EF4-FFF2-40B4-BE49-F238E27FC236}">
-                <a16:creationId xmlns:a16="http://schemas.microsoft.com/office/drawing/2014/main" id="{6A1232E6-8CCC-E5ED-BC6A-C9334EDCF8EB}"/>
-              </a:ext>
-            </a:extLst>
-          </p:cNvPr>
-          <p:cNvPicPr>
-            <a:picLocks noChangeAspect="1"/>
-          </p:cNvPicPr>
-          <p:nvPr/>
-        </p:nvPicPr>
-        <p:blipFill rotWithShape="1">
-          <a:blip r:embed="rId2">
-            <a:extLst>
-              <a:ext uri="{28A0092B-C50C-407E-A947-70E740481C1C}">
-                <a14:useLocalDpi xmlns:a14="http://schemas.microsoft.com/office/drawing/2010/main" val="0"/>
-              </a:ext>
-            </a:extLst>
-          </a:blip>
-          <a:srcRect l="7998" t="9571" r="8823" b="4879"/>
-          <a:stretch/>
-        </p:blipFill>
-        <p:spPr>
-          <a:xfrm>
-            <a:off x="9427888" y="2000564"/>
-            <a:ext cx="2769184" cy="1755436"/>
-          </a:xfrm>
-          <a:prstGeom prst="rect">
-            <a:avLst/>
-          </a:prstGeom>
-        </p:spPr>
-      </p:pic>
-      <p:pic>
-        <p:nvPicPr>
-          <p:cNvPr id="24" name="내용 개체 틀 23">
-            <a:extLst>
-              <a:ext uri="{FF2B5EF4-FFF2-40B4-BE49-F238E27FC236}">
-                <a16:creationId xmlns:a16="http://schemas.microsoft.com/office/drawing/2014/main" id="{AC15D9FA-62EC-F0EC-EB68-57C14E065EE1}"/>
-              </a:ext>
-            </a:extLst>
-          </p:cNvPr>
-          <p:cNvPicPr>
-            <a:picLocks noGrp="1" noChangeAspect="1"/>
-          </p:cNvPicPr>
+      <p:sp>
+        <p:nvSpPr>
+          <p:cNvPr id="2" name="제목 1">
+            <a:extLst>
+              <a:ext uri="{FF2B5EF4-FFF2-40B4-BE49-F238E27FC236}">
+                <a16:creationId xmlns:a16="http://schemas.microsoft.com/office/drawing/2014/main" id="{F8D20DC4-6421-8907-AEE5-073A06386B19}"/>
+              </a:ext>
+            </a:extLst>
+          </p:cNvPr>
+          <p:cNvSpPr>
+            <a:spLocks noGrp="1"/>
+          </p:cNvSpPr>
+          <p:nvPr>
+            <p:ph type="title"/>
+          </p:nvPr>
+        </p:nvSpPr>
+        <p:spPr/>
+        <p:txBody>
+          <a:bodyPr/>
+          <a:lstStyle/>
+          <a:p>
+            <a:r>
+              <a:rPr lang="en-US" altLang="ko-KR"/>
+              <a:t>Combat Harmonization</a:t>
+            </a:r>
+            <a:endParaRPr lang="ko-KR" altLang="en-US"/>
+          </a:p>
+        </p:txBody>
+      </p:sp>
+      <p:sp>
+        <p:nvSpPr>
+          <p:cNvPr id="3" name="내용 개체 틀 2">
+            <a:extLst>
+              <a:ext uri="{FF2B5EF4-FFF2-40B4-BE49-F238E27FC236}">
+                <a16:creationId xmlns:a16="http://schemas.microsoft.com/office/drawing/2014/main" id="{43B2EB58-DFD8-4A20-AB57-EA84634D9850}"/>
+              </a:ext>
+            </a:extLst>
+          </p:cNvPr>
+          <p:cNvSpPr>
+            <a:spLocks noGrp="1"/>
+          </p:cNvSpPr>
           <p:nvPr>
             <p:ph idx="1"/>
           </p:nvPr>
-        </p:nvPicPr>
-        <p:blipFill rotWithShape="1">
-          <a:blip r:embed="rId3">
-            <a:extLst>
-              <a:ext uri="{28A0092B-C50C-407E-A947-70E740481C1C}">
-                <a14:useLocalDpi xmlns:a14="http://schemas.microsoft.com/office/drawing/2010/main" val="0"/>
-              </a:ext>
-            </a:extLst>
-          </a:blip>
-          <a:srcRect l="7263" t="8725" r="8718" b="5694"/>
-          <a:stretch/>
-        </p:blipFill>
-        <p:spPr>
-          <a:xfrm>
-            <a:off x="9397401" y="308474"/>
-            <a:ext cx="2794599" cy="1793279"/>
-          </a:xfrm>
-        </p:spPr>
-      </p:pic>
-      <p:pic>
-        <p:nvPicPr>
-          <p:cNvPr id="30" name="그림 29">
-            <a:extLst>
-              <a:ext uri="{FF2B5EF4-FFF2-40B4-BE49-F238E27FC236}">
-                <a16:creationId xmlns:a16="http://schemas.microsoft.com/office/drawing/2014/main" id="{E14EC61D-397D-1BC4-5783-65BFC2113B17}"/>
-              </a:ext>
-            </a:extLst>
-          </p:cNvPr>
-          <p:cNvPicPr>
-            <a:picLocks noChangeAspect="1"/>
-          </p:cNvPicPr>
-          <p:nvPr/>
-        </p:nvPicPr>
-        <p:blipFill rotWithShape="1">
-          <a:blip r:embed="rId4">
-            <a:extLst>
-              <a:ext uri="{28A0092B-C50C-407E-A947-70E740481C1C}">
-                <a14:useLocalDpi xmlns:a14="http://schemas.microsoft.com/office/drawing/2010/main" val="0"/>
-              </a:ext>
-            </a:extLst>
-          </a:blip>
-          <a:srcRect l="3364" t="8186" r="7218"/>
-          <a:stretch/>
-        </p:blipFill>
-        <p:spPr>
-          <a:xfrm>
-            <a:off x="6428792" y="315169"/>
-            <a:ext cx="3141815" cy="1894444"/>
-          </a:xfrm>
-          <a:prstGeom prst="rect">
-            <a:avLst/>
-          </a:prstGeom>
-        </p:spPr>
-      </p:pic>
-      <p:sp>
-        <p:nvSpPr>
-          <p:cNvPr id="20" name="TextBox 19">
-            <a:extLst>
-              <a:ext uri="{FF2B5EF4-FFF2-40B4-BE49-F238E27FC236}">
-                <a16:creationId xmlns:a16="http://schemas.microsoft.com/office/drawing/2014/main" id="{8A410553-1381-F593-7D12-A1BDF89A934B}"/>
-              </a:ext>
-            </a:extLst>
-          </p:cNvPr>
-          <p:cNvSpPr txBox="1"/>
-          <p:nvPr/>
-        </p:nvSpPr>
-        <p:spPr>
-          <a:xfrm>
-            <a:off x="436342" y="881947"/>
-            <a:ext cx="2416431" cy="646331"/>
-          </a:xfrm>
-          <a:prstGeom prst="rect">
-            <a:avLst/>
-          </a:prstGeom>
-          <a:noFill/>
-        </p:spPr>
-        <p:txBody>
-          <a:bodyPr wrap="none" rtlCol="0">
-            <a:spAutoFit/>
-          </a:bodyPr>
-          <a:lstStyle/>
+        </p:nvSpPr>
+        <p:spPr/>
+        <p:txBody>
+          <a:bodyPr/>
+          <a:lstStyle/>
+          <a:p>
+            <a:r>
+              <a:rPr lang="en-US" altLang="ko-KR">
+                <a:latin typeface="나눔스퀘어" panose="020B0600000101010101" pitchFamily="50" charset="-127"/>
+                <a:ea typeface="나눔스퀘어" panose="020B0600000101010101" pitchFamily="50" charset="-127"/>
+              </a:rPr>
+              <a:t>Training set</a:t>
+            </a:r>
+            <a:r>
+              <a:rPr lang="ko-KR" altLang="en-US">
+                <a:latin typeface="나눔스퀘어" panose="020B0600000101010101" pitchFamily="50" charset="-127"/>
+                <a:ea typeface="나눔스퀘어" panose="020B0600000101010101" pitchFamily="50" charset="-127"/>
+              </a:rPr>
+              <a:t>에만 독립적으로 </a:t>
+            </a:r>
+            <a:r>
+              <a:rPr lang="en-US" altLang="ko-KR">
+                <a:latin typeface="나눔스퀘어" panose="020B0600000101010101" pitchFamily="50" charset="-127"/>
+                <a:ea typeface="나눔스퀘어" panose="020B0600000101010101" pitchFamily="50" charset="-127"/>
+              </a:rPr>
+              <a:t>combat</a:t>
+            </a:r>
+            <a:r>
+              <a:rPr lang="ko-KR" altLang="en-US">
+                <a:latin typeface="나눔스퀘어" panose="020B0600000101010101" pitchFamily="50" charset="-127"/>
+                <a:ea typeface="나눔스퀘어" panose="020B0600000101010101" pitchFamily="50" charset="-127"/>
+              </a:rPr>
+              <a:t> </a:t>
+            </a:r>
+            <a:r>
+              <a:rPr lang="en-US" altLang="ko-KR">
+                <a:latin typeface="나눔스퀘어" panose="020B0600000101010101" pitchFamily="50" charset="-127"/>
+                <a:ea typeface="나눔스퀘어" panose="020B0600000101010101" pitchFamily="50" charset="-127"/>
+              </a:rPr>
+              <a:t>model</a:t>
+            </a:r>
+            <a:r>
+              <a:rPr lang="ko-KR" altLang="en-US">
+                <a:latin typeface="나눔스퀘어" panose="020B0600000101010101" pitchFamily="50" charset="-127"/>
+                <a:ea typeface="나눔스퀘어" panose="020B0600000101010101" pitchFamily="50" charset="-127"/>
+              </a:rPr>
+              <a:t>을 학습해서 </a:t>
+            </a:r>
+            <a:r>
+              <a:rPr lang="en-US" altLang="ko-KR">
+                <a:latin typeface="나눔스퀘어" panose="020B0600000101010101" pitchFamily="50" charset="-127"/>
+                <a:ea typeface="나눔스퀘어" panose="020B0600000101010101" pitchFamily="50" charset="-127"/>
+              </a:rPr>
+              <a:t>connectivity matrix</a:t>
+            </a:r>
+            <a:r>
+              <a:rPr lang="ko-KR" altLang="en-US">
+                <a:latin typeface="나눔스퀘어" panose="020B0600000101010101" pitchFamily="50" charset="-127"/>
+                <a:ea typeface="나눔스퀘어" panose="020B0600000101010101" pitchFamily="50" charset="-127"/>
+              </a:rPr>
+              <a:t>를 변경 후 이에 따라 </a:t>
+            </a:r>
+            <a:r>
+              <a:rPr lang="en-US" altLang="ko-KR">
+                <a:latin typeface="나눔스퀘어" panose="020B0600000101010101" pitchFamily="50" charset="-127"/>
+                <a:ea typeface="나눔스퀘어" panose="020B0600000101010101" pitchFamily="50" charset="-127"/>
+              </a:rPr>
+              <a:t>x, edge_index, edge_attr</a:t>
+            </a:r>
+            <a:r>
+              <a:rPr lang="ko-KR" altLang="en-US">
+                <a:latin typeface="나눔스퀘어" panose="020B0600000101010101" pitchFamily="50" charset="-127"/>
+                <a:ea typeface="나눔스퀘어" panose="020B0600000101010101" pitchFamily="50" charset="-127"/>
+              </a:rPr>
+              <a:t>를 다시 계산</a:t>
+            </a:r>
+            <a:r>
+              <a:rPr lang="en-US" altLang="ko-KR">
+                <a:latin typeface="나눔스퀘어" panose="020B0600000101010101" pitchFamily="50" charset="-127"/>
+                <a:ea typeface="나눔스퀘어" panose="020B0600000101010101" pitchFamily="50" charset="-127"/>
+              </a:rPr>
+              <a:t>. </a:t>
+            </a:r>
+            <a:r>
+              <a:rPr lang="ko-KR" altLang="en-US">
+                <a:latin typeface="나눔스퀘어" panose="020B0600000101010101" pitchFamily="50" charset="-127"/>
+                <a:ea typeface="나눔스퀘어" panose="020B0600000101010101" pitchFamily="50" charset="-127"/>
+              </a:rPr>
+              <a:t>이후</a:t>
+            </a:r>
+            <a:r>
+              <a:rPr lang="en-US" altLang="ko-KR">
+                <a:latin typeface="나눔스퀘어" panose="020B0600000101010101" pitchFamily="50" charset="-127"/>
+                <a:ea typeface="나눔스퀘어" panose="020B0600000101010101" pitchFamily="50" charset="-127"/>
+              </a:rPr>
+              <a:t> GCN model</a:t>
+            </a:r>
+            <a:r>
+              <a:rPr lang="ko-KR" altLang="en-US">
+                <a:latin typeface="나눔스퀘어" panose="020B0600000101010101" pitchFamily="50" charset="-127"/>
+                <a:ea typeface="나눔스퀘어" panose="020B0600000101010101" pitchFamily="50" charset="-127"/>
+              </a:rPr>
+              <a:t>이 학습</a:t>
+            </a:r>
+            <a:endParaRPr lang="en-US" altLang="ko-KR">
+              <a:latin typeface="나눔스퀘어" panose="020B0600000101010101" pitchFamily="50" charset="-127"/>
+              <a:ea typeface="나눔스퀘어" panose="020B0600000101010101" pitchFamily="50" charset="-127"/>
+            </a:endParaRPr>
+          </a:p>
+          <a:p>
+            <a:endParaRPr lang="en-US" altLang="ko-KR"/>
+          </a:p>
           <a:p>
             <a:r>
               <a:rPr lang="en-US" altLang="ko-KR"/>
-              <a:t>Upsampling X, </a:t>
-            </a:r>
-          </a:p>
-          <a:p>
+              <a:t>Validation, test set</a:t>
+            </a:r>
+            <a:r>
+              <a:rPr lang="ko-KR" altLang="en-US"/>
+              <a:t>에는</a:t>
+            </a:r>
             <a:r>
               <a:rPr lang="en-US" altLang="ko-KR"/>
-              <a:t>class weight [1.0, 1.0]</a:t>
-            </a:r>
-            <a:endParaRPr lang="ko-KR" altLang="en-US"/>
-          </a:p>
-        </p:txBody>
-      </p:sp>
-      <p:pic>
-        <p:nvPicPr>
-          <p:cNvPr id="28" name="그림 27">
-            <a:extLst>
-              <a:ext uri="{FF2B5EF4-FFF2-40B4-BE49-F238E27FC236}">
-                <a16:creationId xmlns:a16="http://schemas.microsoft.com/office/drawing/2014/main" id="{E71ADADE-D0AE-9D70-E7B0-6B98C0420A84}"/>
-              </a:ext>
-            </a:extLst>
-          </p:cNvPr>
-          <p:cNvPicPr>
-            <a:picLocks noChangeAspect="1"/>
-          </p:cNvPicPr>
-          <p:nvPr/>
-        </p:nvPicPr>
-        <p:blipFill rotWithShape="1">
-          <a:blip r:embed="rId5">
-            <a:extLst>
-              <a:ext uri="{28A0092B-C50C-407E-A947-70E740481C1C}">
-                <a14:useLocalDpi xmlns:a14="http://schemas.microsoft.com/office/drawing/2010/main" val="0"/>
-              </a:ext>
-            </a:extLst>
-          </a:blip>
-          <a:srcRect l="3090" t="9888" r="8268"/>
-          <a:stretch/>
-        </p:blipFill>
-        <p:spPr>
-          <a:xfrm>
-            <a:off x="3376899" y="327395"/>
-            <a:ext cx="3341216" cy="1875607"/>
-          </a:xfrm>
-          <a:prstGeom prst="rect">
-            <a:avLst/>
-          </a:prstGeom>
-        </p:spPr>
-      </p:pic>
-      <p:sp>
-        <p:nvSpPr>
-          <p:cNvPr id="32" name="TextBox 31">
-            <a:extLst>
-              <a:ext uri="{FF2B5EF4-FFF2-40B4-BE49-F238E27FC236}">
-                <a16:creationId xmlns:a16="http://schemas.microsoft.com/office/drawing/2014/main" id="{E5D2717A-185B-BDC8-AADC-B59FBB5012B2}"/>
-              </a:ext>
-            </a:extLst>
-          </p:cNvPr>
-          <p:cNvSpPr txBox="1"/>
-          <p:nvPr/>
-        </p:nvSpPr>
-        <p:spPr>
-          <a:xfrm>
-            <a:off x="5011316" y="4552"/>
-            <a:ext cx="1084684" cy="369332"/>
-          </a:xfrm>
-          <a:prstGeom prst="rect">
-            <a:avLst/>
-          </a:prstGeom>
-          <a:noFill/>
-        </p:spPr>
-        <p:txBody>
-          <a:bodyPr wrap="square">
-            <a:spAutoFit/>
-          </a:bodyPr>
-          <a:lstStyle/>
-          <a:p>
+              <a:t> </a:t>
+            </a:r>
+            <a:r>
+              <a:rPr lang="ko-KR" altLang="en-US"/>
+              <a:t>학습한 </a:t>
+            </a:r>
             <a:r>
               <a:rPr lang="en-US" altLang="ko-KR"/>
-              <a:t>SEN</a:t>
-            </a:r>
-            <a:endParaRPr lang="ko-KR" altLang="en-US"/>
-          </a:p>
-        </p:txBody>
-      </p:sp>
-      <p:sp>
-        <p:nvSpPr>
-          <p:cNvPr id="34" name="TextBox 33">
-            <a:extLst>
-              <a:ext uri="{FF2B5EF4-FFF2-40B4-BE49-F238E27FC236}">
-                <a16:creationId xmlns:a16="http://schemas.microsoft.com/office/drawing/2014/main" id="{28863417-B92E-74B1-953A-415FBABDDF98}"/>
-              </a:ext>
-            </a:extLst>
-          </p:cNvPr>
-          <p:cNvSpPr txBox="1"/>
-          <p:nvPr/>
-        </p:nvSpPr>
-        <p:spPr>
-          <a:xfrm>
-            <a:off x="436342" y="2445275"/>
-            <a:ext cx="2589244" cy="646331"/>
-          </a:xfrm>
-          <a:prstGeom prst="rect">
-            <a:avLst/>
-          </a:prstGeom>
-          <a:noFill/>
-        </p:spPr>
-        <p:txBody>
-          <a:bodyPr wrap="square">
-            <a:spAutoFit/>
-          </a:bodyPr>
-          <a:lstStyle/>
-          <a:p>
+              <a:t>combat model</a:t>
+            </a:r>
+            <a:r>
+              <a:rPr lang="ko-KR" altLang="en-US"/>
+              <a:t>로 </a:t>
+            </a:r>
             <a:r>
               <a:rPr lang="en-US" altLang="ko-KR"/>
-              <a:t>Upsampling X, </a:t>
-            </a:r>
-          </a:p>
-          <a:p>
+              <a:t>connectivity matri</a:t>
+            </a:r>
+            <a:r>
+              <a:rPr lang="ko-KR" altLang="en-US"/>
+              <a:t>를 변경이에 따라 </a:t>
+            </a:r>
             <a:r>
               <a:rPr lang="en-US" altLang="ko-KR"/>
-              <a:t>class weight [0.72, 1.66]</a:t>
-            </a:r>
-            <a:endParaRPr lang="ko-KR" altLang="en-US"/>
-          </a:p>
-        </p:txBody>
-      </p:sp>
-      <p:pic>
-        <p:nvPicPr>
-          <p:cNvPr id="37" name="그림 36">
-            <a:extLst>
-              <a:ext uri="{FF2B5EF4-FFF2-40B4-BE49-F238E27FC236}">
-                <a16:creationId xmlns:a16="http://schemas.microsoft.com/office/drawing/2014/main" id="{B8E91300-B8C6-20A9-BB2A-EA9477EB5298}"/>
-              </a:ext>
-            </a:extLst>
-          </p:cNvPr>
-          <p:cNvPicPr>
-            <a:picLocks noChangeAspect="1"/>
-          </p:cNvPicPr>
-          <p:nvPr/>
-        </p:nvPicPr>
-        <p:blipFill rotWithShape="1">
-          <a:blip r:embed="rId6">
-            <a:extLst>
-              <a:ext uri="{28A0092B-C50C-407E-A947-70E740481C1C}">
-                <a14:useLocalDpi xmlns:a14="http://schemas.microsoft.com/office/drawing/2010/main" val="0"/>
-              </a:ext>
-            </a:extLst>
-          </a:blip>
-          <a:srcRect l="3665" t="9793" r="8496"/>
-          <a:stretch/>
-        </p:blipFill>
-        <p:spPr>
-          <a:xfrm>
-            <a:off x="6527375" y="2000564"/>
-            <a:ext cx="3014769" cy="1855551"/>
-          </a:xfrm>
-          <a:prstGeom prst="rect">
-            <a:avLst/>
-          </a:prstGeom>
-        </p:spPr>
-      </p:pic>
-      <p:pic>
-        <p:nvPicPr>
-          <p:cNvPr id="36" name="그림 35">
-            <a:extLst>
-              <a:ext uri="{FF2B5EF4-FFF2-40B4-BE49-F238E27FC236}">
-                <a16:creationId xmlns:a16="http://schemas.microsoft.com/office/drawing/2014/main" id="{C4400163-902C-664E-A10E-63A74A70A15F}"/>
-              </a:ext>
-            </a:extLst>
-          </p:cNvPr>
-          <p:cNvPicPr>
-            <a:picLocks noChangeAspect="1"/>
-          </p:cNvPicPr>
-          <p:nvPr/>
-        </p:nvPicPr>
-        <p:blipFill rotWithShape="1">
-          <a:blip r:embed="rId7">
-            <a:extLst>
-              <a:ext uri="{28A0092B-C50C-407E-A947-70E740481C1C}">
-                <a14:useLocalDpi xmlns:a14="http://schemas.microsoft.com/office/drawing/2010/main" val="0"/>
-              </a:ext>
-            </a:extLst>
-          </a:blip>
-          <a:srcRect l="3965" t="9793" r="8195"/>
-          <a:stretch/>
-        </p:blipFill>
-        <p:spPr>
-          <a:xfrm>
-            <a:off x="3495741" y="1992604"/>
-            <a:ext cx="3327054" cy="1891260"/>
-          </a:xfrm>
-          <a:prstGeom prst="rect">
-            <a:avLst/>
-          </a:prstGeom>
-        </p:spPr>
-      </p:pic>
-      <p:sp>
-        <p:nvSpPr>
-          <p:cNvPr id="40" name="TextBox 39">
-            <a:extLst>
-              <a:ext uri="{FF2B5EF4-FFF2-40B4-BE49-F238E27FC236}">
-                <a16:creationId xmlns:a16="http://schemas.microsoft.com/office/drawing/2014/main" id="{39788DF1-308B-6460-934E-3CA7793070B7}"/>
-              </a:ext>
-            </a:extLst>
-          </p:cNvPr>
-          <p:cNvSpPr txBox="1"/>
-          <p:nvPr/>
-        </p:nvSpPr>
-        <p:spPr>
-          <a:xfrm>
-            <a:off x="7878921" y="-29942"/>
-            <a:ext cx="788437" cy="369332"/>
-          </a:xfrm>
-          <a:prstGeom prst="rect">
-            <a:avLst/>
-          </a:prstGeom>
-          <a:noFill/>
-        </p:spPr>
-        <p:txBody>
-          <a:bodyPr wrap="square">
-            <a:spAutoFit/>
-          </a:bodyPr>
-          <a:lstStyle/>
-          <a:p>
+              <a:t>x, edge_index, edge_attr</a:t>
+            </a:r>
+            <a:r>
+              <a:rPr lang="ko-KR" altLang="en-US"/>
+              <a:t>를 다시 계산</a:t>
+            </a:r>
             <a:r>
               <a:rPr lang="en-US" altLang="ko-KR"/>
-              <a:t>SPE</a:t>
-            </a:r>
-            <a:endParaRPr lang="ko-KR" altLang="en-US"/>
-          </a:p>
-        </p:txBody>
-      </p:sp>
-      <p:sp>
-        <p:nvSpPr>
-          <p:cNvPr id="42" name="TextBox 41">
-            <a:extLst>
-              <a:ext uri="{FF2B5EF4-FFF2-40B4-BE49-F238E27FC236}">
-                <a16:creationId xmlns:a16="http://schemas.microsoft.com/office/drawing/2014/main" id="{7882D39D-D20E-A909-759B-378F2484F147}"/>
-              </a:ext>
-            </a:extLst>
-          </p:cNvPr>
-          <p:cNvSpPr txBox="1"/>
-          <p:nvPr/>
-        </p:nvSpPr>
-        <p:spPr>
-          <a:xfrm>
-            <a:off x="10608746" y="4552"/>
-            <a:ext cx="657808" cy="369332"/>
-          </a:xfrm>
-          <a:prstGeom prst="rect">
-            <a:avLst/>
-          </a:prstGeom>
-          <a:noFill/>
-        </p:spPr>
-        <p:txBody>
-          <a:bodyPr wrap="square">
-            <a:spAutoFit/>
-          </a:bodyPr>
-          <a:lstStyle/>
-          <a:p>
+              <a:t>. </a:t>
+            </a:r>
+            <a:r>
+              <a:rPr lang="ko-KR" altLang="en-US"/>
+              <a:t>이후 </a:t>
+            </a:r>
             <a:r>
               <a:rPr lang="en-US" altLang="ko-KR"/>
-              <a:t>BAC</a:t>
-            </a:r>
-            <a:endParaRPr lang="ko-KR" altLang="en-US"/>
-          </a:p>
-        </p:txBody>
-      </p:sp>
-      <p:pic>
-        <p:nvPicPr>
-          <p:cNvPr id="43" name="그림 42">
-            <a:extLst>
-              <a:ext uri="{FF2B5EF4-FFF2-40B4-BE49-F238E27FC236}">
-                <a16:creationId xmlns:a16="http://schemas.microsoft.com/office/drawing/2014/main" id="{E84ACC8D-6C4E-5EEC-CA0C-57335BD3225F}"/>
-              </a:ext>
-            </a:extLst>
-          </p:cNvPr>
-          <p:cNvPicPr>
-            <a:picLocks noChangeAspect="1"/>
-          </p:cNvPicPr>
-          <p:nvPr/>
-        </p:nvPicPr>
-        <p:blipFill rotWithShape="1">
-          <a:blip r:embed="rId8">
-            <a:extLst>
-              <a:ext uri="{28A0092B-C50C-407E-A947-70E740481C1C}">
-                <a14:useLocalDpi xmlns:a14="http://schemas.microsoft.com/office/drawing/2010/main" val="0"/>
-              </a:ext>
-            </a:extLst>
-          </a:blip>
-          <a:srcRect l="3306" t="8183" r="8776"/>
-          <a:stretch/>
-        </p:blipFill>
-        <p:spPr>
-          <a:xfrm>
-            <a:off x="9265299" y="3621732"/>
-            <a:ext cx="2926702" cy="1836833"/>
-          </a:xfrm>
-          <a:prstGeom prst="rect">
-            <a:avLst/>
-          </a:prstGeom>
-        </p:spPr>
-      </p:pic>
-      <p:pic>
-        <p:nvPicPr>
-          <p:cNvPr id="45" name="그림 44">
-            <a:extLst>
-              <a:ext uri="{FF2B5EF4-FFF2-40B4-BE49-F238E27FC236}">
-                <a16:creationId xmlns:a16="http://schemas.microsoft.com/office/drawing/2014/main" id="{719F1DF7-758E-4770-6284-E7D19FFFDA2C}"/>
-              </a:ext>
-            </a:extLst>
-          </p:cNvPr>
-          <p:cNvPicPr>
-            <a:picLocks noChangeAspect="1"/>
-          </p:cNvPicPr>
-          <p:nvPr/>
-        </p:nvPicPr>
-        <p:blipFill rotWithShape="1">
-          <a:blip r:embed="rId9">
-            <a:extLst>
-              <a:ext uri="{28A0092B-C50C-407E-A947-70E740481C1C}">
-                <a14:useLocalDpi xmlns:a14="http://schemas.microsoft.com/office/drawing/2010/main" val="0"/>
-              </a:ext>
-            </a:extLst>
-          </a:blip>
-          <a:srcRect l="3436" t="10100" r="8566"/>
-          <a:stretch/>
-        </p:blipFill>
-        <p:spPr>
-          <a:xfrm>
-            <a:off x="6564468" y="3629477"/>
-            <a:ext cx="3014769" cy="1887812"/>
-          </a:xfrm>
-          <a:prstGeom prst="rect">
-            <a:avLst/>
-          </a:prstGeom>
-        </p:spPr>
-      </p:pic>
-      <p:pic>
-        <p:nvPicPr>
-          <p:cNvPr id="46" name="그림 45">
-            <a:extLst>
-              <a:ext uri="{FF2B5EF4-FFF2-40B4-BE49-F238E27FC236}">
-                <a16:creationId xmlns:a16="http://schemas.microsoft.com/office/drawing/2014/main" id="{0A779A89-32BF-074B-0FE2-D69553728035}"/>
-              </a:ext>
-            </a:extLst>
-          </p:cNvPr>
-          <p:cNvPicPr>
-            <a:picLocks noChangeAspect="1"/>
-          </p:cNvPicPr>
-          <p:nvPr/>
-        </p:nvPicPr>
-        <p:blipFill rotWithShape="1">
-          <a:blip r:embed="rId10">
-            <a:extLst>
-              <a:ext uri="{28A0092B-C50C-407E-A947-70E740481C1C}">
-                <a14:useLocalDpi xmlns:a14="http://schemas.microsoft.com/office/drawing/2010/main" val="0"/>
-              </a:ext>
-            </a:extLst>
-          </a:blip>
-          <a:srcRect l="6956" t="10865" r="8429" b="3277"/>
-          <a:stretch/>
-        </p:blipFill>
-        <p:spPr>
-          <a:xfrm>
-            <a:off x="9427888" y="5243407"/>
-            <a:ext cx="2764112" cy="1735137"/>
-          </a:xfrm>
-          <a:prstGeom prst="rect">
-            <a:avLst/>
-          </a:prstGeom>
-        </p:spPr>
-      </p:pic>
-      <p:pic>
-        <p:nvPicPr>
-          <p:cNvPr id="48" name="그림 47">
-            <a:extLst>
-              <a:ext uri="{FF2B5EF4-FFF2-40B4-BE49-F238E27FC236}">
-                <a16:creationId xmlns:a16="http://schemas.microsoft.com/office/drawing/2014/main" id="{74B8717C-DA39-B430-77C8-382C11F019A9}"/>
-              </a:ext>
-            </a:extLst>
-          </p:cNvPr>
-          <p:cNvPicPr>
-            <a:picLocks noChangeAspect="1"/>
-          </p:cNvPicPr>
-          <p:nvPr/>
-        </p:nvPicPr>
-        <p:blipFill rotWithShape="1">
-          <a:blip r:embed="rId11">
-            <a:extLst>
-              <a:ext uri="{28A0092B-C50C-407E-A947-70E740481C1C}">
-                <a14:useLocalDpi xmlns:a14="http://schemas.microsoft.com/office/drawing/2010/main" val="0"/>
-              </a:ext>
-            </a:extLst>
-          </a:blip>
-          <a:srcRect l="11285" t="10043" r="8454" b="9178"/>
-          <a:stretch/>
-        </p:blipFill>
-        <p:spPr>
-          <a:xfrm>
-            <a:off x="6876660" y="5275979"/>
-            <a:ext cx="2665483" cy="1606641"/>
-          </a:xfrm>
-          <a:prstGeom prst="rect">
-            <a:avLst/>
-          </a:prstGeom>
-        </p:spPr>
-      </p:pic>
-      <p:pic>
-        <p:nvPicPr>
-          <p:cNvPr id="44" name="그림 43">
-            <a:extLst>
-              <a:ext uri="{FF2B5EF4-FFF2-40B4-BE49-F238E27FC236}">
-                <a16:creationId xmlns:a16="http://schemas.microsoft.com/office/drawing/2014/main" id="{66F5BE7F-71DB-C24C-9F5A-49198DC674F2}"/>
-              </a:ext>
-            </a:extLst>
-          </p:cNvPr>
-          <p:cNvPicPr>
-            <a:picLocks noChangeAspect="1"/>
-          </p:cNvPicPr>
-          <p:nvPr/>
-        </p:nvPicPr>
-        <p:blipFill rotWithShape="1">
-          <a:blip r:embed="rId12">
-            <a:extLst>
-              <a:ext uri="{28A0092B-C50C-407E-A947-70E740481C1C}">
-                <a14:useLocalDpi xmlns:a14="http://schemas.microsoft.com/office/drawing/2010/main" val="0"/>
-              </a:ext>
-            </a:extLst>
-          </a:blip>
-          <a:srcRect l="4138" t="8985" r="8664" b="688"/>
-          <a:stretch/>
-        </p:blipFill>
-        <p:spPr>
-          <a:xfrm>
-            <a:off x="3600562" y="3629476"/>
-            <a:ext cx="3257552" cy="1924399"/>
-          </a:xfrm>
-          <a:prstGeom prst="rect">
-            <a:avLst/>
-          </a:prstGeom>
-        </p:spPr>
-      </p:pic>
-      <p:pic>
-        <p:nvPicPr>
-          <p:cNvPr id="47" name="그림 46">
-            <a:extLst>
-              <a:ext uri="{FF2B5EF4-FFF2-40B4-BE49-F238E27FC236}">
-                <a16:creationId xmlns:a16="http://schemas.microsoft.com/office/drawing/2014/main" id="{D3D57CE3-5F4A-54BF-C253-82782B8468C5}"/>
-              </a:ext>
-            </a:extLst>
-          </p:cNvPr>
-          <p:cNvPicPr>
-            <a:picLocks noChangeAspect="1"/>
-          </p:cNvPicPr>
-          <p:nvPr/>
-        </p:nvPicPr>
-        <p:blipFill rotWithShape="1">
-          <a:blip r:embed="rId13">
-            <a:extLst>
-              <a:ext uri="{28A0092B-C50C-407E-A947-70E740481C1C}">
-                <a14:useLocalDpi xmlns:a14="http://schemas.microsoft.com/office/drawing/2010/main" val="0"/>
-              </a:ext>
-            </a:extLst>
-          </a:blip>
-          <a:srcRect l="3733" t="9305" r="8769"/>
-          <a:stretch/>
-        </p:blipFill>
-        <p:spPr>
-          <a:xfrm>
-            <a:off x="3639333" y="5275979"/>
-            <a:ext cx="3218781" cy="1735137"/>
-          </a:xfrm>
-          <a:prstGeom prst="rect">
-            <a:avLst/>
-          </a:prstGeom>
-        </p:spPr>
-      </p:pic>
-      <p:sp>
-        <p:nvSpPr>
-          <p:cNvPr id="49" name="TextBox 48">
-            <a:extLst>
-              <a:ext uri="{FF2B5EF4-FFF2-40B4-BE49-F238E27FC236}">
-                <a16:creationId xmlns:a16="http://schemas.microsoft.com/office/drawing/2014/main" id="{D85E3026-FD05-36CD-9FE5-644F63BB04ED}"/>
-              </a:ext>
-            </a:extLst>
-          </p:cNvPr>
-          <p:cNvSpPr txBox="1"/>
-          <p:nvPr/>
-        </p:nvSpPr>
-        <p:spPr>
-          <a:xfrm>
-            <a:off x="560750" y="4008603"/>
-            <a:ext cx="2589244" cy="646331"/>
-          </a:xfrm>
-          <a:prstGeom prst="rect">
-            <a:avLst/>
-          </a:prstGeom>
-          <a:noFill/>
-        </p:spPr>
-        <p:txBody>
-          <a:bodyPr wrap="square">
-            <a:spAutoFit/>
-          </a:bodyPr>
-          <a:lstStyle/>
-          <a:p>
+              <a:t>GCN model </a:t>
+            </a:r>
+            <a:r>
+              <a:rPr lang="ko-KR" altLang="en-US"/>
+              <a:t> 후 </a:t>
+            </a:r>
             <a:r>
               <a:rPr lang="en-US" altLang="ko-KR"/>
-              <a:t>Upsampling O, </a:t>
-            </a:r>
-          </a:p>
-          <a:p>
-            <a:r>
-              <a:rPr lang="en-US" altLang="ko-KR"/>
-              <a:t>class weight [1.0, 1.0]</a:t>
-            </a:r>
-            <a:endParaRPr lang="ko-KR" altLang="en-US"/>
-          </a:p>
-        </p:txBody>
-      </p:sp>
-      <p:sp>
-        <p:nvSpPr>
-          <p:cNvPr id="50" name="TextBox 49">
-            <a:extLst>
-              <a:ext uri="{FF2B5EF4-FFF2-40B4-BE49-F238E27FC236}">
-                <a16:creationId xmlns:a16="http://schemas.microsoft.com/office/drawing/2014/main" id="{46F2C369-7915-2EAA-A732-92E40C06A510}"/>
-              </a:ext>
-            </a:extLst>
-          </p:cNvPr>
-          <p:cNvSpPr txBox="1"/>
-          <p:nvPr/>
-        </p:nvSpPr>
-        <p:spPr>
-          <a:xfrm>
-            <a:off x="560750" y="5464644"/>
-            <a:ext cx="2589244" cy="646331"/>
-          </a:xfrm>
-          <a:prstGeom prst="rect">
-            <a:avLst/>
-          </a:prstGeom>
-          <a:noFill/>
-        </p:spPr>
-        <p:txBody>
-          <a:bodyPr wrap="square">
-            <a:spAutoFit/>
-          </a:bodyPr>
-          <a:lstStyle/>
-          <a:p>
-            <a:r>
-              <a:rPr lang="en-US" altLang="ko-KR"/>
-              <a:t>Upsampling O, </a:t>
-            </a:r>
-          </a:p>
-          <a:p>
-            <a:r>
-              <a:rPr lang="en-US" altLang="ko-KR"/>
-              <a:t>class weight [0.72, 1.66]</a:t>
+              <a:t>prediction</a:t>
             </a:r>
             <a:endParaRPr lang="ko-KR" altLang="en-US"/>
           </a:p>
@@ -4582,175 +4672,7 @@
     </p:spTree>
     <p:extLst>
       <p:ext uri="{BB962C8B-B14F-4D97-AF65-F5344CB8AC3E}">
-        <p14:creationId xmlns:p14="http://schemas.microsoft.com/office/powerpoint/2010/main" val="592447873"/>
-      </p:ext>
-    </p:extLst>
-  </p:cSld>
-  <p:clrMapOvr>
-    <a:masterClrMapping/>
-  </p:clrMapOvr>
-</p:sld>
-</file>
-
-<file path=ppt/slides/slide13.xml><?xml version="1.0" encoding="utf-8"?>
-<p:sld xmlns:a="http://schemas.openxmlformats.org/drawingml/2006/main" xmlns:r="http://schemas.openxmlformats.org/officeDocument/2006/relationships" xmlns:p="http://schemas.openxmlformats.org/presentationml/2006/main">
-  <p:cSld>
-    <p:spTree>
-      <p:nvGrpSpPr>
-        <p:cNvPr id="1" name=""/>
-        <p:cNvGrpSpPr/>
-        <p:nvPr/>
-      </p:nvGrpSpPr>
-      <p:grpSpPr>
-        <a:xfrm>
-          <a:off x="0" y="0"/>
-          <a:ext cx="0" cy="0"/>
-          <a:chOff x="0" y="0"/>
-          <a:chExt cx="0" cy="0"/>
-        </a:xfrm>
-      </p:grpSpPr>
-      <p:pic>
-        <p:nvPicPr>
-          <p:cNvPr id="4" name="그림 3">
-            <a:extLst>
-              <a:ext uri="{FF2B5EF4-FFF2-40B4-BE49-F238E27FC236}">
-                <a16:creationId xmlns:a16="http://schemas.microsoft.com/office/drawing/2014/main" id="{A550B4D5-7311-EB16-04FA-2A0C9DD41F3F}"/>
-              </a:ext>
-            </a:extLst>
-          </p:cNvPr>
-          <p:cNvPicPr>
-            <a:picLocks noChangeAspect="1"/>
-          </p:cNvPicPr>
-          <p:nvPr/>
-        </p:nvPicPr>
-        <p:blipFill>
-          <a:blip r:embed="rId2">
-            <a:extLst>
-              <a:ext uri="{28A0092B-C50C-407E-A947-70E740481C1C}">
-                <a14:useLocalDpi xmlns:a14="http://schemas.microsoft.com/office/drawing/2010/main" val="0"/>
-              </a:ext>
-            </a:extLst>
-          </a:blip>
-          <a:stretch>
-            <a:fillRect/>
-          </a:stretch>
-        </p:blipFill>
-        <p:spPr>
-          <a:xfrm>
-            <a:off x="178290" y="2390187"/>
-            <a:ext cx="3511031" cy="2633273"/>
-          </a:xfrm>
-          <a:prstGeom prst="rect">
-            <a:avLst/>
-          </a:prstGeom>
-        </p:spPr>
-      </p:pic>
-      <p:pic>
-        <p:nvPicPr>
-          <p:cNvPr id="15" name="그림 14">
-            <a:extLst>
-              <a:ext uri="{FF2B5EF4-FFF2-40B4-BE49-F238E27FC236}">
-                <a16:creationId xmlns:a16="http://schemas.microsoft.com/office/drawing/2014/main" id="{15F53C10-BC0A-C6C2-602C-FE58AF911EA3}"/>
-              </a:ext>
-            </a:extLst>
-          </p:cNvPr>
-          <p:cNvPicPr>
-            <a:picLocks noChangeAspect="1"/>
-          </p:cNvPicPr>
-          <p:nvPr/>
-        </p:nvPicPr>
-        <p:blipFill>
-          <a:blip r:embed="rId3">
-            <a:extLst>
-              <a:ext uri="{28A0092B-C50C-407E-A947-70E740481C1C}">
-                <a14:useLocalDpi xmlns:a14="http://schemas.microsoft.com/office/drawing/2010/main" val="0"/>
-              </a:ext>
-            </a:extLst>
-          </a:blip>
-          <a:stretch>
-            <a:fillRect/>
-          </a:stretch>
-        </p:blipFill>
-        <p:spPr>
-          <a:xfrm>
-            <a:off x="3795065" y="2244731"/>
-            <a:ext cx="3969421" cy="2977066"/>
-          </a:xfrm>
-          <a:prstGeom prst="rect">
-            <a:avLst/>
-          </a:prstGeom>
-        </p:spPr>
-      </p:pic>
-      <p:pic>
-        <p:nvPicPr>
-          <p:cNvPr id="19" name="그림 18">
-            <a:extLst>
-              <a:ext uri="{FF2B5EF4-FFF2-40B4-BE49-F238E27FC236}">
-                <a16:creationId xmlns:a16="http://schemas.microsoft.com/office/drawing/2014/main" id="{E5F045B6-E867-2B7C-43C9-F4CD760CA775}"/>
-              </a:ext>
-            </a:extLst>
-          </p:cNvPr>
-          <p:cNvPicPr>
-            <a:picLocks noChangeAspect="1"/>
-          </p:cNvPicPr>
-          <p:nvPr/>
-        </p:nvPicPr>
-        <p:blipFill>
-          <a:blip r:embed="rId4">
-            <a:extLst>
-              <a:ext uri="{28A0092B-C50C-407E-A947-70E740481C1C}">
-                <a14:useLocalDpi xmlns:a14="http://schemas.microsoft.com/office/drawing/2010/main" val="0"/>
-              </a:ext>
-            </a:extLst>
-          </a:blip>
-          <a:stretch>
-            <a:fillRect/>
-          </a:stretch>
-        </p:blipFill>
-        <p:spPr>
-          <a:xfrm>
-            <a:off x="7975974" y="2390187"/>
-            <a:ext cx="3961930" cy="2971448"/>
-          </a:xfrm>
-          <a:prstGeom prst="rect">
-            <a:avLst/>
-          </a:prstGeom>
-        </p:spPr>
-      </p:pic>
-    </p:spTree>
-    <p:extLst>
-      <p:ext uri="{BB962C8B-B14F-4D97-AF65-F5344CB8AC3E}">
-        <p14:creationId xmlns:p14="http://schemas.microsoft.com/office/powerpoint/2010/main" val="2688272030"/>
-      </p:ext>
-    </p:extLst>
-  </p:cSld>
-  <p:clrMapOvr>
-    <a:masterClrMapping/>
-  </p:clrMapOvr>
-</p:sld>
-</file>
-
-<file path=ppt/slides/slide14.xml><?xml version="1.0" encoding="utf-8"?>
-<p:sld xmlns:a="http://schemas.openxmlformats.org/drawingml/2006/main" xmlns:r="http://schemas.openxmlformats.org/officeDocument/2006/relationships" xmlns:p="http://schemas.openxmlformats.org/presentationml/2006/main">
-  <p:cSld>
-    <p:spTree>
-      <p:nvGrpSpPr>
-        <p:cNvPr id="1" name=""/>
-        <p:cNvGrpSpPr/>
-        <p:nvPr/>
-      </p:nvGrpSpPr>
-      <p:grpSpPr>
-        <a:xfrm>
-          <a:off x="0" y="0"/>
-          <a:ext cx="0" cy="0"/>
-          <a:chOff x="0" y="0"/>
-          <a:chExt cx="0" cy="0"/>
-        </a:xfrm>
-      </p:grpSpPr>
-    </p:spTree>
-    <p:extLst>
-      <p:ext uri="{BB962C8B-B14F-4D97-AF65-F5344CB8AC3E}">
-        <p14:creationId xmlns:p14="http://schemas.microsoft.com/office/powerpoint/2010/main" val="110676689"/>
+        <p14:creationId xmlns:p14="http://schemas.microsoft.com/office/powerpoint/2010/main" val="584059669"/>
       </p:ext>
     </p:extLst>
   </p:cSld>
@@ -4809,15 +4731,24 @@
               <a:buAutoNum type="arabicPeriod"/>
             </a:pPr>
             <a:r>
-              <a:rPr lang="en-US" altLang="ko-KR"/>
+              <a:rPr lang="en-US" altLang="ko-KR">
+                <a:latin typeface="나눔스퀘어" panose="020B0600000101010101" pitchFamily="50" charset="-127"/>
+                <a:ea typeface="나눔스퀘어" panose="020B0600000101010101" pitchFamily="50" charset="-127"/>
+              </a:rPr>
               <a:t>fMRI data </a:t>
             </a:r>
             <a:r>
-              <a:rPr lang="ko-KR" altLang="en-US"/>
+              <a:rPr lang="ko-KR" altLang="en-US">
+                <a:latin typeface="나눔스퀘어" panose="020B0600000101010101" pitchFamily="50" charset="-127"/>
+                <a:ea typeface="나눔스퀘어" panose="020B0600000101010101" pitchFamily="50" charset="-127"/>
+              </a:rPr>
               <a:t>전처리</a:t>
             </a:r>
             <a:r>
-              <a:rPr lang="en-US" altLang="ko-KR"/>
+              <a:rPr lang="en-US" altLang="ko-KR">
+                <a:latin typeface="나눔스퀘어" panose="020B0600000101010101" pitchFamily="50" charset="-127"/>
+                <a:ea typeface="나눔스퀘어" panose="020B0600000101010101" pitchFamily="50" charset="-127"/>
+              </a:rPr>
               <a:t>(fmri-prep) </a:t>
             </a:r>
           </a:p>
@@ -4826,64 +4757,106 @@
               <a:buAutoNum type="arabicPeriod"/>
             </a:pPr>
             <a:r>
-              <a:rPr lang="en-US" altLang="ko-KR"/>
+              <a:rPr lang="en-US" altLang="ko-KR">
+                <a:latin typeface="나눔스퀘어" panose="020B0600000101010101" pitchFamily="50" charset="-127"/>
+                <a:ea typeface="나눔스퀘어" panose="020B0600000101010101" pitchFamily="50" charset="-127"/>
+              </a:rPr>
               <a:t>functional connectivity </a:t>
             </a:r>
             <a:r>
-              <a:rPr lang="ko-KR" altLang="en-US"/>
+              <a:rPr lang="ko-KR" altLang="en-US">
+                <a:latin typeface="나눔스퀘어" panose="020B0600000101010101" pitchFamily="50" charset="-127"/>
+                <a:ea typeface="나눔스퀘어" panose="020B0600000101010101" pitchFamily="50" charset="-127"/>
+              </a:rPr>
               <a:t>제작</a:t>
             </a:r>
-            <a:endParaRPr lang="en-US" altLang="ko-KR"/>
+            <a:endParaRPr lang="en-US" altLang="ko-KR">
+              <a:latin typeface="나눔스퀘어" panose="020B0600000101010101" pitchFamily="50" charset="-127"/>
+              <a:ea typeface="나눔스퀘어" panose="020B0600000101010101" pitchFamily="50" charset="-127"/>
+            </a:endParaRPr>
           </a:p>
           <a:p>
             <a:pPr marL="342900" indent="-342900">
               <a:buAutoNum type="arabicPeriod"/>
             </a:pPr>
             <a:r>
-              <a:rPr lang="en-US" altLang="ko-KR"/>
+              <a:rPr lang="en-US" altLang="ko-KR">
+                <a:latin typeface="나눔스퀘어" panose="020B0600000101010101" pitchFamily="50" charset="-127"/>
+                <a:ea typeface="나눔스퀘어" panose="020B0600000101010101" pitchFamily="50" charset="-127"/>
+              </a:rPr>
               <a:t>Graph </a:t>
             </a:r>
             <a:r>
-              <a:rPr lang="ko-KR" altLang="en-US"/>
+              <a:rPr lang="ko-KR" altLang="en-US">
+                <a:latin typeface="나눔스퀘어" panose="020B0600000101010101" pitchFamily="50" charset="-127"/>
+                <a:ea typeface="나눔스퀘어" panose="020B0600000101010101" pitchFamily="50" charset="-127"/>
+              </a:rPr>
               <a:t>데이터 변환</a:t>
             </a:r>
-            <a:endParaRPr lang="en-US" altLang="ko-KR"/>
+            <a:endParaRPr lang="en-US" altLang="ko-KR">
+              <a:latin typeface="나눔스퀘어" panose="020B0600000101010101" pitchFamily="50" charset="-127"/>
+              <a:ea typeface="나눔스퀘어" panose="020B0600000101010101" pitchFamily="50" charset="-127"/>
+            </a:endParaRPr>
           </a:p>
           <a:p>
             <a:pPr marL="342900" indent="-342900">
               <a:buAutoNum type="arabicPeriod"/>
             </a:pPr>
             <a:r>
-              <a:rPr lang="en-US" altLang="ko-KR"/>
+              <a:rPr lang="en-US" altLang="ko-KR">
+                <a:latin typeface="나눔스퀘어" panose="020B0600000101010101" pitchFamily="50" charset="-127"/>
+                <a:ea typeface="나눔스퀘어" panose="020B0600000101010101" pitchFamily="50" charset="-127"/>
+              </a:rPr>
               <a:t>GCN model </a:t>
             </a:r>
             <a:r>
-              <a:rPr lang="ko-KR" altLang="en-US"/>
+              <a:rPr lang="ko-KR" altLang="en-US">
+                <a:latin typeface="나눔스퀘어" panose="020B0600000101010101" pitchFamily="50" charset="-127"/>
+                <a:ea typeface="나눔스퀘어" panose="020B0600000101010101" pitchFamily="50" charset="-127"/>
+              </a:rPr>
               <a:t>구축</a:t>
             </a:r>
-            <a:endParaRPr lang="en-US" altLang="ko-KR"/>
+            <a:endParaRPr lang="en-US" altLang="ko-KR">
+              <a:latin typeface="나눔스퀘어" panose="020B0600000101010101" pitchFamily="50" charset="-127"/>
+              <a:ea typeface="나눔스퀘어" panose="020B0600000101010101" pitchFamily="50" charset="-127"/>
+            </a:endParaRPr>
           </a:p>
           <a:p>
             <a:pPr marL="342900" indent="-342900">
               <a:buAutoNum type="arabicPeriod"/>
             </a:pPr>
             <a:r>
-              <a:rPr lang="en-US" altLang="ko-KR"/>
+              <a:rPr lang="en-US" altLang="ko-KR">
+                <a:latin typeface="나눔스퀘어" panose="020B0600000101010101" pitchFamily="50" charset="-127"/>
+                <a:ea typeface="나눔스퀘어" panose="020B0600000101010101" pitchFamily="50" charset="-127"/>
+              </a:rPr>
               <a:t>GCN</a:t>
             </a:r>
             <a:r>
-              <a:rPr lang="ko-KR" altLang="en-US"/>
+              <a:rPr lang="ko-KR" altLang="en-US">
+                <a:latin typeface="나눔스퀘어" panose="020B0600000101010101" pitchFamily="50" charset="-127"/>
+                <a:ea typeface="나눔스퀘어" panose="020B0600000101010101" pitchFamily="50" charset="-127"/>
+              </a:rPr>
               <a:t>으로 </a:t>
             </a:r>
             <a:r>
-              <a:rPr lang="en-US" altLang="ko-KR"/>
+              <a:rPr lang="en-US" altLang="ko-KR">
+                <a:latin typeface="나눔스퀘어" panose="020B0600000101010101" pitchFamily="50" charset="-127"/>
+                <a:ea typeface="나눔스퀘어" panose="020B0600000101010101" pitchFamily="50" charset="-127"/>
+              </a:rPr>
               <a:t>schizophrenia </a:t>
             </a:r>
             <a:r>
-              <a:rPr lang="ko-KR" altLang="en-US"/>
+              <a:rPr lang="ko-KR" altLang="en-US">
+                <a:latin typeface="나눔스퀘어" panose="020B0600000101010101" pitchFamily="50" charset="-127"/>
+                <a:ea typeface="나눔스퀘어" panose="020B0600000101010101" pitchFamily="50" charset="-127"/>
+              </a:rPr>
               <a:t>환자 분류 </a:t>
             </a:r>
-            <a:endParaRPr lang="en-US" altLang="ko-KR"/>
+            <a:endParaRPr lang="en-US" altLang="ko-KR">
+              <a:latin typeface="나눔스퀘어" panose="020B0600000101010101" pitchFamily="50" charset="-127"/>
+              <a:ea typeface="나눔스퀘어" panose="020B0600000101010101" pitchFamily="50" charset="-127"/>
+            </a:endParaRPr>
           </a:p>
         </p:txBody>
       </p:sp>
@@ -4942,7 +4915,11 @@
           <a:p>
             <a:r>
               <a:rPr lang="en-US" altLang="ko-KR" sz="2800" dirty="0"/>
-              <a:t>1. fMRI data preprocessing</a:t>
+              <a:t>1. fMRI </a:t>
+            </a:r>
+            <a:r>
+              <a:rPr lang="en-US" altLang="ko-KR" sz="2800"/>
+              <a:t>data preprocessing</a:t>
             </a:r>
             <a:endParaRPr lang="ko-KR" altLang="en-US" sz="2800" dirty="0"/>
           </a:p>
@@ -4950,305 +4927,789 @@
       </p:sp>
       <p:sp>
         <p:nvSpPr>
-          <p:cNvPr id="3" name="내용 개체 틀 2">
-            <a:extLst>
-              <a:ext uri="{FF2B5EF4-FFF2-40B4-BE49-F238E27FC236}">
-                <a16:creationId xmlns:a16="http://schemas.microsoft.com/office/drawing/2014/main" id="{69DE90B1-8909-190E-E75F-9442052D3DBF}"/>
-              </a:ext>
-            </a:extLst>
-          </p:cNvPr>
-          <p:cNvSpPr>
-            <a:spLocks noGrp="1"/>
-          </p:cNvSpPr>
-          <p:nvPr>
-            <p:ph idx="1"/>
-          </p:nvPr>
+          <p:cNvPr id="5" name="TextBox 4">
+            <a:extLst>
+              <a:ext uri="{FF2B5EF4-FFF2-40B4-BE49-F238E27FC236}">
+                <a16:creationId xmlns:a16="http://schemas.microsoft.com/office/drawing/2014/main" id="{60017E9A-3791-97F8-CFC7-21CC6AD72EA3}"/>
+              </a:ext>
+            </a:extLst>
+          </p:cNvPr>
+          <p:cNvSpPr txBox="1"/>
+          <p:nvPr/>
         </p:nvSpPr>
         <p:spPr>
           <a:xfrm>
-            <a:off x="1000213" y="1595685"/>
-            <a:ext cx="10515600" cy="4318842"/>
+            <a:off x="641189" y="1690688"/>
+            <a:ext cx="10712611" cy="3139321"/>
           </a:xfrm>
+          <a:prstGeom prst="rect">
+            <a:avLst/>
+          </a:prstGeom>
+          <a:noFill/>
         </p:spPr>
         <p:txBody>
-          <a:bodyPr>
-            <a:normAutofit lnSpcReduction="10000"/>
+          <a:bodyPr wrap="square">
+            <a:spAutoFit/>
           </a:bodyPr>
           <a:lstStyle/>
           <a:p>
-            <a:pPr marL="0" indent="0">
-              <a:buNone/>
+            <a:pPr algn="l">
+              <a:buFont typeface="+mj-lt"/>
+              <a:buAutoNum type="arabicPeriod"/>
             </a:pPr>
             <a:r>
-              <a:rPr lang="en-US" altLang="ko-KR" sz="2000" dirty="0"/>
-              <a:t>1.</a:t>
-            </a:r>
-            <a:r>
-              <a:rPr lang="ko-KR" altLang="en-US" sz="2000" dirty="0"/>
-              <a:t>초기 </a:t>
-            </a:r>
-            <a:r>
-              <a:rPr lang="en-US" altLang="ko-KR" sz="2000" dirty="0"/>
-              <a:t>10 time</a:t>
-            </a:r>
-            <a:r>
-              <a:rPr lang="ko-KR" altLang="en-US" sz="2000" dirty="0"/>
-              <a:t> </a:t>
-            </a:r>
-            <a:r>
-              <a:rPr lang="en-US" altLang="ko-KR" sz="2000" dirty="0"/>
-              <a:t>points</a:t>
-            </a:r>
-            <a:r>
-              <a:rPr lang="ko-KR" altLang="en-US" sz="2000" dirty="0"/>
-              <a:t> 제거 </a:t>
-            </a:r>
-            <a:r>
-              <a:rPr lang="en-US" altLang="ko-KR" sz="2000" dirty="0"/>
-              <a:t>: </a:t>
-            </a:r>
-            <a:r>
-              <a:rPr lang="ko-KR" altLang="en-US" sz="2000" dirty="0"/>
-              <a:t>초기 </a:t>
-            </a:r>
-            <a:r>
-              <a:rPr lang="en-US" altLang="ko-KR" sz="2000" dirty="0"/>
-              <a:t>MRI signal</a:t>
-            </a:r>
-            <a:r>
-              <a:rPr lang="ko-KR" altLang="en-US" sz="2000" dirty="0"/>
-              <a:t>의 </a:t>
-            </a:r>
-            <a:r>
-              <a:rPr lang="en-US" altLang="ko-KR" sz="2000" dirty="0"/>
-              <a:t>instability impact </a:t>
-            </a:r>
-            <a:r>
-              <a:rPr lang="ko-KR" altLang="en-US" sz="2000" dirty="0"/>
-              <a:t>최소화</a:t>
-            </a:r>
-            <a:r>
-              <a:rPr lang="en-US" altLang="ko-KR" sz="2000" dirty="0"/>
-              <a:t> </a:t>
-            </a:r>
-          </a:p>
-          <a:p>
-            <a:pPr marL="0" indent="0">
-              <a:buNone/>
-            </a:pPr>
-            <a:r>
-              <a:rPr lang="en-US" altLang="ko-KR" sz="3200" dirty="0"/>
-              <a:t>2. </a:t>
-            </a:r>
-            <a:r>
-              <a:rPr lang="en-US" altLang="ko-KR" sz="3200" dirty="0" err="1"/>
-              <a:t>Friston</a:t>
-            </a:r>
-            <a:r>
-              <a:rPr lang="en-US" altLang="ko-KR" sz="3200" dirty="0"/>
-              <a:t> 24-parameter correction + head motion scrubbing method : head</a:t>
-            </a:r>
-            <a:r>
-              <a:rPr lang="ko-KR" altLang="en-US" sz="3200" dirty="0"/>
-              <a:t> </a:t>
-            </a:r>
-            <a:r>
-              <a:rPr lang="en-US" altLang="ko-KR" sz="3200" dirty="0"/>
-              <a:t>motion</a:t>
-            </a:r>
-            <a:r>
-              <a:rPr lang="ko-KR" altLang="en-US" sz="3200" dirty="0"/>
-              <a:t> </a:t>
-            </a:r>
-            <a:r>
-              <a:rPr lang="en-US" altLang="ko-KR" sz="3200" dirty="0"/>
-              <a:t>artifacts</a:t>
-            </a:r>
-            <a:r>
-              <a:rPr lang="ko-KR" altLang="en-US" sz="3200" dirty="0"/>
-              <a:t> 영향 최소화</a:t>
-            </a:r>
-            <a:endParaRPr lang="en-US" altLang="ko-KR" sz="3200" dirty="0"/>
-          </a:p>
-          <a:p>
-            <a:pPr marL="0" indent="0">
-              <a:buNone/>
-            </a:pPr>
-            <a:r>
-              <a:rPr lang="en-US" altLang="ko-KR" sz="2000" dirty="0"/>
-              <a:t>3. 0.5mm</a:t>
-            </a:r>
-            <a:r>
-              <a:rPr lang="ko-KR" altLang="en-US" sz="2000" dirty="0"/>
-              <a:t>이상 </a:t>
-            </a:r>
-            <a:r>
-              <a:rPr lang="en-US" altLang="ko-KR" sz="2000" dirty="0" err="1"/>
-              <a:t>framwise</a:t>
-            </a:r>
-            <a:r>
-              <a:rPr lang="en-US" altLang="ko-KR" sz="2000" dirty="0"/>
-              <a:t> displacement(FD) volume </a:t>
-            </a:r>
-            <a:r>
-              <a:rPr lang="ko-KR" altLang="en-US" sz="2000" dirty="0"/>
-              <a:t>제거</a:t>
-            </a:r>
-            <a:endParaRPr lang="en-US" altLang="ko-KR" sz="2000" dirty="0"/>
-          </a:p>
-          <a:p>
-            <a:pPr marL="0" indent="0">
-              <a:buNone/>
-            </a:pPr>
-            <a:r>
-              <a:rPr lang="en-US" altLang="ko-KR" sz="3200" dirty="0"/>
-              <a:t>4. 3x3x3mm^3</a:t>
-            </a:r>
-            <a:r>
-              <a:rPr lang="ko-KR" altLang="en-US" sz="3200" dirty="0"/>
-              <a:t> </a:t>
-            </a:r>
-            <a:r>
-              <a:rPr lang="en-US" altLang="ko-KR" sz="3200" dirty="0"/>
-              <a:t>MNI</a:t>
-            </a:r>
-            <a:r>
-              <a:rPr lang="ko-KR" altLang="en-US" sz="3200" dirty="0"/>
-              <a:t> </a:t>
-            </a:r>
-            <a:r>
-              <a:rPr lang="en-US" altLang="ko-KR" sz="3200" dirty="0"/>
-              <a:t>152</a:t>
-            </a:r>
-            <a:r>
-              <a:rPr lang="ko-KR" altLang="en-US" sz="3200" dirty="0"/>
-              <a:t> </a:t>
-            </a:r>
-            <a:r>
-              <a:rPr lang="en-US" altLang="ko-KR" sz="3200" dirty="0"/>
-              <a:t>template</a:t>
-            </a:r>
-            <a:r>
-              <a:rPr lang="ko-KR" altLang="en-US" sz="3200" dirty="0"/>
-              <a:t> </a:t>
-            </a:r>
-            <a:r>
-              <a:rPr lang="en-US" altLang="ko-KR" sz="3200" dirty="0"/>
-              <a:t>normalization</a:t>
-            </a:r>
-          </a:p>
-          <a:p>
-            <a:pPr marL="0" indent="0">
-              <a:buNone/>
-            </a:pPr>
-            <a:r>
-              <a:rPr lang="en-US" altLang="ko-KR" sz="2000" dirty="0"/>
-              <a:t>5. linearly</a:t>
-            </a:r>
-            <a:r>
-              <a:rPr lang="ko-KR" altLang="en-US" sz="2000" dirty="0"/>
-              <a:t> </a:t>
-            </a:r>
-            <a:r>
-              <a:rPr lang="en-US" altLang="ko-KR" sz="2000" dirty="0"/>
-              <a:t>detrended</a:t>
-            </a:r>
-            <a:r>
-              <a:rPr lang="ko-KR" altLang="en-US" sz="2000" dirty="0"/>
-              <a:t> </a:t>
-            </a:r>
-            <a:r>
-              <a:rPr lang="en-US" altLang="ko-KR" sz="2000" dirty="0"/>
-              <a:t>and</a:t>
-            </a:r>
-            <a:r>
-              <a:rPr lang="ko-KR" altLang="en-US" sz="2000" dirty="0"/>
-              <a:t> </a:t>
-            </a:r>
-            <a:r>
-              <a:rPr lang="en-US" altLang="ko-KR" sz="2000" dirty="0"/>
-              <a:t>temporally bandpass filtered(0.01~0.08Hz) : low frequency drift, high frequency physiological noise </a:t>
-            </a:r>
-            <a:r>
-              <a:rPr lang="ko-KR" altLang="en-US" sz="2000" dirty="0"/>
-              <a:t>제거</a:t>
-            </a:r>
-            <a:endParaRPr lang="en-US" altLang="ko-KR" sz="2000" dirty="0"/>
-          </a:p>
-          <a:p>
-            <a:pPr marL="0" indent="0">
-              <a:buNone/>
-            </a:pPr>
-            <a:r>
-              <a:rPr lang="en-US" altLang="ko-KR" sz="2000" dirty="0">
+              <a:rPr lang="ko-KR" altLang="en-US" b="1" i="0">
                 <a:solidFill>
                   <a:srgbClr val="FF0000"/>
                 </a:solidFill>
-              </a:rPr>
-              <a:t>6. Global signal, white matter signal, cerebrospinal fluid signal, motion parameter</a:t>
-            </a:r>
-            <a:r>
-              <a:rPr lang="ko-KR" altLang="en-US" sz="2000" dirty="0">
+                <a:effectLst/>
+                <a:latin typeface="Söhne"/>
+                <a:ea typeface="나눔스퀘어" panose="020B0600000101010101" pitchFamily="50" charset="-127"/>
+              </a:rPr>
+              <a:t>초기 시점 제거</a:t>
+            </a:r>
+            <a:r>
+              <a:rPr lang="en-US" altLang="ko-KR" b="0" i="0">
                 <a:solidFill>
                   <a:srgbClr val="FF0000"/>
                 </a:solidFill>
-              </a:rPr>
-              <a:t>는 </a:t>
-            </a:r>
-            <a:r>
-              <a:rPr lang="en-US" altLang="ko-KR" sz="2000" dirty="0">
+                <a:effectLst/>
+                <a:latin typeface="Söhne"/>
+                <a:ea typeface="나눔스퀘어" panose="020B0600000101010101" pitchFamily="50" charset="-127"/>
+              </a:rPr>
+              <a:t>: </a:t>
+            </a:r>
+            <a:r>
+              <a:rPr lang="ko-KR" altLang="en-US" b="0" i="0">
                 <a:solidFill>
                   <a:srgbClr val="FF0000"/>
                 </a:solidFill>
-              </a:rPr>
-              <a:t>regressed out</a:t>
-            </a:r>
-          </a:p>
-          <a:p>
-            <a:pPr marL="0" indent="0">
-              <a:buNone/>
+                <a:effectLst/>
+                <a:latin typeface="Söhne"/>
+                <a:ea typeface="나눔스퀘어" panose="020B0600000101010101" pitchFamily="50" charset="-127"/>
+              </a:rPr>
+              <a:t>최초 </a:t>
+            </a:r>
+            <a:r>
+              <a:rPr lang="en-US" altLang="ko-KR" b="0" i="0">
+                <a:solidFill>
+                  <a:srgbClr val="FF0000"/>
+                </a:solidFill>
+                <a:effectLst/>
+                <a:latin typeface="Söhne"/>
+                <a:ea typeface="나눔스퀘어" panose="020B0600000101010101" pitchFamily="50" charset="-127"/>
+              </a:rPr>
+              <a:t>10</a:t>
+            </a:r>
+            <a:r>
+              <a:rPr lang="ko-KR" altLang="en-US" b="0" i="0">
+                <a:solidFill>
+                  <a:srgbClr val="FF0000"/>
+                </a:solidFill>
+                <a:effectLst/>
+                <a:latin typeface="Söhne"/>
+                <a:ea typeface="나눔스퀘어" panose="020B0600000101010101" pitchFamily="50" charset="-127"/>
+              </a:rPr>
+              <a:t>개 시점의 이미지를 제거하여 </a:t>
+            </a:r>
+            <a:r>
+              <a:rPr lang="en-US" altLang="ko-KR" b="0" i="0">
+                <a:solidFill>
+                  <a:srgbClr val="FF0000"/>
+                </a:solidFill>
+                <a:effectLst/>
+                <a:latin typeface="Söhne"/>
+                <a:ea typeface="나눔스퀘어" panose="020B0600000101010101" pitchFamily="50" charset="-127"/>
+              </a:rPr>
+              <a:t>MRI </a:t>
+            </a:r>
+            <a:r>
+              <a:rPr lang="ko-KR" altLang="en-US" b="0" i="0">
+                <a:solidFill>
+                  <a:srgbClr val="FF0000"/>
+                </a:solidFill>
+                <a:effectLst/>
+                <a:latin typeface="Söhne"/>
+                <a:ea typeface="나눔스퀘어" panose="020B0600000101010101" pitchFamily="50" charset="-127"/>
+              </a:rPr>
+              <a:t>신호의 초기 불안정성의 영향을 최소화</a:t>
+            </a:r>
+            <a:r>
+              <a:rPr lang="en-US" altLang="ko-KR" b="0" i="0">
+                <a:solidFill>
+                  <a:srgbClr val="FF0000"/>
+                </a:solidFill>
+                <a:effectLst/>
+                <a:latin typeface="Söhne"/>
+                <a:ea typeface="나눔스퀘어" panose="020B0600000101010101" pitchFamily="50" charset="-127"/>
+              </a:rPr>
+              <a:t>. (X) </a:t>
+            </a:r>
+          </a:p>
+          <a:p>
+            <a:pPr algn="l">
+              <a:buFont typeface="+mj-lt"/>
+              <a:buAutoNum type="arabicPeriod"/>
             </a:pPr>
             <a:r>
-              <a:rPr lang="en-US" altLang="ko-KR" sz="2000" dirty="0"/>
-              <a:t>7. Scanning </a:t>
-            </a:r>
-            <a:r>
-              <a:rPr lang="ko-KR" altLang="en-US" sz="2000" dirty="0"/>
-              <a:t>동안 일정 수준 이상의 </a:t>
-            </a:r>
-            <a:r>
-              <a:rPr lang="en-US" altLang="ko-KR" sz="2000" dirty="0"/>
-              <a:t>head motion(1.5</a:t>
-            </a:r>
-            <a:r>
-              <a:rPr lang="ko-KR" altLang="en-US" sz="2000" dirty="0"/>
-              <a:t>도 이상 회전</a:t>
-            </a:r>
-            <a:r>
-              <a:rPr lang="en-US" altLang="ko-KR" sz="2000" dirty="0"/>
-              <a:t>, 1.5mm</a:t>
-            </a:r>
-            <a:r>
-              <a:rPr lang="ko-KR" altLang="en-US" sz="2000" dirty="0"/>
-              <a:t>이상 움직임</a:t>
-            </a:r>
-            <a:r>
-              <a:rPr lang="en-US" altLang="ko-KR" sz="2000" dirty="0"/>
-              <a:t>)</a:t>
-            </a:r>
-            <a:r>
-              <a:rPr lang="ko-KR" altLang="en-US" sz="2000" dirty="0"/>
-              <a:t>이 보여진 </a:t>
-            </a:r>
-            <a:r>
-              <a:rPr lang="en-US" altLang="ko-KR" sz="2000" dirty="0"/>
-              <a:t>subject </a:t>
-            </a:r>
-            <a:r>
-              <a:rPr lang="ko-KR" altLang="en-US" sz="2000" dirty="0"/>
-              <a:t>제거</a:t>
-            </a:r>
-            <a:endParaRPr lang="en-US" altLang="ko-KR" sz="2000" dirty="0"/>
+              <a:rPr lang="ko-KR" altLang="en-US" b="1">
+                <a:latin typeface="Söhne"/>
+                <a:ea typeface="나눔스퀘어" panose="020B0600000101010101" pitchFamily="50" charset="-127"/>
+              </a:rPr>
+              <a:t> </a:t>
+            </a:r>
+            <a:r>
+              <a:rPr lang="en-US" altLang="ko-KR" sz="1800" b="1" i="0">
+                <a:effectLst/>
+                <a:latin typeface="Söhne"/>
+                <a:ea typeface="나눔스퀘어" panose="020B0600000101010101" pitchFamily="50" charset="-127"/>
+              </a:rPr>
+              <a:t>acquisition time delay/</a:t>
+            </a:r>
+            <a:r>
+              <a:rPr lang="en-US" altLang="ko-KR" b="1">
+                <a:latin typeface="Söhne"/>
+                <a:ea typeface="나눔스퀘어" panose="020B0600000101010101" pitchFamily="50" charset="-127"/>
+              </a:rPr>
+              <a:t>intravolume</a:t>
+            </a:r>
+            <a:r>
+              <a:rPr lang="ko-KR" altLang="en-US" b="1" i="0">
+                <a:effectLst/>
+                <a:latin typeface="Söhne"/>
+                <a:ea typeface="나눔스퀘어" panose="020B0600000101010101" pitchFamily="50" charset="-127"/>
+              </a:rPr>
+              <a:t> 보정</a:t>
+            </a:r>
+            <a:r>
+              <a:rPr lang="en-US" altLang="ko-KR" b="0" i="0">
+                <a:effectLst/>
+                <a:latin typeface="Söhne"/>
+                <a:ea typeface="나눔스퀘어" panose="020B0600000101010101" pitchFamily="50" charset="-127"/>
+              </a:rPr>
+              <a:t>: </a:t>
+            </a:r>
+            <a:r>
+              <a:rPr lang="en-US" altLang="ko-KR">
+                <a:latin typeface="Söhne"/>
+                <a:ea typeface="나눔스퀘어" panose="020B0600000101010101" pitchFamily="50" charset="-127"/>
+              </a:rPr>
+              <a:t>slice</a:t>
+            </a:r>
+            <a:r>
+              <a:rPr lang="ko-KR" altLang="en-US">
+                <a:latin typeface="Söhne"/>
+                <a:ea typeface="나눔스퀘어" panose="020B0600000101010101" pitchFamily="50" charset="-127"/>
+              </a:rPr>
+              <a:t> </a:t>
+            </a:r>
+            <a:r>
+              <a:rPr lang="en-US" altLang="ko-KR">
+                <a:latin typeface="Söhne"/>
+                <a:ea typeface="나눔스퀘어" panose="020B0600000101010101" pitchFamily="50" charset="-127"/>
+              </a:rPr>
+              <a:t>timing</a:t>
+            </a:r>
+            <a:r>
+              <a:rPr lang="ko-KR" altLang="en-US">
+                <a:latin typeface="Söhne"/>
+                <a:ea typeface="나눔스퀘어" panose="020B0600000101010101" pitchFamily="50" charset="-127"/>
+              </a:rPr>
+              <a:t> 보정을 통해 </a:t>
+            </a:r>
+            <a:r>
+              <a:rPr lang="ko-KR" altLang="en-US" b="0" i="0">
+                <a:effectLst/>
+                <a:latin typeface="Söhne"/>
+                <a:ea typeface="나눔스퀘어" panose="020B0600000101010101" pitchFamily="50" charset="-127"/>
+              </a:rPr>
+              <a:t>이미지 내 시간 지연 보정을 수행</a:t>
+            </a:r>
+            <a:r>
+              <a:rPr lang="en-US" altLang="ko-KR" b="0" i="0">
+                <a:effectLst/>
+                <a:latin typeface="Söhne"/>
+                <a:ea typeface="나눔스퀘어" panose="020B0600000101010101" pitchFamily="50" charset="-127"/>
+              </a:rPr>
+              <a:t>.</a:t>
+            </a:r>
+          </a:p>
+          <a:p>
+            <a:pPr algn="l">
+              <a:buFont typeface="+mj-lt"/>
+              <a:buAutoNum type="arabicPeriod"/>
+            </a:pPr>
+            <a:r>
+              <a:rPr lang="ko-KR" altLang="en-US" b="1" i="0">
+                <a:effectLst/>
+                <a:latin typeface="Söhne"/>
+                <a:ea typeface="나눔스퀘어" panose="020B0600000101010101" pitchFamily="50" charset="-127"/>
+              </a:rPr>
+              <a:t>운동 아티팩트 교정</a:t>
+            </a:r>
+            <a:r>
+              <a:rPr lang="en-US" altLang="ko-KR" b="0" i="0">
+                <a:effectLst/>
+                <a:latin typeface="Söhne"/>
+                <a:ea typeface="나눔스퀘어" panose="020B0600000101010101" pitchFamily="50" charset="-127"/>
+              </a:rPr>
+              <a:t>:</a:t>
+            </a:r>
+          </a:p>
+          <a:p>
+            <a:pPr marL="742950" lvl="1" indent="-285750" algn="l">
+              <a:buFont typeface="+mj-lt"/>
+              <a:buAutoNum type="arabicPeriod"/>
+            </a:pPr>
+            <a:r>
+              <a:rPr lang="en-US" altLang="ko-KR" b="0" i="0">
+                <a:solidFill>
+                  <a:srgbClr val="FF0000"/>
+                </a:solidFill>
+                <a:effectLst/>
+                <a:latin typeface="Söhne"/>
+                <a:ea typeface="나눔스퀘어" panose="020B0600000101010101" pitchFamily="50" charset="-127"/>
+              </a:rPr>
+              <a:t>Friston</a:t>
+            </a:r>
+            <a:r>
+              <a:rPr lang="ko-KR" altLang="en-US" b="0" i="0">
+                <a:solidFill>
+                  <a:srgbClr val="FF0000"/>
+                </a:solidFill>
+                <a:effectLst/>
+                <a:latin typeface="Söhne"/>
+                <a:ea typeface="나눔스퀘어" panose="020B0600000101010101" pitchFamily="50" charset="-127"/>
+              </a:rPr>
+              <a:t>의 </a:t>
+            </a:r>
+            <a:r>
+              <a:rPr lang="en-US" altLang="ko-KR" b="0" i="0">
+                <a:solidFill>
+                  <a:srgbClr val="FF0000"/>
+                </a:solidFill>
+                <a:effectLst/>
+                <a:latin typeface="Söhne"/>
+                <a:ea typeface="나눔스퀘어" panose="020B0600000101010101" pitchFamily="50" charset="-127"/>
+              </a:rPr>
+              <a:t>24-</a:t>
+            </a:r>
+            <a:r>
+              <a:rPr lang="ko-KR" altLang="en-US" b="0" i="0">
+                <a:solidFill>
+                  <a:srgbClr val="FF0000"/>
+                </a:solidFill>
+                <a:effectLst/>
+                <a:latin typeface="Söhne"/>
+                <a:ea typeface="나눔스퀘어" panose="020B0600000101010101" pitchFamily="50" charset="-127"/>
+              </a:rPr>
+              <a:t>파라미터 보정 적용</a:t>
+            </a:r>
+            <a:r>
+              <a:rPr lang="en-US" altLang="ko-KR" b="0" i="0">
+                <a:solidFill>
+                  <a:srgbClr val="FF0000"/>
+                </a:solidFill>
+                <a:effectLst/>
+                <a:latin typeface="Söhne"/>
+                <a:ea typeface="나눔스퀘어" panose="020B0600000101010101" pitchFamily="50" charset="-127"/>
+              </a:rPr>
+              <a:t>. (6 parameter(3</a:t>
+            </a:r>
+            <a:r>
+              <a:rPr lang="ko-KR" altLang="en-US" b="0" i="0">
+                <a:solidFill>
+                  <a:srgbClr val="FF0000"/>
+                </a:solidFill>
+                <a:effectLst/>
+                <a:latin typeface="Söhne"/>
+                <a:ea typeface="나눔스퀘어" panose="020B0600000101010101" pitchFamily="50" charset="-127"/>
+              </a:rPr>
+              <a:t>회전</a:t>
+            </a:r>
+            <a:r>
+              <a:rPr lang="en-US" altLang="ko-KR" b="0" i="0">
+                <a:solidFill>
+                  <a:srgbClr val="FF0000"/>
+                </a:solidFill>
+                <a:effectLst/>
+                <a:latin typeface="Söhne"/>
+                <a:ea typeface="나눔스퀘어" panose="020B0600000101010101" pitchFamily="50" charset="-127"/>
+              </a:rPr>
+              <a:t>, 3</a:t>
+            </a:r>
+            <a:r>
+              <a:rPr lang="ko-KR" altLang="en-US" b="0" i="0">
+                <a:solidFill>
+                  <a:srgbClr val="FF0000"/>
+                </a:solidFill>
+                <a:effectLst/>
+                <a:latin typeface="Söhne"/>
+                <a:ea typeface="나눔스퀘어" panose="020B0600000101010101" pitchFamily="50" charset="-127"/>
+              </a:rPr>
+              <a:t>이동</a:t>
+            </a:r>
+            <a:r>
+              <a:rPr lang="en-US" altLang="ko-KR" b="0" i="0">
+                <a:solidFill>
+                  <a:srgbClr val="FF0000"/>
+                </a:solidFill>
+                <a:effectLst/>
+                <a:latin typeface="Söhne"/>
+                <a:ea typeface="나눔스퀘어" panose="020B0600000101010101" pitchFamily="50" charset="-127"/>
+              </a:rPr>
+              <a:t>))</a:t>
+            </a:r>
+          </a:p>
+          <a:p>
+            <a:pPr marL="742950" lvl="1" indent="-285750" algn="l">
+              <a:buFont typeface="+mj-lt"/>
+              <a:buAutoNum type="arabicPeriod"/>
+            </a:pPr>
+            <a:r>
+              <a:rPr lang="en-US" altLang="ko-KR" b="0" i="0">
+                <a:solidFill>
+                  <a:srgbClr val="FF0000"/>
+                </a:solidFill>
+                <a:effectLst/>
+                <a:latin typeface="Söhne"/>
+                <a:ea typeface="나눔스퀘어" panose="020B0600000101010101" pitchFamily="50" charset="-127"/>
+              </a:rPr>
+              <a:t>Power </a:t>
+            </a:r>
+            <a:r>
+              <a:rPr lang="ko-KR" altLang="en-US" b="0" i="0">
+                <a:solidFill>
+                  <a:srgbClr val="FF0000"/>
+                </a:solidFill>
+                <a:effectLst/>
+                <a:latin typeface="Söhne"/>
+                <a:ea typeface="나눔스퀘어" panose="020B0600000101010101" pitchFamily="50" charset="-127"/>
+              </a:rPr>
+              <a:t>등이 제안한 </a:t>
+            </a:r>
+            <a:r>
+              <a:rPr lang="en-US" altLang="ko-KR" b="0" i="0">
+                <a:solidFill>
+                  <a:srgbClr val="FF0000"/>
+                </a:solidFill>
+                <a:effectLst/>
+                <a:latin typeface="Söhne"/>
+                <a:ea typeface="나눔스퀘어" panose="020B0600000101010101" pitchFamily="50" charset="-127"/>
+              </a:rPr>
+              <a:t>"head motion scrubbing" </a:t>
+            </a:r>
+            <a:r>
+              <a:rPr lang="ko-KR" altLang="en-US" b="0" i="0">
+                <a:solidFill>
+                  <a:srgbClr val="FF0000"/>
+                </a:solidFill>
+                <a:effectLst/>
+                <a:latin typeface="Söhne"/>
+                <a:ea typeface="나눔스퀘어" panose="020B0600000101010101" pitchFamily="50" charset="-127"/>
+              </a:rPr>
+              <a:t>방법 적용</a:t>
+            </a:r>
+            <a:r>
+              <a:rPr lang="en-US" altLang="ko-KR" b="0" i="0">
+                <a:solidFill>
+                  <a:srgbClr val="FF0000"/>
+                </a:solidFill>
+                <a:effectLst/>
+                <a:latin typeface="Söhne"/>
+                <a:ea typeface="나눔스퀘어" panose="020B0600000101010101" pitchFamily="50" charset="-127"/>
+              </a:rPr>
+              <a:t>. (X)</a:t>
+            </a:r>
+          </a:p>
+          <a:p>
+            <a:pPr marL="742950" lvl="1" indent="-285750" algn="l">
+              <a:buFont typeface="+mj-lt"/>
+              <a:buAutoNum type="arabicPeriod"/>
+            </a:pPr>
+            <a:r>
+              <a:rPr lang="ko-KR" altLang="en-US" b="0" i="0">
+                <a:solidFill>
+                  <a:srgbClr val="FF0000"/>
+                </a:solidFill>
+                <a:effectLst/>
+                <a:latin typeface="Söhne"/>
+                <a:ea typeface="나눔스퀘어" panose="020B0600000101010101" pitchFamily="50" charset="-127"/>
+              </a:rPr>
+              <a:t>프레임별 변위</a:t>
+            </a:r>
+            <a:r>
+              <a:rPr lang="en-US" altLang="ko-KR" b="0" i="0">
+                <a:solidFill>
+                  <a:srgbClr val="FF0000"/>
+                </a:solidFill>
+                <a:effectLst/>
+                <a:latin typeface="Söhne"/>
+                <a:ea typeface="나눔스퀘어" panose="020B0600000101010101" pitchFamily="50" charset="-127"/>
+              </a:rPr>
+              <a:t>(FD)</a:t>
+            </a:r>
+            <a:r>
+              <a:rPr lang="ko-KR" altLang="en-US" b="0" i="0">
+                <a:solidFill>
+                  <a:srgbClr val="FF0000"/>
+                </a:solidFill>
+                <a:effectLst/>
+                <a:latin typeface="Söhne"/>
+                <a:ea typeface="나눔스퀘어" panose="020B0600000101010101" pitchFamily="50" charset="-127"/>
+              </a:rPr>
+              <a:t>가 </a:t>
+            </a:r>
+            <a:r>
+              <a:rPr lang="en-US" altLang="ko-KR" b="0" i="0">
+                <a:solidFill>
+                  <a:srgbClr val="FF0000"/>
+                </a:solidFill>
+                <a:effectLst/>
+                <a:latin typeface="Söhne"/>
+                <a:ea typeface="나눔스퀘어" panose="020B0600000101010101" pitchFamily="50" charset="-127"/>
+              </a:rPr>
+              <a:t>0.5mm </a:t>
+            </a:r>
+            <a:r>
+              <a:rPr lang="ko-KR" altLang="en-US" b="0" i="0">
+                <a:solidFill>
+                  <a:srgbClr val="FF0000"/>
+                </a:solidFill>
+                <a:effectLst/>
+                <a:latin typeface="Söhne"/>
+                <a:ea typeface="나눔스퀘어" panose="020B0600000101010101" pitchFamily="50" charset="-127"/>
+              </a:rPr>
+              <a:t>이상인 볼륨을 식별하고 제외</a:t>
+            </a:r>
+            <a:r>
+              <a:rPr lang="en-US" altLang="ko-KR" b="0" i="0">
+                <a:solidFill>
+                  <a:srgbClr val="FF0000"/>
+                </a:solidFill>
+                <a:effectLst/>
+                <a:latin typeface="Söhne"/>
+                <a:ea typeface="나눔스퀘어" panose="020B0600000101010101" pitchFamily="50" charset="-127"/>
+              </a:rPr>
+              <a:t>. (X)</a:t>
+            </a:r>
+          </a:p>
+          <a:p>
+            <a:pPr algn="l">
+              <a:buFont typeface="+mj-lt"/>
+              <a:buAutoNum type="arabicPeriod"/>
+            </a:pPr>
+            <a:r>
+              <a:rPr lang="ko-KR" altLang="en-US" b="1" i="0">
+                <a:effectLst/>
+                <a:latin typeface="Söhne"/>
+                <a:ea typeface="나눔스퀘어" panose="020B0600000101010101" pitchFamily="50" charset="-127"/>
+              </a:rPr>
+              <a:t>공간 정규화</a:t>
+            </a:r>
+            <a:r>
+              <a:rPr lang="en-US" altLang="ko-KR" b="0" i="0">
+                <a:effectLst/>
+                <a:latin typeface="Söhne"/>
+                <a:ea typeface="나눔스퀘어" panose="020B0600000101010101" pitchFamily="50" charset="-127"/>
+              </a:rPr>
+              <a:t>: </a:t>
+            </a:r>
+            <a:r>
+              <a:rPr lang="ko-KR" altLang="en-US" b="0" i="0">
+                <a:effectLst/>
+                <a:latin typeface="Söhne"/>
+                <a:ea typeface="나눔스퀘어" panose="020B0600000101010101" pitchFamily="50" charset="-127"/>
+              </a:rPr>
+              <a:t>이미지를 </a:t>
+            </a:r>
+            <a:r>
+              <a:rPr lang="en-US" altLang="ko-KR" b="0" i="0">
+                <a:effectLst/>
+                <a:latin typeface="Söhne"/>
+                <a:ea typeface="나눔스퀘어" panose="020B0600000101010101" pitchFamily="50" charset="-127"/>
+              </a:rPr>
+              <a:t>MNI 152 </a:t>
+            </a:r>
+            <a:r>
+              <a:rPr lang="ko-KR" altLang="en-US" b="0" i="0">
+                <a:effectLst/>
+                <a:latin typeface="Söhne"/>
+                <a:ea typeface="나눔스퀘어" panose="020B0600000101010101" pitchFamily="50" charset="-127"/>
+              </a:rPr>
+              <a:t>템플릿으로 </a:t>
+            </a:r>
+            <a:r>
+              <a:rPr lang="en-US" altLang="ko-KR" b="0" i="0">
+                <a:solidFill>
+                  <a:srgbClr val="FF0000"/>
+                </a:solidFill>
+                <a:effectLst/>
+                <a:latin typeface="Söhne"/>
+                <a:ea typeface="나눔스퀘어" panose="020B0600000101010101" pitchFamily="50" charset="-127"/>
+              </a:rPr>
+              <a:t>3 × 3 × 3mm^3</a:t>
+            </a:r>
+            <a:r>
+              <a:rPr lang="ko-KR" altLang="en-US" b="0" i="0">
+                <a:effectLst/>
+                <a:latin typeface="Söhne"/>
+                <a:ea typeface="나눔스퀘어" panose="020B0600000101010101" pitchFamily="50" charset="-127"/>
+              </a:rPr>
+              <a:t>로 정규화</a:t>
+            </a:r>
+            <a:r>
+              <a:rPr lang="en-US" altLang="ko-KR" b="0" i="0">
+                <a:effectLst/>
+                <a:latin typeface="Söhne"/>
+                <a:ea typeface="나눔스퀘어" panose="020B0600000101010101" pitchFamily="50" charset="-127"/>
+              </a:rPr>
+              <a:t>.(</a:t>
+            </a:r>
+            <a:r>
+              <a:rPr lang="en-US" altLang="ko-KR">
+                <a:latin typeface="Söhne"/>
+                <a:ea typeface="나눔스퀘어" panose="020B0600000101010101" pitchFamily="50" charset="-127"/>
+              </a:rPr>
+              <a:t>frmi-prep 22.02</a:t>
+            </a:r>
+            <a:r>
+              <a:rPr lang="ko-KR" altLang="en-US">
+                <a:latin typeface="Söhne"/>
+                <a:ea typeface="나눔스퀘어" panose="020B0600000101010101" pitchFamily="50" charset="-127"/>
+              </a:rPr>
+              <a:t>에서는 </a:t>
+            </a:r>
+            <a:r>
+              <a:rPr lang="en-US" altLang="ko-KR" b="0" i="0">
+                <a:effectLst/>
+                <a:latin typeface="Söhne"/>
+                <a:ea typeface="나눔스퀘어" panose="020B0600000101010101" pitchFamily="50" charset="-127"/>
+              </a:rPr>
+              <a:t>MNI152NLin6Asym template</a:t>
+            </a:r>
+            <a:r>
+              <a:rPr lang="ko-KR" altLang="en-US" b="0" i="0">
+                <a:effectLst/>
+                <a:latin typeface="Söhne"/>
+                <a:ea typeface="나눔스퀘어" panose="020B0600000101010101" pitchFamily="50" charset="-127"/>
+              </a:rPr>
+              <a:t>을 기본적으로 사용</a:t>
+            </a:r>
+            <a:r>
+              <a:rPr lang="en-US" altLang="ko-KR" b="0" i="0">
+                <a:effectLst/>
+                <a:latin typeface="Söhne"/>
+                <a:ea typeface="나눔스퀘어" panose="020B0600000101010101" pitchFamily="50" charset="-127"/>
+              </a:rPr>
+              <a:t>, 1x1x1 mm )</a:t>
+            </a:r>
+          </a:p>
+          <a:p>
+            <a:pPr algn="l">
+              <a:buFont typeface="+mj-lt"/>
+              <a:buAutoNum type="arabicPeriod"/>
+            </a:pPr>
+            <a:r>
+              <a:rPr lang="ko-KR" altLang="en-US" b="1" i="0">
+                <a:solidFill>
+                  <a:srgbClr val="FF0000"/>
+                </a:solidFill>
+                <a:effectLst/>
+                <a:latin typeface="Söhne"/>
+                <a:ea typeface="나눔스퀘어" panose="020B0600000101010101" pitchFamily="50" charset="-127"/>
+              </a:rPr>
+              <a:t>선형 디트렌딩 및 시간 대역 필터링</a:t>
+            </a:r>
+            <a:r>
+              <a:rPr lang="en-US" altLang="ko-KR" b="0" i="0">
+                <a:solidFill>
+                  <a:srgbClr val="FF0000"/>
+                </a:solidFill>
+                <a:effectLst/>
+                <a:latin typeface="Söhne"/>
+                <a:ea typeface="나눔스퀘어" panose="020B0600000101010101" pitchFamily="50" charset="-127"/>
+              </a:rPr>
+              <a:t>: 0.01–0.08 Hz </a:t>
+            </a:r>
+            <a:r>
+              <a:rPr lang="ko-KR" altLang="en-US" b="0" i="0">
+                <a:solidFill>
+                  <a:srgbClr val="FF0000"/>
+                </a:solidFill>
+                <a:effectLst/>
+                <a:latin typeface="Söhne"/>
+                <a:ea typeface="나눔스퀘어" panose="020B0600000101010101" pitchFamily="50" charset="-127"/>
+              </a:rPr>
+              <a:t>대역으로 </a:t>
+            </a:r>
+            <a:r>
+              <a:rPr lang="en-US" altLang="ko-KR" b="0" i="0">
+                <a:solidFill>
+                  <a:srgbClr val="FF0000"/>
+                </a:solidFill>
+                <a:effectLst/>
+                <a:latin typeface="Söhne"/>
+                <a:ea typeface="나눔스퀘어" panose="020B0600000101010101" pitchFamily="50" charset="-127"/>
+              </a:rPr>
+              <a:t>bandpass </a:t>
+            </a:r>
+            <a:r>
+              <a:rPr lang="ko-KR" altLang="en-US" b="0" i="0">
+                <a:solidFill>
+                  <a:srgbClr val="FF0000"/>
+                </a:solidFill>
+                <a:effectLst/>
+                <a:latin typeface="Söhne"/>
+                <a:ea typeface="나눔스퀘어" panose="020B0600000101010101" pitchFamily="50" charset="-127"/>
+              </a:rPr>
+              <a:t>필터링</a:t>
+            </a:r>
+            <a:r>
+              <a:rPr lang="en-US" altLang="ko-KR" b="0" i="0">
+                <a:solidFill>
+                  <a:srgbClr val="FF0000"/>
+                </a:solidFill>
+                <a:effectLst/>
+                <a:latin typeface="Söhne"/>
+                <a:ea typeface="나눔스퀘어" panose="020B0600000101010101" pitchFamily="50" charset="-127"/>
+              </a:rPr>
+              <a:t>, </a:t>
+            </a:r>
+            <a:r>
+              <a:rPr lang="ko-KR" altLang="en-US" b="0" i="0">
+                <a:solidFill>
+                  <a:srgbClr val="FF0000"/>
+                </a:solidFill>
+                <a:effectLst/>
+                <a:latin typeface="Söhne"/>
+                <a:ea typeface="나눔스퀘어" panose="020B0600000101010101" pitchFamily="50" charset="-127"/>
+              </a:rPr>
+              <a:t>저주파 드리프트 및 고주파 생리적 노이즈 제거 </a:t>
+            </a:r>
+            <a:r>
+              <a:rPr lang="en-US" altLang="ko-KR" b="0" i="0">
+                <a:solidFill>
+                  <a:srgbClr val="FF0000"/>
+                </a:solidFill>
+                <a:effectLst/>
+                <a:latin typeface="Söhne"/>
+                <a:ea typeface="나눔스퀘어" panose="020B0600000101010101" pitchFamily="50" charset="-127"/>
+              </a:rPr>
+              <a:t>(</a:t>
+            </a:r>
+            <a:r>
+              <a:rPr lang="en-US" altLang="ko-KR">
+                <a:solidFill>
+                  <a:srgbClr val="FF0000"/>
+                </a:solidFill>
+                <a:latin typeface="Söhne"/>
+                <a:ea typeface="나눔스퀘어" panose="020B0600000101010101" pitchFamily="50" charset="-127"/>
+              </a:rPr>
+              <a:t>X)</a:t>
+            </a:r>
+            <a:endParaRPr lang="en-US" altLang="ko-KR" b="0" i="0">
+              <a:solidFill>
+                <a:srgbClr val="FF0000"/>
+              </a:solidFill>
+              <a:effectLst/>
+              <a:latin typeface="Söhne"/>
+              <a:ea typeface="나눔스퀘어" panose="020B0600000101010101" pitchFamily="50" charset="-127"/>
+            </a:endParaRPr>
+          </a:p>
+          <a:p>
+            <a:pPr algn="l">
+              <a:buFont typeface="+mj-lt"/>
+              <a:buAutoNum type="arabicPeriod"/>
+            </a:pPr>
+            <a:r>
+              <a:rPr lang="ko-KR" altLang="en-US" b="1" i="0">
+                <a:solidFill>
+                  <a:srgbClr val="FF0000"/>
+                </a:solidFill>
+                <a:effectLst/>
+                <a:latin typeface="Söhne"/>
+                <a:ea typeface="나눔스퀘어" panose="020B0600000101010101" pitchFamily="50" charset="-127"/>
+              </a:rPr>
+              <a:t>신호 회귀</a:t>
+            </a:r>
+            <a:r>
+              <a:rPr lang="en-US" altLang="ko-KR" b="0" i="0">
+                <a:solidFill>
+                  <a:srgbClr val="FF0000"/>
+                </a:solidFill>
+                <a:effectLst/>
+                <a:latin typeface="Söhne"/>
+                <a:ea typeface="나눔스퀘어" panose="020B0600000101010101" pitchFamily="50" charset="-127"/>
+              </a:rPr>
+              <a:t>: </a:t>
+            </a:r>
+            <a:r>
+              <a:rPr lang="ko-KR" altLang="en-US" b="0" i="0">
+                <a:solidFill>
+                  <a:srgbClr val="FF0000"/>
+                </a:solidFill>
+                <a:effectLst/>
+                <a:latin typeface="Söhne"/>
+                <a:ea typeface="나눔스퀘어" panose="020B0600000101010101" pitchFamily="50" charset="-127"/>
+              </a:rPr>
+              <a:t>전역 신호</a:t>
+            </a:r>
+            <a:r>
+              <a:rPr lang="en-US" altLang="ko-KR" b="0" i="0">
+                <a:solidFill>
+                  <a:srgbClr val="FF0000"/>
+                </a:solidFill>
+                <a:effectLst/>
+                <a:latin typeface="Söhne"/>
+                <a:ea typeface="나눔스퀘어" panose="020B0600000101010101" pitchFamily="50" charset="-127"/>
+              </a:rPr>
+              <a:t>, </a:t>
+            </a:r>
+            <a:r>
+              <a:rPr lang="ko-KR" altLang="en-US" b="0" i="0">
+                <a:solidFill>
+                  <a:srgbClr val="FF0000"/>
+                </a:solidFill>
+                <a:effectLst/>
+                <a:latin typeface="Söhne"/>
+                <a:ea typeface="나눔스퀘어" panose="020B0600000101010101" pitchFamily="50" charset="-127"/>
+              </a:rPr>
+              <a:t>백질 신호</a:t>
+            </a:r>
+            <a:r>
+              <a:rPr lang="en-US" altLang="ko-KR" b="0" i="0">
+                <a:solidFill>
+                  <a:srgbClr val="FF0000"/>
+                </a:solidFill>
+                <a:effectLst/>
+                <a:latin typeface="Söhne"/>
+                <a:ea typeface="나눔스퀘어" panose="020B0600000101010101" pitchFamily="50" charset="-127"/>
+              </a:rPr>
+              <a:t>, </a:t>
+            </a:r>
+            <a:r>
+              <a:rPr lang="ko-KR" altLang="en-US" b="0" i="0">
+                <a:solidFill>
+                  <a:srgbClr val="FF0000"/>
+                </a:solidFill>
+                <a:effectLst/>
+                <a:latin typeface="Söhne"/>
+                <a:ea typeface="나눔스퀘어" panose="020B0600000101010101" pitchFamily="50" charset="-127"/>
+              </a:rPr>
+              <a:t>뇌척수액 신호 및 운동 파라미터를 제거</a:t>
+            </a:r>
+            <a:r>
+              <a:rPr lang="en-US" altLang="ko-KR" b="0" i="0">
+                <a:solidFill>
+                  <a:srgbClr val="FF0000"/>
+                </a:solidFill>
+                <a:effectLst/>
+                <a:latin typeface="Söhne"/>
+                <a:ea typeface="나눔스퀘어" panose="020B0600000101010101" pitchFamily="50" charset="-127"/>
+              </a:rPr>
+              <a:t>. (X)</a:t>
+            </a:r>
           </a:p>
         </p:txBody>
       </p:sp>
@@ -5515,8 +5976,8 @@
         </p:nvSpPr>
         <p:spPr>
           <a:xfrm>
-            <a:off x="960120" y="1982406"/>
-            <a:ext cx="10515600" cy="4351338"/>
+            <a:off x="838200" y="1541534"/>
+            <a:ext cx="10812780" cy="1887466"/>
           </a:xfrm>
         </p:spPr>
         <p:txBody>
@@ -5525,20 +5986,11 @@
           </a:bodyPr>
           <a:lstStyle/>
           <a:p>
-            <a:pPr marL="0" indent="0">
-              <a:buNone/>
+            <a:pPr marL="514350" indent="-514350">
+              <a:buAutoNum type="arabicPeriod"/>
             </a:pPr>
             <a:r>
-              <a:rPr lang="en-US" altLang="ko-KR" dirty="0"/>
-              <a:t>&lt;Input&gt;</a:t>
-            </a:r>
-          </a:p>
-          <a:p>
-            <a:pPr marL="0" indent="0">
-              <a:buNone/>
-            </a:pPr>
-            <a:r>
-              <a:rPr lang="en-US" altLang="ko-KR" dirty="0"/>
+              <a:rPr lang="en-US" altLang="ko-KR"/>
               <a:t>Atlas </a:t>
             </a:r>
             <a:r>
@@ -5550,30 +6002,46 @@
               <a:t>mask</a:t>
             </a:r>
             <a:r>
-              <a:rPr lang="ko-KR" altLang="en-US" dirty="0"/>
+              <a:rPr lang="ko-KR" altLang="en-US"/>
               <a:t>를 </a:t>
             </a:r>
             <a:r>
+              <a:rPr lang="en-US" altLang="ko-KR"/>
+              <a:t>fMRI </a:t>
+            </a:r>
+            <a:r>
               <a:rPr lang="en-US" altLang="ko-KR" dirty="0"/>
-              <a:t>fMRI image</a:t>
-            </a:r>
-            <a:r>
-              <a:rPr lang="ko-KR" altLang="en-US" dirty="0"/>
+              <a:t>image</a:t>
+            </a:r>
+            <a:r>
+              <a:rPr lang="ko-KR" altLang="en-US"/>
               <a:t>에 적용</a:t>
             </a:r>
-            <a:endParaRPr lang="en-US" altLang="ko-KR" dirty="0"/>
-          </a:p>
-          <a:p>
-            <a:pPr marL="0" indent="0">
-              <a:buNone/>
+            <a:endParaRPr lang="en-US" altLang="ko-KR"/>
+          </a:p>
+          <a:p>
+            <a:pPr marL="514350" indent="-514350">
+              <a:buAutoNum type="arabicPeriod"/>
             </a:pPr>
             <a:r>
-              <a:rPr lang="en-US" altLang="ko-KR" dirty="0"/>
+              <a:rPr lang="ko-KR" altLang="en-US"/>
+              <a:t>시간에 따른 두 </a:t>
+            </a:r>
+            <a:r>
+              <a:rPr lang="en-US" altLang="ko-KR"/>
               <a:t>ROI</a:t>
             </a:r>
             <a:r>
-              <a:rPr lang="ko-KR" altLang="en-US" dirty="0"/>
-              <a:t> 간 </a:t>
+              <a:rPr lang="ko-KR" altLang="en-US"/>
+              <a:t> </a:t>
+            </a:r>
+            <a:r>
+              <a:rPr lang="en-US" altLang="ko-KR"/>
+              <a:t>fMRI signal</a:t>
+            </a:r>
+            <a:r>
+              <a:rPr lang="ko-KR" altLang="en-US"/>
+              <a:t>간의 </a:t>
             </a:r>
             <a:r>
               <a:rPr lang="en-US" altLang="ko-KR" dirty="0" err="1"/>
@@ -5581,11 +6049,41 @@
             </a:r>
             <a:r>
               <a:rPr lang="en-US" altLang="ko-KR" dirty="0"/>
-              <a:t> correlation </a:t>
-            </a:r>
-            <a:r>
-              <a:rPr lang="ko-KR" altLang="en-US" dirty="0"/>
+              <a:t> </a:t>
+            </a:r>
+            <a:r>
+              <a:rPr lang="en-US" altLang="ko-KR"/>
+              <a:t>correlation </a:t>
+            </a:r>
+            <a:r>
+              <a:rPr lang="ko-KR" altLang="en-US"/>
               <a:t>계산</a:t>
+            </a:r>
+            <a:endParaRPr lang="en-US" altLang="ko-KR"/>
+          </a:p>
+          <a:p>
+            <a:pPr marL="0" indent="0">
+              <a:buNone/>
+            </a:pPr>
+            <a:r>
+              <a:rPr lang="en-US" altLang="ko-KR"/>
+              <a:t>*brain mask : MRI brain</a:t>
+            </a:r>
+            <a:r>
+              <a:rPr lang="ko-KR" altLang="en-US"/>
+              <a:t> </a:t>
+            </a:r>
+            <a:r>
+              <a:rPr lang="en-US" altLang="ko-KR"/>
+              <a:t>image</a:t>
+            </a:r>
+            <a:r>
+              <a:rPr lang="ko-KR" altLang="en-US"/>
+              <a:t>에서 뇌 조직 영역과 뇌 조직이 아닌 영역을 구분하기 위해 사용되는 </a:t>
+            </a:r>
+            <a:r>
+              <a:rPr lang="en-US" altLang="ko-KR"/>
+              <a:t>binary image</a:t>
             </a:r>
             <a:endParaRPr lang="en-US" altLang="ko-KR" dirty="0"/>
           </a:p>
@@ -5611,19 +6109,436 @@
             <a:pPr marL="0" indent="0">
               <a:buNone/>
             </a:pPr>
-            <a:endParaRPr lang="en-US" altLang="ko-KR" dirty="0"/>
-          </a:p>
+            <a:endParaRPr lang="ko-KR" altLang="en-US" dirty="0"/>
+          </a:p>
+        </p:txBody>
+      </p:sp>
+      <p:sp>
+        <p:nvSpPr>
+          <p:cNvPr id="4" name="내용 개체 틀 2">
+            <a:extLst>
+              <a:ext uri="{FF2B5EF4-FFF2-40B4-BE49-F238E27FC236}">
+                <a16:creationId xmlns:a16="http://schemas.microsoft.com/office/drawing/2014/main" id="{8704553D-EDA3-C1A3-F0DD-3DF778AA10D7}"/>
+              </a:ext>
+            </a:extLst>
+          </p:cNvPr>
+          <p:cNvSpPr txBox="1">
+            <a:spLocks/>
+          </p:cNvSpPr>
+          <p:nvPr/>
+        </p:nvSpPr>
+        <p:spPr>
+          <a:xfrm>
+            <a:off x="541020" y="3650117"/>
+            <a:ext cx="11839381" cy="4351338"/>
+          </a:xfrm>
+          <a:prstGeom prst="rect">
+            <a:avLst/>
+          </a:prstGeom>
+        </p:spPr>
+        <p:txBody>
+          <a:bodyPr vert="horz" lIns="91440" tIns="45720" rIns="91440" bIns="45720" rtlCol="0">
+            <a:normAutofit lnSpcReduction="10000"/>
+          </a:bodyPr>
+          <a:lstStyle>
+            <a:lvl1pPr marL="228600" indent="-228600" algn="l" defTabSz="914400" rtl="0" eaLnBrk="1" latinLnBrk="1" hangingPunct="1">
+              <a:lnSpc>
+                <a:spcPct val="90000"/>
+              </a:lnSpc>
+              <a:spcBef>
+                <a:spcPts val="1000"/>
+              </a:spcBef>
+              <a:buFont typeface="Arial" panose="020B0604020202020204" pitchFamily="34" charset="0"/>
+              <a:buChar char="•"/>
+              <a:defRPr sz="2800" kern="1200">
+                <a:solidFill>
+                  <a:schemeClr val="tx1"/>
+                </a:solidFill>
+                <a:latin typeface="+mn-lt"/>
+                <a:ea typeface="+mn-ea"/>
+                <a:cs typeface="+mn-cs"/>
+              </a:defRPr>
+            </a:lvl1pPr>
+            <a:lvl2pPr marL="685800" indent="-228600" algn="l" defTabSz="914400" rtl="0" eaLnBrk="1" latinLnBrk="1" hangingPunct="1">
+              <a:lnSpc>
+                <a:spcPct val="90000"/>
+              </a:lnSpc>
+              <a:spcBef>
+                <a:spcPts val="500"/>
+              </a:spcBef>
+              <a:buFont typeface="Arial" panose="020B0604020202020204" pitchFamily="34" charset="0"/>
+              <a:buChar char="•"/>
+              <a:defRPr sz="2400" kern="1200">
+                <a:solidFill>
+                  <a:schemeClr val="tx1"/>
+                </a:solidFill>
+                <a:latin typeface="+mn-lt"/>
+                <a:ea typeface="+mn-ea"/>
+                <a:cs typeface="+mn-cs"/>
+              </a:defRPr>
+            </a:lvl2pPr>
+            <a:lvl3pPr marL="1143000" indent="-228600" algn="l" defTabSz="914400" rtl="0" eaLnBrk="1" latinLnBrk="1" hangingPunct="1">
+              <a:lnSpc>
+                <a:spcPct val="90000"/>
+              </a:lnSpc>
+              <a:spcBef>
+                <a:spcPts val="500"/>
+              </a:spcBef>
+              <a:buFont typeface="Arial" panose="020B0604020202020204" pitchFamily="34" charset="0"/>
+              <a:buChar char="•"/>
+              <a:defRPr sz="2000" kern="1200">
+                <a:solidFill>
+                  <a:schemeClr val="tx1"/>
+                </a:solidFill>
+                <a:latin typeface="+mn-lt"/>
+                <a:ea typeface="+mn-ea"/>
+                <a:cs typeface="+mn-cs"/>
+              </a:defRPr>
+            </a:lvl3pPr>
+            <a:lvl4pPr marL="1600200" indent="-228600" algn="l" defTabSz="914400" rtl="0" eaLnBrk="1" latinLnBrk="1" hangingPunct="1">
+              <a:lnSpc>
+                <a:spcPct val="90000"/>
+              </a:lnSpc>
+              <a:spcBef>
+                <a:spcPts val="500"/>
+              </a:spcBef>
+              <a:buFont typeface="Arial" panose="020B0604020202020204" pitchFamily="34" charset="0"/>
+              <a:buChar char="•"/>
+              <a:defRPr sz="1800" kern="1200">
+                <a:solidFill>
+                  <a:schemeClr val="tx1"/>
+                </a:solidFill>
+                <a:latin typeface="+mn-lt"/>
+                <a:ea typeface="+mn-ea"/>
+                <a:cs typeface="+mn-cs"/>
+              </a:defRPr>
+            </a:lvl4pPr>
+            <a:lvl5pPr marL="2057400" indent="-228600" algn="l" defTabSz="914400" rtl="0" eaLnBrk="1" latinLnBrk="1" hangingPunct="1">
+              <a:lnSpc>
+                <a:spcPct val="90000"/>
+              </a:lnSpc>
+              <a:spcBef>
+                <a:spcPts val="500"/>
+              </a:spcBef>
+              <a:buFont typeface="Arial" panose="020B0604020202020204" pitchFamily="34" charset="0"/>
+              <a:buChar char="•"/>
+              <a:defRPr sz="1800" kern="1200">
+                <a:solidFill>
+                  <a:schemeClr val="tx1"/>
+                </a:solidFill>
+                <a:latin typeface="+mn-lt"/>
+                <a:ea typeface="+mn-ea"/>
+                <a:cs typeface="+mn-cs"/>
+              </a:defRPr>
+            </a:lvl5pPr>
+            <a:lvl6pPr marL="2514600" indent="-228600" algn="l" defTabSz="914400" rtl="0" eaLnBrk="1" latinLnBrk="1" hangingPunct="1">
+              <a:lnSpc>
+                <a:spcPct val="90000"/>
+              </a:lnSpc>
+              <a:spcBef>
+                <a:spcPts val="500"/>
+              </a:spcBef>
+              <a:buFont typeface="Arial" panose="020B0604020202020204" pitchFamily="34" charset="0"/>
+              <a:buChar char="•"/>
+              <a:defRPr sz="1800" kern="1200">
+                <a:solidFill>
+                  <a:schemeClr val="tx1"/>
+                </a:solidFill>
+                <a:latin typeface="+mn-lt"/>
+                <a:ea typeface="+mn-ea"/>
+                <a:cs typeface="+mn-cs"/>
+              </a:defRPr>
+            </a:lvl6pPr>
+            <a:lvl7pPr marL="2971800" indent="-228600" algn="l" defTabSz="914400" rtl="0" eaLnBrk="1" latinLnBrk="1" hangingPunct="1">
+              <a:lnSpc>
+                <a:spcPct val="90000"/>
+              </a:lnSpc>
+              <a:spcBef>
+                <a:spcPts val="500"/>
+              </a:spcBef>
+              <a:buFont typeface="Arial" panose="020B0604020202020204" pitchFamily="34" charset="0"/>
+              <a:buChar char="•"/>
+              <a:defRPr sz="1800" kern="1200">
+                <a:solidFill>
+                  <a:schemeClr val="tx1"/>
+                </a:solidFill>
+                <a:latin typeface="+mn-lt"/>
+                <a:ea typeface="+mn-ea"/>
+                <a:cs typeface="+mn-cs"/>
+              </a:defRPr>
+            </a:lvl7pPr>
+            <a:lvl8pPr marL="3429000" indent="-228600" algn="l" defTabSz="914400" rtl="0" eaLnBrk="1" latinLnBrk="1" hangingPunct="1">
+              <a:lnSpc>
+                <a:spcPct val="90000"/>
+              </a:lnSpc>
+              <a:spcBef>
+                <a:spcPts val="500"/>
+              </a:spcBef>
+              <a:buFont typeface="Arial" panose="020B0604020202020204" pitchFamily="34" charset="0"/>
+              <a:buChar char="•"/>
+              <a:defRPr sz="1800" kern="1200">
+                <a:solidFill>
+                  <a:schemeClr val="tx1"/>
+                </a:solidFill>
+                <a:latin typeface="+mn-lt"/>
+                <a:ea typeface="+mn-ea"/>
+                <a:cs typeface="+mn-cs"/>
+              </a:defRPr>
+            </a:lvl8pPr>
+            <a:lvl9pPr marL="3886200" indent="-228600" algn="l" defTabSz="914400" rtl="0" eaLnBrk="1" latinLnBrk="1" hangingPunct="1">
+              <a:lnSpc>
+                <a:spcPct val="90000"/>
+              </a:lnSpc>
+              <a:spcBef>
+                <a:spcPts val="500"/>
+              </a:spcBef>
+              <a:buFont typeface="Arial" panose="020B0604020202020204" pitchFamily="34" charset="0"/>
+              <a:buChar char="•"/>
+              <a:defRPr sz="1800" kern="1200">
+                <a:solidFill>
+                  <a:schemeClr val="tx1"/>
+                </a:solidFill>
+                <a:latin typeface="+mn-lt"/>
+                <a:ea typeface="+mn-ea"/>
+                <a:cs typeface="+mn-cs"/>
+              </a:defRPr>
+            </a:lvl9pPr>
+          </a:lstStyle>
           <a:p>
             <a:pPr marL="0" indent="0">
+              <a:buFont typeface="Arial" panose="020B0604020202020204" pitchFamily="34" charset="0"/>
               <a:buNone/>
             </a:pPr>
-            <a:endParaRPr lang="en-US" altLang="ko-KR" dirty="0"/>
+            <a:r>
+              <a:rPr lang="en-US" altLang="ko-KR">
+                <a:latin typeface="나눔스퀘어" panose="020B0600000101010101" pitchFamily="50" charset="-127"/>
+                <a:ea typeface="나눔스퀘어" panose="020B0600000101010101" pitchFamily="50" charset="-127"/>
+              </a:rPr>
+              <a:t>1. Schaefer2018 (400Parcels_17Networks_1mm)</a:t>
+            </a:r>
+          </a:p>
+          <a:p>
+            <a:pPr>
+              <a:buFont typeface="Wingdings" panose="05000000000000000000" pitchFamily="2" charset="2"/>
+              <a:buChar char="è"/>
+            </a:pPr>
+            <a:r>
+              <a:rPr lang="en-US" altLang="ko-KR">
+                <a:latin typeface="나눔스퀘어" panose="020B0600000101010101" pitchFamily="50" charset="-127"/>
+                <a:ea typeface="나눔스퀘어" panose="020B0600000101010101" pitchFamily="50" charset="-127"/>
+              </a:rPr>
+              <a:t>Dataset1(UCLA_CNP) : subject 263</a:t>
+            </a:r>
+            <a:r>
+              <a:rPr lang="ko-KR" altLang="en-US">
+                <a:latin typeface="나눔스퀘어" panose="020B0600000101010101" pitchFamily="50" charset="-127"/>
+                <a:ea typeface="나눔스퀘어" panose="020B0600000101010101" pitchFamily="50" charset="-127"/>
+              </a:rPr>
+              <a:t>명 중 </a:t>
+            </a:r>
+            <a:r>
+              <a:rPr lang="en-US" altLang="ko-KR">
+                <a:latin typeface="나눔스퀘어" panose="020B0600000101010101" pitchFamily="50" charset="-127"/>
+                <a:ea typeface="나눔스퀘어" panose="020B0600000101010101" pitchFamily="50" charset="-127"/>
+              </a:rPr>
+              <a:t>117</a:t>
+            </a:r>
+            <a:r>
+              <a:rPr lang="ko-KR" altLang="en-US">
+                <a:latin typeface="나눔스퀘어" panose="020B0600000101010101" pitchFamily="50" charset="-127"/>
+                <a:ea typeface="나눔스퀘어" panose="020B0600000101010101" pitchFamily="50" charset="-127"/>
+              </a:rPr>
+              <a:t>명 가능</a:t>
+            </a:r>
+            <a:r>
+              <a:rPr lang="en-US" altLang="ko-KR">
+                <a:latin typeface="나눔스퀘어" panose="020B0600000101010101" pitchFamily="50" charset="-127"/>
+                <a:ea typeface="나눔스퀘어" panose="020B0600000101010101" pitchFamily="50" charset="-127"/>
+              </a:rPr>
+              <a:t>(HC 52, SCZ 25)</a:t>
+            </a:r>
+          </a:p>
+          <a:p>
+            <a:pPr>
+              <a:buFont typeface="Wingdings" panose="05000000000000000000" pitchFamily="2" charset="2"/>
+              <a:buChar char="è"/>
+            </a:pPr>
+            <a:endParaRPr lang="en-US" altLang="ko-KR">
+              <a:latin typeface="나눔스퀘어" panose="020B0600000101010101" pitchFamily="50" charset="-127"/>
+              <a:ea typeface="나눔스퀘어" panose="020B0600000101010101" pitchFamily="50" charset="-127"/>
+            </a:endParaRPr>
           </a:p>
           <a:p>
             <a:pPr marL="0" indent="0">
+              <a:buFont typeface="Arial" panose="020B0604020202020204" pitchFamily="34" charset="0"/>
               <a:buNone/>
             </a:pPr>
-            <a:endParaRPr lang="ko-KR" altLang="en-US" dirty="0"/>
+            <a:r>
+              <a:rPr lang="en-US" altLang="ko-KR">
+                <a:latin typeface="나눔스퀘어" panose="020B0600000101010101" pitchFamily="50" charset="-127"/>
+                <a:ea typeface="나눔스퀘어" panose="020B0600000101010101" pitchFamily="50" charset="-127"/>
+              </a:rPr>
+              <a:t>2. AAL3v1 (164parcels)</a:t>
+            </a:r>
+          </a:p>
+          <a:p>
+            <a:pPr marL="0" indent="0">
+              <a:buFont typeface="Arial" panose="020B0604020202020204" pitchFamily="34" charset="0"/>
+              <a:buNone/>
+            </a:pPr>
+            <a:r>
+              <a:rPr lang="en-US" altLang="ko-KR">
+                <a:latin typeface="나눔스퀘어" panose="020B0600000101010101" pitchFamily="50" charset="-127"/>
+                <a:ea typeface="나눔스퀘어" panose="020B0600000101010101" pitchFamily="50" charset="-127"/>
+              </a:rPr>
+              <a:t>-&gt; Dataset 1 (UCLA_CNP) : subject</a:t>
+            </a:r>
+            <a:r>
+              <a:rPr lang="ko-KR" altLang="en-US">
+                <a:latin typeface="나눔스퀘어" panose="020B0600000101010101" pitchFamily="50" charset="-127"/>
+                <a:ea typeface="나눔스퀘어" panose="020B0600000101010101" pitchFamily="50" charset="-127"/>
+              </a:rPr>
+              <a:t> </a:t>
+            </a:r>
+            <a:r>
+              <a:rPr lang="en-US" altLang="ko-KR">
+                <a:latin typeface="나눔스퀘어" panose="020B0600000101010101" pitchFamily="50" charset="-127"/>
+                <a:ea typeface="나눔스퀘어" panose="020B0600000101010101" pitchFamily="50" charset="-127"/>
+              </a:rPr>
+              <a:t>263</a:t>
+            </a:r>
+            <a:r>
+              <a:rPr lang="ko-KR" altLang="en-US">
+                <a:latin typeface="나눔스퀘어" panose="020B0600000101010101" pitchFamily="50" charset="-127"/>
+                <a:ea typeface="나눔스퀘어" panose="020B0600000101010101" pitchFamily="50" charset="-127"/>
+              </a:rPr>
+              <a:t>명 중 </a:t>
+            </a:r>
+            <a:r>
+              <a:rPr lang="en-US" altLang="ko-KR">
+                <a:latin typeface="나눔스퀘어" panose="020B0600000101010101" pitchFamily="50" charset="-127"/>
+                <a:ea typeface="나눔스퀘어" panose="020B0600000101010101" pitchFamily="50" charset="-127"/>
+              </a:rPr>
+              <a:t>223</a:t>
+            </a:r>
+            <a:r>
+              <a:rPr lang="ko-KR" altLang="en-US">
+                <a:latin typeface="나눔스퀘어" panose="020B0600000101010101" pitchFamily="50" charset="-127"/>
+                <a:ea typeface="나눔스퀘어" panose="020B0600000101010101" pitchFamily="50" charset="-127"/>
+              </a:rPr>
+              <a:t>명 가능</a:t>
+            </a:r>
+            <a:r>
+              <a:rPr lang="en-US" altLang="ko-KR">
+                <a:latin typeface="나눔스퀘어" panose="020B0600000101010101" pitchFamily="50" charset="-127"/>
+                <a:ea typeface="나눔스퀘어" panose="020B0600000101010101" pitchFamily="50" charset="-127"/>
+              </a:rPr>
+              <a:t>(HC104, SCZ44)</a:t>
+            </a:r>
+          </a:p>
+          <a:p>
+            <a:pPr>
+              <a:buFont typeface="Wingdings" panose="05000000000000000000" pitchFamily="2" charset="2"/>
+              <a:buChar char="è"/>
+            </a:pPr>
+            <a:r>
+              <a:rPr lang="en-US" altLang="ko-KR">
+                <a:latin typeface="나눔스퀘어" panose="020B0600000101010101" pitchFamily="50" charset="-127"/>
+                <a:ea typeface="나눔스퀘어" panose="020B0600000101010101" pitchFamily="50" charset="-127"/>
+              </a:rPr>
+              <a:t>Dataset2(COBRE) : subject 148</a:t>
+            </a:r>
+            <a:r>
+              <a:rPr lang="ko-KR" altLang="en-US">
+                <a:latin typeface="나눔스퀘어" panose="020B0600000101010101" pitchFamily="50" charset="-127"/>
+                <a:ea typeface="나눔스퀘어" panose="020B0600000101010101" pitchFamily="50" charset="-127"/>
+              </a:rPr>
+              <a:t>명 중 </a:t>
+            </a:r>
+            <a:r>
+              <a:rPr lang="en-US" altLang="ko-KR">
+                <a:latin typeface="나눔스퀘어" panose="020B0600000101010101" pitchFamily="50" charset="-127"/>
+                <a:ea typeface="나눔스퀘어" panose="020B0600000101010101" pitchFamily="50" charset="-127"/>
+              </a:rPr>
+              <a:t>130</a:t>
+            </a:r>
+            <a:r>
+              <a:rPr lang="ko-KR" altLang="en-US">
+                <a:latin typeface="나눔스퀘어" panose="020B0600000101010101" pitchFamily="50" charset="-127"/>
+                <a:ea typeface="나눔스퀘어" panose="020B0600000101010101" pitchFamily="50" charset="-127"/>
+              </a:rPr>
+              <a:t>명 가능</a:t>
+            </a:r>
+            <a:endParaRPr lang="en-US" altLang="ko-KR">
+              <a:latin typeface="나눔스퀘어" panose="020B0600000101010101" pitchFamily="50" charset="-127"/>
+              <a:ea typeface="나눔스퀘어" panose="020B0600000101010101" pitchFamily="50" charset="-127"/>
+            </a:endParaRPr>
+          </a:p>
+          <a:p>
+            <a:pPr>
+              <a:buFont typeface="Wingdings" panose="05000000000000000000" pitchFamily="2" charset="2"/>
+              <a:buChar char="è"/>
+            </a:pPr>
+            <a:endParaRPr lang="en-US" altLang="ko-KR">
+              <a:latin typeface="나눔스퀘어" panose="020B0600000101010101" pitchFamily="50" charset="-127"/>
+              <a:ea typeface="나눔스퀘어" panose="020B0600000101010101" pitchFamily="50" charset="-127"/>
+            </a:endParaRPr>
+          </a:p>
+          <a:p>
+            <a:pPr marL="0" indent="0">
+              <a:buFont typeface="Arial" panose="020B0604020202020204" pitchFamily="34" charset="0"/>
+              <a:buNone/>
+            </a:pPr>
+            <a:r>
+              <a:rPr lang="en-US" altLang="ko-KR">
+                <a:latin typeface="나눔스퀘어" panose="020B0600000101010101" pitchFamily="50" charset="-127"/>
+                <a:ea typeface="나눔스퀘어" panose="020B0600000101010101" pitchFamily="50" charset="-127"/>
+              </a:rPr>
+              <a:t>3. AAL1 (116parcels)</a:t>
+            </a:r>
+          </a:p>
+          <a:p>
+            <a:pPr marL="0" indent="0">
+              <a:buFont typeface="Arial" panose="020B0604020202020204" pitchFamily="34" charset="0"/>
+              <a:buNone/>
+            </a:pPr>
+            <a:r>
+              <a:rPr lang="en-US" altLang="ko-KR">
+                <a:latin typeface="나눔스퀘어" panose="020B0600000101010101" pitchFamily="50" charset="-127"/>
+                <a:ea typeface="나눔스퀘어" panose="020B0600000101010101" pitchFamily="50" charset="-127"/>
+              </a:rPr>
+              <a:t>-&gt; Dataset1(UCLA_CNP) : </a:t>
+            </a:r>
+          </a:p>
+          <a:p>
+            <a:pPr marL="0" indent="0">
+              <a:buFont typeface="Arial" panose="020B0604020202020204" pitchFamily="34" charset="0"/>
+              <a:buNone/>
+            </a:pPr>
+            <a:endParaRPr lang="en-US" altLang="ko-KR">
+              <a:latin typeface="나눔스퀘어" panose="020B0600000101010101" pitchFamily="50" charset="-127"/>
+              <a:ea typeface="나눔스퀘어" panose="020B0600000101010101" pitchFamily="50" charset="-127"/>
+            </a:endParaRPr>
+          </a:p>
+          <a:p>
+            <a:pPr marL="0" indent="0">
+              <a:buFont typeface="Arial" panose="020B0604020202020204" pitchFamily="34" charset="0"/>
+              <a:buNone/>
+            </a:pPr>
+            <a:endParaRPr lang="en-US" altLang="ko-KR">
+              <a:latin typeface="나눔스퀘어" panose="020B0600000101010101" pitchFamily="50" charset="-127"/>
+              <a:ea typeface="나눔스퀘어" panose="020B0600000101010101" pitchFamily="50" charset="-127"/>
+            </a:endParaRPr>
+          </a:p>
+          <a:p>
+            <a:pPr marL="0" indent="0">
+              <a:buFont typeface="Arial" panose="020B0604020202020204" pitchFamily="34" charset="0"/>
+              <a:buNone/>
+            </a:pPr>
+            <a:endParaRPr lang="ko-KR" altLang="en-US" dirty="0">
+              <a:latin typeface="나눔스퀘어" panose="020B0600000101010101" pitchFamily="50" charset="-127"/>
+              <a:ea typeface="나눔스퀘어" panose="020B0600000101010101" pitchFamily="50" charset="-127"/>
+            </a:endParaRPr>
           </a:p>
         </p:txBody>
       </p:sp>
@@ -5648,7 +6563,7 @@
         <p:cNvPr id="1" name="">
           <a:extLst>
             <a:ext uri="{FF2B5EF4-FFF2-40B4-BE49-F238E27FC236}">
-              <a16:creationId xmlns:a16="http://schemas.microsoft.com/office/drawing/2014/main" id="{30940DDD-D560-7E84-413A-6C1F55C0867A}"/>
+              <a16:creationId xmlns:a16="http://schemas.microsoft.com/office/drawing/2014/main" id="{C612D8D5-39B5-DED1-0BB5-8A1962B4418F}"/>
             </a:ext>
           </a:extLst>
         </p:cNvPr>
@@ -5668,7 +6583,7 @@
           <p:cNvPr id="2" name="제목 1">
             <a:extLst>
               <a:ext uri="{FF2B5EF4-FFF2-40B4-BE49-F238E27FC236}">
-                <a16:creationId xmlns:a16="http://schemas.microsoft.com/office/drawing/2014/main" id="{D2706E32-FE29-04E9-062C-C3313E4F5AA4}"/>
+                <a16:creationId xmlns:a16="http://schemas.microsoft.com/office/drawing/2014/main" id="{D1329C84-438E-3035-82EF-FA18BB26431A}"/>
               </a:ext>
             </a:extLst>
           </p:cNvPr>
@@ -5681,18 +6596,16 @@
         </p:nvSpPr>
         <p:spPr/>
         <p:txBody>
-          <a:bodyPr/>
-          <a:lstStyle/>
-          <a:p>
-            <a:r>
-              <a:rPr lang="en-US" altLang="ko-KR"/>
-              <a:t>2. functional connectivity </a:t>
-            </a:r>
-            <a:r>
-              <a:rPr lang="ko-KR" altLang="en-US"/>
-              <a:t>제작</a:t>
-            </a:r>
-            <a:endParaRPr lang="en-US" altLang="ko-KR"/>
+          <a:bodyPr>
+            <a:normAutofit/>
+          </a:bodyPr>
+          <a:lstStyle/>
+          <a:p>
+            <a:r>
+              <a:rPr lang="en-US" altLang="ko-KR" sz="3200" dirty="0"/>
+              <a:t>3. Graph dataset</a:t>
+            </a:r>
+            <a:endParaRPr lang="ko-KR" altLang="en-US" sz="3200" dirty="0"/>
           </a:p>
         </p:txBody>
       </p:sp>
@@ -5701,7 +6614,7 @@
           <p:cNvPr id="3" name="내용 개체 틀 2">
             <a:extLst>
               <a:ext uri="{FF2B5EF4-FFF2-40B4-BE49-F238E27FC236}">
-                <a16:creationId xmlns:a16="http://schemas.microsoft.com/office/drawing/2014/main" id="{8704553D-EDA3-C1A3-F0DD-3DF778AA10D7}"/>
+                <a16:creationId xmlns:a16="http://schemas.microsoft.com/office/drawing/2014/main" id="{00117FC7-628C-3DF6-CE7F-4EF3BEFCAA85}"/>
               </a:ext>
             </a:extLst>
           </p:cNvPr>
@@ -5714,13 +6627,13 @@
         </p:nvSpPr>
         <p:spPr>
           <a:xfrm>
-            <a:off x="176309" y="1690688"/>
-            <a:ext cx="11839381" cy="4351338"/>
+            <a:off x="689657" y="1422805"/>
+            <a:ext cx="10515600" cy="5088358"/>
           </a:xfrm>
         </p:spPr>
         <p:txBody>
           <a:bodyPr>
-            <a:normAutofit lnSpcReduction="10000"/>
+            <a:normAutofit/>
           </a:bodyPr>
           <a:lstStyle/>
           <a:p>
@@ -5728,157 +6641,232 @@
               <a:buNone/>
             </a:pPr>
             <a:r>
-              <a:rPr lang="en-US" altLang="ko-KR" dirty="0"/>
-              <a:t>1. Schaefer2018 (400Parcels_17Networks_1mm)</a:t>
-            </a:r>
-          </a:p>
-          <a:p>
-            <a:pPr>
-              <a:buFont typeface="Wingdings" panose="05000000000000000000" pitchFamily="2" charset="2"/>
-              <a:buChar char="è"/>
+              <a:rPr lang="en-US" altLang="ko-KR" sz="2000" dirty="0"/>
+              <a:t>G = (V, E, W)</a:t>
+            </a:r>
+          </a:p>
+          <a:p>
+            <a:r>
+              <a:rPr lang="en-US" altLang="ko-KR" sz="2000" dirty="0"/>
+              <a:t>G : subject 1</a:t>
+            </a:r>
+            <a:r>
+              <a:rPr lang="ko-KR" altLang="en-US" sz="2000" dirty="0"/>
+              <a:t>명의 </a:t>
+            </a:r>
+            <a:r>
+              <a:rPr lang="en-US" altLang="ko-KR" sz="2000" dirty="0"/>
+              <a:t>brain network</a:t>
+            </a:r>
+          </a:p>
+          <a:p>
+            <a:r>
+              <a:rPr lang="en-US" altLang="ko-KR" sz="2000" dirty="0"/>
+              <a:t>V : brain regions (defined by atlas)</a:t>
+            </a:r>
+          </a:p>
+          <a:p>
+            <a:pPr marL="0" indent="0">
+              <a:buNone/>
             </a:pPr>
             <a:r>
-              <a:rPr lang="en-US" altLang="ko-KR" dirty="0"/>
-              <a:t>Dataset1(UCLA_CNP) : subject 263</a:t>
-            </a:r>
-            <a:r>
-              <a:rPr lang="ko-KR" altLang="en-US" dirty="0"/>
-              <a:t>명 중 </a:t>
-            </a:r>
-            <a:r>
-              <a:rPr lang="en-US" altLang="ko-KR" dirty="0"/>
-              <a:t>117</a:t>
-            </a:r>
-            <a:r>
-              <a:rPr lang="ko-KR" altLang="en-US" dirty="0"/>
-              <a:t>명 가능</a:t>
-            </a:r>
-            <a:r>
-              <a:rPr lang="en-US" altLang="ko-KR" dirty="0"/>
-              <a:t>(HC 52, SCZ 25)</a:t>
-            </a:r>
-          </a:p>
-          <a:p>
-            <a:pPr>
-              <a:buFont typeface="Wingdings" panose="05000000000000000000" pitchFamily="2" charset="2"/>
-              <a:buChar char="è"/>
+              <a:rPr lang="en-US" altLang="ko-KR" sz="2000" dirty="0"/>
+              <a:t>	feature(x) : </a:t>
+            </a:r>
+            <a:r>
+              <a:rPr lang="ko-KR" altLang="en-US" sz="2000" dirty="0"/>
+              <a:t>다른 </a:t>
+            </a:r>
+            <a:r>
+              <a:rPr lang="en-US" altLang="ko-KR" sz="2000" dirty="0"/>
+              <a:t>ROI</a:t>
+            </a:r>
+            <a:r>
+              <a:rPr lang="ko-KR" altLang="en-US" sz="2000" dirty="0"/>
+              <a:t>와의 </a:t>
+            </a:r>
+            <a:r>
+              <a:rPr lang="en-US" altLang="ko-KR" sz="2000" dirty="0"/>
+              <a:t>functional connectivity</a:t>
+            </a:r>
+          </a:p>
+          <a:p>
+            <a:r>
+              <a:rPr lang="en-US" altLang="ko-KR" sz="2000" dirty="0"/>
+              <a:t>E(</a:t>
+            </a:r>
+            <a:r>
+              <a:rPr lang="en-US" altLang="ko-KR" sz="2000" dirty="0" err="1"/>
+              <a:t>edge_index</a:t>
+            </a:r>
+            <a:r>
+              <a:rPr lang="en-US" altLang="ko-KR" sz="2000" dirty="0"/>
+              <a:t>) : brain regions</a:t>
+            </a:r>
+            <a:r>
+              <a:rPr lang="ko-KR" altLang="en-US" sz="2000"/>
+              <a:t>간 </a:t>
+            </a:r>
+            <a:r>
+              <a:rPr lang="en-US" altLang="ko-KR" sz="2000"/>
+              <a:t>functional </a:t>
+            </a:r>
+            <a:r>
+              <a:rPr lang="en-US" altLang="ko-KR" sz="2000" dirty="0"/>
+              <a:t>connections (KNN, k=10)</a:t>
+            </a:r>
+          </a:p>
+          <a:p>
+            <a:pPr marL="0" indent="0">
+              <a:buNone/>
             </a:pPr>
-            <a:endParaRPr lang="en-US" altLang="ko-KR" dirty="0"/>
+            <a:r>
+              <a:rPr lang="en-US" altLang="ko-KR" sz="2000" dirty="0"/>
+              <a:t>	feature(</a:t>
+            </a:r>
+            <a:r>
+              <a:rPr lang="en-US" altLang="ko-KR" sz="2000" dirty="0" err="1"/>
+              <a:t>edge_attr</a:t>
+            </a:r>
+            <a:r>
+              <a:rPr lang="en-US" altLang="ko-KR" sz="2000" dirty="0"/>
+              <a:t>) </a:t>
+            </a:r>
+            <a:r>
+              <a:rPr lang="en-US" altLang="ko-KR" sz="2000"/>
+              <a:t>:  </a:t>
+            </a:r>
+            <a:r>
+              <a:rPr lang="ko-KR" altLang="en-US" sz="2000"/>
+              <a:t>두 </a:t>
+            </a:r>
+            <a:r>
+              <a:rPr lang="en-US" altLang="ko-KR" sz="2000"/>
+              <a:t>node</a:t>
+            </a:r>
+            <a:r>
+              <a:rPr lang="ko-KR" altLang="en-US" sz="2000"/>
+              <a:t>간 연결의 </a:t>
+            </a:r>
+            <a:r>
+              <a:rPr lang="en-US" altLang="ko-KR" sz="2000"/>
+              <a:t>weight </a:t>
+            </a:r>
           </a:p>
           <a:p>
             <a:pPr marL="0" indent="0">
               <a:buNone/>
             </a:pPr>
             <a:r>
-              <a:rPr lang="en-US" altLang="ko-KR" dirty="0"/>
-              <a:t>2. AAL3v1 (164parcels)</a:t>
-            </a:r>
+              <a:rPr lang="en-US" altLang="ko-KR" sz="2000"/>
+              <a:t>	(</a:t>
+            </a:r>
+            <a:r>
+              <a:rPr lang="ko-KR" altLang="en-US" sz="2000" dirty="0"/>
+              <a:t>두 </a:t>
+            </a:r>
+            <a:r>
+              <a:rPr lang="en-US" altLang="ko-KR" sz="2000" dirty="0"/>
+              <a:t>node</a:t>
+            </a:r>
+            <a:r>
+              <a:rPr lang="ko-KR" altLang="en-US" sz="2000"/>
+              <a:t>의</a:t>
+            </a:r>
+            <a:r>
+              <a:rPr lang="en-US" altLang="ko-KR" sz="2000"/>
+              <a:t> functional connectivity pattern</a:t>
+            </a:r>
+            <a:r>
+              <a:rPr lang="ko-KR" altLang="en-US" sz="2000"/>
+              <a:t>간의</a:t>
+            </a:r>
+            <a:r>
+              <a:rPr lang="en-US" altLang="ko-KR" sz="2000"/>
+              <a:t> </a:t>
+            </a:r>
+            <a:r>
+              <a:rPr lang="ko-KR" altLang="en-US" sz="2000"/>
+              <a:t>유사성을 기반으로 </a:t>
+            </a:r>
+            <a:r>
+              <a:rPr lang="en-US" altLang="ko-KR" sz="2000"/>
+              <a:t>weight </a:t>
+            </a:r>
+            <a:r>
+              <a:rPr lang="ko-KR" altLang="en-US" sz="2000"/>
+              <a:t>계산</a:t>
+            </a:r>
+            <a:r>
+              <a:rPr lang="en-US" altLang="ko-KR" sz="2000"/>
+              <a:t>)</a:t>
+            </a:r>
+            <a:endParaRPr lang="en-US" altLang="ko-KR" sz="2000" dirty="0">
+              <a:highlight>
+                <a:srgbClr val="FFFF00"/>
+              </a:highlight>
+            </a:endParaRPr>
           </a:p>
           <a:p>
             <a:pPr marL="0" indent="0">
               <a:buNone/>
             </a:pPr>
-            <a:r>
-              <a:rPr lang="en-US" altLang="ko-KR" dirty="0"/>
-              <a:t>-&gt; Dataset 1 (UCLA_CNP) : subject</a:t>
-            </a:r>
-            <a:r>
-              <a:rPr lang="ko-KR" altLang="en-US" dirty="0"/>
-              <a:t> </a:t>
-            </a:r>
-            <a:r>
-              <a:rPr lang="en-US" altLang="ko-KR" dirty="0"/>
-              <a:t>263</a:t>
-            </a:r>
-            <a:r>
-              <a:rPr lang="ko-KR" altLang="en-US" dirty="0"/>
-              <a:t>명 중 </a:t>
-            </a:r>
-            <a:r>
-              <a:rPr lang="en-US" altLang="ko-KR" dirty="0"/>
-              <a:t>223</a:t>
-            </a:r>
-            <a:r>
-              <a:rPr lang="ko-KR" altLang="en-US" dirty="0"/>
-              <a:t>명 가능</a:t>
-            </a:r>
-            <a:r>
-              <a:rPr lang="en-US" altLang="ko-KR" dirty="0"/>
-              <a:t>(HC104, SCZ44)</a:t>
-            </a:r>
-          </a:p>
-          <a:p>
-            <a:pPr>
-              <a:buFont typeface="Wingdings" panose="05000000000000000000" pitchFamily="2" charset="2"/>
-              <a:buChar char="è"/>
+            <a:endParaRPr lang="en-US" altLang="ko-KR" sz="2000" dirty="0"/>
+          </a:p>
+          <a:p>
+            <a:pPr marL="0" indent="0">
+              <a:buNone/>
             </a:pPr>
             <a:r>
-              <a:rPr lang="en-US" altLang="ko-KR" dirty="0"/>
-              <a:t>Dataset2(COBRE) : subject 148</a:t>
-            </a:r>
-            <a:r>
-              <a:rPr lang="ko-KR" altLang="en-US" dirty="0"/>
-              <a:t>명 중 </a:t>
-            </a:r>
-            <a:r>
-              <a:rPr lang="en-US" altLang="ko-KR" dirty="0"/>
-              <a:t>130</a:t>
-            </a:r>
-            <a:r>
-              <a:rPr lang="ko-KR" altLang="en-US" dirty="0"/>
-              <a:t>명 가능</a:t>
-            </a:r>
-            <a:endParaRPr lang="en-US" altLang="ko-KR" dirty="0"/>
-          </a:p>
-          <a:p>
-            <a:pPr>
-              <a:buFont typeface="Wingdings" panose="05000000000000000000" pitchFamily="2" charset="2"/>
-              <a:buChar char="è"/>
+              <a:rPr lang="en-US" altLang="ko-KR" sz="2000" dirty="0" err="1"/>
+              <a:t>FCGraphDataset</a:t>
+            </a:r>
+            <a:r>
+              <a:rPr lang="en-US" altLang="ko-KR" sz="2000" dirty="0"/>
+              <a:t>(146)</a:t>
+            </a:r>
+          </a:p>
+          <a:p>
+            <a:pPr marL="0" indent="0">
+              <a:buNone/>
             </a:pPr>
-            <a:endParaRPr lang="en-US" altLang="ko-KR" dirty="0"/>
+            <a:r>
+              <a:rPr lang="en-US" altLang="ko-KR" sz="2000" dirty="0" err="1"/>
+              <a:t>FCGraphDataset</a:t>
+            </a:r>
+            <a:r>
+              <a:rPr lang="en-US" altLang="ko-KR" sz="2000" dirty="0"/>
+              <a:t> [0] = Data(x=[164, 164], </a:t>
+            </a:r>
+            <a:r>
+              <a:rPr lang="en-US" altLang="ko-KR" sz="2000" dirty="0" err="1"/>
+              <a:t>edge_index</a:t>
+            </a:r>
+            <a:r>
+              <a:rPr lang="en-US" altLang="ko-KR" sz="2000" dirty="0"/>
+              <a:t>=[2, 2084], </a:t>
+            </a:r>
+            <a:r>
+              <a:rPr lang="en-US" altLang="ko-KR" sz="2000" dirty="0" err="1"/>
+              <a:t>edge_attr</a:t>
+            </a:r>
+            <a:r>
+              <a:rPr lang="en-US" altLang="ko-KR" sz="2000" dirty="0"/>
+              <a:t>=[2084], y=[1])</a:t>
+            </a:r>
           </a:p>
           <a:p>
             <a:pPr marL="0" indent="0">
               <a:buNone/>
             </a:pPr>
-            <a:r>
-              <a:rPr lang="en-US" altLang="ko-KR" dirty="0"/>
-              <a:t>3. AAL1 (116parcels)</a:t>
-            </a:r>
-          </a:p>
-          <a:p>
-            <a:pPr marL="0" indent="0">
-              <a:buNone/>
-            </a:pPr>
-            <a:r>
-              <a:rPr lang="en-US" altLang="ko-KR" dirty="0"/>
-              <a:t>-&gt; Dataset1(UCLA_CNP) : </a:t>
-            </a:r>
-          </a:p>
-          <a:p>
-            <a:pPr marL="0" indent="0">
-              <a:buNone/>
-            </a:pPr>
-            <a:endParaRPr lang="en-US" altLang="ko-KR" dirty="0"/>
-          </a:p>
-          <a:p>
-            <a:pPr marL="0" indent="0">
-              <a:buNone/>
-            </a:pPr>
-            <a:endParaRPr lang="en-US" altLang="ko-KR" dirty="0"/>
-          </a:p>
-          <a:p>
-            <a:pPr marL="0" indent="0">
-              <a:buNone/>
-            </a:pPr>
-            <a:endParaRPr lang="ko-KR" altLang="en-US" dirty="0"/>
+            <a:endParaRPr lang="ko-KR" altLang="en-US" sz="2000" dirty="0"/>
           </a:p>
         </p:txBody>
       </p:sp>
     </p:spTree>
     <p:extLst>
       <p:ext uri="{BB962C8B-B14F-4D97-AF65-F5344CB8AC3E}">
-        <p14:creationId xmlns:p14="http://schemas.microsoft.com/office/powerpoint/2010/main" val="3801287299"/>
+        <p14:creationId xmlns:p14="http://schemas.microsoft.com/office/powerpoint/2010/main" val="2132451353"/>
       </p:ext>
     </p:extLst>
   </p:cSld>
@@ -5936,7 +6924,7 @@
           <a:p>
             <a:r>
               <a:rPr lang="en-US" altLang="ko-KR" sz="3200" dirty="0"/>
-              <a:t>3. Graph dataset</a:t>
+              <a:t>3. Graph dataset – weighted adjacency matrix</a:t>
             </a:r>
             <a:endParaRPr lang="ko-KR" altLang="en-US" sz="3200" dirty="0"/>
           </a:p>
@@ -5944,262 +6932,1152 @@
       </p:sp>
       <p:sp>
         <p:nvSpPr>
-          <p:cNvPr id="3" name="내용 개체 틀 2">
-            <a:extLst>
-              <a:ext uri="{FF2B5EF4-FFF2-40B4-BE49-F238E27FC236}">
-                <a16:creationId xmlns:a16="http://schemas.microsoft.com/office/drawing/2014/main" id="{00117FC7-628C-3DF6-CE7F-4EF3BEFCAA85}"/>
-              </a:ext>
-            </a:extLst>
-          </p:cNvPr>
-          <p:cNvSpPr>
-            <a:spLocks noGrp="1"/>
-          </p:cNvSpPr>
-          <p:nvPr>
-            <p:ph idx="1"/>
-          </p:nvPr>
+          <p:cNvPr id="4" name="TextBox 3">
+            <a:extLst>
+              <a:ext uri="{FF2B5EF4-FFF2-40B4-BE49-F238E27FC236}">
+                <a16:creationId xmlns:a16="http://schemas.microsoft.com/office/drawing/2014/main" id="{50935AD0-A503-4798-A2F3-5342C36A2E43}"/>
+              </a:ext>
+            </a:extLst>
+          </p:cNvPr>
+          <p:cNvSpPr txBox="1"/>
+          <p:nvPr/>
         </p:nvSpPr>
         <p:spPr>
           <a:xfrm>
-            <a:off x="689657" y="1422805"/>
-            <a:ext cx="10515600" cy="5088358"/>
+            <a:off x="109728" y="1506022"/>
+            <a:ext cx="2946640" cy="369332"/>
           </a:xfrm>
+          <a:prstGeom prst="rect">
+            <a:avLst/>
+          </a:prstGeom>
+          <a:noFill/>
         </p:spPr>
         <p:txBody>
-          <a:bodyPr>
-            <a:normAutofit/>
+          <a:bodyPr wrap="none" rtlCol="0">
+            <a:spAutoFit/>
           </a:bodyPr>
           <a:lstStyle/>
           <a:p>
-            <a:pPr marL="0" indent="0">
-              <a:buNone/>
-            </a:pPr>
-            <a:r>
-              <a:rPr lang="en-US" altLang="ko-KR" sz="2000" dirty="0"/>
-              <a:t>G = (V, E, W)</a:t>
-            </a:r>
-          </a:p>
-          <a:p>
-            <a:r>
-              <a:rPr lang="en-US" altLang="ko-KR" sz="2000" dirty="0"/>
-              <a:t>G : subject 1</a:t>
-            </a:r>
-            <a:r>
-              <a:rPr lang="ko-KR" altLang="en-US" sz="2000" dirty="0"/>
-              <a:t>명의 </a:t>
-            </a:r>
-            <a:r>
-              <a:rPr lang="en-US" altLang="ko-KR" sz="2000" dirty="0"/>
-              <a:t>brain network</a:t>
-            </a:r>
-          </a:p>
-          <a:p>
-            <a:r>
-              <a:rPr lang="en-US" altLang="ko-KR" sz="2000" dirty="0"/>
-              <a:t>V : brain regions (defined by atlas)</a:t>
-            </a:r>
-          </a:p>
-          <a:p>
-            <a:pPr marL="0" indent="0">
-              <a:buNone/>
-            </a:pPr>
-            <a:r>
-              <a:rPr lang="en-US" altLang="ko-KR" sz="2000" dirty="0"/>
-              <a:t>	feature(x) : </a:t>
-            </a:r>
-            <a:r>
-              <a:rPr lang="ko-KR" altLang="en-US" sz="2000" dirty="0"/>
-              <a:t>다른 </a:t>
-            </a:r>
-            <a:r>
-              <a:rPr lang="en-US" altLang="ko-KR" sz="2000" dirty="0"/>
-              <a:t>ROI</a:t>
-            </a:r>
-            <a:r>
-              <a:rPr lang="ko-KR" altLang="en-US" sz="2000" dirty="0"/>
-              <a:t>와의 </a:t>
-            </a:r>
-            <a:r>
-              <a:rPr lang="en-US" altLang="ko-KR" sz="2000" dirty="0"/>
-              <a:t>functional connectivity</a:t>
-            </a:r>
-          </a:p>
-          <a:p>
-            <a:r>
-              <a:rPr lang="en-US" altLang="ko-KR" sz="2000" dirty="0"/>
-              <a:t>E(</a:t>
-            </a:r>
-            <a:r>
-              <a:rPr lang="en-US" altLang="ko-KR" sz="2000" dirty="0" err="1"/>
-              <a:t>edge_index</a:t>
-            </a:r>
-            <a:r>
-              <a:rPr lang="en-US" altLang="ko-KR" sz="2000" dirty="0"/>
-              <a:t>) : brain regions</a:t>
-            </a:r>
-            <a:r>
-              <a:rPr lang="ko-KR" altLang="en-US" sz="2000"/>
-              <a:t>간 </a:t>
-            </a:r>
-            <a:r>
-              <a:rPr lang="en-US" altLang="ko-KR" sz="2000"/>
-              <a:t>functional </a:t>
-            </a:r>
-            <a:r>
-              <a:rPr lang="en-US" altLang="ko-KR" sz="2000" dirty="0"/>
-              <a:t>connections (KNN, k=10)</a:t>
-            </a:r>
-          </a:p>
-          <a:p>
-            <a:pPr marL="0" indent="0">
-              <a:buNone/>
-            </a:pPr>
-            <a:r>
-              <a:rPr lang="en-US" altLang="ko-KR" sz="2000" dirty="0"/>
-              <a:t>	feature(</a:t>
-            </a:r>
-            <a:r>
-              <a:rPr lang="en-US" altLang="ko-KR" sz="2000" dirty="0" err="1"/>
-              <a:t>edge_attr</a:t>
-            </a:r>
-            <a:r>
-              <a:rPr lang="en-US" altLang="ko-KR" sz="2000" dirty="0"/>
-              <a:t>) </a:t>
-            </a:r>
-            <a:r>
-              <a:rPr lang="en-US" altLang="ko-KR" sz="2000"/>
-              <a:t>:  </a:t>
-            </a:r>
-            <a:r>
-              <a:rPr lang="ko-KR" altLang="en-US" sz="2000"/>
-              <a:t>두 </a:t>
-            </a:r>
-            <a:r>
-              <a:rPr lang="en-US" altLang="ko-KR" sz="2000"/>
+            <a:r>
+              <a:rPr lang="en-US" altLang="ko-KR" dirty="0">
+                <a:latin typeface="나눔스퀘어" panose="020B0600000101010101" pitchFamily="50" charset="-127"/>
+                <a:ea typeface="나눔스퀘어" panose="020B0600000101010101" pitchFamily="50" charset="-127"/>
+              </a:rPr>
+              <a:t>Functional connectivity(X) </a:t>
+            </a:r>
+            <a:endParaRPr lang="ko-KR" altLang="en-US" dirty="0">
+              <a:latin typeface="나눔스퀘어" panose="020B0600000101010101" pitchFamily="50" charset="-127"/>
+              <a:ea typeface="나눔스퀘어" panose="020B0600000101010101" pitchFamily="50" charset="-127"/>
+            </a:endParaRPr>
+          </a:p>
+        </p:txBody>
+      </p:sp>
+      <p:sp>
+        <p:nvSpPr>
+          <p:cNvPr id="7" name="TextBox 6">
+            <a:extLst>
+              <a:ext uri="{FF2B5EF4-FFF2-40B4-BE49-F238E27FC236}">
+                <a16:creationId xmlns:a16="http://schemas.microsoft.com/office/drawing/2014/main" id="{78DA09A0-493B-49A2-B2D5-D76F2613C599}"/>
+              </a:ext>
+            </a:extLst>
+          </p:cNvPr>
+          <p:cNvSpPr txBox="1"/>
+          <p:nvPr/>
+        </p:nvSpPr>
+        <p:spPr>
+          <a:xfrm>
+            <a:off x="6992112" y="1453053"/>
+            <a:ext cx="1972015" cy="369332"/>
+          </a:xfrm>
+          <a:prstGeom prst="rect">
+            <a:avLst/>
+          </a:prstGeom>
+          <a:noFill/>
+        </p:spPr>
+        <p:txBody>
+          <a:bodyPr wrap="none" rtlCol="0">
+            <a:spAutoFit/>
+          </a:bodyPr>
+          <a:lstStyle/>
+          <a:p>
+            <a:r>
+              <a:rPr lang="en-US" altLang="ko-KR">
+                <a:latin typeface="나눔스퀘어" panose="020B0600000101010101" pitchFamily="50" charset="-127"/>
+                <a:ea typeface="나눔스퀘어" panose="020B0600000101010101" pitchFamily="50" charset="-127"/>
+              </a:rPr>
+              <a:t>Adjacency matrix</a:t>
+            </a:r>
+            <a:endParaRPr lang="ko-KR" altLang="en-US" dirty="0">
+              <a:latin typeface="나눔스퀘어" panose="020B0600000101010101" pitchFamily="50" charset="-127"/>
+              <a:ea typeface="나눔스퀘어" panose="020B0600000101010101" pitchFamily="50" charset="-127"/>
+            </a:endParaRPr>
+          </a:p>
+        </p:txBody>
+      </p:sp>
+      <p:pic>
+        <p:nvPicPr>
+          <p:cNvPr id="17" name="그림 16">
+            <a:extLst>
+              <a:ext uri="{FF2B5EF4-FFF2-40B4-BE49-F238E27FC236}">
+                <a16:creationId xmlns:a16="http://schemas.microsoft.com/office/drawing/2014/main" id="{ADE7F9CD-45AE-44CD-A225-F78A6E472DF1}"/>
+              </a:ext>
+            </a:extLst>
+          </p:cNvPr>
+          <p:cNvPicPr>
+            <a:picLocks noChangeAspect="1"/>
+          </p:cNvPicPr>
+          <p:nvPr/>
+        </p:nvPicPr>
+        <p:blipFill>
+          <a:blip r:embed="rId2"/>
+          <a:stretch>
+            <a:fillRect/>
+          </a:stretch>
+        </p:blipFill>
+        <p:spPr>
+          <a:xfrm>
+            <a:off x="499354" y="2091404"/>
+            <a:ext cx="2389632" cy="1701708"/>
+          </a:xfrm>
+          <a:prstGeom prst="rect">
+            <a:avLst/>
+          </a:prstGeom>
+        </p:spPr>
+      </p:pic>
+      <p:sp>
+        <p:nvSpPr>
+          <p:cNvPr id="21" name="TextBox 20">
+            <a:extLst>
+              <a:ext uri="{FF2B5EF4-FFF2-40B4-BE49-F238E27FC236}">
+                <a16:creationId xmlns:a16="http://schemas.microsoft.com/office/drawing/2014/main" id="{26FCC702-DCF3-49A6-A56D-A63DE9D38952}"/>
+              </a:ext>
+            </a:extLst>
+          </p:cNvPr>
+          <p:cNvSpPr txBox="1"/>
+          <p:nvPr/>
+        </p:nvSpPr>
+        <p:spPr>
+          <a:xfrm>
+            <a:off x="117218" y="3934716"/>
+            <a:ext cx="3249168" cy="646331"/>
+          </a:xfrm>
+          <a:prstGeom prst="rect">
+            <a:avLst/>
+          </a:prstGeom>
+          <a:noFill/>
+        </p:spPr>
+        <p:txBody>
+          <a:bodyPr wrap="square">
+            <a:spAutoFit/>
+          </a:bodyPr>
+          <a:lstStyle/>
+          <a:p>
+            <a:r>
+              <a:rPr lang="ko-KR" altLang="en-US">
+                <a:latin typeface="나눔스퀘어" panose="020B0600000101010101" pitchFamily="50" charset="-127"/>
+                <a:ea typeface="나눔스퀘어" panose="020B0600000101010101" pitchFamily="50" charset="-127"/>
+              </a:rPr>
+              <a:t>값이 클 수록 두 </a:t>
+            </a:r>
+            <a:r>
+              <a:rPr lang="en-US" altLang="ko-KR">
+                <a:latin typeface="나눔스퀘어" panose="020B0600000101010101" pitchFamily="50" charset="-127"/>
+                <a:ea typeface="나눔스퀘어" panose="020B0600000101010101" pitchFamily="50" charset="-127"/>
+              </a:rPr>
               <a:t>node</a:t>
             </a:r>
             <a:r>
-              <a:rPr lang="ko-KR" altLang="en-US" sz="2000"/>
-              <a:t>간 연결의 </a:t>
-            </a:r>
-            <a:r>
-              <a:rPr lang="en-US" altLang="ko-KR" sz="2000"/>
-              <a:t>weight </a:t>
-            </a:r>
-          </a:p>
-          <a:p>
-            <a:pPr marL="0" indent="0">
-              <a:buNone/>
-            </a:pPr>
-            <a:r>
-              <a:rPr lang="en-US" altLang="ko-KR" sz="2000"/>
-              <a:t>	(</a:t>
-            </a:r>
-            <a:r>
-              <a:rPr lang="ko-KR" altLang="en-US" sz="2000" dirty="0"/>
-              <a:t>두 </a:t>
-            </a:r>
-            <a:r>
-              <a:rPr lang="en-US" altLang="ko-KR" sz="2000" dirty="0"/>
+              <a:rPr lang="ko-KR" altLang="en-US">
+                <a:latin typeface="나눔스퀘어" panose="020B0600000101010101" pitchFamily="50" charset="-127"/>
+                <a:ea typeface="나눔스퀘어" panose="020B0600000101010101" pitchFamily="50" charset="-127"/>
+              </a:rPr>
+              <a:t>간의 </a:t>
+            </a:r>
+            <a:endParaRPr lang="en-US" altLang="ko-KR">
+              <a:latin typeface="나눔스퀘어" panose="020B0600000101010101" pitchFamily="50" charset="-127"/>
+              <a:ea typeface="나눔스퀘어" panose="020B0600000101010101" pitchFamily="50" charset="-127"/>
+            </a:endParaRPr>
+          </a:p>
+          <a:p>
+            <a:r>
+              <a:rPr lang="en-US" altLang="ko-KR">
+                <a:latin typeface="나눔스퀘어" panose="020B0600000101010101" pitchFamily="50" charset="-127"/>
+                <a:ea typeface="나눔스퀘어" panose="020B0600000101010101" pitchFamily="50" charset="-127"/>
+              </a:rPr>
+              <a:t>functional connectivity </a:t>
+            </a:r>
+            <a:r>
+              <a:rPr lang="ko-KR" altLang="en-US">
+                <a:latin typeface="나눔스퀘어" panose="020B0600000101010101" pitchFamily="50" charset="-127"/>
+                <a:ea typeface="나눔스퀘어" panose="020B0600000101010101" pitchFamily="50" charset="-127"/>
+              </a:rPr>
+              <a:t>크다</a:t>
+            </a:r>
+            <a:endParaRPr lang="ko-KR" altLang="en-US" dirty="0">
+              <a:latin typeface="나눔스퀘어" panose="020B0600000101010101" pitchFamily="50" charset="-127"/>
+              <a:ea typeface="나눔스퀘어" panose="020B0600000101010101" pitchFamily="50" charset="-127"/>
+            </a:endParaRPr>
+          </a:p>
+        </p:txBody>
+      </p:sp>
+      <p:sp>
+        <p:nvSpPr>
+          <p:cNvPr id="23" name="직사각형 22">
+            <a:extLst>
+              <a:ext uri="{FF2B5EF4-FFF2-40B4-BE49-F238E27FC236}">
+                <a16:creationId xmlns:a16="http://schemas.microsoft.com/office/drawing/2014/main" id="{E608BE1F-7552-46C5-B387-30A2396D4657}"/>
+              </a:ext>
+            </a:extLst>
+          </p:cNvPr>
+          <p:cNvSpPr/>
+          <p:nvPr/>
+        </p:nvSpPr>
+        <p:spPr>
+          <a:xfrm>
+            <a:off x="547166" y="2170693"/>
+            <a:ext cx="2294008" cy="341376"/>
+          </a:xfrm>
+          <a:prstGeom prst="rect">
+            <a:avLst/>
+          </a:prstGeom>
+          <a:noFill/>
+          <a:ln w="28575">
+            <a:solidFill>
+              <a:srgbClr val="FFFF00"/>
+            </a:solidFill>
+          </a:ln>
+        </p:spPr>
+        <p:style>
+          <a:lnRef idx="2">
+            <a:schemeClr val="accent1">
+              <a:shade val="50000"/>
+            </a:schemeClr>
+          </a:lnRef>
+          <a:fillRef idx="1">
+            <a:schemeClr val="accent1"/>
+          </a:fillRef>
+          <a:effectRef idx="0">
+            <a:schemeClr val="accent1"/>
+          </a:effectRef>
+          <a:fontRef idx="minor">
+            <a:schemeClr val="lt1"/>
+          </a:fontRef>
+        </p:style>
+        <p:txBody>
+          <a:bodyPr rtlCol="0" anchor="ctr"/>
+          <a:lstStyle/>
+          <a:p>
+            <a:pPr algn="ctr"/>
+            <a:endParaRPr lang="ko-KR" altLang="en-US">
+              <a:latin typeface="나눔스퀘어" panose="020B0600000101010101" pitchFamily="50" charset="-127"/>
+              <a:ea typeface="나눔스퀘어" panose="020B0600000101010101" pitchFamily="50" charset="-127"/>
+            </a:endParaRPr>
+          </a:p>
+        </p:txBody>
+      </p:sp>
+      <p:sp>
+        <p:nvSpPr>
+          <p:cNvPr id="25" name="TextBox 24">
+            <a:extLst>
+              <a:ext uri="{FF2B5EF4-FFF2-40B4-BE49-F238E27FC236}">
+                <a16:creationId xmlns:a16="http://schemas.microsoft.com/office/drawing/2014/main" id="{B87AB0F7-FA4B-46C7-835E-D2AE059B5D9C}"/>
+              </a:ext>
+            </a:extLst>
+          </p:cNvPr>
+          <p:cNvSpPr txBox="1"/>
+          <p:nvPr/>
+        </p:nvSpPr>
+        <p:spPr>
+          <a:xfrm>
+            <a:off x="3113712" y="1986983"/>
+            <a:ext cx="3986784" cy="923330"/>
+          </a:xfrm>
+          <a:prstGeom prst="rect">
+            <a:avLst/>
+          </a:prstGeom>
+          <a:noFill/>
+        </p:spPr>
+        <p:txBody>
+          <a:bodyPr wrap="square">
+            <a:spAutoFit/>
+          </a:bodyPr>
+          <a:lstStyle/>
+          <a:p>
+            <a:r>
+              <a:rPr lang="en-US" altLang="ko-KR">
+                <a:latin typeface="나눔스퀘어" panose="020B0600000101010101" pitchFamily="50" charset="-127"/>
+                <a:ea typeface="나눔스퀘어" panose="020B0600000101010101" pitchFamily="50" charset="-127"/>
+              </a:rPr>
+              <a:t>n0</a:t>
+            </a:r>
+            <a:r>
+              <a:rPr lang="en-US" altLang="ko-KR" dirty="0">
+                <a:latin typeface="나눔스퀘어" panose="020B0600000101010101" pitchFamily="50" charset="-127"/>
+                <a:ea typeface="나눔스퀘어" panose="020B0600000101010101" pitchFamily="50" charset="-127"/>
+              </a:rPr>
+              <a:t>,</a:t>
+            </a:r>
+            <a:r>
+              <a:rPr lang="ko-KR" altLang="en-US" dirty="0">
+                <a:latin typeface="나눔스퀘어" panose="020B0600000101010101" pitchFamily="50" charset="-127"/>
+                <a:ea typeface="나눔스퀘어" panose="020B0600000101010101" pitchFamily="50" charset="-127"/>
+              </a:rPr>
+              <a:t> </a:t>
+            </a:r>
+            <a:r>
+              <a:rPr lang="en-US" altLang="ko-KR" dirty="0">
+                <a:latin typeface="나눔스퀘어" panose="020B0600000101010101" pitchFamily="50" charset="-127"/>
+                <a:ea typeface="나눔스퀘어" panose="020B0600000101010101" pitchFamily="50" charset="-127"/>
+              </a:rPr>
+              <a:t>n2</a:t>
+            </a:r>
+            <a:r>
+              <a:rPr lang="ko-KR" altLang="en-US" dirty="0">
+                <a:latin typeface="나눔스퀘어" panose="020B0600000101010101" pitchFamily="50" charset="-127"/>
+                <a:ea typeface="나눔스퀘어" panose="020B0600000101010101" pitchFamily="50" charset="-127"/>
+              </a:rPr>
+              <a:t>의 </a:t>
+            </a:r>
+            <a:endParaRPr lang="en-US" altLang="ko-KR" dirty="0">
+              <a:latin typeface="나눔스퀘어" panose="020B0600000101010101" pitchFamily="50" charset="-127"/>
+              <a:ea typeface="나눔스퀘어" panose="020B0600000101010101" pitchFamily="50" charset="-127"/>
+            </a:endParaRPr>
+          </a:p>
+          <a:p>
+            <a:r>
+              <a:rPr lang="en-US" altLang="ko-KR" dirty="0">
+                <a:latin typeface="나눔스퀘어" panose="020B0600000101010101" pitchFamily="50" charset="-127"/>
+                <a:ea typeface="나눔스퀘어" panose="020B0600000101010101" pitchFamily="50" charset="-127"/>
+              </a:rPr>
+              <a:t>functional</a:t>
+            </a:r>
+            <a:r>
+              <a:rPr lang="ko-KR" altLang="en-US" dirty="0">
+                <a:latin typeface="나눔스퀘어" panose="020B0600000101010101" pitchFamily="50" charset="-127"/>
+                <a:ea typeface="나눔스퀘어" panose="020B0600000101010101" pitchFamily="50" charset="-127"/>
+              </a:rPr>
+              <a:t> </a:t>
+            </a:r>
+            <a:r>
+              <a:rPr lang="en-US" altLang="ko-KR" dirty="0">
+                <a:latin typeface="나눔스퀘어" panose="020B0600000101010101" pitchFamily="50" charset="-127"/>
+                <a:ea typeface="나눔스퀘어" panose="020B0600000101010101" pitchFamily="50" charset="-127"/>
+              </a:rPr>
+              <a:t>connectivity pattern</a:t>
+            </a:r>
+            <a:r>
+              <a:rPr lang="ko-KR" altLang="en-US" dirty="0">
+                <a:latin typeface="나눔스퀘어" panose="020B0600000101010101" pitchFamily="50" charset="-127"/>
+                <a:ea typeface="나눔스퀘어" panose="020B0600000101010101" pitchFamily="50" charset="-127"/>
+              </a:rPr>
+              <a:t>의</a:t>
+            </a:r>
+            <a:r>
+              <a:rPr lang="en-US" altLang="ko-KR" dirty="0">
+                <a:latin typeface="나눔스퀘어" panose="020B0600000101010101" pitchFamily="50" charset="-127"/>
+                <a:ea typeface="나눔스퀘어" panose="020B0600000101010101" pitchFamily="50" charset="-127"/>
+              </a:rPr>
+              <a:t> </a:t>
+            </a:r>
+          </a:p>
+          <a:p>
+            <a:r>
+              <a:rPr lang="ko-KR" altLang="en-US">
+                <a:latin typeface="나눔스퀘어" panose="020B0600000101010101" pitchFamily="50" charset="-127"/>
+                <a:ea typeface="나눔스퀘어" panose="020B0600000101010101" pitchFamily="50" charset="-127"/>
+              </a:rPr>
+              <a:t>유사성 계산</a:t>
+            </a:r>
+            <a:r>
+              <a:rPr lang="en-US" altLang="ko-KR">
+                <a:latin typeface="나눔스퀘어" panose="020B0600000101010101" pitchFamily="50" charset="-127"/>
+                <a:ea typeface="나눔스퀘어" panose="020B0600000101010101" pitchFamily="50" charset="-127"/>
+              </a:rPr>
+              <a:t>(pairwise distance)</a:t>
+            </a:r>
+            <a:endParaRPr lang="ko-KR" altLang="en-US" dirty="0">
+              <a:latin typeface="나눔스퀘어" panose="020B0600000101010101" pitchFamily="50" charset="-127"/>
+              <a:ea typeface="나눔스퀘어" panose="020B0600000101010101" pitchFamily="50" charset="-127"/>
+            </a:endParaRPr>
+          </a:p>
+        </p:txBody>
+      </p:sp>
+      <p:sp>
+        <p:nvSpPr>
+          <p:cNvPr id="26" name="직사각형 25">
+            <a:extLst>
+              <a:ext uri="{FF2B5EF4-FFF2-40B4-BE49-F238E27FC236}">
+                <a16:creationId xmlns:a16="http://schemas.microsoft.com/office/drawing/2014/main" id="{85C34E41-0515-4625-9A38-69B3EDB95A69}"/>
+              </a:ext>
+            </a:extLst>
+          </p:cNvPr>
+          <p:cNvSpPr/>
+          <p:nvPr/>
+        </p:nvSpPr>
+        <p:spPr>
+          <a:xfrm>
+            <a:off x="547166" y="2811214"/>
+            <a:ext cx="2294008" cy="341376"/>
+          </a:xfrm>
+          <a:prstGeom prst="rect">
+            <a:avLst/>
+          </a:prstGeom>
+          <a:noFill/>
+          <a:ln w="28575">
+            <a:solidFill>
+              <a:srgbClr val="FFFF00"/>
+            </a:solidFill>
+          </a:ln>
+        </p:spPr>
+        <p:style>
+          <a:lnRef idx="2">
+            <a:schemeClr val="accent1">
+              <a:shade val="50000"/>
+            </a:schemeClr>
+          </a:lnRef>
+          <a:fillRef idx="1">
+            <a:schemeClr val="accent1"/>
+          </a:fillRef>
+          <a:effectRef idx="0">
+            <a:schemeClr val="accent1"/>
+          </a:effectRef>
+          <a:fontRef idx="minor">
+            <a:schemeClr val="lt1"/>
+          </a:fontRef>
+        </p:style>
+        <p:txBody>
+          <a:bodyPr rtlCol="0" anchor="ctr"/>
+          <a:lstStyle/>
+          <a:p>
+            <a:pPr algn="ctr"/>
+            <a:endParaRPr lang="ko-KR" altLang="en-US">
+              <a:latin typeface="나눔스퀘어" panose="020B0600000101010101" pitchFamily="50" charset="-127"/>
+              <a:ea typeface="나눔스퀘어" panose="020B0600000101010101" pitchFamily="50" charset="-127"/>
+            </a:endParaRPr>
+          </a:p>
+        </p:txBody>
+      </p:sp>
+      <p:sp>
+        <p:nvSpPr>
+          <p:cNvPr id="28" name="TextBox 27">
+            <a:extLst>
+              <a:ext uri="{FF2B5EF4-FFF2-40B4-BE49-F238E27FC236}">
+                <a16:creationId xmlns:a16="http://schemas.microsoft.com/office/drawing/2014/main" id="{9AC06455-BF2C-47B8-B7AD-AC264CDD42F4}"/>
+              </a:ext>
+            </a:extLst>
+          </p:cNvPr>
+          <p:cNvSpPr txBox="1"/>
+          <p:nvPr/>
+        </p:nvSpPr>
+        <p:spPr>
+          <a:xfrm>
+            <a:off x="5047488" y="3762137"/>
+            <a:ext cx="6766560" cy="646331"/>
+          </a:xfrm>
+          <a:prstGeom prst="rect">
+            <a:avLst/>
+          </a:prstGeom>
+          <a:noFill/>
+        </p:spPr>
+        <p:txBody>
+          <a:bodyPr wrap="square">
+            <a:spAutoFit/>
+          </a:bodyPr>
+          <a:lstStyle/>
+          <a:p>
+            <a:r>
+              <a:rPr lang="ko-KR" altLang="en-US" dirty="0">
+                <a:latin typeface="나눔스퀘어" panose="020B0600000101010101" pitchFamily="50" charset="-127"/>
+                <a:ea typeface="나눔스퀘어" panose="020B0600000101010101" pitchFamily="50" charset="-127"/>
+              </a:rPr>
+              <a:t>값이 작을 수록 두 </a:t>
+            </a:r>
+            <a:r>
+              <a:rPr lang="en-US" altLang="ko-KR" dirty="0">
+                <a:latin typeface="나눔스퀘어" panose="020B0600000101010101" pitchFamily="50" charset="-127"/>
+                <a:ea typeface="나눔스퀘어" panose="020B0600000101010101" pitchFamily="50" charset="-127"/>
+              </a:rPr>
               <a:t>node</a:t>
             </a:r>
             <a:r>
-              <a:rPr lang="ko-KR" altLang="en-US" sz="2000"/>
-              <a:t>의</a:t>
-            </a:r>
-            <a:r>
-              <a:rPr lang="en-US" altLang="ko-KR" sz="2000"/>
-              <a:t> functional connectivity pattern</a:t>
-            </a:r>
-            <a:r>
-              <a:rPr lang="ko-KR" altLang="en-US" sz="2000"/>
-              <a:t>간의</a:t>
-            </a:r>
-            <a:r>
-              <a:rPr lang="en-US" altLang="ko-KR" sz="2000"/>
-              <a:t> </a:t>
-            </a:r>
-            <a:r>
-              <a:rPr lang="ko-KR" altLang="en-US" sz="2000"/>
-              <a:t>유사성을 기반으로 </a:t>
-            </a:r>
-            <a:r>
-              <a:rPr lang="en-US" altLang="ko-KR" sz="2000"/>
-              <a:t>weight </a:t>
-            </a:r>
-            <a:r>
-              <a:rPr lang="ko-KR" altLang="en-US" sz="2000"/>
-              <a:t>계산</a:t>
-            </a:r>
-            <a:r>
-              <a:rPr lang="en-US" altLang="ko-KR" sz="2000"/>
-              <a:t>)</a:t>
-            </a:r>
-            <a:endParaRPr lang="en-US" altLang="ko-KR" sz="2000" dirty="0">
-              <a:highlight>
-                <a:srgbClr val="FFFF00"/>
-              </a:highlight>
+              <a:rPr lang="ko-KR" altLang="en-US" dirty="0">
+                <a:latin typeface="나눔스퀘어" panose="020B0600000101010101" pitchFamily="50" charset="-127"/>
+                <a:ea typeface="나눔스퀘어" panose="020B0600000101010101" pitchFamily="50" charset="-127"/>
+              </a:rPr>
+              <a:t>간의 </a:t>
+            </a:r>
+            <a:endParaRPr lang="en-US" altLang="ko-KR" dirty="0">
+              <a:latin typeface="나눔스퀘어" panose="020B0600000101010101" pitchFamily="50" charset="-127"/>
+              <a:ea typeface="나눔스퀘어" panose="020B0600000101010101" pitchFamily="50" charset="-127"/>
             </a:endParaRPr>
           </a:p>
           <a:p>
-            <a:pPr marL="0" indent="0">
-              <a:buNone/>
-            </a:pPr>
-            <a:endParaRPr lang="en-US" altLang="ko-KR" sz="2000" dirty="0"/>
-          </a:p>
-          <a:p>
-            <a:pPr marL="0" indent="0">
-              <a:buNone/>
-            </a:pPr>
-            <a:r>
-              <a:rPr lang="en-US" altLang="ko-KR" sz="2000" dirty="0" err="1"/>
-              <a:t>FCGraphDataset</a:t>
-            </a:r>
-            <a:r>
-              <a:rPr lang="en-US" altLang="ko-KR" sz="2000" dirty="0"/>
-              <a:t>(146)</a:t>
-            </a:r>
-          </a:p>
-          <a:p>
-            <a:pPr marL="0" indent="0">
-              <a:buNone/>
-            </a:pPr>
-            <a:r>
-              <a:rPr lang="en-US" altLang="ko-KR" sz="2000" dirty="0" err="1"/>
-              <a:t>FCGraphDataset</a:t>
-            </a:r>
-            <a:r>
-              <a:rPr lang="en-US" altLang="ko-KR" sz="2000" dirty="0"/>
-              <a:t> [0] = Data(x=[164, 164], </a:t>
-            </a:r>
-            <a:r>
-              <a:rPr lang="en-US" altLang="ko-KR" sz="2000" dirty="0" err="1"/>
-              <a:t>edge_index</a:t>
-            </a:r>
-            <a:r>
-              <a:rPr lang="en-US" altLang="ko-KR" sz="2000" dirty="0"/>
-              <a:t>=[2, 2084], </a:t>
-            </a:r>
-            <a:r>
-              <a:rPr lang="en-US" altLang="ko-KR" sz="2000" dirty="0" err="1"/>
-              <a:t>edge_attr</a:t>
-            </a:r>
-            <a:r>
-              <a:rPr lang="en-US" altLang="ko-KR" sz="2000" dirty="0"/>
-              <a:t>=[2084], y=[1])</a:t>
-            </a:r>
-          </a:p>
-          <a:p>
-            <a:pPr marL="0" indent="0">
-              <a:buNone/>
-            </a:pPr>
-            <a:endParaRPr lang="ko-KR" altLang="en-US" sz="2000" dirty="0"/>
+            <a:r>
+              <a:rPr lang="ko-KR" altLang="en-US" dirty="0">
+                <a:latin typeface="나눔스퀘어" panose="020B0600000101010101" pitchFamily="50" charset="-127"/>
+                <a:ea typeface="나눔스퀘어" panose="020B0600000101010101" pitchFamily="50" charset="-127"/>
+              </a:rPr>
+              <a:t>모든 </a:t>
+            </a:r>
+            <a:r>
+              <a:rPr lang="en-US" altLang="ko-KR" dirty="0">
+                <a:latin typeface="나눔스퀘어" panose="020B0600000101010101" pitchFamily="50" charset="-127"/>
+                <a:ea typeface="나눔스퀘어" panose="020B0600000101010101" pitchFamily="50" charset="-127"/>
+              </a:rPr>
+              <a:t>node</a:t>
+            </a:r>
+            <a:r>
+              <a:rPr lang="ko-KR" altLang="en-US" dirty="0">
+                <a:latin typeface="나눔스퀘어" panose="020B0600000101010101" pitchFamily="50" charset="-127"/>
+                <a:ea typeface="나눔스퀘어" panose="020B0600000101010101" pitchFamily="50" charset="-127"/>
+              </a:rPr>
+              <a:t>들과 가지는 </a:t>
+            </a:r>
+            <a:r>
+              <a:rPr lang="en-US" altLang="ko-KR" dirty="0">
+                <a:latin typeface="나눔스퀘어" panose="020B0600000101010101" pitchFamily="50" charset="-127"/>
+                <a:ea typeface="나눔스퀘어" panose="020B0600000101010101" pitchFamily="50" charset="-127"/>
+              </a:rPr>
+              <a:t>functional connectivity pattern</a:t>
+            </a:r>
+            <a:r>
+              <a:rPr lang="ko-KR" altLang="en-US" dirty="0">
+                <a:latin typeface="나눔스퀘어" panose="020B0600000101010101" pitchFamily="50" charset="-127"/>
+                <a:ea typeface="나눔스퀘어" panose="020B0600000101010101" pitchFamily="50" charset="-127"/>
+              </a:rPr>
+              <a:t> 유사하다</a:t>
+            </a:r>
+            <a:endParaRPr lang="en-US" altLang="ko-KR" dirty="0">
+              <a:latin typeface="나눔스퀘어" panose="020B0600000101010101" pitchFamily="50" charset="-127"/>
+              <a:ea typeface="나눔스퀘어" panose="020B0600000101010101" pitchFamily="50" charset="-127"/>
+            </a:endParaRPr>
+          </a:p>
+        </p:txBody>
+      </p:sp>
+      <p:pic>
+        <p:nvPicPr>
+          <p:cNvPr id="30" name="그림 29">
+            <a:extLst>
+              <a:ext uri="{FF2B5EF4-FFF2-40B4-BE49-F238E27FC236}">
+                <a16:creationId xmlns:a16="http://schemas.microsoft.com/office/drawing/2014/main" id="{7381BD62-28A1-4003-99A2-F7BB207DC7B2}"/>
+              </a:ext>
+            </a:extLst>
+          </p:cNvPr>
+          <p:cNvPicPr>
+            <a:picLocks noChangeAspect="1"/>
+          </p:cNvPicPr>
+          <p:nvPr/>
+        </p:nvPicPr>
+        <p:blipFill>
+          <a:blip r:embed="rId3"/>
+          <a:stretch>
+            <a:fillRect/>
+          </a:stretch>
+        </p:blipFill>
+        <p:spPr>
+          <a:xfrm>
+            <a:off x="6992112" y="2049946"/>
+            <a:ext cx="3691145" cy="1553204"/>
+          </a:xfrm>
+          <a:prstGeom prst="rect">
+            <a:avLst/>
+          </a:prstGeom>
+        </p:spPr>
+      </p:pic>
+      <p:sp>
+        <p:nvSpPr>
+          <p:cNvPr id="31" name="직사각형 30">
+            <a:extLst>
+              <a:ext uri="{FF2B5EF4-FFF2-40B4-BE49-F238E27FC236}">
+                <a16:creationId xmlns:a16="http://schemas.microsoft.com/office/drawing/2014/main" id="{004E59A1-9FAB-447D-8685-06446FBBECD8}"/>
+              </a:ext>
+            </a:extLst>
+          </p:cNvPr>
+          <p:cNvSpPr/>
+          <p:nvPr/>
+        </p:nvSpPr>
+        <p:spPr>
+          <a:xfrm>
+            <a:off x="8559352" y="2074371"/>
+            <a:ext cx="535880" cy="341376"/>
+          </a:xfrm>
+          <a:prstGeom prst="rect">
+            <a:avLst/>
+          </a:prstGeom>
+          <a:noFill/>
+          <a:ln w="28575">
+            <a:solidFill>
+              <a:srgbClr val="FFFF00"/>
+            </a:solidFill>
+          </a:ln>
+        </p:spPr>
+        <p:style>
+          <a:lnRef idx="2">
+            <a:schemeClr val="accent1">
+              <a:shade val="50000"/>
+            </a:schemeClr>
+          </a:lnRef>
+          <a:fillRef idx="1">
+            <a:schemeClr val="accent1"/>
+          </a:fillRef>
+          <a:effectRef idx="0">
+            <a:schemeClr val="accent1"/>
+          </a:effectRef>
+          <a:fontRef idx="minor">
+            <a:schemeClr val="lt1"/>
+          </a:fontRef>
+        </p:style>
+        <p:txBody>
+          <a:bodyPr rtlCol="0" anchor="ctr"/>
+          <a:lstStyle/>
+          <a:p>
+            <a:pPr algn="ctr"/>
+            <a:endParaRPr lang="ko-KR" altLang="en-US">
+              <a:latin typeface="나눔스퀘어" panose="020B0600000101010101" pitchFamily="50" charset="-127"/>
+              <a:ea typeface="나눔스퀘어" panose="020B0600000101010101" pitchFamily="50" charset="-127"/>
+            </a:endParaRPr>
+          </a:p>
+        </p:txBody>
+      </p:sp>
+      <p:sp>
+        <p:nvSpPr>
+          <p:cNvPr id="38" name="TextBox 37">
+            <a:extLst>
+              <a:ext uri="{FF2B5EF4-FFF2-40B4-BE49-F238E27FC236}">
+                <a16:creationId xmlns:a16="http://schemas.microsoft.com/office/drawing/2014/main" id="{F812C71C-A9E1-4BB9-A376-F6E30CCACBDC}"/>
+              </a:ext>
+            </a:extLst>
+          </p:cNvPr>
+          <p:cNvSpPr txBox="1"/>
+          <p:nvPr/>
+        </p:nvSpPr>
+        <p:spPr>
+          <a:xfrm>
+            <a:off x="87613" y="2122853"/>
+            <a:ext cx="487634" cy="1754326"/>
+          </a:xfrm>
+          <a:prstGeom prst="rect">
+            <a:avLst/>
+          </a:prstGeom>
+          <a:noFill/>
+        </p:spPr>
+        <p:txBody>
+          <a:bodyPr wrap="none" rtlCol="0">
+            <a:spAutoFit/>
+          </a:bodyPr>
+          <a:lstStyle/>
+          <a:p>
+            <a:r>
+              <a:rPr lang="en-US" altLang="ko-KR" dirty="0">
+                <a:latin typeface="나눔스퀘어" panose="020B0600000101010101" pitchFamily="50" charset="-127"/>
+                <a:ea typeface="나눔스퀘어" panose="020B0600000101010101" pitchFamily="50" charset="-127"/>
+              </a:rPr>
+              <a:t>N0</a:t>
+            </a:r>
+          </a:p>
+          <a:p>
+            <a:r>
+              <a:rPr lang="en-US" altLang="ko-KR" dirty="0">
+                <a:latin typeface="나눔스퀘어" panose="020B0600000101010101" pitchFamily="50" charset="-127"/>
+                <a:ea typeface="나눔스퀘어" panose="020B0600000101010101" pitchFamily="50" charset="-127"/>
+              </a:rPr>
+              <a:t>N1</a:t>
+            </a:r>
+          </a:p>
+          <a:p>
+            <a:r>
+              <a:rPr lang="en-US" altLang="ko-KR" dirty="0">
+                <a:latin typeface="나눔스퀘어" panose="020B0600000101010101" pitchFamily="50" charset="-127"/>
+                <a:ea typeface="나눔스퀘어" panose="020B0600000101010101" pitchFamily="50" charset="-127"/>
+              </a:rPr>
+              <a:t>N2</a:t>
+            </a:r>
+          </a:p>
+          <a:p>
+            <a:r>
+              <a:rPr lang="en-US" altLang="ko-KR" dirty="0">
+                <a:latin typeface="나눔스퀘어" panose="020B0600000101010101" pitchFamily="50" charset="-127"/>
+                <a:ea typeface="나눔스퀘어" panose="020B0600000101010101" pitchFamily="50" charset="-127"/>
+              </a:rPr>
+              <a:t>N3</a:t>
+            </a:r>
+          </a:p>
+          <a:p>
+            <a:r>
+              <a:rPr lang="en-US" altLang="ko-KR" dirty="0">
+                <a:latin typeface="나눔스퀘어" panose="020B0600000101010101" pitchFamily="50" charset="-127"/>
+                <a:ea typeface="나눔스퀘어" panose="020B0600000101010101" pitchFamily="50" charset="-127"/>
+              </a:rPr>
+              <a:t>N4</a:t>
+            </a:r>
+          </a:p>
+          <a:p>
+            <a:r>
+              <a:rPr lang="en-US" altLang="ko-KR" dirty="0">
+                <a:latin typeface="나눔스퀘어" panose="020B0600000101010101" pitchFamily="50" charset="-127"/>
+                <a:ea typeface="나눔스퀘어" panose="020B0600000101010101" pitchFamily="50" charset="-127"/>
+              </a:rPr>
+              <a:t>N5</a:t>
+            </a:r>
+          </a:p>
+        </p:txBody>
+      </p:sp>
+      <p:sp>
+        <p:nvSpPr>
+          <p:cNvPr id="40" name="TextBox 39">
+            <a:extLst>
+              <a:ext uri="{FF2B5EF4-FFF2-40B4-BE49-F238E27FC236}">
+                <a16:creationId xmlns:a16="http://schemas.microsoft.com/office/drawing/2014/main" id="{B60DF9C4-4360-4615-BC42-79D2366ACF90}"/>
+              </a:ext>
+            </a:extLst>
+          </p:cNvPr>
+          <p:cNvSpPr txBox="1"/>
+          <p:nvPr/>
+        </p:nvSpPr>
+        <p:spPr>
+          <a:xfrm>
+            <a:off x="672574" y="1761490"/>
+            <a:ext cx="2608520" cy="369332"/>
+          </a:xfrm>
+          <a:prstGeom prst="rect">
+            <a:avLst/>
+          </a:prstGeom>
+          <a:noFill/>
+        </p:spPr>
+        <p:txBody>
+          <a:bodyPr wrap="square">
+            <a:spAutoFit/>
+          </a:bodyPr>
+          <a:lstStyle/>
+          <a:p>
+            <a:r>
+              <a:rPr lang="en-US" altLang="ko-KR" dirty="0">
+                <a:latin typeface="나눔스퀘어" panose="020B0600000101010101" pitchFamily="50" charset="-127"/>
+                <a:ea typeface="나눔스퀘어" panose="020B0600000101010101" pitchFamily="50" charset="-127"/>
+              </a:rPr>
+              <a:t>N0 N1 N2 N3 N4 N5</a:t>
+            </a:r>
+          </a:p>
+        </p:txBody>
+      </p:sp>
+      <p:sp>
+        <p:nvSpPr>
+          <p:cNvPr id="42" name="TextBox 41">
+            <a:extLst>
+              <a:ext uri="{FF2B5EF4-FFF2-40B4-BE49-F238E27FC236}">
+                <a16:creationId xmlns:a16="http://schemas.microsoft.com/office/drawing/2014/main" id="{37222F45-3152-42F2-BBFC-CC53F7A1662F}"/>
+              </a:ext>
+            </a:extLst>
+          </p:cNvPr>
+          <p:cNvSpPr txBox="1"/>
+          <p:nvPr/>
+        </p:nvSpPr>
+        <p:spPr>
+          <a:xfrm>
+            <a:off x="1345872" y="4981762"/>
+            <a:ext cx="8505264" cy="1754326"/>
+          </a:xfrm>
+          <a:prstGeom prst="rect">
+            <a:avLst/>
+          </a:prstGeom>
+          <a:noFill/>
+        </p:spPr>
+        <p:txBody>
+          <a:bodyPr wrap="square">
+            <a:spAutoFit/>
+          </a:bodyPr>
+          <a:lstStyle/>
+          <a:p>
+            <a:r>
+              <a:rPr lang="en-US" altLang="ko-KR" dirty="0">
+                <a:latin typeface="나눔스퀘어" panose="020B0600000101010101" pitchFamily="50" charset="-127"/>
+                <a:ea typeface="나눔스퀘어" panose="020B0600000101010101" pitchFamily="50" charset="-127"/>
+              </a:rPr>
+              <a:t>X </a:t>
+            </a:r>
+            <a:r>
+              <a:rPr lang="ko-KR" altLang="en-US" dirty="0">
+                <a:latin typeface="나눔스퀘어" panose="020B0600000101010101" pitchFamily="50" charset="-127"/>
+                <a:ea typeface="나눔스퀘어" panose="020B0600000101010101" pitchFamily="50" charset="-127"/>
+              </a:rPr>
+              <a:t>크고</a:t>
+            </a:r>
+            <a:r>
+              <a:rPr lang="en-US" altLang="ko-KR" dirty="0">
+                <a:latin typeface="나눔스퀘어" panose="020B0600000101010101" pitchFamily="50" charset="-127"/>
+                <a:ea typeface="나눔스퀘어" panose="020B0600000101010101" pitchFamily="50" charset="-127"/>
+              </a:rPr>
+              <a:t>, pd </a:t>
+            </a:r>
+            <a:r>
+              <a:rPr lang="ko-KR" altLang="en-US" dirty="0">
+                <a:latin typeface="나눔스퀘어" panose="020B0600000101010101" pitchFamily="50" charset="-127"/>
+                <a:ea typeface="나눔스퀘어" panose="020B0600000101010101" pitchFamily="50" charset="-127"/>
+              </a:rPr>
+              <a:t>크다 </a:t>
+            </a:r>
+            <a:r>
+              <a:rPr lang="en-US" altLang="ko-KR" dirty="0">
+                <a:latin typeface="나눔스퀘어" panose="020B0600000101010101" pitchFamily="50" charset="-127"/>
+                <a:ea typeface="나눔스퀘어" panose="020B0600000101010101" pitchFamily="50" charset="-127"/>
+              </a:rPr>
+              <a:t>: </a:t>
+            </a:r>
+            <a:r>
+              <a:rPr lang="ko-KR" altLang="en-US" dirty="0">
+                <a:latin typeface="나눔스퀘어" panose="020B0600000101010101" pitchFamily="50" charset="-127"/>
+                <a:ea typeface="나눔스퀘어" panose="020B0600000101010101" pitchFamily="50" charset="-127"/>
+              </a:rPr>
+              <a:t>특정 작업이나 기능을 수행할 땐 밀접하게 협력하나 다른 </a:t>
+            </a:r>
+            <a:r>
+              <a:rPr lang="en-US" altLang="ko-KR" dirty="0">
+                <a:latin typeface="나눔스퀘어" panose="020B0600000101010101" pitchFamily="50" charset="-127"/>
+                <a:ea typeface="나눔스퀘어" panose="020B0600000101010101" pitchFamily="50" charset="-127"/>
+              </a:rPr>
+              <a:t>node</a:t>
+            </a:r>
+            <a:r>
+              <a:rPr lang="ko-KR" altLang="en-US" dirty="0">
+                <a:latin typeface="나눔스퀘어" panose="020B0600000101010101" pitchFamily="50" charset="-127"/>
+                <a:ea typeface="나눔스퀘어" panose="020B0600000101010101" pitchFamily="50" charset="-127"/>
+              </a:rPr>
+              <a:t>들과의 연결 패턴은 다르다</a:t>
+            </a:r>
+            <a:r>
+              <a:rPr lang="en-US" altLang="ko-KR" dirty="0">
+                <a:latin typeface="나눔스퀘어" panose="020B0600000101010101" pitchFamily="50" charset="-127"/>
+                <a:ea typeface="나눔스퀘어" panose="020B0600000101010101" pitchFamily="50" charset="-127"/>
+              </a:rPr>
+              <a:t>. </a:t>
+            </a:r>
+          </a:p>
+          <a:p>
+            <a:r>
+              <a:rPr lang="en-US" altLang="ko-KR" dirty="0">
+                <a:latin typeface="나눔스퀘어" panose="020B0600000101010101" pitchFamily="50" charset="-127"/>
+                <a:ea typeface="나눔스퀘어" panose="020B0600000101010101" pitchFamily="50" charset="-127"/>
+              </a:rPr>
+              <a:t>X </a:t>
+            </a:r>
+            <a:r>
+              <a:rPr lang="ko-KR" altLang="en-US" dirty="0">
+                <a:latin typeface="나눔스퀘어" panose="020B0600000101010101" pitchFamily="50" charset="-127"/>
+                <a:ea typeface="나눔스퀘어" panose="020B0600000101010101" pitchFamily="50" charset="-127"/>
+              </a:rPr>
+              <a:t>크고</a:t>
+            </a:r>
+            <a:r>
+              <a:rPr lang="en-US" altLang="ko-KR" dirty="0">
+                <a:latin typeface="나눔스퀘어" panose="020B0600000101010101" pitchFamily="50" charset="-127"/>
+                <a:ea typeface="나눔스퀘어" panose="020B0600000101010101" pitchFamily="50" charset="-127"/>
+              </a:rPr>
+              <a:t>, pd </a:t>
+            </a:r>
+            <a:r>
+              <a:rPr lang="ko-KR" altLang="en-US" dirty="0">
+                <a:latin typeface="나눔스퀘어" panose="020B0600000101010101" pitchFamily="50" charset="-127"/>
+                <a:ea typeface="나눔스퀘어" panose="020B0600000101010101" pitchFamily="50" charset="-127"/>
+              </a:rPr>
+              <a:t>작다 </a:t>
+            </a:r>
+            <a:r>
+              <a:rPr lang="en-US" altLang="ko-KR" dirty="0">
+                <a:latin typeface="나눔스퀘어" panose="020B0600000101010101" pitchFamily="50" charset="-127"/>
+                <a:ea typeface="나눔스퀘어" panose="020B0600000101010101" pitchFamily="50" charset="-127"/>
+              </a:rPr>
+              <a:t>: </a:t>
+            </a:r>
+            <a:r>
+              <a:rPr lang="ko-KR" altLang="en-US" dirty="0">
+                <a:latin typeface="나눔스퀘어" panose="020B0600000101010101" pitchFamily="50" charset="-127"/>
+                <a:ea typeface="나눔스퀘어" panose="020B0600000101010101" pitchFamily="50" charset="-127"/>
+              </a:rPr>
+              <a:t>기능적인 연결 강도 높고</a:t>
+            </a:r>
+            <a:r>
+              <a:rPr lang="en-US" altLang="ko-KR" dirty="0">
+                <a:latin typeface="나눔스퀘어" panose="020B0600000101010101" pitchFamily="50" charset="-127"/>
+                <a:ea typeface="나눔스퀘어" panose="020B0600000101010101" pitchFamily="50" charset="-127"/>
+              </a:rPr>
+              <a:t>, </a:t>
+            </a:r>
+            <a:r>
+              <a:rPr lang="ko-KR" altLang="en-US" dirty="0">
+                <a:latin typeface="나눔스퀘어" panose="020B0600000101010101" pitchFamily="50" charset="-127"/>
+                <a:ea typeface="나눔스퀘어" panose="020B0600000101010101" pitchFamily="50" charset="-127"/>
+              </a:rPr>
+              <a:t>유사한 역할을 수행한다</a:t>
+            </a:r>
+            <a:r>
+              <a:rPr lang="en-US" altLang="ko-KR" dirty="0">
+                <a:latin typeface="나눔스퀘어" panose="020B0600000101010101" pitchFamily="50" charset="-127"/>
+                <a:ea typeface="나눔스퀘어" panose="020B0600000101010101" pitchFamily="50" charset="-127"/>
+              </a:rPr>
+              <a:t>. </a:t>
+            </a:r>
+          </a:p>
+          <a:p>
+            <a:r>
+              <a:rPr lang="en-US" altLang="ko-KR" dirty="0">
+                <a:latin typeface="나눔스퀘어" panose="020B0600000101010101" pitchFamily="50" charset="-127"/>
+                <a:ea typeface="나눔스퀘어" panose="020B0600000101010101" pitchFamily="50" charset="-127"/>
+              </a:rPr>
+              <a:t>X </a:t>
+            </a:r>
+            <a:r>
+              <a:rPr lang="ko-KR" altLang="en-US" dirty="0">
+                <a:latin typeface="나눔스퀘어" panose="020B0600000101010101" pitchFamily="50" charset="-127"/>
+                <a:ea typeface="나눔스퀘어" panose="020B0600000101010101" pitchFamily="50" charset="-127"/>
+              </a:rPr>
+              <a:t>작고</a:t>
+            </a:r>
+            <a:r>
+              <a:rPr lang="en-US" altLang="ko-KR" dirty="0">
+                <a:latin typeface="나눔스퀘어" panose="020B0600000101010101" pitchFamily="50" charset="-127"/>
+                <a:ea typeface="나눔스퀘어" panose="020B0600000101010101" pitchFamily="50" charset="-127"/>
+              </a:rPr>
+              <a:t>, pd </a:t>
+            </a:r>
+            <a:r>
+              <a:rPr lang="ko-KR" altLang="en-US" dirty="0">
+                <a:latin typeface="나눔스퀘어" panose="020B0600000101010101" pitchFamily="50" charset="-127"/>
+                <a:ea typeface="나눔스퀘어" panose="020B0600000101010101" pitchFamily="50" charset="-127"/>
+              </a:rPr>
+              <a:t>작다 </a:t>
+            </a:r>
+            <a:r>
+              <a:rPr lang="en-US" altLang="ko-KR" dirty="0">
+                <a:latin typeface="나눔스퀘어" panose="020B0600000101010101" pitchFamily="50" charset="-127"/>
+                <a:ea typeface="나눔스퀘어" panose="020B0600000101010101" pitchFamily="50" charset="-127"/>
+              </a:rPr>
+              <a:t>: </a:t>
+            </a:r>
+            <a:r>
+              <a:rPr lang="ko-KR" altLang="en-US" dirty="0">
+                <a:latin typeface="나눔스퀘어" panose="020B0600000101010101" pitchFamily="50" charset="-127"/>
+                <a:ea typeface="나눔스퀘어" panose="020B0600000101010101" pitchFamily="50" charset="-127"/>
+              </a:rPr>
+              <a:t>기능 중복</a:t>
+            </a:r>
+            <a:r>
+              <a:rPr lang="en-US" altLang="ko-KR" dirty="0">
+                <a:latin typeface="나눔스퀘어" panose="020B0600000101010101" pitchFamily="50" charset="-127"/>
+                <a:ea typeface="나눔스퀘어" panose="020B0600000101010101" pitchFamily="50" charset="-127"/>
+              </a:rPr>
+              <a:t>,</a:t>
+            </a:r>
+            <a:r>
+              <a:rPr lang="ko-KR" altLang="en-US" dirty="0">
+                <a:latin typeface="나눔스퀘어" panose="020B0600000101010101" pitchFamily="50" charset="-127"/>
+                <a:ea typeface="나눔스퀘어" panose="020B0600000101010101" pitchFamily="50" charset="-127"/>
+              </a:rPr>
+              <a:t> 역할 분배 등으로 직접적인 기능적 연결은 적지만 유사한 역할을 수행한다</a:t>
+            </a:r>
+            <a:r>
+              <a:rPr lang="en-US" altLang="ko-KR" dirty="0">
+                <a:latin typeface="나눔스퀘어" panose="020B0600000101010101" pitchFamily="50" charset="-127"/>
+                <a:ea typeface="나눔스퀘어" panose="020B0600000101010101" pitchFamily="50" charset="-127"/>
+              </a:rPr>
+              <a:t>. </a:t>
+            </a:r>
+          </a:p>
+          <a:p>
+            <a:r>
+              <a:rPr lang="en-US" altLang="ko-KR" dirty="0">
+                <a:latin typeface="나눔스퀘어" panose="020B0600000101010101" pitchFamily="50" charset="-127"/>
+                <a:ea typeface="나눔스퀘어" panose="020B0600000101010101" pitchFamily="50" charset="-127"/>
+              </a:rPr>
+              <a:t>X </a:t>
+            </a:r>
+            <a:r>
+              <a:rPr lang="ko-KR" altLang="en-US" dirty="0">
+                <a:latin typeface="나눔스퀘어" panose="020B0600000101010101" pitchFamily="50" charset="-127"/>
+                <a:ea typeface="나눔스퀘어" panose="020B0600000101010101" pitchFamily="50" charset="-127"/>
+              </a:rPr>
+              <a:t>작고</a:t>
+            </a:r>
+            <a:r>
+              <a:rPr lang="en-US" altLang="ko-KR" dirty="0">
+                <a:latin typeface="나눔스퀘어" panose="020B0600000101010101" pitchFamily="50" charset="-127"/>
+                <a:ea typeface="나눔스퀘어" panose="020B0600000101010101" pitchFamily="50" charset="-127"/>
+              </a:rPr>
+              <a:t>, pd </a:t>
+            </a:r>
+            <a:r>
+              <a:rPr lang="ko-KR" altLang="en-US" dirty="0">
+                <a:latin typeface="나눔스퀘어" panose="020B0600000101010101" pitchFamily="50" charset="-127"/>
+                <a:ea typeface="나눔스퀘어" panose="020B0600000101010101" pitchFamily="50" charset="-127"/>
+              </a:rPr>
+              <a:t>크다 </a:t>
+            </a:r>
+            <a:r>
+              <a:rPr lang="en-US" altLang="ko-KR" dirty="0">
+                <a:latin typeface="나눔스퀘어" panose="020B0600000101010101" pitchFamily="50" charset="-127"/>
+                <a:ea typeface="나눔스퀘어" panose="020B0600000101010101" pitchFamily="50" charset="-127"/>
+              </a:rPr>
+              <a:t>: </a:t>
+            </a:r>
+            <a:r>
+              <a:rPr lang="ko-KR" altLang="en-US" dirty="0">
+                <a:latin typeface="나눔스퀘어" panose="020B0600000101010101" pitchFamily="50" charset="-127"/>
+                <a:ea typeface="나눔스퀘어" panose="020B0600000101010101" pitchFamily="50" charset="-127"/>
+              </a:rPr>
+              <a:t>직접적인 기능적 연결성도 낮고</a:t>
+            </a:r>
+            <a:r>
+              <a:rPr lang="en-US" altLang="ko-KR" dirty="0">
+                <a:latin typeface="나눔스퀘어" panose="020B0600000101010101" pitchFamily="50" charset="-127"/>
+                <a:ea typeface="나눔스퀘어" panose="020B0600000101010101" pitchFamily="50" charset="-127"/>
+              </a:rPr>
+              <a:t>, </a:t>
+            </a:r>
+            <a:r>
+              <a:rPr lang="ko-KR" altLang="en-US" dirty="0">
+                <a:latin typeface="나눔스퀘어" panose="020B0600000101010101" pitchFamily="50" charset="-127"/>
+                <a:ea typeface="나눔스퀘어" panose="020B0600000101010101" pitchFamily="50" charset="-127"/>
+              </a:rPr>
+              <a:t>수행하는 역할도 다르다</a:t>
+            </a:r>
+            <a:r>
+              <a:rPr lang="en-US" altLang="ko-KR" dirty="0">
+                <a:latin typeface="나눔스퀘어" panose="020B0600000101010101" pitchFamily="50" charset="-127"/>
+                <a:ea typeface="나눔스퀘어" panose="020B0600000101010101" pitchFamily="50" charset="-127"/>
+              </a:rPr>
+              <a:t>.</a:t>
+            </a:r>
+            <a:endParaRPr lang="ko-KR" altLang="en-US" dirty="0">
+              <a:latin typeface="나눔스퀘어" panose="020B0600000101010101" pitchFamily="50" charset="-127"/>
+              <a:ea typeface="나눔스퀘어" panose="020B0600000101010101" pitchFamily="50" charset="-127"/>
+            </a:endParaRPr>
+          </a:p>
+        </p:txBody>
+      </p:sp>
+      <p:sp>
+        <p:nvSpPr>
+          <p:cNvPr id="43" name="TextBox 42">
+            <a:extLst>
+              <a:ext uri="{FF2B5EF4-FFF2-40B4-BE49-F238E27FC236}">
+                <a16:creationId xmlns:a16="http://schemas.microsoft.com/office/drawing/2014/main" id="{32F030B2-D46D-471C-9915-7D8C912DBC85}"/>
+              </a:ext>
+            </a:extLst>
+          </p:cNvPr>
+          <p:cNvSpPr txBox="1"/>
+          <p:nvPr/>
+        </p:nvSpPr>
+        <p:spPr>
+          <a:xfrm>
+            <a:off x="6552192" y="1946156"/>
+            <a:ext cx="487634" cy="1754326"/>
+          </a:xfrm>
+          <a:prstGeom prst="rect">
+            <a:avLst/>
+          </a:prstGeom>
+          <a:noFill/>
+        </p:spPr>
+        <p:txBody>
+          <a:bodyPr wrap="none" rtlCol="0">
+            <a:spAutoFit/>
+          </a:bodyPr>
+          <a:lstStyle/>
+          <a:p>
+            <a:r>
+              <a:rPr lang="en-US" altLang="ko-KR" dirty="0">
+                <a:latin typeface="나눔스퀘어" panose="020B0600000101010101" pitchFamily="50" charset="-127"/>
+                <a:ea typeface="나눔스퀘어" panose="020B0600000101010101" pitchFamily="50" charset="-127"/>
+              </a:rPr>
+              <a:t>N0</a:t>
+            </a:r>
+          </a:p>
+          <a:p>
+            <a:r>
+              <a:rPr lang="en-US" altLang="ko-KR" dirty="0">
+                <a:latin typeface="나눔스퀘어" panose="020B0600000101010101" pitchFamily="50" charset="-127"/>
+                <a:ea typeface="나눔스퀘어" panose="020B0600000101010101" pitchFamily="50" charset="-127"/>
+              </a:rPr>
+              <a:t>N1</a:t>
+            </a:r>
+          </a:p>
+          <a:p>
+            <a:r>
+              <a:rPr lang="en-US" altLang="ko-KR" dirty="0">
+                <a:latin typeface="나눔스퀘어" panose="020B0600000101010101" pitchFamily="50" charset="-127"/>
+                <a:ea typeface="나눔스퀘어" panose="020B0600000101010101" pitchFamily="50" charset="-127"/>
+              </a:rPr>
+              <a:t>N2</a:t>
+            </a:r>
+          </a:p>
+          <a:p>
+            <a:r>
+              <a:rPr lang="en-US" altLang="ko-KR" dirty="0">
+                <a:latin typeface="나눔스퀘어" panose="020B0600000101010101" pitchFamily="50" charset="-127"/>
+                <a:ea typeface="나눔스퀘어" panose="020B0600000101010101" pitchFamily="50" charset="-127"/>
+              </a:rPr>
+              <a:t>N3</a:t>
+            </a:r>
+          </a:p>
+          <a:p>
+            <a:r>
+              <a:rPr lang="en-US" altLang="ko-KR" dirty="0">
+                <a:latin typeface="나눔스퀘어" panose="020B0600000101010101" pitchFamily="50" charset="-127"/>
+                <a:ea typeface="나눔스퀘어" panose="020B0600000101010101" pitchFamily="50" charset="-127"/>
+              </a:rPr>
+              <a:t>N4</a:t>
+            </a:r>
+          </a:p>
+          <a:p>
+            <a:r>
+              <a:rPr lang="en-US" altLang="ko-KR" dirty="0">
+                <a:latin typeface="나눔스퀘어" panose="020B0600000101010101" pitchFamily="50" charset="-127"/>
+                <a:ea typeface="나눔스퀘어" panose="020B0600000101010101" pitchFamily="50" charset="-127"/>
+              </a:rPr>
+              <a:t>N5</a:t>
+            </a:r>
+          </a:p>
+        </p:txBody>
+      </p:sp>
+      <p:sp>
+        <p:nvSpPr>
+          <p:cNvPr id="45" name="TextBox 44">
+            <a:extLst>
+              <a:ext uri="{FF2B5EF4-FFF2-40B4-BE49-F238E27FC236}">
+                <a16:creationId xmlns:a16="http://schemas.microsoft.com/office/drawing/2014/main" id="{75D0135A-C902-40D0-916F-9363C16B7616}"/>
+              </a:ext>
+            </a:extLst>
+          </p:cNvPr>
+          <p:cNvSpPr txBox="1"/>
+          <p:nvPr/>
+        </p:nvSpPr>
+        <p:spPr>
+          <a:xfrm>
+            <a:off x="7039826" y="1718195"/>
+            <a:ext cx="2608520" cy="369332"/>
+          </a:xfrm>
+          <a:prstGeom prst="rect">
+            <a:avLst/>
+          </a:prstGeom>
+          <a:noFill/>
+        </p:spPr>
+        <p:txBody>
+          <a:bodyPr wrap="square">
+            <a:spAutoFit/>
+          </a:bodyPr>
+          <a:lstStyle/>
+          <a:p>
+            <a:r>
+              <a:rPr lang="en-US" altLang="ko-KR" dirty="0">
+                <a:latin typeface="나눔스퀘어" panose="020B0600000101010101" pitchFamily="50" charset="-127"/>
+                <a:ea typeface="나눔스퀘어" panose="020B0600000101010101" pitchFamily="50" charset="-127"/>
+              </a:rPr>
+              <a:t>N0 N1 N2 N3 N4 N5</a:t>
+            </a:r>
           </a:p>
         </p:txBody>
       </p:sp>
     </p:spTree>
     <p:extLst>
       <p:ext uri="{BB962C8B-B14F-4D97-AF65-F5344CB8AC3E}">
-        <p14:creationId xmlns:p14="http://schemas.microsoft.com/office/powerpoint/2010/main" val="2132451353"/>
+        <p14:creationId xmlns:p14="http://schemas.microsoft.com/office/powerpoint/2010/main" val="448161822"/>
       </p:ext>
     </p:extLst>
   </p:cSld>
@@ -6256,950 +8134,6 @@
           <a:lstStyle/>
           <a:p>
             <a:r>
-              <a:rPr lang="en-US" altLang="ko-KR" sz="3200" dirty="0"/>
-              <a:t>3. Graph dataset – weighted adjacency matrix</a:t>
-            </a:r>
-            <a:endParaRPr lang="ko-KR" altLang="en-US" sz="3200" dirty="0"/>
-          </a:p>
-        </p:txBody>
-      </p:sp>
-      <p:sp>
-        <p:nvSpPr>
-          <p:cNvPr id="4" name="TextBox 3">
-            <a:extLst>
-              <a:ext uri="{FF2B5EF4-FFF2-40B4-BE49-F238E27FC236}">
-                <a16:creationId xmlns:a16="http://schemas.microsoft.com/office/drawing/2014/main" id="{50935AD0-A503-4798-A2F3-5342C36A2E43}"/>
-              </a:ext>
-            </a:extLst>
-          </p:cNvPr>
-          <p:cNvSpPr txBox="1"/>
-          <p:nvPr/>
-        </p:nvSpPr>
-        <p:spPr>
-          <a:xfrm>
-            <a:off x="109728" y="1506022"/>
-            <a:ext cx="2946640" cy="369332"/>
-          </a:xfrm>
-          <a:prstGeom prst="rect">
-            <a:avLst/>
-          </a:prstGeom>
-          <a:noFill/>
-        </p:spPr>
-        <p:txBody>
-          <a:bodyPr wrap="none" rtlCol="0">
-            <a:spAutoFit/>
-          </a:bodyPr>
-          <a:lstStyle/>
-          <a:p>
-            <a:r>
-              <a:rPr lang="en-US" altLang="ko-KR" dirty="0"/>
-              <a:t>Functional connectivity(X) </a:t>
-            </a:r>
-            <a:endParaRPr lang="ko-KR" altLang="en-US" dirty="0"/>
-          </a:p>
-        </p:txBody>
-      </p:sp>
-      <p:sp>
-        <p:nvSpPr>
-          <p:cNvPr id="7" name="TextBox 6">
-            <a:extLst>
-              <a:ext uri="{FF2B5EF4-FFF2-40B4-BE49-F238E27FC236}">
-                <a16:creationId xmlns:a16="http://schemas.microsoft.com/office/drawing/2014/main" id="{78DA09A0-493B-49A2-B2D5-D76F2613C599}"/>
-              </a:ext>
-            </a:extLst>
-          </p:cNvPr>
-          <p:cNvSpPr txBox="1"/>
-          <p:nvPr/>
-        </p:nvSpPr>
-        <p:spPr>
-          <a:xfrm>
-            <a:off x="6992112" y="1453053"/>
-            <a:ext cx="1972015" cy="369332"/>
-          </a:xfrm>
-          <a:prstGeom prst="rect">
-            <a:avLst/>
-          </a:prstGeom>
-          <a:noFill/>
-        </p:spPr>
-        <p:txBody>
-          <a:bodyPr wrap="none" rtlCol="0">
-            <a:spAutoFit/>
-          </a:bodyPr>
-          <a:lstStyle/>
-          <a:p>
-            <a:r>
-              <a:rPr lang="en-US" altLang="ko-KR"/>
-              <a:t>Adjacency matrix</a:t>
-            </a:r>
-            <a:endParaRPr lang="ko-KR" altLang="en-US" dirty="0"/>
-          </a:p>
-        </p:txBody>
-      </p:sp>
-      <p:pic>
-        <p:nvPicPr>
-          <p:cNvPr id="17" name="그림 16">
-            <a:extLst>
-              <a:ext uri="{FF2B5EF4-FFF2-40B4-BE49-F238E27FC236}">
-                <a16:creationId xmlns:a16="http://schemas.microsoft.com/office/drawing/2014/main" id="{ADE7F9CD-45AE-44CD-A225-F78A6E472DF1}"/>
-              </a:ext>
-            </a:extLst>
-          </p:cNvPr>
-          <p:cNvPicPr>
-            <a:picLocks noChangeAspect="1"/>
-          </p:cNvPicPr>
-          <p:nvPr/>
-        </p:nvPicPr>
-        <p:blipFill>
-          <a:blip r:embed="rId2"/>
-          <a:stretch>
-            <a:fillRect/>
-          </a:stretch>
-        </p:blipFill>
-        <p:spPr>
-          <a:xfrm>
-            <a:off x="499354" y="2091404"/>
-            <a:ext cx="2389632" cy="1701708"/>
-          </a:xfrm>
-          <a:prstGeom prst="rect">
-            <a:avLst/>
-          </a:prstGeom>
-        </p:spPr>
-      </p:pic>
-      <p:sp>
-        <p:nvSpPr>
-          <p:cNvPr id="21" name="TextBox 20">
-            <a:extLst>
-              <a:ext uri="{FF2B5EF4-FFF2-40B4-BE49-F238E27FC236}">
-                <a16:creationId xmlns:a16="http://schemas.microsoft.com/office/drawing/2014/main" id="{26FCC702-DCF3-49A6-A56D-A63DE9D38952}"/>
-              </a:ext>
-            </a:extLst>
-          </p:cNvPr>
-          <p:cNvSpPr txBox="1"/>
-          <p:nvPr/>
-        </p:nvSpPr>
-        <p:spPr>
-          <a:xfrm>
-            <a:off x="117218" y="3934716"/>
-            <a:ext cx="3249168" cy="646331"/>
-          </a:xfrm>
-          <a:prstGeom prst="rect">
-            <a:avLst/>
-          </a:prstGeom>
-          <a:noFill/>
-        </p:spPr>
-        <p:txBody>
-          <a:bodyPr wrap="square">
-            <a:spAutoFit/>
-          </a:bodyPr>
-          <a:lstStyle/>
-          <a:p>
-            <a:r>
-              <a:rPr lang="ko-KR" altLang="en-US"/>
-              <a:t>값이 클 수록 두 </a:t>
-            </a:r>
-            <a:r>
-              <a:rPr lang="en-US" altLang="ko-KR"/>
-              <a:t>node</a:t>
-            </a:r>
-            <a:r>
-              <a:rPr lang="ko-KR" altLang="en-US"/>
-              <a:t>간의 </a:t>
-            </a:r>
-            <a:endParaRPr lang="en-US" altLang="ko-KR"/>
-          </a:p>
-          <a:p>
-            <a:r>
-              <a:rPr lang="en-US" altLang="ko-KR"/>
-              <a:t>functional connectivity </a:t>
-            </a:r>
-            <a:r>
-              <a:rPr lang="ko-KR" altLang="en-US"/>
-              <a:t>크다</a:t>
-            </a:r>
-            <a:endParaRPr lang="ko-KR" altLang="en-US" dirty="0"/>
-          </a:p>
-        </p:txBody>
-      </p:sp>
-      <p:sp>
-        <p:nvSpPr>
-          <p:cNvPr id="23" name="직사각형 22">
-            <a:extLst>
-              <a:ext uri="{FF2B5EF4-FFF2-40B4-BE49-F238E27FC236}">
-                <a16:creationId xmlns:a16="http://schemas.microsoft.com/office/drawing/2014/main" id="{E608BE1F-7552-46C5-B387-30A2396D4657}"/>
-              </a:ext>
-            </a:extLst>
-          </p:cNvPr>
-          <p:cNvSpPr/>
-          <p:nvPr/>
-        </p:nvSpPr>
-        <p:spPr>
-          <a:xfrm>
-            <a:off x="547166" y="2170693"/>
-            <a:ext cx="2294008" cy="341376"/>
-          </a:xfrm>
-          <a:prstGeom prst="rect">
-            <a:avLst/>
-          </a:prstGeom>
-          <a:noFill/>
-          <a:ln w="28575">
-            <a:solidFill>
-              <a:srgbClr val="FFFF00"/>
-            </a:solidFill>
-          </a:ln>
-        </p:spPr>
-        <p:style>
-          <a:lnRef idx="2">
-            <a:schemeClr val="accent1">
-              <a:shade val="50000"/>
-            </a:schemeClr>
-          </a:lnRef>
-          <a:fillRef idx="1">
-            <a:schemeClr val="accent1"/>
-          </a:fillRef>
-          <a:effectRef idx="0">
-            <a:schemeClr val="accent1"/>
-          </a:effectRef>
-          <a:fontRef idx="minor">
-            <a:schemeClr val="lt1"/>
-          </a:fontRef>
-        </p:style>
-        <p:txBody>
-          <a:bodyPr rtlCol="0" anchor="ctr"/>
-          <a:lstStyle/>
-          <a:p>
-            <a:pPr algn="ctr"/>
-            <a:endParaRPr lang="ko-KR" altLang="en-US"/>
-          </a:p>
-        </p:txBody>
-      </p:sp>
-      <p:sp>
-        <p:nvSpPr>
-          <p:cNvPr id="25" name="TextBox 24">
-            <a:extLst>
-              <a:ext uri="{FF2B5EF4-FFF2-40B4-BE49-F238E27FC236}">
-                <a16:creationId xmlns:a16="http://schemas.microsoft.com/office/drawing/2014/main" id="{B87AB0F7-FA4B-46C7-835E-D2AE059B5D9C}"/>
-              </a:ext>
-            </a:extLst>
-          </p:cNvPr>
-          <p:cNvSpPr txBox="1"/>
-          <p:nvPr/>
-        </p:nvSpPr>
-        <p:spPr>
-          <a:xfrm>
-            <a:off x="3113712" y="1986983"/>
-            <a:ext cx="3986784" cy="923330"/>
-          </a:xfrm>
-          <a:prstGeom prst="rect">
-            <a:avLst/>
-          </a:prstGeom>
-          <a:noFill/>
-        </p:spPr>
-        <p:txBody>
-          <a:bodyPr wrap="square">
-            <a:spAutoFit/>
-          </a:bodyPr>
-          <a:lstStyle/>
-          <a:p>
-            <a:r>
-              <a:rPr lang="en-US" altLang="ko-KR"/>
-              <a:t>n0</a:t>
-            </a:r>
-            <a:r>
-              <a:rPr lang="en-US" altLang="ko-KR" dirty="0"/>
-              <a:t>,</a:t>
-            </a:r>
-            <a:r>
-              <a:rPr lang="ko-KR" altLang="en-US" dirty="0"/>
-              <a:t> </a:t>
-            </a:r>
-            <a:r>
-              <a:rPr lang="en-US" altLang="ko-KR" dirty="0"/>
-              <a:t>n2</a:t>
-            </a:r>
-            <a:r>
-              <a:rPr lang="ko-KR" altLang="en-US" dirty="0"/>
-              <a:t>의 </a:t>
-            </a:r>
-            <a:endParaRPr lang="en-US" altLang="ko-KR" dirty="0"/>
-          </a:p>
-          <a:p>
-            <a:r>
-              <a:rPr lang="en-US" altLang="ko-KR" dirty="0"/>
-              <a:t>functional</a:t>
-            </a:r>
-            <a:r>
-              <a:rPr lang="ko-KR" altLang="en-US" dirty="0"/>
-              <a:t> </a:t>
-            </a:r>
-            <a:r>
-              <a:rPr lang="en-US" altLang="ko-KR" dirty="0"/>
-              <a:t>connectivity pattern</a:t>
-            </a:r>
-            <a:r>
-              <a:rPr lang="ko-KR" altLang="en-US" dirty="0"/>
-              <a:t>의</a:t>
-            </a:r>
-            <a:r>
-              <a:rPr lang="en-US" altLang="ko-KR" dirty="0"/>
-              <a:t> </a:t>
-            </a:r>
-          </a:p>
-          <a:p>
-            <a:r>
-              <a:rPr lang="ko-KR" altLang="en-US"/>
-              <a:t>유사성 계산</a:t>
-            </a:r>
-            <a:r>
-              <a:rPr lang="en-US" altLang="ko-KR"/>
-              <a:t>(pairwise distance)</a:t>
-            </a:r>
-            <a:endParaRPr lang="ko-KR" altLang="en-US" dirty="0"/>
-          </a:p>
-        </p:txBody>
-      </p:sp>
-      <p:sp>
-        <p:nvSpPr>
-          <p:cNvPr id="26" name="직사각형 25">
-            <a:extLst>
-              <a:ext uri="{FF2B5EF4-FFF2-40B4-BE49-F238E27FC236}">
-                <a16:creationId xmlns:a16="http://schemas.microsoft.com/office/drawing/2014/main" id="{85C34E41-0515-4625-9A38-69B3EDB95A69}"/>
-              </a:ext>
-            </a:extLst>
-          </p:cNvPr>
-          <p:cNvSpPr/>
-          <p:nvPr/>
-        </p:nvSpPr>
-        <p:spPr>
-          <a:xfrm>
-            <a:off x="547166" y="2811214"/>
-            <a:ext cx="2294008" cy="341376"/>
-          </a:xfrm>
-          <a:prstGeom prst="rect">
-            <a:avLst/>
-          </a:prstGeom>
-          <a:noFill/>
-          <a:ln w="28575">
-            <a:solidFill>
-              <a:srgbClr val="FFFF00"/>
-            </a:solidFill>
-          </a:ln>
-        </p:spPr>
-        <p:style>
-          <a:lnRef idx="2">
-            <a:schemeClr val="accent1">
-              <a:shade val="50000"/>
-            </a:schemeClr>
-          </a:lnRef>
-          <a:fillRef idx="1">
-            <a:schemeClr val="accent1"/>
-          </a:fillRef>
-          <a:effectRef idx="0">
-            <a:schemeClr val="accent1"/>
-          </a:effectRef>
-          <a:fontRef idx="minor">
-            <a:schemeClr val="lt1"/>
-          </a:fontRef>
-        </p:style>
-        <p:txBody>
-          <a:bodyPr rtlCol="0" anchor="ctr"/>
-          <a:lstStyle/>
-          <a:p>
-            <a:pPr algn="ctr"/>
-            <a:endParaRPr lang="ko-KR" altLang="en-US"/>
-          </a:p>
-        </p:txBody>
-      </p:sp>
-      <p:sp>
-        <p:nvSpPr>
-          <p:cNvPr id="28" name="TextBox 27">
-            <a:extLst>
-              <a:ext uri="{FF2B5EF4-FFF2-40B4-BE49-F238E27FC236}">
-                <a16:creationId xmlns:a16="http://schemas.microsoft.com/office/drawing/2014/main" id="{9AC06455-BF2C-47B8-B7AD-AC264CDD42F4}"/>
-              </a:ext>
-            </a:extLst>
-          </p:cNvPr>
-          <p:cNvSpPr txBox="1"/>
-          <p:nvPr/>
-        </p:nvSpPr>
-        <p:spPr>
-          <a:xfrm>
-            <a:off x="5047488" y="3762137"/>
-            <a:ext cx="6766560" cy="646331"/>
-          </a:xfrm>
-          <a:prstGeom prst="rect">
-            <a:avLst/>
-          </a:prstGeom>
-          <a:noFill/>
-        </p:spPr>
-        <p:txBody>
-          <a:bodyPr wrap="square">
-            <a:spAutoFit/>
-          </a:bodyPr>
-          <a:lstStyle/>
-          <a:p>
-            <a:r>
-              <a:rPr lang="ko-KR" altLang="en-US" dirty="0"/>
-              <a:t>값이 작을 수록 두 </a:t>
-            </a:r>
-            <a:r>
-              <a:rPr lang="en-US" altLang="ko-KR" dirty="0"/>
-              <a:t>node</a:t>
-            </a:r>
-            <a:r>
-              <a:rPr lang="ko-KR" altLang="en-US" dirty="0"/>
-              <a:t>간의 </a:t>
-            </a:r>
-            <a:endParaRPr lang="en-US" altLang="ko-KR" dirty="0"/>
-          </a:p>
-          <a:p>
-            <a:r>
-              <a:rPr lang="ko-KR" altLang="en-US" dirty="0"/>
-              <a:t>모든 </a:t>
-            </a:r>
-            <a:r>
-              <a:rPr lang="en-US" altLang="ko-KR" dirty="0"/>
-              <a:t>node</a:t>
-            </a:r>
-            <a:r>
-              <a:rPr lang="ko-KR" altLang="en-US" dirty="0"/>
-              <a:t>들과 가지는 </a:t>
-            </a:r>
-            <a:r>
-              <a:rPr lang="en-US" altLang="ko-KR" dirty="0"/>
-              <a:t>functional connectivity pattern</a:t>
-            </a:r>
-            <a:r>
-              <a:rPr lang="ko-KR" altLang="en-US" dirty="0"/>
-              <a:t> 유사하다</a:t>
-            </a:r>
-            <a:endParaRPr lang="en-US" altLang="ko-KR" dirty="0"/>
-          </a:p>
-        </p:txBody>
-      </p:sp>
-      <p:pic>
-        <p:nvPicPr>
-          <p:cNvPr id="30" name="그림 29">
-            <a:extLst>
-              <a:ext uri="{FF2B5EF4-FFF2-40B4-BE49-F238E27FC236}">
-                <a16:creationId xmlns:a16="http://schemas.microsoft.com/office/drawing/2014/main" id="{7381BD62-28A1-4003-99A2-F7BB207DC7B2}"/>
-              </a:ext>
-            </a:extLst>
-          </p:cNvPr>
-          <p:cNvPicPr>
-            <a:picLocks noChangeAspect="1"/>
-          </p:cNvPicPr>
-          <p:nvPr/>
-        </p:nvPicPr>
-        <p:blipFill>
-          <a:blip r:embed="rId3"/>
-          <a:stretch>
-            <a:fillRect/>
-          </a:stretch>
-        </p:blipFill>
-        <p:spPr>
-          <a:xfrm>
-            <a:off x="6992112" y="2049946"/>
-            <a:ext cx="3691145" cy="1553204"/>
-          </a:xfrm>
-          <a:prstGeom prst="rect">
-            <a:avLst/>
-          </a:prstGeom>
-        </p:spPr>
-      </p:pic>
-      <p:sp>
-        <p:nvSpPr>
-          <p:cNvPr id="31" name="직사각형 30">
-            <a:extLst>
-              <a:ext uri="{FF2B5EF4-FFF2-40B4-BE49-F238E27FC236}">
-                <a16:creationId xmlns:a16="http://schemas.microsoft.com/office/drawing/2014/main" id="{004E59A1-9FAB-447D-8685-06446FBBECD8}"/>
-              </a:ext>
-            </a:extLst>
-          </p:cNvPr>
-          <p:cNvSpPr/>
-          <p:nvPr/>
-        </p:nvSpPr>
-        <p:spPr>
-          <a:xfrm>
-            <a:off x="8559352" y="2074371"/>
-            <a:ext cx="535880" cy="341376"/>
-          </a:xfrm>
-          <a:prstGeom prst="rect">
-            <a:avLst/>
-          </a:prstGeom>
-          <a:noFill/>
-          <a:ln w="28575">
-            <a:solidFill>
-              <a:srgbClr val="FFFF00"/>
-            </a:solidFill>
-          </a:ln>
-        </p:spPr>
-        <p:style>
-          <a:lnRef idx="2">
-            <a:schemeClr val="accent1">
-              <a:shade val="50000"/>
-            </a:schemeClr>
-          </a:lnRef>
-          <a:fillRef idx="1">
-            <a:schemeClr val="accent1"/>
-          </a:fillRef>
-          <a:effectRef idx="0">
-            <a:schemeClr val="accent1"/>
-          </a:effectRef>
-          <a:fontRef idx="minor">
-            <a:schemeClr val="lt1"/>
-          </a:fontRef>
-        </p:style>
-        <p:txBody>
-          <a:bodyPr rtlCol="0" anchor="ctr"/>
-          <a:lstStyle/>
-          <a:p>
-            <a:pPr algn="ctr"/>
-            <a:endParaRPr lang="ko-KR" altLang="en-US"/>
-          </a:p>
-        </p:txBody>
-      </p:sp>
-      <p:sp>
-        <p:nvSpPr>
-          <p:cNvPr id="38" name="TextBox 37">
-            <a:extLst>
-              <a:ext uri="{FF2B5EF4-FFF2-40B4-BE49-F238E27FC236}">
-                <a16:creationId xmlns:a16="http://schemas.microsoft.com/office/drawing/2014/main" id="{F812C71C-A9E1-4BB9-A376-F6E30CCACBDC}"/>
-              </a:ext>
-            </a:extLst>
-          </p:cNvPr>
-          <p:cNvSpPr txBox="1"/>
-          <p:nvPr/>
-        </p:nvSpPr>
-        <p:spPr>
-          <a:xfrm>
-            <a:off x="87613" y="2122853"/>
-            <a:ext cx="487634" cy="1754326"/>
-          </a:xfrm>
-          <a:prstGeom prst="rect">
-            <a:avLst/>
-          </a:prstGeom>
-          <a:noFill/>
-        </p:spPr>
-        <p:txBody>
-          <a:bodyPr wrap="none" rtlCol="0">
-            <a:spAutoFit/>
-          </a:bodyPr>
-          <a:lstStyle/>
-          <a:p>
-            <a:r>
-              <a:rPr lang="en-US" altLang="ko-KR" dirty="0"/>
-              <a:t>N0</a:t>
-            </a:r>
-          </a:p>
-          <a:p>
-            <a:r>
-              <a:rPr lang="en-US" altLang="ko-KR" dirty="0"/>
-              <a:t>N1</a:t>
-            </a:r>
-          </a:p>
-          <a:p>
-            <a:r>
-              <a:rPr lang="en-US" altLang="ko-KR" dirty="0"/>
-              <a:t>N2</a:t>
-            </a:r>
-          </a:p>
-          <a:p>
-            <a:r>
-              <a:rPr lang="en-US" altLang="ko-KR" dirty="0"/>
-              <a:t>N3</a:t>
-            </a:r>
-          </a:p>
-          <a:p>
-            <a:r>
-              <a:rPr lang="en-US" altLang="ko-KR" dirty="0"/>
-              <a:t>N4</a:t>
-            </a:r>
-          </a:p>
-          <a:p>
-            <a:r>
-              <a:rPr lang="en-US" altLang="ko-KR" dirty="0"/>
-              <a:t>N5</a:t>
-            </a:r>
-          </a:p>
-        </p:txBody>
-      </p:sp>
-      <p:sp>
-        <p:nvSpPr>
-          <p:cNvPr id="40" name="TextBox 39">
-            <a:extLst>
-              <a:ext uri="{FF2B5EF4-FFF2-40B4-BE49-F238E27FC236}">
-                <a16:creationId xmlns:a16="http://schemas.microsoft.com/office/drawing/2014/main" id="{B60DF9C4-4360-4615-BC42-79D2366ACF90}"/>
-              </a:ext>
-            </a:extLst>
-          </p:cNvPr>
-          <p:cNvSpPr txBox="1"/>
-          <p:nvPr/>
-        </p:nvSpPr>
-        <p:spPr>
-          <a:xfrm>
-            <a:off x="672574" y="1761490"/>
-            <a:ext cx="2608520" cy="369332"/>
-          </a:xfrm>
-          <a:prstGeom prst="rect">
-            <a:avLst/>
-          </a:prstGeom>
-          <a:noFill/>
-        </p:spPr>
-        <p:txBody>
-          <a:bodyPr wrap="square">
-            <a:spAutoFit/>
-          </a:bodyPr>
-          <a:lstStyle/>
-          <a:p>
-            <a:r>
-              <a:rPr lang="en-US" altLang="ko-KR" dirty="0"/>
-              <a:t>N0 N1 N2 N3 N4 N5</a:t>
-            </a:r>
-          </a:p>
-        </p:txBody>
-      </p:sp>
-      <p:sp>
-        <p:nvSpPr>
-          <p:cNvPr id="42" name="TextBox 41">
-            <a:extLst>
-              <a:ext uri="{FF2B5EF4-FFF2-40B4-BE49-F238E27FC236}">
-                <a16:creationId xmlns:a16="http://schemas.microsoft.com/office/drawing/2014/main" id="{37222F45-3152-42F2-BBFC-CC53F7A1662F}"/>
-              </a:ext>
-            </a:extLst>
-          </p:cNvPr>
-          <p:cNvSpPr txBox="1"/>
-          <p:nvPr/>
-        </p:nvSpPr>
-        <p:spPr>
-          <a:xfrm>
-            <a:off x="1345872" y="4981762"/>
-            <a:ext cx="8505264" cy="1754326"/>
-          </a:xfrm>
-          <a:prstGeom prst="rect">
-            <a:avLst/>
-          </a:prstGeom>
-          <a:noFill/>
-        </p:spPr>
-        <p:txBody>
-          <a:bodyPr wrap="square">
-            <a:spAutoFit/>
-          </a:bodyPr>
-          <a:lstStyle/>
-          <a:p>
-            <a:r>
-              <a:rPr lang="en-US" altLang="ko-KR" dirty="0"/>
-              <a:t>X </a:t>
-            </a:r>
-            <a:r>
-              <a:rPr lang="ko-KR" altLang="en-US" dirty="0"/>
-              <a:t>크고</a:t>
-            </a:r>
-            <a:r>
-              <a:rPr lang="en-US" altLang="ko-KR" dirty="0"/>
-              <a:t>, pd </a:t>
-            </a:r>
-            <a:r>
-              <a:rPr lang="ko-KR" altLang="en-US" dirty="0"/>
-              <a:t>크다 </a:t>
-            </a:r>
-            <a:r>
-              <a:rPr lang="en-US" altLang="ko-KR" dirty="0"/>
-              <a:t>: </a:t>
-            </a:r>
-            <a:r>
-              <a:rPr lang="ko-KR" altLang="en-US" dirty="0"/>
-              <a:t>특정 작업이나 기능을 수행할 땐 밀접하게 협력하나 다른 </a:t>
-            </a:r>
-            <a:r>
-              <a:rPr lang="en-US" altLang="ko-KR" dirty="0"/>
-              <a:t>node</a:t>
-            </a:r>
-            <a:r>
-              <a:rPr lang="ko-KR" altLang="en-US" dirty="0"/>
-              <a:t>들과의 연결 패턴은 다르다</a:t>
-            </a:r>
-            <a:r>
-              <a:rPr lang="en-US" altLang="ko-KR" dirty="0"/>
-              <a:t>. </a:t>
-            </a:r>
-          </a:p>
-          <a:p>
-            <a:r>
-              <a:rPr lang="en-US" altLang="ko-KR" dirty="0"/>
-              <a:t>X </a:t>
-            </a:r>
-            <a:r>
-              <a:rPr lang="ko-KR" altLang="en-US" dirty="0"/>
-              <a:t>크고</a:t>
-            </a:r>
-            <a:r>
-              <a:rPr lang="en-US" altLang="ko-KR" dirty="0"/>
-              <a:t>, pd </a:t>
-            </a:r>
-            <a:r>
-              <a:rPr lang="ko-KR" altLang="en-US" dirty="0"/>
-              <a:t>작다 </a:t>
-            </a:r>
-            <a:r>
-              <a:rPr lang="en-US" altLang="ko-KR" dirty="0"/>
-              <a:t>: </a:t>
-            </a:r>
-            <a:r>
-              <a:rPr lang="ko-KR" altLang="en-US" dirty="0"/>
-              <a:t>기능적인 연결 강도 높고</a:t>
-            </a:r>
-            <a:r>
-              <a:rPr lang="en-US" altLang="ko-KR" dirty="0"/>
-              <a:t>, </a:t>
-            </a:r>
-            <a:r>
-              <a:rPr lang="ko-KR" altLang="en-US" dirty="0"/>
-              <a:t>유사한 역할을 수행한다</a:t>
-            </a:r>
-            <a:r>
-              <a:rPr lang="en-US" altLang="ko-KR" dirty="0"/>
-              <a:t>. </a:t>
-            </a:r>
-          </a:p>
-          <a:p>
-            <a:r>
-              <a:rPr lang="en-US" altLang="ko-KR" dirty="0"/>
-              <a:t>X </a:t>
-            </a:r>
-            <a:r>
-              <a:rPr lang="ko-KR" altLang="en-US" dirty="0"/>
-              <a:t>작고</a:t>
-            </a:r>
-            <a:r>
-              <a:rPr lang="en-US" altLang="ko-KR" dirty="0"/>
-              <a:t>, pd </a:t>
-            </a:r>
-            <a:r>
-              <a:rPr lang="ko-KR" altLang="en-US" dirty="0"/>
-              <a:t>작다 </a:t>
-            </a:r>
-            <a:r>
-              <a:rPr lang="en-US" altLang="ko-KR" dirty="0"/>
-              <a:t>: </a:t>
-            </a:r>
-            <a:r>
-              <a:rPr lang="ko-KR" altLang="en-US" dirty="0"/>
-              <a:t>기능 중복</a:t>
-            </a:r>
-            <a:r>
-              <a:rPr lang="en-US" altLang="ko-KR" dirty="0"/>
-              <a:t>,</a:t>
-            </a:r>
-            <a:r>
-              <a:rPr lang="ko-KR" altLang="en-US" dirty="0"/>
-              <a:t> 역할 분배 등으로 직접적인 기능적 연결은 적지만 유사한 역할을 수행한다</a:t>
-            </a:r>
-            <a:r>
-              <a:rPr lang="en-US" altLang="ko-KR" dirty="0"/>
-              <a:t>. </a:t>
-            </a:r>
-          </a:p>
-          <a:p>
-            <a:r>
-              <a:rPr lang="en-US" altLang="ko-KR" dirty="0"/>
-              <a:t>X </a:t>
-            </a:r>
-            <a:r>
-              <a:rPr lang="ko-KR" altLang="en-US" dirty="0"/>
-              <a:t>작고</a:t>
-            </a:r>
-            <a:r>
-              <a:rPr lang="en-US" altLang="ko-KR" dirty="0"/>
-              <a:t>, pd </a:t>
-            </a:r>
-            <a:r>
-              <a:rPr lang="ko-KR" altLang="en-US" dirty="0"/>
-              <a:t>크다 </a:t>
-            </a:r>
-            <a:r>
-              <a:rPr lang="en-US" altLang="ko-KR" dirty="0"/>
-              <a:t>: </a:t>
-            </a:r>
-            <a:r>
-              <a:rPr lang="ko-KR" altLang="en-US" dirty="0"/>
-              <a:t>직접적인 기능적 연결성도 낮고</a:t>
-            </a:r>
-            <a:r>
-              <a:rPr lang="en-US" altLang="ko-KR" dirty="0"/>
-              <a:t>, </a:t>
-            </a:r>
-            <a:r>
-              <a:rPr lang="ko-KR" altLang="en-US" dirty="0"/>
-              <a:t>수행하는 역할도 다르다</a:t>
-            </a:r>
-            <a:r>
-              <a:rPr lang="en-US" altLang="ko-KR" dirty="0"/>
-              <a:t>.</a:t>
-            </a:r>
-            <a:endParaRPr lang="ko-KR" altLang="en-US" dirty="0"/>
-          </a:p>
-        </p:txBody>
-      </p:sp>
-      <p:sp>
-        <p:nvSpPr>
-          <p:cNvPr id="43" name="TextBox 42">
-            <a:extLst>
-              <a:ext uri="{FF2B5EF4-FFF2-40B4-BE49-F238E27FC236}">
-                <a16:creationId xmlns:a16="http://schemas.microsoft.com/office/drawing/2014/main" id="{32F030B2-D46D-471C-9915-7D8C912DBC85}"/>
-              </a:ext>
-            </a:extLst>
-          </p:cNvPr>
-          <p:cNvSpPr txBox="1"/>
-          <p:nvPr/>
-        </p:nvSpPr>
-        <p:spPr>
-          <a:xfrm>
-            <a:off x="6552192" y="1946156"/>
-            <a:ext cx="487634" cy="1754326"/>
-          </a:xfrm>
-          <a:prstGeom prst="rect">
-            <a:avLst/>
-          </a:prstGeom>
-          <a:noFill/>
-        </p:spPr>
-        <p:txBody>
-          <a:bodyPr wrap="none" rtlCol="0">
-            <a:spAutoFit/>
-          </a:bodyPr>
-          <a:lstStyle/>
-          <a:p>
-            <a:r>
-              <a:rPr lang="en-US" altLang="ko-KR" dirty="0"/>
-              <a:t>N0</a:t>
-            </a:r>
-          </a:p>
-          <a:p>
-            <a:r>
-              <a:rPr lang="en-US" altLang="ko-KR" dirty="0"/>
-              <a:t>N1</a:t>
-            </a:r>
-          </a:p>
-          <a:p>
-            <a:r>
-              <a:rPr lang="en-US" altLang="ko-KR" dirty="0"/>
-              <a:t>N2</a:t>
-            </a:r>
-          </a:p>
-          <a:p>
-            <a:r>
-              <a:rPr lang="en-US" altLang="ko-KR" dirty="0"/>
-              <a:t>N3</a:t>
-            </a:r>
-          </a:p>
-          <a:p>
-            <a:r>
-              <a:rPr lang="en-US" altLang="ko-KR" dirty="0"/>
-              <a:t>N4</a:t>
-            </a:r>
-          </a:p>
-          <a:p>
-            <a:r>
-              <a:rPr lang="en-US" altLang="ko-KR" dirty="0"/>
-              <a:t>N5</a:t>
-            </a:r>
-          </a:p>
-        </p:txBody>
-      </p:sp>
-      <p:sp>
-        <p:nvSpPr>
-          <p:cNvPr id="45" name="TextBox 44">
-            <a:extLst>
-              <a:ext uri="{FF2B5EF4-FFF2-40B4-BE49-F238E27FC236}">
-                <a16:creationId xmlns:a16="http://schemas.microsoft.com/office/drawing/2014/main" id="{75D0135A-C902-40D0-916F-9363C16B7616}"/>
-              </a:ext>
-            </a:extLst>
-          </p:cNvPr>
-          <p:cNvSpPr txBox="1"/>
-          <p:nvPr/>
-        </p:nvSpPr>
-        <p:spPr>
-          <a:xfrm>
-            <a:off x="7039826" y="1718195"/>
-            <a:ext cx="2608520" cy="369332"/>
-          </a:xfrm>
-          <a:prstGeom prst="rect">
-            <a:avLst/>
-          </a:prstGeom>
-          <a:noFill/>
-        </p:spPr>
-        <p:txBody>
-          <a:bodyPr wrap="square">
-            <a:spAutoFit/>
-          </a:bodyPr>
-          <a:lstStyle/>
-          <a:p>
-            <a:r>
-              <a:rPr lang="en-US" altLang="ko-KR" dirty="0"/>
-              <a:t>N0 N1 N2 N3 N4 N5</a:t>
-            </a:r>
-          </a:p>
-        </p:txBody>
-      </p:sp>
-    </p:spTree>
-    <p:extLst>
-      <p:ext uri="{BB962C8B-B14F-4D97-AF65-F5344CB8AC3E}">
-        <p14:creationId xmlns:p14="http://schemas.microsoft.com/office/powerpoint/2010/main" val="448161822"/>
-      </p:ext>
-    </p:extLst>
-  </p:cSld>
-  <p:clrMapOvr>
-    <a:masterClrMapping/>
-  </p:clrMapOvr>
-</p:sld>
-</file>
-
-<file path=ppt/slides/slide9.xml><?xml version="1.0" encoding="utf-8"?>
-<p:sld xmlns:a="http://schemas.openxmlformats.org/drawingml/2006/main" xmlns:r="http://schemas.openxmlformats.org/officeDocument/2006/relationships" xmlns:p="http://schemas.openxmlformats.org/presentationml/2006/main">
-  <p:cSld>
-    <p:spTree>
-      <p:nvGrpSpPr>
-        <p:cNvPr id="1" name="">
-          <a:extLst>
-            <a:ext uri="{FF2B5EF4-FFF2-40B4-BE49-F238E27FC236}">
-              <a16:creationId xmlns:a16="http://schemas.microsoft.com/office/drawing/2014/main" id="{C612D8D5-39B5-DED1-0BB5-8A1962B4418F}"/>
-            </a:ext>
-          </a:extLst>
-        </p:cNvPr>
-        <p:cNvGrpSpPr/>
-        <p:nvPr/>
-      </p:nvGrpSpPr>
-      <p:grpSpPr>
-        <a:xfrm>
-          <a:off x="0" y="0"/>
-          <a:ext cx="0" cy="0"/>
-          <a:chOff x="0" y="0"/>
-          <a:chExt cx="0" cy="0"/>
-        </a:xfrm>
-      </p:grpSpPr>
-      <p:sp>
-        <p:nvSpPr>
-          <p:cNvPr id="2" name="제목 1">
-            <a:extLst>
-              <a:ext uri="{FF2B5EF4-FFF2-40B4-BE49-F238E27FC236}">
-                <a16:creationId xmlns:a16="http://schemas.microsoft.com/office/drawing/2014/main" id="{D1329C84-438E-3035-82EF-FA18BB26431A}"/>
-              </a:ext>
-            </a:extLst>
-          </p:cNvPr>
-          <p:cNvSpPr>
-            <a:spLocks noGrp="1"/>
-          </p:cNvSpPr>
-          <p:nvPr>
-            <p:ph type="title"/>
-          </p:nvPr>
-        </p:nvSpPr>
-        <p:spPr/>
-        <p:txBody>
-          <a:bodyPr>
-            <a:normAutofit/>
-          </a:bodyPr>
-          <a:lstStyle/>
-          <a:p>
-            <a:r>
               <a:rPr lang="en-US" altLang="ko-KR" sz="3200"/>
               <a:t>3. Graph dataset – weighted adjacency matrix</a:t>
             </a:r>
@@ -7296,34 +8230,52 @@
           <a:lstStyle/>
           <a:p>
             <a:r>
-              <a:rPr lang="en-US" altLang="ko-KR" dirty="0"/>
+              <a:rPr lang="en-US" altLang="ko-KR" dirty="0">
+                <a:latin typeface="나눔스퀘어" panose="020B0600000101010101" pitchFamily="50" charset="-127"/>
+                <a:ea typeface="나눔스퀘어" panose="020B0600000101010101" pitchFamily="50" charset="-127"/>
+              </a:rPr>
               <a:t>N0</a:t>
             </a:r>
           </a:p>
           <a:p>
             <a:r>
-              <a:rPr lang="en-US" altLang="ko-KR" dirty="0"/>
+              <a:rPr lang="en-US" altLang="ko-KR" dirty="0">
+                <a:latin typeface="나눔스퀘어" panose="020B0600000101010101" pitchFamily="50" charset="-127"/>
+                <a:ea typeface="나눔스퀘어" panose="020B0600000101010101" pitchFamily="50" charset="-127"/>
+              </a:rPr>
               <a:t>N1</a:t>
             </a:r>
           </a:p>
           <a:p>
             <a:r>
-              <a:rPr lang="en-US" altLang="ko-KR" dirty="0"/>
+              <a:rPr lang="en-US" altLang="ko-KR" dirty="0">
+                <a:latin typeface="나눔스퀘어" panose="020B0600000101010101" pitchFamily="50" charset="-127"/>
+                <a:ea typeface="나눔스퀘어" panose="020B0600000101010101" pitchFamily="50" charset="-127"/>
+              </a:rPr>
               <a:t>N2</a:t>
             </a:r>
           </a:p>
           <a:p>
             <a:r>
-              <a:rPr lang="en-US" altLang="ko-KR" dirty="0"/>
+              <a:rPr lang="en-US" altLang="ko-KR" dirty="0">
+                <a:latin typeface="나눔스퀘어" panose="020B0600000101010101" pitchFamily="50" charset="-127"/>
+                <a:ea typeface="나눔스퀘어" panose="020B0600000101010101" pitchFamily="50" charset="-127"/>
+              </a:rPr>
               <a:t>N3</a:t>
             </a:r>
           </a:p>
           <a:p>
             <a:r>
-              <a:rPr lang="en-US" altLang="ko-KR"/>
+              <a:rPr lang="en-US" altLang="ko-KR">
+                <a:latin typeface="나눔스퀘어" panose="020B0600000101010101" pitchFamily="50" charset="-127"/>
+                <a:ea typeface="나눔스퀘어" panose="020B0600000101010101" pitchFamily="50" charset="-127"/>
+              </a:rPr>
               <a:t>N4</a:t>
             </a:r>
-            <a:endParaRPr lang="en-US" altLang="ko-KR" dirty="0"/>
+            <a:endParaRPr lang="en-US" altLang="ko-KR" dirty="0">
+              <a:latin typeface="나눔스퀘어" panose="020B0600000101010101" pitchFamily="50" charset="-127"/>
+              <a:ea typeface="나눔스퀘어" panose="020B0600000101010101" pitchFamily="50" charset="-127"/>
+            </a:endParaRPr>
           </a:p>
         </p:txBody>
       </p:sp>
@@ -7356,10 +8308,16 @@
           <a:lstStyle/>
           <a:p>
             <a:r>
-              <a:rPr lang="en-US" altLang="ko-KR"/>
+              <a:rPr lang="en-US" altLang="ko-KR">
+                <a:latin typeface="나눔스퀘어" panose="020B0600000101010101" pitchFamily="50" charset="-127"/>
+                <a:ea typeface="나눔스퀘어" panose="020B0600000101010101" pitchFamily="50" charset="-127"/>
+              </a:rPr>
               <a:t>N0     N1      N2    N3   N4 </a:t>
             </a:r>
-            <a:endParaRPr lang="en-US" altLang="ko-KR" dirty="0"/>
+            <a:endParaRPr lang="en-US" altLang="ko-KR" dirty="0">
+              <a:latin typeface="나눔스퀘어" panose="020B0600000101010101" pitchFamily="50" charset="-127"/>
+              <a:ea typeface="나눔스퀘어" panose="020B0600000101010101" pitchFamily="50" charset="-127"/>
+            </a:endParaRPr>
           </a:p>
         </p:txBody>
       </p:sp>
@@ -7411,7 +8369,10 @@
           <a:lstStyle/>
           <a:p>
             <a:pPr algn="ctr"/>
-            <a:endParaRPr lang="ko-KR" altLang="en-US"/>
+            <a:endParaRPr lang="ko-KR" altLang="en-US">
+              <a:latin typeface="나눔스퀘어" panose="020B0600000101010101" pitchFamily="50" charset="-127"/>
+              <a:ea typeface="나눔스퀘어" panose="020B0600000101010101" pitchFamily="50" charset="-127"/>
+            </a:endParaRPr>
           </a:p>
         </p:txBody>
       </p:sp>
@@ -7463,7 +8424,10 @@
           <a:lstStyle/>
           <a:p>
             <a:pPr algn="ctr"/>
-            <a:endParaRPr lang="ko-KR" altLang="en-US"/>
+            <a:endParaRPr lang="ko-KR" altLang="en-US">
+              <a:latin typeface="나눔스퀘어" panose="020B0600000101010101" pitchFamily="50" charset="-127"/>
+              <a:ea typeface="나눔스퀘어" panose="020B0600000101010101" pitchFamily="50" charset="-127"/>
+            </a:endParaRPr>
           </a:p>
         </p:txBody>
       </p:sp>
@@ -7515,7 +8479,10 @@
           <a:lstStyle/>
           <a:p>
             <a:pPr algn="ctr"/>
-            <a:endParaRPr lang="ko-KR" altLang="en-US"/>
+            <a:endParaRPr lang="ko-KR" altLang="en-US">
+              <a:latin typeface="나눔스퀘어" panose="020B0600000101010101" pitchFamily="50" charset="-127"/>
+              <a:ea typeface="나눔스퀘어" panose="020B0600000101010101" pitchFamily="50" charset="-127"/>
+            </a:endParaRPr>
           </a:p>
         </p:txBody>
       </p:sp>
@@ -7567,7 +8534,10 @@
           <a:lstStyle/>
           <a:p>
             <a:pPr algn="ctr"/>
-            <a:endParaRPr lang="ko-KR" altLang="en-US"/>
+            <a:endParaRPr lang="ko-KR" altLang="en-US">
+              <a:latin typeface="나눔스퀘어" panose="020B0600000101010101" pitchFamily="50" charset="-127"/>
+              <a:ea typeface="나눔스퀘어" panose="020B0600000101010101" pitchFamily="50" charset="-127"/>
+            </a:endParaRPr>
           </a:p>
         </p:txBody>
       </p:sp>
@@ -7619,7 +8589,10 @@
           <a:lstStyle/>
           <a:p>
             <a:pPr algn="ctr"/>
-            <a:endParaRPr lang="ko-KR" altLang="en-US"/>
+            <a:endParaRPr lang="ko-KR" altLang="en-US">
+              <a:latin typeface="나눔스퀘어" panose="020B0600000101010101" pitchFamily="50" charset="-127"/>
+              <a:ea typeface="나눔스퀘어" panose="020B0600000101010101" pitchFamily="50" charset="-127"/>
+            </a:endParaRPr>
           </a:p>
         </p:txBody>
       </p:sp>
@@ -7671,7 +8644,10 @@
           <a:lstStyle/>
           <a:p>
             <a:pPr algn="ctr"/>
-            <a:endParaRPr lang="ko-KR" altLang="en-US"/>
+            <a:endParaRPr lang="ko-KR" altLang="en-US">
+              <a:latin typeface="나눔스퀘어" panose="020B0600000101010101" pitchFamily="50" charset="-127"/>
+              <a:ea typeface="나눔스퀘어" panose="020B0600000101010101" pitchFamily="50" charset="-127"/>
+            </a:endParaRPr>
           </a:p>
         </p:txBody>
       </p:sp>
@@ -7723,7 +8699,10 @@
           <a:lstStyle/>
           <a:p>
             <a:pPr algn="ctr"/>
-            <a:endParaRPr lang="ko-KR" altLang="en-US"/>
+            <a:endParaRPr lang="ko-KR" altLang="en-US">
+              <a:latin typeface="나눔스퀘어" panose="020B0600000101010101" pitchFamily="50" charset="-127"/>
+              <a:ea typeface="나눔스퀘어" panose="020B0600000101010101" pitchFamily="50" charset="-127"/>
+            </a:endParaRPr>
           </a:p>
         </p:txBody>
       </p:sp>
@@ -7775,7 +8754,10 @@
           <a:lstStyle/>
           <a:p>
             <a:pPr algn="ctr"/>
-            <a:endParaRPr lang="ko-KR" altLang="en-US"/>
+            <a:endParaRPr lang="ko-KR" altLang="en-US">
+              <a:latin typeface="나눔스퀘어" panose="020B0600000101010101" pitchFamily="50" charset="-127"/>
+              <a:ea typeface="나눔스퀘어" panose="020B0600000101010101" pitchFamily="50" charset="-127"/>
+            </a:endParaRPr>
           </a:p>
         </p:txBody>
       </p:sp>
@@ -7827,7 +8809,10 @@
           <a:lstStyle/>
           <a:p>
             <a:pPr algn="ctr"/>
-            <a:endParaRPr lang="ko-KR" altLang="en-US"/>
+            <a:endParaRPr lang="ko-KR" altLang="en-US">
+              <a:latin typeface="나눔스퀘어" panose="020B0600000101010101" pitchFamily="50" charset="-127"/>
+              <a:ea typeface="나눔스퀘어" panose="020B0600000101010101" pitchFamily="50" charset="-127"/>
+            </a:endParaRPr>
           </a:p>
         </p:txBody>
       </p:sp>
@@ -7879,7 +8864,10 @@
           <a:lstStyle/>
           <a:p>
             <a:pPr algn="ctr"/>
-            <a:endParaRPr lang="ko-KR" altLang="en-US"/>
+            <a:endParaRPr lang="ko-KR" altLang="en-US">
+              <a:latin typeface="나눔스퀘어" panose="020B0600000101010101" pitchFamily="50" charset="-127"/>
+              <a:ea typeface="나눔스퀘어" panose="020B0600000101010101" pitchFamily="50" charset="-127"/>
+            </a:endParaRPr>
           </a:p>
         </p:txBody>
       </p:sp>
@@ -7912,30 +8900,51 @@
           <a:lstStyle/>
           <a:p>
             <a:r>
-              <a:rPr lang="en-US" altLang="ko-KR"/>
+              <a:rPr lang="en-US" altLang="ko-KR">
+                <a:latin typeface="나눔스퀘어" panose="020B0600000101010101" pitchFamily="50" charset="-127"/>
+                <a:ea typeface="나눔스퀘어" panose="020B0600000101010101" pitchFamily="50" charset="-127"/>
+              </a:rPr>
               <a:t>Gaussian Kernel</a:t>
             </a:r>
             <a:r>
-              <a:rPr lang="ko-KR" altLang="en-US"/>
+              <a:rPr lang="ko-KR" altLang="en-US">
+                <a:latin typeface="나눔스퀘어" panose="020B0600000101010101" pitchFamily="50" charset="-127"/>
+                <a:ea typeface="나눔스퀘어" panose="020B0600000101010101" pitchFamily="50" charset="-127"/>
+              </a:rPr>
               <a:t>을 사용해</a:t>
             </a:r>
-            <a:endParaRPr lang="en-US" altLang="ko-KR"/>
-          </a:p>
-          <a:p>
-            <a:r>
-              <a:rPr lang="en-US" altLang="ko-KR"/>
+            <a:endParaRPr lang="en-US" altLang="ko-KR">
+              <a:latin typeface="나눔스퀘어" panose="020B0600000101010101" pitchFamily="50" charset="-127"/>
+              <a:ea typeface="나눔스퀘어" panose="020B0600000101010101" pitchFamily="50" charset="-127"/>
+            </a:endParaRPr>
+          </a:p>
+          <a:p>
+            <a:r>
+              <a:rPr lang="en-US" altLang="ko-KR">
+                <a:latin typeface="나눔스퀘어" panose="020B0600000101010101" pitchFamily="50" charset="-127"/>
+                <a:ea typeface="나눔스퀘어" panose="020B0600000101010101" pitchFamily="50" charset="-127"/>
+              </a:rPr>
               <a:t>Distance</a:t>
             </a:r>
             <a:r>
-              <a:rPr lang="ko-KR" altLang="en-US"/>
+              <a:rPr lang="ko-KR" altLang="en-US">
+                <a:latin typeface="나눔스퀘어" panose="020B0600000101010101" pitchFamily="50" charset="-127"/>
+                <a:ea typeface="나눔스퀘어" panose="020B0600000101010101" pitchFamily="50" charset="-127"/>
+              </a:rPr>
               <a:t> 값을 </a:t>
             </a:r>
             <a:r>
-              <a:rPr lang="en-US" altLang="ko-KR"/>
+              <a:rPr lang="en-US" altLang="ko-KR">
+                <a:latin typeface="나눔스퀘어" panose="020B0600000101010101" pitchFamily="50" charset="-127"/>
+                <a:ea typeface="나눔스퀘어" panose="020B0600000101010101" pitchFamily="50" charset="-127"/>
+              </a:rPr>
               <a:t>weight</a:t>
             </a:r>
             <a:r>
-              <a:rPr lang="ko-KR" altLang="en-US"/>
+              <a:rPr lang="ko-KR" altLang="en-US">
+                <a:latin typeface="나눔스퀘어" panose="020B0600000101010101" pitchFamily="50" charset="-127"/>
+                <a:ea typeface="나눔스퀘어" panose="020B0600000101010101" pitchFamily="50" charset="-127"/>
+              </a:rPr>
               <a:t>으로 변환</a:t>
             </a:r>
           </a:p>
@@ -8048,7 +9057,10 @@
           <a:lstStyle/>
           <a:p>
             <a:pPr algn="ctr"/>
-            <a:endParaRPr lang="ko-KR" altLang="en-US"/>
+            <a:endParaRPr lang="ko-KR" altLang="en-US">
+              <a:latin typeface="나눔스퀘어" panose="020B0600000101010101" pitchFamily="50" charset="-127"/>
+              <a:ea typeface="나눔스퀘어" panose="020B0600000101010101" pitchFamily="50" charset="-127"/>
+            </a:endParaRPr>
           </a:p>
         </p:txBody>
       </p:sp>
@@ -8100,7 +9112,10 @@
           <a:lstStyle/>
           <a:p>
             <a:pPr algn="ctr"/>
-            <a:endParaRPr lang="ko-KR" altLang="en-US"/>
+            <a:endParaRPr lang="ko-KR" altLang="en-US">
+              <a:latin typeface="나눔스퀘어" panose="020B0600000101010101" pitchFamily="50" charset="-127"/>
+              <a:ea typeface="나눔스퀘어" panose="020B0600000101010101" pitchFamily="50" charset="-127"/>
+            </a:endParaRPr>
           </a:p>
         </p:txBody>
       </p:sp>
@@ -8133,10 +9148,16 @@
           <a:lstStyle/>
           <a:p>
             <a:r>
-              <a:rPr lang="en-US" altLang="ko-KR"/>
+              <a:rPr lang="en-US" altLang="ko-KR">
+                <a:latin typeface="나눔스퀘어" panose="020B0600000101010101" pitchFamily="50" charset="-127"/>
+                <a:ea typeface="나눔스퀘어" panose="020B0600000101010101" pitchFamily="50" charset="-127"/>
+              </a:rPr>
               <a:t>Edge_index</a:t>
             </a:r>
-            <a:endParaRPr lang="ko-KR" altLang="en-US"/>
+            <a:endParaRPr lang="ko-KR" altLang="en-US">
+              <a:latin typeface="나눔스퀘어" panose="020B0600000101010101" pitchFamily="50" charset="-127"/>
+              <a:ea typeface="나눔스퀘어" panose="020B0600000101010101" pitchFamily="50" charset="-127"/>
+            </a:endParaRPr>
           </a:p>
         </p:txBody>
       </p:sp>
@@ -8169,10 +9190,16 @@
           <a:lstStyle/>
           <a:p>
             <a:r>
-              <a:rPr lang="en-US" altLang="ko-KR"/>
+              <a:rPr lang="en-US" altLang="ko-KR">
+                <a:latin typeface="나눔스퀘어" panose="020B0600000101010101" pitchFamily="50" charset="-127"/>
+                <a:ea typeface="나눔스퀘어" panose="020B0600000101010101" pitchFamily="50" charset="-127"/>
+              </a:rPr>
               <a:t>Edge_attribute</a:t>
             </a:r>
-            <a:endParaRPr lang="ko-KR" altLang="en-US"/>
+            <a:endParaRPr lang="ko-KR" altLang="en-US">
+              <a:latin typeface="나눔스퀘어" panose="020B0600000101010101" pitchFamily="50" charset="-127"/>
+              <a:ea typeface="나눔스퀘어" panose="020B0600000101010101" pitchFamily="50" charset="-127"/>
+            </a:endParaRPr>
           </a:p>
         </p:txBody>
       </p:sp>
@@ -8205,10 +9232,16 @@
           <a:lstStyle/>
           <a:p>
             <a:r>
-              <a:rPr lang="en-US" altLang="ko-KR"/>
+              <a:rPr lang="en-US" altLang="ko-KR">
+                <a:latin typeface="나눔스퀘어" panose="020B0600000101010101" pitchFamily="50" charset="-127"/>
+                <a:ea typeface="나눔스퀘어" panose="020B0600000101010101" pitchFamily="50" charset="-127"/>
+              </a:rPr>
               <a:t>Weighted adjacency matrix</a:t>
             </a:r>
-            <a:endParaRPr lang="ko-KR" altLang="en-US"/>
+            <a:endParaRPr lang="ko-KR" altLang="en-US">
+              <a:latin typeface="나눔스퀘어" panose="020B0600000101010101" pitchFamily="50" charset="-127"/>
+              <a:ea typeface="나눔스퀘어" panose="020B0600000101010101" pitchFamily="50" charset="-127"/>
+            </a:endParaRPr>
           </a:p>
         </p:txBody>
       </p:sp>
@@ -8241,10 +9274,16 @@
           <a:lstStyle/>
           <a:p>
             <a:r>
-              <a:rPr lang="en-US" altLang="ko-KR"/>
+              <a:rPr lang="en-US" altLang="ko-KR">
+                <a:latin typeface="나눔스퀘어" panose="020B0600000101010101" pitchFamily="50" charset="-127"/>
+                <a:ea typeface="나눔스퀘어" panose="020B0600000101010101" pitchFamily="50" charset="-127"/>
+              </a:rPr>
               <a:t>KNN-based Adjacency matrix (k=3)</a:t>
             </a:r>
-            <a:endParaRPr lang="ko-KR" altLang="en-US" dirty="0"/>
+            <a:endParaRPr lang="ko-KR" altLang="en-US" dirty="0">
+              <a:latin typeface="나눔스퀘어" panose="020B0600000101010101" pitchFamily="50" charset="-127"/>
+              <a:ea typeface="나눔스퀘어" panose="020B0600000101010101" pitchFamily="50" charset="-127"/>
+            </a:endParaRPr>
           </a:p>
         </p:txBody>
       </p:sp>
@@ -8277,38 +9316,65 @@
           <a:lstStyle/>
           <a:p>
             <a:r>
-              <a:rPr lang="ko-KR" altLang="en-US"/>
+              <a:rPr lang="ko-KR" altLang="en-US">
+                <a:latin typeface="나눔스퀘어" panose="020B0600000101010101" pitchFamily="50" charset="-127"/>
+                <a:ea typeface="나눔스퀘어" panose="020B0600000101010101" pitchFamily="50" charset="-127"/>
+              </a:rPr>
               <a:t>각 </a:t>
             </a:r>
             <a:r>
-              <a:rPr lang="en-US" altLang="ko-KR"/>
+              <a:rPr lang="en-US" altLang="ko-KR">
+                <a:latin typeface="나눔스퀘어" panose="020B0600000101010101" pitchFamily="50" charset="-127"/>
+                <a:ea typeface="나눔스퀘어" panose="020B0600000101010101" pitchFamily="50" charset="-127"/>
+              </a:rPr>
               <a:t>node</a:t>
             </a:r>
             <a:r>
-              <a:rPr lang="ko-KR" altLang="en-US"/>
+              <a:rPr lang="ko-KR" altLang="en-US">
+                <a:latin typeface="나눔스퀘어" panose="020B0600000101010101" pitchFamily="50" charset="-127"/>
+                <a:ea typeface="나눔스퀘어" panose="020B0600000101010101" pitchFamily="50" charset="-127"/>
+              </a:rPr>
               <a:t>마다 </a:t>
             </a:r>
-            <a:endParaRPr lang="en-US" altLang="ko-KR"/>
-          </a:p>
-          <a:p>
-            <a:r>
-              <a:rPr lang="ko-KR" altLang="en-US"/>
+            <a:endParaRPr lang="en-US" altLang="ko-KR">
+              <a:latin typeface="나눔스퀘어" panose="020B0600000101010101" pitchFamily="50" charset="-127"/>
+              <a:ea typeface="나눔스퀘어" panose="020B0600000101010101" pitchFamily="50" charset="-127"/>
+            </a:endParaRPr>
+          </a:p>
+          <a:p>
+            <a:r>
+              <a:rPr lang="ko-KR" altLang="en-US">
+                <a:latin typeface="나눔스퀘어" panose="020B0600000101010101" pitchFamily="50" charset="-127"/>
+                <a:ea typeface="나눔스퀘어" panose="020B0600000101010101" pitchFamily="50" charset="-127"/>
+              </a:rPr>
               <a:t>유사성이 높은 특정 개수</a:t>
             </a:r>
             <a:r>
-              <a:rPr lang="en-US" altLang="ko-KR"/>
+              <a:rPr lang="en-US" altLang="ko-KR">
+                <a:latin typeface="나눔스퀘어" panose="020B0600000101010101" pitchFamily="50" charset="-127"/>
+                <a:ea typeface="나눔스퀘어" panose="020B0600000101010101" pitchFamily="50" charset="-127"/>
+              </a:rPr>
               <a:t>(k)</a:t>
             </a:r>
             <a:r>
-              <a:rPr lang="ko-KR" altLang="en-US"/>
+              <a:rPr lang="ko-KR" altLang="en-US">
+                <a:latin typeface="나눔스퀘어" panose="020B0600000101010101" pitchFamily="50" charset="-127"/>
+                <a:ea typeface="나눔스퀘어" panose="020B0600000101010101" pitchFamily="50" charset="-127"/>
+              </a:rPr>
               <a:t>의 </a:t>
             </a:r>
             <a:r>
-              <a:rPr lang="en-US" altLang="ko-KR"/>
+              <a:rPr lang="en-US" altLang="ko-KR">
+                <a:latin typeface="나눔스퀘어" panose="020B0600000101010101" pitchFamily="50" charset="-127"/>
+                <a:ea typeface="나눔스퀘어" panose="020B0600000101010101" pitchFamily="50" charset="-127"/>
+              </a:rPr>
               <a:t>node</a:t>
             </a:r>
             <a:r>
-              <a:rPr lang="ko-KR" altLang="en-US"/>
+              <a:rPr lang="ko-KR" altLang="en-US">
+                <a:latin typeface="나눔스퀘어" panose="020B0600000101010101" pitchFamily="50" charset="-127"/>
+                <a:ea typeface="나눔스퀘어" panose="020B0600000101010101" pitchFamily="50" charset="-127"/>
+              </a:rPr>
               <a:t>와의 관계만 고려</a:t>
             </a:r>
           </a:p>
@@ -8318,6 +9384,227 @@
     <p:extLst>
       <p:ext uri="{BB962C8B-B14F-4D97-AF65-F5344CB8AC3E}">
         <p14:creationId xmlns:p14="http://schemas.microsoft.com/office/powerpoint/2010/main" val="1956321875"/>
+      </p:ext>
+    </p:extLst>
+  </p:cSld>
+  <p:clrMapOvr>
+    <a:masterClrMapping/>
+  </p:clrMapOvr>
+</p:sld>
+</file>
+
+<file path=ppt/slides/slide9.xml><?xml version="1.0" encoding="utf-8"?>
+<p:sld xmlns:a="http://schemas.openxmlformats.org/drawingml/2006/main" xmlns:r="http://schemas.openxmlformats.org/officeDocument/2006/relationships" xmlns:p="http://schemas.openxmlformats.org/presentationml/2006/main">
+  <p:cSld>
+    <p:spTree>
+      <p:nvGrpSpPr>
+        <p:cNvPr id="1" name="">
+          <a:extLst>
+            <a:ext uri="{FF2B5EF4-FFF2-40B4-BE49-F238E27FC236}">
+              <a16:creationId xmlns:a16="http://schemas.microsoft.com/office/drawing/2014/main" id="{44792E7C-DE38-127E-17D1-2FDCB43238DA}"/>
+            </a:ext>
+          </a:extLst>
+        </p:cNvPr>
+        <p:cNvGrpSpPr/>
+        <p:nvPr/>
+      </p:nvGrpSpPr>
+      <p:grpSpPr>
+        <a:xfrm>
+          <a:off x="0" y="0"/>
+          <a:ext cx="0" cy="0"/>
+          <a:chOff x="0" y="0"/>
+          <a:chExt cx="0" cy="0"/>
+        </a:xfrm>
+      </p:grpSpPr>
+      <p:sp>
+        <p:nvSpPr>
+          <p:cNvPr id="2" name="제목 1">
+            <a:extLst>
+              <a:ext uri="{FF2B5EF4-FFF2-40B4-BE49-F238E27FC236}">
+                <a16:creationId xmlns:a16="http://schemas.microsoft.com/office/drawing/2014/main" id="{A2D3AE7B-BFE0-B0A5-C805-7CAF963BFEDF}"/>
+              </a:ext>
+            </a:extLst>
+          </p:cNvPr>
+          <p:cNvSpPr>
+            <a:spLocks noGrp="1"/>
+          </p:cNvSpPr>
+          <p:nvPr>
+            <p:ph type="title"/>
+          </p:nvPr>
+        </p:nvSpPr>
+        <p:spPr/>
+        <p:txBody>
+          <a:bodyPr/>
+          <a:lstStyle/>
+          <a:p>
+            <a:r>
+              <a:rPr lang="en-US" altLang="ko-KR"/>
+              <a:t>4. GCN model </a:t>
+            </a:r>
+            <a:r>
+              <a:rPr lang="ko-KR" altLang="en-US"/>
+              <a:t>구축</a:t>
+            </a:r>
+          </a:p>
+        </p:txBody>
+      </p:sp>
+      <p:sp>
+        <p:nvSpPr>
+          <p:cNvPr id="3" name="내용 개체 틀 2">
+            <a:extLst>
+              <a:ext uri="{FF2B5EF4-FFF2-40B4-BE49-F238E27FC236}">
+                <a16:creationId xmlns:a16="http://schemas.microsoft.com/office/drawing/2014/main" id="{64FA42F5-EF64-185D-E8CD-AE28C6BAF63B}"/>
+              </a:ext>
+            </a:extLst>
+          </p:cNvPr>
+          <p:cNvSpPr>
+            <a:spLocks noGrp="1"/>
+          </p:cNvSpPr>
+          <p:nvPr>
+            <p:ph idx="1"/>
+          </p:nvPr>
+        </p:nvSpPr>
+        <p:spPr/>
+        <p:txBody>
+          <a:bodyPr>
+            <a:normAutofit/>
+          </a:bodyPr>
+          <a:lstStyle/>
+          <a:p>
+            <a:pPr marL="0" indent="0">
+              <a:buNone/>
+            </a:pPr>
+            <a:r>
+              <a:rPr lang="en-US" altLang="ko-KR"/>
+              <a:t>ChebConv</a:t>
+            </a:r>
+            <a:r>
+              <a:rPr lang="ko-KR" altLang="en-US"/>
+              <a:t> </a:t>
+            </a:r>
+            <a:r>
+              <a:rPr lang="en-US" altLang="ko-KR"/>
+              <a:t>Layer 3 (feature# -&gt; 64 -&gt; 64-&gt; 128) : </a:t>
+            </a:r>
+            <a:r>
+              <a:rPr lang="ko-KR" altLang="en-US"/>
+              <a:t>최대 </a:t>
+            </a:r>
+            <a:r>
+              <a:rPr lang="en-US" altLang="ko-KR"/>
+              <a:t>6</a:t>
+            </a:r>
+            <a:r>
+              <a:rPr lang="ko-KR" altLang="en-US"/>
+              <a:t>차로 설정</a:t>
+            </a:r>
+            <a:endParaRPr lang="en-US" altLang="ko-KR"/>
+          </a:p>
+          <a:p>
+            <a:pPr marL="0" indent="0">
+              <a:buNone/>
+            </a:pPr>
+            <a:r>
+              <a:rPr lang="en-US" altLang="ko-KR"/>
+              <a:t>Linear Layer 1(128 -&gt; 2(class#))</a:t>
+            </a:r>
+          </a:p>
+          <a:p>
+            <a:pPr marL="0" indent="0">
+              <a:buNone/>
+            </a:pPr>
+            <a:r>
+              <a:rPr lang="en-US" altLang="ko-KR"/>
+              <a:t>Log_softmax</a:t>
+            </a:r>
+          </a:p>
+          <a:p>
+            <a:pPr marL="0" indent="0">
+              <a:buNone/>
+            </a:pPr>
+            <a:endParaRPr lang="en-US" altLang="ko-KR"/>
+          </a:p>
+          <a:p>
+            <a:pPr marL="0" indent="0">
+              <a:buNone/>
+            </a:pPr>
+            <a:r>
+              <a:rPr lang="en-US" altLang="ko-KR"/>
+              <a:t>Activation function : ReLU</a:t>
+            </a:r>
+          </a:p>
+          <a:p>
+            <a:pPr marL="0" indent="0">
+              <a:buNone/>
+            </a:pPr>
+            <a:endParaRPr lang="en-US" altLang="ko-KR"/>
+          </a:p>
+          <a:p>
+            <a:pPr marL="0" indent="0">
+              <a:buNone/>
+            </a:pPr>
+            <a:r>
+              <a:rPr lang="en-US" altLang="ko-KR"/>
+              <a:t>2,3 layer</a:t>
+            </a:r>
+            <a:r>
+              <a:rPr lang="ko-KR" altLang="en-US"/>
+              <a:t> </a:t>
+            </a:r>
+            <a:r>
+              <a:rPr lang="en-US" altLang="ko-KR"/>
+              <a:t>dropout(0.5</a:t>
+            </a:r>
+            <a:r>
+              <a:rPr lang="ko-KR" altLang="en-US"/>
+              <a:t>비율</a:t>
+            </a:r>
+            <a:r>
+              <a:rPr lang="en-US" altLang="ko-KR"/>
+              <a:t>)</a:t>
+            </a:r>
+          </a:p>
+          <a:p>
+            <a:pPr marL="0" indent="0">
+              <a:buNone/>
+            </a:pPr>
+            <a:r>
+              <a:rPr lang="en-US" altLang="ko-KR"/>
+              <a:t>Linear Layer </a:t>
+            </a:r>
+            <a:r>
+              <a:rPr lang="ko-KR" altLang="en-US"/>
+              <a:t>전 </a:t>
+            </a:r>
+            <a:r>
+              <a:rPr lang="en-US" altLang="ko-KR"/>
+              <a:t>Global mean pooling</a:t>
+            </a:r>
+          </a:p>
+          <a:p>
+            <a:pPr marL="0" indent="0">
+              <a:buNone/>
+            </a:pPr>
+            <a:endParaRPr lang="en-US" altLang="ko-KR"/>
+          </a:p>
+          <a:p>
+            <a:pPr marL="0" indent="0">
+              <a:buNone/>
+            </a:pPr>
+            <a:endParaRPr lang="en-US" altLang="ko-KR"/>
+          </a:p>
+          <a:p>
+            <a:pPr marL="0" indent="0">
+              <a:buNone/>
+            </a:pPr>
+            <a:endParaRPr lang="ko-KR" altLang="en-US"/>
+          </a:p>
+        </p:txBody>
+      </p:sp>
+    </p:spTree>
+    <p:extLst>
+      <p:ext uri="{BB962C8B-B14F-4D97-AF65-F5344CB8AC3E}">
+        <p14:creationId xmlns:p14="http://schemas.microsoft.com/office/powerpoint/2010/main" val="1272733660"/>
       </p:ext>
     </p:extLst>
   </p:cSld>

--- a/Presentation/초기 발표.pptx
+++ b/Presentation/초기 발표.pptx
@@ -7,16 +7,18 @@
   <p:sldIdLst>
     <p:sldId id="256" r:id="rId2"/>
     <p:sldId id="257" r:id="rId3"/>
-    <p:sldId id="258" r:id="rId4"/>
-    <p:sldId id="264" r:id="rId5"/>
-    <p:sldId id="263" r:id="rId6"/>
-    <p:sldId id="260" r:id="rId7"/>
-    <p:sldId id="269" r:id="rId8"/>
-    <p:sldId id="270" r:id="rId9"/>
-    <p:sldId id="261" r:id="rId10"/>
-    <p:sldId id="262" r:id="rId11"/>
-    <p:sldId id="265" r:id="rId12"/>
-    <p:sldId id="271" r:id="rId13"/>
+    <p:sldId id="273" r:id="rId4"/>
+    <p:sldId id="258" r:id="rId5"/>
+    <p:sldId id="274" r:id="rId6"/>
+    <p:sldId id="263" r:id="rId7"/>
+    <p:sldId id="260" r:id="rId8"/>
+    <p:sldId id="269" r:id="rId9"/>
+    <p:sldId id="270" r:id="rId10"/>
+    <p:sldId id="271" r:id="rId11"/>
+    <p:sldId id="272" r:id="rId12"/>
+    <p:sldId id="261" r:id="rId13"/>
+    <p:sldId id="262" r:id="rId14"/>
+    <p:sldId id="265" r:id="rId15"/>
   </p:sldIdLst>
   <p:sldSz cx="12192000" cy="6858000"/>
   <p:notesSz cx="6858000" cy="9144000"/>
@@ -123,6 +125,18 @@
 </p:presentation>
 </file>
 
+<file path=ppt/commentAuthors.xml><?xml version="1.0" encoding="utf-8"?>
+<p:cmAuthorLst xmlns:a="http://schemas.openxmlformats.org/drawingml/2006/main" xmlns:r="http://schemas.openxmlformats.org/officeDocument/2006/relationships" xmlns:p="http://schemas.openxmlformats.org/presentationml/2006/main">
+  <p:cmAuthor id="1" name="지후 박" initials="지박" lastIdx="2" clrIdx="0">
+    <p:extLst>
+      <p:ext uri="{19B8F6BF-5375-455C-9EA6-DF929625EA0E}">
+        <p15:presenceInfo xmlns:p15="http://schemas.microsoft.com/office/powerpoint/2012/main" userId="f54b2ae1d91f7c8b" providerId="Windows Live"/>
+      </p:ext>
+    </p:extLst>
+  </p:cmAuthor>
+</p:cmAuthorLst>
+</file>
+
 <file path=ppt/slideLayouts/slideLayout1.xml><?xml version="1.0" encoding="utf-8"?>
 <p:sldLayout xmlns:a="http://schemas.openxmlformats.org/drawingml/2006/main" xmlns:r="http://schemas.openxmlformats.org/officeDocument/2006/relationships" xmlns:p="http://schemas.openxmlformats.org/presentationml/2006/main" type="title" preserve="1">
   <p:cSld name="제목 슬라이드">
@@ -2806,7 +2820,7 @@
           <a:lstStyle/>
           <a:p>
             <a:r>
-              <a:rPr lang="ko-KR" altLang="en-US"/>
+              <a:rPr lang="ko-KR" altLang="en-US" dirty="0"/>
               <a:t>마스터 제목 스타일 편집</a:t>
             </a:r>
           </a:p>
@@ -2845,35 +2859,35 @@
           <a:p>
             <a:pPr lvl="0"/>
             <a:r>
-              <a:rPr lang="ko-KR" altLang="en-US"/>
+              <a:rPr lang="ko-KR" altLang="en-US" dirty="0"/>
               <a:t>마스터 텍스트 스타일을 편집하려면 클릭</a:t>
             </a:r>
           </a:p>
           <a:p>
             <a:pPr lvl="1"/>
             <a:r>
-              <a:rPr lang="ko-KR" altLang="en-US"/>
+              <a:rPr lang="ko-KR" altLang="en-US" dirty="0"/>
               <a:t>두 번째 수준</a:t>
             </a:r>
           </a:p>
           <a:p>
             <a:pPr lvl="2"/>
             <a:r>
-              <a:rPr lang="ko-KR" altLang="en-US"/>
+              <a:rPr lang="ko-KR" altLang="en-US" dirty="0"/>
               <a:t>세 번째 수준</a:t>
             </a:r>
           </a:p>
           <a:p>
             <a:pPr lvl="3"/>
             <a:r>
-              <a:rPr lang="ko-KR" altLang="en-US"/>
+              <a:rPr lang="ko-KR" altLang="en-US" dirty="0"/>
               <a:t>네 번째 수준</a:t>
             </a:r>
           </a:p>
           <a:p>
             <a:pPr lvl="4"/>
             <a:r>
-              <a:rPr lang="ko-KR" altLang="en-US"/>
+              <a:rPr lang="ko-KR" altLang="en-US" dirty="0"/>
               <a:t>다섯 번째 수준</a:t>
             </a:r>
           </a:p>
@@ -2914,8 +2928,8 @@
                     <a:tint val="75000"/>
                   </a:schemeClr>
                 </a:solidFill>
-                <a:latin typeface="나눔스퀘어" panose="020B0600000101010101" pitchFamily="50" charset="-127"/>
-                <a:ea typeface="나눔스퀘어" panose="020B0600000101010101" pitchFamily="50" charset="-127"/>
+                <a:latin typeface="나눔스퀘어 네오 Regular" panose="00000500000000000000" pitchFamily="2" charset="-127"/>
+                <a:ea typeface="나눔스퀘어 네오 Regular" panose="00000500000000000000" pitchFamily="2" charset="-127"/>
               </a:defRPr>
             </a:lvl1pPr>
           </a:lstStyle>
@@ -2925,7 +2939,7 @@
               <a:pPr/>
               <a:t>2024-03-06</a:t>
             </a:fld>
-            <a:endParaRPr lang="ko-KR" altLang="en-US"/>
+            <a:endParaRPr lang="ko-KR" altLang="en-US" dirty="0"/>
           </a:p>
         </p:txBody>
       </p:sp>
@@ -2964,13 +2978,13 @@
                     <a:tint val="75000"/>
                   </a:schemeClr>
                 </a:solidFill>
-                <a:latin typeface="나눔스퀘어" panose="020B0600000101010101" pitchFamily="50" charset="-127"/>
-                <a:ea typeface="나눔스퀘어" panose="020B0600000101010101" pitchFamily="50" charset="-127"/>
+                <a:latin typeface="나눔스퀘어 네오 Regular" panose="00000500000000000000" pitchFamily="2" charset="-127"/>
+                <a:ea typeface="나눔스퀘어 네오 Regular" panose="00000500000000000000" pitchFamily="2" charset="-127"/>
               </a:defRPr>
             </a:lvl1pPr>
           </a:lstStyle>
           <a:p>
-            <a:endParaRPr lang="ko-KR" altLang="en-US"/>
+            <a:endParaRPr lang="ko-KR" altLang="en-US" dirty="0"/>
           </a:p>
         </p:txBody>
       </p:sp>
@@ -3009,8 +3023,8 @@
                     <a:tint val="75000"/>
                   </a:schemeClr>
                 </a:solidFill>
-                <a:latin typeface="나눔스퀘어" panose="020B0600000101010101" pitchFamily="50" charset="-127"/>
-                <a:ea typeface="나눔스퀘어" panose="020B0600000101010101" pitchFamily="50" charset="-127"/>
+                <a:latin typeface="나눔스퀘어 네오 Regular" panose="00000500000000000000" pitchFamily="2" charset="-127"/>
+                <a:ea typeface="나눔스퀘어 네오 Regular" panose="00000500000000000000" pitchFamily="2" charset="-127"/>
               </a:defRPr>
             </a:lvl1pPr>
           </a:lstStyle>
@@ -3020,7 +3034,7 @@
               <a:pPr/>
               <a:t>‹#›</a:t>
             </a:fld>
-            <a:endParaRPr lang="ko-KR" altLang="en-US"/>
+            <a:endParaRPr lang="ko-KR" altLang="en-US" dirty="0"/>
           </a:p>
         </p:txBody>
       </p:sp>
@@ -3059,8 +3073,8 @@
           <a:solidFill>
             <a:schemeClr val="tx1"/>
           </a:solidFill>
-          <a:latin typeface="나눔스퀘어" panose="020B0600000101010101" pitchFamily="50" charset="-127"/>
-          <a:ea typeface="나눔스퀘어" panose="020B0600000101010101" pitchFamily="50" charset="-127"/>
+          <a:latin typeface="나눔스퀘어 네오 Regular" panose="00000500000000000000" pitchFamily="2" charset="-127"/>
+          <a:ea typeface="나눔스퀘어 네오 Regular" panose="00000500000000000000" pitchFamily="2" charset="-127"/>
           <a:cs typeface="+mj-cs"/>
         </a:defRPr>
       </a:lvl1pPr>
@@ -3079,8 +3093,8 @@
           <a:solidFill>
             <a:schemeClr val="tx1"/>
           </a:solidFill>
-          <a:latin typeface="나눔스퀘어" panose="020B0600000101010101" pitchFamily="50" charset="-127"/>
-          <a:ea typeface="나눔스퀘어" panose="020B0600000101010101" pitchFamily="50" charset="-127"/>
+          <a:latin typeface="나눔스퀘어 네오 Regular" panose="00000500000000000000" pitchFamily="2" charset="-127"/>
+          <a:ea typeface="나눔스퀘어 네오 Regular" panose="00000500000000000000" pitchFamily="2" charset="-127"/>
           <a:cs typeface="+mn-cs"/>
         </a:defRPr>
       </a:lvl1pPr>
@@ -3097,8 +3111,8 @@
           <a:solidFill>
             <a:schemeClr val="tx1"/>
           </a:solidFill>
-          <a:latin typeface="나눔스퀘어" panose="020B0600000101010101" pitchFamily="50" charset="-127"/>
-          <a:ea typeface="나눔스퀘어" panose="020B0600000101010101" pitchFamily="50" charset="-127"/>
+          <a:latin typeface="나눔스퀘어 네오 Regular" panose="00000500000000000000" pitchFamily="2" charset="-127"/>
+          <a:ea typeface="나눔스퀘어 네오 Regular" panose="00000500000000000000" pitchFamily="2" charset="-127"/>
           <a:cs typeface="+mn-cs"/>
         </a:defRPr>
       </a:lvl2pPr>
@@ -3115,8 +3129,8 @@
           <a:solidFill>
             <a:schemeClr val="tx1"/>
           </a:solidFill>
-          <a:latin typeface="나눔스퀘어" panose="020B0600000101010101" pitchFamily="50" charset="-127"/>
-          <a:ea typeface="나눔스퀘어" panose="020B0600000101010101" pitchFamily="50" charset="-127"/>
+          <a:latin typeface="나눔스퀘어 네오 Regular" panose="00000500000000000000" pitchFamily="2" charset="-127"/>
+          <a:ea typeface="나눔스퀘어 네오 Regular" panose="00000500000000000000" pitchFamily="2" charset="-127"/>
           <a:cs typeface="+mn-cs"/>
         </a:defRPr>
       </a:lvl3pPr>
@@ -3133,8 +3147,8 @@
           <a:solidFill>
             <a:schemeClr val="tx1"/>
           </a:solidFill>
-          <a:latin typeface="나눔스퀘어" panose="020B0600000101010101" pitchFamily="50" charset="-127"/>
-          <a:ea typeface="나눔스퀘어" panose="020B0600000101010101" pitchFamily="50" charset="-127"/>
+          <a:latin typeface="나눔스퀘어 네오 Regular" panose="00000500000000000000" pitchFamily="2" charset="-127"/>
+          <a:ea typeface="나눔스퀘어 네오 Regular" panose="00000500000000000000" pitchFamily="2" charset="-127"/>
           <a:cs typeface="+mn-cs"/>
         </a:defRPr>
       </a:lvl4pPr>
@@ -3151,8 +3165,8 @@
           <a:solidFill>
             <a:schemeClr val="tx1"/>
           </a:solidFill>
-          <a:latin typeface="나눔스퀘어" panose="020B0600000101010101" pitchFamily="50" charset="-127"/>
-          <a:ea typeface="나눔스퀘어" panose="020B0600000101010101" pitchFamily="50" charset="-127"/>
+          <a:latin typeface="나눔스퀘어 네오 Regular" panose="00000500000000000000" pitchFamily="2" charset="-127"/>
+          <a:ea typeface="나눔스퀘어 네오 Regular" panose="00000500000000000000" pitchFamily="2" charset="-127"/>
           <a:cs typeface="+mn-cs"/>
         </a:defRPr>
       </a:lvl5pPr>
@@ -3361,7 +3375,12 @@
             <p:ph type="ctrTitle"/>
           </p:nvPr>
         </p:nvSpPr>
-        <p:spPr/>
+        <p:spPr>
+          <a:xfrm>
+            <a:off x="533400" y="1453436"/>
+            <a:ext cx="11125200" cy="2175589"/>
+          </a:xfrm>
+        </p:spPr>
         <p:txBody>
           <a:bodyPr>
             <a:normAutofit/>
@@ -3369,19 +3388,26 @@
           <a:lstStyle/>
           <a:p>
             <a:r>
-              <a:rPr lang="en-US" altLang="ko-KR" sz="4800"/>
+              <a:rPr lang="en-US" altLang="ko-KR" sz="4800" dirty="0"/>
               <a:t>Functional MRI</a:t>
             </a:r>
             <a:r>
-              <a:rPr lang="ko-KR" altLang="en-US" sz="4800"/>
-              <a:t>를 이용한 그래프 신경망 </a:t>
+              <a:rPr lang="ko-KR" altLang="en-US" sz="4800" dirty="0"/>
+              <a:t>를 이용한 </a:t>
             </a:r>
             <a:br>
-              <a:rPr lang="ko-KR" altLang="en-US" sz="4800"/>
+              <a:rPr lang="en-US" altLang="ko-KR" sz="4800" dirty="0"/>
             </a:br>
             <a:r>
-              <a:rPr lang="ko-KR" altLang="en-US" sz="4800"/>
-              <a:t>기반 조현병 분류 모델 개발</a:t>
+              <a:rPr lang="ko-KR" altLang="en-US" sz="4800" dirty="0"/>
+              <a:t>그래프 신경망 기반 </a:t>
+            </a:r>
+            <a:br>
+              <a:rPr lang="en-US" altLang="ko-KR" sz="4800" dirty="0"/>
+            </a:br>
+            <a:r>
+              <a:rPr lang="ko-KR" altLang="en-US" sz="4800" dirty="0"/>
+              <a:t>조현병 분류 모델 개발</a:t>
             </a:r>
           </a:p>
         </p:txBody>
@@ -3410,7 +3436,7 @@
         </p:spPr>
         <p:txBody>
           <a:bodyPr>
-            <a:normAutofit lnSpcReduction="10000"/>
+            <a:normAutofit fontScale="92500"/>
           </a:bodyPr>
           <a:lstStyle/>
           <a:p>
@@ -3460,7 +3486,7 @@
           <p:cNvPr id="2" name="제목 1">
             <a:extLst>
               <a:ext uri="{FF2B5EF4-FFF2-40B4-BE49-F238E27FC236}">
-                <a16:creationId xmlns:a16="http://schemas.microsoft.com/office/drawing/2014/main" id="{F7AD4262-C1CD-E030-D2B9-F6748ABF0DDC}"/>
+                <a16:creationId xmlns:a16="http://schemas.microsoft.com/office/drawing/2014/main" id="{F8D20DC4-6421-8907-AEE5-073A06386B19}"/>
               </a:ext>
             </a:extLst>
           </p:cNvPr>
@@ -3477,21 +3503,10 @@
           <a:lstStyle/>
           <a:p>
             <a:r>
-              <a:rPr lang="en-US" altLang="ko-KR"/>
-              <a:t>5. GCN</a:t>
-            </a:r>
-            <a:r>
-              <a:rPr lang="ko-KR" altLang="en-US"/>
-              <a:t>으로 </a:t>
-            </a:r>
-            <a:r>
-              <a:rPr lang="en-US" altLang="ko-KR"/>
-              <a:t>schizophrenia </a:t>
-            </a:r>
-            <a:r>
-              <a:rPr lang="ko-KR" altLang="en-US"/>
-              <a:t>환자 분류</a:t>
-            </a:r>
+              <a:rPr lang="en-US" altLang="ko-KR" dirty="0"/>
+              <a:t>3. Graph dataset-Combat Harmonization</a:t>
+            </a:r>
+            <a:endParaRPr lang="ko-KR" altLang="en-US" dirty="0"/>
           </a:p>
         </p:txBody>
       </p:sp>
@@ -3500,7 +3515,7 @@
           <p:cNvPr id="3" name="내용 개체 틀 2">
             <a:extLst>
               <a:ext uri="{FF2B5EF4-FFF2-40B4-BE49-F238E27FC236}">
-                <a16:creationId xmlns:a16="http://schemas.microsoft.com/office/drawing/2014/main" id="{7AE8962A-4F0E-2805-FAF7-DEB6D39CC713}"/>
+                <a16:creationId xmlns:a16="http://schemas.microsoft.com/office/drawing/2014/main" id="{43B2EB58-DFD8-4A20-AB57-EA84634D9850}"/>
               </a:ext>
             </a:extLst>
           </p:cNvPr>
@@ -3514,82 +3529,824 @@
         <p:spPr/>
         <p:txBody>
           <a:bodyPr>
-            <a:normAutofit fontScale="85000" lnSpcReduction="20000"/>
+            <a:normAutofit/>
           </a:bodyPr>
           <a:lstStyle/>
-          <a:p>
-            <a:r>
-              <a:rPr lang="en-US" altLang="ko-KR"/>
-              <a:t>linear kernel SVM</a:t>
-            </a:r>
-            <a:r>
-              <a:rPr lang="ko-KR" altLang="en-US"/>
-              <a:t>을 활용한 조현병 진단 모델은 </a:t>
-            </a:r>
-            <a:r>
-              <a:rPr lang="en-US" altLang="ko-KR"/>
-              <a:t>Balanced Accuracy : 0.809, Sensitivity : 0.699, specificity : 0.919 </a:t>
-            </a:r>
-            <a:r>
-              <a:rPr lang="ko-KR" altLang="en-US"/>
-              <a:t>의 성능</a:t>
-            </a:r>
-            <a:endParaRPr lang="en-US" altLang="ko-KR"/>
-          </a:p>
-          <a:p>
-            <a:endParaRPr lang="en-US" altLang="ko-KR"/>
-          </a:p>
           <a:p>
             <a:pPr marL="0" indent="0">
               <a:buNone/>
             </a:pPr>
             <a:r>
-              <a:rPr lang="en-US" altLang="ko-KR"/>
-              <a:t>50 epoch</a:t>
+              <a:rPr lang="en-US" altLang="ko-KR" sz="2000" dirty="0"/>
+              <a:t>Harmonization </a:t>
+            </a:r>
+            <a:r>
+              <a:rPr lang="ko-KR" altLang="en-US" sz="2000" dirty="0"/>
+              <a:t>전</a:t>
+            </a:r>
+            <a:r>
+              <a:rPr lang="en-US" altLang="ko-KR" sz="2000" dirty="0"/>
+              <a:t>,</a:t>
+            </a:r>
+            <a:r>
+              <a:rPr lang="ko-KR" altLang="en-US" sz="2000" dirty="0"/>
+              <a:t> 전체 </a:t>
+            </a:r>
+            <a:r>
+              <a:rPr lang="en-US" altLang="ko-KR" sz="2000" dirty="0"/>
+              <a:t>dataset</a:t>
+            </a:r>
+            <a:r>
+              <a:rPr lang="ko-KR" altLang="en-US" sz="2000" dirty="0"/>
+              <a:t>의 </a:t>
+            </a:r>
+            <a:r>
+              <a:rPr lang="en-US" altLang="ko-KR" sz="2000" dirty="0"/>
+              <a:t>site effect </a:t>
+            </a:r>
+            <a:r>
+              <a:rPr lang="ko-KR" altLang="en-US" sz="2000" dirty="0"/>
+              <a:t>확인</a:t>
+            </a:r>
+            <a:r>
+              <a:rPr lang="en-US" altLang="ko-KR" sz="2000" dirty="0"/>
+              <a:t>, HC/SCZ</a:t>
+            </a:r>
+            <a:r>
+              <a:rPr lang="ko-KR" altLang="en-US" sz="2000" dirty="0"/>
+              <a:t>환자 독립적으로 계산</a:t>
+            </a:r>
+            <a:r>
+              <a:rPr lang="en-US" altLang="ko-KR" sz="2000" dirty="0"/>
+              <a:t>(</a:t>
+            </a:r>
+            <a:r>
+              <a:rPr lang="en-US" altLang="ko-KR" sz="2000" dirty="0">
+                <a:highlight>
+                  <a:srgbClr val="C0C0C0"/>
+                </a:highlight>
+              </a:rPr>
+              <a:t>Kruskal-Wallis</a:t>
+            </a:r>
+            <a:r>
+              <a:rPr lang="ko-KR" altLang="en-US" sz="2000" dirty="0">
+                <a:highlight>
+                  <a:srgbClr val="C0C0C0"/>
+                </a:highlight>
+              </a:rPr>
+              <a:t> </a:t>
+            </a:r>
+            <a:r>
+              <a:rPr lang="en-US" altLang="ko-KR" sz="2000" dirty="0">
+                <a:highlight>
+                  <a:srgbClr val="C0C0C0"/>
+                </a:highlight>
+              </a:rPr>
+              <a:t>test + FDR</a:t>
+            </a:r>
+            <a:r>
+              <a:rPr lang="ko-KR" altLang="en-US" sz="2000" dirty="0">
+                <a:highlight>
+                  <a:srgbClr val="C0C0C0"/>
+                </a:highlight>
+              </a:rPr>
+              <a:t> 보정</a:t>
+            </a:r>
+            <a:r>
+              <a:rPr lang="en-US" altLang="ko-KR" sz="2000" dirty="0"/>
+              <a:t>)</a:t>
             </a:r>
           </a:p>
           <a:p>
             <a:pPr marL="0" indent="0">
               <a:buNone/>
             </a:pPr>
-            <a:r>
-              <a:rPr lang="en-US" altLang="ko-KR"/>
-              <a:t>stratified 10 fold</a:t>
-            </a:r>
-          </a:p>
+            <a:endParaRPr lang="en-US" altLang="ko-KR" sz="2000" dirty="0"/>
+          </a:p>
+          <a:p>
+            <a:pPr marL="514350" indent="-514350">
+              <a:buAutoNum type="arabicPeriod"/>
+            </a:pPr>
+            <a:r>
+              <a:rPr lang="en-US" altLang="ko-KR" sz="2000" dirty="0"/>
+              <a:t>Training dataset</a:t>
+            </a:r>
+            <a:r>
+              <a:rPr lang="ko-KR" altLang="en-US" sz="2000" dirty="0"/>
+              <a:t>으로 </a:t>
+            </a:r>
+            <a:r>
+              <a:rPr lang="en-US" altLang="ko-KR" sz="2000" dirty="0"/>
+              <a:t>combat</a:t>
+            </a:r>
+            <a:r>
+              <a:rPr lang="ko-KR" altLang="en-US" sz="2000" dirty="0"/>
+              <a:t> </a:t>
+            </a:r>
+            <a:r>
+              <a:rPr lang="en-US" altLang="ko-KR" sz="2000" dirty="0"/>
+              <a:t>model training</a:t>
+            </a:r>
+          </a:p>
+          <a:p>
+            <a:pPr marL="514350" indent="-514350">
+              <a:buAutoNum type="arabicPeriod"/>
+            </a:pPr>
+            <a:r>
+              <a:rPr lang="ko-KR" altLang="en-US" sz="2000" dirty="0"/>
+              <a:t>학습된 </a:t>
+            </a:r>
+            <a:r>
+              <a:rPr lang="en-US" altLang="ko-KR" sz="2000" dirty="0"/>
+              <a:t>Combat</a:t>
+            </a:r>
+            <a:r>
+              <a:rPr lang="ko-KR" altLang="en-US" sz="2000" dirty="0"/>
+              <a:t> </a:t>
+            </a:r>
+            <a:r>
+              <a:rPr lang="en-US" altLang="ko-KR" sz="2000" dirty="0"/>
+              <a:t>model</a:t>
+            </a:r>
+            <a:r>
+              <a:rPr lang="ko-KR" altLang="en-US" sz="2000" dirty="0"/>
+              <a:t>로 </a:t>
+            </a:r>
+            <a:r>
+              <a:rPr lang="en-US" altLang="ko-KR" sz="2000" dirty="0"/>
+              <a:t>training,</a:t>
+            </a:r>
+            <a:r>
+              <a:rPr lang="ko-KR" altLang="en-US" sz="2000" dirty="0"/>
+              <a:t> </a:t>
+            </a:r>
+            <a:r>
+              <a:rPr lang="en-US" altLang="ko-KR" sz="2000" dirty="0"/>
+              <a:t>validation, test dataset</a:t>
+            </a:r>
+            <a:r>
+              <a:rPr lang="ko-KR" altLang="en-US" sz="2000" dirty="0"/>
+              <a:t>의 </a:t>
+            </a:r>
+            <a:r>
+              <a:rPr lang="en-US" altLang="ko-KR" sz="2000" dirty="0"/>
+              <a:t>connectivity matrix</a:t>
+            </a:r>
+            <a:r>
+              <a:rPr lang="ko-KR" altLang="en-US" sz="2000" dirty="0"/>
+              <a:t> 변경 후 이에 따라 </a:t>
+            </a:r>
+            <a:r>
+              <a:rPr lang="en-US" altLang="ko-KR" sz="2000" dirty="0"/>
+              <a:t>x, </a:t>
+            </a:r>
+            <a:r>
+              <a:rPr lang="en-US" altLang="ko-KR" sz="2000" dirty="0" err="1"/>
+              <a:t>edge_index</a:t>
+            </a:r>
+            <a:r>
+              <a:rPr lang="en-US" altLang="ko-KR" sz="2000" dirty="0"/>
+              <a:t>, </a:t>
+            </a:r>
+            <a:r>
+              <a:rPr lang="en-US" altLang="ko-KR" sz="2000" dirty="0" err="1"/>
+              <a:t>edge_attr</a:t>
+            </a:r>
+            <a:r>
+              <a:rPr lang="ko-KR" altLang="en-US" sz="2000" dirty="0"/>
+              <a:t>를 다시 계산</a:t>
+            </a:r>
+            <a:endParaRPr lang="en-US" altLang="ko-KR" sz="2000" dirty="0"/>
+          </a:p>
+          <a:p>
+            <a:pPr marL="514350" indent="-514350">
+              <a:buAutoNum type="arabicPeriod"/>
+            </a:pPr>
+            <a:r>
+              <a:rPr lang="en-US" altLang="ko-KR" sz="2000" dirty="0"/>
+              <a:t>GCN model</a:t>
+            </a:r>
+            <a:r>
+              <a:rPr lang="ko-KR" altLang="en-US" sz="2000" dirty="0"/>
+              <a:t> </a:t>
+            </a:r>
+            <a:r>
+              <a:rPr lang="en-US" altLang="ko-KR" sz="2000" dirty="0"/>
+              <a:t>training, validation, test </a:t>
+            </a:r>
+            <a:r>
+              <a:rPr lang="ko-KR" altLang="en-US" sz="2000" dirty="0"/>
+              <a:t>진행</a:t>
+            </a:r>
+            <a:endParaRPr lang="en-US" altLang="ko-KR" sz="2000" dirty="0"/>
+          </a:p>
+        </p:txBody>
+      </p:sp>
+    </p:spTree>
+    <p:extLst>
+      <p:ext uri="{BB962C8B-B14F-4D97-AF65-F5344CB8AC3E}">
+        <p14:creationId xmlns:p14="http://schemas.microsoft.com/office/powerpoint/2010/main" val="584059669"/>
+      </p:ext>
+    </p:extLst>
+  </p:cSld>
+  <p:clrMapOvr>
+    <a:masterClrMapping/>
+  </p:clrMapOvr>
+</p:sld>
+</file>
+
+<file path=ppt/slides/slide11.xml><?xml version="1.0" encoding="utf-8"?>
+<p:sld xmlns:a="http://schemas.openxmlformats.org/drawingml/2006/main" xmlns:r="http://schemas.openxmlformats.org/officeDocument/2006/relationships" xmlns:p="http://schemas.openxmlformats.org/presentationml/2006/main">
+  <p:cSld>
+    <p:spTree>
+      <p:nvGrpSpPr>
+        <p:cNvPr id="1" name="">
+          <a:extLst>
+            <a:ext uri="{FF2B5EF4-FFF2-40B4-BE49-F238E27FC236}">
+              <a16:creationId xmlns:a16="http://schemas.microsoft.com/office/drawing/2014/main" id="{44792E7C-DE38-127E-17D1-2FDCB43238DA}"/>
+            </a:ext>
+          </a:extLst>
+        </p:cNvPr>
+        <p:cNvGrpSpPr/>
+        <p:nvPr/>
+      </p:nvGrpSpPr>
+      <p:grpSpPr>
+        <a:xfrm>
+          <a:off x="0" y="0"/>
+          <a:ext cx="0" cy="0"/>
+          <a:chOff x="0" y="0"/>
+          <a:chExt cx="0" cy="0"/>
+        </a:xfrm>
+      </p:grpSpPr>
+      <p:sp>
+        <p:nvSpPr>
+          <p:cNvPr id="2" name="제목 1">
+            <a:extLst>
+              <a:ext uri="{FF2B5EF4-FFF2-40B4-BE49-F238E27FC236}">
+                <a16:creationId xmlns:a16="http://schemas.microsoft.com/office/drawing/2014/main" id="{A2D3AE7B-BFE0-B0A5-C805-7CAF963BFEDF}"/>
+              </a:ext>
+            </a:extLst>
+          </p:cNvPr>
+          <p:cNvSpPr>
+            <a:spLocks noGrp="1"/>
+          </p:cNvSpPr>
+          <p:nvPr>
+            <p:ph type="title"/>
+          </p:nvPr>
+        </p:nvSpPr>
+        <p:spPr/>
+        <p:txBody>
+          <a:bodyPr/>
+          <a:lstStyle/>
+          <a:p>
+            <a:r>
+              <a:rPr lang="en-US" altLang="ko-KR" dirty="0"/>
+              <a:t>4. GCN model</a:t>
+            </a:r>
+            <a:endParaRPr lang="ko-KR" altLang="en-US" dirty="0"/>
+          </a:p>
+        </p:txBody>
+      </p:sp>
+      <p:sp>
+        <p:nvSpPr>
+          <p:cNvPr id="9" name="TextBox 8">
+            <a:extLst>
+              <a:ext uri="{FF2B5EF4-FFF2-40B4-BE49-F238E27FC236}">
+                <a16:creationId xmlns:a16="http://schemas.microsoft.com/office/drawing/2014/main" id="{AB5F5395-A234-4EA1-8C73-23BC02D6BDB6}"/>
+              </a:ext>
+            </a:extLst>
+          </p:cNvPr>
+          <p:cNvSpPr txBox="1"/>
+          <p:nvPr/>
+        </p:nvSpPr>
+        <p:spPr>
+          <a:xfrm>
+            <a:off x="503634" y="1844160"/>
+            <a:ext cx="8711803" cy="3416320"/>
+          </a:xfrm>
+          <a:prstGeom prst="rect">
+            <a:avLst/>
+          </a:prstGeom>
+          <a:noFill/>
+        </p:spPr>
+        <p:txBody>
+          <a:bodyPr wrap="square">
+            <a:spAutoFit/>
+          </a:bodyPr>
+          <a:lstStyle/>
           <a:p>
             <a:pPr marL="0" indent="0">
               <a:buNone/>
             </a:pPr>
             <a:r>
+              <a:rPr lang="en-US" altLang="ko-KR" dirty="0">
+                <a:ea typeface="나눔스퀘어 네오 Regular" panose="00000500000000000000" pitchFamily="2" charset="-127"/>
+              </a:rPr>
+              <a:t>Graph</a:t>
+            </a:r>
+            <a:r>
+              <a:rPr lang="ko-KR" altLang="en-US" dirty="0">
+                <a:ea typeface="나눔스퀘어 네오 Regular" panose="00000500000000000000" pitchFamily="2" charset="-127"/>
+              </a:rPr>
+              <a:t>를 해석할 땐 이웃 </a:t>
+            </a:r>
+            <a:r>
+              <a:rPr lang="en-US" altLang="ko-KR" dirty="0">
+                <a:ea typeface="나눔스퀘어 네오 Regular" panose="00000500000000000000" pitchFamily="2" charset="-127"/>
+              </a:rPr>
+              <a:t>node</a:t>
+            </a:r>
+            <a:r>
+              <a:rPr lang="ko-KR" altLang="en-US" dirty="0">
+                <a:ea typeface="나눔스퀘어 네오 Regular" panose="00000500000000000000" pitchFamily="2" charset="-127"/>
+              </a:rPr>
+              <a:t>들과의 연결 정보</a:t>
+            </a:r>
+            <a:r>
+              <a:rPr lang="en-US" altLang="ko-KR" dirty="0">
+                <a:ea typeface="나눔스퀘어 네오 Regular" panose="00000500000000000000" pitchFamily="2" charset="-127"/>
+              </a:rPr>
+              <a:t>, </a:t>
+            </a:r>
+            <a:r>
+              <a:rPr lang="ko-KR" altLang="en-US" dirty="0">
+                <a:ea typeface="나눔스퀘어 네오 Regular" panose="00000500000000000000" pitchFamily="2" charset="-127"/>
+              </a:rPr>
+              <a:t>이웃 </a:t>
+            </a:r>
+            <a:r>
+              <a:rPr lang="en-US" altLang="ko-KR" dirty="0">
+                <a:ea typeface="나눔스퀘어 네오 Regular" panose="00000500000000000000" pitchFamily="2" charset="-127"/>
+              </a:rPr>
+              <a:t>node</a:t>
+            </a:r>
+            <a:r>
+              <a:rPr lang="ko-KR" altLang="en-US" dirty="0">
+                <a:ea typeface="나눔스퀘어 네오 Regular" panose="00000500000000000000" pitchFamily="2" charset="-127"/>
+              </a:rPr>
+              <a:t>들의 정보가 중요</a:t>
+            </a:r>
+            <a:r>
+              <a:rPr lang="en-US" altLang="ko-KR" dirty="0">
+                <a:ea typeface="나눔스퀘어 네오 Regular" panose="00000500000000000000" pitchFamily="2" charset="-127"/>
+              </a:rPr>
+              <a:t>(local learning)</a:t>
+            </a:r>
+          </a:p>
+          <a:p>
+            <a:pPr marL="285750" indent="-285750">
+              <a:buFont typeface="Symbol" panose="05050102010706020507" pitchFamily="18" charset="2"/>
+              <a:buChar char="Þ"/>
+            </a:pPr>
+            <a:r>
+              <a:rPr lang="en-US" altLang="ko-KR" dirty="0">
+                <a:ea typeface="나눔스퀘어 네오 Regular" panose="00000500000000000000" pitchFamily="2" charset="-127"/>
+              </a:rPr>
+              <a:t>CNN</a:t>
+            </a:r>
+            <a:r>
+              <a:rPr lang="ko-KR" altLang="en-US" dirty="0">
+                <a:ea typeface="나눔스퀘어 네오 Regular" panose="00000500000000000000" pitchFamily="2" charset="-127"/>
+              </a:rPr>
+              <a:t>의 방식을 차용해</a:t>
+            </a:r>
+            <a:r>
+              <a:rPr lang="en-US" altLang="ko-KR" dirty="0">
+                <a:ea typeface="나눔스퀘어 네오 Regular" panose="00000500000000000000" pitchFamily="2" charset="-127"/>
+              </a:rPr>
+              <a:t>, </a:t>
+            </a:r>
+            <a:r>
+              <a:rPr lang="ko-KR" altLang="en-US" dirty="0">
+                <a:ea typeface="나눔스퀘어 네오 Regular" panose="00000500000000000000" pitchFamily="2" charset="-127"/>
+              </a:rPr>
+              <a:t>하나의 </a:t>
+            </a:r>
+            <a:r>
+              <a:rPr lang="en-US" altLang="ko-KR" dirty="0">
+                <a:ea typeface="나눔스퀘어 네오 Regular" panose="00000500000000000000" pitchFamily="2" charset="-127"/>
+              </a:rPr>
+              <a:t>node</a:t>
+            </a:r>
+            <a:r>
+              <a:rPr lang="ko-KR" altLang="en-US" dirty="0">
+                <a:ea typeface="나눔스퀘어 네오 Regular" panose="00000500000000000000" pitchFamily="2" charset="-127"/>
+              </a:rPr>
+              <a:t>는 인접한 </a:t>
+            </a:r>
+            <a:r>
+              <a:rPr lang="en-US" altLang="ko-KR" dirty="0">
+                <a:ea typeface="나눔스퀘어 네오 Regular" panose="00000500000000000000" pitchFamily="2" charset="-127"/>
+              </a:rPr>
+              <a:t>node</a:t>
+            </a:r>
+            <a:r>
+              <a:rPr lang="ko-KR" altLang="en-US" dirty="0">
+                <a:ea typeface="나눔스퀘어 네오 Regular" panose="00000500000000000000" pitchFamily="2" charset="-127"/>
+              </a:rPr>
+              <a:t>의 상태를 </a:t>
+            </a:r>
+            <a:r>
+              <a:rPr lang="en-US" altLang="ko-KR" dirty="0" err="1">
+                <a:ea typeface="나눔스퀘어 네오 Regular" panose="00000500000000000000" pitchFamily="2" charset="-127"/>
+              </a:rPr>
+              <a:t>convolutaion</a:t>
+            </a:r>
+            <a:r>
+              <a:rPr lang="en-US" altLang="ko-KR" dirty="0">
+                <a:ea typeface="나눔스퀘어 네오 Regular" panose="00000500000000000000" pitchFamily="2" charset="-127"/>
+              </a:rPr>
+              <a:t> </a:t>
+            </a:r>
+            <a:r>
+              <a:rPr lang="ko-KR" altLang="en-US" dirty="0">
+                <a:ea typeface="나눔스퀘어 네오 Regular" panose="00000500000000000000" pitchFamily="2" charset="-127"/>
+              </a:rPr>
+              <a:t>연산을 통해 반영해 </a:t>
+            </a:r>
+            <a:r>
+              <a:rPr lang="en-US" altLang="ko-KR" dirty="0">
+                <a:ea typeface="나눔스퀘어 네오 Regular" panose="00000500000000000000" pitchFamily="2" charset="-127"/>
+              </a:rPr>
+              <a:t>update</a:t>
+            </a:r>
+          </a:p>
+          <a:p>
+            <a:r>
+              <a:rPr lang="ko-KR" altLang="en-US" dirty="0">
+                <a:ea typeface="나눔스퀘어 네오 Regular" panose="00000500000000000000" pitchFamily="2" charset="-127"/>
+              </a:rPr>
+              <a:t>인접한 여러 개 </a:t>
+            </a:r>
+            <a:r>
+              <a:rPr lang="en-US" altLang="ko-KR" dirty="0">
+                <a:ea typeface="나눔스퀘어 네오 Regular" panose="00000500000000000000" pitchFamily="2" charset="-127"/>
+              </a:rPr>
+              <a:t>node</a:t>
+            </a:r>
+            <a:r>
+              <a:rPr lang="ko-KR" altLang="en-US" dirty="0">
+                <a:ea typeface="나눔스퀘어 네오 Regular" panose="00000500000000000000" pitchFamily="2" charset="-127"/>
+              </a:rPr>
+              <a:t>의 상태를 가져올 때 모든 </a:t>
+            </a:r>
+            <a:r>
+              <a:rPr lang="en-US" altLang="ko-KR" dirty="0">
+                <a:ea typeface="나눔스퀘어 네오 Regular" panose="00000500000000000000" pitchFamily="2" charset="-127"/>
+              </a:rPr>
+              <a:t>node</a:t>
+            </a:r>
+            <a:r>
+              <a:rPr lang="ko-KR" altLang="en-US" dirty="0">
+                <a:ea typeface="나눔스퀘어 네오 Regular" panose="00000500000000000000" pitchFamily="2" charset="-127"/>
+              </a:rPr>
+              <a:t>에 동일한 </a:t>
+            </a:r>
+            <a:r>
+              <a:rPr lang="en-US" altLang="ko-KR" dirty="0">
+                <a:ea typeface="나눔스퀘어 네오 Regular" panose="00000500000000000000" pitchFamily="2" charset="-127"/>
+              </a:rPr>
+              <a:t>filter(weight)</a:t>
+            </a:r>
+            <a:r>
+              <a:rPr lang="ko-KR" altLang="en-US" dirty="0">
+                <a:ea typeface="나눔스퀘어 네오 Regular" panose="00000500000000000000" pitchFamily="2" charset="-127"/>
+              </a:rPr>
+              <a:t> 적용</a:t>
+            </a:r>
+            <a:endParaRPr lang="en-US" altLang="ko-KR" dirty="0">
+              <a:ea typeface="나눔스퀘어 네오 Regular" panose="00000500000000000000" pitchFamily="2" charset="-127"/>
+            </a:endParaRPr>
+          </a:p>
+          <a:p>
+            <a:r>
+              <a:rPr lang="en-US" altLang="ko-KR" dirty="0">
+                <a:ea typeface="나눔스퀘어 네오 Regular" panose="00000500000000000000" pitchFamily="2" charset="-127"/>
+              </a:rPr>
+              <a:t>graph </a:t>
+            </a:r>
+            <a:r>
+              <a:rPr lang="ko-KR" altLang="en-US" dirty="0">
+                <a:ea typeface="나눔스퀘어 네오 Regular" panose="00000500000000000000" pitchFamily="2" charset="-127"/>
+              </a:rPr>
+              <a:t>특성 상</a:t>
+            </a:r>
+            <a:r>
+              <a:rPr lang="en-US" altLang="ko-KR" dirty="0">
+                <a:ea typeface="나눔스퀘어 네오 Regular" panose="00000500000000000000" pitchFamily="2" charset="-127"/>
+              </a:rPr>
+              <a:t>, graph convolution</a:t>
+            </a:r>
+            <a:r>
+              <a:rPr lang="ko-KR" altLang="en-US" dirty="0">
+                <a:ea typeface="나눔스퀘어 네오 Regular" panose="00000500000000000000" pitchFamily="2" charset="-127"/>
+              </a:rPr>
+              <a:t>을 너무 많이 거치게 될 경우</a:t>
+            </a:r>
+            <a:r>
+              <a:rPr lang="en-US" altLang="ko-KR" dirty="0">
+                <a:ea typeface="나눔스퀘어 네오 Regular" panose="00000500000000000000" pitchFamily="2" charset="-127"/>
+              </a:rPr>
+              <a:t>, </a:t>
+            </a:r>
+            <a:r>
+              <a:rPr lang="ko-KR" altLang="en-US" dirty="0">
+                <a:ea typeface="나눔스퀘어 네오 Regular" panose="00000500000000000000" pitchFamily="2" charset="-127"/>
+              </a:rPr>
+              <a:t>이웃 노드가 자신으로 되돌아올 수 있으므로 최대 </a:t>
+            </a:r>
+            <a:r>
+              <a:rPr lang="en-US" altLang="ko-KR" dirty="0">
+                <a:ea typeface="나눔스퀘어 네오 Regular" panose="00000500000000000000" pitchFamily="2" charset="-127"/>
+              </a:rPr>
+              <a:t>4</a:t>
+            </a:r>
+            <a:r>
+              <a:rPr lang="ko-KR" altLang="en-US" dirty="0">
+                <a:ea typeface="나눔스퀘어 네오 Regular" panose="00000500000000000000" pitchFamily="2" charset="-127"/>
+              </a:rPr>
+              <a:t>개 정도의 </a:t>
+            </a:r>
+            <a:r>
+              <a:rPr lang="en-US" altLang="ko-KR" dirty="0">
+                <a:ea typeface="나눔스퀘어 네오 Regular" panose="00000500000000000000" pitchFamily="2" charset="-127"/>
+              </a:rPr>
+              <a:t>convolution layer </a:t>
+            </a:r>
+            <a:r>
+              <a:rPr lang="ko-KR" altLang="en-US" dirty="0">
+                <a:ea typeface="나눔스퀘어 네오 Regular" panose="00000500000000000000" pitchFamily="2" charset="-127"/>
+              </a:rPr>
+              <a:t>사용</a:t>
+            </a:r>
+            <a:endParaRPr lang="en-US" altLang="ko-KR" dirty="0">
+              <a:ea typeface="나눔스퀘어 네오 Regular" panose="00000500000000000000" pitchFamily="2" charset="-127"/>
+            </a:endParaRPr>
+          </a:p>
+          <a:p>
+            <a:r>
+              <a:rPr lang="ko-KR" altLang="en-US" dirty="0">
+                <a:ea typeface="나눔스퀘어 네오 Regular" panose="00000500000000000000" pitchFamily="2" charset="-127"/>
+              </a:rPr>
+              <a:t> </a:t>
+            </a:r>
+            <a:endParaRPr lang="en-US" altLang="ko-KR" dirty="0">
+              <a:ea typeface="나눔스퀘어 네오 Regular" panose="00000500000000000000" pitchFamily="2" charset="-127"/>
+            </a:endParaRPr>
+          </a:p>
+          <a:p>
+            <a:r>
+              <a:rPr lang="en-US" altLang="ko-KR" dirty="0">
+                <a:ea typeface="나눔스퀘어 네오 Regular" panose="00000500000000000000" pitchFamily="2" charset="-127"/>
+              </a:rPr>
+              <a:t>Local</a:t>
+            </a:r>
+            <a:r>
+              <a:rPr lang="ko-KR" altLang="en-US" dirty="0">
+                <a:ea typeface="나눔스퀘어 네오 Regular" panose="00000500000000000000" pitchFamily="2" charset="-127"/>
+              </a:rPr>
+              <a:t> 연산 후</a:t>
+            </a:r>
+            <a:r>
+              <a:rPr lang="en-US" altLang="ko-KR" dirty="0">
+                <a:ea typeface="나눔스퀘어 네오 Regular" panose="00000500000000000000" pitchFamily="2" charset="-127"/>
+              </a:rPr>
+              <a:t>, </a:t>
+            </a:r>
+            <a:r>
+              <a:rPr lang="ko-KR" altLang="en-US" dirty="0">
+                <a:ea typeface="나눔스퀘어 네오 Regular" panose="00000500000000000000" pitchFamily="2" charset="-127"/>
+              </a:rPr>
+              <a:t>마지막에 모든 정보를 취합하지 위해</a:t>
+            </a:r>
+            <a:r>
+              <a:rPr lang="en-US" altLang="ko-KR" dirty="0">
+                <a:ea typeface="나눔스퀘어 네오 Regular" panose="00000500000000000000" pitchFamily="2" charset="-127"/>
+              </a:rPr>
+              <a:t>(node-wise summation)</a:t>
+            </a:r>
+            <a:r>
+              <a:rPr lang="ko-KR" altLang="en-US" dirty="0">
+                <a:ea typeface="나눔스퀘어 네오 Regular" panose="00000500000000000000" pitchFamily="2" charset="-127"/>
+              </a:rPr>
+              <a:t> </a:t>
+            </a:r>
+            <a:r>
+              <a:rPr lang="en-US" altLang="ko-KR" dirty="0">
+                <a:ea typeface="나눔스퀘어 네오 Regular" panose="00000500000000000000" pitchFamily="2" charset="-127"/>
+              </a:rPr>
+              <a:t>Fully connected layer(readout layer)</a:t>
+            </a:r>
+            <a:r>
+              <a:rPr lang="ko-KR" altLang="en-US" dirty="0">
+                <a:ea typeface="나눔스퀘어 네오 Regular" panose="00000500000000000000" pitchFamily="2" charset="-127"/>
+              </a:rPr>
+              <a:t>를 거침</a:t>
+            </a:r>
+            <a:r>
+              <a:rPr lang="en-US" altLang="ko-KR" dirty="0">
+                <a:ea typeface="나눔스퀘어 네오 Regular" panose="00000500000000000000" pitchFamily="2" charset="-127"/>
+              </a:rPr>
+              <a:t>-&gt; graph</a:t>
+            </a:r>
+            <a:r>
+              <a:rPr lang="ko-KR" altLang="en-US" dirty="0">
+                <a:ea typeface="나눔스퀘어 네오 Regular" panose="00000500000000000000" pitchFamily="2" charset="-127"/>
+              </a:rPr>
+              <a:t>의 특성 상 </a:t>
+            </a:r>
+            <a:r>
+              <a:rPr lang="en-US" altLang="ko-KR" dirty="0">
+                <a:ea typeface="나눔스퀘어 네오 Regular" panose="00000500000000000000" pitchFamily="2" charset="-127"/>
+              </a:rPr>
+              <a:t>permutation</a:t>
+            </a:r>
+            <a:r>
+              <a:rPr lang="ko-KR" altLang="en-US" dirty="0">
+                <a:ea typeface="나눔스퀘어 네오 Regular" panose="00000500000000000000" pitchFamily="2" charset="-127"/>
+              </a:rPr>
+              <a:t>에 따라 </a:t>
+            </a:r>
+            <a:r>
+              <a:rPr lang="en-US" altLang="ko-KR" dirty="0">
+                <a:ea typeface="나눔스퀘어 네오 Regular" panose="00000500000000000000" pitchFamily="2" charset="-127"/>
+              </a:rPr>
+              <a:t>adjacency</a:t>
+            </a:r>
+            <a:r>
+              <a:rPr lang="ko-KR" altLang="en-US" dirty="0">
+                <a:ea typeface="나눔스퀘어 네오 Regular" panose="00000500000000000000" pitchFamily="2" charset="-127"/>
+              </a:rPr>
+              <a:t> </a:t>
+            </a:r>
+            <a:r>
+              <a:rPr lang="en-US" altLang="ko-KR" dirty="0">
+                <a:ea typeface="나눔스퀘어 네오 Regular" panose="00000500000000000000" pitchFamily="2" charset="-127"/>
+              </a:rPr>
+              <a:t>matrix</a:t>
+            </a:r>
+            <a:r>
+              <a:rPr lang="ko-KR" altLang="en-US" dirty="0">
+                <a:ea typeface="나눔스퀘어 네오 Regular" panose="00000500000000000000" pitchFamily="2" charset="-127"/>
+              </a:rPr>
+              <a:t>가 변해도 모든 </a:t>
+            </a:r>
+            <a:r>
+              <a:rPr lang="en-US" altLang="ko-KR" dirty="0">
+                <a:ea typeface="나눔스퀘어 네오 Regular" panose="00000500000000000000" pitchFamily="2" charset="-127"/>
+              </a:rPr>
+              <a:t>feature</a:t>
+            </a:r>
+            <a:r>
+              <a:rPr lang="ko-KR" altLang="en-US" dirty="0">
+                <a:ea typeface="나눔스퀘어 네오 Regular" panose="00000500000000000000" pitchFamily="2" charset="-127"/>
+              </a:rPr>
+              <a:t>들을 연산해 이로 인한 효과를 </a:t>
+            </a:r>
+            <a:r>
+              <a:rPr lang="ko-KR" altLang="en-US" dirty="0" err="1">
+                <a:ea typeface="나눔스퀘어 네오 Regular" panose="00000500000000000000" pitchFamily="2" charset="-127"/>
+              </a:rPr>
+              <a:t>줄여줌</a:t>
+            </a:r>
+            <a:endParaRPr lang="en-US" altLang="ko-KR" dirty="0">
+              <a:ea typeface="나눔스퀘어 네오 Regular" panose="00000500000000000000" pitchFamily="2" charset="-127"/>
+            </a:endParaRPr>
+          </a:p>
+          <a:p>
+            <a:endParaRPr lang="en-US" altLang="ko-KR" dirty="0">
+              <a:ea typeface="나눔스퀘어 네오 Regular" panose="00000500000000000000" pitchFamily="2" charset="-127"/>
+            </a:endParaRPr>
+          </a:p>
+        </p:txBody>
+      </p:sp>
+    </p:spTree>
+    <p:extLst>
+      <p:ext uri="{BB962C8B-B14F-4D97-AF65-F5344CB8AC3E}">
+        <p14:creationId xmlns:p14="http://schemas.microsoft.com/office/powerpoint/2010/main" val="2643507616"/>
+      </p:ext>
+    </p:extLst>
+  </p:cSld>
+  <p:clrMapOvr>
+    <a:masterClrMapping/>
+  </p:clrMapOvr>
+</p:sld>
+</file>
+
+<file path=ppt/slides/slide12.xml><?xml version="1.0" encoding="utf-8"?>
+<p:sld xmlns:a="http://schemas.openxmlformats.org/drawingml/2006/main" xmlns:r="http://schemas.openxmlformats.org/officeDocument/2006/relationships" xmlns:p="http://schemas.openxmlformats.org/presentationml/2006/main">
+  <p:cSld>
+    <p:spTree>
+      <p:nvGrpSpPr>
+        <p:cNvPr id="1" name="">
+          <a:extLst>
+            <a:ext uri="{FF2B5EF4-FFF2-40B4-BE49-F238E27FC236}">
+              <a16:creationId xmlns:a16="http://schemas.microsoft.com/office/drawing/2014/main" id="{44792E7C-DE38-127E-17D1-2FDCB43238DA}"/>
+            </a:ext>
+          </a:extLst>
+        </p:cNvPr>
+        <p:cNvGrpSpPr/>
+        <p:nvPr/>
+      </p:nvGrpSpPr>
+      <p:grpSpPr>
+        <a:xfrm>
+          <a:off x="0" y="0"/>
+          <a:ext cx="0" cy="0"/>
+          <a:chOff x="0" y="0"/>
+          <a:chExt cx="0" cy="0"/>
+        </a:xfrm>
+      </p:grpSpPr>
+      <p:sp>
+        <p:nvSpPr>
+          <p:cNvPr id="2" name="제목 1">
+            <a:extLst>
+              <a:ext uri="{FF2B5EF4-FFF2-40B4-BE49-F238E27FC236}">
+                <a16:creationId xmlns:a16="http://schemas.microsoft.com/office/drawing/2014/main" id="{A2D3AE7B-BFE0-B0A5-C805-7CAF963BFEDF}"/>
+              </a:ext>
+            </a:extLst>
+          </p:cNvPr>
+          <p:cNvSpPr>
+            <a:spLocks noGrp="1"/>
+          </p:cNvSpPr>
+          <p:nvPr>
+            <p:ph type="title"/>
+          </p:nvPr>
+        </p:nvSpPr>
+        <p:spPr/>
+        <p:txBody>
+          <a:bodyPr/>
+          <a:lstStyle/>
+          <a:p>
+            <a:r>
               <a:rPr lang="en-US" altLang="ko-KR"/>
-              <a:t>Upsampling X</a:t>
-            </a:r>
-          </a:p>
+              <a:t>4. GCN model </a:t>
+            </a:r>
+            <a:r>
+              <a:rPr lang="ko-KR" altLang="en-US"/>
+              <a:t>구축</a:t>
+            </a:r>
+          </a:p>
+        </p:txBody>
+      </p:sp>
+      <p:sp>
+        <p:nvSpPr>
+          <p:cNvPr id="3" name="내용 개체 틀 2">
+            <a:extLst>
+              <a:ext uri="{FF2B5EF4-FFF2-40B4-BE49-F238E27FC236}">
+                <a16:creationId xmlns:a16="http://schemas.microsoft.com/office/drawing/2014/main" id="{64FA42F5-EF64-185D-E8CD-AE28C6BAF63B}"/>
+              </a:ext>
+            </a:extLst>
+          </p:cNvPr>
+          <p:cNvSpPr>
+            <a:spLocks noGrp="1"/>
+          </p:cNvSpPr>
+          <p:nvPr>
+            <p:ph idx="1"/>
+          </p:nvPr>
+        </p:nvSpPr>
+        <p:spPr/>
+        <p:txBody>
+          <a:bodyPr>
+            <a:normAutofit lnSpcReduction="10000"/>
+          </a:bodyPr>
+          <a:lstStyle/>
           <a:p>
             <a:pPr marL="0" indent="0">
               <a:buNone/>
             </a:pPr>
             <a:r>
-              <a:rPr lang="en-US" altLang="ko-KR"/>
-              <a:t>Optimizer : </a:t>
-            </a:r>
-            <a:r>
-              <a:rPr lang="en-US" altLang="ko-KR">
-                <a:highlight>
-                  <a:srgbClr val="FFFF00"/>
-                </a:highlight>
-              </a:rPr>
-              <a:t>Adam</a:t>
-            </a:r>
+              <a:rPr lang="en-US" altLang="ko-KR" dirty="0" err="1"/>
+              <a:t>ChebConv</a:t>
+            </a:r>
+            <a:r>
+              <a:rPr lang="ko-KR" altLang="en-US" dirty="0"/>
+              <a:t> </a:t>
+            </a:r>
+            <a:r>
+              <a:rPr lang="en-US" altLang="ko-KR" dirty="0"/>
+              <a:t>Layer 3 (feature# -&gt; 64 -&gt; 64-&gt; 128) : </a:t>
+            </a:r>
+            <a:r>
+              <a:rPr lang="ko-KR" altLang="en-US" dirty="0"/>
+              <a:t>최대 </a:t>
+            </a:r>
+            <a:r>
+              <a:rPr lang="en-US" altLang="ko-KR" dirty="0"/>
+              <a:t>6</a:t>
+            </a:r>
+            <a:r>
+              <a:rPr lang="ko-KR" altLang="en-US" dirty="0"/>
+              <a:t>차로 설정</a:t>
+            </a:r>
+            <a:endParaRPr lang="en-US" altLang="ko-KR" dirty="0"/>
           </a:p>
           <a:p>
             <a:pPr marL="0" indent="0">
               <a:buNone/>
             </a:pPr>
             <a:r>
-              <a:rPr lang="en-US" altLang="ko-KR"/>
-              <a:t>L2 regularization : 5e-4</a:t>
+              <a:rPr lang="en-US" altLang="ko-KR" dirty="0"/>
+              <a:t>Linear Layer 1(128 -&gt; class#(2))</a:t>
             </a:r>
           </a:p>
           <a:p>
@@ -3597,45 +4354,339 @@
               <a:buNone/>
             </a:pPr>
             <a:r>
-              <a:rPr lang="en-US" altLang="ko-KR"/>
-              <a:t>Learning rate: 0.001</a:t>
-            </a:r>
+              <a:rPr lang="en-US" altLang="ko-KR" dirty="0" err="1"/>
+              <a:t>Log_softmax</a:t>
+            </a:r>
+            <a:endParaRPr lang="en-US" altLang="ko-KR" dirty="0"/>
           </a:p>
           <a:p>
             <a:pPr marL="0" indent="0">
               <a:buNone/>
             </a:pPr>
-            <a:r>
-              <a:rPr lang="en-US" altLang="ko-KR"/>
-              <a:t>Loss :  log_softmax + NLL loss = ? : Class weight: (0.72,1.66)</a:t>
-            </a:r>
+            <a:endParaRPr lang="en-US" altLang="ko-KR" dirty="0"/>
           </a:p>
           <a:p>
             <a:pPr marL="0" indent="0">
               <a:buNone/>
             </a:pPr>
             <a:r>
-              <a:rPr lang="en-US" altLang="ko-KR"/>
-              <a:t>Threshold : 0.5</a:t>
-            </a:r>
+              <a:rPr lang="en-US" altLang="ko-KR" dirty="0"/>
+              <a:t>Activation function : </a:t>
+            </a:r>
+            <a:r>
+              <a:rPr lang="en-US" altLang="ko-KR" dirty="0" err="1"/>
+              <a:t>ReLU</a:t>
+            </a:r>
+            <a:endParaRPr lang="en-US" altLang="ko-KR" dirty="0"/>
           </a:p>
           <a:p>
             <a:pPr marL="0" indent="0">
               <a:buNone/>
             </a:pPr>
-            <a:endParaRPr lang="en-US" altLang="ko-KR"/>
+            <a:endParaRPr lang="en-US" altLang="ko-KR" dirty="0"/>
           </a:p>
           <a:p>
             <a:pPr marL="0" indent="0">
               <a:buNone/>
             </a:pPr>
-            <a:endParaRPr lang="en-US" altLang="ko-KR"/>
+            <a:r>
+              <a:rPr lang="en-US" altLang="ko-KR" dirty="0"/>
+              <a:t>2,3 layer</a:t>
+            </a:r>
+            <a:r>
+              <a:rPr lang="ko-KR" altLang="en-US" dirty="0"/>
+              <a:t> </a:t>
+            </a:r>
+            <a:r>
+              <a:rPr lang="en-US" altLang="ko-KR" dirty="0"/>
+              <a:t>dropout(0.5</a:t>
+            </a:r>
+            <a:r>
+              <a:rPr lang="ko-KR" altLang="en-US" dirty="0"/>
+              <a:t>비율</a:t>
+            </a:r>
+            <a:r>
+              <a:rPr lang="en-US" altLang="ko-KR" dirty="0"/>
+              <a:t>)</a:t>
+            </a:r>
           </a:p>
           <a:p>
             <a:pPr marL="0" indent="0">
               <a:buNone/>
             </a:pPr>
-            <a:endParaRPr lang="ko-KR" altLang="en-US"/>
+            <a:r>
+              <a:rPr lang="en-US" altLang="ko-KR" dirty="0"/>
+              <a:t>Linear Layer </a:t>
+            </a:r>
+            <a:r>
+              <a:rPr lang="ko-KR" altLang="en-US" dirty="0"/>
+              <a:t>전 </a:t>
+            </a:r>
+            <a:r>
+              <a:rPr lang="en-US" altLang="ko-KR" dirty="0"/>
+              <a:t>Global mean pooling</a:t>
+            </a:r>
+          </a:p>
+          <a:p>
+            <a:pPr marL="0" indent="0">
+              <a:buNone/>
+            </a:pPr>
+            <a:endParaRPr lang="en-US" altLang="ko-KR" dirty="0"/>
+          </a:p>
+          <a:p>
+            <a:pPr marL="0" indent="0">
+              <a:buNone/>
+            </a:pPr>
+            <a:endParaRPr lang="en-US" altLang="ko-KR" dirty="0"/>
+          </a:p>
+          <a:p>
+            <a:pPr marL="0" indent="0">
+              <a:buNone/>
+            </a:pPr>
+            <a:endParaRPr lang="ko-KR" altLang="en-US" dirty="0"/>
+          </a:p>
+        </p:txBody>
+      </p:sp>
+    </p:spTree>
+    <p:extLst>
+      <p:ext uri="{BB962C8B-B14F-4D97-AF65-F5344CB8AC3E}">
+        <p14:creationId xmlns:p14="http://schemas.microsoft.com/office/powerpoint/2010/main" val="1272733660"/>
+      </p:ext>
+    </p:extLst>
+  </p:cSld>
+  <p:clrMapOvr>
+    <a:masterClrMapping/>
+  </p:clrMapOvr>
+</p:sld>
+</file>
+
+<file path=ppt/slides/slide13.xml><?xml version="1.0" encoding="utf-8"?>
+<p:sld xmlns:a="http://schemas.openxmlformats.org/drawingml/2006/main" xmlns:r="http://schemas.openxmlformats.org/officeDocument/2006/relationships" xmlns:p="http://schemas.openxmlformats.org/presentationml/2006/main">
+  <p:cSld>
+    <p:spTree>
+      <p:nvGrpSpPr>
+        <p:cNvPr id="1" name=""/>
+        <p:cNvGrpSpPr/>
+        <p:nvPr/>
+      </p:nvGrpSpPr>
+      <p:grpSpPr>
+        <a:xfrm>
+          <a:off x="0" y="0"/>
+          <a:ext cx="0" cy="0"/>
+          <a:chOff x="0" y="0"/>
+          <a:chExt cx="0" cy="0"/>
+        </a:xfrm>
+      </p:grpSpPr>
+      <p:sp>
+        <p:nvSpPr>
+          <p:cNvPr id="2" name="제목 1">
+            <a:extLst>
+              <a:ext uri="{FF2B5EF4-FFF2-40B4-BE49-F238E27FC236}">
+                <a16:creationId xmlns:a16="http://schemas.microsoft.com/office/drawing/2014/main" id="{F7AD4262-C1CD-E030-D2B9-F6748ABF0DDC}"/>
+              </a:ext>
+            </a:extLst>
+          </p:cNvPr>
+          <p:cNvSpPr>
+            <a:spLocks noGrp="1"/>
+          </p:cNvSpPr>
+          <p:nvPr>
+            <p:ph type="title"/>
+          </p:nvPr>
+        </p:nvSpPr>
+        <p:spPr/>
+        <p:txBody>
+          <a:bodyPr/>
+          <a:lstStyle/>
+          <a:p>
+            <a:r>
+              <a:rPr lang="en-US" altLang="ko-KR"/>
+              <a:t>5. GCN</a:t>
+            </a:r>
+            <a:r>
+              <a:rPr lang="ko-KR" altLang="en-US"/>
+              <a:t>으로 </a:t>
+            </a:r>
+            <a:r>
+              <a:rPr lang="en-US" altLang="ko-KR"/>
+              <a:t>schizophrenia </a:t>
+            </a:r>
+            <a:r>
+              <a:rPr lang="ko-KR" altLang="en-US"/>
+              <a:t>환자 분류</a:t>
+            </a:r>
+          </a:p>
+        </p:txBody>
+      </p:sp>
+      <p:sp>
+        <p:nvSpPr>
+          <p:cNvPr id="3" name="내용 개체 틀 2">
+            <a:extLst>
+              <a:ext uri="{FF2B5EF4-FFF2-40B4-BE49-F238E27FC236}">
+                <a16:creationId xmlns:a16="http://schemas.microsoft.com/office/drawing/2014/main" id="{7AE8962A-4F0E-2805-FAF7-DEB6D39CC713}"/>
+              </a:ext>
+            </a:extLst>
+          </p:cNvPr>
+          <p:cNvSpPr>
+            <a:spLocks noGrp="1"/>
+          </p:cNvSpPr>
+          <p:nvPr>
+            <p:ph idx="1"/>
+          </p:nvPr>
+        </p:nvSpPr>
+        <p:spPr/>
+        <p:txBody>
+          <a:bodyPr>
+            <a:normAutofit fontScale="77500" lnSpcReduction="20000"/>
+          </a:bodyPr>
+          <a:lstStyle/>
+          <a:p>
+            <a:r>
+              <a:rPr lang="en-US" altLang="ko-KR" dirty="0"/>
+              <a:t>linear kernel SVM</a:t>
+            </a:r>
+            <a:r>
+              <a:rPr lang="ko-KR" altLang="en-US" dirty="0"/>
+              <a:t>을 활용한 조현병 진단 모델은 </a:t>
+            </a:r>
+            <a:r>
+              <a:rPr lang="en-US" altLang="ko-KR" dirty="0"/>
+              <a:t>Balanced Accuracy : 0.809, Sensitivity : 0.699, specificity : 0.919 </a:t>
+            </a:r>
+            <a:r>
+              <a:rPr lang="ko-KR" altLang="en-US" dirty="0"/>
+              <a:t>의 성능</a:t>
+            </a:r>
+            <a:endParaRPr lang="en-US" altLang="ko-KR" dirty="0"/>
+          </a:p>
+          <a:p>
+            <a:endParaRPr lang="en-US" altLang="ko-KR" dirty="0"/>
+          </a:p>
+          <a:p>
+            <a:pPr marL="0" indent="0">
+              <a:buNone/>
+            </a:pPr>
+            <a:r>
+              <a:rPr lang="en-US" altLang="ko-KR" dirty="0"/>
+              <a:t>50 epoch</a:t>
+            </a:r>
+          </a:p>
+          <a:p>
+            <a:pPr marL="0" indent="0">
+              <a:buNone/>
+            </a:pPr>
+            <a:r>
+              <a:rPr lang="en-US" altLang="ko-KR" dirty="0"/>
+              <a:t>stratified 10 fold</a:t>
+            </a:r>
+          </a:p>
+          <a:p>
+            <a:pPr marL="0" indent="0">
+              <a:buNone/>
+            </a:pPr>
+            <a:r>
+              <a:rPr lang="en-US" altLang="ko-KR" dirty="0" err="1"/>
+              <a:t>Upsampling</a:t>
+            </a:r>
+            <a:r>
+              <a:rPr lang="en-US" altLang="ko-KR" dirty="0"/>
+              <a:t> X</a:t>
+            </a:r>
+          </a:p>
+          <a:p>
+            <a:pPr marL="0" indent="0">
+              <a:buNone/>
+            </a:pPr>
+            <a:r>
+              <a:rPr lang="en-US" altLang="ko-KR" dirty="0"/>
+              <a:t>Optimizer : Adam</a:t>
+            </a:r>
+          </a:p>
+          <a:p>
+            <a:pPr marL="0" indent="0">
+              <a:buNone/>
+            </a:pPr>
+            <a:r>
+              <a:rPr lang="en-US" altLang="ko-KR" dirty="0"/>
+              <a:t>L2 regularization : 5e-4</a:t>
+            </a:r>
+          </a:p>
+          <a:p>
+            <a:pPr marL="0" indent="0">
+              <a:buNone/>
+            </a:pPr>
+            <a:r>
+              <a:rPr lang="en-US" altLang="ko-KR" dirty="0"/>
+              <a:t>Learning rate: 0.001</a:t>
+            </a:r>
+          </a:p>
+          <a:p>
+            <a:pPr marL="0" indent="0">
+              <a:buNone/>
+            </a:pPr>
+            <a:r>
+              <a:rPr lang="en-US" altLang="ko-KR" dirty="0"/>
+              <a:t>Loss :  </a:t>
+            </a:r>
+            <a:r>
+              <a:rPr lang="en-US" altLang="ko-KR" dirty="0" err="1"/>
+              <a:t>log_softmax</a:t>
+            </a:r>
+            <a:r>
+              <a:rPr lang="en-US" altLang="ko-KR" dirty="0"/>
+              <a:t> + NLL loss = weighted</a:t>
+            </a:r>
+            <a:r>
+              <a:rPr lang="ko-KR" altLang="en-US" dirty="0"/>
+              <a:t> </a:t>
+            </a:r>
+            <a:r>
+              <a:rPr lang="en-US" altLang="ko-KR" dirty="0"/>
+              <a:t>cross</a:t>
+            </a:r>
+            <a:r>
+              <a:rPr lang="ko-KR" altLang="en-US" dirty="0"/>
+              <a:t> </a:t>
+            </a:r>
+            <a:r>
+              <a:rPr lang="en-US" altLang="ko-KR" dirty="0"/>
+              <a:t>entropy </a:t>
+            </a:r>
+          </a:p>
+          <a:p>
+            <a:pPr marL="0" indent="0">
+              <a:buNone/>
+            </a:pPr>
+            <a:r>
+              <a:rPr lang="en-US" altLang="ko-KR" dirty="0"/>
+              <a:t>weight</a:t>
+            </a:r>
+          </a:p>
+          <a:p>
+            <a:pPr marL="0" indent="0">
+              <a:buNone/>
+            </a:pPr>
+            <a:r>
+              <a:rPr lang="en-US" altLang="ko-KR" dirty="0"/>
+              <a:t>Threshold : 0.5</a:t>
+            </a:r>
+          </a:p>
+          <a:p>
+            <a:pPr marL="0" indent="0">
+              <a:buNone/>
+            </a:pPr>
+            <a:endParaRPr lang="en-US" altLang="ko-KR" dirty="0"/>
+          </a:p>
+          <a:p>
+            <a:pPr marL="0" indent="0">
+              <a:buNone/>
+            </a:pPr>
+            <a:endParaRPr lang="en-US" altLang="ko-KR" dirty="0"/>
+          </a:p>
+          <a:p>
+            <a:pPr marL="0" indent="0">
+              <a:buNone/>
+            </a:pPr>
+            <a:endParaRPr lang="ko-KR" altLang="en-US" dirty="0"/>
           </a:p>
         </p:txBody>
       </p:sp>
@@ -3652,7 +4703,7 @@
 </p:sld>
 </file>
 
-<file path=ppt/slides/slide11.xml><?xml version="1.0" encoding="utf-8"?>
+<file path=ppt/slides/slide14.xml><?xml version="1.0" encoding="utf-8"?>
 <p:sld xmlns:a="http://schemas.openxmlformats.org/drawingml/2006/main" xmlns:r="http://schemas.openxmlformats.org/officeDocument/2006/relationships" xmlns:p="http://schemas.openxmlformats.org/presentationml/2006/main">
   <p:cSld>
     <p:spTree>
@@ -3788,7 +4839,7 @@
         <p:spPr>
           <a:xfrm>
             <a:off x="436342" y="881947"/>
-            <a:ext cx="2469843" cy="646331"/>
+            <a:ext cx="2638864" cy="646331"/>
           </a:xfrm>
           <a:prstGeom prst="rect">
             <a:avLst/>
@@ -3802,24 +4853,31 @@
           <a:lstStyle/>
           <a:p>
             <a:r>
-              <a:rPr lang="en-US" altLang="ko-KR">
-                <a:latin typeface="나눔스퀘어" panose="020B0600000101010101" pitchFamily="50" charset="-127"/>
-                <a:ea typeface="나눔스퀘어" panose="020B0600000101010101" pitchFamily="50" charset="-127"/>
-              </a:rPr>
-              <a:t>Upsampling X, </a:t>
-            </a:r>
-          </a:p>
-          <a:p>
-            <a:r>
-              <a:rPr lang="en-US" altLang="ko-KR">
-                <a:latin typeface="나눔스퀘어" panose="020B0600000101010101" pitchFamily="50" charset="-127"/>
-                <a:ea typeface="나눔스퀘어" panose="020B0600000101010101" pitchFamily="50" charset="-127"/>
+              <a:rPr lang="en-US" altLang="ko-KR" dirty="0" err="1">
+                <a:latin typeface="나눔스퀘어 네오 Regular" panose="00000500000000000000" pitchFamily="2" charset="-127"/>
+                <a:ea typeface="나눔스퀘어 네오 Regular" panose="00000500000000000000" pitchFamily="2" charset="-127"/>
+              </a:rPr>
+              <a:t>Upsampling</a:t>
+            </a:r>
+            <a:r>
+              <a:rPr lang="en-US" altLang="ko-KR" dirty="0">
+                <a:latin typeface="나눔스퀘어 네오 Regular" panose="00000500000000000000" pitchFamily="2" charset="-127"/>
+                <a:ea typeface="나눔스퀘어 네오 Regular" panose="00000500000000000000" pitchFamily="2" charset="-127"/>
+              </a:rPr>
+              <a:t> X, </a:t>
+            </a:r>
+          </a:p>
+          <a:p>
+            <a:r>
+              <a:rPr lang="en-US" altLang="ko-KR" dirty="0">
+                <a:latin typeface="나눔스퀘어 네오 Regular" panose="00000500000000000000" pitchFamily="2" charset="-127"/>
+                <a:ea typeface="나눔스퀘어 네오 Regular" panose="00000500000000000000" pitchFamily="2" charset="-127"/>
               </a:rPr>
               <a:t>class weight [1.0, 1.0]</a:t>
             </a:r>
-            <a:endParaRPr lang="ko-KR" altLang="en-US">
-              <a:latin typeface="나눔스퀘어" panose="020B0600000101010101" pitchFamily="50" charset="-127"/>
-              <a:ea typeface="나눔스퀘어" panose="020B0600000101010101" pitchFamily="50" charset="-127"/>
+            <a:endParaRPr lang="ko-KR" altLang="en-US" dirty="0">
+              <a:latin typeface="나눔스퀘어 네오 Regular" panose="00000500000000000000" pitchFamily="2" charset="-127"/>
+              <a:ea typeface="나눔스퀘어 네오 Regular" panose="00000500000000000000" pitchFamily="2" charset="-127"/>
             </a:endParaRPr>
           </a:p>
         </p:txBody>
@@ -3888,15 +4946,15 @@
           <a:lstStyle/>
           <a:p>
             <a:r>
-              <a:rPr lang="en-US" altLang="ko-KR">
-                <a:latin typeface="나눔스퀘어" panose="020B0600000101010101" pitchFamily="50" charset="-127"/>
-                <a:ea typeface="나눔스퀘어" panose="020B0600000101010101" pitchFamily="50" charset="-127"/>
+              <a:rPr lang="en-US" altLang="ko-KR" dirty="0">
+                <a:latin typeface="나눔스퀘어 네오 Regular" panose="00000500000000000000" pitchFamily="2" charset="-127"/>
+                <a:ea typeface="나눔스퀘어 네오 Regular" panose="00000500000000000000" pitchFamily="2" charset="-127"/>
               </a:rPr>
               <a:t>SEN</a:t>
             </a:r>
-            <a:endParaRPr lang="ko-KR" altLang="en-US">
-              <a:latin typeface="나눔스퀘어" panose="020B0600000101010101" pitchFamily="50" charset="-127"/>
-              <a:ea typeface="나눔스퀘어" panose="020B0600000101010101" pitchFamily="50" charset="-127"/>
+            <a:endParaRPr lang="ko-KR" altLang="en-US" dirty="0">
+              <a:latin typeface="나눔스퀘어 네오 Regular" panose="00000500000000000000" pitchFamily="2" charset="-127"/>
+              <a:ea typeface="나눔스퀘어 네오 Regular" panose="00000500000000000000" pitchFamily="2" charset="-127"/>
             </a:endParaRPr>
           </a:p>
         </p:txBody>
@@ -3930,24 +4988,31 @@
           <a:lstStyle/>
           <a:p>
             <a:r>
-              <a:rPr lang="en-US" altLang="ko-KR">
-                <a:latin typeface="나눔스퀘어" panose="020B0600000101010101" pitchFamily="50" charset="-127"/>
-                <a:ea typeface="나눔스퀘어" panose="020B0600000101010101" pitchFamily="50" charset="-127"/>
-              </a:rPr>
-              <a:t>Upsampling X, </a:t>
-            </a:r>
-          </a:p>
-          <a:p>
-            <a:r>
-              <a:rPr lang="en-US" altLang="ko-KR">
-                <a:latin typeface="나눔스퀘어" panose="020B0600000101010101" pitchFamily="50" charset="-127"/>
-                <a:ea typeface="나눔스퀘어" panose="020B0600000101010101" pitchFamily="50" charset="-127"/>
+              <a:rPr lang="en-US" altLang="ko-KR" dirty="0" err="1">
+                <a:latin typeface="나눔스퀘어 네오 Regular" panose="00000500000000000000" pitchFamily="2" charset="-127"/>
+                <a:ea typeface="나눔스퀘어 네오 Regular" panose="00000500000000000000" pitchFamily="2" charset="-127"/>
+              </a:rPr>
+              <a:t>Upsampling</a:t>
+            </a:r>
+            <a:r>
+              <a:rPr lang="en-US" altLang="ko-KR" dirty="0">
+                <a:latin typeface="나눔스퀘어 네오 Regular" panose="00000500000000000000" pitchFamily="2" charset="-127"/>
+                <a:ea typeface="나눔스퀘어 네오 Regular" panose="00000500000000000000" pitchFamily="2" charset="-127"/>
+              </a:rPr>
+              <a:t> X, </a:t>
+            </a:r>
+          </a:p>
+          <a:p>
+            <a:r>
+              <a:rPr lang="en-US" altLang="ko-KR" dirty="0">
+                <a:latin typeface="나눔스퀘어 네오 Regular" panose="00000500000000000000" pitchFamily="2" charset="-127"/>
+                <a:ea typeface="나눔스퀘어 네오 Regular" panose="00000500000000000000" pitchFamily="2" charset="-127"/>
               </a:rPr>
               <a:t>class weight [0.72, 1.66]</a:t>
             </a:r>
-            <a:endParaRPr lang="ko-KR" altLang="en-US">
-              <a:latin typeface="나눔스퀘어" panose="020B0600000101010101" pitchFamily="50" charset="-127"/>
-              <a:ea typeface="나눔스퀘어" panose="020B0600000101010101" pitchFamily="50" charset="-127"/>
+            <a:endParaRPr lang="ko-KR" altLang="en-US" dirty="0">
+              <a:latin typeface="나눔스퀘어 네오 Regular" panose="00000500000000000000" pitchFamily="2" charset="-127"/>
+              <a:ea typeface="나눔스퀘어 네오 Regular" panose="00000500000000000000" pitchFamily="2" charset="-127"/>
             </a:endParaRPr>
           </a:p>
         </p:txBody>
@@ -4051,15 +5116,15 @@
           <a:lstStyle/>
           <a:p>
             <a:r>
-              <a:rPr lang="en-US" altLang="ko-KR">
-                <a:latin typeface="나눔스퀘어" panose="020B0600000101010101" pitchFamily="50" charset="-127"/>
-                <a:ea typeface="나눔스퀘어" panose="020B0600000101010101" pitchFamily="50" charset="-127"/>
+              <a:rPr lang="en-US" altLang="ko-KR" dirty="0">
+                <a:latin typeface="나눔스퀘어 네오 Regular" panose="00000500000000000000" pitchFamily="2" charset="-127"/>
+                <a:ea typeface="나눔스퀘어 네오 Regular" panose="00000500000000000000" pitchFamily="2" charset="-127"/>
               </a:rPr>
               <a:t>SPE</a:t>
             </a:r>
-            <a:endParaRPr lang="ko-KR" altLang="en-US">
-              <a:latin typeface="나눔스퀘어" panose="020B0600000101010101" pitchFamily="50" charset="-127"/>
-              <a:ea typeface="나눔스퀘어" panose="020B0600000101010101" pitchFamily="50" charset="-127"/>
+            <a:endParaRPr lang="ko-KR" altLang="en-US" dirty="0">
+              <a:latin typeface="나눔스퀘어 네오 Regular" panose="00000500000000000000" pitchFamily="2" charset="-127"/>
+              <a:ea typeface="나눔스퀘어 네오 Regular" panose="00000500000000000000" pitchFamily="2" charset="-127"/>
             </a:endParaRPr>
           </a:p>
         </p:txBody>
@@ -4079,7 +5144,7 @@
         <p:spPr>
           <a:xfrm>
             <a:off x="10608746" y="4552"/>
-            <a:ext cx="657808" cy="369332"/>
+            <a:ext cx="657808" cy="646331"/>
           </a:xfrm>
           <a:prstGeom prst="rect">
             <a:avLst/>
@@ -4093,15 +5158,15 @@
           <a:lstStyle/>
           <a:p>
             <a:r>
-              <a:rPr lang="en-US" altLang="ko-KR">
-                <a:latin typeface="나눔스퀘어" panose="020B0600000101010101" pitchFamily="50" charset="-127"/>
-                <a:ea typeface="나눔스퀘어" panose="020B0600000101010101" pitchFamily="50" charset="-127"/>
+              <a:rPr lang="en-US" altLang="ko-KR" dirty="0">
+                <a:latin typeface="나눔스퀘어 네오 Regular" panose="00000500000000000000" pitchFamily="2" charset="-127"/>
+                <a:ea typeface="나눔스퀘어 네오 Regular" panose="00000500000000000000" pitchFamily="2" charset="-127"/>
               </a:rPr>
               <a:t>BAC</a:t>
             </a:r>
-            <a:endParaRPr lang="ko-KR" altLang="en-US">
-              <a:latin typeface="나눔스퀘어" panose="020B0600000101010101" pitchFamily="50" charset="-127"/>
-              <a:ea typeface="나눔스퀘어" panose="020B0600000101010101" pitchFamily="50" charset="-127"/>
+            <a:endParaRPr lang="ko-KR" altLang="en-US" dirty="0">
+              <a:latin typeface="나눔스퀘어 네오 Regular" panose="00000500000000000000" pitchFamily="2" charset="-127"/>
+              <a:ea typeface="나눔스퀘어 네오 Regular" panose="00000500000000000000" pitchFamily="2" charset="-127"/>
             </a:endParaRPr>
           </a:p>
         </p:txBody>
@@ -4345,24 +5410,31 @@
           <a:lstStyle/>
           <a:p>
             <a:r>
-              <a:rPr lang="en-US" altLang="ko-KR">
-                <a:latin typeface="나눔스퀘어" panose="020B0600000101010101" pitchFamily="50" charset="-127"/>
-                <a:ea typeface="나눔스퀘어" panose="020B0600000101010101" pitchFamily="50" charset="-127"/>
-              </a:rPr>
-              <a:t>Upsampling O, </a:t>
-            </a:r>
-          </a:p>
-          <a:p>
-            <a:r>
-              <a:rPr lang="en-US" altLang="ko-KR">
-                <a:latin typeface="나눔스퀘어" panose="020B0600000101010101" pitchFamily="50" charset="-127"/>
-                <a:ea typeface="나눔스퀘어" panose="020B0600000101010101" pitchFamily="50" charset="-127"/>
+              <a:rPr lang="en-US" altLang="ko-KR" dirty="0" err="1">
+                <a:latin typeface="나눔스퀘어 네오 Regular" panose="00000500000000000000" pitchFamily="2" charset="-127"/>
+                <a:ea typeface="나눔스퀘어 네오 Regular" panose="00000500000000000000" pitchFamily="2" charset="-127"/>
+              </a:rPr>
+              <a:t>Upsampling</a:t>
+            </a:r>
+            <a:r>
+              <a:rPr lang="en-US" altLang="ko-KR" dirty="0">
+                <a:latin typeface="나눔스퀘어 네오 Regular" panose="00000500000000000000" pitchFamily="2" charset="-127"/>
+                <a:ea typeface="나눔스퀘어 네오 Regular" panose="00000500000000000000" pitchFamily="2" charset="-127"/>
+              </a:rPr>
+              <a:t> O, </a:t>
+            </a:r>
+          </a:p>
+          <a:p>
+            <a:r>
+              <a:rPr lang="en-US" altLang="ko-KR" dirty="0">
+                <a:latin typeface="나눔스퀘어 네오 Regular" panose="00000500000000000000" pitchFamily="2" charset="-127"/>
+                <a:ea typeface="나눔스퀘어 네오 Regular" panose="00000500000000000000" pitchFamily="2" charset="-127"/>
               </a:rPr>
               <a:t>class weight [1.0, 1.0]</a:t>
             </a:r>
-            <a:endParaRPr lang="ko-KR" altLang="en-US">
-              <a:latin typeface="나눔스퀘어" panose="020B0600000101010101" pitchFamily="50" charset="-127"/>
-              <a:ea typeface="나눔스퀘어" panose="020B0600000101010101" pitchFamily="50" charset="-127"/>
+            <a:endParaRPr lang="ko-KR" altLang="en-US" dirty="0">
+              <a:latin typeface="나눔스퀘어 네오 Regular" panose="00000500000000000000" pitchFamily="2" charset="-127"/>
+              <a:ea typeface="나눔스퀘어 네오 Regular" panose="00000500000000000000" pitchFamily="2" charset="-127"/>
             </a:endParaRPr>
           </a:p>
         </p:txBody>
@@ -4396,24 +5468,31 @@
           <a:lstStyle/>
           <a:p>
             <a:r>
-              <a:rPr lang="en-US" altLang="ko-KR">
-                <a:latin typeface="나눔스퀘어" panose="020B0600000101010101" pitchFamily="50" charset="-127"/>
-                <a:ea typeface="나눔스퀘어" panose="020B0600000101010101" pitchFamily="50" charset="-127"/>
-              </a:rPr>
-              <a:t>Upsampling O, </a:t>
-            </a:r>
-          </a:p>
-          <a:p>
-            <a:r>
-              <a:rPr lang="en-US" altLang="ko-KR">
-                <a:latin typeface="나눔스퀘어" panose="020B0600000101010101" pitchFamily="50" charset="-127"/>
-                <a:ea typeface="나눔스퀘어" panose="020B0600000101010101" pitchFamily="50" charset="-127"/>
+              <a:rPr lang="en-US" altLang="ko-KR" dirty="0" err="1">
+                <a:latin typeface="나눔스퀘어 네오 Regular" panose="00000500000000000000" pitchFamily="2" charset="-127"/>
+                <a:ea typeface="나눔스퀘어 네오 Regular" panose="00000500000000000000" pitchFamily="2" charset="-127"/>
+              </a:rPr>
+              <a:t>Upsampling</a:t>
+            </a:r>
+            <a:r>
+              <a:rPr lang="en-US" altLang="ko-KR" dirty="0">
+                <a:latin typeface="나눔스퀘어 네오 Regular" panose="00000500000000000000" pitchFamily="2" charset="-127"/>
+                <a:ea typeface="나눔스퀘어 네오 Regular" panose="00000500000000000000" pitchFamily="2" charset="-127"/>
+              </a:rPr>
+              <a:t> O, </a:t>
+            </a:r>
+          </a:p>
+          <a:p>
+            <a:r>
+              <a:rPr lang="en-US" altLang="ko-KR" dirty="0">
+                <a:latin typeface="나눔스퀘어 네오 Regular" panose="00000500000000000000" pitchFamily="2" charset="-127"/>
+                <a:ea typeface="나눔스퀘어 네오 Regular" panose="00000500000000000000" pitchFamily="2" charset="-127"/>
               </a:rPr>
               <a:t>class weight [0.72, 1.66]</a:t>
             </a:r>
-            <a:endParaRPr lang="ko-KR" altLang="en-US">
-              <a:latin typeface="나눔스퀘어" panose="020B0600000101010101" pitchFamily="50" charset="-127"/>
-              <a:ea typeface="나눔스퀘어" panose="020B0600000101010101" pitchFamily="50" charset="-127"/>
+            <a:endParaRPr lang="ko-KR" altLang="en-US" dirty="0">
+              <a:latin typeface="나눔스퀘어 네오 Regular" panose="00000500000000000000" pitchFamily="2" charset="-127"/>
+              <a:ea typeface="나눔스퀘어 네오 Regular" panose="00000500000000000000" pitchFamily="2" charset="-127"/>
             </a:endParaRPr>
           </a:p>
         </p:txBody>
@@ -4422,257 +5501,6 @@
     <p:extLst>
       <p:ext uri="{BB962C8B-B14F-4D97-AF65-F5344CB8AC3E}">
         <p14:creationId xmlns:p14="http://schemas.microsoft.com/office/powerpoint/2010/main" val="592447873"/>
-      </p:ext>
-    </p:extLst>
-  </p:cSld>
-  <p:clrMapOvr>
-    <a:masterClrMapping/>
-  </p:clrMapOvr>
-</p:sld>
-</file>
-
-<file path=ppt/slides/slide12.xml><?xml version="1.0" encoding="utf-8"?>
-<p:sld xmlns:a="http://schemas.openxmlformats.org/drawingml/2006/main" xmlns:r="http://schemas.openxmlformats.org/officeDocument/2006/relationships" xmlns:p="http://schemas.openxmlformats.org/presentationml/2006/main">
-  <p:cSld>
-    <p:spTree>
-      <p:nvGrpSpPr>
-        <p:cNvPr id="1" name=""/>
-        <p:cNvGrpSpPr/>
-        <p:nvPr/>
-      </p:nvGrpSpPr>
-      <p:grpSpPr>
-        <a:xfrm>
-          <a:off x="0" y="0"/>
-          <a:ext cx="0" cy="0"/>
-          <a:chOff x="0" y="0"/>
-          <a:chExt cx="0" cy="0"/>
-        </a:xfrm>
-      </p:grpSpPr>
-      <p:sp>
-        <p:nvSpPr>
-          <p:cNvPr id="2" name="제목 1">
-            <a:extLst>
-              <a:ext uri="{FF2B5EF4-FFF2-40B4-BE49-F238E27FC236}">
-                <a16:creationId xmlns:a16="http://schemas.microsoft.com/office/drawing/2014/main" id="{F8D20DC4-6421-8907-AEE5-073A06386B19}"/>
-              </a:ext>
-            </a:extLst>
-          </p:cNvPr>
-          <p:cNvSpPr>
-            <a:spLocks noGrp="1"/>
-          </p:cNvSpPr>
-          <p:nvPr>
-            <p:ph type="title"/>
-          </p:nvPr>
-        </p:nvSpPr>
-        <p:spPr/>
-        <p:txBody>
-          <a:bodyPr/>
-          <a:lstStyle/>
-          <a:p>
-            <a:r>
-              <a:rPr lang="en-US" altLang="ko-KR"/>
-              <a:t>Combat Harmonization</a:t>
-            </a:r>
-            <a:endParaRPr lang="ko-KR" altLang="en-US"/>
-          </a:p>
-        </p:txBody>
-      </p:sp>
-      <p:sp>
-        <p:nvSpPr>
-          <p:cNvPr id="3" name="내용 개체 틀 2">
-            <a:extLst>
-              <a:ext uri="{FF2B5EF4-FFF2-40B4-BE49-F238E27FC236}">
-                <a16:creationId xmlns:a16="http://schemas.microsoft.com/office/drawing/2014/main" id="{43B2EB58-DFD8-4A20-AB57-EA84634D9850}"/>
-              </a:ext>
-            </a:extLst>
-          </p:cNvPr>
-          <p:cNvSpPr>
-            <a:spLocks noGrp="1"/>
-          </p:cNvSpPr>
-          <p:nvPr>
-            <p:ph idx="1"/>
-          </p:nvPr>
-        </p:nvSpPr>
-        <p:spPr/>
-        <p:txBody>
-          <a:bodyPr/>
-          <a:lstStyle/>
-          <a:p>
-            <a:r>
-              <a:rPr lang="en-US" altLang="ko-KR">
-                <a:latin typeface="나눔스퀘어" panose="020B0600000101010101" pitchFamily="50" charset="-127"/>
-                <a:ea typeface="나눔스퀘어" panose="020B0600000101010101" pitchFamily="50" charset="-127"/>
-              </a:rPr>
-              <a:t>Training set</a:t>
-            </a:r>
-            <a:r>
-              <a:rPr lang="ko-KR" altLang="en-US">
-                <a:latin typeface="나눔스퀘어" panose="020B0600000101010101" pitchFamily="50" charset="-127"/>
-                <a:ea typeface="나눔스퀘어" panose="020B0600000101010101" pitchFamily="50" charset="-127"/>
-              </a:rPr>
-              <a:t>에만 독립적으로 </a:t>
-            </a:r>
-            <a:r>
-              <a:rPr lang="en-US" altLang="ko-KR">
-                <a:latin typeface="나눔스퀘어" panose="020B0600000101010101" pitchFamily="50" charset="-127"/>
-                <a:ea typeface="나눔스퀘어" panose="020B0600000101010101" pitchFamily="50" charset="-127"/>
-              </a:rPr>
-              <a:t>combat</a:t>
-            </a:r>
-            <a:r>
-              <a:rPr lang="ko-KR" altLang="en-US">
-                <a:latin typeface="나눔스퀘어" panose="020B0600000101010101" pitchFamily="50" charset="-127"/>
-                <a:ea typeface="나눔스퀘어" panose="020B0600000101010101" pitchFamily="50" charset="-127"/>
-              </a:rPr>
-              <a:t> </a:t>
-            </a:r>
-            <a:r>
-              <a:rPr lang="en-US" altLang="ko-KR">
-                <a:latin typeface="나눔스퀘어" panose="020B0600000101010101" pitchFamily="50" charset="-127"/>
-                <a:ea typeface="나눔스퀘어" panose="020B0600000101010101" pitchFamily="50" charset="-127"/>
-              </a:rPr>
-              <a:t>model</a:t>
-            </a:r>
-            <a:r>
-              <a:rPr lang="ko-KR" altLang="en-US">
-                <a:latin typeface="나눔스퀘어" panose="020B0600000101010101" pitchFamily="50" charset="-127"/>
-                <a:ea typeface="나눔스퀘어" panose="020B0600000101010101" pitchFamily="50" charset="-127"/>
-              </a:rPr>
-              <a:t>을 학습해서 </a:t>
-            </a:r>
-            <a:r>
-              <a:rPr lang="en-US" altLang="ko-KR">
-                <a:latin typeface="나눔스퀘어" panose="020B0600000101010101" pitchFamily="50" charset="-127"/>
-                <a:ea typeface="나눔스퀘어" panose="020B0600000101010101" pitchFamily="50" charset="-127"/>
-              </a:rPr>
-              <a:t>connectivity matrix</a:t>
-            </a:r>
-            <a:r>
-              <a:rPr lang="ko-KR" altLang="en-US">
-                <a:latin typeface="나눔스퀘어" panose="020B0600000101010101" pitchFamily="50" charset="-127"/>
-                <a:ea typeface="나눔스퀘어" panose="020B0600000101010101" pitchFamily="50" charset="-127"/>
-              </a:rPr>
-              <a:t>를 변경 후 이에 따라 </a:t>
-            </a:r>
-            <a:r>
-              <a:rPr lang="en-US" altLang="ko-KR">
-                <a:latin typeface="나눔스퀘어" panose="020B0600000101010101" pitchFamily="50" charset="-127"/>
-                <a:ea typeface="나눔스퀘어" panose="020B0600000101010101" pitchFamily="50" charset="-127"/>
-              </a:rPr>
-              <a:t>x, edge_index, edge_attr</a:t>
-            </a:r>
-            <a:r>
-              <a:rPr lang="ko-KR" altLang="en-US">
-                <a:latin typeface="나눔스퀘어" panose="020B0600000101010101" pitchFamily="50" charset="-127"/>
-                <a:ea typeface="나눔스퀘어" panose="020B0600000101010101" pitchFamily="50" charset="-127"/>
-              </a:rPr>
-              <a:t>를 다시 계산</a:t>
-            </a:r>
-            <a:r>
-              <a:rPr lang="en-US" altLang="ko-KR">
-                <a:latin typeface="나눔스퀘어" panose="020B0600000101010101" pitchFamily="50" charset="-127"/>
-                <a:ea typeface="나눔스퀘어" panose="020B0600000101010101" pitchFamily="50" charset="-127"/>
-              </a:rPr>
-              <a:t>. </a:t>
-            </a:r>
-            <a:r>
-              <a:rPr lang="ko-KR" altLang="en-US">
-                <a:latin typeface="나눔스퀘어" panose="020B0600000101010101" pitchFamily="50" charset="-127"/>
-                <a:ea typeface="나눔스퀘어" panose="020B0600000101010101" pitchFamily="50" charset="-127"/>
-              </a:rPr>
-              <a:t>이후</a:t>
-            </a:r>
-            <a:r>
-              <a:rPr lang="en-US" altLang="ko-KR">
-                <a:latin typeface="나눔스퀘어" panose="020B0600000101010101" pitchFamily="50" charset="-127"/>
-                <a:ea typeface="나눔스퀘어" panose="020B0600000101010101" pitchFamily="50" charset="-127"/>
-              </a:rPr>
-              <a:t> GCN model</a:t>
-            </a:r>
-            <a:r>
-              <a:rPr lang="ko-KR" altLang="en-US">
-                <a:latin typeface="나눔스퀘어" panose="020B0600000101010101" pitchFamily="50" charset="-127"/>
-                <a:ea typeface="나눔스퀘어" panose="020B0600000101010101" pitchFamily="50" charset="-127"/>
-              </a:rPr>
-              <a:t>이 학습</a:t>
-            </a:r>
-            <a:endParaRPr lang="en-US" altLang="ko-KR">
-              <a:latin typeface="나눔스퀘어" panose="020B0600000101010101" pitchFamily="50" charset="-127"/>
-              <a:ea typeface="나눔스퀘어" panose="020B0600000101010101" pitchFamily="50" charset="-127"/>
-            </a:endParaRPr>
-          </a:p>
-          <a:p>
-            <a:endParaRPr lang="en-US" altLang="ko-KR"/>
-          </a:p>
-          <a:p>
-            <a:r>
-              <a:rPr lang="en-US" altLang="ko-KR"/>
-              <a:t>Validation, test set</a:t>
-            </a:r>
-            <a:r>
-              <a:rPr lang="ko-KR" altLang="en-US"/>
-              <a:t>에는</a:t>
-            </a:r>
-            <a:r>
-              <a:rPr lang="en-US" altLang="ko-KR"/>
-              <a:t> </a:t>
-            </a:r>
-            <a:r>
-              <a:rPr lang="ko-KR" altLang="en-US"/>
-              <a:t>학습한 </a:t>
-            </a:r>
-            <a:r>
-              <a:rPr lang="en-US" altLang="ko-KR"/>
-              <a:t>combat model</a:t>
-            </a:r>
-            <a:r>
-              <a:rPr lang="ko-KR" altLang="en-US"/>
-              <a:t>로 </a:t>
-            </a:r>
-            <a:r>
-              <a:rPr lang="en-US" altLang="ko-KR"/>
-              <a:t>connectivity matri</a:t>
-            </a:r>
-            <a:r>
-              <a:rPr lang="ko-KR" altLang="en-US"/>
-              <a:t>를 변경이에 따라 </a:t>
-            </a:r>
-            <a:r>
-              <a:rPr lang="en-US" altLang="ko-KR"/>
-              <a:t>x, edge_index, edge_attr</a:t>
-            </a:r>
-            <a:r>
-              <a:rPr lang="ko-KR" altLang="en-US"/>
-              <a:t>를 다시 계산</a:t>
-            </a:r>
-            <a:r>
-              <a:rPr lang="en-US" altLang="ko-KR"/>
-              <a:t>. </a:t>
-            </a:r>
-            <a:r>
-              <a:rPr lang="ko-KR" altLang="en-US"/>
-              <a:t>이후 </a:t>
-            </a:r>
-            <a:r>
-              <a:rPr lang="en-US" altLang="ko-KR"/>
-              <a:t>GCN model </a:t>
-            </a:r>
-            <a:r>
-              <a:rPr lang="ko-KR" altLang="en-US"/>
-              <a:t> 후 </a:t>
-            </a:r>
-            <a:r>
-              <a:rPr lang="en-US" altLang="ko-KR"/>
-              <a:t>prediction</a:t>
-            </a:r>
-            <a:endParaRPr lang="ko-KR" altLang="en-US"/>
-          </a:p>
-        </p:txBody>
-      </p:sp>
-    </p:spTree>
-    <p:extLst>
-      <p:ext uri="{BB962C8B-B14F-4D97-AF65-F5344CB8AC3E}">
-        <p14:creationId xmlns:p14="http://schemas.microsoft.com/office/powerpoint/2010/main" val="584059669"/>
       </p:ext>
     </p:extLst>
   </p:cSld>
@@ -4713,8 +5541,8 @@
         </p:nvSpPr>
         <p:spPr>
           <a:xfrm>
-            <a:off x="1281406" y="1170821"/>
-            <a:ext cx="4814594" cy="1477328"/>
+            <a:off x="371768" y="1216567"/>
+            <a:ext cx="11820232" cy="4424866"/>
           </a:xfrm>
           <a:prstGeom prst="rect">
             <a:avLst/>
@@ -4728,135 +5556,185 @@
           <a:lstStyle/>
           <a:p>
             <a:pPr marL="342900" indent="-342900">
+              <a:lnSpc>
+                <a:spcPct val="200000"/>
+              </a:lnSpc>
               <a:buAutoNum type="arabicPeriod"/>
             </a:pPr>
             <a:r>
-              <a:rPr lang="en-US" altLang="ko-KR">
-                <a:latin typeface="나눔스퀘어" panose="020B0600000101010101" pitchFamily="50" charset="-127"/>
-                <a:ea typeface="나눔스퀘어" panose="020B0600000101010101" pitchFamily="50" charset="-127"/>
-              </a:rPr>
-              <a:t>fMRI data </a:t>
-            </a:r>
-            <a:r>
-              <a:rPr lang="ko-KR" altLang="en-US">
-                <a:latin typeface="나눔스퀘어" panose="020B0600000101010101" pitchFamily="50" charset="-127"/>
-                <a:ea typeface="나눔스퀘어" panose="020B0600000101010101" pitchFamily="50" charset="-127"/>
-              </a:rPr>
-              <a:t>전처리</a:t>
-            </a:r>
-            <a:r>
-              <a:rPr lang="en-US" altLang="ko-KR">
-                <a:latin typeface="나눔스퀘어" panose="020B0600000101010101" pitchFamily="50" charset="-127"/>
-                <a:ea typeface="나눔스퀘어" panose="020B0600000101010101" pitchFamily="50" charset="-127"/>
-              </a:rPr>
-              <a:t>(fmri-prep) </a:t>
+              <a:rPr lang="en-US" altLang="ko-KR" sz="2400" dirty="0">
+                <a:latin typeface="나눔스퀘어 네오 Regular" panose="00000500000000000000" pitchFamily="2" charset="-127"/>
+                <a:ea typeface="나눔스퀘어 네오 Regular" panose="00000500000000000000" pitchFamily="2" charset="-127"/>
+              </a:rPr>
+              <a:t>fMRI data preprocessing</a:t>
             </a:r>
           </a:p>
           <a:p>
             <a:pPr marL="342900" indent="-342900">
+              <a:lnSpc>
+                <a:spcPct val="200000"/>
+              </a:lnSpc>
               <a:buAutoNum type="arabicPeriod"/>
             </a:pPr>
             <a:r>
-              <a:rPr lang="en-US" altLang="ko-KR">
-                <a:latin typeface="나눔스퀘어" panose="020B0600000101010101" pitchFamily="50" charset="-127"/>
-                <a:ea typeface="나눔스퀘어" panose="020B0600000101010101" pitchFamily="50" charset="-127"/>
+              <a:rPr lang="en-US" altLang="ko-KR" sz="2400" dirty="0">
+                <a:latin typeface="나눔스퀘어 네오 Regular" panose="00000500000000000000" pitchFamily="2" charset="-127"/>
+                <a:ea typeface="나눔스퀘어 네오 Regular" panose="00000500000000000000" pitchFamily="2" charset="-127"/>
               </a:rPr>
               <a:t>functional connectivity </a:t>
             </a:r>
             <a:r>
-              <a:rPr lang="ko-KR" altLang="en-US">
-                <a:latin typeface="나눔스퀘어" panose="020B0600000101010101" pitchFamily="50" charset="-127"/>
-                <a:ea typeface="나눔스퀘어" panose="020B0600000101010101" pitchFamily="50" charset="-127"/>
+              <a:rPr lang="ko-KR" altLang="en-US" sz="2400" dirty="0">
+                <a:latin typeface="나눔스퀘어 네오 Regular" panose="00000500000000000000" pitchFamily="2" charset="-127"/>
+                <a:ea typeface="나눔스퀘어 네오 Regular" panose="00000500000000000000" pitchFamily="2" charset="-127"/>
               </a:rPr>
               <a:t>제작</a:t>
             </a:r>
-            <a:endParaRPr lang="en-US" altLang="ko-KR">
-              <a:latin typeface="나눔스퀘어" panose="020B0600000101010101" pitchFamily="50" charset="-127"/>
-              <a:ea typeface="나눔스퀘어" panose="020B0600000101010101" pitchFamily="50" charset="-127"/>
+            <a:endParaRPr lang="en-US" altLang="ko-KR" sz="2400" dirty="0">
+              <a:latin typeface="나눔스퀘어 네오 Regular" panose="00000500000000000000" pitchFamily="2" charset="-127"/>
+              <a:ea typeface="나눔스퀘어 네오 Regular" panose="00000500000000000000" pitchFamily="2" charset="-127"/>
             </a:endParaRPr>
           </a:p>
           <a:p>
             <a:pPr marL="342900" indent="-342900">
+              <a:lnSpc>
+                <a:spcPct val="200000"/>
+              </a:lnSpc>
               <a:buAutoNum type="arabicPeriod"/>
             </a:pPr>
             <a:r>
-              <a:rPr lang="en-US" altLang="ko-KR">
-                <a:latin typeface="나눔스퀘어" panose="020B0600000101010101" pitchFamily="50" charset="-127"/>
-                <a:ea typeface="나눔스퀘어" panose="020B0600000101010101" pitchFamily="50" charset="-127"/>
+              <a:rPr lang="en-US" altLang="ko-KR" sz="2400" dirty="0">
+                <a:latin typeface="나눔스퀘어 네오 Regular" panose="00000500000000000000" pitchFamily="2" charset="-127"/>
+                <a:ea typeface="나눔스퀘어 네오 Regular" panose="00000500000000000000" pitchFamily="2" charset="-127"/>
               </a:rPr>
               <a:t>Graph </a:t>
             </a:r>
             <a:r>
-              <a:rPr lang="ko-KR" altLang="en-US">
-                <a:latin typeface="나눔스퀘어" panose="020B0600000101010101" pitchFamily="50" charset="-127"/>
-                <a:ea typeface="나눔스퀘어" panose="020B0600000101010101" pitchFamily="50" charset="-127"/>
+              <a:rPr lang="ko-KR" altLang="en-US" sz="2400" dirty="0">
+                <a:latin typeface="나눔스퀘어 네오 Regular" panose="00000500000000000000" pitchFamily="2" charset="-127"/>
+                <a:ea typeface="나눔스퀘어 네오 Regular" panose="00000500000000000000" pitchFamily="2" charset="-127"/>
               </a:rPr>
               <a:t>데이터 변환</a:t>
             </a:r>
-            <a:endParaRPr lang="en-US" altLang="ko-KR">
-              <a:latin typeface="나눔스퀘어" panose="020B0600000101010101" pitchFamily="50" charset="-127"/>
-              <a:ea typeface="나눔스퀘어" panose="020B0600000101010101" pitchFamily="50" charset="-127"/>
+            <a:endParaRPr lang="en-US" altLang="ko-KR" sz="2400" dirty="0">
+              <a:latin typeface="나눔스퀘어 네오 Regular" panose="00000500000000000000" pitchFamily="2" charset="-127"/>
+              <a:ea typeface="나눔스퀘어 네오 Regular" panose="00000500000000000000" pitchFamily="2" charset="-127"/>
             </a:endParaRPr>
           </a:p>
           <a:p>
             <a:pPr marL="342900" indent="-342900">
+              <a:lnSpc>
+                <a:spcPct val="200000"/>
+              </a:lnSpc>
               <a:buAutoNum type="arabicPeriod"/>
             </a:pPr>
             <a:r>
-              <a:rPr lang="en-US" altLang="ko-KR">
-                <a:latin typeface="나눔스퀘어" panose="020B0600000101010101" pitchFamily="50" charset="-127"/>
-                <a:ea typeface="나눔스퀘어" panose="020B0600000101010101" pitchFamily="50" charset="-127"/>
+              <a:rPr lang="en-US" altLang="ko-KR" sz="2400" dirty="0">
+                <a:latin typeface="나눔스퀘어 네오 Regular" panose="00000500000000000000" pitchFamily="2" charset="-127"/>
+                <a:ea typeface="나눔스퀘어 네오 Regular" panose="00000500000000000000" pitchFamily="2" charset="-127"/>
               </a:rPr>
               <a:t>GCN model </a:t>
             </a:r>
             <a:r>
-              <a:rPr lang="ko-KR" altLang="en-US">
-                <a:latin typeface="나눔스퀘어" panose="020B0600000101010101" pitchFamily="50" charset="-127"/>
-                <a:ea typeface="나눔스퀘어" panose="020B0600000101010101" pitchFamily="50" charset="-127"/>
+              <a:rPr lang="ko-KR" altLang="en-US" sz="2400" dirty="0">
+                <a:latin typeface="나눔스퀘어 네오 Regular" panose="00000500000000000000" pitchFamily="2" charset="-127"/>
+                <a:ea typeface="나눔스퀘어 네오 Regular" panose="00000500000000000000" pitchFamily="2" charset="-127"/>
               </a:rPr>
               <a:t>구축</a:t>
             </a:r>
-            <a:endParaRPr lang="en-US" altLang="ko-KR">
-              <a:latin typeface="나눔스퀘어" panose="020B0600000101010101" pitchFamily="50" charset="-127"/>
-              <a:ea typeface="나눔스퀘어" panose="020B0600000101010101" pitchFamily="50" charset="-127"/>
+            <a:endParaRPr lang="en-US" altLang="ko-KR" sz="2400" dirty="0">
+              <a:latin typeface="나눔스퀘어 네오 Regular" panose="00000500000000000000" pitchFamily="2" charset="-127"/>
+              <a:ea typeface="나눔스퀘어 네오 Regular" panose="00000500000000000000" pitchFamily="2" charset="-127"/>
             </a:endParaRPr>
           </a:p>
           <a:p>
             <a:pPr marL="342900" indent="-342900">
+              <a:lnSpc>
+                <a:spcPct val="200000"/>
+              </a:lnSpc>
               <a:buAutoNum type="arabicPeriod"/>
             </a:pPr>
             <a:r>
-              <a:rPr lang="en-US" altLang="ko-KR">
-                <a:latin typeface="나눔스퀘어" panose="020B0600000101010101" pitchFamily="50" charset="-127"/>
-                <a:ea typeface="나눔스퀘어" panose="020B0600000101010101" pitchFamily="50" charset="-127"/>
-              </a:rPr>
-              <a:t>GCN</a:t>
-            </a:r>
-            <a:r>
-              <a:rPr lang="ko-KR" altLang="en-US">
-                <a:latin typeface="나눔스퀘어" panose="020B0600000101010101" pitchFamily="50" charset="-127"/>
-                <a:ea typeface="나눔스퀘어" panose="020B0600000101010101" pitchFamily="50" charset="-127"/>
-              </a:rPr>
-              <a:t>으로 </a:t>
-            </a:r>
-            <a:r>
-              <a:rPr lang="en-US" altLang="ko-KR">
-                <a:latin typeface="나눔스퀘어" panose="020B0600000101010101" pitchFamily="50" charset="-127"/>
-                <a:ea typeface="나눔스퀘어" panose="020B0600000101010101" pitchFamily="50" charset="-127"/>
+              <a:rPr lang="en-US" altLang="ko-KR" sz="2400" dirty="0">
+                <a:latin typeface="나눔스퀘어 네오 Regular" panose="00000500000000000000" pitchFamily="2" charset="-127"/>
+                <a:ea typeface="나눔스퀘어 네오 Regular" panose="00000500000000000000" pitchFamily="2" charset="-127"/>
               </a:rPr>
               <a:t>schizophrenia </a:t>
             </a:r>
             <a:r>
-              <a:rPr lang="ko-KR" altLang="en-US">
-                <a:latin typeface="나눔스퀘어" panose="020B0600000101010101" pitchFamily="50" charset="-127"/>
-                <a:ea typeface="나눔스퀘어" panose="020B0600000101010101" pitchFamily="50" charset="-127"/>
-              </a:rPr>
-              <a:t>환자 분류 </a:t>
-            </a:r>
-            <a:endParaRPr lang="en-US" altLang="ko-KR">
-              <a:latin typeface="나눔스퀘어" panose="020B0600000101010101" pitchFamily="50" charset="-127"/>
-              <a:ea typeface="나눔스퀘어" panose="020B0600000101010101" pitchFamily="50" charset="-127"/>
+              <a:rPr lang="ko-KR" altLang="en-US" sz="2400" dirty="0">
+                <a:latin typeface="나눔스퀘어 네오 Regular" panose="00000500000000000000" pitchFamily="2" charset="-127"/>
+                <a:ea typeface="나눔스퀘어 네오 Regular" panose="00000500000000000000" pitchFamily="2" charset="-127"/>
+              </a:rPr>
+              <a:t>환자 분류</a:t>
+            </a:r>
+            <a:endParaRPr lang="en-US" altLang="ko-KR" sz="2400" dirty="0">
+              <a:latin typeface="나눔스퀘어 네오 Regular" panose="00000500000000000000" pitchFamily="2" charset="-127"/>
+              <a:ea typeface="나눔스퀘어 네오 Regular" panose="00000500000000000000" pitchFamily="2" charset="-127"/>
             </a:endParaRPr>
+          </a:p>
+          <a:p>
+            <a:pPr>
+              <a:lnSpc>
+                <a:spcPct val="200000"/>
+              </a:lnSpc>
+            </a:pPr>
+            <a:r>
+              <a:rPr lang="en-US" altLang="ko-KR" sz="2400" dirty="0">
+                <a:latin typeface="나눔스퀘어 네오 Regular" panose="00000500000000000000" pitchFamily="2" charset="-127"/>
+                <a:ea typeface="나눔스퀘어 네오 Regular" panose="00000500000000000000" pitchFamily="2" charset="-127"/>
+              </a:rPr>
+              <a:t>- </a:t>
+            </a:r>
+            <a:r>
+              <a:rPr lang="ko-KR" altLang="en-US" sz="2400" dirty="0">
+                <a:latin typeface="나눔스퀘어 네오 Regular" panose="00000500000000000000" pitchFamily="2" charset="-127"/>
+                <a:ea typeface="나눔스퀘어 네오 Regular" panose="00000500000000000000" pitchFamily="2" charset="-127"/>
+              </a:rPr>
+              <a:t>목표 </a:t>
+            </a:r>
+            <a:r>
+              <a:rPr lang="en-US" altLang="ko-KR" sz="2400" dirty="0">
+                <a:latin typeface="나눔스퀘어 네오 Regular" panose="00000500000000000000" pitchFamily="2" charset="-127"/>
+                <a:ea typeface="나눔스퀘어 네오 Regular" panose="00000500000000000000" pitchFamily="2" charset="-127"/>
+              </a:rPr>
+              <a:t>: </a:t>
+            </a:r>
+            <a:r>
+              <a:rPr lang="ko-KR" altLang="en-US" sz="2400" dirty="0">
+                <a:latin typeface="나눔스퀘어 네오 Regular" panose="00000500000000000000" pitchFamily="2" charset="-127"/>
+                <a:ea typeface="나눔스퀘어 네오 Regular" panose="00000500000000000000" pitchFamily="2" charset="-127"/>
+              </a:rPr>
+              <a:t>선행연구에서의</a:t>
+            </a:r>
+            <a:r>
+              <a:rPr lang="en-US" altLang="ko-KR" sz="2400" dirty="0">
+                <a:latin typeface="나눔스퀘어 네오 Regular" panose="00000500000000000000" pitchFamily="2" charset="-127"/>
+                <a:ea typeface="나눔스퀘어 네오 Regular" panose="00000500000000000000" pitchFamily="2" charset="-127"/>
+              </a:rPr>
+              <a:t> BAC 85.8% </a:t>
+            </a:r>
+            <a:r>
+              <a:rPr lang="en-US" altLang="ko-KR" sz="2000" dirty="0">
+                <a:latin typeface="나눔스퀘어 네오 Regular" panose="00000500000000000000" pitchFamily="2" charset="-127"/>
+                <a:ea typeface="나눔스퀘어 네오 Regular" panose="00000500000000000000" pitchFamily="2" charset="-127"/>
+              </a:rPr>
+              <a:t>(SEN 74.0%, SPE 97.6%)</a:t>
+            </a:r>
+            <a:r>
+              <a:rPr lang="ko-KR" altLang="en-US" sz="2400" dirty="0">
+                <a:latin typeface="나눔스퀘어 네오 Regular" panose="00000500000000000000" pitchFamily="2" charset="-127"/>
+                <a:ea typeface="나눔스퀘어 네오 Regular" panose="00000500000000000000" pitchFamily="2" charset="-127"/>
+              </a:rPr>
+              <a:t>에 근접한 성능의 </a:t>
+            </a:r>
+            <a:r>
+              <a:rPr lang="en-US" altLang="ko-KR" sz="2400" dirty="0">
+                <a:latin typeface="나눔스퀘어 네오 Regular" panose="00000500000000000000" pitchFamily="2" charset="-127"/>
+                <a:ea typeface="나눔스퀘어 네오 Regular" panose="00000500000000000000" pitchFamily="2" charset="-127"/>
+              </a:rPr>
+              <a:t>model</a:t>
+            </a:r>
           </a:p>
         </p:txBody>
       </p:sp>
@@ -4892,45 +5770,65 @@
       </p:grpSpPr>
       <p:sp>
         <p:nvSpPr>
-          <p:cNvPr id="2" name="제목 1">
-            <a:extLst>
-              <a:ext uri="{FF2B5EF4-FFF2-40B4-BE49-F238E27FC236}">
-                <a16:creationId xmlns:a16="http://schemas.microsoft.com/office/drawing/2014/main" id="{602B09FB-A092-A83F-3F9C-CA1E7ED0EB81}"/>
-              </a:ext>
-            </a:extLst>
-          </p:cNvPr>
-          <p:cNvSpPr>
-            <a:spLocks noGrp="1"/>
+          <p:cNvPr id="4" name="제목 1">
+            <a:extLst>
+              <a:ext uri="{FF2B5EF4-FFF2-40B4-BE49-F238E27FC236}">
+                <a16:creationId xmlns:a16="http://schemas.microsoft.com/office/drawing/2014/main" id="{4E49431A-3F1D-45DC-A90E-33719212A621}"/>
+              </a:ext>
+            </a:extLst>
+          </p:cNvPr>
+          <p:cNvSpPr txBox="1">
+            <a:spLocks/>
           </p:cNvSpPr>
-          <p:nvPr>
-            <p:ph type="title"/>
-          </p:nvPr>
-        </p:nvSpPr>
-        <p:spPr/>
-        <p:txBody>
-          <a:bodyPr>
+          <p:nvPr/>
+        </p:nvSpPr>
+        <p:spPr>
+          <a:xfrm>
+            <a:off x="509587" y="0"/>
+            <a:ext cx="10515600" cy="1325563"/>
+          </a:xfrm>
+          <a:prstGeom prst="rect">
+            <a:avLst/>
+          </a:prstGeom>
+        </p:spPr>
+        <p:txBody>
+          <a:bodyPr vert="horz" lIns="91440" tIns="45720" rIns="91440" bIns="45720" rtlCol="0" anchor="ctr">
             <a:normAutofit/>
           </a:bodyPr>
-          <a:lstStyle/>
-          <a:p>
-            <a:r>
-              <a:rPr lang="en-US" altLang="ko-KR" sz="2800" dirty="0"/>
-              <a:t>1. fMRI </a:t>
-            </a:r>
-            <a:r>
-              <a:rPr lang="en-US" altLang="ko-KR" sz="2800"/>
-              <a:t>data preprocessing</a:t>
-            </a:r>
-            <a:endParaRPr lang="ko-KR" altLang="en-US" sz="2800" dirty="0"/>
-          </a:p>
-        </p:txBody>
-      </p:sp>
-      <p:sp>
-        <p:nvSpPr>
-          <p:cNvPr id="5" name="TextBox 4">
-            <a:extLst>
-              <a:ext uri="{FF2B5EF4-FFF2-40B4-BE49-F238E27FC236}">
-                <a16:creationId xmlns:a16="http://schemas.microsoft.com/office/drawing/2014/main" id="{60017E9A-3791-97F8-CFC7-21CC6AD72EA3}"/>
+          <a:lstStyle>
+            <a:lvl1pPr algn="l" defTabSz="914400" rtl="0" eaLnBrk="1" latinLnBrk="1" hangingPunct="1">
+              <a:lnSpc>
+                <a:spcPct val="90000"/>
+              </a:lnSpc>
+              <a:spcBef>
+                <a:spcPct val="0"/>
+              </a:spcBef>
+              <a:buNone/>
+              <a:defRPr sz="4400" kern="1200">
+                <a:solidFill>
+                  <a:schemeClr val="tx1"/>
+                </a:solidFill>
+                <a:latin typeface="나눔스퀘어 네오 Regular" panose="00000500000000000000" pitchFamily="2" charset="-127"/>
+                <a:ea typeface="나눔스퀘어 네오 Regular" panose="00000500000000000000" pitchFamily="2" charset="-127"/>
+                <a:cs typeface="+mj-cs"/>
+              </a:defRPr>
+            </a:lvl1pPr>
+          </a:lstStyle>
+          <a:p>
+            <a:r>
+              <a:rPr lang="en-US" altLang="ko-KR" sz="3200" dirty="0"/>
+              <a:t>0. Dataset</a:t>
+            </a:r>
+            <a:endParaRPr lang="ko-KR" altLang="en-US" sz="3200" dirty="0"/>
+          </a:p>
+        </p:txBody>
+      </p:sp>
+      <p:sp>
+        <p:nvSpPr>
+          <p:cNvPr id="8" name="TextBox 7">
+            <a:extLst>
+              <a:ext uri="{FF2B5EF4-FFF2-40B4-BE49-F238E27FC236}">
+                <a16:creationId xmlns:a16="http://schemas.microsoft.com/office/drawing/2014/main" id="{C51E5423-3E05-4FBB-8EE2-4E26C680A5EF}"/>
               </a:ext>
             </a:extLst>
           </p:cNvPr>
@@ -4939,8 +5837,8 @@
         </p:nvSpPr>
         <p:spPr>
           <a:xfrm>
-            <a:off x="641189" y="1690688"/>
-            <a:ext cx="10712611" cy="3139321"/>
+            <a:off x="728067" y="2208877"/>
+            <a:ext cx="10078640" cy="3046988"/>
           </a:xfrm>
           <a:prstGeom prst="rect">
             <a:avLst/>
@@ -4953,770 +5851,262 @@
           </a:bodyPr>
           <a:lstStyle/>
           <a:p>
-            <a:pPr algn="l">
-              <a:buFont typeface="+mj-lt"/>
-              <a:buAutoNum type="arabicPeriod"/>
-            </a:pPr>
-            <a:r>
-              <a:rPr lang="ko-KR" altLang="en-US" b="1" i="0">
-                <a:solidFill>
-                  <a:srgbClr val="FF0000"/>
-                </a:solidFill>
-                <a:effectLst/>
-                <a:latin typeface="Söhne"/>
-                <a:ea typeface="나눔스퀘어" panose="020B0600000101010101" pitchFamily="50" charset="-127"/>
-              </a:rPr>
-              <a:t>초기 시점 제거</a:t>
-            </a:r>
-            <a:r>
-              <a:rPr lang="en-US" altLang="ko-KR" b="0" i="0">
-                <a:solidFill>
-                  <a:srgbClr val="FF0000"/>
-                </a:solidFill>
-                <a:effectLst/>
-                <a:latin typeface="Söhne"/>
-                <a:ea typeface="나눔스퀘어" panose="020B0600000101010101" pitchFamily="50" charset="-127"/>
+            <a:r>
+              <a:rPr lang="en-US" altLang="ko-KR" sz="2400" b="1" dirty="0">
+                <a:latin typeface="나눔스퀘어 네오 Regular" panose="00000500000000000000" pitchFamily="2" charset="-127"/>
+                <a:ea typeface="나눔스퀘어 네오 Regular" panose="00000500000000000000" pitchFamily="2" charset="-127"/>
+              </a:rPr>
+              <a:t>Dataset 1 (UCLA_CNP) </a:t>
+            </a:r>
+            <a:r>
+              <a:rPr lang="en-US" altLang="ko-KR" sz="2400" dirty="0">
+                <a:latin typeface="나눔스퀘어 네오 Regular" panose="00000500000000000000" pitchFamily="2" charset="-127"/>
+                <a:ea typeface="나눔스퀘어 네오 Regular" panose="00000500000000000000" pitchFamily="2" charset="-127"/>
               </a:rPr>
               <a:t>: </a:t>
             </a:r>
             <a:r>
-              <a:rPr lang="ko-KR" altLang="en-US" b="0" i="0">
-                <a:solidFill>
-                  <a:srgbClr val="FF0000"/>
-                </a:solidFill>
-                <a:effectLst/>
-                <a:latin typeface="Söhne"/>
-                <a:ea typeface="나눔스퀘어" panose="020B0600000101010101" pitchFamily="50" charset="-127"/>
-              </a:rPr>
-              <a:t>최초 </a:t>
-            </a:r>
-            <a:r>
-              <a:rPr lang="en-US" altLang="ko-KR" b="0" i="0">
-                <a:solidFill>
-                  <a:srgbClr val="FF0000"/>
-                </a:solidFill>
-                <a:effectLst/>
-                <a:latin typeface="Söhne"/>
-                <a:ea typeface="나눔스퀘어" panose="020B0600000101010101" pitchFamily="50" charset="-127"/>
-              </a:rPr>
-              <a:t>10</a:t>
-            </a:r>
-            <a:r>
-              <a:rPr lang="ko-KR" altLang="en-US" b="0" i="0">
-                <a:solidFill>
-                  <a:srgbClr val="FF0000"/>
-                </a:solidFill>
-                <a:effectLst/>
-                <a:latin typeface="Söhne"/>
-                <a:ea typeface="나눔스퀘어" panose="020B0600000101010101" pitchFamily="50" charset="-127"/>
-              </a:rPr>
-              <a:t>개 시점의 이미지를 제거하여 </a:t>
-            </a:r>
-            <a:r>
-              <a:rPr lang="en-US" altLang="ko-KR" b="0" i="0">
-                <a:solidFill>
-                  <a:srgbClr val="FF0000"/>
-                </a:solidFill>
-                <a:effectLst/>
-                <a:latin typeface="Söhne"/>
-                <a:ea typeface="나눔스퀘어" panose="020B0600000101010101" pitchFamily="50" charset="-127"/>
-              </a:rPr>
-              <a:t>MRI </a:t>
-            </a:r>
-            <a:r>
-              <a:rPr lang="ko-KR" altLang="en-US" b="0" i="0">
-                <a:solidFill>
-                  <a:srgbClr val="FF0000"/>
-                </a:solidFill>
-                <a:effectLst/>
-                <a:latin typeface="Söhne"/>
-                <a:ea typeface="나눔스퀘어" panose="020B0600000101010101" pitchFamily="50" charset="-127"/>
-              </a:rPr>
-              <a:t>신호의 초기 불안정성의 영향을 최소화</a:t>
-            </a:r>
-            <a:r>
-              <a:rPr lang="en-US" altLang="ko-KR" b="0" i="0">
-                <a:solidFill>
-                  <a:srgbClr val="FF0000"/>
-                </a:solidFill>
-                <a:effectLst/>
-                <a:latin typeface="Söhne"/>
-                <a:ea typeface="나눔스퀘어" panose="020B0600000101010101" pitchFamily="50" charset="-127"/>
-              </a:rPr>
-              <a:t>. (X) </a:t>
-            </a:r>
-          </a:p>
-          <a:p>
-            <a:pPr algn="l">
-              <a:buFont typeface="+mj-lt"/>
-              <a:buAutoNum type="arabicPeriod"/>
-            </a:pPr>
-            <a:r>
-              <a:rPr lang="ko-KR" altLang="en-US" b="1">
-                <a:latin typeface="Söhne"/>
-                <a:ea typeface="나눔스퀘어" panose="020B0600000101010101" pitchFamily="50" charset="-127"/>
-              </a:rPr>
-              <a:t> </a:t>
-            </a:r>
-            <a:r>
-              <a:rPr lang="en-US" altLang="ko-KR" sz="1800" b="1" i="0">
-                <a:effectLst/>
-                <a:latin typeface="Söhne"/>
-                <a:ea typeface="나눔스퀘어" panose="020B0600000101010101" pitchFamily="50" charset="-127"/>
-              </a:rPr>
-              <a:t>acquisition time delay/</a:t>
-            </a:r>
-            <a:r>
-              <a:rPr lang="en-US" altLang="ko-KR" b="1">
-                <a:latin typeface="Söhne"/>
-                <a:ea typeface="나눔스퀘어" panose="020B0600000101010101" pitchFamily="50" charset="-127"/>
-              </a:rPr>
-              <a:t>intravolume</a:t>
-            </a:r>
-            <a:r>
-              <a:rPr lang="ko-KR" altLang="en-US" b="1" i="0">
-                <a:effectLst/>
-                <a:latin typeface="Söhne"/>
-                <a:ea typeface="나눔스퀘어" panose="020B0600000101010101" pitchFamily="50" charset="-127"/>
-              </a:rPr>
-              <a:t> 보정</a:t>
-            </a:r>
-            <a:r>
-              <a:rPr lang="en-US" altLang="ko-KR" b="0" i="0">
-                <a:effectLst/>
-                <a:latin typeface="Söhne"/>
-                <a:ea typeface="나눔스퀘어" panose="020B0600000101010101" pitchFamily="50" charset="-127"/>
+              <a:rPr lang="ko-KR" altLang="en-US" sz="2400" dirty="0">
+                <a:latin typeface="나눔스퀘어 네오 Regular" panose="00000500000000000000" pitchFamily="2" charset="-127"/>
+                <a:ea typeface="나눔스퀘어 네오 Regular" panose="00000500000000000000" pitchFamily="2" charset="-127"/>
+              </a:rPr>
+              <a:t>총</a:t>
+            </a:r>
+            <a:r>
+              <a:rPr lang="en-US" altLang="ko-KR" sz="2400" dirty="0">
+                <a:latin typeface="나눔스퀘어 네오 Regular" panose="00000500000000000000" pitchFamily="2" charset="-127"/>
+                <a:ea typeface="나눔스퀘어 네오 Regular" panose="00000500000000000000" pitchFamily="2" charset="-127"/>
+              </a:rPr>
+              <a:t> 180</a:t>
+            </a:r>
+            <a:r>
+              <a:rPr lang="ko-KR" altLang="en-US" sz="2400" dirty="0">
+                <a:latin typeface="나눔스퀘어 네오 Regular" panose="00000500000000000000" pitchFamily="2" charset="-127"/>
+                <a:ea typeface="나눔스퀘어 네오 Regular" panose="00000500000000000000" pitchFamily="2" charset="-127"/>
+              </a:rPr>
+              <a:t>명 </a:t>
+            </a:r>
+            <a:r>
+              <a:rPr lang="en-US" altLang="ko-KR" sz="2400" dirty="0">
+                <a:latin typeface="나눔스퀘어 네오 Regular" panose="00000500000000000000" pitchFamily="2" charset="-127"/>
+                <a:ea typeface="나눔스퀘어 네오 Regular" panose="00000500000000000000" pitchFamily="2" charset="-127"/>
+              </a:rPr>
+              <a:t>(HC 130, SCZ 50)</a:t>
+            </a:r>
+          </a:p>
+          <a:p>
+            <a:r>
+              <a:rPr lang="en-US" altLang="ko-KR" sz="2400" dirty="0">
+                <a:latin typeface="나눔스퀘어 네오 Regular" panose="00000500000000000000" pitchFamily="2" charset="-127"/>
+                <a:ea typeface="나눔스퀘어 네오 Regular" panose="00000500000000000000" pitchFamily="2" charset="-127"/>
+              </a:rPr>
+              <a:t>			            </a:t>
+            </a:r>
+            <a:r>
+              <a:rPr lang="ko-KR" altLang="en-US" sz="2400" dirty="0" err="1">
+                <a:latin typeface="나눔스퀘어 네오 Regular" panose="00000500000000000000" pitchFamily="2" charset="-127"/>
+                <a:ea typeface="나눔스퀘어 네오 Regular" panose="00000500000000000000" pitchFamily="2" charset="-127"/>
+              </a:rPr>
+              <a:t>전처리</a:t>
+            </a:r>
+            <a:r>
+              <a:rPr lang="ko-KR" altLang="en-US" sz="2400" dirty="0">
+                <a:latin typeface="나눔스퀘어 네오 Regular" panose="00000500000000000000" pitchFamily="2" charset="-127"/>
+                <a:ea typeface="나눔스퀘어 네오 Regular" panose="00000500000000000000" pitchFamily="2" charset="-127"/>
+              </a:rPr>
+              <a:t> 완료</a:t>
+            </a:r>
+            <a:endParaRPr lang="en-US" altLang="ko-KR" sz="2400" dirty="0">
+              <a:latin typeface="나눔스퀘어 네오 Regular" panose="00000500000000000000" pitchFamily="2" charset="-127"/>
+              <a:ea typeface="나눔스퀘어 네오 Regular" panose="00000500000000000000" pitchFamily="2" charset="-127"/>
+            </a:endParaRPr>
+          </a:p>
+          <a:p>
+            <a:endParaRPr lang="en-US" altLang="ko-KR" sz="2400" dirty="0">
+              <a:latin typeface="나눔스퀘어 네오 Regular" panose="00000500000000000000" pitchFamily="2" charset="-127"/>
+              <a:ea typeface="나눔스퀘어 네오 Regular" panose="00000500000000000000" pitchFamily="2" charset="-127"/>
+            </a:endParaRPr>
+          </a:p>
+          <a:p>
+            <a:r>
+              <a:rPr lang="en-US" altLang="ko-KR" sz="2400" b="1" dirty="0">
+                <a:latin typeface="나눔스퀘어 네오 Regular" panose="00000500000000000000" pitchFamily="2" charset="-127"/>
+                <a:ea typeface="나눔스퀘어 네오 Regular" panose="00000500000000000000" pitchFamily="2" charset="-127"/>
+              </a:rPr>
+              <a:t>Dataset 2 (COBRE) </a:t>
+            </a:r>
+            <a:r>
+              <a:rPr lang="en-US" altLang="ko-KR" sz="2400" dirty="0">
+                <a:latin typeface="나눔스퀘어 네오 Regular" panose="00000500000000000000" pitchFamily="2" charset="-127"/>
+                <a:ea typeface="나눔스퀘어 네오 Regular" panose="00000500000000000000" pitchFamily="2" charset="-127"/>
               </a:rPr>
               <a:t>: </a:t>
             </a:r>
             <a:r>
-              <a:rPr lang="en-US" altLang="ko-KR">
-                <a:latin typeface="Söhne"/>
-                <a:ea typeface="나눔스퀘어" panose="020B0600000101010101" pitchFamily="50" charset="-127"/>
-              </a:rPr>
-              <a:t>slice</a:t>
-            </a:r>
-            <a:r>
-              <a:rPr lang="ko-KR" altLang="en-US">
-                <a:latin typeface="Söhne"/>
-                <a:ea typeface="나눔스퀘어" panose="020B0600000101010101" pitchFamily="50" charset="-127"/>
-              </a:rPr>
-              <a:t> </a:t>
-            </a:r>
-            <a:r>
-              <a:rPr lang="en-US" altLang="ko-KR">
-                <a:latin typeface="Söhne"/>
-                <a:ea typeface="나눔스퀘어" panose="020B0600000101010101" pitchFamily="50" charset="-127"/>
-              </a:rPr>
-              <a:t>timing</a:t>
-            </a:r>
-            <a:r>
-              <a:rPr lang="ko-KR" altLang="en-US">
-                <a:latin typeface="Söhne"/>
-                <a:ea typeface="나눔스퀘어" panose="020B0600000101010101" pitchFamily="50" charset="-127"/>
-              </a:rPr>
-              <a:t> 보정을 통해 </a:t>
-            </a:r>
-            <a:r>
-              <a:rPr lang="ko-KR" altLang="en-US" b="0" i="0">
-                <a:effectLst/>
-                <a:latin typeface="Söhne"/>
-                <a:ea typeface="나눔스퀘어" panose="020B0600000101010101" pitchFamily="50" charset="-127"/>
-              </a:rPr>
-              <a:t>이미지 내 시간 지연 보정을 수행</a:t>
-            </a:r>
-            <a:r>
-              <a:rPr lang="en-US" altLang="ko-KR" b="0" i="0">
-                <a:effectLst/>
-                <a:latin typeface="Söhne"/>
-                <a:ea typeface="나눔스퀘어" panose="020B0600000101010101" pitchFamily="50" charset="-127"/>
-              </a:rPr>
-              <a:t>.</a:t>
-            </a:r>
-          </a:p>
-          <a:p>
-            <a:pPr algn="l">
-              <a:buFont typeface="+mj-lt"/>
-              <a:buAutoNum type="arabicPeriod"/>
-            </a:pPr>
-            <a:r>
-              <a:rPr lang="ko-KR" altLang="en-US" b="1" i="0">
-                <a:effectLst/>
-                <a:latin typeface="Söhne"/>
-                <a:ea typeface="나눔스퀘어" panose="020B0600000101010101" pitchFamily="50" charset="-127"/>
-              </a:rPr>
-              <a:t>운동 아티팩트 교정</a:t>
-            </a:r>
-            <a:r>
-              <a:rPr lang="en-US" altLang="ko-KR" b="0" i="0">
-                <a:effectLst/>
-                <a:latin typeface="Söhne"/>
-                <a:ea typeface="나눔스퀘어" panose="020B0600000101010101" pitchFamily="50" charset="-127"/>
-              </a:rPr>
-              <a:t>:</a:t>
-            </a:r>
-          </a:p>
-          <a:p>
-            <a:pPr marL="742950" lvl="1" indent="-285750" algn="l">
-              <a:buFont typeface="+mj-lt"/>
-              <a:buAutoNum type="arabicPeriod"/>
-            </a:pPr>
-            <a:r>
-              <a:rPr lang="en-US" altLang="ko-KR" b="0" i="0">
-                <a:solidFill>
-                  <a:srgbClr val="FF0000"/>
-                </a:solidFill>
-                <a:effectLst/>
-                <a:latin typeface="Söhne"/>
-                <a:ea typeface="나눔스퀘어" panose="020B0600000101010101" pitchFamily="50" charset="-127"/>
-              </a:rPr>
-              <a:t>Friston</a:t>
-            </a:r>
-            <a:r>
-              <a:rPr lang="ko-KR" altLang="en-US" b="0" i="0">
-                <a:solidFill>
-                  <a:srgbClr val="FF0000"/>
-                </a:solidFill>
-                <a:effectLst/>
-                <a:latin typeface="Söhne"/>
-                <a:ea typeface="나눔스퀘어" panose="020B0600000101010101" pitchFamily="50" charset="-127"/>
-              </a:rPr>
-              <a:t>의 </a:t>
-            </a:r>
-            <a:r>
-              <a:rPr lang="en-US" altLang="ko-KR" b="0" i="0">
-                <a:solidFill>
-                  <a:srgbClr val="FF0000"/>
-                </a:solidFill>
-                <a:effectLst/>
-                <a:latin typeface="Söhne"/>
-                <a:ea typeface="나눔스퀘어" panose="020B0600000101010101" pitchFamily="50" charset="-127"/>
-              </a:rPr>
-              <a:t>24-</a:t>
-            </a:r>
-            <a:r>
-              <a:rPr lang="ko-KR" altLang="en-US" b="0" i="0">
-                <a:solidFill>
-                  <a:srgbClr val="FF0000"/>
-                </a:solidFill>
-                <a:effectLst/>
-                <a:latin typeface="Söhne"/>
-                <a:ea typeface="나눔스퀘어" panose="020B0600000101010101" pitchFamily="50" charset="-127"/>
-              </a:rPr>
-              <a:t>파라미터 보정 적용</a:t>
-            </a:r>
-            <a:r>
-              <a:rPr lang="en-US" altLang="ko-KR" b="0" i="0">
-                <a:solidFill>
-                  <a:srgbClr val="FF0000"/>
-                </a:solidFill>
-                <a:effectLst/>
-                <a:latin typeface="Söhne"/>
-                <a:ea typeface="나눔스퀘어" panose="020B0600000101010101" pitchFamily="50" charset="-127"/>
-              </a:rPr>
-              <a:t>. (6 parameter(3</a:t>
-            </a:r>
-            <a:r>
-              <a:rPr lang="ko-KR" altLang="en-US" b="0" i="0">
-                <a:solidFill>
-                  <a:srgbClr val="FF0000"/>
-                </a:solidFill>
-                <a:effectLst/>
-                <a:latin typeface="Söhne"/>
-                <a:ea typeface="나눔스퀘어" panose="020B0600000101010101" pitchFamily="50" charset="-127"/>
-              </a:rPr>
-              <a:t>회전</a:t>
-            </a:r>
-            <a:r>
-              <a:rPr lang="en-US" altLang="ko-KR" b="0" i="0">
-                <a:solidFill>
-                  <a:srgbClr val="FF0000"/>
-                </a:solidFill>
-                <a:effectLst/>
-                <a:latin typeface="Söhne"/>
-                <a:ea typeface="나눔스퀘어" panose="020B0600000101010101" pitchFamily="50" charset="-127"/>
-              </a:rPr>
-              <a:t>, 3</a:t>
-            </a:r>
-            <a:r>
-              <a:rPr lang="ko-KR" altLang="en-US" b="0" i="0">
-                <a:solidFill>
-                  <a:srgbClr val="FF0000"/>
-                </a:solidFill>
-                <a:effectLst/>
-                <a:latin typeface="Söhne"/>
-                <a:ea typeface="나눔스퀘어" panose="020B0600000101010101" pitchFamily="50" charset="-127"/>
-              </a:rPr>
-              <a:t>이동</a:t>
-            </a:r>
-            <a:r>
-              <a:rPr lang="en-US" altLang="ko-KR" b="0" i="0">
-                <a:solidFill>
-                  <a:srgbClr val="FF0000"/>
-                </a:solidFill>
-                <a:effectLst/>
-                <a:latin typeface="Söhne"/>
-                <a:ea typeface="나눔스퀘어" panose="020B0600000101010101" pitchFamily="50" charset="-127"/>
-              </a:rPr>
-              <a:t>))</a:t>
-            </a:r>
-          </a:p>
-          <a:p>
-            <a:pPr marL="742950" lvl="1" indent="-285750" algn="l">
-              <a:buFont typeface="+mj-lt"/>
-              <a:buAutoNum type="arabicPeriod"/>
-            </a:pPr>
-            <a:r>
-              <a:rPr lang="en-US" altLang="ko-KR" b="0" i="0">
-                <a:solidFill>
-                  <a:srgbClr val="FF0000"/>
-                </a:solidFill>
-                <a:effectLst/>
-                <a:latin typeface="Söhne"/>
-                <a:ea typeface="나눔스퀘어" panose="020B0600000101010101" pitchFamily="50" charset="-127"/>
-              </a:rPr>
-              <a:t>Power </a:t>
-            </a:r>
-            <a:r>
-              <a:rPr lang="ko-KR" altLang="en-US" b="0" i="0">
-                <a:solidFill>
-                  <a:srgbClr val="FF0000"/>
-                </a:solidFill>
-                <a:effectLst/>
-                <a:latin typeface="Söhne"/>
-                <a:ea typeface="나눔스퀘어" panose="020B0600000101010101" pitchFamily="50" charset="-127"/>
-              </a:rPr>
-              <a:t>등이 제안한 </a:t>
-            </a:r>
-            <a:r>
-              <a:rPr lang="en-US" altLang="ko-KR" b="0" i="0">
-                <a:solidFill>
-                  <a:srgbClr val="FF0000"/>
-                </a:solidFill>
-                <a:effectLst/>
-                <a:latin typeface="Söhne"/>
-                <a:ea typeface="나눔스퀘어" panose="020B0600000101010101" pitchFamily="50" charset="-127"/>
-              </a:rPr>
-              <a:t>"head motion scrubbing" </a:t>
-            </a:r>
-            <a:r>
-              <a:rPr lang="ko-KR" altLang="en-US" b="0" i="0">
-                <a:solidFill>
-                  <a:srgbClr val="FF0000"/>
-                </a:solidFill>
-                <a:effectLst/>
-                <a:latin typeface="Söhne"/>
-                <a:ea typeface="나눔스퀘어" panose="020B0600000101010101" pitchFamily="50" charset="-127"/>
-              </a:rPr>
-              <a:t>방법 적용</a:t>
-            </a:r>
-            <a:r>
-              <a:rPr lang="en-US" altLang="ko-KR" b="0" i="0">
-                <a:solidFill>
-                  <a:srgbClr val="FF0000"/>
-                </a:solidFill>
-                <a:effectLst/>
-                <a:latin typeface="Söhne"/>
-                <a:ea typeface="나눔스퀘어" panose="020B0600000101010101" pitchFamily="50" charset="-127"/>
-              </a:rPr>
-              <a:t>. (X)</a:t>
-            </a:r>
-          </a:p>
-          <a:p>
-            <a:pPr marL="742950" lvl="1" indent="-285750" algn="l">
-              <a:buFont typeface="+mj-lt"/>
-              <a:buAutoNum type="arabicPeriod"/>
-            </a:pPr>
-            <a:r>
-              <a:rPr lang="ko-KR" altLang="en-US" b="0" i="0">
-                <a:solidFill>
-                  <a:srgbClr val="FF0000"/>
-                </a:solidFill>
-                <a:effectLst/>
-                <a:latin typeface="Söhne"/>
-                <a:ea typeface="나눔스퀘어" panose="020B0600000101010101" pitchFamily="50" charset="-127"/>
-              </a:rPr>
-              <a:t>프레임별 변위</a:t>
-            </a:r>
-            <a:r>
-              <a:rPr lang="en-US" altLang="ko-KR" b="0" i="0">
-                <a:solidFill>
-                  <a:srgbClr val="FF0000"/>
-                </a:solidFill>
-                <a:effectLst/>
-                <a:latin typeface="Söhne"/>
-                <a:ea typeface="나눔스퀘어" panose="020B0600000101010101" pitchFamily="50" charset="-127"/>
-              </a:rPr>
-              <a:t>(FD)</a:t>
-            </a:r>
-            <a:r>
-              <a:rPr lang="ko-KR" altLang="en-US" b="0" i="0">
-                <a:solidFill>
-                  <a:srgbClr val="FF0000"/>
-                </a:solidFill>
-                <a:effectLst/>
-                <a:latin typeface="Söhne"/>
-                <a:ea typeface="나눔스퀘어" panose="020B0600000101010101" pitchFamily="50" charset="-127"/>
-              </a:rPr>
-              <a:t>가 </a:t>
-            </a:r>
-            <a:r>
-              <a:rPr lang="en-US" altLang="ko-KR" b="0" i="0">
-                <a:solidFill>
-                  <a:srgbClr val="FF0000"/>
-                </a:solidFill>
-                <a:effectLst/>
-                <a:latin typeface="Söhne"/>
-                <a:ea typeface="나눔스퀘어" panose="020B0600000101010101" pitchFamily="50" charset="-127"/>
-              </a:rPr>
-              <a:t>0.5mm </a:t>
-            </a:r>
-            <a:r>
-              <a:rPr lang="ko-KR" altLang="en-US" b="0" i="0">
-                <a:solidFill>
-                  <a:srgbClr val="FF0000"/>
-                </a:solidFill>
-                <a:effectLst/>
-                <a:latin typeface="Söhne"/>
-                <a:ea typeface="나눔스퀘어" panose="020B0600000101010101" pitchFamily="50" charset="-127"/>
-              </a:rPr>
-              <a:t>이상인 볼륨을 식별하고 제외</a:t>
-            </a:r>
-            <a:r>
-              <a:rPr lang="en-US" altLang="ko-KR" b="0" i="0">
-                <a:solidFill>
-                  <a:srgbClr val="FF0000"/>
-                </a:solidFill>
-                <a:effectLst/>
-                <a:latin typeface="Söhne"/>
-                <a:ea typeface="나눔스퀘어" panose="020B0600000101010101" pitchFamily="50" charset="-127"/>
-              </a:rPr>
-              <a:t>. (X)</a:t>
-            </a:r>
-          </a:p>
-          <a:p>
-            <a:pPr algn="l">
-              <a:buFont typeface="+mj-lt"/>
-              <a:buAutoNum type="arabicPeriod"/>
-            </a:pPr>
-            <a:r>
-              <a:rPr lang="ko-KR" altLang="en-US" b="1" i="0">
-                <a:effectLst/>
-                <a:latin typeface="Söhne"/>
-                <a:ea typeface="나눔스퀘어" panose="020B0600000101010101" pitchFamily="50" charset="-127"/>
-              </a:rPr>
-              <a:t>공간 정규화</a:t>
-            </a:r>
-            <a:r>
-              <a:rPr lang="en-US" altLang="ko-KR" b="0" i="0">
-                <a:effectLst/>
-                <a:latin typeface="Söhne"/>
-                <a:ea typeface="나눔스퀘어" panose="020B0600000101010101" pitchFamily="50" charset="-127"/>
+              <a:rPr lang="ko-KR" altLang="en-US" sz="2400" dirty="0">
+                <a:latin typeface="나눔스퀘어 네오 Regular" panose="00000500000000000000" pitchFamily="2" charset="-127"/>
+                <a:ea typeface="나눔스퀘어 네오 Regular" panose="00000500000000000000" pitchFamily="2" charset="-127"/>
+              </a:rPr>
+              <a:t>총 </a:t>
+            </a:r>
+            <a:r>
+              <a:rPr lang="en-US" altLang="ko-KR" sz="2400" dirty="0">
+                <a:latin typeface="나눔스퀘어 네오 Regular" panose="00000500000000000000" pitchFamily="2" charset="-127"/>
+                <a:ea typeface="나눔스퀘어 네오 Regular" panose="00000500000000000000" pitchFamily="2" charset="-127"/>
+              </a:rPr>
+              <a:t>144</a:t>
+            </a:r>
+            <a:r>
+              <a:rPr lang="ko-KR" altLang="en-US" sz="2400" dirty="0">
+                <a:latin typeface="나눔스퀘어 네오 Regular" panose="00000500000000000000" pitchFamily="2" charset="-127"/>
+                <a:ea typeface="나눔스퀘어 네오 Regular" panose="00000500000000000000" pitchFamily="2" charset="-127"/>
+              </a:rPr>
+              <a:t>명 </a:t>
+            </a:r>
+            <a:r>
+              <a:rPr lang="en-US" altLang="ko-KR" sz="2400" dirty="0">
+                <a:latin typeface="나눔스퀘어 네오 Regular" panose="00000500000000000000" pitchFamily="2" charset="-127"/>
+                <a:ea typeface="나눔스퀘어 네오 Regular" panose="00000500000000000000" pitchFamily="2" charset="-127"/>
+              </a:rPr>
+              <a:t>(HC 73, SCZ 71)</a:t>
+            </a:r>
+          </a:p>
+          <a:p>
+            <a:r>
+              <a:rPr lang="en-US" altLang="ko-KR" sz="2400" dirty="0">
+                <a:latin typeface="나눔스퀘어 네오 Regular" panose="00000500000000000000" pitchFamily="2" charset="-127"/>
+                <a:ea typeface="나눔스퀘어 네오 Regular" panose="00000500000000000000" pitchFamily="2" charset="-127"/>
+              </a:rPr>
+              <a:t>		                </a:t>
+            </a:r>
+            <a:r>
+              <a:rPr lang="ko-KR" altLang="en-US" sz="2400" dirty="0" err="1">
+                <a:latin typeface="나눔스퀘어 네오 Regular" panose="00000500000000000000" pitchFamily="2" charset="-127"/>
+                <a:ea typeface="나눔스퀘어 네오 Regular" panose="00000500000000000000" pitchFamily="2" charset="-127"/>
+              </a:rPr>
+              <a:t>전처리</a:t>
+            </a:r>
+            <a:r>
+              <a:rPr lang="ko-KR" altLang="en-US" sz="2400" dirty="0">
+                <a:latin typeface="나눔스퀘어 네오 Regular" panose="00000500000000000000" pitchFamily="2" charset="-127"/>
+                <a:ea typeface="나눔스퀘어 네오 Regular" panose="00000500000000000000" pitchFamily="2" charset="-127"/>
+              </a:rPr>
+              <a:t> 완료</a:t>
+            </a:r>
+            <a:endParaRPr lang="en-US" altLang="ko-KR" sz="2400" dirty="0">
+              <a:latin typeface="나눔스퀘어 네오 Regular" panose="00000500000000000000" pitchFamily="2" charset="-127"/>
+              <a:ea typeface="나눔스퀘어 네오 Regular" panose="00000500000000000000" pitchFamily="2" charset="-127"/>
+            </a:endParaRPr>
+          </a:p>
+          <a:p>
+            <a:endParaRPr lang="en-US" altLang="ko-KR" sz="2400" dirty="0">
+              <a:latin typeface="나눔스퀘어 네오 Regular" panose="00000500000000000000" pitchFamily="2" charset="-127"/>
+              <a:ea typeface="나눔스퀘어 네오 Regular" panose="00000500000000000000" pitchFamily="2" charset="-127"/>
+            </a:endParaRPr>
+          </a:p>
+          <a:p>
+            <a:r>
+              <a:rPr lang="en-US" altLang="ko-KR" sz="2400" b="1" dirty="0">
+                <a:latin typeface="나눔스퀘어 네오 Regular" panose="00000500000000000000" pitchFamily="2" charset="-127"/>
+                <a:ea typeface="나눔스퀘어 네오 Regular" panose="00000500000000000000" pitchFamily="2" charset="-127"/>
+              </a:rPr>
+              <a:t>Dataset 3 (DecNef-SRPBS_1600) </a:t>
+            </a:r>
+            <a:r>
+              <a:rPr lang="en-US" altLang="ko-KR" sz="2400" dirty="0">
+                <a:latin typeface="나눔스퀘어 네오 Regular" panose="00000500000000000000" pitchFamily="2" charset="-127"/>
+                <a:ea typeface="나눔스퀘어 네오 Regular" panose="00000500000000000000" pitchFamily="2" charset="-127"/>
               </a:rPr>
               <a:t>: </a:t>
             </a:r>
             <a:r>
-              <a:rPr lang="ko-KR" altLang="en-US" b="0" i="0">
-                <a:effectLst/>
-                <a:latin typeface="Söhne"/>
-                <a:ea typeface="나눔스퀘어" panose="020B0600000101010101" pitchFamily="50" charset="-127"/>
-              </a:rPr>
-              <a:t>이미지를 </a:t>
-            </a:r>
-            <a:r>
-              <a:rPr lang="en-US" altLang="ko-KR" b="0" i="0">
-                <a:effectLst/>
-                <a:latin typeface="Söhne"/>
-                <a:ea typeface="나눔스퀘어" panose="020B0600000101010101" pitchFamily="50" charset="-127"/>
-              </a:rPr>
-              <a:t>MNI 152 </a:t>
-            </a:r>
-            <a:r>
-              <a:rPr lang="ko-KR" altLang="en-US" b="0" i="0">
-                <a:effectLst/>
-                <a:latin typeface="Söhne"/>
-                <a:ea typeface="나눔스퀘어" panose="020B0600000101010101" pitchFamily="50" charset="-127"/>
-              </a:rPr>
-              <a:t>템플릿으로 </a:t>
-            </a:r>
-            <a:r>
-              <a:rPr lang="en-US" altLang="ko-KR" b="0" i="0">
-                <a:solidFill>
-                  <a:srgbClr val="FF0000"/>
-                </a:solidFill>
-                <a:effectLst/>
-                <a:latin typeface="Söhne"/>
-                <a:ea typeface="나눔스퀘어" panose="020B0600000101010101" pitchFamily="50" charset="-127"/>
-              </a:rPr>
-              <a:t>3 × 3 × 3mm^3</a:t>
-            </a:r>
-            <a:r>
-              <a:rPr lang="ko-KR" altLang="en-US" b="0" i="0">
-                <a:effectLst/>
-                <a:latin typeface="Söhne"/>
-                <a:ea typeface="나눔스퀘어" panose="020B0600000101010101" pitchFamily="50" charset="-127"/>
-              </a:rPr>
-              <a:t>로 정규화</a:t>
-            </a:r>
-            <a:r>
-              <a:rPr lang="en-US" altLang="ko-KR" b="0" i="0">
-                <a:effectLst/>
-                <a:latin typeface="Söhne"/>
-                <a:ea typeface="나눔스퀘어" panose="020B0600000101010101" pitchFamily="50" charset="-127"/>
-              </a:rPr>
-              <a:t>.(</a:t>
-            </a:r>
-            <a:r>
-              <a:rPr lang="en-US" altLang="ko-KR">
-                <a:latin typeface="Söhne"/>
-                <a:ea typeface="나눔스퀘어" panose="020B0600000101010101" pitchFamily="50" charset="-127"/>
-              </a:rPr>
-              <a:t>frmi-prep 22.02</a:t>
-            </a:r>
-            <a:r>
-              <a:rPr lang="ko-KR" altLang="en-US">
-                <a:latin typeface="Söhne"/>
-                <a:ea typeface="나눔스퀘어" panose="020B0600000101010101" pitchFamily="50" charset="-127"/>
-              </a:rPr>
-              <a:t>에서는 </a:t>
-            </a:r>
-            <a:r>
-              <a:rPr lang="en-US" altLang="ko-KR" b="0" i="0">
-                <a:effectLst/>
-                <a:latin typeface="Söhne"/>
-                <a:ea typeface="나눔스퀘어" panose="020B0600000101010101" pitchFamily="50" charset="-127"/>
-              </a:rPr>
-              <a:t>MNI152NLin6Asym template</a:t>
-            </a:r>
-            <a:r>
-              <a:rPr lang="ko-KR" altLang="en-US" b="0" i="0">
-                <a:effectLst/>
-                <a:latin typeface="Söhne"/>
-                <a:ea typeface="나눔스퀘어" panose="020B0600000101010101" pitchFamily="50" charset="-127"/>
-              </a:rPr>
-              <a:t>을 기본적으로 사용</a:t>
-            </a:r>
-            <a:r>
-              <a:rPr lang="en-US" altLang="ko-KR" b="0" i="0">
-                <a:effectLst/>
-                <a:latin typeface="Söhne"/>
-                <a:ea typeface="나눔스퀘어" panose="020B0600000101010101" pitchFamily="50" charset="-127"/>
-              </a:rPr>
-              <a:t>, 1x1x1 mm )</a:t>
-            </a:r>
-          </a:p>
-          <a:p>
-            <a:pPr algn="l">
-              <a:buFont typeface="+mj-lt"/>
-              <a:buAutoNum type="arabicPeriod"/>
-            </a:pPr>
-            <a:r>
-              <a:rPr lang="ko-KR" altLang="en-US" b="1" i="0">
-                <a:solidFill>
-                  <a:srgbClr val="FF0000"/>
-                </a:solidFill>
-                <a:effectLst/>
-                <a:latin typeface="Söhne"/>
-                <a:ea typeface="나눔스퀘어" panose="020B0600000101010101" pitchFamily="50" charset="-127"/>
-              </a:rPr>
-              <a:t>선형 디트렌딩 및 시간 대역 필터링</a:t>
-            </a:r>
-            <a:r>
-              <a:rPr lang="en-US" altLang="ko-KR" b="0" i="0">
-                <a:solidFill>
-                  <a:srgbClr val="FF0000"/>
-                </a:solidFill>
-                <a:effectLst/>
-                <a:latin typeface="Söhne"/>
-                <a:ea typeface="나눔스퀘어" panose="020B0600000101010101" pitchFamily="50" charset="-127"/>
-              </a:rPr>
-              <a:t>: 0.01–0.08 Hz </a:t>
-            </a:r>
-            <a:r>
-              <a:rPr lang="ko-KR" altLang="en-US" b="0" i="0">
-                <a:solidFill>
-                  <a:srgbClr val="FF0000"/>
-                </a:solidFill>
-                <a:effectLst/>
-                <a:latin typeface="Söhne"/>
-                <a:ea typeface="나눔스퀘어" panose="020B0600000101010101" pitchFamily="50" charset="-127"/>
-              </a:rPr>
-              <a:t>대역으로 </a:t>
-            </a:r>
-            <a:r>
-              <a:rPr lang="en-US" altLang="ko-KR" b="0" i="0">
-                <a:solidFill>
-                  <a:srgbClr val="FF0000"/>
-                </a:solidFill>
-                <a:effectLst/>
-                <a:latin typeface="Söhne"/>
-                <a:ea typeface="나눔스퀘어" panose="020B0600000101010101" pitchFamily="50" charset="-127"/>
-              </a:rPr>
-              <a:t>bandpass </a:t>
-            </a:r>
-            <a:r>
-              <a:rPr lang="ko-KR" altLang="en-US" b="0" i="0">
-                <a:solidFill>
-                  <a:srgbClr val="FF0000"/>
-                </a:solidFill>
-                <a:effectLst/>
-                <a:latin typeface="Söhne"/>
-                <a:ea typeface="나눔스퀘어" panose="020B0600000101010101" pitchFamily="50" charset="-127"/>
-              </a:rPr>
-              <a:t>필터링</a:t>
-            </a:r>
-            <a:r>
-              <a:rPr lang="en-US" altLang="ko-KR" b="0" i="0">
-                <a:solidFill>
-                  <a:srgbClr val="FF0000"/>
-                </a:solidFill>
-                <a:effectLst/>
-                <a:latin typeface="Söhne"/>
-                <a:ea typeface="나눔스퀘어" panose="020B0600000101010101" pitchFamily="50" charset="-127"/>
-              </a:rPr>
-              <a:t>, </a:t>
-            </a:r>
-            <a:r>
-              <a:rPr lang="ko-KR" altLang="en-US" b="0" i="0">
-                <a:solidFill>
-                  <a:srgbClr val="FF0000"/>
-                </a:solidFill>
-                <a:effectLst/>
-                <a:latin typeface="Söhne"/>
-                <a:ea typeface="나눔스퀘어" panose="020B0600000101010101" pitchFamily="50" charset="-127"/>
-              </a:rPr>
-              <a:t>저주파 드리프트 및 고주파 생리적 노이즈 제거 </a:t>
-            </a:r>
-            <a:r>
-              <a:rPr lang="en-US" altLang="ko-KR" b="0" i="0">
-                <a:solidFill>
-                  <a:srgbClr val="FF0000"/>
-                </a:solidFill>
-                <a:effectLst/>
-                <a:latin typeface="Söhne"/>
-                <a:ea typeface="나눔스퀘어" panose="020B0600000101010101" pitchFamily="50" charset="-127"/>
-              </a:rPr>
-              <a:t>(</a:t>
-            </a:r>
-            <a:r>
-              <a:rPr lang="en-US" altLang="ko-KR">
-                <a:solidFill>
-                  <a:srgbClr val="FF0000"/>
-                </a:solidFill>
-                <a:latin typeface="Söhne"/>
-                <a:ea typeface="나눔스퀘어" panose="020B0600000101010101" pitchFamily="50" charset="-127"/>
-              </a:rPr>
-              <a:t>X)</a:t>
-            </a:r>
-            <a:endParaRPr lang="en-US" altLang="ko-KR" b="0" i="0">
-              <a:solidFill>
-                <a:srgbClr val="FF0000"/>
-              </a:solidFill>
-              <a:effectLst/>
-              <a:latin typeface="Söhne"/>
-              <a:ea typeface="나눔스퀘어" panose="020B0600000101010101" pitchFamily="50" charset="-127"/>
+              <a:rPr lang="ko-KR" altLang="en-US" sz="2400" dirty="0">
+                <a:latin typeface="나눔스퀘어 네오 Regular" panose="00000500000000000000" pitchFamily="2" charset="-127"/>
+                <a:ea typeface="나눔스퀘어 네오 Regular" panose="00000500000000000000" pitchFamily="2" charset="-127"/>
+              </a:rPr>
+              <a:t>총</a:t>
+            </a:r>
+            <a:r>
+              <a:rPr lang="en-US" altLang="ko-KR" sz="2400" dirty="0">
+                <a:latin typeface="나눔스퀘어 네오 Regular" panose="00000500000000000000" pitchFamily="2" charset="-127"/>
+                <a:ea typeface="나눔스퀘어 네오 Regular" panose="00000500000000000000" pitchFamily="2" charset="-127"/>
+              </a:rPr>
+              <a:t> 1627</a:t>
+            </a:r>
+            <a:r>
+              <a:rPr lang="ko-KR" altLang="en-US" sz="2400" dirty="0">
+                <a:latin typeface="나눔스퀘어 네오 Regular" panose="00000500000000000000" pitchFamily="2" charset="-127"/>
+                <a:ea typeface="나눔스퀘어 네오 Regular" panose="00000500000000000000" pitchFamily="2" charset="-127"/>
+              </a:rPr>
+              <a:t>명 </a:t>
+            </a:r>
+            <a:endParaRPr lang="en-US" altLang="ko-KR" sz="2400" dirty="0">
+              <a:latin typeface="나눔스퀘어 네오 Regular" panose="00000500000000000000" pitchFamily="2" charset="-127"/>
+              <a:ea typeface="나눔스퀘어 네오 Regular" panose="00000500000000000000" pitchFamily="2" charset="-127"/>
             </a:endParaRPr>
           </a:p>
           <a:p>
-            <a:pPr algn="l">
-              <a:buFont typeface="+mj-lt"/>
-              <a:buAutoNum type="arabicPeriod"/>
-            </a:pPr>
-            <a:r>
-              <a:rPr lang="ko-KR" altLang="en-US" b="1" i="0">
-                <a:solidFill>
-                  <a:srgbClr val="FF0000"/>
-                </a:solidFill>
-                <a:effectLst/>
-                <a:latin typeface="Söhne"/>
-                <a:ea typeface="나눔스퀘어" panose="020B0600000101010101" pitchFamily="50" charset="-127"/>
-              </a:rPr>
-              <a:t>신호 회귀</a:t>
-            </a:r>
-            <a:r>
-              <a:rPr lang="en-US" altLang="ko-KR" b="0" i="0">
-                <a:solidFill>
-                  <a:srgbClr val="FF0000"/>
-                </a:solidFill>
-                <a:effectLst/>
-                <a:latin typeface="Söhne"/>
-                <a:ea typeface="나눔스퀘어" panose="020B0600000101010101" pitchFamily="50" charset="-127"/>
-              </a:rPr>
-              <a:t>: </a:t>
-            </a:r>
-            <a:r>
-              <a:rPr lang="ko-KR" altLang="en-US" b="0" i="0">
-                <a:solidFill>
-                  <a:srgbClr val="FF0000"/>
-                </a:solidFill>
-                <a:effectLst/>
-                <a:latin typeface="Söhne"/>
-                <a:ea typeface="나눔스퀘어" panose="020B0600000101010101" pitchFamily="50" charset="-127"/>
-              </a:rPr>
-              <a:t>전역 신호</a:t>
-            </a:r>
-            <a:r>
-              <a:rPr lang="en-US" altLang="ko-KR" b="0" i="0">
-                <a:solidFill>
-                  <a:srgbClr val="FF0000"/>
-                </a:solidFill>
-                <a:effectLst/>
-                <a:latin typeface="Söhne"/>
-                <a:ea typeface="나눔스퀘어" panose="020B0600000101010101" pitchFamily="50" charset="-127"/>
-              </a:rPr>
-              <a:t>, </a:t>
-            </a:r>
-            <a:r>
-              <a:rPr lang="ko-KR" altLang="en-US" b="0" i="0">
-                <a:solidFill>
-                  <a:srgbClr val="FF0000"/>
-                </a:solidFill>
-                <a:effectLst/>
-                <a:latin typeface="Söhne"/>
-                <a:ea typeface="나눔스퀘어" panose="020B0600000101010101" pitchFamily="50" charset="-127"/>
-              </a:rPr>
-              <a:t>백질 신호</a:t>
-            </a:r>
-            <a:r>
-              <a:rPr lang="en-US" altLang="ko-KR" b="0" i="0">
-                <a:solidFill>
-                  <a:srgbClr val="FF0000"/>
-                </a:solidFill>
-                <a:effectLst/>
-                <a:latin typeface="Söhne"/>
-                <a:ea typeface="나눔스퀘어" panose="020B0600000101010101" pitchFamily="50" charset="-127"/>
-              </a:rPr>
-              <a:t>, </a:t>
-            </a:r>
-            <a:r>
-              <a:rPr lang="ko-KR" altLang="en-US" b="0" i="0">
-                <a:solidFill>
-                  <a:srgbClr val="FF0000"/>
-                </a:solidFill>
-                <a:effectLst/>
-                <a:latin typeface="Söhne"/>
-                <a:ea typeface="나눔스퀘어" panose="020B0600000101010101" pitchFamily="50" charset="-127"/>
-              </a:rPr>
-              <a:t>뇌척수액 신호 및 운동 파라미터를 제거</a:t>
-            </a:r>
-            <a:r>
-              <a:rPr lang="en-US" altLang="ko-KR" b="0" i="0">
-                <a:solidFill>
-                  <a:srgbClr val="FF0000"/>
-                </a:solidFill>
-                <a:effectLst/>
-                <a:latin typeface="Söhne"/>
-                <a:ea typeface="나눔스퀘어" panose="020B0600000101010101" pitchFamily="50" charset="-127"/>
-              </a:rPr>
-              <a:t>. (X)</a:t>
-            </a:r>
+            <a:r>
+              <a:rPr lang="en-US" altLang="ko-KR" sz="2400" dirty="0">
+                <a:latin typeface="나눔스퀘어 네오 Regular" panose="00000500000000000000" pitchFamily="2" charset="-127"/>
+                <a:ea typeface="나눔스퀘어 네오 Regular" panose="00000500000000000000" pitchFamily="2" charset="-127"/>
+              </a:rPr>
+              <a:t>					          </a:t>
+            </a:r>
+            <a:r>
+              <a:rPr lang="ko-KR" altLang="en-US" sz="2400" dirty="0" err="1">
+                <a:highlight>
+                  <a:srgbClr val="C0C0C0"/>
+                </a:highlight>
+                <a:latin typeface="나눔스퀘어 네오 Regular" panose="00000500000000000000" pitchFamily="2" charset="-127"/>
+                <a:ea typeface="나눔스퀘어 네오 Regular" panose="00000500000000000000" pitchFamily="2" charset="-127"/>
+              </a:rPr>
+              <a:t>전처리</a:t>
+            </a:r>
+            <a:r>
+              <a:rPr lang="ko-KR" altLang="en-US" sz="2400" dirty="0">
+                <a:highlight>
+                  <a:srgbClr val="C0C0C0"/>
+                </a:highlight>
+                <a:latin typeface="나눔스퀘어 네오 Regular" panose="00000500000000000000" pitchFamily="2" charset="-127"/>
+                <a:ea typeface="나눔스퀘어 네오 Regular" panose="00000500000000000000" pitchFamily="2" charset="-127"/>
+              </a:rPr>
+              <a:t> 방법을 아직 모름</a:t>
+            </a:r>
+            <a:r>
+              <a:rPr lang="en-US" altLang="ko-KR" sz="2400" dirty="0">
+                <a:highlight>
+                  <a:srgbClr val="C0C0C0"/>
+                </a:highlight>
+                <a:latin typeface="나눔스퀘어 네오 Regular" panose="00000500000000000000" pitchFamily="2" charset="-127"/>
+                <a:ea typeface="나눔스퀘어 네오 Regular" panose="00000500000000000000" pitchFamily="2" charset="-127"/>
+              </a:rPr>
+              <a:t>. </a:t>
+            </a:r>
+            <a:r>
+              <a:rPr lang="ko-KR" altLang="en-US" sz="2400" dirty="0">
+                <a:highlight>
+                  <a:srgbClr val="C0C0C0"/>
+                </a:highlight>
+                <a:latin typeface="나눔스퀘어 네오 Regular" panose="00000500000000000000" pitchFamily="2" charset="-127"/>
+                <a:ea typeface="나눔스퀘어 네오 Regular" panose="00000500000000000000" pitchFamily="2" charset="-127"/>
+              </a:rPr>
+              <a:t>진행 예정</a:t>
+            </a:r>
+            <a:endParaRPr lang="en-US" altLang="ko-KR" sz="2400" dirty="0">
+              <a:highlight>
+                <a:srgbClr val="C0C0C0"/>
+              </a:highlight>
+              <a:latin typeface="나눔스퀘어 네오 Regular" panose="00000500000000000000" pitchFamily="2" charset="-127"/>
+              <a:ea typeface="나눔스퀘어 네오 Regular" panose="00000500000000000000" pitchFamily="2" charset="-127"/>
+            </a:endParaRPr>
           </a:p>
         </p:txBody>
       </p:sp>
     </p:spTree>
     <p:extLst>
       <p:ext uri="{BB962C8B-B14F-4D97-AF65-F5344CB8AC3E}">
-        <p14:creationId xmlns:p14="http://schemas.microsoft.com/office/powerpoint/2010/main" val="1291285437"/>
+        <p14:creationId xmlns:p14="http://schemas.microsoft.com/office/powerpoint/2010/main" val="3238490155"/>
       </p:ext>
     </p:extLst>
   </p:cSld>
@@ -5731,13 +6121,7 @@
   <p:cSld>
     <p:spTree>
       <p:nvGrpSpPr>
-        <p:cNvPr id="1" name="">
-          <a:extLst>
-            <a:ext uri="{FF2B5EF4-FFF2-40B4-BE49-F238E27FC236}">
-              <a16:creationId xmlns:a16="http://schemas.microsoft.com/office/drawing/2014/main" id="{64A473B1-2EB1-91A1-2EE7-EF1A96B7C025}"/>
-            </a:ext>
-          </a:extLst>
-        </p:cNvPr>
+        <p:cNvPr id="1" name=""/>
         <p:cNvGrpSpPr/>
         <p:nvPr/>
       </p:nvGrpSpPr>
@@ -5754,7 +6138,7 @@
           <p:cNvPr id="2" name="제목 1">
             <a:extLst>
               <a:ext uri="{FF2B5EF4-FFF2-40B4-BE49-F238E27FC236}">
-                <a16:creationId xmlns:a16="http://schemas.microsoft.com/office/drawing/2014/main" id="{2731AA2E-B205-6576-369E-70DC5316FAAB}"/>
+                <a16:creationId xmlns:a16="http://schemas.microsoft.com/office/drawing/2014/main" id="{602B09FB-A092-A83F-3F9C-CA1E7ED0EB81}"/>
               </a:ext>
             </a:extLst>
           </p:cNvPr>
@@ -5765,134 +6149,474 @@
             <p:ph type="title"/>
           </p:nvPr>
         </p:nvSpPr>
-        <p:spPr/>
-        <p:txBody>
-          <a:bodyPr/>
+        <p:spPr>
+          <a:xfrm>
+            <a:off x="509587" y="0"/>
+            <a:ext cx="10515600" cy="1325563"/>
+          </a:xfrm>
+        </p:spPr>
+        <p:txBody>
+          <a:bodyPr>
+            <a:normAutofit/>
+          </a:bodyPr>
           <a:lstStyle/>
           <a:p>
             <a:r>
-              <a:rPr lang="en-US" altLang="ko-KR" dirty="0"/>
-              <a:t>1. fMRI data preprocessing(</a:t>
-            </a:r>
-            <a:r>
-              <a:rPr lang="en-US" altLang="ko-KR" dirty="0" err="1"/>
-              <a:t>fmri</a:t>
-            </a:r>
-            <a:r>
-              <a:rPr lang="en-US" altLang="ko-KR" dirty="0"/>
-              <a:t>-prep) </a:t>
-            </a:r>
-            <a:endParaRPr lang="ko-KR" altLang="en-US" dirty="0"/>
-          </a:p>
-        </p:txBody>
-      </p:sp>
-      <p:sp>
-        <p:nvSpPr>
-          <p:cNvPr id="3" name="내용 개체 틀 2">
-            <a:extLst>
-              <a:ext uri="{FF2B5EF4-FFF2-40B4-BE49-F238E27FC236}">
-                <a16:creationId xmlns:a16="http://schemas.microsoft.com/office/drawing/2014/main" id="{558F9AC2-6B15-9439-6B53-51B2CD377955}"/>
-              </a:ext>
-            </a:extLst>
-          </p:cNvPr>
-          <p:cNvSpPr>
-            <a:spLocks noGrp="1"/>
-          </p:cNvSpPr>
-          <p:nvPr>
-            <p:ph idx="1"/>
-          </p:nvPr>
-        </p:nvSpPr>
-        <p:spPr/>
-        <p:txBody>
-          <a:bodyPr/>
+              <a:rPr lang="en-US" altLang="ko-KR" sz="3200" dirty="0"/>
+              <a:t>1. fMRI data preprocessing</a:t>
+            </a:r>
+            <a:endParaRPr lang="ko-KR" altLang="en-US" sz="3200" dirty="0"/>
+          </a:p>
+        </p:txBody>
+      </p:sp>
+      <p:sp>
+        <p:nvSpPr>
+          <p:cNvPr id="6" name="TextBox 5">
+            <a:extLst>
+              <a:ext uri="{FF2B5EF4-FFF2-40B4-BE49-F238E27FC236}">
+                <a16:creationId xmlns:a16="http://schemas.microsoft.com/office/drawing/2014/main" id="{F7AC2A24-20D4-4254-9A60-15948DB9282A}"/>
+              </a:ext>
+            </a:extLst>
+          </p:cNvPr>
+          <p:cNvSpPr txBox="1"/>
+          <p:nvPr/>
+        </p:nvSpPr>
+        <p:spPr>
+          <a:xfrm>
+            <a:off x="357465" y="1498583"/>
+            <a:ext cx="3162302" cy="707886"/>
+          </a:xfrm>
+          <a:prstGeom prst="rect">
+            <a:avLst/>
+          </a:prstGeom>
+          <a:noFill/>
+        </p:spPr>
+        <p:txBody>
+          <a:bodyPr wrap="square">
+            <a:spAutoFit/>
+          </a:bodyPr>
           <a:lstStyle/>
           <a:p>
-            <a:pPr marL="0" indent="0">
-              <a:buNone/>
+            <a:r>
+              <a:rPr lang="en-US" altLang="ko-KR" sz="2000" b="1" dirty="0">
+                <a:latin typeface="나눔스퀘어 네오 Regular" panose="00000500000000000000" pitchFamily="2" charset="-127"/>
+                <a:ea typeface="나눔스퀘어 네오 Regular" panose="00000500000000000000" pitchFamily="2" charset="-127"/>
+              </a:rPr>
+              <a:t>Tool</a:t>
+            </a:r>
+            <a:r>
+              <a:rPr lang="ko-KR" altLang="en-US" sz="2000" dirty="0">
+                <a:latin typeface="나눔스퀘어 네오 Regular" panose="00000500000000000000" pitchFamily="2" charset="-127"/>
+                <a:ea typeface="나눔스퀘어 네오 Regular" panose="00000500000000000000" pitchFamily="2" charset="-127"/>
+              </a:rPr>
+              <a:t> </a:t>
+            </a:r>
+            <a:r>
+              <a:rPr lang="en-US" altLang="ko-KR" sz="2000" dirty="0">
+                <a:latin typeface="나눔스퀘어 네오 Regular" panose="00000500000000000000" pitchFamily="2" charset="-127"/>
+                <a:ea typeface="나눔스퀘어 네오 Regular" panose="00000500000000000000" pitchFamily="2" charset="-127"/>
+              </a:rPr>
+              <a:t>:</a:t>
+            </a:r>
+            <a:r>
+              <a:rPr lang="ko-KR" altLang="en-US" sz="2000" dirty="0">
+                <a:latin typeface="나눔스퀘어 네오 Regular" panose="00000500000000000000" pitchFamily="2" charset="-127"/>
+                <a:ea typeface="나눔스퀘어 네오 Regular" panose="00000500000000000000" pitchFamily="2" charset="-127"/>
+              </a:rPr>
+              <a:t> </a:t>
+            </a:r>
+            <a:r>
+              <a:rPr lang="en-US" altLang="ko-KR" sz="2000" dirty="0" err="1">
+                <a:latin typeface="나눔스퀘어 네오 Regular" panose="00000500000000000000" pitchFamily="2" charset="-127"/>
+                <a:ea typeface="나눔스퀘어 네오 Regular" panose="00000500000000000000" pitchFamily="2" charset="-127"/>
+              </a:rPr>
+              <a:t>fmriprep</a:t>
+            </a:r>
+            <a:r>
+              <a:rPr lang="en-US" altLang="ko-KR" sz="2000" dirty="0">
+                <a:latin typeface="나눔스퀘어 네오 Regular" panose="00000500000000000000" pitchFamily="2" charset="-127"/>
+                <a:ea typeface="나눔스퀘어 네오 Regular" panose="00000500000000000000" pitchFamily="2" charset="-127"/>
+              </a:rPr>
+              <a:t> 22.02</a:t>
+            </a:r>
+          </a:p>
+          <a:p>
+            <a:endParaRPr lang="en-US" altLang="ko-KR" sz="2000" dirty="0">
+              <a:latin typeface="나눔스퀘어 네오 Regular" panose="00000500000000000000" pitchFamily="2" charset="-127"/>
+              <a:ea typeface="나눔스퀘어 네오 Regular" panose="00000500000000000000" pitchFamily="2" charset="-127"/>
+            </a:endParaRPr>
+          </a:p>
+        </p:txBody>
+      </p:sp>
+      <p:sp>
+        <p:nvSpPr>
+          <p:cNvPr id="7" name="TextBox 6">
+            <a:extLst>
+              <a:ext uri="{FF2B5EF4-FFF2-40B4-BE49-F238E27FC236}">
+                <a16:creationId xmlns:a16="http://schemas.microsoft.com/office/drawing/2014/main" id="{15239D3D-B60C-4195-B8ED-94B733D21882}"/>
+              </a:ext>
+            </a:extLst>
+          </p:cNvPr>
+          <p:cNvSpPr txBox="1"/>
+          <p:nvPr/>
+        </p:nvSpPr>
+        <p:spPr>
+          <a:xfrm>
+            <a:off x="357465" y="2379490"/>
+            <a:ext cx="11834535" cy="2356286"/>
+          </a:xfrm>
+          <a:prstGeom prst="rect">
+            <a:avLst/>
+          </a:prstGeom>
+          <a:noFill/>
+        </p:spPr>
+        <p:txBody>
+          <a:bodyPr wrap="square">
+            <a:spAutoFit/>
+          </a:bodyPr>
+          <a:lstStyle/>
+          <a:p>
+            <a:pPr>
+              <a:lnSpc>
+                <a:spcPct val="150000"/>
+              </a:lnSpc>
             </a:pPr>
             <a:r>
-              <a:rPr lang="en-US" altLang="ko-KR"/>
-              <a:t>Dataset 1 (UCLA_CNP)</a:t>
-            </a:r>
-          </a:p>
-          <a:p>
-            <a:pPr marL="0" indent="0">
-              <a:buNone/>
+              <a:rPr lang="en-US" altLang="ko-KR" sz="2000" dirty="0">
+                <a:latin typeface="나눔스퀘어 네오 Regular" panose="00000500000000000000" pitchFamily="2" charset="-127"/>
+                <a:ea typeface="나눔스퀘어 네오 Regular" panose="00000500000000000000" pitchFamily="2" charset="-127"/>
+              </a:rPr>
+              <a:t>1. </a:t>
+            </a:r>
+            <a:r>
+              <a:rPr lang="en-US" altLang="ko-KR" sz="2000" b="1" dirty="0">
+                <a:latin typeface="나눔스퀘어 네오 Regular" panose="00000500000000000000" pitchFamily="2" charset="-127"/>
+                <a:ea typeface="나눔스퀘어 네오 Regular" panose="00000500000000000000" pitchFamily="2" charset="-127"/>
+              </a:rPr>
+              <a:t>skull-stripping</a:t>
+            </a:r>
+            <a:r>
+              <a:rPr lang="en-US" altLang="ko-KR" sz="2000" dirty="0">
+                <a:latin typeface="나눔스퀘어 네오 Regular" panose="00000500000000000000" pitchFamily="2" charset="-127"/>
+                <a:ea typeface="나눔스퀘어 네오 Regular" panose="00000500000000000000" pitchFamily="2" charset="-127"/>
+              </a:rPr>
+              <a:t> : </a:t>
+            </a:r>
+            <a:r>
+              <a:rPr lang="ko-KR" altLang="en-US" sz="2000" dirty="0">
+                <a:latin typeface="나눔스퀘어 네오 Regular" panose="00000500000000000000" pitchFamily="2" charset="-127"/>
+                <a:ea typeface="나눔스퀘어 네오 Regular" panose="00000500000000000000" pitchFamily="2" charset="-127"/>
+              </a:rPr>
+              <a:t>두개골</a:t>
+            </a:r>
+            <a:r>
+              <a:rPr lang="en-US" altLang="ko-KR" sz="2000" dirty="0">
+                <a:latin typeface="나눔스퀘어 네오 Regular" panose="00000500000000000000" pitchFamily="2" charset="-127"/>
+                <a:ea typeface="나눔스퀘어 네오 Regular" panose="00000500000000000000" pitchFamily="2" charset="-127"/>
+              </a:rPr>
+              <a:t>, </a:t>
+            </a:r>
+            <a:r>
+              <a:rPr lang="ko-KR" altLang="en-US" sz="2000" dirty="0" err="1">
+                <a:latin typeface="나눔스퀘어 네오 Regular" panose="00000500000000000000" pitchFamily="2" charset="-127"/>
+                <a:ea typeface="나눔스퀘어 네오 Regular" panose="00000500000000000000" pitchFamily="2" charset="-127"/>
+              </a:rPr>
+              <a:t>비뇌조직</a:t>
+            </a:r>
+            <a:r>
+              <a:rPr lang="ko-KR" altLang="en-US" sz="2000" dirty="0">
+                <a:latin typeface="나눔스퀘어 네오 Regular" panose="00000500000000000000" pitchFamily="2" charset="-127"/>
+                <a:ea typeface="나눔스퀘어 네오 Regular" panose="00000500000000000000" pitchFamily="2" charset="-127"/>
+              </a:rPr>
+              <a:t> 제거</a:t>
+            </a:r>
+            <a:endParaRPr lang="en-US" altLang="ko-KR" sz="2000" dirty="0">
+              <a:latin typeface="나눔스퀘어 네오 Regular" panose="00000500000000000000" pitchFamily="2" charset="-127"/>
+              <a:ea typeface="나눔스퀘어 네오 Regular" panose="00000500000000000000" pitchFamily="2" charset="-127"/>
+            </a:endParaRPr>
+          </a:p>
+          <a:p>
+            <a:pPr>
+              <a:lnSpc>
+                <a:spcPct val="150000"/>
+              </a:lnSpc>
             </a:pPr>
             <a:r>
-              <a:rPr lang="en-US" altLang="ko-KR"/>
-              <a:t>Subject</a:t>
-            </a:r>
-            <a:r>
-              <a:rPr lang="ko-KR" altLang="en-US"/>
+              <a:rPr lang="en-US" altLang="ko-KR" sz="2000" dirty="0">
+                <a:latin typeface="나눔스퀘어 네오 Regular" panose="00000500000000000000" pitchFamily="2" charset="-127"/>
+                <a:ea typeface="나눔스퀘어 네오 Regular" panose="00000500000000000000" pitchFamily="2" charset="-127"/>
+              </a:rPr>
+              <a:t>2. </a:t>
+            </a:r>
+            <a:r>
+              <a:rPr lang="en-US" altLang="ko-KR" sz="2000" b="1" dirty="0">
+                <a:latin typeface="나눔스퀘어 네오 Regular" panose="00000500000000000000" pitchFamily="2" charset="-127"/>
+                <a:ea typeface="나눔스퀘어 네오 Regular" panose="00000500000000000000" pitchFamily="2" charset="-127"/>
+              </a:rPr>
+              <a:t>acquisition time delay(</a:t>
+            </a:r>
+            <a:r>
+              <a:rPr lang="en-US" altLang="ko-KR" sz="2000" b="1" dirty="0" err="1">
+                <a:latin typeface="나눔스퀘어 네오 Regular" panose="00000500000000000000" pitchFamily="2" charset="-127"/>
+                <a:ea typeface="나눔스퀘어 네오 Regular" panose="00000500000000000000" pitchFamily="2" charset="-127"/>
+              </a:rPr>
+              <a:t>intravolume</a:t>
+            </a:r>
+            <a:r>
+              <a:rPr lang="en-US" altLang="ko-KR" sz="2000" b="1" dirty="0">
+                <a:latin typeface="나눔스퀘어 네오 Regular" panose="00000500000000000000" pitchFamily="2" charset="-127"/>
+                <a:ea typeface="나눔스퀘어 네오 Regular" panose="00000500000000000000" pitchFamily="2" charset="-127"/>
+              </a:rPr>
+              <a:t>) </a:t>
+            </a:r>
+            <a:r>
+              <a:rPr lang="ko-KR" altLang="en-US" sz="2000" b="1" dirty="0">
+                <a:latin typeface="나눔스퀘어 네오 Regular" panose="00000500000000000000" pitchFamily="2" charset="-127"/>
+                <a:ea typeface="나눔스퀘어 네오 Regular" panose="00000500000000000000" pitchFamily="2" charset="-127"/>
+              </a:rPr>
+              <a:t>보정</a:t>
+            </a:r>
+            <a:r>
+              <a:rPr lang="ko-KR" altLang="en-US" sz="2000" dirty="0">
+                <a:latin typeface="나눔스퀘어 네오 Regular" panose="00000500000000000000" pitchFamily="2" charset="-127"/>
+                <a:ea typeface="나눔스퀘어 네오 Regular" panose="00000500000000000000" pitchFamily="2" charset="-127"/>
+              </a:rPr>
               <a:t> </a:t>
             </a:r>
             <a:r>
-              <a:rPr lang="en-US" altLang="ko-KR"/>
-              <a:t>272</a:t>
-            </a:r>
-            <a:r>
-              <a:rPr lang="ko-KR" altLang="en-US"/>
-              <a:t>명 중</a:t>
-            </a:r>
-            <a:r>
-              <a:rPr lang="en-US" altLang="ko-KR"/>
-              <a:t> 263</a:t>
-            </a:r>
-            <a:r>
-              <a:rPr lang="ko-KR" altLang="en-US"/>
-              <a:t>명</a:t>
-            </a:r>
-            <a:endParaRPr lang="en-US" altLang="ko-KR"/>
-          </a:p>
-          <a:p>
-            <a:pPr marL="0" indent="0">
-              <a:buNone/>
+              <a:rPr lang="en-US" altLang="ko-KR" sz="2000" dirty="0">
+                <a:latin typeface="나눔스퀘어 네오 Regular" panose="00000500000000000000" pitchFamily="2" charset="-127"/>
+                <a:ea typeface="나눔스퀘어 네오 Regular" panose="00000500000000000000" pitchFamily="2" charset="-127"/>
+              </a:rPr>
+              <a:t>: slice timing</a:t>
+            </a:r>
+            <a:r>
+              <a:rPr lang="ko-KR" altLang="en-US" sz="2000" dirty="0">
+                <a:latin typeface="나눔스퀘어 네오 Regular" panose="00000500000000000000" pitchFamily="2" charset="-127"/>
+                <a:ea typeface="나눔스퀘어 네오 Regular" panose="00000500000000000000" pitchFamily="2" charset="-127"/>
+              </a:rPr>
+              <a:t> 보정</a:t>
+            </a:r>
+            <a:endParaRPr lang="en-US" altLang="ko-KR" sz="2000" dirty="0">
+              <a:latin typeface="나눔스퀘어 네오 Regular" panose="00000500000000000000" pitchFamily="2" charset="-127"/>
+              <a:ea typeface="나눔스퀘어 네오 Regular" panose="00000500000000000000" pitchFamily="2" charset="-127"/>
+            </a:endParaRPr>
+          </a:p>
+          <a:p>
+            <a:pPr>
+              <a:lnSpc>
+                <a:spcPct val="150000"/>
+              </a:lnSpc>
             </a:pPr>
-            <a:endParaRPr lang="en-US" altLang="ko-KR"/>
-          </a:p>
-          <a:p>
-            <a:pPr marL="0" indent="0">
-              <a:buNone/>
+            <a:r>
+              <a:rPr lang="en-US" altLang="ko-KR" sz="2000" dirty="0">
+                <a:latin typeface="나눔스퀘어 네오 Regular" panose="00000500000000000000" pitchFamily="2" charset="-127"/>
+                <a:ea typeface="나눔스퀘어 네오 Regular" panose="00000500000000000000" pitchFamily="2" charset="-127"/>
+              </a:rPr>
+              <a:t>3. </a:t>
+            </a:r>
+            <a:r>
+              <a:rPr lang="en-US" altLang="ko-KR" sz="2000" b="1" dirty="0">
+                <a:latin typeface="나눔스퀘어 네오 Regular" panose="00000500000000000000" pitchFamily="2" charset="-127"/>
+                <a:ea typeface="나눔스퀘어 네오 Regular" panose="00000500000000000000" pitchFamily="2" charset="-127"/>
+              </a:rPr>
+              <a:t>Head motion artifacts </a:t>
+            </a:r>
+            <a:r>
+              <a:rPr lang="ko-KR" altLang="en-US" sz="2000" b="1" dirty="0">
+                <a:latin typeface="나눔스퀘어 네오 Regular" panose="00000500000000000000" pitchFamily="2" charset="-127"/>
+                <a:ea typeface="나눔스퀘어 네오 Regular" panose="00000500000000000000" pitchFamily="2" charset="-127"/>
+              </a:rPr>
+              <a:t>보정 </a:t>
+            </a:r>
+            <a:r>
+              <a:rPr lang="en-US" altLang="ko-KR" sz="2000" dirty="0">
+                <a:latin typeface="나눔스퀘어 네오 Regular" panose="00000500000000000000" pitchFamily="2" charset="-127"/>
+                <a:ea typeface="나눔스퀘어 네오 Regular" panose="00000500000000000000" pitchFamily="2" charset="-127"/>
+              </a:rPr>
+              <a:t>: 6 motion</a:t>
+            </a:r>
+            <a:r>
+              <a:rPr lang="ko-KR" altLang="en-US" sz="2000" dirty="0">
+                <a:latin typeface="나눔스퀘어 네오 Regular" panose="00000500000000000000" pitchFamily="2" charset="-127"/>
+                <a:ea typeface="나눔스퀘어 네오 Regular" panose="00000500000000000000" pitchFamily="2" charset="-127"/>
+              </a:rPr>
+              <a:t> </a:t>
+            </a:r>
+            <a:r>
+              <a:rPr lang="en-US" altLang="ko-KR" sz="2000" dirty="0">
+                <a:latin typeface="나눔스퀘어 네오 Regular" panose="00000500000000000000" pitchFamily="2" charset="-127"/>
+                <a:ea typeface="나눔스퀘어 네오 Regular" panose="00000500000000000000" pitchFamily="2" charset="-127"/>
+              </a:rPr>
+              <a:t>parameters(</a:t>
+            </a:r>
+            <a:r>
+              <a:rPr lang="ko-KR" altLang="en-US" sz="2000" dirty="0">
+                <a:latin typeface="나눔스퀘어 네오 Regular" panose="00000500000000000000" pitchFamily="2" charset="-127"/>
+                <a:ea typeface="나눔스퀘어 네오 Regular" panose="00000500000000000000" pitchFamily="2" charset="-127"/>
+              </a:rPr>
+              <a:t>회전</a:t>
+            </a:r>
+            <a:r>
+              <a:rPr lang="en-US" altLang="ko-KR" sz="2000" dirty="0">
+                <a:latin typeface="나눔스퀘어 네오 Regular" panose="00000500000000000000" pitchFamily="2" charset="-127"/>
+                <a:ea typeface="나눔스퀘어 네오 Regular" panose="00000500000000000000" pitchFamily="2" charset="-127"/>
+              </a:rPr>
+              <a:t> 3</a:t>
+            </a:r>
+            <a:r>
+              <a:rPr lang="ko-KR" altLang="en-US" sz="2000" dirty="0">
+                <a:latin typeface="나눔스퀘어 네오 Regular" panose="00000500000000000000" pitchFamily="2" charset="-127"/>
+                <a:ea typeface="나눔스퀘어 네오 Regular" panose="00000500000000000000" pitchFamily="2" charset="-127"/>
+              </a:rPr>
+              <a:t>개</a:t>
+            </a:r>
+            <a:r>
+              <a:rPr lang="en-US" altLang="ko-KR" sz="2000" dirty="0">
+                <a:latin typeface="나눔스퀘어 네오 Regular" panose="00000500000000000000" pitchFamily="2" charset="-127"/>
+                <a:ea typeface="나눔스퀘어 네오 Regular" panose="00000500000000000000" pitchFamily="2" charset="-127"/>
+              </a:rPr>
+              <a:t>, </a:t>
+            </a:r>
+            <a:r>
+              <a:rPr lang="ko-KR" altLang="en-US" sz="2000" dirty="0">
+                <a:latin typeface="나눔스퀘어 네오 Regular" panose="00000500000000000000" pitchFamily="2" charset="-127"/>
+                <a:ea typeface="나눔스퀘어 네오 Regular" panose="00000500000000000000" pitchFamily="2" charset="-127"/>
+              </a:rPr>
+              <a:t>이동 </a:t>
+            </a:r>
+            <a:r>
+              <a:rPr lang="en-US" altLang="ko-KR" sz="2000" dirty="0">
+                <a:latin typeface="나눔스퀘어 네오 Regular" panose="00000500000000000000" pitchFamily="2" charset="-127"/>
+                <a:ea typeface="나눔스퀘어 네오 Regular" panose="00000500000000000000" pitchFamily="2" charset="-127"/>
+              </a:rPr>
+              <a:t>3</a:t>
+            </a:r>
+            <a:r>
+              <a:rPr lang="ko-KR" altLang="en-US" sz="2000" dirty="0">
+                <a:latin typeface="나눔스퀘어 네오 Regular" panose="00000500000000000000" pitchFamily="2" charset="-127"/>
+                <a:ea typeface="나눔스퀘어 네오 Regular" panose="00000500000000000000" pitchFamily="2" charset="-127"/>
+              </a:rPr>
+              <a:t>개</a:t>
+            </a:r>
+            <a:r>
+              <a:rPr lang="en-US" altLang="ko-KR" sz="2000" dirty="0">
+                <a:latin typeface="나눔스퀘어 네오 Regular" panose="00000500000000000000" pitchFamily="2" charset="-127"/>
+                <a:ea typeface="나눔스퀘어 네오 Regular" panose="00000500000000000000" pitchFamily="2" charset="-127"/>
+              </a:rPr>
+              <a:t>)</a:t>
+            </a:r>
+          </a:p>
+          <a:p>
+            <a:pPr>
+              <a:lnSpc>
+                <a:spcPct val="150000"/>
+              </a:lnSpc>
             </a:pPr>
             <a:r>
-              <a:rPr lang="en-US" altLang="ko-KR"/>
-              <a:t>Dataset 2 (COBRE)</a:t>
-            </a:r>
-          </a:p>
-          <a:p>
-            <a:pPr marL="0" indent="0">
-              <a:buNone/>
-            </a:pPr>
-            <a:r>
-              <a:rPr lang="en-US" altLang="ko-KR"/>
-              <a:t>Subject 148</a:t>
-            </a:r>
-            <a:r>
-              <a:rPr lang="ko-KR" altLang="en-US"/>
-              <a:t>명 중</a:t>
-            </a:r>
-            <a:r>
-              <a:rPr lang="en-US" altLang="ko-KR"/>
-              <a:t> 148</a:t>
-            </a:r>
-            <a:r>
-              <a:rPr lang="ko-KR" altLang="en-US"/>
-              <a:t>명</a:t>
-            </a:r>
-          </a:p>
-          <a:p>
-            <a:pPr marL="0" indent="0">
-              <a:buNone/>
-            </a:pPr>
-            <a:endParaRPr lang="en-US" altLang="ko-KR"/>
+              <a:rPr lang="en-US" altLang="ko-KR" sz="2000" dirty="0">
+                <a:latin typeface="나눔스퀘어 네오 Regular" panose="00000500000000000000" pitchFamily="2" charset="-127"/>
+                <a:ea typeface="나눔스퀘어 네오 Regular" panose="00000500000000000000" pitchFamily="2" charset="-127"/>
+              </a:rPr>
+              <a:t>4. </a:t>
+            </a:r>
+            <a:r>
+              <a:rPr lang="ko-KR" altLang="en-US" sz="2000" b="1" dirty="0">
+                <a:latin typeface="나눔스퀘어 네오 Regular" panose="00000500000000000000" pitchFamily="2" charset="-127"/>
+                <a:ea typeface="나눔스퀘어 네오 Regular" panose="00000500000000000000" pitchFamily="2" charset="-127"/>
+              </a:rPr>
+              <a:t>공간 정규화 </a:t>
+            </a:r>
+            <a:r>
+              <a:rPr lang="en-US" altLang="ko-KR" sz="2000" dirty="0">
+                <a:latin typeface="나눔스퀘어 네오 Regular" panose="00000500000000000000" pitchFamily="2" charset="-127"/>
+                <a:ea typeface="나눔스퀘어 네오 Regular" panose="00000500000000000000" pitchFamily="2" charset="-127"/>
+              </a:rPr>
+              <a:t>: </a:t>
+            </a:r>
+            <a:r>
+              <a:rPr lang="ko-KR" altLang="en-US" sz="2000" dirty="0">
+                <a:latin typeface="나눔스퀘어 네오 Regular" panose="00000500000000000000" pitchFamily="2" charset="-127"/>
+                <a:ea typeface="나눔스퀘어 네오 Regular" panose="00000500000000000000" pitchFamily="2" charset="-127"/>
+              </a:rPr>
+              <a:t>개인의 </a:t>
+            </a:r>
+            <a:r>
+              <a:rPr lang="en-US" altLang="ko-KR" sz="2000" dirty="0">
+                <a:latin typeface="나눔스퀘어 네오 Regular" panose="00000500000000000000" pitchFamily="2" charset="-127"/>
+                <a:ea typeface="나눔스퀘어 네오 Regular" panose="00000500000000000000" pitchFamily="2" charset="-127"/>
+              </a:rPr>
+              <a:t>brain</a:t>
+            </a:r>
+            <a:r>
+              <a:rPr lang="ko-KR" altLang="en-US" sz="2000" dirty="0">
+                <a:latin typeface="나눔스퀘어 네오 Regular" panose="00000500000000000000" pitchFamily="2" charset="-127"/>
+                <a:ea typeface="나눔스퀘어 네오 Regular" panose="00000500000000000000" pitchFamily="2" charset="-127"/>
+              </a:rPr>
+              <a:t> </a:t>
+            </a:r>
+            <a:r>
+              <a:rPr lang="en-US" altLang="ko-KR" sz="2000" dirty="0">
+                <a:latin typeface="나눔스퀘어 네오 Regular" panose="00000500000000000000" pitchFamily="2" charset="-127"/>
+                <a:ea typeface="나눔스퀘어 네오 Regular" panose="00000500000000000000" pitchFamily="2" charset="-127"/>
+              </a:rPr>
+              <a:t>image</a:t>
+            </a:r>
+            <a:r>
+              <a:rPr lang="ko-KR" altLang="en-US" sz="2000" dirty="0">
+                <a:latin typeface="나눔스퀘어 네오 Regular" panose="00000500000000000000" pitchFamily="2" charset="-127"/>
+                <a:ea typeface="나눔스퀘어 네오 Regular" panose="00000500000000000000" pitchFamily="2" charset="-127"/>
+              </a:rPr>
+              <a:t>를 표준 뇌 공간</a:t>
+            </a:r>
+            <a:r>
+              <a:rPr lang="en-US" altLang="ko-KR" sz="2000" dirty="0">
+                <a:latin typeface="나눔스퀘어 네오 Regular" panose="00000500000000000000" pitchFamily="2" charset="-127"/>
+                <a:ea typeface="나눔스퀘어 네오 Regular" panose="00000500000000000000" pitchFamily="2" charset="-127"/>
+              </a:rPr>
+              <a:t>(</a:t>
+            </a:r>
+            <a:r>
+              <a:rPr lang="en-US" altLang="ko-KR" sz="2000" b="0" i="0" dirty="0">
+                <a:effectLst/>
+                <a:latin typeface="나눔스퀘어 네오 Regular" panose="00000500000000000000" pitchFamily="2" charset="-127"/>
+                <a:ea typeface="나눔스퀘어 네오 Regular" panose="00000500000000000000" pitchFamily="2" charset="-127"/>
+              </a:rPr>
+              <a:t>MNI152NLin6Asym template</a:t>
+            </a:r>
+            <a:r>
+              <a:rPr lang="en-US" altLang="ko-KR" sz="1400" b="0" i="0" dirty="0">
+                <a:effectLst/>
+                <a:latin typeface="나눔스퀘어 네오 Regular" panose="00000500000000000000" pitchFamily="2" charset="-127"/>
+                <a:ea typeface="나눔스퀘어 네오 Regular" panose="00000500000000000000" pitchFamily="2" charset="-127"/>
+              </a:rPr>
+              <a:t>)(1X1X1mm^3</a:t>
+            </a:r>
+            <a:r>
+              <a:rPr lang="en-US" altLang="ko-KR" sz="1400" dirty="0">
+                <a:latin typeface="나눔스퀘어 네오 Regular" panose="00000500000000000000" pitchFamily="2" charset="-127"/>
+                <a:ea typeface="나눔스퀘어 네오 Regular" panose="00000500000000000000" pitchFamily="2" charset="-127"/>
+              </a:rPr>
+              <a:t>)</a:t>
+            </a:r>
+            <a:r>
+              <a:rPr lang="ko-KR" altLang="en-US" sz="2000" dirty="0">
+                <a:latin typeface="나눔스퀘어 네오 Regular" panose="00000500000000000000" pitchFamily="2" charset="-127"/>
+                <a:ea typeface="나눔스퀘어 네오 Regular" panose="00000500000000000000" pitchFamily="2" charset="-127"/>
+              </a:rPr>
+              <a:t>으로 정규화</a:t>
+            </a:r>
+            <a:endParaRPr lang="en-US" altLang="ko-KR" sz="2000" dirty="0">
+              <a:latin typeface="나눔스퀘어 네오 Regular" panose="00000500000000000000" pitchFamily="2" charset="-127"/>
+              <a:ea typeface="나눔스퀘어 네오 Regular" panose="00000500000000000000" pitchFamily="2" charset="-127"/>
+            </a:endParaRPr>
           </a:p>
         </p:txBody>
       </p:sp>
     </p:spTree>
     <p:extLst>
       <p:ext uri="{BB962C8B-B14F-4D97-AF65-F5344CB8AC3E}">
-        <p14:creationId xmlns:p14="http://schemas.microsoft.com/office/powerpoint/2010/main" val="3625852953"/>
+        <p14:creationId xmlns:p14="http://schemas.microsoft.com/office/powerpoint/2010/main" val="1291285437"/>
       </p:ext>
     </p:extLst>
   </p:cSld>
@@ -5903,6 +6627,590 @@
 </file>
 
 <file path=ppt/slides/slide5.xml><?xml version="1.0" encoding="utf-8"?>
+<p:sld xmlns:a="http://schemas.openxmlformats.org/drawingml/2006/main" xmlns:r="http://schemas.openxmlformats.org/officeDocument/2006/relationships" xmlns:p="http://schemas.openxmlformats.org/presentationml/2006/main">
+  <p:cSld>
+    <p:spTree>
+      <p:nvGrpSpPr>
+        <p:cNvPr id="1" name=""/>
+        <p:cNvGrpSpPr/>
+        <p:nvPr/>
+      </p:nvGrpSpPr>
+      <p:grpSpPr>
+        <a:xfrm>
+          <a:off x="0" y="0"/>
+          <a:ext cx="0" cy="0"/>
+          <a:chOff x="0" y="0"/>
+          <a:chExt cx="0" cy="0"/>
+        </a:xfrm>
+      </p:grpSpPr>
+      <p:sp>
+        <p:nvSpPr>
+          <p:cNvPr id="2" name="제목 1">
+            <a:extLst>
+              <a:ext uri="{FF2B5EF4-FFF2-40B4-BE49-F238E27FC236}">
+                <a16:creationId xmlns:a16="http://schemas.microsoft.com/office/drawing/2014/main" id="{602B09FB-A092-A83F-3F9C-CA1E7ED0EB81}"/>
+              </a:ext>
+            </a:extLst>
+          </p:cNvPr>
+          <p:cNvSpPr>
+            <a:spLocks noGrp="1"/>
+          </p:cNvSpPr>
+          <p:nvPr>
+            <p:ph type="title"/>
+          </p:nvPr>
+        </p:nvSpPr>
+        <p:spPr>
+          <a:xfrm>
+            <a:off x="509587" y="0"/>
+            <a:ext cx="10515600" cy="1325563"/>
+          </a:xfrm>
+        </p:spPr>
+        <p:txBody>
+          <a:bodyPr>
+            <a:normAutofit/>
+          </a:bodyPr>
+          <a:lstStyle/>
+          <a:p>
+            <a:r>
+              <a:rPr lang="en-US" altLang="ko-KR" sz="3200" dirty="0"/>
+              <a:t>1. fMRI data preprocessing – </a:t>
+            </a:r>
+            <a:r>
+              <a:rPr lang="ko-KR" altLang="en-US" sz="3200" dirty="0">
+                <a:highlight>
+                  <a:srgbClr val="C0C0C0"/>
+                </a:highlight>
+              </a:rPr>
+              <a:t>선행 연구 비교</a:t>
+            </a:r>
+          </a:p>
+        </p:txBody>
+      </p:sp>
+      <p:sp>
+        <p:nvSpPr>
+          <p:cNvPr id="5" name="TextBox 4">
+            <a:extLst>
+              <a:ext uri="{FF2B5EF4-FFF2-40B4-BE49-F238E27FC236}">
+                <a16:creationId xmlns:a16="http://schemas.microsoft.com/office/drawing/2014/main" id="{30EE89AF-1B6D-4B83-BC0D-71F42F322C7D}"/>
+              </a:ext>
+            </a:extLst>
+          </p:cNvPr>
+          <p:cNvSpPr txBox="1"/>
+          <p:nvPr/>
+        </p:nvSpPr>
+        <p:spPr>
+          <a:xfrm>
+            <a:off x="739694" y="1917792"/>
+            <a:ext cx="10712611" cy="3741281"/>
+          </a:xfrm>
+          <a:prstGeom prst="rect">
+            <a:avLst/>
+          </a:prstGeom>
+          <a:noFill/>
+        </p:spPr>
+        <p:txBody>
+          <a:bodyPr wrap="square">
+            <a:spAutoFit/>
+          </a:bodyPr>
+          <a:lstStyle/>
+          <a:p>
+            <a:pPr algn="l">
+              <a:lnSpc>
+                <a:spcPct val="150000"/>
+              </a:lnSpc>
+              <a:buFont typeface="+mj-lt"/>
+              <a:buAutoNum type="arabicPeriod"/>
+            </a:pPr>
+            <a:r>
+              <a:rPr lang="ko-KR" altLang="en-US" sz="2000" b="1" i="0" dirty="0">
+                <a:effectLst/>
+                <a:latin typeface="나눔스퀘어 네오 Regular" panose="00000500000000000000" pitchFamily="2" charset="-127"/>
+                <a:ea typeface="나눔스퀘어 네오 Regular" panose="00000500000000000000" pitchFamily="2" charset="-127"/>
+              </a:rPr>
+              <a:t> 초기 </a:t>
+            </a:r>
+            <a:r>
+              <a:rPr lang="en-US" altLang="ko-KR" sz="2000" b="1" i="0" dirty="0">
+                <a:effectLst/>
+                <a:latin typeface="나눔스퀘어 네오 Regular" panose="00000500000000000000" pitchFamily="2" charset="-127"/>
+                <a:ea typeface="나눔스퀘어 네오 Regular" panose="00000500000000000000" pitchFamily="2" charset="-127"/>
+              </a:rPr>
+              <a:t>10</a:t>
+            </a:r>
+            <a:r>
+              <a:rPr lang="ko-KR" altLang="en-US" sz="2000" b="1" i="0" dirty="0">
+                <a:effectLst/>
+                <a:latin typeface="나눔스퀘어 네오 Regular" panose="00000500000000000000" pitchFamily="2" charset="-127"/>
+                <a:ea typeface="나눔스퀘어 네오 Regular" panose="00000500000000000000" pitchFamily="2" charset="-127"/>
+              </a:rPr>
+              <a:t>개 시점 </a:t>
+            </a:r>
+            <a:r>
+              <a:rPr lang="en-US" altLang="ko-KR" sz="2000" b="1" i="0" dirty="0">
+                <a:effectLst/>
+                <a:latin typeface="나눔스퀘어 네오 Regular" panose="00000500000000000000" pitchFamily="2" charset="-127"/>
+                <a:ea typeface="나눔스퀘어 네오 Regular" panose="00000500000000000000" pitchFamily="2" charset="-127"/>
+              </a:rPr>
+              <a:t>image</a:t>
+            </a:r>
+            <a:r>
+              <a:rPr lang="ko-KR" altLang="en-US" sz="2000" b="1" i="0" dirty="0">
+                <a:effectLst/>
+                <a:latin typeface="나눔스퀘어 네오 Regular" panose="00000500000000000000" pitchFamily="2" charset="-127"/>
+                <a:ea typeface="나눔스퀘어 네오 Regular" panose="00000500000000000000" pitchFamily="2" charset="-127"/>
+              </a:rPr>
+              <a:t> 제거</a:t>
+            </a:r>
+            <a:r>
+              <a:rPr lang="en-US" altLang="ko-KR" sz="2000" b="0" i="0" dirty="0">
+                <a:effectLst/>
+                <a:latin typeface="나눔스퀘어 네오 Regular" panose="00000500000000000000" pitchFamily="2" charset="-127"/>
+                <a:ea typeface="나눔스퀘어 네오 Regular" panose="00000500000000000000" pitchFamily="2" charset="-127"/>
+              </a:rPr>
+              <a:t>: MRI </a:t>
+            </a:r>
+            <a:r>
+              <a:rPr lang="ko-KR" altLang="en-US" sz="2000" b="0" i="0" dirty="0">
+                <a:effectLst/>
+                <a:latin typeface="나눔스퀘어 네오 Regular" panose="00000500000000000000" pitchFamily="2" charset="-127"/>
+                <a:ea typeface="나눔스퀘어 네오 Regular" panose="00000500000000000000" pitchFamily="2" charset="-127"/>
+              </a:rPr>
+              <a:t>신호의 초기 불안정성의 영향 최소화</a:t>
+            </a:r>
+            <a:endParaRPr lang="en-US" altLang="ko-KR" sz="2000" b="0" i="0" dirty="0">
+              <a:effectLst/>
+              <a:latin typeface="나눔스퀘어 네오 Regular" panose="00000500000000000000" pitchFamily="2" charset="-127"/>
+              <a:ea typeface="나눔스퀘어 네오 Regular" panose="00000500000000000000" pitchFamily="2" charset="-127"/>
+            </a:endParaRPr>
+          </a:p>
+          <a:p>
+            <a:pPr algn="l">
+              <a:lnSpc>
+                <a:spcPct val="150000"/>
+              </a:lnSpc>
+              <a:buFont typeface="+mj-lt"/>
+              <a:buAutoNum type="arabicPeriod"/>
+            </a:pPr>
+            <a:r>
+              <a:rPr lang="en-US" altLang="ko-KR" sz="2000" b="1" i="0" dirty="0">
+                <a:effectLst/>
+                <a:latin typeface="나눔스퀘어 네오 Regular" panose="00000500000000000000" pitchFamily="2" charset="-127"/>
+                <a:ea typeface="나눔스퀘어 네오 Regular" panose="00000500000000000000" pitchFamily="2" charset="-127"/>
+              </a:rPr>
+              <a:t> Head motion artifacts </a:t>
+            </a:r>
+            <a:r>
+              <a:rPr lang="ko-KR" altLang="en-US" sz="2000" b="1" dirty="0">
+                <a:latin typeface="나눔스퀘어 네오 Regular" panose="00000500000000000000" pitchFamily="2" charset="-127"/>
+                <a:ea typeface="나눔스퀘어 네오 Regular" panose="00000500000000000000" pitchFamily="2" charset="-127"/>
+              </a:rPr>
+              <a:t>보정 </a:t>
+            </a:r>
+            <a:r>
+              <a:rPr lang="en-US" altLang="ko-KR" sz="2000" b="1" dirty="0">
+                <a:latin typeface="나눔스퀘어 네오 Regular" panose="00000500000000000000" pitchFamily="2" charset="-127"/>
+                <a:ea typeface="나눔스퀘어 네오 Regular" panose="00000500000000000000" pitchFamily="2" charset="-127"/>
+              </a:rPr>
+              <a:t>: </a:t>
+            </a:r>
+            <a:r>
+              <a:rPr lang="en-US" altLang="ko-KR" sz="2000" b="0" i="0" dirty="0" err="1">
+                <a:effectLst/>
+                <a:latin typeface="나눔스퀘어 네오 Regular" panose="00000500000000000000" pitchFamily="2" charset="-127"/>
+                <a:ea typeface="나눔스퀘어 네오 Regular" panose="00000500000000000000" pitchFamily="2" charset="-127"/>
+              </a:rPr>
+              <a:t>Friston</a:t>
+            </a:r>
+            <a:r>
+              <a:rPr lang="ko-KR" altLang="en-US" sz="2000" b="0" i="0" dirty="0">
+                <a:effectLst/>
+                <a:latin typeface="나눔스퀘어 네오 Regular" panose="00000500000000000000" pitchFamily="2" charset="-127"/>
+                <a:ea typeface="나눔스퀘어 네오 Regular" panose="00000500000000000000" pitchFamily="2" charset="-127"/>
+              </a:rPr>
+              <a:t>의 </a:t>
+            </a:r>
+            <a:r>
+              <a:rPr lang="en-US" altLang="ko-KR" sz="2000" b="0" i="0" dirty="0">
+                <a:effectLst/>
+                <a:latin typeface="나눔스퀘어 네오 Regular" panose="00000500000000000000" pitchFamily="2" charset="-127"/>
+                <a:ea typeface="나눔스퀘어 네오 Regular" panose="00000500000000000000" pitchFamily="2" charset="-127"/>
+              </a:rPr>
+              <a:t>24 motion parameters , </a:t>
+            </a:r>
+          </a:p>
+          <a:p>
+            <a:pPr algn="l">
+              <a:lnSpc>
+                <a:spcPct val="150000"/>
+              </a:lnSpc>
+            </a:pPr>
+            <a:r>
+              <a:rPr lang="en-US" altLang="ko-KR" sz="2000" dirty="0">
+                <a:latin typeface="나눔스퀘어 네오 Regular" panose="00000500000000000000" pitchFamily="2" charset="-127"/>
+                <a:ea typeface="나눔스퀘어 네오 Regular" panose="00000500000000000000" pitchFamily="2" charset="-127"/>
+              </a:rPr>
+              <a:t>				</a:t>
+            </a:r>
+            <a:r>
+              <a:rPr lang="en-US" altLang="ko-KR" sz="2000" b="0" i="0" dirty="0">
+                <a:effectLst/>
+                <a:latin typeface="나눔스퀘어 네오 Regular" panose="00000500000000000000" pitchFamily="2" charset="-127"/>
+                <a:ea typeface="나눔스퀘어 네오 Regular" panose="00000500000000000000" pitchFamily="2" charset="-127"/>
+              </a:rPr>
+              <a:t>"head motion scrubbing" </a:t>
+            </a:r>
+            <a:r>
+              <a:rPr lang="ko-KR" altLang="en-US" sz="2000" dirty="0">
+                <a:latin typeface="나눔스퀘어 네오 Regular" panose="00000500000000000000" pitchFamily="2" charset="-127"/>
+                <a:ea typeface="나눔스퀘어 네오 Regular" panose="00000500000000000000" pitchFamily="2" charset="-127"/>
+              </a:rPr>
+              <a:t>방법 적용</a:t>
+            </a:r>
+            <a:r>
+              <a:rPr lang="en-US" altLang="ko-KR" sz="2000" dirty="0">
+                <a:latin typeface="나눔스퀘어 네오 Regular" panose="00000500000000000000" pitchFamily="2" charset="-127"/>
+                <a:ea typeface="나눔스퀘어 네오 Regular" panose="00000500000000000000" pitchFamily="2" charset="-127"/>
+              </a:rPr>
+              <a:t>,</a:t>
+            </a:r>
+          </a:p>
+          <a:p>
+            <a:pPr algn="l">
+              <a:lnSpc>
+                <a:spcPct val="150000"/>
+              </a:lnSpc>
+            </a:pPr>
+            <a:r>
+              <a:rPr lang="en-US" altLang="ko-KR" sz="2000" b="0" i="0" dirty="0">
+                <a:effectLst/>
+                <a:latin typeface="나눔스퀘어 네오 Regular" panose="00000500000000000000" pitchFamily="2" charset="-127"/>
+                <a:ea typeface="나눔스퀘어 네오 Regular" panose="00000500000000000000" pitchFamily="2" charset="-127"/>
+              </a:rPr>
+              <a:t>				</a:t>
+            </a:r>
+            <a:r>
+              <a:rPr lang="ko-KR" altLang="en-US" sz="2000" b="0" i="0" dirty="0">
+                <a:effectLst/>
+                <a:latin typeface="나눔스퀘어 네오 Regular" panose="00000500000000000000" pitchFamily="2" charset="-127"/>
+                <a:ea typeface="나눔스퀘어 네오 Regular" panose="00000500000000000000" pitchFamily="2" charset="-127"/>
+              </a:rPr>
+              <a:t>프레임별 변위</a:t>
+            </a:r>
+            <a:r>
+              <a:rPr lang="en-US" altLang="ko-KR" sz="2000" b="0" i="0" dirty="0">
+                <a:effectLst/>
+                <a:latin typeface="나눔스퀘어 네오 Regular" panose="00000500000000000000" pitchFamily="2" charset="-127"/>
+                <a:ea typeface="나눔스퀘어 네오 Regular" panose="00000500000000000000" pitchFamily="2" charset="-127"/>
+              </a:rPr>
+              <a:t>(FD)</a:t>
+            </a:r>
+            <a:r>
+              <a:rPr lang="ko-KR" altLang="en-US" sz="2000" b="0" i="0" dirty="0">
+                <a:effectLst/>
+                <a:latin typeface="나눔스퀘어 네오 Regular" panose="00000500000000000000" pitchFamily="2" charset="-127"/>
+                <a:ea typeface="나눔스퀘어 네오 Regular" panose="00000500000000000000" pitchFamily="2" charset="-127"/>
+              </a:rPr>
+              <a:t>가 </a:t>
+            </a:r>
+            <a:r>
+              <a:rPr lang="en-US" altLang="ko-KR" sz="2000" b="0" i="0" dirty="0">
+                <a:effectLst/>
+                <a:latin typeface="나눔스퀘어 네오 Regular" panose="00000500000000000000" pitchFamily="2" charset="-127"/>
+                <a:ea typeface="나눔스퀘어 네오 Regular" panose="00000500000000000000" pitchFamily="2" charset="-127"/>
+              </a:rPr>
+              <a:t>0.5mm </a:t>
+            </a:r>
+            <a:r>
+              <a:rPr lang="ko-KR" altLang="en-US" sz="2000" b="0" i="0" dirty="0">
+                <a:effectLst/>
+                <a:latin typeface="나눔스퀘어 네오 Regular" panose="00000500000000000000" pitchFamily="2" charset="-127"/>
+                <a:ea typeface="나눔스퀘어 네오 Regular" panose="00000500000000000000" pitchFamily="2" charset="-127"/>
+              </a:rPr>
+              <a:t>이상인 </a:t>
+            </a:r>
+            <a:r>
+              <a:rPr lang="en-US" altLang="ko-KR" sz="2000" b="0" i="0" dirty="0">
+                <a:effectLst/>
+                <a:latin typeface="나눔스퀘어 네오 Regular" panose="00000500000000000000" pitchFamily="2" charset="-127"/>
+                <a:ea typeface="나눔스퀘어 네오 Regular" panose="00000500000000000000" pitchFamily="2" charset="-127"/>
+              </a:rPr>
+              <a:t>subject</a:t>
+            </a:r>
+            <a:r>
+              <a:rPr lang="ko-KR" altLang="en-US" sz="2000" b="0" i="0" dirty="0">
+                <a:effectLst/>
+                <a:latin typeface="나눔스퀘어 네오 Regular" panose="00000500000000000000" pitchFamily="2" charset="-127"/>
+                <a:ea typeface="나눔스퀘어 네오 Regular" panose="00000500000000000000" pitchFamily="2" charset="-127"/>
+              </a:rPr>
+              <a:t> 제외</a:t>
+            </a:r>
+            <a:endParaRPr lang="en-US" altLang="ko-KR" sz="2000" b="0" i="0" dirty="0">
+              <a:effectLst/>
+              <a:latin typeface="나눔스퀘어 네오 Regular" panose="00000500000000000000" pitchFamily="2" charset="-127"/>
+              <a:ea typeface="나눔스퀘어 네오 Regular" panose="00000500000000000000" pitchFamily="2" charset="-127"/>
+            </a:endParaRPr>
+          </a:p>
+          <a:p>
+            <a:pPr algn="l">
+              <a:lnSpc>
+                <a:spcPct val="150000"/>
+              </a:lnSpc>
+            </a:pPr>
+            <a:r>
+              <a:rPr lang="en-US" altLang="ko-KR" sz="2000" b="1" i="0" dirty="0">
+                <a:effectLst/>
+                <a:latin typeface="나눔스퀘어 네오 Regular" panose="00000500000000000000" pitchFamily="2" charset="-127"/>
+                <a:ea typeface="나눔스퀘어 네오 Regular" panose="00000500000000000000" pitchFamily="2" charset="-127"/>
+              </a:rPr>
+              <a:t>3. </a:t>
+            </a:r>
+            <a:r>
+              <a:rPr lang="ko-KR" altLang="en-US" sz="2000" b="1" i="0" dirty="0">
+                <a:effectLst/>
+                <a:latin typeface="나눔스퀘어 네오 Regular" panose="00000500000000000000" pitchFamily="2" charset="-127"/>
+                <a:ea typeface="나눔스퀘어 네오 Regular" panose="00000500000000000000" pitchFamily="2" charset="-127"/>
+              </a:rPr>
+              <a:t>공간 정규화</a:t>
+            </a:r>
+            <a:r>
+              <a:rPr lang="en-US" altLang="ko-KR" sz="2000" b="0" i="0" dirty="0">
+                <a:effectLst/>
+                <a:latin typeface="나눔스퀘어 네오 Regular" panose="00000500000000000000" pitchFamily="2" charset="-127"/>
+                <a:ea typeface="나눔스퀘어 네오 Regular" panose="00000500000000000000" pitchFamily="2" charset="-127"/>
+              </a:rPr>
+              <a:t>: MNI 152 </a:t>
+            </a:r>
+            <a:r>
+              <a:rPr lang="en-US" altLang="ko-KR" sz="2000" dirty="0">
+                <a:latin typeface="나눔스퀘어 네오 Regular" panose="00000500000000000000" pitchFamily="2" charset="-127"/>
+                <a:ea typeface="나눔스퀘어 네오 Regular" panose="00000500000000000000" pitchFamily="2" charset="-127"/>
+              </a:rPr>
+              <a:t>template(</a:t>
+            </a:r>
+            <a:r>
+              <a:rPr lang="en-US" altLang="ko-KR" sz="2000" b="0" i="0" dirty="0">
+                <a:effectLst/>
+                <a:latin typeface="나눔스퀘어 네오 Regular" panose="00000500000000000000" pitchFamily="2" charset="-127"/>
+                <a:ea typeface="나눔스퀘어 네오 Regular" panose="00000500000000000000" pitchFamily="2" charset="-127"/>
+              </a:rPr>
+              <a:t>3 × 3 × 3mm^3</a:t>
+            </a:r>
+            <a:r>
+              <a:rPr lang="en-US" altLang="ko-KR" sz="2000" dirty="0">
+                <a:latin typeface="나눔스퀘어 네오 Regular" panose="00000500000000000000" pitchFamily="2" charset="-127"/>
+                <a:ea typeface="나눔스퀘어 네오 Regular" panose="00000500000000000000" pitchFamily="2" charset="-127"/>
+              </a:rPr>
+              <a:t>)</a:t>
+            </a:r>
+          </a:p>
+          <a:p>
+            <a:pPr algn="l">
+              <a:lnSpc>
+                <a:spcPct val="150000"/>
+              </a:lnSpc>
+            </a:pPr>
+            <a:r>
+              <a:rPr lang="en-US" altLang="ko-KR" sz="2000" b="1" i="0" dirty="0">
+                <a:effectLst/>
+                <a:latin typeface="나눔스퀘어 네오 Regular" panose="00000500000000000000" pitchFamily="2" charset="-127"/>
+                <a:ea typeface="나눔스퀘어 네오 Regular" panose="00000500000000000000" pitchFamily="2" charset="-127"/>
+              </a:rPr>
+              <a:t>4. </a:t>
+            </a:r>
+            <a:r>
+              <a:rPr lang="ko-KR" altLang="en-US" sz="2000" b="1" i="0" dirty="0">
+                <a:effectLst/>
+                <a:latin typeface="나눔스퀘어 네오 Regular" panose="00000500000000000000" pitchFamily="2" charset="-127"/>
+                <a:ea typeface="나눔스퀘어 네오 Regular" panose="00000500000000000000" pitchFamily="2" charset="-127"/>
+              </a:rPr>
+              <a:t>선형 </a:t>
+            </a:r>
+            <a:r>
+              <a:rPr lang="ko-KR" altLang="en-US" sz="2000" b="1" i="0" dirty="0" err="1">
+                <a:effectLst/>
+                <a:latin typeface="나눔스퀘어 네오 Regular" panose="00000500000000000000" pitchFamily="2" charset="-127"/>
+                <a:ea typeface="나눔스퀘어 네오 Regular" panose="00000500000000000000" pitchFamily="2" charset="-127"/>
+              </a:rPr>
+              <a:t>디트렌딩</a:t>
+            </a:r>
+            <a:r>
+              <a:rPr lang="ko-KR" altLang="en-US" sz="2000" b="1" i="0" dirty="0">
+                <a:effectLst/>
+                <a:latin typeface="나눔스퀘어 네오 Regular" panose="00000500000000000000" pitchFamily="2" charset="-127"/>
+                <a:ea typeface="나눔스퀘어 네오 Regular" panose="00000500000000000000" pitchFamily="2" charset="-127"/>
+              </a:rPr>
+              <a:t> 및 시간 대역 필터링</a:t>
+            </a:r>
+            <a:r>
+              <a:rPr lang="en-US" altLang="ko-KR" sz="2000" b="0" i="0" dirty="0">
+                <a:effectLst/>
+                <a:latin typeface="나눔스퀘어 네오 Regular" panose="00000500000000000000" pitchFamily="2" charset="-127"/>
+                <a:ea typeface="나눔스퀘어 네오 Regular" panose="00000500000000000000" pitchFamily="2" charset="-127"/>
+              </a:rPr>
+              <a:t>: 0.01–0.08 Hz </a:t>
+            </a:r>
+            <a:r>
+              <a:rPr lang="ko-KR" altLang="en-US" sz="2000" b="0" i="0" dirty="0">
+                <a:effectLst/>
+                <a:latin typeface="나눔스퀘어 네오 Regular" panose="00000500000000000000" pitchFamily="2" charset="-127"/>
+                <a:ea typeface="나눔스퀘어 네오 Regular" panose="00000500000000000000" pitchFamily="2" charset="-127"/>
+              </a:rPr>
+              <a:t>대역으로 </a:t>
+            </a:r>
+            <a:r>
+              <a:rPr lang="en-US" altLang="ko-KR" sz="2000" b="0" i="0" dirty="0">
+                <a:effectLst/>
+                <a:latin typeface="나눔스퀘어 네오 Regular" panose="00000500000000000000" pitchFamily="2" charset="-127"/>
+                <a:ea typeface="나눔스퀘어 네오 Regular" panose="00000500000000000000" pitchFamily="2" charset="-127"/>
+              </a:rPr>
+              <a:t>bandpass </a:t>
+            </a:r>
+            <a:r>
+              <a:rPr lang="ko-KR" altLang="en-US" sz="2000" b="0" i="0" dirty="0">
+                <a:effectLst/>
+                <a:latin typeface="나눔스퀘어 네오 Regular" panose="00000500000000000000" pitchFamily="2" charset="-127"/>
+                <a:ea typeface="나눔스퀘어 네오 Regular" panose="00000500000000000000" pitchFamily="2" charset="-127"/>
+              </a:rPr>
+              <a:t>필터링해서</a:t>
+            </a:r>
+            <a:r>
+              <a:rPr lang="en-US" altLang="ko-KR" sz="2000" b="0" i="0" dirty="0">
+                <a:effectLst/>
+                <a:latin typeface="나눔스퀘어 네오 Regular" panose="00000500000000000000" pitchFamily="2" charset="-127"/>
+                <a:ea typeface="나눔스퀘어 네오 Regular" panose="00000500000000000000" pitchFamily="2" charset="-127"/>
+              </a:rPr>
+              <a:t> </a:t>
+            </a:r>
+            <a:r>
+              <a:rPr lang="ko-KR" altLang="en-US" sz="2000" b="0" i="0" dirty="0">
+                <a:effectLst/>
+                <a:latin typeface="나눔스퀘어 네오 Regular" panose="00000500000000000000" pitchFamily="2" charset="-127"/>
+                <a:ea typeface="나눔스퀘어 네오 Regular" panose="00000500000000000000" pitchFamily="2" charset="-127"/>
+              </a:rPr>
+              <a:t>저주파 </a:t>
+            </a:r>
+            <a:r>
+              <a:rPr lang="ko-KR" altLang="en-US" sz="2000" b="0" i="0" dirty="0" err="1">
+                <a:effectLst/>
+                <a:latin typeface="나눔스퀘어 네오 Regular" panose="00000500000000000000" pitchFamily="2" charset="-127"/>
+                <a:ea typeface="나눔스퀘어 네오 Regular" panose="00000500000000000000" pitchFamily="2" charset="-127"/>
+              </a:rPr>
+              <a:t>드리프트</a:t>
+            </a:r>
+            <a:r>
+              <a:rPr lang="ko-KR" altLang="en-US" sz="2000" b="0" i="0" dirty="0">
+                <a:effectLst/>
+                <a:latin typeface="나눔스퀘어 네오 Regular" panose="00000500000000000000" pitchFamily="2" charset="-127"/>
+                <a:ea typeface="나눔스퀘어 네오 Regular" panose="00000500000000000000" pitchFamily="2" charset="-127"/>
+              </a:rPr>
+              <a:t> 및 고주파 생리적 노이즈 제거</a:t>
+            </a:r>
+            <a:endParaRPr lang="en-US" altLang="ko-KR" sz="2000" b="0" i="0" dirty="0">
+              <a:effectLst/>
+              <a:latin typeface="나눔스퀘어 네오 Regular" panose="00000500000000000000" pitchFamily="2" charset="-127"/>
+              <a:ea typeface="나눔스퀘어 네오 Regular" panose="00000500000000000000" pitchFamily="2" charset="-127"/>
+            </a:endParaRPr>
+          </a:p>
+          <a:p>
+            <a:pPr algn="l">
+              <a:lnSpc>
+                <a:spcPct val="150000"/>
+              </a:lnSpc>
+            </a:pPr>
+            <a:r>
+              <a:rPr lang="en-US" altLang="ko-KR" sz="2000" b="1" i="0" dirty="0">
+                <a:effectLst/>
+                <a:latin typeface="나눔스퀘어 네오 Regular" panose="00000500000000000000" pitchFamily="2" charset="-127"/>
+                <a:ea typeface="나눔스퀘어 네오 Regular" panose="00000500000000000000" pitchFamily="2" charset="-127"/>
+              </a:rPr>
+              <a:t>5. </a:t>
+            </a:r>
+            <a:r>
+              <a:rPr lang="ko-KR" altLang="en-US" sz="2000" b="1" i="0" dirty="0">
+                <a:effectLst/>
+                <a:latin typeface="나눔스퀘어 네오 Regular" panose="00000500000000000000" pitchFamily="2" charset="-127"/>
+                <a:ea typeface="나눔스퀘어 네오 Regular" panose="00000500000000000000" pitchFamily="2" charset="-127"/>
+              </a:rPr>
+              <a:t>신호 회귀</a:t>
+            </a:r>
+            <a:r>
+              <a:rPr lang="en-US" altLang="ko-KR" sz="2000" b="0" i="0" dirty="0">
+                <a:effectLst/>
+                <a:latin typeface="나눔스퀘어 네오 Regular" panose="00000500000000000000" pitchFamily="2" charset="-127"/>
+                <a:ea typeface="나눔스퀘어 네오 Regular" panose="00000500000000000000" pitchFamily="2" charset="-127"/>
+              </a:rPr>
+              <a:t>: </a:t>
+            </a:r>
+            <a:r>
+              <a:rPr lang="ko-KR" altLang="en-US" sz="2000" b="0" i="0" dirty="0">
+                <a:effectLst/>
+                <a:latin typeface="나눔스퀘어 네오 Regular" panose="00000500000000000000" pitchFamily="2" charset="-127"/>
+                <a:ea typeface="나눔스퀘어 네오 Regular" panose="00000500000000000000" pitchFamily="2" charset="-127"/>
+              </a:rPr>
+              <a:t>전역 신호</a:t>
+            </a:r>
+            <a:r>
+              <a:rPr lang="en-US" altLang="ko-KR" sz="2000" b="0" i="0" dirty="0">
+                <a:effectLst/>
+                <a:latin typeface="나눔스퀘어 네오 Regular" panose="00000500000000000000" pitchFamily="2" charset="-127"/>
+                <a:ea typeface="나눔스퀘어 네오 Regular" panose="00000500000000000000" pitchFamily="2" charset="-127"/>
+              </a:rPr>
+              <a:t>, </a:t>
+            </a:r>
+            <a:r>
+              <a:rPr lang="ko-KR" altLang="en-US" sz="2000" b="0" i="0" dirty="0" err="1">
+                <a:effectLst/>
+                <a:latin typeface="나눔스퀘어 네오 Regular" panose="00000500000000000000" pitchFamily="2" charset="-127"/>
+                <a:ea typeface="나눔스퀘어 네오 Regular" panose="00000500000000000000" pitchFamily="2" charset="-127"/>
+              </a:rPr>
+              <a:t>백질</a:t>
+            </a:r>
+            <a:r>
+              <a:rPr lang="ko-KR" altLang="en-US" sz="2000" b="0" i="0" dirty="0">
+                <a:effectLst/>
+                <a:latin typeface="나눔스퀘어 네오 Regular" panose="00000500000000000000" pitchFamily="2" charset="-127"/>
+                <a:ea typeface="나눔스퀘어 네오 Regular" panose="00000500000000000000" pitchFamily="2" charset="-127"/>
+              </a:rPr>
+              <a:t> 신호</a:t>
+            </a:r>
+            <a:r>
+              <a:rPr lang="en-US" altLang="ko-KR" sz="2000" b="0" i="0" dirty="0">
+                <a:effectLst/>
+                <a:latin typeface="나눔스퀘어 네오 Regular" panose="00000500000000000000" pitchFamily="2" charset="-127"/>
+                <a:ea typeface="나눔스퀘어 네오 Regular" panose="00000500000000000000" pitchFamily="2" charset="-127"/>
+              </a:rPr>
+              <a:t>, </a:t>
+            </a:r>
+            <a:r>
+              <a:rPr lang="ko-KR" altLang="en-US" sz="2000" b="0" i="0" dirty="0">
+                <a:effectLst/>
+                <a:latin typeface="나눔스퀘어 네오 Regular" panose="00000500000000000000" pitchFamily="2" charset="-127"/>
+                <a:ea typeface="나눔스퀘어 네오 Regular" panose="00000500000000000000" pitchFamily="2" charset="-127"/>
+              </a:rPr>
+              <a:t>뇌척수액 신호 및 운동 파라미터를 제거</a:t>
+            </a:r>
+            <a:endParaRPr lang="en-US" altLang="ko-KR" sz="2000" b="0" i="0" dirty="0">
+              <a:effectLst/>
+              <a:latin typeface="나눔스퀘어 네오 Regular" panose="00000500000000000000" pitchFamily="2" charset="-127"/>
+              <a:ea typeface="나눔스퀘어 네오 Regular" panose="00000500000000000000" pitchFamily="2" charset="-127"/>
+            </a:endParaRPr>
+          </a:p>
+        </p:txBody>
+      </p:sp>
+    </p:spTree>
+    <p:extLst>
+      <p:ext uri="{BB962C8B-B14F-4D97-AF65-F5344CB8AC3E}">
+        <p14:creationId xmlns:p14="http://schemas.microsoft.com/office/powerpoint/2010/main" val="703814140"/>
+      </p:ext>
+    </p:extLst>
+  </p:cSld>
+  <p:clrMapOvr>
+    <a:masterClrMapping/>
+  </p:clrMapOvr>
+</p:sld>
+</file>
+
+<file path=ppt/slides/slide6.xml><?xml version="1.0" encoding="utf-8"?>
 <p:sld xmlns:a="http://schemas.openxmlformats.org/drawingml/2006/main" xmlns:r="http://schemas.openxmlformats.org/officeDocument/2006/relationships" xmlns:p="http://schemas.openxmlformats.org/presentationml/2006/main">
   <p:cSld>
     <p:spTree>
@@ -5927,198 +7235,10 @@
       </p:grpSpPr>
       <p:sp>
         <p:nvSpPr>
-          <p:cNvPr id="2" name="제목 1">
-            <a:extLst>
-              <a:ext uri="{FF2B5EF4-FFF2-40B4-BE49-F238E27FC236}">
-                <a16:creationId xmlns:a16="http://schemas.microsoft.com/office/drawing/2014/main" id="{7C5DD28E-9CBF-E8DA-38DC-E0CF61B1AEF8}"/>
-              </a:ext>
-            </a:extLst>
-          </p:cNvPr>
-          <p:cNvSpPr>
-            <a:spLocks noGrp="1"/>
-          </p:cNvSpPr>
-          <p:nvPr>
-            <p:ph type="title"/>
-          </p:nvPr>
-        </p:nvSpPr>
-        <p:spPr/>
-        <p:txBody>
-          <a:bodyPr/>
-          <a:lstStyle/>
-          <a:p>
-            <a:r>
-              <a:rPr lang="en-US" altLang="ko-KR"/>
-              <a:t>2. functional connectivity </a:t>
-            </a:r>
-            <a:r>
-              <a:rPr lang="ko-KR" altLang="en-US"/>
-              <a:t>제작</a:t>
-            </a:r>
-            <a:endParaRPr lang="en-US" altLang="ko-KR"/>
-          </a:p>
-        </p:txBody>
-      </p:sp>
-      <p:sp>
-        <p:nvSpPr>
-          <p:cNvPr id="3" name="내용 개체 틀 2">
-            <a:extLst>
-              <a:ext uri="{FF2B5EF4-FFF2-40B4-BE49-F238E27FC236}">
-                <a16:creationId xmlns:a16="http://schemas.microsoft.com/office/drawing/2014/main" id="{9F5A693B-255A-DEB9-AA0E-E3AA04E603E6}"/>
-              </a:ext>
-            </a:extLst>
-          </p:cNvPr>
-          <p:cNvSpPr>
-            <a:spLocks noGrp="1"/>
-          </p:cNvSpPr>
-          <p:nvPr>
-            <p:ph idx="1"/>
-          </p:nvPr>
-        </p:nvSpPr>
-        <p:spPr>
-          <a:xfrm>
-            <a:off x="838200" y="1541534"/>
-            <a:ext cx="10812780" cy="1887466"/>
-          </a:xfrm>
-        </p:spPr>
-        <p:txBody>
-          <a:bodyPr>
-            <a:normAutofit/>
-          </a:bodyPr>
-          <a:lstStyle/>
-          <a:p>
-            <a:pPr marL="514350" indent="-514350">
-              <a:buAutoNum type="arabicPeriod"/>
-            </a:pPr>
-            <a:r>
-              <a:rPr lang="en-US" altLang="ko-KR"/>
-              <a:t>Atlas </a:t>
-            </a:r>
-            <a:r>
-              <a:rPr lang="ko-KR" altLang="en-US" dirty="0"/>
-              <a:t>적용한 </a:t>
-            </a:r>
-            <a:r>
-              <a:rPr lang="en-US" altLang="ko-KR" dirty="0"/>
-              <a:t>mask</a:t>
-            </a:r>
-            <a:r>
-              <a:rPr lang="ko-KR" altLang="en-US"/>
-              <a:t>를 </a:t>
-            </a:r>
-            <a:r>
-              <a:rPr lang="en-US" altLang="ko-KR"/>
-              <a:t>fMRI </a:t>
-            </a:r>
-            <a:r>
-              <a:rPr lang="en-US" altLang="ko-KR" dirty="0"/>
-              <a:t>image</a:t>
-            </a:r>
-            <a:r>
-              <a:rPr lang="ko-KR" altLang="en-US"/>
-              <a:t>에 적용</a:t>
-            </a:r>
-            <a:endParaRPr lang="en-US" altLang="ko-KR"/>
-          </a:p>
-          <a:p>
-            <a:pPr marL="514350" indent="-514350">
-              <a:buAutoNum type="arabicPeriod"/>
-            </a:pPr>
-            <a:r>
-              <a:rPr lang="ko-KR" altLang="en-US"/>
-              <a:t>시간에 따른 두 </a:t>
-            </a:r>
-            <a:r>
-              <a:rPr lang="en-US" altLang="ko-KR"/>
-              <a:t>ROI</a:t>
-            </a:r>
-            <a:r>
-              <a:rPr lang="ko-KR" altLang="en-US"/>
-              <a:t> </a:t>
-            </a:r>
-            <a:r>
-              <a:rPr lang="en-US" altLang="ko-KR"/>
-              <a:t>fMRI signal</a:t>
-            </a:r>
-            <a:r>
-              <a:rPr lang="ko-KR" altLang="en-US"/>
-              <a:t>간의 </a:t>
-            </a:r>
-            <a:r>
-              <a:rPr lang="en-US" altLang="ko-KR" dirty="0" err="1"/>
-              <a:t>pearson</a:t>
-            </a:r>
-            <a:r>
-              <a:rPr lang="en-US" altLang="ko-KR" dirty="0"/>
-              <a:t> </a:t>
-            </a:r>
-            <a:r>
-              <a:rPr lang="en-US" altLang="ko-KR"/>
-              <a:t>correlation </a:t>
-            </a:r>
-            <a:r>
-              <a:rPr lang="ko-KR" altLang="en-US"/>
-              <a:t>계산</a:t>
-            </a:r>
-            <a:endParaRPr lang="en-US" altLang="ko-KR"/>
-          </a:p>
-          <a:p>
-            <a:pPr marL="0" indent="0">
-              <a:buNone/>
-            </a:pPr>
-            <a:r>
-              <a:rPr lang="en-US" altLang="ko-KR"/>
-              <a:t>*brain mask : MRI brain</a:t>
-            </a:r>
-            <a:r>
-              <a:rPr lang="ko-KR" altLang="en-US"/>
-              <a:t> </a:t>
-            </a:r>
-            <a:r>
-              <a:rPr lang="en-US" altLang="ko-KR"/>
-              <a:t>image</a:t>
-            </a:r>
-            <a:r>
-              <a:rPr lang="ko-KR" altLang="en-US"/>
-              <a:t>에서 뇌 조직 영역과 뇌 조직이 아닌 영역을 구분하기 위해 사용되는 </a:t>
-            </a:r>
-            <a:r>
-              <a:rPr lang="en-US" altLang="ko-KR"/>
-              <a:t>binary image</a:t>
-            </a:r>
-            <a:endParaRPr lang="en-US" altLang="ko-KR" dirty="0"/>
-          </a:p>
-          <a:p>
-            <a:pPr marL="0" indent="0">
-              <a:buNone/>
-            </a:pPr>
-            <a:endParaRPr lang="en-US" altLang="ko-KR" dirty="0"/>
-          </a:p>
-          <a:p>
-            <a:pPr marL="0" indent="0">
-              <a:buNone/>
-            </a:pPr>
-            <a:endParaRPr lang="en-US" altLang="ko-KR" dirty="0"/>
-          </a:p>
-          <a:p>
-            <a:pPr marL="0" indent="0">
-              <a:buNone/>
-            </a:pPr>
-            <a:endParaRPr lang="en-US" altLang="ko-KR" dirty="0"/>
-          </a:p>
-          <a:p>
-            <a:pPr marL="0" indent="0">
-              <a:buNone/>
-            </a:pPr>
-            <a:endParaRPr lang="ko-KR" altLang="en-US" dirty="0"/>
-          </a:p>
-        </p:txBody>
-      </p:sp>
-      <p:sp>
-        <p:nvSpPr>
-          <p:cNvPr id="4" name="내용 개체 틀 2">
-            <a:extLst>
-              <a:ext uri="{FF2B5EF4-FFF2-40B4-BE49-F238E27FC236}">
-                <a16:creationId xmlns:a16="http://schemas.microsoft.com/office/drawing/2014/main" id="{8704553D-EDA3-C1A3-F0DD-3DF778AA10D7}"/>
+          <p:cNvPr id="5" name="제목 1">
+            <a:extLst>
+              <a:ext uri="{FF2B5EF4-FFF2-40B4-BE49-F238E27FC236}">
+                <a16:creationId xmlns:a16="http://schemas.microsoft.com/office/drawing/2014/main" id="{130B6FF8-D188-43D7-890E-F2CC7431F3C2}"/>
               </a:ext>
             </a:extLst>
           </p:cNvPr>
@@ -6129,192 +7249,471 @@
         </p:nvSpPr>
         <p:spPr>
           <a:xfrm>
-            <a:off x="541020" y="3650117"/>
-            <a:ext cx="11839381" cy="4351338"/>
+            <a:off x="509587" y="0"/>
+            <a:ext cx="10515600" cy="1325563"/>
           </a:xfrm>
           <a:prstGeom prst="rect">
             <a:avLst/>
           </a:prstGeom>
         </p:spPr>
         <p:txBody>
-          <a:bodyPr vert="horz" lIns="91440" tIns="45720" rIns="91440" bIns="45720" rtlCol="0">
-            <a:normAutofit lnSpcReduction="10000"/>
+          <a:bodyPr vert="horz" lIns="91440" tIns="45720" rIns="91440" bIns="45720" rtlCol="0" anchor="ctr">
+            <a:normAutofit/>
           </a:bodyPr>
           <a:lstStyle>
-            <a:lvl1pPr marL="228600" indent="-228600" algn="l" defTabSz="914400" rtl="0" eaLnBrk="1" latinLnBrk="1" hangingPunct="1">
+            <a:lvl1pPr algn="l" defTabSz="914400" rtl="0" eaLnBrk="1" latinLnBrk="1" hangingPunct="1">
               <a:lnSpc>
                 <a:spcPct val="90000"/>
               </a:lnSpc>
               <a:spcBef>
-                <a:spcPts val="1000"/>
+                <a:spcPct val="0"/>
               </a:spcBef>
-              <a:buFont typeface="Arial" panose="020B0604020202020204" pitchFamily="34" charset="0"/>
-              <a:buChar char="•"/>
-              <a:defRPr sz="2800" kern="1200">
+              <a:buNone/>
+              <a:defRPr sz="4400" kern="1200">
                 <a:solidFill>
                   <a:schemeClr val="tx1"/>
                 </a:solidFill>
-                <a:latin typeface="+mn-lt"/>
-                <a:ea typeface="+mn-ea"/>
-                <a:cs typeface="+mn-cs"/>
+                <a:latin typeface="나눔스퀘어 네오 Regular" panose="00000500000000000000" pitchFamily="2" charset="-127"/>
+                <a:ea typeface="나눔스퀘어 네오 Regular" panose="00000500000000000000" pitchFamily="2" charset="-127"/>
+                <a:cs typeface="+mj-cs"/>
               </a:defRPr>
             </a:lvl1pPr>
-            <a:lvl2pPr marL="685800" indent="-228600" algn="l" defTabSz="914400" rtl="0" eaLnBrk="1" latinLnBrk="1" hangingPunct="1">
-              <a:lnSpc>
-                <a:spcPct val="90000"/>
-              </a:lnSpc>
-              <a:spcBef>
-                <a:spcPts val="500"/>
-              </a:spcBef>
-              <a:buFont typeface="Arial" panose="020B0604020202020204" pitchFamily="34" charset="0"/>
-              <a:buChar char="•"/>
-              <a:defRPr sz="2400" kern="1200">
-                <a:solidFill>
-                  <a:schemeClr val="tx1"/>
-                </a:solidFill>
-                <a:latin typeface="+mn-lt"/>
-                <a:ea typeface="+mn-ea"/>
-                <a:cs typeface="+mn-cs"/>
-              </a:defRPr>
-            </a:lvl2pPr>
-            <a:lvl3pPr marL="1143000" indent="-228600" algn="l" defTabSz="914400" rtl="0" eaLnBrk="1" latinLnBrk="1" hangingPunct="1">
-              <a:lnSpc>
-                <a:spcPct val="90000"/>
-              </a:lnSpc>
-              <a:spcBef>
-                <a:spcPts val="500"/>
-              </a:spcBef>
-              <a:buFont typeface="Arial" panose="020B0604020202020204" pitchFamily="34" charset="0"/>
-              <a:buChar char="•"/>
-              <a:defRPr sz="2000" kern="1200">
-                <a:solidFill>
-                  <a:schemeClr val="tx1"/>
-                </a:solidFill>
-                <a:latin typeface="+mn-lt"/>
-                <a:ea typeface="+mn-ea"/>
-                <a:cs typeface="+mn-cs"/>
-              </a:defRPr>
-            </a:lvl3pPr>
-            <a:lvl4pPr marL="1600200" indent="-228600" algn="l" defTabSz="914400" rtl="0" eaLnBrk="1" latinLnBrk="1" hangingPunct="1">
-              <a:lnSpc>
-                <a:spcPct val="90000"/>
-              </a:lnSpc>
-              <a:spcBef>
-                <a:spcPts val="500"/>
-              </a:spcBef>
-              <a:buFont typeface="Arial" panose="020B0604020202020204" pitchFamily="34" charset="0"/>
-              <a:buChar char="•"/>
-              <a:defRPr sz="1800" kern="1200">
-                <a:solidFill>
-                  <a:schemeClr val="tx1"/>
-                </a:solidFill>
-                <a:latin typeface="+mn-lt"/>
-                <a:ea typeface="+mn-ea"/>
-                <a:cs typeface="+mn-cs"/>
-              </a:defRPr>
-            </a:lvl4pPr>
-            <a:lvl5pPr marL="2057400" indent="-228600" algn="l" defTabSz="914400" rtl="0" eaLnBrk="1" latinLnBrk="1" hangingPunct="1">
-              <a:lnSpc>
-                <a:spcPct val="90000"/>
-              </a:lnSpc>
-              <a:spcBef>
-                <a:spcPts val="500"/>
-              </a:spcBef>
-              <a:buFont typeface="Arial" panose="020B0604020202020204" pitchFamily="34" charset="0"/>
-              <a:buChar char="•"/>
-              <a:defRPr sz="1800" kern="1200">
-                <a:solidFill>
-                  <a:schemeClr val="tx1"/>
-                </a:solidFill>
-                <a:latin typeface="+mn-lt"/>
-                <a:ea typeface="+mn-ea"/>
-                <a:cs typeface="+mn-cs"/>
-              </a:defRPr>
-            </a:lvl5pPr>
-            <a:lvl6pPr marL="2514600" indent="-228600" algn="l" defTabSz="914400" rtl="0" eaLnBrk="1" latinLnBrk="1" hangingPunct="1">
-              <a:lnSpc>
-                <a:spcPct val="90000"/>
-              </a:lnSpc>
-              <a:spcBef>
-                <a:spcPts val="500"/>
-              </a:spcBef>
-              <a:buFont typeface="Arial" panose="020B0604020202020204" pitchFamily="34" charset="0"/>
-              <a:buChar char="•"/>
-              <a:defRPr sz="1800" kern="1200">
-                <a:solidFill>
-                  <a:schemeClr val="tx1"/>
-                </a:solidFill>
-                <a:latin typeface="+mn-lt"/>
-                <a:ea typeface="+mn-ea"/>
-                <a:cs typeface="+mn-cs"/>
-              </a:defRPr>
-            </a:lvl6pPr>
-            <a:lvl7pPr marL="2971800" indent="-228600" algn="l" defTabSz="914400" rtl="0" eaLnBrk="1" latinLnBrk="1" hangingPunct="1">
-              <a:lnSpc>
-                <a:spcPct val="90000"/>
-              </a:lnSpc>
-              <a:spcBef>
-                <a:spcPts val="500"/>
-              </a:spcBef>
-              <a:buFont typeface="Arial" panose="020B0604020202020204" pitchFamily="34" charset="0"/>
-              <a:buChar char="•"/>
-              <a:defRPr sz="1800" kern="1200">
-                <a:solidFill>
-                  <a:schemeClr val="tx1"/>
-                </a:solidFill>
-                <a:latin typeface="+mn-lt"/>
-                <a:ea typeface="+mn-ea"/>
-                <a:cs typeface="+mn-cs"/>
-              </a:defRPr>
-            </a:lvl7pPr>
-            <a:lvl8pPr marL="3429000" indent="-228600" algn="l" defTabSz="914400" rtl="0" eaLnBrk="1" latinLnBrk="1" hangingPunct="1">
-              <a:lnSpc>
-                <a:spcPct val="90000"/>
-              </a:lnSpc>
-              <a:spcBef>
-                <a:spcPts val="500"/>
-              </a:spcBef>
-              <a:buFont typeface="Arial" panose="020B0604020202020204" pitchFamily="34" charset="0"/>
-              <a:buChar char="•"/>
-              <a:defRPr sz="1800" kern="1200">
-                <a:solidFill>
-                  <a:schemeClr val="tx1"/>
-                </a:solidFill>
-                <a:latin typeface="+mn-lt"/>
-                <a:ea typeface="+mn-ea"/>
-                <a:cs typeface="+mn-cs"/>
-              </a:defRPr>
-            </a:lvl8pPr>
-            <a:lvl9pPr marL="3886200" indent="-228600" algn="l" defTabSz="914400" rtl="0" eaLnBrk="1" latinLnBrk="1" hangingPunct="1">
-              <a:lnSpc>
-                <a:spcPct val="90000"/>
-              </a:lnSpc>
-              <a:spcBef>
-                <a:spcPts val="500"/>
-              </a:spcBef>
-              <a:buFont typeface="Arial" panose="020B0604020202020204" pitchFamily="34" charset="0"/>
-              <a:buChar char="•"/>
-              <a:defRPr sz="1800" kern="1200">
-                <a:solidFill>
-                  <a:schemeClr val="tx1"/>
-                </a:solidFill>
-                <a:latin typeface="+mn-lt"/>
-                <a:ea typeface="+mn-ea"/>
-                <a:cs typeface="+mn-cs"/>
-              </a:defRPr>
-            </a:lvl9pPr>
           </a:lstStyle>
+          <a:p>
+            <a:r>
+              <a:rPr lang="en-US" altLang="ko-KR" sz="3200" dirty="0"/>
+              <a:t>2. Functional Connectivity </a:t>
+            </a:r>
+            <a:r>
+              <a:rPr lang="ko-KR" altLang="en-US" sz="3200" dirty="0"/>
+              <a:t>제작</a:t>
+            </a:r>
+          </a:p>
+        </p:txBody>
+      </p:sp>
+      <p:sp>
+        <p:nvSpPr>
+          <p:cNvPr id="9" name="TextBox 8">
+            <a:extLst>
+              <a:ext uri="{FF2B5EF4-FFF2-40B4-BE49-F238E27FC236}">
+                <a16:creationId xmlns:a16="http://schemas.microsoft.com/office/drawing/2014/main" id="{C190CE30-1417-4077-AD07-DB2B46B83470}"/>
+              </a:ext>
+            </a:extLst>
+          </p:cNvPr>
+          <p:cNvSpPr txBox="1"/>
+          <p:nvPr/>
+        </p:nvSpPr>
+        <p:spPr>
+          <a:xfrm>
+            <a:off x="1445418" y="2288500"/>
+            <a:ext cx="10515600" cy="338554"/>
+          </a:xfrm>
+          <a:prstGeom prst="rect">
+            <a:avLst/>
+          </a:prstGeom>
+          <a:noFill/>
+        </p:spPr>
+        <p:txBody>
+          <a:bodyPr wrap="square">
+            <a:spAutoFit/>
+          </a:bodyPr>
+          <a:lstStyle/>
+          <a:p>
+            <a:pPr marL="0" indent="0">
+              <a:buNone/>
+            </a:pPr>
+            <a:r>
+              <a:rPr lang="en-US" altLang="ko-KR" sz="1600" dirty="0">
+                <a:latin typeface="나눔스퀘어 네오 Regular" panose="00000500000000000000" pitchFamily="2" charset="-127"/>
+                <a:ea typeface="나눔스퀘어 네오 Regular" panose="00000500000000000000" pitchFamily="2" charset="-127"/>
+              </a:rPr>
+              <a:t>*brain mask : MRI brain</a:t>
+            </a:r>
+            <a:r>
+              <a:rPr lang="ko-KR" altLang="en-US" sz="1600" dirty="0">
+                <a:latin typeface="나눔스퀘어 네오 Regular" panose="00000500000000000000" pitchFamily="2" charset="-127"/>
+                <a:ea typeface="나눔스퀘어 네오 Regular" panose="00000500000000000000" pitchFamily="2" charset="-127"/>
+              </a:rPr>
+              <a:t> </a:t>
+            </a:r>
+            <a:r>
+              <a:rPr lang="en-US" altLang="ko-KR" sz="1600" dirty="0">
+                <a:latin typeface="나눔스퀘어 네오 Regular" panose="00000500000000000000" pitchFamily="2" charset="-127"/>
+                <a:ea typeface="나눔스퀘어 네오 Regular" panose="00000500000000000000" pitchFamily="2" charset="-127"/>
+              </a:rPr>
+              <a:t>image</a:t>
+            </a:r>
+            <a:r>
+              <a:rPr lang="ko-KR" altLang="en-US" sz="1600" dirty="0">
+                <a:latin typeface="나눔스퀘어 네오 Regular" panose="00000500000000000000" pitchFamily="2" charset="-127"/>
+                <a:ea typeface="나눔스퀘어 네오 Regular" panose="00000500000000000000" pitchFamily="2" charset="-127"/>
+              </a:rPr>
+              <a:t>에서 뇌 조직 영역과 뇌 조직이 아닌 영역을 구분하기 위해 사용되는 </a:t>
+            </a:r>
+            <a:r>
+              <a:rPr lang="en-US" altLang="ko-KR" sz="1600" dirty="0">
+                <a:latin typeface="나눔스퀘어 네오 Regular" panose="00000500000000000000" pitchFamily="2" charset="-127"/>
+                <a:ea typeface="나눔스퀘어 네오 Regular" panose="00000500000000000000" pitchFamily="2" charset="-127"/>
+              </a:rPr>
+              <a:t>binary image</a:t>
+            </a:r>
+          </a:p>
+        </p:txBody>
+      </p:sp>
+      <p:sp>
+        <p:nvSpPr>
+          <p:cNvPr id="11" name="TextBox 10">
+            <a:extLst>
+              <a:ext uri="{FF2B5EF4-FFF2-40B4-BE49-F238E27FC236}">
+                <a16:creationId xmlns:a16="http://schemas.microsoft.com/office/drawing/2014/main" id="{2495C62E-5FC9-4505-9ADF-07F2A2CCF8E9}"/>
+              </a:ext>
+            </a:extLst>
+          </p:cNvPr>
+          <p:cNvSpPr txBox="1"/>
+          <p:nvPr/>
+        </p:nvSpPr>
+        <p:spPr>
+          <a:xfrm>
+            <a:off x="2381249" y="1271587"/>
+            <a:ext cx="8643938" cy="1015663"/>
+          </a:xfrm>
+          <a:prstGeom prst="rect">
+            <a:avLst/>
+          </a:prstGeom>
+          <a:noFill/>
+        </p:spPr>
+        <p:txBody>
+          <a:bodyPr wrap="square">
+            <a:spAutoFit/>
+          </a:bodyPr>
+          <a:lstStyle/>
+          <a:p>
+            <a:pPr marL="514350" indent="-514350">
+              <a:buAutoNum type="arabicPeriod"/>
+            </a:pPr>
+            <a:r>
+              <a:rPr lang="en-US" altLang="ko-KR" sz="2000" dirty="0">
+                <a:latin typeface="나눔스퀘어 네오 Regular" panose="00000500000000000000" pitchFamily="2" charset="-127"/>
+                <a:ea typeface="나눔스퀘어 네오 Regular" panose="00000500000000000000" pitchFamily="2" charset="-127"/>
+              </a:rPr>
+              <a:t>Atlas </a:t>
+            </a:r>
+            <a:r>
+              <a:rPr lang="ko-KR" altLang="en-US" sz="2000" dirty="0">
+                <a:latin typeface="나눔스퀘어 네오 Regular" panose="00000500000000000000" pitchFamily="2" charset="-127"/>
+                <a:ea typeface="나눔스퀘어 네오 Regular" panose="00000500000000000000" pitchFamily="2" charset="-127"/>
+              </a:rPr>
+              <a:t>적용한 </a:t>
+            </a:r>
+            <a:r>
+              <a:rPr lang="en-US" altLang="ko-KR" sz="2000" dirty="0">
+                <a:latin typeface="나눔스퀘어 네오 Regular" panose="00000500000000000000" pitchFamily="2" charset="-127"/>
+                <a:ea typeface="나눔스퀘어 네오 Regular" panose="00000500000000000000" pitchFamily="2" charset="-127"/>
+              </a:rPr>
+              <a:t>mask</a:t>
+            </a:r>
+            <a:r>
+              <a:rPr lang="ko-KR" altLang="en-US" sz="2000" dirty="0">
+                <a:latin typeface="나눔스퀘어 네오 Regular" panose="00000500000000000000" pitchFamily="2" charset="-127"/>
+                <a:ea typeface="나눔스퀘어 네오 Regular" panose="00000500000000000000" pitchFamily="2" charset="-127"/>
+              </a:rPr>
+              <a:t>를 </a:t>
+            </a:r>
+            <a:r>
+              <a:rPr lang="en-US" altLang="ko-KR" sz="2000" dirty="0">
+                <a:latin typeface="나눔스퀘어 네오 Regular" panose="00000500000000000000" pitchFamily="2" charset="-127"/>
+                <a:ea typeface="나눔스퀘어 네오 Regular" panose="00000500000000000000" pitchFamily="2" charset="-127"/>
+              </a:rPr>
+              <a:t>fMRI image</a:t>
+            </a:r>
+            <a:r>
+              <a:rPr lang="ko-KR" altLang="en-US" sz="2000" dirty="0">
+                <a:latin typeface="나눔스퀘어 네오 Regular" panose="00000500000000000000" pitchFamily="2" charset="-127"/>
+                <a:ea typeface="나눔스퀘어 네오 Regular" panose="00000500000000000000" pitchFamily="2" charset="-127"/>
+              </a:rPr>
+              <a:t>에 적용</a:t>
+            </a:r>
+            <a:endParaRPr lang="en-US" altLang="ko-KR" sz="2000" dirty="0">
+              <a:latin typeface="나눔스퀘어 네오 Regular" panose="00000500000000000000" pitchFamily="2" charset="-127"/>
+              <a:ea typeface="나눔스퀘어 네오 Regular" panose="00000500000000000000" pitchFamily="2" charset="-127"/>
+            </a:endParaRPr>
+          </a:p>
+          <a:p>
+            <a:pPr marL="514350" indent="-514350">
+              <a:buAutoNum type="arabicPeriod"/>
+            </a:pPr>
+            <a:endParaRPr lang="en-US" altLang="ko-KR" sz="2000" dirty="0">
+              <a:latin typeface="나눔스퀘어 네오 Regular" panose="00000500000000000000" pitchFamily="2" charset="-127"/>
+              <a:ea typeface="나눔스퀘어 네오 Regular" panose="00000500000000000000" pitchFamily="2" charset="-127"/>
+            </a:endParaRPr>
+          </a:p>
+          <a:p>
+            <a:pPr marL="514350" indent="-514350">
+              <a:buAutoNum type="arabicPeriod"/>
+            </a:pPr>
+            <a:r>
+              <a:rPr lang="ko-KR" altLang="en-US" sz="2000" dirty="0">
+                <a:latin typeface="나눔스퀘어 네오 Regular" panose="00000500000000000000" pitchFamily="2" charset="-127"/>
+                <a:ea typeface="나눔스퀘어 네오 Regular" panose="00000500000000000000" pitchFamily="2" charset="-127"/>
+              </a:rPr>
+              <a:t>시간에 따른 두 </a:t>
+            </a:r>
+            <a:r>
+              <a:rPr lang="en-US" altLang="ko-KR" sz="2000" dirty="0">
+                <a:latin typeface="나눔스퀘어 네오 Regular" panose="00000500000000000000" pitchFamily="2" charset="-127"/>
+                <a:ea typeface="나눔스퀘어 네오 Regular" panose="00000500000000000000" pitchFamily="2" charset="-127"/>
+              </a:rPr>
+              <a:t>ROI</a:t>
+            </a:r>
+            <a:r>
+              <a:rPr lang="ko-KR" altLang="en-US" sz="2000" dirty="0">
+                <a:latin typeface="나눔스퀘어 네오 Regular" panose="00000500000000000000" pitchFamily="2" charset="-127"/>
+                <a:ea typeface="나눔스퀘어 네오 Regular" panose="00000500000000000000" pitchFamily="2" charset="-127"/>
+              </a:rPr>
+              <a:t>의 </a:t>
+            </a:r>
+            <a:r>
+              <a:rPr lang="en-US" altLang="ko-KR" sz="2000" dirty="0">
+                <a:latin typeface="나눔스퀘어 네오 Regular" panose="00000500000000000000" pitchFamily="2" charset="-127"/>
+                <a:ea typeface="나눔스퀘어 네오 Regular" panose="00000500000000000000" pitchFamily="2" charset="-127"/>
+              </a:rPr>
+              <a:t>fMRI signal</a:t>
+            </a:r>
+            <a:r>
+              <a:rPr lang="ko-KR" altLang="en-US" sz="2000" dirty="0">
+                <a:latin typeface="나눔스퀘어 네오 Regular" panose="00000500000000000000" pitchFamily="2" charset="-127"/>
+                <a:ea typeface="나눔스퀘어 네오 Regular" panose="00000500000000000000" pitchFamily="2" charset="-127"/>
+              </a:rPr>
+              <a:t>간 </a:t>
+            </a:r>
+            <a:r>
+              <a:rPr lang="en-US" altLang="ko-KR" sz="2000" dirty="0" err="1">
+                <a:latin typeface="나눔스퀘어 네오 Regular" panose="00000500000000000000" pitchFamily="2" charset="-127"/>
+                <a:ea typeface="나눔스퀘어 네오 Regular" panose="00000500000000000000" pitchFamily="2" charset="-127"/>
+              </a:rPr>
+              <a:t>pearson</a:t>
+            </a:r>
+            <a:r>
+              <a:rPr lang="en-US" altLang="ko-KR" sz="2000" dirty="0">
+                <a:latin typeface="나눔스퀘어 네오 Regular" panose="00000500000000000000" pitchFamily="2" charset="-127"/>
+                <a:ea typeface="나눔스퀘어 네오 Regular" panose="00000500000000000000" pitchFamily="2" charset="-127"/>
+              </a:rPr>
+              <a:t> correlation </a:t>
+            </a:r>
+            <a:r>
+              <a:rPr lang="ko-KR" altLang="en-US" sz="2000" dirty="0">
+                <a:latin typeface="나눔스퀘어 네오 Regular" panose="00000500000000000000" pitchFamily="2" charset="-127"/>
+                <a:ea typeface="나눔스퀘어 네오 Regular" panose="00000500000000000000" pitchFamily="2" charset="-127"/>
+              </a:rPr>
+              <a:t>계산</a:t>
+            </a:r>
+            <a:endParaRPr lang="en-US" altLang="ko-KR" sz="2000" dirty="0">
+              <a:latin typeface="나눔스퀘어 네오 Regular" panose="00000500000000000000" pitchFamily="2" charset="-127"/>
+              <a:ea typeface="나눔스퀘어 네오 Regular" panose="00000500000000000000" pitchFamily="2" charset="-127"/>
+            </a:endParaRPr>
+          </a:p>
+        </p:txBody>
+      </p:sp>
+      <p:sp>
+        <p:nvSpPr>
+          <p:cNvPr id="15" name="TextBox 14">
+            <a:extLst>
+              <a:ext uri="{FF2B5EF4-FFF2-40B4-BE49-F238E27FC236}">
+                <a16:creationId xmlns:a16="http://schemas.microsoft.com/office/drawing/2014/main" id="{06AAB107-8E20-4B50-B09B-217951B73801}"/>
+              </a:ext>
+            </a:extLst>
+          </p:cNvPr>
+          <p:cNvSpPr txBox="1"/>
+          <p:nvPr/>
+        </p:nvSpPr>
+        <p:spPr>
+          <a:xfrm>
+            <a:off x="230981" y="2928938"/>
+            <a:ext cx="11730037" cy="3785652"/>
+          </a:xfrm>
+          <a:prstGeom prst="rect">
+            <a:avLst/>
+          </a:prstGeom>
+          <a:noFill/>
+        </p:spPr>
+        <p:txBody>
+          <a:bodyPr wrap="square">
+            <a:spAutoFit/>
+          </a:bodyPr>
+          <a:lstStyle/>
+          <a:p>
+            <a:r>
+              <a:rPr lang="en-US" altLang="ko-KR" sz="2000" b="1" dirty="0">
+                <a:latin typeface="나눔스퀘어 네오 Regular" panose="00000500000000000000" pitchFamily="2" charset="-127"/>
+                <a:ea typeface="나눔스퀘어 네오 Regular" panose="00000500000000000000" pitchFamily="2" charset="-127"/>
+              </a:rPr>
+              <a:t>1. Schaefer2018 (400Parcels_17Networks_1mm)</a:t>
+            </a:r>
+          </a:p>
+          <a:p>
+            <a:r>
+              <a:rPr lang="en-US" altLang="ko-KR" sz="2000" b="1" dirty="0">
+                <a:latin typeface="나눔스퀘어 네오 Regular" panose="00000500000000000000" pitchFamily="2" charset="-127"/>
+                <a:ea typeface="나눔스퀘어 네오 Regular" panose="00000500000000000000" pitchFamily="2" charset="-127"/>
+              </a:rPr>
+              <a:t>	</a:t>
+            </a:r>
+            <a:r>
+              <a:rPr lang="en-US" altLang="ko-KR" sz="2000" dirty="0">
+                <a:latin typeface="나눔스퀘어 네오 Regular" panose="00000500000000000000" pitchFamily="2" charset="-127"/>
+                <a:ea typeface="나눔스퀘어 네오 Regular" panose="00000500000000000000" pitchFamily="2" charset="-127"/>
+              </a:rPr>
+              <a:t>Dataset1(UCLA_CNP) : </a:t>
+            </a:r>
+            <a:r>
+              <a:rPr lang="ko-KR" altLang="en-US" sz="2000" dirty="0">
+                <a:latin typeface="나눔스퀘어 네오 Regular" panose="00000500000000000000" pitchFamily="2" charset="-127"/>
+                <a:ea typeface="나눔스퀘어 네오 Regular" panose="00000500000000000000" pitchFamily="2" charset="-127"/>
+              </a:rPr>
+              <a:t>총 </a:t>
+            </a:r>
+            <a:r>
+              <a:rPr lang="en-US" altLang="ko-KR" sz="2000" dirty="0">
+                <a:latin typeface="나눔스퀘어 네오 Regular" panose="00000500000000000000" pitchFamily="2" charset="-127"/>
+                <a:ea typeface="나눔스퀘어 네오 Regular" panose="00000500000000000000" pitchFamily="2" charset="-127"/>
+              </a:rPr>
+              <a:t>77</a:t>
+            </a:r>
+            <a:r>
+              <a:rPr lang="ko-KR" altLang="en-US" sz="2000" dirty="0">
+                <a:latin typeface="나눔스퀘어 네오 Regular" panose="00000500000000000000" pitchFamily="2" charset="-127"/>
+                <a:ea typeface="나눔스퀘어 네오 Regular" panose="00000500000000000000" pitchFamily="2" charset="-127"/>
+              </a:rPr>
+              <a:t>명 </a:t>
+            </a:r>
+            <a:r>
+              <a:rPr lang="en-US" altLang="ko-KR" sz="2000" dirty="0">
+                <a:latin typeface="나눔스퀘어 네오 Regular" panose="00000500000000000000" pitchFamily="2" charset="-127"/>
+                <a:ea typeface="나눔스퀘어 네오 Regular" panose="00000500000000000000" pitchFamily="2" charset="-127"/>
+              </a:rPr>
+              <a:t>(HC 52, SCZ 25)</a:t>
+            </a:r>
+          </a:p>
+          <a:p>
+            <a:pPr>
+              <a:buFont typeface="Wingdings" panose="05000000000000000000" pitchFamily="2" charset="2"/>
+              <a:buChar char="è"/>
+            </a:pPr>
+            <a:endParaRPr lang="en-US" altLang="ko-KR" sz="2000" dirty="0">
+              <a:latin typeface="나눔스퀘어 네오 Regular" panose="00000500000000000000" pitchFamily="2" charset="-127"/>
+              <a:ea typeface="나눔스퀘어 네오 Regular" panose="00000500000000000000" pitchFamily="2" charset="-127"/>
+            </a:endParaRPr>
+          </a:p>
           <a:p>
             <a:pPr marL="0" indent="0">
               <a:buFont typeface="Arial" panose="020B0604020202020204" pitchFamily="34" charset="0"/>
               <a:buNone/>
             </a:pPr>
             <a:r>
-              <a:rPr lang="en-US" altLang="ko-KR">
-                <a:latin typeface="나눔스퀘어" panose="020B0600000101010101" pitchFamily="50" charset="-127"/>
-                <a:ea typeface="나눔스퀘어" panose="020B0600000101010101" pitchFamily="50" charset="-127"/>
-              </a:rPr>
-              <a:t>1. Schaefer2018 (400Parcels_17Networks_1mm)</a:t>
+              <a:rPr lang="en-US" altLang="ko-KR" sz="2000" b="1" dirty="0">
+                <a:latin typeface="나눔스퀘어 네오 Regular" panose="00000500000000000000" pitchFamily="2" charset="-127"/>
+                <a:ea typeface="나눔스퀘어 네오 Regular" panose="00000500000000000000" pitchFamily="2" charset="-127"/>
+              </a:rPr>
+              <a:t>2. AAL3v1 (164parcels_1mm)</a:t>
+            </a:r>
+          </a:p>
+          <a:p>
+            <a:pPr marL="0" indent="0">
+              <a:buFont typeface="Arial" panose="020B0604020202020204" pitchFamily="34" charset="0"/>
+              <a:buNone/>
+            </a:pPr>
+            <a:r>
+              <a:rPr lang="en-US" altLang="ko-KR" sz="2000" b="1" dirty="0">
+                <a:latin typeface="나눔스퀘어 네오 Regular" panose="00000500000000000000" pitchFamily="2" charset="-127"/>
+                <a:ea typeface="나눔스퀘어 네오 Regular" panose="00000500000000000000" pitchFamily="2" charset="-127"/>
+              </a:rPr>
+              <a:t>	</a:t>
+            </a:r>
+            <a:r>
+              <a:rPr lang="en-US" altLang="ko-KR" sz="2000" dirty="0">
+                <a:latin typeface="나눔스퀘어 네오 Regular" panose="00000500000000000000" pitchFamily="2" charset="-127"/>
+                <a:ea typeface="나눔스퀘어 네오 Regular" panose="00000500000000000000" pitchFamily="2" charset="-127"/>
+              </a:rPr>
+              <a:t>Dataset 1 (UCLA_CNP) : </a:t>
+            </a:r>
+            <a:r>
+              <a:rPr lang="ko-KR" altLang="en-US" sz="2000" dirty="0">
+                <a:latin typeface="나눔스퀘어 네오 Regular" panose="00000500000000000000" pitchFamily="2" charset="-127"/>
+                <a:ea typeface="나눔스퀘어 네오 Regular" panose="00000500000000000000" pitchFamily="2" charset="-127"/>
+              </a:rPr>
+              <a:t>총 </a:t>
+            </a:r>
+            <a:r>
+              <a:rPr lang="en-US" altLang="ko-KR" sz="2000" dirty="0">
+                <a:latin typeface="나눔스퀘어 네오 Regular" panose="00000500000000000000" pitchFamily="2" charset="-127"/>
+                <a:ea typeface="나눔스퀘어 네오 Regular" panose="00000500000000000000" pitchFamily="2" charset="-127"/>
+              </a:rPr>
+              <a:t>148</a:t>
+            </a:r>
+            <a:r>
+              <a:rPr lang="ko-KR" altLang="en-US" sz="2000" dirty="0">
+                <a:latin typeface="나눔스퀘어 네오 Regular" panose="00000500000000000000" pitchFamily="2" charset="-127"/>
+                <a:ea typeface="나눔스퀘어 네오 Regular" panose="00000500000000000000" pitchFamily="2" charset="-127"/>
+              </a:rPr>
+              <a:t>명 </a:t>
+            </a:r>
+            <a:r>
+              <a:rPr lang="en-US" altLang="ko-KR" sz="2000" dirty="0">
+                <a:latin typeface="나눔스퀘어 네오 Regular" panose="00000500000000000000" pitchFamily="2" charset="-127"/>
+                <a:ea typeface="나눔스퀘어 네오 Regular" panose="00000500000000000000" pitchFamily="2" charset="-127"/>
+              </a:rPr>
+              <a:t>(HC 104, SCZ 44)</a:t>
+            </a:r>
+          </a:p>
+          <a:p>
+            <a:r>
+              <a:rPr lang="en-US" altLang="ko-KR" sz="2000" dirty="0">
+                <a:latin typeface="나눔스퀘어 네오 Regular" panose="00000500000000000000" pitchFamily="2" charset="-127"/>
+                <a:ea typeface="나눔스퀘어 네오 Regular" panose="00000500000000000000" pitchFamily="2" charset="-127"/>
+              </a:rPr>
+              <a:t>	Dataset2 (COBRE) : </a:t>
+            </a:r>
+            <a:r>
+              <a:rPr lang="ko-KR" altLang="en-US" sz="2000" dirty="0">
+                <a:latin typeface="나눔스퀘어 네오 Regular" panose="00000500000000000000" pitchFamily="2" charset="-127"/>
+                <a:ea typeface="나눔스퀘어 네오 Regular" panose="00000500000000000000" pitchFamily="2" charset="-127"/>
+              </a:rPr>
+              <a:t>총</a:t>
+            </a:r>
+            <a:r>
+              <a:rPr lang="en-US" altLang="ko-KR" sz="2000" dirty="0">
+                <a:latin typeface="나눔스퀘어 네오 Regular" panose="00000500000000000000" pitchFamily="2" charset="-127"/>
+                <a:ea typeface="나눔스퀘어 네오 Regular" panose="00000500000000000000" pitchFamily="2" charset="-127"/>
+              </a:rPr>
+              <a:t> 114</a:t>
+            </a:r>
+            <a:r>
+              <a:rPr lang="ko-KR" altLang="en-US" sz="2000" dirty="0">
+                <a:latin typeface="나눔스퀘어 네오 Regular" panose="00000500000000000000" pitchFamily="2" charset="-127"/>
+                <a:ea typeface="나눔스퀘어 네오 Regular" panose="00000500000000000000" pitchFamily="2" charset="-127"/>
+              </a:rPr>
+              <a:t>명 </a:t>
+            </a:r>
+            <a:r>
+              <a:rPr lang="en-US" altLang="ko-KR" sz="2000" dirty="0">
+                <a:latin typeface="나눔스퀘어 네오 Regular" panose="00000500000000000000" pitchFamily="2" charset="-127"/>
+                <a:ea typeface="나눔스퀘어 네오 Regular" panose="00000500000000000000" pitchFamily="2" charset="-127"/>
+              </a:rPr>
+              <a:t>(HC</a:t>
+            </a:r>
+            <a:r>
+              <a:rPr lang="ko-KR" altLang="en-US" sz="2000" dirty="0">
+                <a:latin typeface="나눔스퀘어 네오 Regular" panose="00000500000000000000" pitchFamily="2" charset="-127"/>
+                <a:ea typeface="나눔스퀘어 네오 Regular" panose="00000500000000000000" pitchFamily="2" charset="-127"/>
+              </a:rPr>
+              <a:t> </a:t>
+            </a:r>
+            <a:r>
+              <a:rPr lang="en-US" altLang="ko-KR" sz="2000" dirty="0">
+                <a:latin typeface="나눔스퀘어 네오 Regular" panose="00000500000000000000" pitchFamily="2" charset="-127"/>
+                <a:ea typeface="나눔스퀘어 네오 Regular" panose="00000500000000000000" pitchFamily="2" charset="-127"/>
+              </a:rPr>
+              <a:t>55, SCZ 59)</a:t>
             </a:r>
           </a:p>
           <a:p>
@@ -6322,50 +7721,9 @@
               <a:buFont typeface="Wingdings" panose="05000000000000000000" pitchFamily="2" charset="2"/>
               <a:buChar char="è"/>
             </a:pPr>
-            <a:r>
-              <a:rPr lang="en-US" altLang="ko-KR">
-                <a:latin typeface="나눔스퀘어" panose="020B0600000101010101" pitchFamily="50" charset="-127"/>
-                <a:ea typeface="나눔스퀘어" panose="020B0600000101010101" pitchFamily="50" charset="-127"/>
-              </a:rPr>
-              <a:t>Dataset1(UCLA_CNP) : subject 263</a:t>
-            </a:r>
-            <a:r>
-              <a:rPr lang="ko-KR" altLang="en-US">
-                <a:latin typeface="나눔스퀘어" panose="020B0600000101010101" pitchFamily="50" charset="-127"/>
-                <a:ea typeface="나눔스퀘어" panose="020B0600000101010101" pitchFamily="50" charset="-127"/>
-              </a:rPr>
-              <a:t>명 중 </a:t>
-            </a:r>
-            <a:r>
-              <a:rPr lang="en-US" altLang="ko-KR">
-                <a:latin typeface="나눔스퀘어" panose="020B0600000101010101" pitchFamily="50" charset="-127"/>
-                <a:ea typeface="나눔스퀘어" panose="020B0600000101010101" pitchFamily="50" charset="-127"/>
-              </a:rPr>
-              <a:t>117</a:t>
-            </a:r>
-            <a:r>
-              <a:rPr lang="ko-KR" altLang="en-US">
-                <a:latin typeface="나눔스퀘어" panose="020B0600000101010101" pitchFamily="50" charset="-127"/>
-                <a:ea typeface="나눔스퀘어" panose="020B0600000101010101" pitchFamily="50" charset="-127"/>
-              </a:rPr>
-              <a:t>명 가능</a:t>
-            </a:r>
-            <a:r>
-              <a:rPr lang="en-US" altLang="ko-KR">
-                <a:latin typeface="나눔스퀘어" panose="020B0600000101010101" pitchFamily="50" charset="-127"/>
-                <a:ea typeface="나눔스퀘어" panose="020B0600000101010101" pitchFamily="50" charset="-127"/>
-              </a:rPr>
-              <a:t>(HC 52, SCZ 25)</a:t>
-            </a:r>
-          </a:p>
-          <a:p>
-            <a:pPr>
-              <a:buFont typeface="Wingdings" panose="05000000000000000000" pitchFamily="2" charset="2"/>
-              <a:buChar char="è"/>
-            </a:pPr>
-            <a:endParaRPr lang="en-US" altLang="ko-KR">
-              <a:latin typeface="나눔스퀘어" panose="020B0600000101010101" pitchFamily="50" charset="-127"/>
-              <a:ea typeface="나눔스퀘어" panose="020B0600000101010101" pitchFamily="50" charset="-127"/>
+            <a:endParaRPr lang="en-US" altLang="ko-KR" sz="2000" dirty="0">
+              <a:latin typeface="나눔스퀘어 네오 Regular" panose="00000500000000000000" pitchFamily="2" charset="-127"/>
+              <a:ea typeface="나눔스퀘어 네오 Regular" panose="00000500000000000000" pitchFamily="2" charset="-127"/>
             </a:endParaRPr>
           </a:p>
           <a:p>
@@ -6374,11 +7732,11 @@
               <a:buNone/>
             </a:pPr>
             <a:r>
-              <a:rPr lang="en-US" altLang="ko-KR">
-                <a:latin typeface="나눔스퀘어" panose="020B0600000101010101" pitchFamily="50" charset="-127"/>
-                <a:ea typeface="나눔스퀘어" panose="020B0600000101010101" pitchFamily="50" charset="-127"/>
-              </a:rPr>
-              <a:t>2. AAL3v1 (164parcels)</a:t>
+              <a:rPr lang="en-US" altLang="ko-KR" sz="2000" b="1" dirty="0">
+                <a:latin typeface="나눔스퀘어 네오 Regular" panose="00000500000000000000" pitchFamily="2" charset="-127"/>
+                <a:ea typeface="나눔스퀘어 네오 Regular" panose="00000500000000000000" pitchFamily="2" charset="-127"/>
+              </a:rPr>
+              <a:t>3. AAL1 (116parcels_2mm)</a:t>
             </a:r>
           </a:p>
           <a:p>
@@ -6387,101 +7745,103 @@
               <a:buNone/>
             </a:pPr>
             <a:r>
-              <a:rPr lang="en-US" altLang="ko-KR">
-                <a:latin typeface="나눔스퀘어" panose="020B0600000101010101" pitchFamily="50" charset="-127"/>
-                <a:ea typeface="나눔스퀘어" panose="020B0600000101010101" pitchFamily="50" charset="-127"/>
-              </a:rPr>
-              <a:t>-&gt; Dataset 1 (UCLA_CNP) : subject</a:t>
-            </a:r>
-            <a:r>
-              <a:rPr lang="ko-KR" altLang="en-US">
-                <a:latin typeface="나눔스퀘어" panose="020B0600000101010101" pitchFamily="50" charset="-127"/>
-                <a:ea typeface="나눔스퀘어" panose="020B0600000101010101" pitchFamily="50" charset="-127"/>
+              <a:rPr lang="en-US" altLang="ko-KR" sz="2000" b="1" dirty="0">
+                <a:latin typeface="나눔스퀘어 네오 Regular" panose="00000500000000000000" pitchFamily="2" charset="-127"/>
+                <a:ea typeface="나눔스퀘어 네오 Regular" panose="00000500000000000000" pitchFamily="2" charset="-127"/>
+              </a:rPr>
+              <a:t>	</a:t>
+            </a:r>
+            <a:r>
+              <a:rPr lang="en-US" altLang="ko-KR" sz="2000" dirty="0">
+                <a:latin typeface="나눔스퀘어 네오 Regular" panose="00000500000000000000" pitchFamily="2" charset="-127"/>
+                <a:ea typeface="나눔스퀘어 네오 Regular" panose="00000500000000000000" pitchFamily="2" charset="-127"/>
+              </a:rPr>
+              <a:t>Dataset 1 (UCLA_CNP) : </a:t>
+            </a:r>
+            <a:r>
+              <a:rPr lang="ko-KR" altLang="en-US" sz="2000" dirty="0">
+                <a:latin typeface="나눔스퀘어 네오 Regular" panose="00000500000000000000" pitchFamily="2" charset="-127"/>
+                <a:ea typeface="나눔스퀘어 네오 Regular" panose="00000500000000000000" pitchFamily="2" charset="-127"/>
+              </a:rPr>
+              <a:t>총 </a:t>
+            </a:r>
+            <a:r>
+              <a:rPr lang="en-US" altLang="ko-KR" sz="2000" dirty="0">
+                <a:latin typeface="나눔스퀘어 네오 Regular" panose="00000500000000000000" pitchFamily="2" charset="-127"/>
+                <a:ea typeface="나눔스퀘어 네오 Regular" panose="00000500000000000000" pitchFamily="2" charset="-127"/>
+              </a:rPr>
+              <a:t>160</a:t>
+            </a:r>
+            <a:r>
+              <a:rPr lang="ko-KR" altLang="en-US" sz="2000" dirty="0">
+                <a:latin typeface="나눔스퀘어 네오 Regular" panose="00000500000000000000" pitchFamily="2" charset="-127"/>
+                <a:ea typeface="나눔스퀘어 네오 Regular" panose="00000500000000000000" pitchFamily="2" charset="-127"/>
+              </a:rPr>
+              <a:t>명 </a:t>
+            </a:r>
+            <a:r>
+              <a:rPr lang="en-US" altLang="ko-KR" sz="2000" dirty="0">
+                <a:latin typeface="나눔스퀘어 네오 Regular" panose="00000500000000000000" pitchFamily="2" charset="-127"/>
+                <a:ea typeface="나눔스퀘어 네오 Regular" panose="00000500000000000000" pitchFamily="2" charset="-127"/>
+              </a:rPr>
+              <a:t>(HC 113, SCZ 47)</a:t>
+            </a:r>
+          </a:p>
+          <a:p>
+            <a:r>
+              <a:rPr lang="en-US" altLang="ko-KR" sz="2000" dirty="0">
+                <a:latin typeface="나눔스퀘어 네오 Regular" panose="00000500000000000000" pitchFamily="2" charset="-127"/>
+                <a:ea typeface="나눔스퀘어 네오 Regular" panose="00000500000000000000" pitchFamily="2" charset="-127"/>
+              </a:rPr>
+              <a:t>	Dataset2 (COBRE) : </a:t>
+            </a:r>
+            <a:r>
+              <a:rPr lang="ko-KR" altLang="en-US" sz="2000" dirty="0">
+                <a:latin typeface="나눔스퀘어 네오 Regular" panose="00000500000000000000" pitchFamily="2" charset="-127"/>
+                <a:ea typeface="나눔스퀘어 네오 Regular" panose="00000500000000000000" pitchFamily="2" charset="-127"/>
+              </a:rPr>
+              <a:t>총</a:t>
+            </a:r>
+            <a:r>
+              <a:rPr lang="en-US" altLang="ko-KR" sz="2000" dirty="0">
+                <a:latin typeface="나눔스퀘어 네오 Regular" panose="00000500000000000000" pitchFamily="2" charset="-127"/>
+                <a:ea typeface="나눔스퀘어 네오 Regular" panose="00000500000000000000" pitchFamily="2" charset="-127"/>
+              </a:rPr>
+              <a:t> 144</a:t>
+            </a:r>
+            <a:r>
+              <a:rPr lang="ko-KR" altLang="en-US" sz="2000" dirty="0">
+                <a:latin typeface="나눔스퀘어 네오 Regular" panose="00000500000000000000" pitchFamily="2" charset="-127"/>
+                <a:ea typeface="나눔스퀘어 네오 Regular" panose="00000500000000000000" pitchFamily="2" charset="-127"/>
+              </a:rPr>
+              <a:t>명 </a:t>
+            </a:r>
+            <a:r>
+              <a:rPr lang="en-US" altLang="ko-KR" sz="2000" dirty="0">
+                <a:latin typeface="나눔스퀘어 네오 Regular" panose="00000500000000000000" pitchFamily="2" charset="-127"/>
+                <a:ea typeface="나눔스퀘어 네오 Regular" panose="00000500000000000000" pitchFamily="2" charset="-127"/>
+              </a:rPr>
+              <a:t>(HC</a:t>
+            </a:r>
+            <a:r>
+              <a:rPr lang="ko-KR" altLang="en-US" sz="2000" dirty="0">
+                <a:latin typeface="나눔스퀘어 네오 Regular" panose="00000500000000000000" pitchFamily="2" charset="-127"/>
+                <a:ea typeface="나눔스퀘어 네오 Regular" panose="00000500000000000000" pitchFamily="2" charset="-127"/>
               </a:rPr>
               <a:t> </a:t>
             </a:r>
             <a:r>
-              <a:rPr lang="en-US" altLang="ko-KR">
-                <a:latin typeface="나눔스퀘어" panose="020B0600000101010101" pitchFamily="50" charset="-127"/>
-                <a:ea typeface="나눔스퀘어" panose="020B0600000101010101" pitchFamily="50" charset="-127"/>
-              </a:rPr>
-              <a:t>263</a:t>
-            </a:r>
-            <a:r>
-              <a:rPr lang="ko-KR" altLang="en-US">
-                <a:latin typeface="나눔스퀘어" panose="020B0600000101010101" pitchFamily="50" charset="-127"/>
-                <a:ea typeface="나눔스퀘어" panose="020B0600000101010101" pitchFamily="50" charset="-127"/>
-              </a:rPr>
-              <a:t>명 중 </a:t>
-            </a:r>
-            <a:r>
-              <a:rPr lang="en-US" altLang="ko-KR">
-                <a:latin typeface="나눔스퀘어" panose="020B0600000101010101" pitchFamily="50" charset="-127"/>
-                <a:ea typeface="나눔스퀘어" panose="020B0600000101010101" pitchFamily="50" charset="-127"/>
-              </a:rPr>
-              <a:t>223</a:t>
-            </a:r>
-            <a:r>
-              <a:rPr lang="ko-KR" altLang="en-US">
-                <a:latin typeface="나눔스퀘어" panose="020B0600000101010101" pitchFamily="50" charset="-127"/>
-                <a:ea typeface="나눔스퀘어" panose="020B0600000101010101" pitchFamily="50" charset="-127"/>
-              </a:rPr>
-              <a:t>명 가능</a:t>
-            </a:r>
-            <a:r>
-              <a:rPr lang="en-US" altLang="ko-KR">
-                <a:latin typeface="나눔스퀘어" panose="020B0600000101010101" pitchFamily="50" charset="-127"/>
-                <a:ea typeface="나눔스퀘어" panose="020B0600000101010101" pitchFamily="50" charset="-127"/>
-              </a:rPr>
-              <a:t>(HC104, SCZ44)</a:t>
-            </a:r>
-          </a:p>
-          <a:p>
-            <a:pPr>
-              <a:buFont typeface="Wingdings" panose="05000000000000000000" pitchFamily="2" charset="2"/>
-              <a:buChar char="è"/>
-            </a:pPr>
-            <a:r>
-              <a:rPr lang="en-US" altLang="ko-KR">
-                <a:latin typeface="나눔스퀘어" panose="020B0600000101010101" pitchFamily="50" charset="-127"/>
-                <a:ea typeface="나눔스퀘어" panose="020B0600000101010101" pitchFamily="50" charset="-127"/>
-              </a:rPr>
-              <a:t>Dataset2(COBRE) : subject 148</a:t>
-            </a:r>
-            <a:r>
-              <a:rPr lang="ko-KR" altLang="en-US">
-                <a:latin typeface="나눔스퀘어" panose="020B0600000101010101" pitchFamily="50" charset="-127"/>
-                <a:ea typeface="나눔스퀘어" panose="020B0600000101010101" pitchFamily="50" charset="-127"/>
-              </a:rPr>
-              <a:t>명 중 </a:t>
-            </a:r>
-            <a:r>
-              <a:rPr lang="en-US" altLang="ko-KR">
-                <a:latin typeface="나눔스퀘어" panose="020B0600000101010101" pitchFamily="50" charset="-127"/>
-                <a:ea typeface="나눔스퀘어" panose="020B0600000101010101" pitchFamily="50" charset="-127"/>
-              </a:rPr>
-              <a:t>130</a:t>
-            </a:r>
-            <a:r>
-              <a:rPr lang="ko-KR" altLang="en-US">
-                <a:latin typeface="나눔스퀘어" panose="020B0600000101010101" pitchFamily="50" charset="-127"/>
-                <a:ea typeface="나눔스퀘어" panose="020B0600000101010101" pitchFamily="50" charset="-127"/>
-              </a:rPr>
-              <a:t>명 가능</a:t>
-            </a:r>
-            <a:endParaRPr lang="en-US" altLang="ko-KR">
-              <a:latin typeface="나눔스퀘어" panose="020B0600000101010101" pitchFamily="50" charset="-127"/>
-              <a:ea typeface="나눔스퀘어" panose="020B0600000101010101" pitchFamily="50" charset="-127"/>
-            </a:endParaRPr>
-          </a:p>
-          <a:p>
-            <a:pPr>
-              <a:buFont typeface="Wingdings" panose="05000000000000000000" pitchFamily="2" charset="2"/>
-              <a:buChar char="è"/>
-            </a:pPr>
-            <a:endParaRPr lang="en-US" altLang="ko-KR">
-              <a:latin typeface="나눔스퀘어" panose="020B0600000101010101" pitchFamily="50" charset="-127"/>
-              <a:ea typeface="나눔스퀘어" panose="020B0600000101010101" pitchFamily="50" charset="-127"/>
+              <a:rPr lang="en-US" altLang="ko-KR" sz="2000" dirty="0">
+                <a:latin typeface="나눔스퀘어 네오 Regular" panose="00000500000000000000" pitchFamily="2" charset="-127"/>
+                <a:ea typeface="나눔스퀘어 네오 Regular" panose="00000500000000000000" pitchFamily="2" charset="-127"/>
+              </a:rPr>
+              <a:t>73, SCZ 71)</a:t>
+            </a:r>
+          </a:p>
+          <a:p>
+            <a:endParaRPr lang="en-US" altLang="ko-KR" sz="2000" dirty="0">
+              <a:latin typeface="나눔스퀘어 네오 Regular" panose="00000500000000000000" pitchFamily="2" charset="-127"/>
+              <a:ea typeface="나눔스퀘어 네오 Regular" panose="00000500000000000000" pitchFamily="2" charset="-127"/>
             </a:endParaRPr>
           </a:p>
           <a:p>
@@ -6490,54 +7850,78 @@
               <a:buNone/>
             </a:pPr>
             <a:r>
-              <a:rPr lang="en-US" altLang="ko-KR">
-                <a:latin typeface="나눔스퀘어" panose="020B0600000101010101" pitchFamily="50" charset="-127"/>
-                <a:ea typeface="나눔스퀘어" panose="020B0600000101010101" pitchFamily="50" charset="-127"/>
-              </a:rPr>
-              <a:t>3. AAL1 (116parcels)</a:t>
-            </a:r>
-          </a:p>
-          <a:p>
-            <a:pPr marL="0" indent="0">
-              <a:buFont typeface="Arial" panose="020B0604020202020204" pitchFamily="34" charset="0"/>
-              <a:buNone/>
-            </a:pPr>
-            <a:r>
-              <a:rPr lang="en-US" altLang="ko-KR">
-                <a:latin typeface="나눔스퀘어" panose="020B0600000101010101" pitchFamily="50" charset="-127"/>
-                <a:ea typeface="나눔스퀘어" panose="020B0600000101010101" pitchFamily="50" charset="-127"/>
-              </a:rPr>
-              <a:t>-&gt; Dataset1(UCLA_CNP) : </a:t>
-            </a:r>
-          </a:p>
-          <a:p>
-            <a:pPr marL="0" indent="0">
-              <a:buFont typeface="Arial" panose="020B0604020202020204" pitchFamily="34" charset="0"/>
-              <a:buNone/>
-            </a:pPr>
-            <a:endParaRPr lang="en-US" altLang="ko-KR">
-              <a:latin typeface="나눔스퀘어" panose="020B0600000101010101" pitchFamily="50" charset="-127"/>
-              <a:ea typeface="나눔스퀘어" panose="020B0600000101010101" pitchFamily="50" charset="-127"/>
-            </a:endParaRPr>
-          </a:p>
-          <a:p>
-            <a:pPr marL="0" indent="0">
-              <a:buFont typeface="Arial" panose="020B0604020202020204" pitchFamily="34" charset="0"/>
-              <a:buNone/>
-            </a:pPr>
-            <a:endParaRPr lang="en-US" altLang="ko-KR">
-              <a:latin typeface="나눔스퀘어" panose="020B0600000101010101" pitchFamily="50" charset="-127"/>
-              <a:ea typeface="나눔스퀘어" panose="020B0600000101010101" pitchFamily="50" charset="-127"/>
-            </a:endParaRPr>
-          </a:p>
-          <a:p>
-            <a:pPr marL="0" indent="0">
-              <a:buFont typeface="Arial" panose="020B0604020202020204" pitchFamily="34" charset="0"/>
-              <a:buNone/>
-            </a:pPr>
-            <a:endParaRPr lang="ko-KR" altLang="en-US" dirty="0">
-              <a:latin typeface="나눔스퀘어" panose="020B0600000101010101" pitchFamily="50" charset="-127"/>
-              <a:ea typeface="나눔스퀘어" panose="020B0600000101010101" pitchFamily="50" charset="-127"/>
+              <a:rPr lang="en-US" altLang="ko-KR" sz="2000" dirty="0">
+                <a:latin typeface="나눔스퀘어 네오 Regular" panose="00000500000000000000" pitchFamily="2" charset="-127"/>
+                <a:ea typeface="나눔스퀘어 네오 Regular" panose="00000500000000000000" pitchFamily="2" charset="-127"/>
+              </a:rPr>
+              <a:t>Parcel </a:t>
+            </a:r>
+            <a:r>
+              <a:rPr lang="ko-KR" altLang="en-US" sz="2000" dirty="0">
+                <a:latin typeface="나눔스퀘어 네오 Regular" panose="00000500000000000000" pitchFamily="2" charset="-127"/>
+                <a:ea typeface="나눔스퀘어 네오 Regular" panose="00000500000000000000" pitchFamily="2" charset="-127"/>
+              </a:rPr>
+              <a:t>수가 적어 </a:t>
+            </a:r>
+            <a:r>
+              <a:rPr lang="en-US" altLang="ko-KR" sz="2000" dirty="0">
+                <a:latin typeface="나눔스퀘어 네오 Regular" panose="00000500000000000000" pitchFamily="2" charset="-127"/>
+                <a:ea typeface="나눔스퀘어 네오 Regular" panose="00000500000000000000" pitchFamily="2" charset="-127"/>
+              </a:rPr>
+              <a:t>model </a:t>
+            </a:r>
+            <a:r>
+              <a:rPr lang="ko-KR" altLang="en-US" sz="2000" dirty="0">
+                <a:latin typeface="나눔스퀘어 네오 Regular" panose="00000500000000000000" pitchFamily="2" charset="-127"/>
+                <a:ea typeface="나눔스퀘어 네오 Regular" panose="00000500000000000000" pitchFamily="2" charset="-127"/>
+              </a:rPr>
+              <a:t>학습 시 덜 복잡하고</a:t>
+            </a:r>
+            <a:r>
+              <a:rPr lang="en-US" altLang="ko-KR" sz="2000" dirty="0">
+                <a:latin typeface="나눔스퀘어 네오 Regular" panose="00000500000000000000" pitchFamily="2" charset="-127"/>
+                <a:ea typeface="나눔스퀘어 네오 Regular" panose="00000500000000000000" pitchFamily="2" charset="-127"/>
+              </a:rPr>
+              <a:t>, FC</a:t>
+            </a:r>
+            <a:r>
+              <a:rPr lang="ko-KR" altLang="en-US" sz="2000" dirty="0">
+                <a:latin typeface="나눔스퀘어 네오 Regular" panose="00000500000000000000" pitchFamily="2" charset="-127"/>
+                <a:ea typeface="나눔스퀘어 네오 Regular" panose="00000500000000000000" pitchFamily="2" charset="-127"/>
+              </a:rPr>
+              <a:t> 제작이 가능한 </a:t>
+            </a:r>
+            <a:r>
+              <a:rPr lang="en-US" altLang="ko-KR" sz="2000" dirty="0">
+                <a:latin typeface="나눔스퀘어 네오 Regular" panose="00000500000000000000" pitchFamily="2" charset="-127"/>
+                <a:ea typeface="나눔스퀘어 네오 Regular" panose="00000500000000000000" pitchFamily="2" charset="-127"/>
+              </a:rPr>
+              <a:t>subjects </a:t>
+            </a:r>
+            <a:r>
+              <a:rPr lang="ko-KR" altLang="en-US" sz="2000" dirty="0">
+                <a:latin typeface="나눔스퀘어 네오 Regular" panose="00000500000000000000" pitchFamily="2" charset="-127"/>
+                <a:ea typeface="나눔스퀘어 네오 Regular" panose="00000500000000000000" pitchFamily="2" charset="-127"/>
+              </a:rPr>
+              <a:t>수가 많은 </a:t>
+            </a:r>
+            <a:r>
+              <a:rPr lang="en-US" altLang="ko-KR" sz="2000" b="1" dirty="0">
+                <a:latin typeface="나눔스퀘어 네오 Regular" panose="00000500000000000000" pitchFamily="2" charset="-127"/>
+                <a:ea typeface="나눔스퀘어 네오 Regular" panose="00000500000000000000" pitchFamily="2" charset="-127"/>
+              </a:rPr>
+              <a:t>AAL1 atlas</a:t>
+            </a:r>
+            <a:r>
+              <a:rPr lang="ko-KR" altLang="en-US" sz="2000" dirty="0">
+                <a:latin typeface="나눔스퀘어 네오 Regular" panose="00000500000000000000" pitchFamily="2" charset="-127"/>
+                <a:ea typeface="나눔스퀘어 네오 Regular" panose="00000500000000000000" pitchFamily="2" charset="-127"/>
+              </a:rPr>
+              <a:t>로 결정</a:t>
+            </a:r>
+            <a:endParaRPr lang="en-US" altLang="ko-KR" sz="2000" dirty="0">
+              <a:latin typeface="나눔스퀘어 네오 Regular" panose="00000500000000000000" pitchFamily="2" charset="-127"/>
+              <a:ea typeface="나눔스퀘어 네오 Regular" panose="00000500000000000000" pitchFamily="2" charset="-127"/>
             </a:endParaRPr>
           </a:p>
         </p:txBody>
@@ -6546,327 +7930,6 @@
     <p:extLst>
       <p:ext uri="{BB962C8B-B14F-4D97-AF65-F5344CB8AC3E}">
         <p14:creationId xmlns:p14="http://schemas.microsoft.com/office/powerpoint/2010/main" val="3177400727"/>
-      </p:ext>
-    </p:extLst>
-  </p:cSld>
-  <p:clrMapOvr>
-    <a:masterClrMapping/>
-  </p:clrMapOvr>
-</p:sld>
-</file>
-
-<file path=ppt/slides/slide6.xml><?xml version="1.0" encoding="utf-8"?>
-<p:sld xmlns:a="http://schemas.openxmlformats.org/drawingml/2006/main" xmlns:r="http://schemas.openxmlformats.org/officeDocument/2006/relationships" xmlns:p="http://schemas.openxmlformats.org/presentationml/2006/main">
-  <p:cSld>
-    <p:spTree>
-      <p:nvGrpSpPr>
-        <p:cNvPr id="1" name="">
-          <a:extLst>
-            <a:ext uri="{FF2B5EF4-FFF2-40B4-BE49-F238E27FC236}">
-              <a16:creationId xmlns:a16="http://schemas.microsoft.com/office/drawing/2014/main" id="{C612D8D5-39B5-DED1-0BB5-8A1962B4418F}"/>
-            </a:ext>
-          </a:extLst>
-        </p:cNvPr>
-        <p:cNvGrpSpPr/>
-        <p:nvPr/>
-      </p:nvGrpSpPr>
-      <p:grpSpPr>
-        <a:xfrm>
-          <a:off x="0" y="0"/>
-          <a:ext cx="0" cy="0"/>
-          <a:chOff x="0" y="0"/>
-          <a:chExt cx="0" cy="0"/>
-        </a:xfrm>
-      </p:grpSpPr>
-      <p:sp>
-        <p:nvSpPr>
-          <p:cNvPr id="2" name="제목 1">
-            <a:extLst>
-              <a:ext uri="{FF2B5EF4-FFF2-40B4-BE49-F238E27FC236}">
-                <a16:creationId xmlns:a16="http://schemas.microsoft.com/office/drawing/2014/main" id="{D1329C84-438E-3035-82EF-FA18BB26431A}"/>
-              </a:ext>
-            </a:extLst>
-          </p:cNvPr>
-          <p:cNvSpPr>
-            <a:spLocks noGrp="1"/>
-          </p:cNvSpPr>
-          <p:nvPr>
-            <p:ph type="title"/>
-          </p:nvPr>
-        </p:nvSpPr>
-        <p:spPr/>
-        <p:txBody>
-          <a:bodyPr>
-            <a:normAutofit/>
-          </a:bodyPr>
-          <a:lstStyle/>
-          <a:p>
-            <a:r>
-              <a:rPr lang="en-US" altLang="ko-KR" sz="3200" dirty="0"/>
-              <a:t>3. Graph dataset</a:t>
-            </a:r>
-            <a:endParaRPr lang="ko-KR" altLang="en-US" sz="3200" dirty="0"/>
-          </a:p>
-        </p:txBody>
-      </p:sp>
-      <p:sp>
-        <p:nvSpPr>
-          <p:cNvPr id="3" name="내용 개체 틀 2">
-            <a:extLst>
-              <a:ext uri="{FF2B5EF4-FFF2-40B4-BE49-F238E27FC236}">
-                <a16:creationId xmlns:a16="http://schemas.microsoft.com/office/drawing/2014/main" id="{00117FC7-628C-3DF6-CE7F-4EF3BEFCAA85}"/>
-              </a:ext>
-            </a:extLst>
-          </p:cNvPr>
-          <p:cNvSpPr>
-            <a:spLocks noGrp="1"/>
-          </p:cNvSpPr>
-          <p:nvPr>
-            <p:ph idx="1"/>
-          </p:nvPr>
-        </p:nvSpPr>
-        <p:spPr>
-          <a:xfrm>
-            <a:off x="689657" y="1422805"/>
-            <a:ext cx="10515600" cy="5088358"/>
-          </a:xfrm>
-        </p:spPr>
-        <p:txBody>
-          <a:bodyPr>
-            <a:normAutofit/>
-          </a:bodyPr>
-          <a:lstStyle/>
-          <a:p>
-            <a:pPr marL="0" indent="0">
-              <a:buNone/>
-            </a:pPr>
-            <a:r>
-              <a:rPr lang="en-US" altLang="ko-KR" sz="2000" dirty="0"/>
-              <a:t>G = (V, E, W)</a:t>
-            </a:r>
-          </a:p>
-          <a:p>
-            <a:r>
-              <a:rPr lang="en-US" altLang="ko-KR" sz="2000" dirty="0"/>
-              <a:t>G : subject 1</a:t>
-            </a:r>
-            <a:r>
-              <a:rPr lang="ko-KR" altLang="en-US" sz="2000" dirty="0"/>
-              <a:t>명의 </a:t>
-            </a:r>
-            <a:r>
-              <a:rPr lang="en-US" altLang="ko-KR" sz="2000" dirty="0"/>
-              <a:t>brain network</a:t>
-            </a:r>
-          </a:p>
-          <a:p>
-            <a:r>
-              <a:rPr lang="en-US" altLang="ko-KR" sz="2000" dirty="0"/>
-              <a:t>V : brain regions (defined by atlas)</a:t>
-            </a:r>
-          </a:p>
-          <a:p>
-            <a:pPr marL="0" indent="0">
-              <a:buNone/>
-            </a:pPr>
-            <a:r>
-              <a:rPr lang="en-US" altLang="ko-KR" sz="2000" dirty="0"/>
-              <a:t>	feature(x) : </a:t>
-            </a:r>
-            <a:r>
-              <a:rPr lang="ko-KR" altLang="en-US" sz="2000" dirty="0"/>
-              <a:t>다른 </a:t>
-            </a:r>
-            <a:r>
-              <a:rPr lang="en-US" altLang="ko-KR" sz="2000" dirty="0"/>
-              <a:t>ROI</a:t>
-            </a:r>
-            <a:r>
-              <a:rPr lang="ko-KR" altLang="en-US" sz="2000" dirty="0"/>
-              <a:t>와의 </a:t>
-            </a:r>
-            <a:r>
-              <a:rPr lang="en-US" altLang="ko-KR" sz="2000" dirty="0"/>
-              <a:t>functional connectivity</a:t>
-            </a:r>
-          </a:p>
-          <a:p>
-            <a:r>
-              <a:rPr lang="en-US" altLang="ko-KR" sz="2000" dirty="0"/>
-              <a:t>E(</a:t>
-            </a:r>
-            <a:r>
-              <a:rPr lang="en-US" altLang="ko-KR" sz="2000" dirty="0" err="1"/>
-              <a:t>edge_index</a:t>
-            </a:r>
-            <a:r>
-              <a:rPr lang="en-US" altLang="ko-KR" sz="2000" dirty="0"/>
-              <a:t>) : brain regions</a:t>
-            </a:r>
-            <a:r>
-              <a:rPr lang="ko-KR" altLang="en-US" sz="2000"/>
-              <a:t>간 </a:t>
-            </a:r>
-            <a:r>
-              <a:rPr lang="en-US" altLang="ko-KR" sz="2000"/>
-              <a:t>functional </a:t>
-            </a:r>
-            <a:r>
-              <a:rPr lang="en-US" altLang="ko-KR" sz="2000" dirty="0"/>
-              <a:t>connections (KNN, k=10)</a:t>
-            </a:r>
-          </a:p>
-          <a:p>
-            <a:pPr marL="0" indent="0">
-              <a:buNone/>
-            </a:pPr>
-            <a:r>
-              <a:rPr lang="en-US" altLang="ko-KR" sz="2000" dirty="0"/>
-              <a:t>	feature(</a:t>
-            </a:r>
-            <a:r>
-              <a:rPr lang="en-US" altLang="ko-KR" sz="2000" dirty="0" err="1"/>
-              <a:t>edge_attr</a:t>
-            </a:r>
-            <a:r>
-              <a:rPr lang="en-US" altLang="ko-KR" sz="2000" dirty="0"/>
-              <a:t>) </a:t>
-            </a:r>
-            <a:r>
-              <a:rPr lang="en-US" altLang="ko-KR" sz="2000"/>
-              <a:t>:  </a:t>
-            </a:r>
-            <a:r>
-              <a:rPr lang="ko-KR" altLang="en-US" sz="2000"/>
-              <a:t>두 </a:t>
-            </a:r>
-            <a:r>
-              <a:rPr lang="en-US" altLang="ko-KR" sz="2000"/>
-              <a:t>node</a:t>
-            </a:r>
-            <a:r>
-              <a:rPr lang="ko-KR" altLang="en-US" sz="2000"/>
-              <a:t>간 연결의 </a:t>
-            </a:r>
-            <a:r>
-              <a:rPr lang="en-US" altLang="ko-KR" sz="2000"/>
-              <a:t>weight </a:t>
-            </a:r>
-          </a:p>
-          <a:p>
-            <a:pPr marL="0" indent="0">
-              <a:buNone/>
-            </a:pPr>
-            <a:r>
-              <a:rPr lang="en-US" altLang="ko-KR" sz="2000"/>
-              <a:t>	(</a:t>
-            </a:r>
-            <a:r>
-              <a:rPr lang="ko-KR" altLang="en-US" sz="2000" dirty="0"/>
-              <a:t>두 </a:t>
-            </a:r>
-            <a:r>
-              <a:rPr lang="en-US" altLang="ko-KR" sz="2000" dirty="0"/>
-              <a:t>node</a:t>
-            </a:r>
-            <a:r>
-              <a:rPr lang="ko-KR" altLang="en-US" sz="2000"/>
-              <a:t>의</a:t>
-            </a:r>
-            <a:r>
-              <a:rPr lang="en-US" altLang="ko-KR" sz="2000"/>
-              <a:t> functional connectivity pattern</a:t>
-            </a:r>
-            <a:r>
-              <a:rPr lang="ko-KR" altLang="en-US" sz="2000"/>
-              <a:t>간의</a:t>
-            </a:r>
-            <a:r>
-              <a:rPr lang="en-US" altLang="ko-KR" sz="2000"/>
-              <a:t> </a:t>
-            </a:r>
-            <a:r>
-              <a:rPr lang="ko-KR" altLang="en-US" sz="2000"/>
-              <a:t>유사성을 기반으로 </a:t>
-            </a:r>
-            <a:r>
-              <a:rPr lang="en-US" altLang="ko-KR" sz="2000"/>
-              <a:t>weight </a:t>
-            </a:r>
-            <a:r>
-              <a:rPr lang="ko-KR" altLang="en-US" sz="2000"/>
-              <a:t>계산</a:t>
-            </a:r>
-            <a:r>
-              <a:rPr lang="en-US" altLang="ko-KR" sz="2000"/>
-              <a:t>)</a:t>
-            </a:r>
-            <a:endParaRPr lang="en-US" altLang="ko-KR" sz="2000" dirty="0">
-              <a:highlight>
-                <a:srgbClr val="FFFF00"/>
-              </a:highlight>
-            </a:endParaRPr>
-          </a:p>
-          <a:p>
-            <a:pPr marL="0" indent="0">
-              <a:buNone/>
-            </a:pPr>
-            <a:endParaRPr lang="en-US" altLang="ko-KR" sz="2000" dirty="0"/>
-          </a:p>
-          <a:p>
-            <a:pPr marL="0" indent="0">
-              <a:buNone/>
-            </a:pPr>
-            <a:r>
-              <a:rPr lang="en-US" altLang="ko-KR" sz="2000" dirty="0" err="1"/>
-              <a:t>FCGraphDataset</a:t>
-            </a:r>
-            <a:r>
-              <a:rPr lang="en-US" altLang="ko-KR" sz="2000" dirty="0"/>
-              <a:t>(146)</a:t>
-            </a:r>
-          </a:p>
-          <a:p>
-            <a:pPr marL="0" indent="0">
-              <a:buNone/>
-            </a:pPr>
-            <a:r>
-              <a:rPr lang="en-US" altLang="ko-KR" sz="2000" dirty="0" err="1"/>
-              <a:t>FCGraphDataset</a:t>
-            </a:r>
-            <a:r>
-              <a:rPr lang="en-US" altLang="ko-KR" sz="2000" dirty="0"/>
-              <a:t> [0] = Data(x=[164, 164], </a:t>
-            </a:r>
-            <a:r>
-              <a:rPr lang="en-US" altLang="ko-KR" sz="2000" dirty="0" err="1"/>
-              <a:t>edge_index</a:t>
-            </a:r>
-            <a:r>
-              <a:rPr lang="en-US" altLang="ko-KR" sz="2000" dirty="0"/>
-              <a:t>=[2, 2084], </a:t>
-            </a:r>
-            <a:r>
-              <a:rPr lang="en-US" altLang="ko-KR" sz="2000" dirty="0" err="1"/>
-              <a:t>edge_attr</a:t>
-            </a:r>
-            <a:r>
-              <a:rPr lang="en-US" altLang="ko-KR" sz="2000" dirty="0"/>
-              <a:t>=[2084], y=[1])</a:t>
-            </a:r>
-          </a:p>
-          <a:p>
-            <a:pPr marL="0" indent="0">
-              <a:buNone/>
-            </a:pPr>
-            <a:endParaRPr lang="ko-KR" altLang="en-US" sz="2000" dirty="0"/>
-          </a:p>
-        </p:txBody>
-      </p:sp>
-    </p:spTree>
-    <p:extLst>
-      <p:ext uri="{BB962C8B-B14F-4D97-AF65-F5344CB8AC3E}">
-        <p14:creationId xmlns:p14="http://schemas.microsoft.com/office/powerpoint/2010/main" val="2132451353"/>
       </p:ext>
     </p:extLst>
   </p:cSld>
@@ -6901,125 +7964,76 @@
       </p:grpSpPr>
       <p:sp>
         <p:nvSpPr>
-          <p:cNvPr id="2" name="제목 1">
-            <a:extLst>
-              <a:ext uri="{FF2B5EF4-FFF2-40B4-BE49-F238E27FC236}">
-                <a16:creationId xmlns:a16="http://schemas.microsoft.com/office/drawing/2014/main" id="{D1329C84-438E-3035-82EF-FA18BB26431A}"/>
-              </a:ext>
-            </a:extLst>
-          </p:cNvPr>
-          <p:cNvSpPr>
-            <a:spLocks noGrp="1"/>
+          <p:cNvPr id="4" name="제목 1">
+            <a:extLst>
+              <a:ext uri="{FF2B5EF4-FFF2-40B4-BE49-F238E27FC236}">
+                <a16:creationId xmlns:a16="http://schemas.microsoft.com/office/drawing/2014/main" id="{303412F5-68D3-4307-A101-B763486DECAA}"/>
+              </a:ext>
+            </a:extLst>
+          </p:cNvPr>
+          <p:cNvSpPr txBox="1">
+            <a:spLocks/>
           </p:cNvSpPr>
-          <p:nvPr>
-            <p:ph type="title"/>
-          </p:nvPr>
-        </p:nvSpPr>
-        <p:spPr/>
-        <p:txBody>
-          <a:bodyPr>
-            <a:normAutofit/>
-          </a:bodyPr>
-          <a:lstStyle/>
-          <a:p>
-            <a:r>
-              <a:rPr lang="en-US" altLang="ko-KR" sz="3200" dirty="0"/>
-              <a:t>3. Graph dataset – weighted adjacency matrix</a:t>
-            </a:r>
-            <a:endParaRPr lang="ko-KR" altLang="en-US" sz="3200" dirty="0"/>
-          </a:p>
-        </p:txBody>
-      </p:sp>
-      <p:sp>
-        <p:nvSpPr>
-          <p:cNvPr id="4" name="TextBox 3">
-            <a:extLst>
-              <a:ext uri="{FF2B5EF4-FFF2-40B4-BE49-F238E27FC236}">
-                <a16:creationId xmlns:a16="http://schemas.microsoft.com/office/drawing/2014/main" id="{50935AD0-A503-4798-A2F3-5342C36A2E43}"/>
-              </a:ext>
-            </a:extLst>
-          </p:cNvPr>
-          <p:cNvSpPr txBox="1"/>
           <p:nvPr/>
         </p:nvSpPr>
         <p:spPr>
           <a:xfrm>
-            <a:off x="109728" y="1506022"/>
-            <a:ext cx="2946640" cy="369332"/>
+            <a:off x="509587" y="0"/>
+            <a:ext cx="10515600" cy="1325563"/>
           </a:xfrm>
           <a:prstGeom prst="rect">
             <a:avLst/>
           </a:prstGeom>
-          <a:noFill/>
         </p:spPr>
         <p:txBody>
-          <a:bodyPr wrap="none" rtlCol="0">
-            <a:spAutoFit/>
+          <a:bodyPr vert="horz" lIns="91440" tIns="45720" rIns="91440" bIns="45720" rtlCol="0" anchor="ctr">
+            <a:normAutofit/>
           </a:bodyPr>
-          <a:lstStyle/>
-          <a:p>
-            <a:r>
-              <a:rPr lang="en-US" altLang="ko-KR" dirty="0">
-                <a:latin typeface="나눔스퀘어" panose="020B0600000101010101" pitchFamily="50" charset="-127"/>
-                <a:ea typeface="나눔스퀘어" panose="020B0600000101010101" pitchFamily="50" charset="-127"/>
-              </a:rPr>
-              <a:t>Functional connectivity(X) </a:t>
-            </a:r>
-            <a:endParaRPr lang="ko-KR" altLang="en-US" dirty="0">
-              <a:latin typeface="나눔스퀘어" panose="020B0600000101010101" pitchFamily="50" charset="-127"/>
-              <a:ea typeface="나눔스퀘어" panose="020B0600000101010101" pitchFamily="50" charset="-127"/>
-            </a:endParaRPr>
-          </a:p>
-        </p:txBody>
-      </p:sp>
-      <p:sp>
-        <p:nvSpPr>
-          <p:cNvPr id="7" name="TextBox 6">
-            <a:extLst>
-              <a:ext uri="{FF2B5EF4-FFF2-40B4-BE49-F238E27FC236}">
-                <a16:creationId xmlns:a16="http://schemas.microsoft.com/office/drawing/2014/main" id="{78DA09A0-493B-49A2-B2D5-D76F2613C599}"/>
-              </a:ext>
-            </a:extLst>
-          </p:cNvPr>
-          <p:cNvSpPr txBox="1"/>
-          <p:nvPr/>
-        </p:nvSpPr>
-        <p:spPr>
-          <a:xfrm>
-            <a:off x="6992112" y="1453053"/>
-            <a:ext cx="1972015" cy="369332"/>
-          </a:xfrm>
-          <a:prstGeom prst="rect">
-            <a:avLst/>
-          </a:prstGeom>
-          <a:noFill/>
-        </p:spPr>
-        <p:txBody>
-          <a:bodyPr wrap="none" rtlCol="0">
-            <a:spAutoFit/>
-          </a:bodyPr>
-          <a:lstStyle/>
-          <a:p>
-            <a:r>
-              <a:rPr lang="en-US" altLang="ko-KR">
-                <a:latin typeface="나눔스퀘어" panose="020B0600000101010101" pitchFamily="50" charset="-127"/>
-                <a:ea typeface="나눔스퀘어" panose="020B0600000101010101" pitchFamily="50" charset="-127"/>
-              </a:rPr>
-              <a:t>Adjacency matrix</a:t>
-            </a:r>
-            <a:endParaRPr lang="ko-KR" altLang="en-US" dirty="0">
-              <a:latin typeface="나눔스퀘어" panose="020B0600000101010101" pitchFamily="50" charset="-127"/>
-              <a:ea typeface="나눔스퀘어" panose="020B0600000101010101" pitchFamily="50" charset="-127"/>
-            </a:endParaRPr>
+          <a:lstStyle>
+            <a:lvl1pPr algn="l" defTabSz="914400" rtl="0" eaLnBrk="1" latinLnBrk="1" hangingPunct="1">
+              <a:lnSpc>
+                <a:spcPct val="90000"/>
+              </a:lnSpc>
+              <a:spcBef>
+                <a:spcPct val="0"/>
+              </a:spcBef>
+              <a:buNone/>
+              <a:defRPr sz="4400" kern="1200">
+                <a:solidFill>
+                  <a:schemeClr val="tx1"/>
+                </a:solidFill>
+                <a:latin typeface="나눔스퀘어 네오 Regular" panose="00000500000000000000" pitchFamily="2" charset="-127"/>
+                <a:ea typeface="나눔스퀘어 네오 Regular" panose="00000500000000000000" pitchFamily="2" charset="-127"/>
+                <a:cs typeface="+mj-cs"/>
+              </a:defRPr>
+            </a:lvl1pPr>
+          </a:lstStyle>
+          <a:p>
+            <a:r>
+              <a:rPr lang="en-US" altLang="ko-KR" sz="3200" dirty="0"/>
+              <a:t>3. Graph Dataset</a:t>
+            </a:r>
+            <a:r>
+              <a:rPr lang="ko-KR" altLang="en-US" sz="3200" dirty="0"/>
+              <a:t>으로</a:t>
+            </a:r>
+            <a:r>
+              <a:rPr lang="en-US" altLang="ko-KR" sz="3200" dirty="0"/>
+              <a:t> </a:t>
+            </a:r>
+            <a:r>
+              <a:rPr lang="ko-KR" altLang="en-US" sz="3200" dirty="0"/>
+              <a:t>변환</a:t>
+            </a:r>
           </a:p>
         </p:txBody>
       </p:sp>
       <p:pic>
         <p:nvPicPr>
-          <p:cNvPr id="17" name="그림 16">
-            <a:extLst>
-              <a:ext uri="{FF2B5EF4-FFF2-40B4-BE49-F238E27FC236}">
-                <a16:creationId xmlns:a16="http://schemas.microsoft.com/office/drawing/2014/main" id="{ADE7F9CD-45AE-44CD-A225-F78A6E472DF1}"/>
+          <p:cNvPr id="8" name="그림 7">
+            <a:extLst>
+              <a:ext uri="{FF2B5EF4-FFF2-40B4-BE49-F238E27FC236}">
+                <a16:creationId xmlns:a16="http://schemas.microsoft.com/office/drawing/2014/main" id="{5058BAFD-B357-437E-8A01-DF35EB20C97F}"/>
               </a:ext>
             </a:extLst>
           </p:cNvPr>
@@ -7036,8 +8050,8 @@
         </p:blipFill>
         <p:spPr>
           <a:xfrm>
-            <a:off x="499354" y="2091404"/>
-            <a:ext cx="2389632" cy="1701708"/>
+            <a:off x="2475879" y="5748994"/>
+            <a:ext cx="6914581" cy="615998"/>
           </a:xfrm>
           <a:prstGeom prst="rect">
             <a:avLst/>
@@ -7046,10 +8060,10 @@
       </p:pic>
       <p:sp>
         <p:nvSpPr>
-          <p:cNvPr id="21" name="TextBox 20">
-            <a:extLst>
-              <a:ext uri="{FF2B5EF4-FFF2-40B4-BE49-F238E27FC236}">
-                <a16:creationId xmlns:a16="http://schemas.microsoft.com/office/drawing/2014/main" id="{26FCC702-DCF3-49A6-A56D-A63DE9D38952}"/>
+          <p:cNvPr id="10" name="TextBox 9">
+            <a:extLst>
+              <a:ext uri="{FF2B5EF4-FFF2-40B4-BE49-F238E27FC236}">
+                <a16:creationId xmlns:a16="http://schemas.microsoft.com/office/drawing/2014/main" id="{616C6F29-D90F-433F-A4ED-22488D0193FB}"/>
               </a:ext>
             </a:extLst>
           </p:cNvPr>
@@ -7058,8 +8072,8 @@
         </p:nvSpPr>
         <p:spPr>
           <a:xfrm>
-            <a:off x="117218" y="3934716"/>
-            <a:ext cx="3249168" cy="646331"/>
+            <a:off x="689371" y="1336676"/>
+            <a:ext cx="11083529" cy="4401205"/>
           </a:xfrm>
           <a:prstGeom prst="rect">
             <a:avLst/>
@@ -7072,1004 +8086,400 @@
           </a:bodyPr>
           <a:lstStyle/>
           <a:p>
-            <a:r>
-              <a:rPr lang="ko-KR" altLang="en-US">
-                <a:latin typeface="나눔스퀘어" panose="020B0600000101010101" pitchFamily="50" charset="-127"/>
-                <a:ea typeface="나눔스퀘어" panose="020B0600000101010101" pitchFamily="50" charset="-127"/>
-              </a:rPr>
-              <a:t>값이 클 수록 두 </a:t>
-            </a:r>
-            <a:r>
-              <a:rPr lang="en-US" altLang="ko-KR">
-                <a:latin typeface="나눔스퀘어" panose="020B0600000101010101" pitchFamily="50" charset="-127"/>
-                <a:ea typeface="나눔스퀘어" panose="020B0600000101010101" pitchFamily="50" charset="-127"/>
+            <a:pPr marL="0" indent="0">
+              <a:buNone/>
+            </a:pPr>
+            <a:r>
+              <a:rPr lang="en-US" altLang="ko-KR" sz="2000" dirty="0">
+                <a:latin typeface="나눔스퀘어 네오 Regular" panose="00000500000000000000" pitchFamily="2" charset="-127"/>
+                <a:ea typeface="나눔스퀘어 네오 Regular" panose="00000500000000000000" pitchFamily="2" charset="-127"/>
+              </a:rPr>
+              <a:t>G = (V, E)</a:t>
+            </a:r>
+          </a:p>
+          <a:p>
+            <a:pPr marL="0" indent="0">
+              <a:buNone/>
+            </a:pPr>
+            <a:endParaRPr lang="en-US" altLang="ko-KR" sz="2000" dirty="0">
+              <a:latin typeface="나눔스퀘어 네오 Regular" panose="00000500000000000000" pitchFamily="2" charset="-127"/>
+              <a:ea typeface="나눔스퀘어 네오 Regular" panose="00000500000000000000" pitchFamily="2" charset="-127"/>
+            </a:endParaRPr>
+          </a:p>
+          <a:p>
+            <a:pPr>
+              <a:lnSpc>
+                <a:spcPct val="150000"/>
+              </a:lnSpc>
+            </a:pPr>
+            <a:r>
+              <a:rPr lang="en-US" altLang="ko-KR" sz="2000" b="1" dirty="0">
+                <a:latin typeface="나눔스퀘어 네오 Regular" panose="00000500000000000000" pitchFamily="2" charset="-127"/>
+                <a:ea typeface="나눔스퀘어 네오 Regular" panose="00000500000000000000" pitchFamily="2" charset="-127"/>
+              </a:rPr>
+              <a:t>G</a:t>
+            </a:r>
+            <a:r>
+              <a:rPr lang="en-US" altLang="ko-KR" sz="2000" dirty="0">
+                <a:latin typeface="나눔스퀘어 네오 Regular" panose="00000500000000000000" pitchFamily="2" charset="-127"/>
+                <a:ea typeface="나눔스퀘어 네오 Regular" panose="00000500000000000000" pitchFamily="2" charset="-127"/>
+              </a:rPr>
+              <a:t> : subject 1</a:t>
+            </a:r>
+            <a:r>
+              <a:rPr lang="ko-KR" altLang="en-US" sz="2000" dirty="0">
+                <a:latin typeface="나눔스퀘어 네오 Regular" panose="00000500000000000000" pitchFamily="2" charset="-127"/>
+                <a:ea typeface="나눔스퀘어 네오 Regular" panose="00000500000000000000" pitchFamily="2" charset="-127"/>
+              </a:rPr>
+              <a:t>명의 </a:t>
+            </a:r>
+            <a:r>
+              <a:rPr lang="en-US" altLang="ko-KR" sz="2000" dirty="0">
+                <a:latin typeface="나눔스퀘어 네오 Regular" panose="00000500000000000000" pitchFamily="2" charset="-127"/>
+                <a:ea typeface="나눔스퀘어 네오 Regular" panose="00000500000000000000" pitchFamily="2" charset="-127"/>
+              </a:rPr>
+              <a:t>brain network</a:t>
+            </a:r>
+          </a:p>
+          <a:p>
+            <a:pPr>
+              <a:lnSpc>
+                <a:spcPct val="150000"/>
+              </a:lnSpc>
+            </a:pPr>
+            <a:r>
+              <a:rPr lang="en-US" altLang="ko-KR" sz="2000" b="1" dirty="0">
+                <a:latin typeface="나눔스퀘어 네오 Regular" panose="00000500000000000000" pitchFamily="2" charset="-127"/>
+                <a:ea typeface="나눔스퀘어 네오 Regular" panose="00000500000000000000" pitchFamily="2" charset="-127"/>
+              </a:rPr>
+              <a:t>V</a:t>
+            </a:r>
+            <a:r>
+              <a:rPr lang="en-US" altLang="ko-KR" sz="2000" dirty="0">
+                <a:latin typeface="나눔스퀘어 네오 Regular" panose="00000500000000000000" pitchFamily="2" charset="-127"/>
+                <a:ea typeface="나눔스퀘어 네오 Regular" panose="00000500000000000000" pitchFamily="2" charset="-127"/>
+              </a:rPr>
+              <a:t> : brain regions (116 ROI)</a:t>
+            </a:r>
+          </a:p>
+          <a:p>
+            <a:pPr marL="0" indent="0">
+              <a:lnSpc>
+                <a:spcPct val="150000"/>
+              </a:lnSpc>
+              <a:buNone/>
+            </a:pPr>
+            <a:r>
+              <a:rPr lang="en-US" altLang="ko-KR" sz="2000" dirty="0">
+                <a:latin typeface="나눔스퀘어 네오 Regular" panose="00000500000000000000" pitchFamily="2" charset="-127"/>
+                <a:ea typeface="나눔스퀘어 네오 Regular" panose="00000500000000000000" pitchFamily="2" charset="-127"/>
+              </a:rPr>
+              <a:t>	</a:t>
+            </a:r>
+            <a:r>
+              <a:rPr lang="en-US" altLang="ko-KR" sz="2000" b="1" dirty="0">
+                <a:latin typeface="나눔스퀘어 네오 Regular" panose="00000500000000000000" pitchFamily="2" charset="-127"/>
+                <a:ea typeface="나눔스퀘어 네오 Regular" panose="00000500000000000000" pitchFamily="2" charset="-127"/>
+              </a:rPr>
+              <a:t>feature(x)</a:t>
+            </a:r>
+            <a:r>
+              <a:rPr lang="en-US" altLang="ko-KR" sz="2000" dirty="0">
+                <a:latin typeface="나눔스퀘어 네오 Regular" panose="00000500000000000000" pitchFamily="2" charset="-127"/>
+                <a:ea typeface="나눔스퀘어 네오 Regular" panose="00000500000000000000" pitchFamily="2" charset="-127"/>
+              </a:rPr>
+              <a:t> : functional connectivity matrix</a:t>
+            </a:r>
+          </a:p>
+          <a:p>
+            <a:pPr>
+              <a:lnSpc>
+                <a:spcPct val="150000"/>
+              </a:lnSpc>
+            </a:pPr>
+            <a:r>
+              <a:rPr lang="en-US" altLang="ko-KR" sz="2000" b="1" dirty="0">
+                <a:latin typeface="나눔스퀘어 네오 Regular" panose="00000500000000000000" pitchFamily="2" charset="-127"/>
+                <a:ea typeface="나눔스퀘어 네오 Regular" panose="00000500000000000000" pitchFamily="2" charset="-127"/>
+              </a:rPr>
+              <a:t>E(</a:t>
+            </a:r>
+            <a:r>
+              <a:rPr lang="en-US" altLang="ko-KR" sz="2000" b="1" dirty="0" err="1">
+                <a:latin typeface="나눔스퀘어 네오 Regular" panose="00000500000000000000" pitchFamily="2" charset="-127"/>
+                <a:ea typeface="나눔스퀘어 네오 Regular" panose="00000500000000000000" pitchFamily="2" charset="-127"/>
+              </a:rPr>
+              <a:t>edge_index</a:t>
+            </a:r>
+            <a:r>
+              <a:rPr lang="en-US" altLang="ko-KR" sz="2000" b="1" dirty="0">
+                <a:latin typeface="나눔스퀘어 네오 Regular" panose="00000500000000000000" pitchFamily="2" charset="-127"/>
+                <a:ea typeface="나눔스퀘어 네오 Regular" panose="00000500000000000000" pitchFamily="2" charset="-127"/>
+              </a:rPr>
+              <a:t>) </a:t>
+            </a:r>
+            <a:r>
+              <a:rPr lang="en-US" altLang="ko-KR" sz="2000" dirty="0">
+                <a:latin typeface="나눔스퀘어 네오 Regular" panose="00000500000000000000" pitchFamily="2" charset="-127"/>
+                <a:ea typeface="나눔스퀘어 네오 Regular" panose="00000500000000000000" pitchFamily="2" charset="-127"/>
+              </a:rPr>
+              <a:t>: functional connection </a:t>
+            </a:r>
+            <a:r>
+              <a:rPr lang="ko-KR" altLang="en-US" sz="2000" dirty="0">
+                <a:latin typeface="나눔스퀘어 네오 Regular" panose="00000500000000000000" pitchFamily="2" charset="-127"/>
+                <a:ea typeface="나눔스퀘어 네오 Regular" panose="00000500000000000000" pitchFamily="2" charset="-127"/>
+              </a:rPr>
+              <a:t>존재하는 </a:t>
+            </a:r>
+            <a:r>
+              <a:rPr lang="en-US" altLang="ko-KR" sz="2000" dirty="0">
+                <a:latin typeface="나눔스퀘어 네오 Regular" panose="00000500000000000000" pitchFamily="2" charset="-127"/>
+                <a:ea typeface="나눔스퀘어 네오 Regular" panose="00000500000000000000" pitchFamily="2" charset="-127"/>
+              </a:rPr>
+              <a:t>brain region </a:t>
+            </a:r>
+            <a:r>
+              <a:rPr lang="ko-KR" altLang="en-US" sz="2000" dirty="0">
+                <a:latin typeface="나눔스퀘어 네오 Regular" panose="00000500000000000000" pitchFamily="2" charset="-127"/>
+                <a:ea typeface="나눔스퀘어 네오 Regular" panose="00000500000000000000" pitchFamily="2" charset="-127"/>
+              </a:rPr>
+              <a:t>쌍</a:t>
+            </a:r>
+            <a:r>
+              <a:rPr lang="en-US" altLang="ko-KR" sz="2000" dirty="0">
+                <a:latin typeface="나눔스퀘어 네오 Regular" panose="00000500000000000000" pitchFamily="2" charset="-127"/>
+                <a:ea typeface="나눔스퀘어 네오 Regular" panose="00000500000000000000" pitchFamily="2" charset="-127"/>
+              </a:rPr>
+              <a:t> (KNN, k=10)</a:t>
+            </a:r>
+          </a:p>
+          <a:p>
+            <a:pPr marL="0" indent="0">
+              <a:lnSpc>
+                <a:spcPct val="150000"/>
+              </a:lnSpc>
+              <a:buNone/>
+            </a:pPr>
+            <a:r>
+              <a:rPr lang="en-US" altLang="ko-KR" sz="2000" dirty="0">
+                <a:latin typeface="나눔스퀘어 네오 Regular" panose="00000500000000000000" pitchFamily="2" charset="-127"/>
+                <a:ea typeface="나눔스퀘어 네오 Regular" panose="00000500000000000000" pitchFamily="2" charset="-127"/>
+              </a:rPr>
+              <a:t>	</a:t>
+            </a:r>
+            <a:r>
+              <a:rPr lang="en-US" altLang="ko-KR" sz="2000" b="1" dirty="0">
+                <a:latin typeface="나눔스퀘어 네오 Regular" panose="00000500000000000000" pitchFamily="2" charset="-127"/>
+                <a:ea typeface="나눔스퀘어 네오 Regular" panose="00000500000000000000" pitchFamily="2" charset="-127"/>
+              </a:rPr>
+              <a:t>feature(</a:t>
+            </a:r>
+            <a:r>
+              <a:rPr lang="en-US" altLang="ko-KR" sz="2000" b="1" dirty="0" err="1">
+                <a:latin typeface="나눔스퀘어 네오 Regular" panose="00000500000000000000" pitchFamily="2" charset="-127"/>
+                <a:ea typeface="나눔스퀘어 네오 Regular" panose="00000500000000000000" pitchFamily="2" charset="-127"/>
+              </a:rPr>
+              <a:t>edge_attr</a:t>
+            </a:r>
+            <a:r>
+              <a:rPr lang="en-US" altLang="ko-KR" sz="2000" b="1" dirty="0">
+                <a:latin typeface="나눔스퀘어 네오 Regular" panose="00000500000000000000" pitchFamily="2" charset="-127"/>
+                <a:ea typeface="나눔스퀘어 네오 Regular" panose="00000500000000000000" pitchFamily="2" charset="-127"/>
+              </a:rPr>
+              <a:t>) </a:t>
+            </a:r>
+            <a:r>
+              <a:rPr lang="en-US" altLang="ko-KR" sz="2000" dirty="0">
+                <a:latin typeface="나눔스퀘어 네오 Regular" panose="00000500000000000000" pitchFamily="2" charset="-127"/>
+                <a:ea typeface="나눔스퀘어 네오 Regular" panose="00000500000000000000" pitchFamily="2" charset="-127"/>
+              </a:rPr>
+              <a:t>:  </a:t>
+            </a:r>
+            <a:r>
+              <a:rPr lang="ko-KR" altLang="en-US" sz="2000" dirty="0">
+                <a:latin typeface="나눔스퀘어 네오 Regular" panose="00000500000000000000" pitchFamily="2" charset="-127"/>
+                <a:ea typeface="나눔스퀘어 네오 Regular" panose="00000500000000000000" pitchFamily="2" charset="-127"/>
+              </a:rPr>
+              <a:t>두 </a:t>
+            </a:r>
+            <a:r>
+              <a:rPr lang="en-US" altLang="ko-KR" sz="2000" dirty="0">
+                <a:latin typeface="나눔스퀘어 네오 Regular" panose="00000500000000000000" pitchFamily="2" charset="-127"/>
+                <a:ea typeface="나눔스퀘어 네오 Regular" panose="00000500000000000000" pitchFamily="2" charset="-127"/>
               </a:rPr>
               <a:t>node</a:t>
             </a:r>
             <a:r>
-              <a:rPr lang="ko-KR" altLang="en-US">
-                <a:latin typeface="나눔스퀘어" panose="020B0600000101010101" pitchFamily="50" charset="-127"/>
-                <a:ea typeface="나눔스퀘어" panose="020B0600000101010101" pitchFamily="50" charset="-127"/>
-              </a:rPr>
-              <a:t>간의 </a:t>
-            </a:r>
-            <a:endParaRPr lang="en-US" altLang="ko-KR">
-              <a:latin typeface="나눔스퀘어" panose="020B0600000101010101" pitchFamily="50" charset="-127"/>
-              <a:ea typeface="나눔스퀘어" panose="020B0600000101010101" pitchFamily="50" charset="-127"/>
+              <a:rPr lang="ko-KR" altLang="en-US" sz="2000" dirty="0">
+                <a:latin typeface="나눔스퀘어 네오 Regular" panose="00000500000000000000" pitchFamily="2" charset="-127"/>
+                <a:ea typeface="나눔스퀘어 네오 Regular" panose="00000500000000000000" pitchFamily="2" charset="-127"/>
+              </a:rPr>
+              <a:t> 사이 </a:t>
+            </a:r>
+            <a:r>
+              <a:rPr lang="en-US" altLang="ko-KR" sz="2000" dirty="0">
+                <a:latin typeface="나눔스퀘어 네오 Regular" panose="00000500000000000000" pitchFamily="2" charset="-127"/>
+                <a:ea typeface="나눔스퀘어 네오 Regular" panose="00000500000000000000" pitchFamily="2" charset="-127"/>
+              </a:rPr>
+              <a:t>edge</a:t>
+            </a:r>
+            <a:r>
+              <a:rPr lang="ko-KR" altLang="en-US" sz="2000" dirty="0">
+                <a:latin typeface="나눔스퀘어 네오 Regular" panose="00000500000000000000" pitchFamily="2" charset="-127"/>
+                <a:ea typeface="나눔스퀘어 네오 Regular" panose="00000500000000000000" pitchFamily="2" charset="-127"/>
+              </a:rPr>
+              <a:t>의 </a:t>
+            </a:r>
+            <a:r>
+              <a:rPr lang="en-US" altLang="ko-KR" sz="2000" dirty="0">
+                <a:latin typeface="나눔스퀘어 네오 Regular" panose="00000500000000000000" pitchFamily="2" charset="-127"/>
+                <a:ea typeface="나눔스퀘어 네오 Regular" panose="00000500000000000000" pitchFamily="2" charset="-127"/>
+              </a:rPr>
+              <a:t>weight</a:t>
+            </a:r>
+          </a:p>
+          <a:p>
+            <a:pPr marL="0" indent="0">
+              <a:lnSpc>
+                <a:spcPct val="150000"/>
+              </a:lnSpc>
+              <a:buNone/>
+            </a:pPr>
+            <a:r>
+              <a:rPr lang="en-US" altLang="ko-KR" sz="2000" dirty="0">
+                <a:latin typeface="나눔스퀘어 네오 Regular" panose="00000500000000000000" pitchFamily="2" charset="-127"/>
+                <a:ea typeface="나눔스퀘어 네오 Regular" panose="00000500000000000000" pitchFamily="2" charset="-127"/>
+              </a:rPr>
+              <a:t>	(</a:t>
+            </a:r>
+            <a:r>
+              <a:rPr lang="ko-KR" altLang="en-US" sz="2000" dirty="0">
+                <a:latin typeface="나눔스퀘어 네오 Regular" panose="00000500000000000000" pitchFamily="2" charset="-127"/>
+                <a:ea typeface="나눔스퀘어 네오 Regular" panose="00000500000000000000" pitchFamily="2" charset="-127"/>
+              </a:rPr>
+              <a:t>두 </a:t>
+            </a:r>
+            <a:r>
+              <a:rPr lang="en-US" altLang="ko-KR" sz="2000" dirty="0">
+                <a:latin typeface="나눔스퀘어 네오 Regular" panose="00000500000000000000" pitchFamily="2" charset="-127"/>
+                <a:ea typeface="나눔스퀘어 네오 Regular" panose="00000500000000000000" pitchFamily="2" charset="-127"/>
+              </a:rPr>
+              <a:t>node</a:t>
+            </a:r>
+            <a:r>
+              <a:rPr lang="ko-KR" altLang="en-US" sz="2000" dirty="0">
+                <a:latin typeface="나눔스퀘어 네오 Regular" panose="00000500000000000000" pitchFamily="2" charset="-127"/>
+                <a:ea typeface="나눔스퀘어 네오 Regular" panose="00000500000000000000" pitchFamily="2" charset="-127"/>
+              </a:rPr>
+              <a:t>의</a:t>
+            </a:r>
+            <a:r>
+              <a:rPr lang="en-US" altLang="ko-KR" sz="2000" dirty="0">
+                <a:latin typeface="나눔스퀘어 네오 Regular" panose="00000500000000000000" pitchFamily="2" charset="-127"/>
+                <a:ea typeface="나눔스퀘어 네오 Regular" panose="00000500000000000000" pitchFamily="2" charset="-127"/>
+              </a:rPr>
+              <a:t> functional connectivity pattern</a:t>
+            </a:r>
+            <a:r>
+              <a:rPr lang="ko-KR" altLang="en-US" sz="2000" dirty="0">
+                <a:latin typeface="나눔스퀘어 네오 Regular" panose="00000500000000000000" pitchFamily="2" charset="-127"/>
+                <a:ea typeface="나눔스퀘어 네오 Regular" panose="00000500000000000000" pitchFamily="2" charset="-127"/>
+              </a:rPr>
+              <a:t>간</a:t>
+            </a:r>
+            <a:r>
+              <a:rPr lang="en-US" altLang="ko-KR" sz="2000" dirty="0">
+                <a:latin typeface="나눔스퀘어 네오 Regular" panose="00000500000000000000" pitchFamily="2" charset="-127"/>
+                <a:ea typeface="나눔스퀘어 네오 Regular" panose="00000500000000000000" pitchFamily="2" charset="-127"/>
+              </a:rPr>
+              <a:t> </a:t>
+            </a:r>
+            <a:r>
+              <a:rPr lang="ko-KR" altLang="en-US" sz="2000" dirty="0">
+                <a:latin typeface="나눔스퀘어 네오 Regular" panose="00000500000000000000" pitchFamily="2" charset="-127"/>
+                <a:ea typeface="나눔스퀘어 네오 Regular" panose="00000500000000000000" pitchFamily="2" charset="-127"/>
+              </a:rPr>
+              <a:t>유사성을 기반으로 </a:t>
+            </a:r>
+            <a:r>
+              <a:rPr lang="en-US" altLang="ko-KR" sz="2000" dirty="0">
+                <a:latin typeface="나눔스퀘어 네오 Regular" panose="00000500000000000000" pitchFamily="2" charset="-127"/>
+                <a:ea typeface="나눔스퀘어 네오 Regular" panose="00000500000000000000" pitchFamily="2" charset="-127"/>
+              </a:rPr>
+              <a:t>weight </a:t>
+            </a:r>
+            <a:r>
+              <a:rPr lang="ko-KR" altLang="en-US" sz="2000" dirty="0">
+                <a:latin typeface="나눔스퀘어 네오 Regular" panose="00000500000000000000" pitchFamily="2" charset="-127"/>
+                <a:ea typeface="나눔스퀘어 네오 Regular" panose="00000500000000000000" pitchFamily="2" charset="-127"/>
+              </a:rPr>
+              <a:t>계산</a:t>
+            </a:r>
+            <a:r>
+              <a:rPr lang="en-US" altLang="ko-KR" sz="2000" dirty="0">
+                <a:latin typeface="나눔스퀘어 네오 Regular" panose="00000500000000000000" pitchFamily="2" charset="-127"/>
+                <a:ea typeface="나눔스퀘어 네오 Regular" panose="00000500000000000000" pitchFamily="2" charset="-127"/>
+              </a:rPr>
+              <a:t>)</a:t>
+            </a:r>
+            <a:endParaRPr lang="en-US" altLang="ko-KR" sz="2000" dirty="0">
+              <a:highlight>
+                <a:srgbClr val="FFFF00"/>
+              </a:highlight>
+              <a:latin typeface="나눔스퀘어 네오 Regular" panose="00000500000000000000" pitchFamily="2" charset="-127"/>
+              <a:ea typeface="나눔스퀘어 네오 Regular" panose="00000500000000000000" pitchFamily="2" charset="-127"/>
             </a:endParaRPr>
           </a:p>
           <a:p>
-            <a:r>
-              <a:rPr lang="en-US" altLang="ko-KR">
-                <a:latin typeface="나눔스퀘어" panose="020B0600000101010101" pitchFamily="50" charset="-127"/>
-                <a:ea typeface="나눔스퀘어" panose="020B0600000101010101" pitchFamily="50" charset="-127"/>
-              </a:rPr>
-              <a:t>functional connectivity </a:t>
-            </a:r>
-            <a:r>
-              <a:rPr lang="ko-KR" altLang="en-US">
-                <a:latin typeface="나눔스퀘어" panose="020B0600000101010101" pitchFamily="50" charset="-127"/>
-                <a:ea typeface="나눔스퀘어" panose="020B0600000101010101" pitchFamily="50" charset="-127"/>
-              </a:rPr>
-              <a:t>크다</a:t>
-            </a:r>
-            <a:endParaRPr lang="ko-KR" altLang="en-US" dirty="0">
-              <a:latin typeface="나눔스퀘어" panose="020B0600000101010101" pitchFamily="50" charset="-127"/>
-              <a:ea typeface="나눔스퀘어" panose="020B0600000101010101" pitchFamily="50" charset="-127"/>
+            <a:pPr marL="0" indent="0">
+              <a:buNone/>
+            </a:pPr>
+            <a:endParaRPr lang="en-US" altLang="ko-KR" sz="2000" dirty="0">
+              <a:latin typeface="나눔스퀘어 네오 Regular" panose="00000500000000000000" pitchFamily="2" charset="-127"/>
+              <a:ea typeface="나눔스퀘어 네오 Regular" panose="00000500000000000000" pitchFamily="2" charset="-127"/>
             </a:endParaRPr>
           </a:p>
-        </p:txBody>
-      </p:sp>
-      <p:sp>
-        <p:nvSpPr>
-          <p:cNvPr id="23" name="직사각형 22">
-            <a:extLst>
-              <a:ext uri="{FF2B5EF4-FFF2-40B4-BE49-F238E27FC236}">
-                <a16:creationId xmlns:a16="http://schemas.microsoft.com/office/drawing/2014/main" id="{E608BE1F-7552-46C5-B387-30A2396D4657}"/>
-              </a:ext>
-            </a:extLst>
-          </p:cNvPr>
-          <p:cNvSpPr/>
-          <p:nvPr/>
-        </p:nvSpPr>
-        <p:spPr>
-          <a:xfrm>
-            <a:off x="547166" y="2170693"/>
-            <a:ext cx="2294008" cy="341376"/>
-          </a:xfrm>
-          <a:prstGeom prst="rect">
-            <a:avLst/>
-          </a:prstGeom>
-          <a:noFill/>
-          <a:ln w="28575">
-            <a:solidFill>
-              <a:srgbClr val="FFFF00"/>
-            </a:solidFill>
-          </a:ln>
-        </p:spPr>
-        <p:style>
-          <a:lnRef idx="2">
-            <a:schemeClr val="accent1">
-              <a:shade val="50000"/>
-            </a:schemeClr>
-          </a:lnRef>
-          <a:fillRef idx="1">
-            <a:schemeClr val="accent1"/>
-          </a:fillRef>
-          <a:effectRef idx="0">
-            <a:schemeClr val="accent1"/>
-          </a:effectRef>
-          <a:fontRef idx="minor">
-            <a:schemeClr val="lt1"/>
-          </a:fontRef>
-        </p:style>
-        <p:txBody>
-          <a:bodyPr rtlCol="0" anchor="ctr"/>
-          <a:lstStyle/>
-          <a:p>
-            <a:pPr algn="ctr"/>
-            <a:endParaRPr lang="ko-KR" altLang="en-US">
-              <a:latin typeface="나눔스퀘어" panose="020B0600000101010101" pitchFamily="50" charset="-127"/>
-              <a:ea typeface="나눔스퀘어" panose="020B0600000101010101" pitchFamily="50" charset="-127"/>
+          <a:p>
+            <a:pPr marL="0" indent="0">
+              <a:buNone/>
+            </a:pPr>
+            <a:endParaRPr lang="en-US" altLang="ko-KR" sz="2000" dirty="0">
+              <a:latin typeface="나눔스퀘어 네오 Regular" panose="00000500000000000000" pitchFamily="2" charset="-127"/>
+              <a:ea typeface="나눔스퀘어 네오 Regular" panose="00000500000000000000" pitchFamily="2" charset="-127"/>
             </a:endParaRPr>
           </a:p>
-        </p:txBody>
-      </p:sp>
-      <p:sp>
-        <p:nvSpPr>
-          <p:cNvPr id="25" name="TextBox 24">
-            <a:extLst>
-              <a:ext uri="{FF2B5EF4-FFF2-40B4-BE49-F238E27FC236}">
-                <a16:creationId xmlns:a16="http://schemas.microsoft.com/office/drawing/2014/main" id="{B87AB0F7-FA4B-46C7-835E-D2AE059B5D9C}"/>
-              </a:ext>
-            </a:extLst>
-          </p:cNvPr>
-          <p:cNvSpPr txBox="1"/>
-          <p:nvPr/>
-        </p:nvSpPr>
-        <p:spPr>
-          <a:xfrm>
-            <a:off x="3113712" y="1986983"/>
-            <a:ext cx="3986784" cy="923330"/>
-          </a:xfrm>
-          <a:prstGeom prst="rect">
-            <a:avLst/>
-          </a:prstGeom>
-          <a:noFill/>
-        </p:spPr>
-        <p:txBody>
-          <a:bodyPr wrap="square">
-            <a:spAutoFit/>
-          </a:bodyPr>
-          <a:lstStyle/>
-          <a:p>
-            <a:r>
-              <a:rPr lang="en-US" altLang="ko-KR">
-                <a:latin typeface="나눔스퀘어" panose="020B0600000101010101" pitchFamily="50" charset="-127"/>
-                <a:ea typeface="나눔스퀘어" panose="020B0600000101010101" pitchFamily="50" charset="-127"/>
-              </a:rPr>
-              <a:t>n0</a:t>
-            </a:r>
-            <a:r>
-              <a:rPr lang="en-US" altLang="ko-KR" dirty="0">
-                <a:latin typeface="나눔스퀘어" panose="020B0600000101010101" pitchFamily="50" charset="-127"/>
-                <a:ea typeface="나눔스퀘어" panose="020B0600000101010101" pitchFamily="50" charset="-127"/>
-              </a:rPr>
-              <a:t>,</a:t>
-            </a:r>
-            <a:r>
-              <a:rPr lang="ko-KR" altLang="en-US" dirty="0">
-                <a:latin typeface="나눔스퀘어" panose="020B0600000101010101" pitchFamily="50" charset="-127"/>
-                <a:ea typeface="나눔스퀘어" panose="020B0600000101010101" pitchFamily="50" charset="-127"/>
+          <a:p>
+            <a:pPr marL="0" indent="0">
+              <a:buNone/>
+            </a:pPr>
+            <a:r>
+              <a:rPr lang="en-US" altLang="ko-KR" sz="2000" b="1" dirty="0">
+                <a:latin typeface="나눔스퀘어 네오 Regular" panose="00000500000000000000" pitchFamily="2" charset="-127"/>
+                <a:ea typeface="나눔스퀘어 네오 Regular" panose="00000500000000000000" pitchFamily="2" charset="-127"/>
+              </a:rPr>
+              <a:t>Class(y) </a:t>
+            </a:r>
+            <a:r>
+              <a:rPr lang="en-US" altLang="ko-KR" sz="2000" dirty="0">
+                <a:latin typeface="나눔스퀘어 네오 Regular" panose="00000500000000000000" pitchFamily="2" charset="-127"/>
+                <a:ea typeface="나눔스퀘어 네오 Regular" panose="00000500000000000000" pitchFamily="2" charset="-127"/>
+              </a:rPr>
+              <a:t>: HC(0),</a:t>
+            </a:r>
+            <a:r>
+              <a:rPr lang="ko-KR" altLang="en-US" sz="2000" dirty="0">
+                <a:latin typeface="나눔스퀘어 네오 Regular" panose="00000500000000000000" pitchFamily="2" charset="-127"/>
+                <a:ea typeface="나눔스퀘어 네오 Regular" panose="00000500000000000000" pitchFamily="2" charset="-127"/>
               </a:rPr>
               <a:t> </a:t>
             </a:r>
             <a:r>
-              <a:rPr lang="en-US" altLang="ko-KR" dirty="0">
-                <a:latin typeface="나눔스퀘어" panose="020B0600000101010101" pitchFamily="50" charset="-127"/>
-                <a:ea typeface="나눔스퀘어" panose="020B0600000101010101" pitchFamily="50" charset="-127"/>
-              </a:rPr>
-              <a:t>n2</a:t>
-            </a:r>
-            <a:r>
-              <a:rPr lang="ko-KR" altLang="en-US" dirty="0">
-                <a:latin typeface="나눔스퀘어" panose="020B0600000101010101" pitchFamily="50" charset="-127"/>
-                <a:ea typeface="나눔스퀘어" panose="020B0600000101010101" pitchFamily="50" charset="-127"/>
-              </a:rPr>
-              <a:t>의 </a:t>
-            </a:r>
-            <a:endParaRPr lang="en-US" altLang="ko-KR" dirty="0">
-              <a:latin typeface="나눔스퀘어" panose="020B0600000101010101" pitchFamily="50" charset="-127"/>
-              <a:ea typeface="나눔스퀘어" panose="020B0600000101010101" pitchFamily="50" charset="-127"/>
-            </a:endParaRPr>
-          </a:p>
-          <a:p>
-            <a:r>
-              <a:rPr lang="en-US" altLang="ko-KR" dirty="0">
-                <a:latin typeface="나눔스퀘어" panose="020B0600000101010101" pitchFamily="50" charset="-127"/>
-                <a:ea typeface="나눔스퀘어" panose="020B0600000101010101" pitchFamily="50" charset="-127"/>
-              </a:rPr>
-              <a:t>functional</a:t>
-            </a:r>
-            <a:r>
-              <a:rPr lang="ko-KR" altLang="en-US" dirty="0">
-                <a:latin typeface="나눔스퀘어" panose="020B0600000101010101" pitchFamily="50" charset="-127"/>
-                <a:ea typeface="나눔스퀘어" panose="020B0600000101010101" pitchFamily="50" charset="-127"/>
-              </a:rPr>
-              <a:t> </a:t>
-            </a:r>
-            <a:r>
-              <a:rPr lang="en-US" altLang="ko-KR" dirty="0">
-                <a:latin typeface="나눔스퀘어" panose="020B0600000101010101" pitchFamily="50" charset="-127"/>
-                <a:ea typeface="나눔스퀘어" panose="020B0600000101010101" pitchFamily="50" charset="-127"/>
-              </a:rPr>
-              <a:t>connectivity pattern</a:t>
-            </a:r>
-            <a:r>
-              <a:rPr lang="ko-KR" altLang="en-US" dirty="0">
-                <a:latin typeface="나눔스퀘어" panose="020B0600000101010101" pitchFamily="50" charset="-127"/>
-                <a:ea typeface="나눔스퀘어" panose="020B0600000101010101" pitchFamily="50" charset="-127"/>
-              </a:rPr>
-              <a:t>의</a:t>
-            </a:r>
-            <a:r>
-              <a:rPr lang="en-US" altLang="ko-KR" dirty="0">
-                <a:latin typeface="나눔스퀘어" panose="020B0600000101010101" pitchFamily="50" charset="-127"/>
-                <a:ea typeface="나눔스퀘어" panose="020B0600000101010101" pitchFamily="50" charset="-127"/>
-              </a:rPr>
-              <a:t> </a:t>
-            </a:r>
-          </a:p>
-          <a:p>
-            <a:r>
-              <a:rPr lang="ko-KR" altLang="en-US">
-                <a:latin typeface="나눔스퀘어" panose="020B0600000101010101" pitchFamily="50" charset="-127"/>
-                <a:ea typeface="나눔스퀘어" panose="020B0600000101010101" pitchFamily="50" charset="-127"/>
-              </a:rPr>
-              <a:t>유사성 계산</a:t>
-            </a:r>
-            <a:r>
-              <a:rPr lang="en-US" altLang="ko-KR">
-                <a:latin typeface="나눔스퀘어" panose="020B0600000101010101" pitchFamily="50" charset="-127"/>
-                <a:ea typeface="나눔스퀘어" panose="020B0600000101010101" pitchFamily="50" charset="-127"/>
-              </a:rPr>
-              <a:t>(pairwise distance)</a:t>
-            </a:r>
-            <a:endParaRPr lang="ko-KR" altLang="en-US" dirty="0">
-              <a:latin typeface="나눔스퀘어" panose="020B0600000101010101" pitchFamily="50" charset="-127"/>
-              <a:ea typeface="나눔스퀘어" panose="020B0600000101010101" pitchFamily="50" charset="-127"/>
-            </a:endParaRPr>
-          </a:p>
-        </p:txBody>
-      </p:sp>
-      <p:sp>
-        <p:nvSpPr>
-          <p:cNvPr id="26" name="직사각형 25">
-            <a:extLst>
-              <a:ext uri="{FF2B5EF4-FFF2-40B4-BE49-F238E27FC236}">
-                <a16:creationId xmlns:a16="http://schemas.microsoft.com/office/drawing/2014/main" id="{85C34E41-0515-4625-9A38-69B3EDB95A69}"/>
-              </a:ext>
-            </a:extLst>
-          </p:cNvPr>
-          <p:cNvSpPr/>
-          <p:nvPr/>
-        </p:nvSpPr>
-        <p:spPr>
-          <a:xfrm>
-            <a:off x="547166" y="2811214"/>
-            <a:ext cx="2294008" cy="341376"/>
-          </a:xfrm>
-          <a:prstGeom prst="rect">
-            <a:avLst/>
-          </a:prstGeom>
-          <a:noFill/>
-          <a:ln w="28575">
-            <a:solidFill>
-              <a:srgbClr val="FFFF00"/>
-            </a:solidFill>
-          </a:ln>
-        </p:spPr>
-        <p:style>
-          <a:lnRef idx="2">
-            <a:schemeClr val="accent1">
-              <a:shade val="50000"/>
-            </a:schemeClr>
-          </a:lnRef>
-          <a:fillRef idx="1">
-            <a:schemeClr val="accent1"/>
-          </a:fillRef>
-          <a:effectRef idx="0">
-            <a:schemeClr val="accent1"/>
-          </a:effectRef>
-          <a:fontRef idx="minor">
-            <a:schemeClr val="lt1"/>
-          </a:fontRef>
-        </p:style>
-        <p:txBody>
-          <a:bodyPr rtlCol="0" anchor="ctr"/>
-          <a:lstStyle/>
-          <a:p>
-            <a:pPr algn="ctr"/>
-            <a:endParaRPr lang="ko-KR" altLang="en-US">
-              <a:latin typeface="나눔스퀘어" panose="020B0600000101010101" pitchFamily="50" charset="-127"/>
-              <a:ea typeface="나눔스퀘어" panose="020B0600000101010101" pitchFamily="50" charset="-127"/>
-            </a:endParaRPr>
-          </a:p>
-        </p:txBody>
-      </p:sp>
-      <p:sp>
-        <p:nvSpPr>
-          <p:cNvPr id="28" name="TextBox 27">
-            <a:extLst>
-              <a:ext uri="{FF2B5EF4-FFF2-40B4-BE49-F238E27FC236}">
-                <a16:creationId xmlns:a16="http://schemas.microsoft.com/office/drawing/2014/main" id="{9AC06455-BF2C-47B8-B7AD-AC264CDD42F4}"/>
-              </a:ext>
-            </a:extLst>
-          </p:cNvPr>
-          <p:cNvSpPr txBox="1"/>
-          <p:nvPr/>
-        </p:nvSpPr>
-        <p:spPr>
-          <a:xfrm>
-            <a:off x="5047488" y="3762137"/>
-            <a:ext cx="6766560" cy="646331"/>
-          </a:xfrm>
-          <a:prstGeom prst="rect">
-            <a:avLst/>
-          </a:prstGeom>
-          <a:noFill/>
-        </p:spPr>
-        <p:txBody>
-          <a:bodyPr wrap="square">
-            <a:spAutoFit/>
-          </a:bodyPr>
-          <a:lstStyle/>
-          <a:p>
-            <a:r>
-              <a:rPr lang="ko-KR" altLang="en-US" dirty="0">
-                <a:latin typeface="나눔스퀘어" panose="020B0600000101010101" pitchFamily="50" charset="-127"/>
-                <a:ea typeface="나눔스퀘어" panose="020B0600000101010101" pitchFamily="50" charset="-127"/>
-              </a:rPr>
-              <a:t>값이 작을 수록 두 </a:t>
-            </a:r>
-            <a:r>
-              <a:rPr lang="en-US" altLang="ko-KR" dirty="0">
-                <a:latin typeface="나눔스퀘어" panose="020B0600000101010101" pitchFamily="50" charset="-127"/>
-                <a:ea typeface="나눔스퀘어" panose="020B0600000101010101" pitchFamily="50" charset="-127"/>
-              </a:rPr>
-              <a:t>node</a:t>
-            </a:r>
-            <a:r>
-              <a:rPr lang="ko-KR" altLang="en-US" dirty="0">
-                <a:latin typeface="나눔스퀘어" panose="020B0600000101010101" pitchFamily="50" charset="-127"/>
-                <a:ea typeface="나눔스퀘어" panose="020B0600000101010101" pitchFamily="50" charset="-127"/>
-              </a:rPr>
-              <a:t>간의 </a:t>
-            </a:r>
-            <a:endParaRPr lang="en-US" altLang="ko-KR" dirty="0">
-              <a:latin typeface="나눔스퀘어" panose="020B0600000101010101" pitchFamily="50" charset="-127"/>
-              <a:ea typeface="나눔스퀘어" panose="020B0600000101010101" pitchFamily="50" charset="-127"/>
-            </a:endParaRPr>
-          </a:p>
-          <a:p>
-            <a:r>
-              <a:rPr lang="ko-KR" altLang="en-US" dirty="0">
-                <a:latin typeface="나눔스퀘어" panose="020B0600000101010101" pitchFamily="50" charset="-127"/>
-                <a:ea typeface="나눔스퀘어" panose="020B0600000101010101" pitchFamily="50" charset="-127"/>
-              </a:rPr>
-              <a:t>모든 </a:t>
-            </a:r>
-            <a:r>
-              <a:rPr lang="en-US" altLang="ko-KR" dirty="0">
-                <a:latin typeface="나눔스퀘어" panose="020B0600000101010101" pitchFamily="50" charset="-127"/>
-                <a:ea typeface="나눔스퀘어" panose="020B0600000101010101" pitchFamily="50" charset="-127"/>
-              </a:rPr>
-              <a:t>node</a:t>
-            </a:r>
-            <a:r>
-              <a:rPr lang="ko-KR" altLang="en-US" dirty="0">
-                <a:latin typeface="나눔스퀘어" panose="020B0600000101010101" pitchFamily="50" charset="-127"/>
-                <a:ea typeface="나눔스퀘어" panose="020B0600000101010101" pitchFamily="50" charset="-127"/>
-              </a:rPr>
-              <a:t>들과 가지는 </a:t>
-            </a:r>
-            <a:r>
-              <a:rPr lang="en-US" altLang="ko-KR" dirty="0">
-                <a:latin typeface="나눔스퀘어" panose="020B0600000101010101" pitchFamily="50" charset="-127"/>
-                <a:ea typeface="나눔스퀘어" panose="020B0600000101010101" pitchFamily="50" charset="-127"/>
-              </a:rPr>
-              <a:t>functional connectivity pattern</a:t>
-            </a:r>
-            <a:r>
-              <a:rPr lang="ko-KR" altLang="en-US" dirty="0">
-                <a:latin typeface="나눔스퀘어" panose="020B0600000101010101" pitchFamily="50" charset="-127"/>
-                <a:ea typeface="나눔스퀘어" panose="020B0600000101010101" pitchFamily="50" charset="-127"/>
-              </a:rPr>
-              <a:t> 유사하다</a:t>
-            </a:r>
-            <a:endParaRPr lang="en-US" altLang="ko-KR" dirty="0">
-              <a:latin typeface="나눔스퀘어" panose="020B0600000101010101" pitchFamily="50" charset="-127"/>
-              <a:ea typeface="나눔스퀘어" panose="020B0600000101010101" pitchFamily="50" charset="-127"/>
-            </a:endParaRPr>
-          </a:p>
-        </p:txBody>
-      </p:sp>
-      <p:pic>
-        <p:nvPicPr>
-          <p:cNvPr id="30" name="그림 29">
-            <a:extLst>
-              <a:ext uri="{FF2B5EF4-FFF2-40B4-BE49-F238E27FC236}">
-                <a16:creationId xmlns:a16="http://schemas.microsoft.com/office/drawing/2014/main" id="{7381BD62-28A1-4003-99A2-F7BB207DC7B2}"/>
-              </a:ext>
-            </a:extLst>
-          </p:cNvPr>
-          <p:cNvPicPr>
-            <a:picLocks noChangeAspect="1"/>
-          </p:cNvPicPr>
-          <p:nvPr/>
-        </p:nvPicPr>
-        <p:blipFill>
-          <a:blip r:embed="rId3"/>
-          <a:stretch>
-            <a:fillRect/>
-          </a:stretch>
-        </p:blipFill>
-        <p:spPr>
-          <a:xfrm>
-            <a:off x="6992112" y="2049946"/>
-            <a:ext cx="3691145" cy="1553204"/>
-          </a:xfrm>
-          <a:prstGeom prst="rect">
-            <a:avLst/>
-          </a:prstGeom>
-        </p:spPr>
-      </p:pic>
-      <p:sp>
-        <p:nvSpPr>
-          <p:cNvPr id="31" name="직사각형 30">
-            <a:extLst>
-              <a:ext uri="{FF2B5EF4-FFF2-40B4-BE49-F238E27FC236}">
-                <a16:creationId xmlns:a16="http://schemas.microsoft.com/office/drawing/2014/main" id="{004E59A1-9FAB-447D-8685-06446FBBECD8}"/>
-              </a:ext>
-            </a:extLst>
-          </p:cNvPr>
-          <p:cNvSpPr/>
-          <p:nvPr/>
-        </p:nvSpPr>
-        <p:spPr>
-          <a:xfrm>
-            <a:off x="8559352" y="2074371"/>
-            <a:ext cx="535880" cy="341376"/>
-          </a:xfrm>
-          <a:prstGeom prst="rect">
-            <a:avLst/>
-          </a:prstGeom>
-          <a:noFill/>
-          <a:ln w="28575">
-            <a:solidFill>
-              <a:srgbClr val="FFFF00"/>
-            </a:solidFill>
-          </a:ln>
-        </p:spPr>
-        <p:style>
-          <a:lnRef idx="2">
-            <a:schemeClr val="accent1">
-              <a:shade val="50000"/>
-            </a:schemeClr>
-          </a:lnRef>
-          <a:fillRef idx="1">
-            <a:schemeClr val="accent1"/>
-          </a:fillRef>
-          <a:effectRef idx="0">
-            <a:schemeClr val="accent1"/>
-          </a:effectRef>
-          <a:fontRef idx="minor">
-            <a:schemeClr val="lt1"/>
-          </a:fontRef>
-        </p:style>
-        <p:txBody>
-          <a:bodyPr rtlCol="0" anchor="ctr"/>
-          <a:lstStyle/>
-          <a:p>
-            <a:pPr algn="ctr"/>
-            <a:endParaRPr lang="ko-KR" altLang="en-US">
-              <a:latin typeface="나눔스퀘어" panose="020B0600000101010101" pitchFamily="50" charset="-127"/>
-              <a:ea typeface="나눔스퀘어" panose="020B0600000101010101" pitchFamily="50" charset="-127"/>
-            </a:endParaRPr>
-          </a:p>
-        </p:txBody>
-      </p:sp>
-      <p:sp>
-        <p:nvSpPr>
-          <p:cNvPr id="38" name="TextBox 37">
-            <a:extLst>
-              <a:ext uri="{FF2B5EF4-FFF2-40B4-BE49-F238E27FC236}">
-                <a16:creationId xmlns:a16="http://schemas.microsoft.com/office/drawing/2014/main" id="{F812C71C-A9E1-4BB9-A376-F6E30CCACBDC}"/>
-              </a:ext>
-            </a:extLst>
-          </p:cNvPr>
-          <p:cNvSpPr txBox="1"/>
-          <p:nvPr/>
-        </p:nvSpPr>
-        <p:spPr>
-          <a:xfrm>
-            <a:off x="87613" y="2122853"/>
-            <a:ext cx="487634" cy="1754326"/>
-          </a:xfrm>
-          <a:prstGeom prst="rect">
-            <a:avLst/>
-          </a:prstGeom>
-          <a:noFill/>
-        </p:spPr>
-        <p:txBody>
-          <a:bodyPr wrap="none" rtlCol="0">
-            <a:spAutoFit/>
-          </a:bodyPr>
-          <a:lstStyle/>
-          <a:p>
-            <a:r>
-              <a:rPr lang="en-US" altLang="ko-KR" dirty="0">
-                <a:latin typeface="나눔스퀘어" panose="020B0600000101010101" pitchFamily="50" charset="-127"/>
-                <a:ea typeface="나눔스퀘어" panose="020B0600000101010101" pitchFamily="50" charset="-127"/>
-              </a:rPr>
-              <a:t>N0</a:t>
-            </a:r>
-          </a:p>
-          <a:p>
-            <a:r>
-              <a:rPr lang="en-US" altLang="ko-KR" dirty="0">
-                <a:latin typeface="나눔스퀘어" panose="020B0600000101010101" pitchFamily="50" charset="-127"/>
-                <a:ea typeface="나눔스퀘어" panose="020B0600000101010101" pitchFamily="50" charset="-127"/>
-              </a:rPr>
-              <a:t>N1</a:t>
-            </a:r>
-          </a:p>
-          <a:p>
-            <a:r>
-              <a:rPr lang="en-US" altLang="ko-KR" dirty="0">
-                <a:latin typeface="나눔스퀘어" panose="020B0600000101010101" pitchFamily="50" charset="-127"/>
-                <a:ea typeface="나눔스퀘어" panose="020B0600000101010101" pitchFamily="50" charset="-127"/>
-              </a:rPr>
-              <a:t>N2</a:t>
-            </a:r>
-          </a:p>
-          <a:p>
-            <a:r>
-              <a:rPr lang="en-US" altLang="ko-KR" dirty="0">
-                <a:latin typeface="나눔스퀘어" panose="020B0600000101010101" pitchFamily="50" charset="-127"/>
-                <a:ea typeface="나눔스퀘어" panose="020B0600000101010101" pitchFamily="50" charset="-127"/>
-              </a:rPr>
-              <a:t>N3</a:t>
-            </a:r>
-          </a:p>
-          <a:p>
-            <a:r>
-              <a:rPr lang="en-US" altLang="ko-KR" dirty="0">
-                <a:latin typeface="나눔스퀘어" panose="020B0600000101010101" pitchFamily="50" charset="-127"/>
-                <a:ea typeface="나눔스퀘어" panose="020B0600000101010101" pitchFamily="50" charset="-127"/>
-              </a:rPr>
-              <a:t>N4</a:t>
-            </a:r>
-          </a:p>
-          <a:p>
-            <a:r>
-              <a:rPr lang="en-US" altLang="ko-KR" dirty="0">
-                <a:latin typeface="나눔스퀘어" panose="020B0600000101010101" pitchFamily="50" charset="-127"/>
-                <a:ea typeface="나눔스퀘어" panose="020B0600000101010101" pitchFamily="50" charset="-127"/>
-              </a:rPr>
-              <a:t>N5</a:t>
-            </a:r>
-          </a:p>
-        </p:txBody>
-      </p:sp>
-      <p:sp>
-        <p:nvSpPr>
-          <p:cNvPr id="40" name="TextBox 39">
-            <a:extLst>
-              <a:ext uri="{FF2B5EF4-FFF2-40B4-BE49-F238E27FC236}">
-                <a16:creationId xmlns:a16="http://schemas.microsoft.com/office/drawing/2014/main" id="{B60DF9C4-4360-4615-BC42-79D2366ACF90}"/>
-              </a:ext>
-            </a:extLst>
-          </p:cNvPr>
-          <p:cNvSpPr txBox="1"/>
-          <p:nvPr/>
-        </p:nvSpPr>
-        <p:spPr>
-          <a:xfrm>
-            <a:off x="672574" y="1761490"/>
-            <a:ext cx="2608520" cy="369332"/>
-          </a:xfrm>
-          <a:prstGeom prst="rect">
-            <a:avLst/>
-          </a:prstGeom>
-          <a:noFill/>
-        </p:spPr>
-        <p:txBody>
-          <a:bodyPr wrap="square">
-            <a:spAutoFit/>
-          </a:bodyPr>
-          <a:lstStyle/>
-          <a:p>
-            <a:r>
-              <a:rPr lang="en-US" altLang="ko-KR" dirty="0">
-                <a:latin typeface="나눔스퀘어" panose="020B0600000101010101" pitchFamily="50" charset="-127"/>
-                <a:ea typeface="나눔스퀘어" panose="020B0600000101010101" pitchFamily="50" charset="-127"/>
-              </a:rPr>
-              <a:t>N0 N1 N2 N3 N4 N5</a:t>
-            </a:r>
-          </a:p>
-        </p:txBody>
-      </p:sp>
-      <p:sp>
-        <p:nvSpPr>
-          <p:cNvPr id="42" name="TextBox 41">
-            <a:extLst>
-              <a:ext uri="{FF2B5EF4-FFF2-40B4-BE49-F238E27FC236}">
-                <a16:creationId xmlns:a16="http://schemas.microsoft.com/office/drawing/2014/main" id="{37222F45-3152-42F2-BBFC-CC53F7A1662F}"/>
-              </a:ext>
-            </a:extLst>
-          </p:cNvPr>
-          <p:cNvSpPr txBox="1"/>
-          <p:nvPr/>
-        </p:nvSpPr>
-        <p:spPr>
-          <a:xfrm>
-            <a:off x="1345872" y="4981762"/>
-            <a:ext cx="8505264" cy="1754326"/>
-          </a:xfrm>
-          <a:prstGeom prst="rect">
-            <a:avLst/>
-          </a:prstGeom>
-          <a:noFill/>
-        </p:spPr>
-        <p:txBody>
-          <a:bodyPr wrap="square">
-            <a:spAutoFit/>
-          </a:bodyPr>
-          <a:lstStyle/>
-          <a:p>
-            <a:r>
-              <a:rPr lang="en-US" altLang="ko-KR" dirty="0">
-                <a:latin typeface="나눔스퀘어" panose="020B0600000101010101" pitchFamily="50" charset="-127"/>
-                <a:ea typeface="나눔스퀘어" panose="020B0600000101010101" pitchFamily="50" charset="-127"/>
-              </a:rPr>
-              <a:t>X </a:t>
-            </a:r>
-            <a:r>
-              <a:rPr lang="ko-KR" altLang="en-US" dirty="0">
-                <a:latin typeface="나눔스퀘어" panose="020B0600000101010101" pitchFamily="50" charset="-127"/>
-                <a:ea typeface="나눔스퀘어" panose="020B0600000101010101" pitchFamily="50" charset="-127"/>
-              </a:rPr>
-              <a:t>크고</a:t>
-            </a:r>
-            <a:r>
-              <a:rPr lang="en-US" altLang="ko-KR" dirty="0">
-                <a:latin typeface="나눔스퀘어" panose="020B0600000101010101" pitchFamily="50" charset="-127"/>
-                <a:ea typeface="나눔스퀘어" panose="020B0600000101010101" pitchFamily="50" charset="-127"/>
-              </a:rPr>
-              <a:t>, pd </a:t>
-            </a:r>
-            <a:r>
-              <a:rPr lang="ko-KR" altLang="en-US" dirty="0">
-                <a:latin typeface="나눔스퀘어" panose="020B0600000101010101" pitchFamily="50" charset="-127"/>
-                <a:ea typeface="나눔스퀘어" panose="020B0600000101010101" pitchFamily="50" charset="-127"/>
-              </a:rPr>
-              <a:t>크다 </a:t>
-            </a:r>
-            <a:r>
-              <a:rPr lang="en-US" altLang="ko-KR" dirty="0">
-                <a:latin typeface="나눔스퀘어" panose="020B0600000101010101" pitchFamily="50" charset="-127"/>
-                <a:ea typeface="나눔스퀘어" panose="020B0600000101010101" pitchFamily="50" charset="-127"/>
-              </a:rPr>
-              <a:t>: </a:t>
-            </a:r>
-            <a:r>
-              <a:rPr lang="ko-KR" altLang="en-US" dirty="0">
-                <a:latin typeface="나눔스퀘어" panose="020B0600000101010101" pitchFamily="50" charset="-127"/>
-                <a:ea typeface="나눔스퀘어" panose="020B0600000101010101" pitchFamily="50" charset="-127"/>
-              </a:rPr>
-              <a:t>특정 작업이나 기능을 수행할 땐 밀접하게 협력하나 다른 </a:t>
-            </a:r>
-            <a:r>
-              <a:rPr lang="en-US" altLang="ko-KR" dirty="0">
-                <a:latin typeface="나눔스퀘어" panose="020B0600000101010101" pitchFamily="50" charset="-127"/>
-                <a:ea typeface="나눔스퀘어" panose="020B0600000101010101" pitchFamily="50" charset="-127"/>
-              </a:rPr>
-              <a:t>node</a:t>
-            </a:r>
-            <a:r>
-              <a:rPr lang="ko-KR" altLang="en-US" dirty="0">
-                <a:latin typeface="나눔스퀘어" panose="020B0600000101010101" pitchFamily="50" charset="-127"/>
-                <a:ea typeface="나눔스퀘어" panose="020B0600000101010101" pitchFamily="50" charset="-127"/>
-              </a:rPr>
-              <a:t>들과의 연결 패턴은 다르다</a:t>
-            </a:r>
-            <a:r>
-              <a:rPr lang="en-US" altLang="ko-KR" dirty="0">
-                <a:latin typeface="나눔스퀘어" panose="020B0600000101010101" pitchFamily="50" charset="-127"/>
-                <a:ea typeface="나눔스퀘어" panose="020B0600000101010101" pitchFamily="50" charset="-127"/>
-              </a:rPr>
-              <a:t>. </a:t>
-            </a:r>
-          </a:p>
-          <a:p>
-            <a:r>
-              <a:rPr lang="en-US" altLang="ko-KR" dirty="0">
-                <a:latin typeface="나눔스퀘어" panose="020B0600000101010101" pitchFamily="50" charset="-127"/>
-                <a:ea typeface="나눔스퀘어" panose="020B0600000101010101" pitchFamily="50" charset="-127"/>
-              </a:rPr>
-              <a:t>X </a:t>
-            </a:r>
-            <a:r>
-              <a:rPr lang="ko-KR" altLang="en-US" dirty="0">
-                <a:latin typeface="나눔스퀘어" panose="020B0600000101010101" pitchFamily="50" charset="-127"/>
-                <a:ea typeface="나눔스퀘어" panose="020B0600000101010101" pitchFamily="50" charset="-127"/>
-              </a:rPr>
-              <a:t>크고</a:t>
-            </a:r>
-            <a:r>
-              <a:rPr lang="en-US" altLang="ko-KR" dirty="0">
-                <a:latin typeface="나눔스퀘어" panose="020B0600000101010101" pitchFamily="50" charset="-127"/>
-                <a:ea typeface="나눔스퀘어" panose="020B0600000101010101" pitchFamily="50" charset="-127"/>
-              </a:rPr>
-              <a:t>, pd </a:t>
-            </a:r>
-            <a:r>
-              <a:rPr lang="ko-KR" altLang="en-US" dirty="0">
-                <a:latin typeface="나눔스퀘어" panose="020B0600000101010101" pitchFamily="50" charset="-127"/>
-                <a:ea typeface="나눔스퀘어" panose="020B0600000101010101" pitchFamily="50" charset="-127"/>
-              </a:rPr>
-              <a:t>작다 </a:t>
-            </a:r>
-            <a:r>
-              <a:rPr lang="en-US" altLang="ko-KR" dirty="0">
-                <a:latin typeface="나눔스퀘어" panose="020B0600000101010101" pitchFamily="50" charset="-127"/>
-                <a:ea typeface="나눔스퀘어" panose="020B0600000101010101" pitchFamily="50" charset="-127"/>
-              </a:rPr>
-              <a:t>: </a:t>
-            </a:r>
-            <a:r>
-              <a:rPr lang="ko-KR" altLang="en-US" dirty="0">
-                <a:latin typeface="나눔스퀘어" panose="020B0600000101010101" pitchFamily="50" charset="-127"/>
-                <a:ea typeface="나눔스퀘어" panose="020B0600000101010101" pitchFamily="50" charset="-127"/>
-              </a:rPr>
-              <a:t>기능적인 연결 강도 높고</a:t>
-            </a:r>
-            <a:r>
-              <a:rPr lang="en-US" altLang="ko-KR" dirty="0">
-                <a:latin typeface="나눔스퀘어" panose="020B0600000101010101" pitchFamily="50" charset="-127"/>
-                <a:ea typeface="나눔스퀘어" panose="020B0600000101010101" pitchFamily="50" charset="-127"/>
-              </a:rPr>
-              <a:t>, </a:t>
-            </a:r>
-            <a:r>
-              <a:rPr lang="ko-KR" altLang="en-US" dirty="0">
-                <a:latin typeface="나눔스퀘어" panose="020B0600000101010101" pitchFamily="50" charset="-127"/>
-                <a:ea typeface="나눔스퀘어" panose="020B0600000101010101" pitchFamily="50" charset="-127"/>
-              </a:rPr>
-              <a:t>유사한 역할을 수행한다</a:t>
-            </a:r>
-            <a:r>
-              <a:rPr lang="en-US" altLang="ko-KR" dirty="0">
-                <a:latin typeface="나눔스퀘어" panose="020B0600000101010101" pitchFamily="50" charset="-127"/>
-                <a:ea typeface="나눔스퀘어" panose="020B0600000101010101" pitchFamily="50" charset="-127"/>
-              </a:rPr>
-              <a:t>. </a:t>
-            </a:r>
-          </a:p>
-          <a:p>
-            <a:r>
-              <a:rPr lang="en-US" altLang="ko-KR" dirty="0">
-                <a:latin typeface="나눔스퀘어" panose="020B0600000101010101" pitchFamily="50" charset="-127"/>
-                <a:ea typeface="나눔스퀘어" panose="020B0600000101010101" pitchFamily="50" charset="-127"/>
-              </a:rPr>
-              <a:t>X </a:t>
-            </a:r>
-            <a:r>
-              <a:rPr lang="ko-KR" altLang="en-US" dirty="0">
-                <a:latin typeface="나눔스퀘어" panose="020B0600000101010101" pitchFamily="50" charset="-127"/>
-                <a:ea typeface="나눔스퀘어" panose="020B0600000101010101" pitchFamily="50" charset="-127"/>
-              </a:rPr>
-              <a:t>작고</a:t>
-            </a:r>
-            <a:r>
-              <a:rPr lang="en-US" altLang="ko-KR" dirty="0">
-                <a:latin typeface="나눔스퀘어" panose="020B0600000101010101" pitchFamily="50" charset="-127"/>
-                <a:ea typeface="나눔스퀘어" panose="020B0600000101010101" pitchFamily="50" charset="-127"/>
-              </a:rPr>
-              <a:t>, pd </a:t>
-            </a:r>
-            <a:r>
-              <a:rPr lang="ko-KR" altLang="en-US" dirty="0">
-                <a:latin typeface="나눔스퀘어" panose="020B0600000101010101" pitchFamily="50" charset="-127"/>
-                <a:ea typeface="나눔스퀘어" panose="020B0600000101010101" pitchFamily="50" charset="-127"/>
-              </a:rPr>
-              <a:t>작다 </a:t>
-            </a:r>
-            <a:r>
-              <a:rPr lang="en-US" altLang="ko-KR" dirty="0">
-                <a:latin typeface="나눔스퀘어" panose="020B0600000101010101" pitchFamily="50" charset="-127"/>
-                <a:ea typeface="나눔스퀘어" panose="020B0600000101010101" pitchFamily="50" charset="-127"/>
-              </a:rPr>
-              <a:t>: </a:t>
-            </a:r>
-            <a:r>
-              <a:rPr lang="ko-KR" altLang="en-US" dirty="0">
-                <a:latin typeface="나눔스퀘어" panose="020B0600000101010101" pitchFamily="50" charset="-127"/>
-                <a:ea typeface="나눔스퀘어" panose="020B0600000101010101" pitchFamily="50" charset="-127"/>
-              </a:rPr>
-              <a:t>기능 중복</a:t>
-            </a:r>
-            <a:r>
-              <a:rPr lang="en-US" altLang="ko-KR" dirty="0">
-                <a:latin typeface="나눔스퀘어" panose="020B0600000101010101" pitchFamily="50" charset="-127"/>
-                <a:ea typeface="나눔스퀘어" panose="020B0600000101010101" pitchFamily="50" charset="-127"/>
-              </a:rPr>
-              <a:t>,</a:t>
-            </a:r>
-            <a:r>
-              <a:rPr lang="ko-KR" altLang="en-US" dirty="0">
-                <a:latin typeface="나눔스퀘어" panose="020B0600000101010101" pitchFamily="50" charset="-127"/>
-                <a:ea typeface="나눔스퀘어" panose="020B0600000101010101" pitchFamily="50" charset="-127"/>
-              </a:rPr>
-              <a:t> 역할 분배 등으로 직접적인 기능적 연결은 적지만 유사한 역할을 수행한다</a:t>
-            </a:r>
-            <a:r>
-              <a:rPr lang="en-US" altLang="ko-KR" dirty="0">
-                <a:latin typeface="나눔스퀘어" panose="020B0600000101010101" pitchFamily="50" charset="-127"/>
-                <a:ea typeface="나눔스퀘어" panose="020B0600000101010101" pitchFamily="50" charset="-127"/>
-              </a:rPr>
-              <a:t>. </a:t>
-            </a:r>
-          </a:p>
-          <a:p>
-            <a:r>
-              <a:rPr lang="en-US" altLang="ko-KR" dirty="0">
-                <a:latin typeface="나눔스퀘어" panose="020B0600000101010101" pitchFamily="50" charset="-127"/>
-                <a:ea typeface="나눔스퀘어" panose="020B0600000101010101" pitchFamily="50" charset="-127"/>
-              </a:rPr>
-              <a:t>X </a:t>
-            </a:r>
-            <a:r>
-              <a:rPr lang="ko-KR" altLang="en-US" dirty="0">
-                <a:latin typeface="나눔스퀘어" panose="020B0600000101010101" pitchFamily="50" charset="-127"/>
-                <a:ea typeface="나눔스퀘어" panose="020B0600000101010101" pitchFamily="50" charset="-127"/>
-              </a:rPr>
-              <a:t>작고</a:t>
-            </a:r>
-            <a:r>
-              <a:rPr lang="en-US" altLang="ko-KR" dirty="0">
-                <a:latin typeface="나눔스퀘어" panose="020B0600000101010101" pitchFamily="50" charset="-127"/>
-                <a:ea typeface="나눔스퀘어" panose="020B0600000101010101" pitchFamily="50" charset="-127"/>
-              </a:rPr>
-              <a:t>, pd </a:t>
-            </a:r>
-            <a:r>
-              <a:rPr lang="ko-KR" altLang="en-US" dirty="0">
-                <a:latin typeface="나눔스퀘어" panose="020B0600000101010101" pitchFamily="50" charset="-127"/>
-                <a:ea typeface="나눔스퀘어" panose="020B0600000101010101" pitchFamily="50" charset="-127"/>
-              </a:rPr>
-              <a:t>크다 </a:t>
-            </a:r>
-            <a:r>
-              <a:rPr lang="en-US" altLang="ko-KR" dirty="0">
-                <a:latin typeface="나눔스퀘어" panose="020B0600000101010101" pitchFamily="50" charset="-127"/>
-                <a:ea typeface="나눔스퀘어" panose="020B0600000101010101" pitchFamily="50" charset="-127"/>
-              </a:rPr>
-              <a:t>: </a:t>
-            </a:r>
-            <a:r>
-              <a:rPr lang="ko-KR" altLang="en-US" dirty="0">
-                <a:latin typeface="나눔스퀘어" panose="020B0600000101010101" pitchFamily="50" charset="-127"/>
-                <a:ea typeface="나눔스퀘어" panose="020B0600000101010101" pitchFamily="50" charset="-127"/>
-              </a:rPr>
-              <a:t>직접적인 기능적 연결성도 낮고</a:t>
-            </a:r>
-            <a:r>
-              <a:rPr lang="en-US" altLang="ko-KR" dirty="0">
-                <a:latin typeface="나눔스퀘어" panose="020B0600000101010101" pitchFamily="50" charset="-127"/>
-                <a:ea typeface="나눔스퀘어" panose="020B0600000101010101" pitchFamily="50" charset="-127"/>
-              </a:rPr>
-              <a:t>, </a:t>
-            </a:r>
-            <a:r>
-              <a:rPr lang="ko-KR" altLang="en-US" dirty="0">
-                <a:latin typeface="나눔스퀘어" panose="020B0600000101010101" pitchFamily="50" charset="-127"/>
-                <a:ea typeface="나눔스퀘어" panose="020B0600000101010101" pitchFamily="50" charset="-127"/>
-              </a:rPr>
-              <a:t>수행하는 역할도 다르다</a:t>
-            </a:r>
-            <a:r>
-              <a:rPr lang="en-US" altLang="ko-KR" dirty="0">
-                <a:latin typeface="나눔스퀘어" panose="020B0600000101010101" pitchFamily="50" charset="-127"/>
-                <a:ea typeface="나눔스퀘어" panose="020B0600000101010101" pitchFamily="50" charset="-127"/>
-              </a:rPr>
-              <a:t>.</a:t>
-            </a:r>
-            <a:endParaRPr lang="ko-KR" altLang="en-US" dirty="0">
-              <a:latin typeface="나눔스퀘어" panose="020B0600000101010101" pitchFamily="50" charset="-127"/>
-              <a:ea typeface="나눔스퀘어" panose="020B0600000101010101" pitchFamily="50" charset="-127"/>
-            </a:endParaRPr>
-          </a:p>
-        </p:txBody>
-      </p:sp>
-      <p:sp>
-        <p:nvSpPr>
-          <p:cNvPr id="43" name="TextBox 42">
-            <a:extLst>
-              <a:ext uri="{FF2B5EF4-FFF2-40B4-BE49-F238E27FC236}">
-                <a16:creationId xmlns:a16="http://schemas.microsoft.com/office/drawing/2014/main" id="{32F030B2-D46D-471C-9915-7D8C912DBC85}"/>
-              </a:ext>
-            </a:extLst>
-          </p:cNvPr>
-          <p:cNvSpPr txBox="1"/>
-          <p:nvPr/>
-        </p:nvSpPr>
-        <p:spPr>
-          <a:xfrm>
-            <a:off x="6552192" y="1946156"/>
-            <a:ext cx="487634" cy="1754326"/>
-          </a:xfrm>
-          <a:prstGeom prst="rect">
-            <a:avLst/>
-          </a:prstGeom>
-          <a:noFill/>
-        </p:spPr>
-        <p:txBody>
-          <a:bodyPr wrap="none" rtlCol="0">
-            <a:spAutoFit/>
-          </a:bodyPr>
-          <a:lstStyle/>
-          <a:p>
-            <a:r>
-              <a:rPr lang="en-US" altLang="ko-KR" dirty="0">
-                <a:latin typeface="나눔스퀘어" panose="020B0600000101010101" pitchFamily="50" charset="-127"/>
-                <a:ea typeface="나눔스퀘어" panose="020B0600000101010101" pitchFamily="50" charset="-127"/>
-              </a:rPr>
-              <a:t>N0</a:t>
-            </a:r>
-          </a:p>
-          <a:p>
-            <a:r>
-              <a:rPr lang="en-US" altLang="ko-KR" dirty="0">
-                <a:latin typeface="나눔스퀘어" panose="020B0600000101010101" pitchFamily="50" charset="-127"/>
-                <a:ea typeface="나눔스퀘어" panose="020B0600000101010101" pitchFamily="50" charset="-127"/>
-              </a:rPr>
-              <a:t>N1</a:t>
-            </a:r>
-          </a:p>
-          <a:p>
-            <a:r>
-              <a:rPr lang="en-US" altLang="ko-KR" dirty="0">
-                <a:latin typeface="나눔스퀘어" panose="020B0600000101010101" pitchFamily="50" charset="-127"/>
-                <a:ea typeface="나눔스퀘어" panose="020B0600000101010101" pitchFamily="50" charset="-127"/>
-              </a:rPr>
-              <a:t>N2</a:t>
-            </a:r>
-          </a:p>
-          <a:p>
-            <a:r>
-              <a:rPr lang="en-US" altLang="ko-KR" dirty="0">
-                <a:latin typeface="나눔스퀘어" panose="020B0600000101010101" pitchFamily="50" charset="-127"/>
-                <a:ea typeface="나눔스퀘어" panose="020B0600000101010101" pitchFamily="50" charset="-127"/>
-              </a:rPr>
-              <a:t>N3</a:t>
-            </a:r>
-          </a:p>
-          <a:p>
-            <a:r>
-              <a:rPr lang="en-US" altLang="ko-KR" dirty="0">
-                <a:latin typeface="나눔스퀘어" panose="020B0600000101010101" pitchFamily="50" charset="-127"/>
-                <a:ea typeface="나눔스퀘어" panose="020B0600000101010101" pitchFamily="50" charset="-127"/>
-              </a:rPr>
-              <a:t>N4</a:t>
-            </a:r>
-          </a:p>
-          <a:p>
-            <a:r>
-              <a:rPr lang="en-US" altLang="ko-KR" dirty="0">
-                <a:latin typeface="나눔스퀘어" panose="020B0600000101010101" pitchFamily="50" charset="-127"/>
-                <a:ea typeface="나눔스퀘어" panose="020B0600000101010101" pitchFamily="50" charset="-127"/>
-              </a:rPr>
-              <a:t>N5</a:t>
-            </a:r>
-          </a:p>
-        </p:txBody>
-      </p:sp>
-      <p:sp>
-        <p:nvSpPr>
-          <p:cNvPr id="45" name="TextBox 44">
-            <a:extLst>
-              <a:ext uri="{FF2B5EF4-FFF2-40B4-BE49-F238E27FC236}">
-                <a16:creationId xmlns:a16="http://schemas.microsoft.com/office/drawing/2014/main" id="{75D0135A-C902-40D0-916F-9363C16B7616}"/>
-              </a:ext>
-            </a:extLst>
-          </p:cNvPr>
-          <p:cNvSpPr txBox="1"/>
-          <p:nvPr/>
-        </p:nvSpPr>
-        <p:spPr>
-          <a:xfrm>
-            <a:off x="7039826" y="1718195"/>
-            <a:ext cx="2608520" cy="369332"/>
-          </a:xfrm>
-          <a:prstGeom prst="rect">
-            <a:avLst/>
-          </a:prstGeom>
-          <a:noFill/>
-        </p:spPr>
-        <p:txBody>
-          <a:bodyPr wrap="square">
-            <a:spAutoFit/>
-          </a:bodyPr>
-          <a:lstStyle/>
-          <a:p>
-            <a:r>
-              <a:rPr lang="en-US" altLang="ko-KR" dirty="0">
-                <a:latin typeface="나눔스퀘어" panose="020B0600000101010101" pitchFamily="50" charset="-127"/>
-                <a:ea typeface="나눔스퀘어" panose="020B0600000101010101" pitchFamily="50" charset="-127"/>
-              </a:rPr>
-              <a:t>N0 N1 N2 N3 N4 N5</a:t>
+              <a:rPr lang="en-US" altLang="ko-KR" sz="2000" dirty="0">
+                <a:latin typeface="나눔스퀘어 네오 Regular" panose="00000500000000000000" pitchFamily="2" charset="-127"/>
+                <a:ea typeface="나눔스퀘어 네오 Regular" panose="00000500000000000000" pitchFamily="2" charset="-127"/>
+              </a:rPr>
+              <a:t>SCZ(1)</a:t>
             </a:r>
           </a:p>
         </p:txBody>
@@ -8077,7 +8487,7 @@
     </p:spTree>
     <p:extLst>
       <p:ext uri="{BB962C8B-B14F-4D97-AF65-F5344CB8AC3E}">
-        <p14:creationId xmlns:p14="http://schemas.microsoft.com/office/powerpoint/2010/main" val="448161822"/>
+        <p14:creationId xmlns:p14="http://schemas.microsoft.com/office/powerpoint/2010/main" val="2132451353"/>
       </p:ext>
     </p:extLst>
   </p:cSld>
@@ -8112,6 +8522,1291 @@
       </p:grpSpPr>
       <p:sp>
         <p:nvSpPr>
+          <p:cNvPr id="21" name="TextBox 20">
+            <a:extLst>
+              <a:ext uri="{FF2B5EF4-FFF2-40B4-BE49-F238E27FC236}">
+                <a16:creationId xmlns:a16="http://schemas.microsoft.com/office/drawing/2014/main" id="{26FCC702-DCF3-49A6-A56D-A63DE9D38952}"/>
+              </a:ext>
+            </a:extLst>
+          </p:cNvPr>
+          <p:cNvSpPr txBox="1"/>
+          <p:nvPr/>
+        </p:nvSpPr>
+        <p:spPr>
+          <a:xfrm>
+            <a:off x="457819" y="3895674"/>
+            <a:ext cx="3339847" cy="646331"/>
+          </a:xfrm>
+          <a:prstGeom prst="rect">
+            <a:avLst/>
+          </a:prstGeom>
+          <a:noFill/>
+        </p:spPr>
+        <p:txBody>
+          <a:bodyPr wrap="square">
+            <a:spAutoFit/>
+          </a:bodyPr>
+          <a:lstStyle/>
+          <a:p>
+            <a:r>
+              <a:rPr lang="ko-KR" altLang="en-US" dirty="0">
+                <a:latin typeface="나눔스퀘어 네오 Regular" panose="00000500000000000000" pitchFamily="2" charset="-127"/>
+                <a:ea typeface="나눔스퀘어 네오 Regular" panose="00000500000000000000" pitchFamily="2" charset="-127"/>
+              </a:rPr>
+              <a:t>값이 클 수록 두 </a:t>
+            </a:r>
+            <a:r>
+              <a:rPr lang="en-US" altLang="ko-KR" dirty="0">
+                <a:latin typeface="나눔스퀘어 네오 Regular" panose="00000500000000000000" pitchFamily="2" charset="-127"/>
+                <a:ea typeface="나눔스퀘어 네오 Regular" panose="00000500000000000000" pitchFamily="2" charset="-127"/>
+              </a:rPr>
+              <a:t>node</a:t>
+            </a:r>
+            <a:r>
+              <a:rPr lang="ko-KR" altLang="en-US" dirty="0">
+                <a:latin typeface="나눔스퀘어 네오 Regular" panose="00000500000000000000" pitchFamily="2" charset="-127"/>
+                <a:ea typeface="나눔스퀘어 네오 Regular" panose="00000500000000000000" pitchFamily="2" charset="-127"/>
+              </a:rPr>
+              <a:t>간 </a:t>
+            </a:r>
+            <a:endParaRPr lang="en-US" altLang="ko-KR" dirty="0">
+              <a:latin typeface="나눔스퀘어 네오 Regular" panose="00000500000000000000" pitchFamily="2" charset="-127"/>
+              <a:ea typeface="나눔스퀘어 네오 Regular" panose="00000500000000000000" pitchFamily="2" charset="-127"/>
+            </a:endParaRPr>
+          </a:p>
+          <a:p>
+            <a:r>
+              <a:rPr lang="en-US" altLang="ko-KR" dirty="0">
+                <a:latin typeface="나눔스퀘어 네오 Regular" panose="00000500000000000000" pitchFamily="2" charset="-127"/>
+                <a:ea typeface="나눔스퀘어 네오 Regular" panose="00000500000000000000" pitchFamily="2" charset="-127"/>
+              </a:rPr>
+              <a:t>functional connectivity </a:t>
+            </a:r>
+            <a:r>
+              <a:rPr lang="ko-KR" altLang="en-US" dirty="0">
+                <a:latin typeface="나눔스퀘어 네오 Regular" panose="00000500000000000000" pitchFamily="2" charset="-127"/>
+                <a:ea typeface="나눔스퀘어 네오 Regular" panose="00000500000000000000" pitchFamily="2" charset="-127"/>
+              </a:rPr>
+              <a:t>크다</a:t>
+            </a:r>
+          </a:p>
+        </p:txBody>
+      </p:sp>
+      <p:sp>
+        <p:nvSpPr>
+          <p:cNvPr id="25" name="TextBox 24">
+            <a:extLst>
+              <a:ext uri="{FF2B5EF4-FFF2-40B4-BE49-F238E27FC236}">
+                <a16:creationId xmlns:a16="http://schemas.microsoft.com/office/drawing/2014/main" id="{B87AB0F7-FA4B-46C7-835E-D2AE059B5D9C}"/>
+              </a:ext>
+            </a:extLst>
+          </p:cNvPr>
+          <p:cNvSpPr txBox="1"/>
+          <p:nvPr/>
+        </p:nvSpPr>
+        <p:spPr>
+          <a:xfrm>
+            <a:off x="3815689" y="1734598"/>
+            <a:ext cx="3986784" cy="369332"/>
+          </a:xfrm>
+          <a:prstGeom prst="rect">
+            <a:avLst/>
+          </a:prstGeom>
+          <a:noFill/>
+        </p:spPr>
+        <p:txBody>
+          <a:bodyPr wrap="square">
+            <a:spAutoFit/>
+          </a:bodyPr>
+          <a:lstStyle/>
+          <a:p>
+            <a:r>
+              <a:rPr lang="en-US" altLang="ko-KR" dirty="0">
+                <a:latin typeface="나눔스퀘어 네오 Regular" panose="00000500000000000000" pitchFamily="2" charset="-127"/>
+                <a:ea typeface="나눔스퀘어 네오 Regular" panose="00000500000000000000" pitchFamily="2" charset="-127"/>
+              </a:rPr>
+              <a:t>n0,</a:t>
+            </a:r>
+            <a:r>
+              <a:rPr lang="ko-KR" altLang="en-US" dirty="0">
+                <a:latin typeface="나눔스퀘어 네오 Regular" panose="00000500000000000000" pitchFamily="2" charset="-127"/>
+                <a:ea typeface="나눔스퀘어 네오 Regular" panose="00000500000000000000" pitchFamily="2" charset="-127"/>
+              </a:rPr>
+              <a:t> </a:t>
+            </a:r>
+            <a:r>
+              <a:rPr lang="en-US" altLang="ko-KR" dirty="0">
+                <a:latin typeface="나눔스퀘어 네오 Regular" panose="00000500000000000000" pitchFamily="2" charset="-127"/>
+                <a:ea typeface="나눔스퀘어 네오 Regular" panose="00000500000000000000" pitchFamily="2" charset="-127"/>
+              </a:rPr>
+              <a:t>n2</a:t>
+            </a:r>
+            <a:r>
+              <a:rPr lang="ko-KR" altLang="en-US" dirty="0">
+                <a:latin typeface="나눔스퀘어 네오 Regular" panose="00000500000000000000" pitchFamily="2" charset="-127"/>
+                <a:ea typeface="나눔스퀘어 네오 Regular" panose="00000500000000000000" pitchFamily="2" charset="-127"/>
+              </a:rPr>
+              <a:t>의 </a:t>
+            </a:r>
+            <a:r>
+              <a:rPr lang="en-US" altLang="ko-KR" dirty="0">
+                <a:latin typeface="나눔스퀘어 네오 Regular" panose="00000500000000000000" pitchFamily="2" charset="-127"/>
+                <a:ea typeface="나눔스퀘어 네오 Regular" panose="00000500000000000000" pitchFamily="2" charset="-127"/>
+              </a:rPr>
+              <a:t>pairwise distance </a:t>
+            </a:r>
+            <a:r>
+              <a:rPr lang="ko-KR" altLang="en-US" dirty="0">
+                <a:latin typeface="나눔스퀘어 네오 Regular" panose="00000500000000000000" pitchFamily="2" charset="-127"/>
+                <a:ea typeface="나눔스퀘어 네오 Regular" panose="00000500000000000000" pitchFamily="2" charset="-127"/>
+              </a:rPr>
+              <a:t>계산</a:t>
+            </a:r>
+          </a:p>
+        </p:txBody>
+      </p:sp>
+      <p:sp>
+        <p:nvSpPr>
+          <p:cNvPr id="28" name="TextBox 27">
+            <a:extLst>
+              <a:ext uri="{FF2B5EF4-FFF2-40B4-BE49-F238E27FC236}">
+                <a16:creationId xmlns:a16="http://schemas.microsoft.com/office/drawing/2014/main" id="{9AC06455-BF2C-47B8-B7AD-AC264CDD42F4}"/>
+              </a:ext>
+            </a:extLst>
+          </p:cNvPr>
+          <p:cNvSpPr txBox="1"/>
+          <p:nvPr/>
+        </p:nvSpPr>
+        <p:spPr>
+          <a:xfrm>
+            <a:off x="7257659" y="3865752"/>
+            <a:ext cx="4722696" cy="646331"/>
+          </a:xfrm>
+          <a:prstGeom prst="rect">
+            <a:avLst/>
+          </a:prstGeom>
+          <a:noFill/>
+        </p:spPr>
+        <p:txBody>
+          <a:bodyPr wrap="square">
+            <a:spAutoFit/>
+          </a:bodyPr>
+          <a:lstStyle/>
+          <a:p>
+            <a:r>
+              <a:rPr lang="ko-KR" altLang="en-US" dirty="0">
+                <a:latin typeface="나눔스퀘어 네오 Regular" panose="00000500000000000000" pitchFamily="2" charset="-127"/>
+                <a:ea typeface="나눔스퀘어 네오 Regular" panose="00000500000000000000" pitchFamily="2" charset="-127"/>
+              </a:rPr>
+              <a:t>값이 작을 수록 두 </a:t>
+            </a:r>
+            <a:r>
+              <a:rPr lang="en-US" altLang="ko-KR" dirty="0">
+                <a:latin typeface="나눔스퀘어 네오 Regular" panose="00000500000000000000" pitchFamily="2" charset="-127"/>
+                <a:ea typeface="나눔스퀘어 네오 Regular" panose="00000500000000000000" pitchFamily="2" charset="-127"/>
+              </a:rPr>
+              <a:t>node</a:t>
+            </a:r>
+            <a:r>
+              <a:rPr lang="ko-KR" altLang="en-US" dirty="0">
+                <a:latin typeface="나눔스퀘어 네오 Regular" panose="00000500000000000000" pitchFamily="2" charset="-127"/>
+                <a:ea typeface="나눔스퀘어 네오 Regular" panose="00000500000000000000" pitchFamily="2" charset="-127"/>
+              </a:rPr>
+              <a:t>의 </a:t>
+            </a:r>
+            <a:endParaRPr lang="en-US" altLang="ko-KR" dirty="0">
+              <a:latin typeface="나눔스퀘어 네오 Regular" panose="00000500000000000000" pitchFamily="2" charset="-127"/>
+              <a:ea typeface="나눔스퀘어 네오 Regular" panose="00000500000000000000" pitchFamily="2" charset="-127"/>
+            </a:endParaRPr>
+          </a:p>
+          <a:p>
+            <a:r>
+              <a:rPr lang="en-US" altLang="ko-KR" dirty="0">
+                <a:latin typeface="나눔스퀘어 네오 Regular" panose="00000500000000000000" pitchFamily="2" charset="-127"/>
+                <a:ea typeface="나눔스퀘어 네오 Regular" panose="00000500000000000000" pitchFamily="2" charset="-127"/>
+              </a:rPr>
+              <a:t>functional connectivity pattern</a:t>
+            </a:r>
+            <a:r>
+              <a:rPr lang="ko-KR" altLang="en-US" dirty="0">
+                <a:latin typeface="나눔스퀘어 네오 Regular" panose="00000500000000000000" pitchFamily="2" charset="-127"/>
+                <a:ea typeface="나눔스퀘어 네오 Regular" panose="00000500000000000000" pitchFamily="2" charset="-127"/>
+              </a:rPr>
+              <a:t> 유사하다</a:t>
+            </a:r>
+            <a:r>
+              <a:rPr lang="en-US" altLang="ko-KR" dirty="0">
+                <a:latin typeface="나눔스퀘어 네오 Regular" panose="00000500000000000000" pitchFamily="2" charset="-127"/>
+                <a:ea typeface="나눔스퀘어 네오 Regular" panose="00000500000000000000" pitchFamily="2" charset="-127"/>
+              </a:rPr>
+              <a:t>.</a:t>
+            </a:r>
+          </a:p>
+        </p:txBody>
+      </p:sp>
+      <p:sp>
+        <p:nvSpPr>
+          <p:cNvPr id="4" name="TextBox 3">
+            <a:extLst>
+              <a:ext uri="{FF2B5EF4-FFF2-40B4-BE49-F238E27FC236}">
+                <a16:creationId xmlns:a16="http://schemas.microsoft.com/office/drawing/2014/main" id="{50935AD0-A503-4798-A2F3-5342C36A2E43}"/>
+              </a:ext>
+            </a:extLst>
+          </p:cNvPr>
+          <p:cNvSpPr txBox="1"/>
+          <p:nvPr/>
+        </p:nvSpPr>
+        <p:spPr>
+          <a:xfrm>
+            <a:off x="509586" y="1227054"/>
+            <a:ext cx="3288080" cy="369332"/>
+          </a:xfrm>
+          <a:prstGeom prst="rect">
+            <a:avLst/>
+          </a:prstGeom>
+          <a:noFill/>
+        </p:spPr>
+        <p:txBody>
+          <a:bodyPr wrap="none" rtlCol="0">
+            <a:spAutoFit/>
+          </a:bodyPr>
+          <a:lstStyle/>
+          <a:p>
+            <a:r>
+              <a:rPr lang="en-US" altLang="ko-KR" b="1" dirty="0">
+                <a:latin typeface="나눔스퀘어 네오 Regular" panose="00000500000000000000" pitchFamily="2" charset="-127"/>
+                <a:ea typeface="나눔스퀘어 네오 Regular" panose="00000500000000000000" pitchFamily="2" charset="-127"/>
+              </a:rPr>
+              <a:t>Functional connectivity(X) </a:t>
+            </a:r>
+            <a:endParaRPr lang="ko-KR" altLang="en-US" b="1" dirty="0">
+              <a:latin typeface="나눔스퀘어 네오 Regular" panose="00000500000000000000" pitchFamily="2" charset="-127"/>
+              <a:ea typeface="나눔스퀘어 네오 Regular" panose="00000500000000000000" pitchFamily="2" charset="-127"/>
+            </a:endParaRPr>
+          </a:p>
+        </p:txBody>
+      </p:sp>
+      <p:grpSp>
+        <p:nvGrpSpPr>
+          <p:cNvPr id="8" name="그룹 7">
+            <a:extLst>
+              <a:ext uri="{FF2B5EF4-FFF2-40B4-BE49-F238E27FC236}">
+                <a16:creationId xmlns:a16="http://schemas.microsoft.com/office/drawing/2014/main" id="{771531BB-49C6-41C0-9204-E05E13B51025}"/>
+              </a:ext>
+            </a:extLst>
+          </p:cNvPr>
+          <p:cNvGrpSpPr/>
+          <p:nvPr/>
+        </p:nvGrpSpPr>
+        <p:grpSpPr>
+          <a:xfrm>
+            <a:off x="521976" y="1651120"/>
+            <a:ext cx="3263299" cy="2051088"/>
+            <a:chOff x="193766" y="1622330"/>
+            <a:chExt cx="3263299" cy="2051088"/>
+          </a:xfrm>
+        </p:grpSpPr>
+        <p:pic>
+          <p:nvPicPr>
+            <p:cNvPr id="17" name="그림 16">
+              <a:extLst>
+                <a:ext uri="{FF2B5EF4-FFF2-40B4-BE49-F238E27FC236}">
+                  <a16:creationId xmlns:a16="http://schemas.microsoft.com/office/drawing/2014/main" id="{ADE7F9CD-45AE-44CD-A225-F78A6E472DF1}"/>
+                </a:ext>
+              </a:extLst>
+            </p:cNvPr>
+            <p:cNvPicPr>
+              <a:picLocks noChangeAspect="1"/>
+            </p:cNvPicPr>
+            <p:nvPr/>
+          </p:nvPicPr>
+          <p:blipFill>
+            <a:blip r:embed="rId2"/>
+            <a:stretch>
+              <a:fillRect/>
+            </a:stretch>
+          </p:blipFill>
+          <p:spPr>
+            <a:xfrm>
+              <a:off x="695889" y="1967312"/>
+              <a:ext cx="2389632" cy="1701708"/>
+            </a:xfrm>
+            <a:prstGeom prst="rect">
+              <a:avLst/>
+            </a:prstGeom>
+          </p:spPr>
+        </p:pic>
+        <p:sp>
+          <p:nvSpPr>
+            <p:cNvPr id="23" name="직사각형 22">
+              <a:extLst>
+                <a:ext uri="{FF2B5EF4-FFF2-40B4-BE49-F238E27FC236}">
+                  <a16:creationId xmlns:a16="http://schemas.microsoft.com/office/drawing/2014/main" id="{E608BE1F-7552-46C5-B387-30A2396D4657}"/>
+                </a:ext>
+              </a:extLst>
+            </p:cNvPr>
+            <p:cNvSpPr/>
+            <p:nvPr/>
+          </p:nvSpPr>
+          <p:spPr>
+            <a:xfrm>
+              <a:off x="743701" y="2046601"/>
+              <a:ext cx="2294008" cy="341376"/>
+            </a:xfrm>
+            <a:prstGeom prst="rect">
+              <a:avLst/>
+            </a:prstGeom>
+            <a:noFill/>
+            <a:ln w="28575">
+              <a:solidFill>
+                <a:srgbClr val="FFFF00"/>
+              </a:solidFill>
+            </a:ln>
+          </p:spPr>
+          <p:style>
+            <a:lnRef idx="2">
+              <a:schemeClr val="accent1">
+                <a:shade val="50000"/>
+              </a:schemeClr>
+            </a:lnRef>
+            <a:fillRef idx="1">
+              <a:schemeClr val="accent1"/>
+            </a:fillRef>
+            <a:effectRef idx="0">
+              <a:schemeClr val="accent1"/>
+            </a:effectRef>
+            <a:fontRef idx="minor">
+              <a:schemeClr val="lt1"/>
+            </a:fontRef>
+          </p:style>
+          <p:txBody>
+            <a:bodyPr rtlCol="0" anchor="ctr"/>
+            <a:lstStyle/>
+            <a:p>
+              <a:pPr algn="ctr"/>
+              <a:endParaRPr lang="ko-KR" altLang="en-US" dirty="0">
+                <a:latin typeface="나눔스퀘어 네오 Regular" panose="00000500000000000000" pitchFamily="2" charset="-127"/>
+                <a:ea typeface="나눔스퀘어 네오 Regular" panose="00000500000000000000" pitchFamily="2" charset="-127"/>
+              </a:endParaRPr>
+            </a:p>
+          </p:txBody>
+        </p:sp>
+        <p:sp>
+          <p:nvSpPr>
+            <p:cNvPr id="26" name="직사각형 25">
+              <a:extLst>
+                <a:ext uri="{FF2B5EF4-FFF2-40B4-BE49-F238E27FC236}">
+                  <a16:creationId xmlns:a16="http://schemas.microsoft.com/office/drawing/2014/main" id="{85C34E41-0515-4625-9A38-69B3EDB95A69}"/>
+                </a:ext>
+              </a:extLst>
+            </p:cNvPr>
+            <p:cNvSpPr/>
+            <p:nvPr/>
+          </p:nvSpPr>
+          <p:spPr>
+            <a:xfrm>
+              <a:off x="743701" y="2687122"/>
+              <a:ext cx="2294008" cy="341376"/>
+            </a:xfrm>
+            <a:prstGeom prst="rect">
+              <a:avLst/>
+            </a:prstGeom>
+            <a:noFill/>
+            <a:ln w="28575">
+              <a:solidFill>
+                <a:srgbClr val="FFFF00"/>
+              </a:solidFill>
+            </a:ln>
+          </p:spPr>
+          <p:style>
+            <a:lnRef idx="2">
+              <a:schemeClr val="accent1">
+                <a:shade val="50000"/>
+              </a:schemeClr>
+            </a:lnRef>
+            <a:fillRef idx="1">
+              <a:schemeClr val="accent1"/>
+            </a:fillRef>
+            <a:effectRef idx="0">
+              <a:schemeClr val="accent1"/>
+            </a:effectRef>
+            <a:fontRef idx="minor">
+              <a:schemeClr val="lt1"/>
+            </a:fontRef>
+          </p:style>
+          <p:txBody>
+            <a:bodyPr rtlCol="0" anchor="ctr"/>
+            <a:lstStyle/>
+            <a:p>
+              <a:pPr algn="ctr"/>
+              <a:endParaRPr lang="ko-KR" altLang="en-US" dirty="0">
+                <a:latin typeface="나눔스퀘어 네오 Regular" panose="00000500000000000000" pitchFamily="2" charset="-127"/>
+                <a:ea typeface="나눔스퀘어 네오 Regular" panose="00000500000000000000" pitchFamily="2" charset="-127"/>
+              </a:endParaRPr>
+            </a:p>
+          </p:txBody>
+        </p:sp>
+        <p:sp>
+          <p:nvSpPr>
+            <p:cNvPr id="38" name="TextBox 37">
+              <a:extLst>
+                <a:ext uri="{FF2B5EF4-FFF2-40B4-BE49-F238E27FC236}">
+                  <a16:creationId xmlns:a16="http://schemas.microsoft.com/office/drawing/2014/main" id="{F812C71C-A9E1-4BB9-A376-F6E30CCACBDC}"/>
+                </a:ext>
+              </a:extLst>
+            </p:cNvPr>
+            <p:cNvSpPr txBox="1"/>
+            <p:nvPr/>
+          </p:nvSpPr>
+          <p:spPr>
+            <a:xfrm>
+              <a:off x="193766" y="2042202"/>
+              <a:ext cx="566181" cy="1631216"/>
+            </a:xfrm>
+            <a:prstGeom prst="rect">
+              <a:avLst/>
+            </a:prstGeom>
+            <a:noFill/>
+          </p:spPr>
+          <p:txBody>
+            <a:bodyPr wrap="none" rtlCol="0">
+              <a:spAutoFit/>
+            </a:bodyPr>
+            <a:lstStyle/>
+            <a:p>
+              <a:r>
+                <a:rPr lang="en-US" altLang="ko-KR" sz="2000" dirty="0">
+                  <a:latin typeface="나눔스퀘어 네오 Regular" panose="00000500000000000000" pitchFamily="2" charset="-127"/>
+                  <a:ea typeface="나눔스퀘어 네오 Regular" panose="00000500000000000000" pitchFamily="2" charset="-127"/>
+                </a:rPr>
+                <a:t>N0</a:t>
+              </a:r>
+            </a:p>
+            <a:p>
+              <a:r>
+                <a:rPr lang="en-US" altLang="ko-KR" sz="2000" dirty="0">
+                  <a:latin typeface="나눔스퀘어 네오 Regular" panose="00000500000000000000" pitchFamily="2" charset="-127"/>
+                  <a:ea typeface="나눔스퀘어 네오 Regular" panose="00000500000000000000" pitchFamily="2" charset="-127"/>
+                </a:rPr>
+                <a:t>N1</a:t>
+              </a:r>
+            </a:p>
+            <a:p>
+              <a:r>
+                <a:rPr lang="en-US" altLang="ko-KR" sz="2000" dirty="0">
+                  <a:latin typeface="나눔스퀘어 네오 Regular" panose="00000500000000000000" pitchFamily="2" charset="-127"/>
+                  <a:ea typeface="나눔스퀘어 네오 Regular" panose="00000500000000000000" pitchFamily="2" charset="-127"/>
+                </a:rPr>
+                <a:t>N2</a:t>
+              </a:r>
+            </a:p>
+            <a:p>
+              <a:r>
+                <a:rPr lang="en-US" altLang="ko-KR" sz="2000" dirty="0">
+                  <a:latin typeface="나눔스퀘어 네오 Regular" panose="00000500000000000000" pitchFamily="2" charset="-127"/>
+                  <a:ea typeface="나눔스퀘어 네오 Regular" panose="00000500000000000000" pitchFamily="2" charset="-127"/>
+                </a:rPr>
+                <a:t>N3</a:t>
+              </a:r>
+            </a:p>
+            <a:p>
+              <a:r>
+                <a:rPr lang="en-US" altLang="ko-KR" sz="2000" dirty="0">
+                  <a:latin typeface="나눔스퀘어 네오 Regular" panose="00000500000000000000" pitchFamily="2" charset="-127"/>
+                  <a:ea typeface="나눔스퀘어 네오 Regular" panose="00000500000000000000" pitchFamily="2" charset="-127"/>
+                </a:rPr>
+                <a:t>N4</a:t>
+              </a:r>
+            </a:p>
+          </p:txBody>
+        </p:sp>
+        <p:sp>
+          <p:nvSpPr>
+            <p:cNvPr id="40" name="TextBox 39">
+              <a:extLst>
+                <a:ext uri="{FF2B5EF4-FFF2-40B4-BE49-F238E27FC236}">
+                  <a16:creationId xmlns:a16="http://schemas.microsoft.com/office/drawing/2014/main" id="{B60DF9C4-4360-4615-BC42-79D2366ACF90}"/>
+                </a:ext>
+              </a:extLst>
+            </p:cNvPr>
+            <p:cNvSpPr txBox="1"/>
+            <p:nvPr/>
+          </p:nvSpPr>
+          <p:spPr>
+            <a:xfrm>
+              <a:off x="848545" y="1622330"/>
+              <a:ext cx="2608520" cy="400110"/>
+            </a:xfrm>
+            <a:prstGeom prst="rect">
+              <a:avLst/>
+            </a:prstGeom>
+            <a:noFill/>
+          </p:spPr>
+          <p:txBody>
+            <a:bodyPr wrap="square">
+              <a:spAutoFit/>
+            </a:bodyPr>
+            <a:lstStyle/>
+            <a:p>
+              <a:r>
+                <a:rPr lang="en-US" altLang="ko-KR" sz="2000" dirty="0">
+                  <a:latin typeface="나눔스퀘어 네오 Regular" panose="00000500000000000000" pitchFamily="2" charset="-127"/>
+                  <a:ea typeface="나눔스퀘어 네오 Regular" panose="00000500000000000000" pitchFamily="2" charset="-127"/>
+                </a:rPr>
+                <a:t>N0 N1 N2 N3 N4</a:t>
+              </a:r>
+            </a:p>
+          </p:txBody>
+        </p:sp>
+      </p:grpSp>
+      <p:sp>
+        <p:nvSpPr>
+          <p:cNvPr id="42" name="TextBox 41">
+            <a:extLst>
+              <a:ext uri="{FF2B5EF4-FFF2-40B4-BE49-F238E27FC236}">
+                <a16:creationId xmlns:a16="http://schemas.microsoft.com/office/drawing/2014/main" id="{37222F45-3152-42F2-BBFC-CC53F7A1662F}"/>
+              </a:ext>
+            </a:extLst>
+          </p:cNvPr>
+          <p:cNvSpPr txBox="1"/>
+          <p:nvPr/>
+        </p:nvSpPr>
+        <p:spPr>
+          <a:xfrm>
+            <a:off x="1345872" y="4981762"/>
+            <a:ext cx="8505264" cy="1754326"/>
+          </a:xfrm>
+          <a:prstGeom prst="rect">
+            <a:avLst/>
+          </a:prstGeom>
+          <a:noFill/>
+        </p:spPr>
+        <p:txBody>
+          <a:bodyPr wrap="square">
+            <a:spAutoFit/>
+          </a:bodyPr>
+          <a:lstStyle/>
+          <a:p>
+            <a:r>
+              <a:rPr lang="en-US" altLang="ko-KR" dirty="0">
+                <a:latin typeface="나눔스퀘어 네오 Regular" panose="00000500000000000000" pitchFamily="2" charset="-127"/>
+                <a:ea typeface="나눔스퀘어 네오 Regular" panose="00000500000000000000" pitchFamily="2" charset="-127"/>
+              </a:rPr>
+              <a:t>X </a:t>
+            </a:r>
+            <a:r>
+              <a:rPr lang="ko-KR" altLang="en-US" dirty="0">
+                <a:latin typeface="나눔스퀘어 네오 Regular" panose="00000500000000000000" pitchFamily="2" charset="-127"/>
+                <a:ea typeface="나눔스퀘어 네오 Regular" panose="00000500000000000000" pitchFamily="2" charset="-127"/>
+              </a:rPr>
+              <a:t>크고</a:t>
+            </a:r>
+            <a:r>
+              <a:rPr lang="en-US" altLang="ko-KR" dirty="0">
+                <a:latin typeface="나눔스퀘어 네오 Regular" panose="00000500000000000000" pitchFamily="2" charset="-127"/>
+                <a:ea typeface="나눔스퀘어 네오 Regular" panose="00000500000000000000" pitchFamily="2" charset="-127"/>
+              </a:rPr>
+              <a:t>, pd </a:t>
+            </a:r>
+            <a:r>
+              <a:rPr lang="ko-KR" altLang="en-US" dirty="0">
+                <a:latin typeface="나눔스퀘어 네오 Regular" panose="00000500000000000000" pitchFamily="2" charset="-127"/>
+                <a:ea typeface="나눔스퀘어 네오 Regular" panose="00000500000000000000" pitchFamily="2" charset="-127"/>
+              </a:rPr>
+              <a:t>크다 </a:t>
+            </a:r>
+            <a:r>
+              <a:rPr lang="en-US" altLang="ko-KR" dirty="0">
+                <a:latin typeface="나눔스퀘어 네오 Regular" panose="00000500000000000000" pitchFamily="2" charset="-127"/>
+                <a:ea typeface="나눔스퀘어 네오 Regular" panose="00000500000000000000" pitchFamily="2" charset="-127"/>
+              </a:rPr>
+              <a:t>: </a:t>
+            </a:r>
+            <a:r>
+              <a:rPr lang="ko-KR" altLang="en-US" dirty="0">
+                <a:latin typeface="나눔스퀘어 네오 Regular" panose="00000500000000000000" pitchFamily="2" charset="-127"/>
+                <a:ea typeface="나눔스퀘어 네오 Regular" panose="00000500000000000000" pitchFamily="2" charset="-127"/>
+              </a:rPr>
+              <a:t>특정 작업이나 기능을 수행할 땐 밀접하게 협력하나 다른 </a:t>
+            </a:r>
+            <a:r>
+              <a:rPr lang="en-US" altLang="ko-KR" dirty="0">
+                <a:latin typeface="나눔스퀘어 네오 Regular" panose="00000500000000000000" pitchFamily="2" charset="-127"/>
+                <a:ea typeface="나눔스퀘어 네오 Regular" panose="00000500000000000000" pitchFamily="2" charset="-127"/>
+              </a:rPr>
+              <a:t>node</a:t>
+            </a:r>
+            <a:r>
+              <a:rPr lang="ko-KR" altLang="en-US" dirty="0">
+                <a:latin typeface="나눔스퀘어 네오 Regular" panose="00000500000000000000" pitchFamily="2" charset="-127"/>
+                <a:ea typeface="나눔스퀘어 네오 Regular" panose="00000500000000000000" pitchFamily="2" charset="-127"/>
+              </a:rPr>
+              <a:t>들과의 연결 패턴은 다르다</a:t>
+            </a:r>
+            <a:r>
+              <a:rPr lang="en-US" altLang="ko-KR" dirty="0">
+                <a:latin typeface="나눔스퀘어 네오 Regular" panose="00000500000000000000" pitchFamily="2" charset="-127"/>
+                <a:ea typeface="나눔스퀘어 네오 Regular" panose="00000500000000000000" pitchFamily="2" charset="-127"/>
+              </a:rPr>
+              <a:t>. </a:t>
+            </a:r>
+          </a:p>
+          <a:p>
+            <a:r>
+              <a:rPr lang="en-US" altLang="ko-KR" dirty="0">
+                <a:latin typeface="나눔스퀘어 네오 Regular" panose="00000500000000000000" pitchFamily="2" charset="-127"/>
+                <a:ea typeface="나눔스퀘어 네오 Regular" panose="00000500000000000000" pitchFamily="2" charset="-127"/>
+              </a:rPr>
+              <a:t>X </a:t>
+            </a:r>
+            <a:r>
+              <a:rPr lang="ko-KR" altLang="en-US" dirty="0">
+                <a:latin typeface="나눔스퀘어 네오 Regular" panose="00000500000000000000" pitchFamily="2" charset="-127"/>
+                <a:ea typeface="나눔스퀘어 네오 Regular" panose="00000500000000000000" pitchFamily="2" charset="-127"/>
+              </a:rPr>
+              <a:t>크고</a:t>
+            </a:r>
+            <a:r>
+              <a:rPr lang="en-US" altLang="ko-KR" dirty="0">
+                <a:latin typeface="나눔스퀘어 네오 Regular" panose="00000500000000000000" pitchFamily="2" charset="-127"/>
+                <a:ea typeface="나눔스퀘어 네오 Regular" panose="00000500000000000000" pitchFamily="2" charset="-127"/>
+              </a:rPr>
+              <a:t>, pd </a:t>
+            </a:r>
+            <a:r>
+              <a:rPr lang="ko-KR" altLang="en-US" dirty="0">
+                <a:latin typeface="나눔스퀘어 네오 Regular" panose="00000500000000000000" pitchFamily="2" charset="-127"/>
+                <a:ea typeface="나눔스퀘어 네오 Regular" panose="00000500000000000000" pitchFamily="2" charset="-127"/>
+              </a:rPr>
+              <a:t>작다 </a:t>
+            </a:r>
+            <a:r>
+              <a:rPr lang="en-US" altLang="ko-KR" dirty="0">
+                <a:latin typeface="나눔스퀘어 네오 Regular" panose="00000500000000000000" pitchFamily="2" charset="-127"/>
+                <a:ea typeface="나눔스퀘어 네오 Regular" panose="00000500000000000000" pitchFamily="2" charset="-127"/>
+              </a:rPr>
+              <a:t>: </a:t>
+            </a:r>
+            <a:r>
+              <a:rPr lang="ko-KR" altLang="en-US" dirty="0">
+                <a:latin typeface="나눔스퀘어 네오 Regular" panose="00000500000000000000" pitchFamily="2" charset="-127"/>
+                <a:ea typeface="나눔스퀘어 네오 Regular" panose="00000500000000000000" pitchFamily="2" charset="-127"/>
+              </a:rPr>
+              <a:t>기능적인 연결 강도 높고</a:t>
+            </a:r>
+            <a:r>
+              <a:rPr lang="en-US" altLang="ko-KR" dirty="0">
+                <a:latin typeface="나눔스퀘어 네오 Regular" panose="00000500000000000000" pitchFamily="2" charset="-127"/>
+                <a:ea typeface="나눔스퀘어 네오 Regular" panose="00000500000000000000" pitchFamily="2" charset="-127"/>
+              </a:rPr>
+              <a:t>, </a:t>
+            </a:r>
+            <a:r>
+              <a:rPr lang="ko-KR" altLang="en-US" dirty="0">
+                <a:latin typeface="나눔스퀘어 네오 Regular" panose="00000500000000000000" pitchFamily="2" charset="-127"/>
+                <a:ea typeface="나눔스퀘어 네오 Regular" panose="00000500000000000000" pitchFamily="2" charset="-127"/>
+              </a:rPr>
+              <a:t>유사한 역할을 수행한다</a:t>
+            </a:r>
+            <a:r>
+              <a:rPr lang="en-US" altLang="ko-KR" dirty="0">
+                <a:latin typeface="나눔스퀘어 네오 Regular" panose="00000500000000000000" pitchFamily="2" charset="-127"/>
+                <a:ea typeface="나눔스퀘어 네오 Regular" panose="00000500000000000000" pitchFamily="2" charset="-127"/>
+              </a:rPr>
+              <a:t>. </a:t>
+            </a:r>
+          </a:p>
+          <a:p>
+            <a:r>
+              <a:rPr lang="en-US" altLang="ko-KR" dirty="0">
+                <a:latin typeface="나눔스퀘어 네오 Regular" panose="00000500000000000000" pitchFamily="2" charset="-127"/>
+                <a:ea typeface="나눔스퀘어 네오 Regular" panose="00000500000000000000" pitchFamily="2" charset="-127"/>
+              </a:rPr>
+              <a:t>X </a:t>
+            </a:r>
+            <a:r>
+              <a:rPr lang="ko-KR" altLang="en-US" dirty="0">
+                <a:latin typeface="나눔스퀘어 네오 Regular" panose="00000500000000000000" pitchFamily="2" charset="-127"/>
+                <a:ea typeface="나눔스퀘어 네오 Regular" panose="00000500000000000000" pitchFamily="2" charset="-127"/>
+              </a:rPr>
+              <a:t>작고</a:t>
+            </a:r>
+            <a:r>
+              <a:rPr lang="en-US" altLang="ko-KR" dirty="0">
+                <a:latin typeface="나눔스퀘어 네오 Regular" panose="00000500000000000000" pitchFamily="2" charset="-127"/>
+                <a:ea typeface="나눔스퀘어 네오 Regular" panose="00000500000000000000" pitchFamily="2" charset="-127"/>
+              </a:rPr>
+              <a:t>, pd </a:t>
+            </a:r>
+            <a:r>
+              <a:rPr lang="ko-KR" altLang="en-US" dirty="0">
+                <a:latin typeface="나눔스퀘어 네오 Regular" panose="00000500000000000000" pitchFamily="2" charset="-127"/>
+                <a:ea typeface="나눔스퀘어 네오 Regular" panose="00000500000000000000" pitchFamily="2" charset="-127"/>
+              </a:rPr>
+              <a:t>작다 </a:t>
+            </a:r>
+            <a:r>
+              <a:rPr lang="en-US" altLang="ko-KR" dirty="0">
+                <a:latin typeface="나눔스퀘어 네오 Regular" panose="00000500000000000000" pitchFamily="2" charset="-127"/>
+                <a:ea typeface="나눔스퀘어 네오 Regular" panose="00000500000000000000" pitchFamily="2" charset="-127"/>
+              </a:rPr>
+              <a:t>: </a:t>
+            </a:r>
+            <a:r>
+              <a:rPr lang="ko-KR" altLang="en-US" dirty="0">
+                <a:latin typeface="나눔스퀘어 네오 Regular" panose="00000500000000000000" pitchFamily="2" charset="-127"/>
+                <a:ea typeface="나눔스퀘어 네오 Regular" panose="00000500000000000000" pitchFamily="2" charset="-127"/>
+              </a:rPr>
+              <a:t>기능 중복</a:t>
+            </a:r>
+            <a:r>
+              <a:rPr lang="en-US" altLang="ko-KR" dirty="0">
+                <a:latin typeface="나눔스퀘어 네오 Regular" panose="00000500000000000000" pitchFamily="2" charset="-127"/>
+                <a:ea typeface="나눔스퀘어 네오 Regular" panose="00000500000000000000" pitchFamily="2" charset="-127"/>
+              </a:rPr>
+              <a:t>,</a:t>
+            </a:r>
+            <a:r>
+              <a:rPr lang="ko-KR" altLang="en-US" dirty="0">
+                <a:latin typeface="나눔스퀘어 네오 Regular" panose="00000500000000000000" pitchFamily="2" charset="-127"/>
+                <a:ea typeface="나눔스퀘어 네오 Regular" panose="00000500000000000000" pitchFamily="2" charset="-127"/>
+              </a:rPr>
+              <a:t> 역할 분배 등으로 직접적인 기능적 연결은 적지만 유사한 역할을 수행한다</a:t>
+            </a:r>
+            <a:r>
+              <a:rPr lang="en-US" altLang="ko-KR" dirty="0">
+                <a:latin typeface="나눔스퀘어 네오 Regular" panose="00000500000000000000" pitchFamily="2" charset="-127"/>
+                <a:ea typeface="나눔스퀘어 네오 Regular" panose="00000500000000000000" pitchFamily="2" charset="-127"/>
+              </a:rPr>
+              <a:t>. </a:t>
+            </a:r>
+          </a:p>
+          <a:p>
+            <a:r>
+              <a:rPr lang="en-US" altLang="ko-KR" dirty="0">
+                <a:latin typeface="나눔스퀘어 네오 Regular" panose="00000500000000000000" pitchFamily="2" charset="-127"/>
+                <a:ea typeface="나눔스퀘어 네오 Regular" panose="00000500000000000000" pitchFamily="2" charset="-127"/>
+              </a:rPr>
+              <a:t>X </a:t>
+            </a:r>
+            <a:r>
+              <a:rPr lang="ko-KR" altLang="en-US" dirty="0">
+                <a:latin typeface="나눔스퀘어 네오 Regular" panose="00000500000000000000" pitchFamily="2" charset="-127"/>
+                <a:ea typeface="나눔스퀘어 네오 Regular" panose="00000500000000000000" pitchFamily="2" charset="-127"/>
+              </a:rPr>
+              <a:t>작고</a:t>
+            </a:r>
+            <a:r>
+              <a:rPr lang="en-US" altLang="ko-KR" dirty="0">
+                <a:latin typeface="나눔스퀘어 네오 Regular" panose="00000500000000000000" pitchFamily="2" charset="-127"/>
+                <a:ea typeface="나눔스퀘어 네오 Regular" panose="00000500000000000000" pitchFamily="2" charset="-127"/>
+              </a:rPr>
+              <a:t>, pd </a:t>
+            </a:r>
+            <a:r>
+              <a:rPr lang="ko-KR" altLang="en-US" dirty="0">
+                <a:latin typeface="나눔스퀘어 네오 Regular" panose="00000500000000000000" pitchFamily="2" charset="-127"/>
+                <a:ea typeface="나눔스퀘어 네오 Regular" panose="00000500000000000000" pitchFamily="2" charset="-127"/>
+              </a:rPr>
+              <a:t>크다 </a:t>
+            </a:r>
+            <a:r>
+              <a:rPr lang="en-US" altLang="ko-KR" dirty="0">
+                <a:latin typeface="나눔스퀘어 네오 Regular" panose="00000500000000000000" pitchFamily="2" charset="-127"/>
+                <a:ea typeface="나눔스퀘어 네오 Regular" panose="00000500000000000000" pitchFamily="2" charset="-127"/>
+              </a:rPr>
+              <a:t>: </a:t>
+            </a:r>
+            <a:r>
+              <a:rPr lang="ko-KR" altLang="en-US" dirty="0">
+                <a:latin typeface="나눔스퀘어 네오 Regular" panose="00000500000000000000" pitchFamily="2" charset="-127"/>
+                <a:ea typeface="나눔스퀘어 네오 Regular" panose="00000500000000000000" pitchFamily="2" charset="-127"/>
+              </a:rPr>
+              <a:t>직접적인 기능적 연결성도 낮고</a:t>
+            </a:r>
+            <a:r>
+              <a:rPr lang="en-US" altLang="ko-KR" dirty="0">
+                <a:latin typeface="나눔스퀘어 네오 Regular" panose="00000500000000000000" pitchFamily="2" charset="-127"/>
+                <a:ea typeface="나눔스퀘어 네오 Regular" panose="00000500000000000000" pitchFamily="2" charset="-127"/>
+              </a:rPr>
+              <a:t>, </a:t>
+            </a:r>
+            <a:r>
+              <a:rPr lang="ko-KR" altLang="en-US" dirty="0">
+                <a:latin typeface="나눔스퀘어 네오 Regular" panose="00000500000000000000" pitchFamily="2" charset="-127"/>
+                <a:ea typeface="나눔스퀘어 네오 Regular" panose="00000500000000000000" pitchFamily="2" charset="-127"/>
+              </a:rPr>
+              <a:t>수행하는 역할도 다르다</a:t>
+            </a:r>
+            <a:r>
+              <a:rPr lang="en-US" altLang="ko-KR" dirty="0">
+                <a:latin typeface="나눔스퀘어 네오 Regular" panose="00000500000000000000" pitchFamily="2" charset="-127"/>
+                <a:ea typeface="나눔스퀘어 네오 Regular" panose="00000500000000000000" pitchFamily="2" charset="-127"/>
+              </a:rPr>
+              <a:t>.</a:t>
+            </a:r>
+            <a:endParaRPr lang="ko-KR" altLang="en-US" dirty="0">
+              <a:latin typeface="나눔스퀘어 네오 Regular" panose="00000500000000000000" pitchFamily="2" charset="-127"/>
+              <a:ea typeface="나눔스퀘어 네오 Regular" panose="00000500000000000000" pitchFamily="2" charset="-127"/>
+            </a:endParaRPr>
+          </a:p>
+        </p:txBody>
+      </p:sp>
+      <p:grpSp>
+        <p:nvGrpSpPr>
+          <p:cNvPr id="6" name="그룹 5">
+            <a:extLst>
+              <a:ext uri="{FF2B5EF4-FFF2-40B4-BE49-F238E27FC236}">
+                <a16:creationId xmlns:a16="http://schemas.microsoft.com/office/drawing/2014/main" id="{42A562D3-C5F3-43BE-A68F-837DC806970C}"/>
+              </a:ext>
+            </a:extLst>
+          </p:cNvPr>
+          <p:cNvGrpSpPr/>
+          <p:nvPr/>
+        </p:nvGrpSpPr>
+        <p:grpSpPr>
+          <a:xfrm>
+            <a:off x="7438338" y="1325563"/>
+            <a:ext cx="4542017" cy="2308211"/>
+            <a:chOff x="6473645" y="1325563"/>
+            <a:chExt cx="4542017" cy="2308211"/>
+          </a:xfrm>
+        </p:grpSpPr>
+        <p:sp>
+          <p:nvSpPr>
+            <p:cNvPr id="7" name="TextBox 6">
+              <a:extLst>
+                <a:ext uri="{FF2B5EF4-FFF2-40B4-BE49-F238E27FC236}">
+                  <a16:creationId xmlns:a16="http://schemas.microsoft.com/office/drawing/2014/main" id="{78DA09A0-493B-49A2-B2D5-D76F2613C599}"/>
+                </a:ext>
+              </a:extLst>
+            </p:cNvPr>
+            <p:cNvSpPr txBox="1"/>
+            <p:nvPr/>
+          </p:nvSpPr>
+          <p:spPr>
+            <a:xfrm>
+              <a:off x="7645083" y="1325563"/>
+              <a:ext cx="2206053" cy="369332"/>
+            </a:xfrm>
+            <a:prstGeom prst="rect">
+              <a:avLst/>
+            </a:prstGeom>
+            <a:noFill/>
+          </p:spPr>
+          <p:txBody>
+            <a:bodyPr wrap="none" rtlCol="0">
+              <a:spAutoFit/>
+            </a:bodyPr>
+            <a:lstStyle/>
+            <a:p>
+              <a:r>
+                <a:rPr lang="en-US" altLang="ko-KR" b="1" dirty="0">
+                  <a:latin typeface="나눔스퀘어 네오 Regular" panose="00000500000000000000" pitchFamily="2" charset="-127"/>
+                  <a:ea typeface="나눔스퀘어 네오 Regular" panose="00000500000000000000" pitchFamily="2" charset="-127"/>
+                </a:rPr>
+                <a:t>Adjacency matrix</a:t>
+              </a:r>
+              <a:endParaRPr lang="ko-KR" altLang="en-US" b="1" dirty="0">
+                <a:latin typeface="나눔스퀘어 네오 Regular" panose="00000500000000000000" pitchFamily="2" charset="-127"/>
+                <a:ea typeface="나눔스퀘어 네오 Regular" panose="00000500000000000000" pitchFamily="2" charset="-127"/>
+              </a:endParaRPr>
+            </a:p>
+          </p:txBody>
+        </p:sp>
+        <p:pic>
+          <p:nvPicPr>
+            <p:cNvPr id="30" name="그림 29">
+              <a:extLst>
+                <a:ext uri="{FF2B5EF4-FFF2-40B4-BE49-F238E27FC236}">
+                  <a16:creationId xmlns:a16="http://schemas.microsoft.com/office/drawing/2014/main" id="{7381BD62-28A1-4003-99A2-F7BB207DC7B2}"/>
+                </a:ext>
+              </a:extLst>
+            </p:cNvPr>
+            <p:cNvPicPr>
+              <a:picLocks noChangeAspect="1"/>
+            </p:cNvPicPr>
+            <p:nvPr/>
+          </p:nvPicPr>
+          <p:blipFill>
+            <a:blip r:embed="rId3"/>
+            <a:stretch>
+              <a:fillRect/>
+            </a:stretch>
+          </p:blipFill>
+          <p:spPr>
+            <a:xfrm>
+              <a:off x="6992112" y="2049946"/>
+              <a:ext cx="3691145" cy="1553204"/>
+            </a:xfrm>
+            <a:prstGeom prst="rect">
+              <a:avLst/>
+            </a:prstGeom>
+          </p:spPr>
+        </p:pic>
+        <p:sp>
+          <p:nvSpPr>
+            <p:cNvPr id="31" name="직사각형 30">
+              <a:extLst>
+                <a:ext uri="{FF2B5EF4-FFF2-40B4-BE49-F238E27FC236}">
+                  <a16:creationId xmlns:a16="http://schemas.microsoft.com/office/drawing/2014/main" id="{004E59A1-9FAB-447D-8685-06446FBBECD8}"/>
+                </a:ext>
+              </a:extLst>
+            </p:cNvPr>
+            <p:cNvSpPr/>
+            <p:nvPr/>
+          </p:nvSpPr>
+          <p:spPr>
+            <a:xfrm>
+              <a:off x="8559352" y="2074371"/>
+              <a:ext cx="535880" cy="341376"/>
+            </a:xfrm>
+            <a:prstGeom prst="rect">
+              <a:avLst/>
+            </a:prstGeom>
+            <a:noFill/>
+            <a:ln w="28575">
+              <a:solidFill>
+                <a:srgbClr val="FFFF00"/>
+              </a:solidFill>
+            </a:ln>
+          </p:spPr>
+          <p:style>
+            <a:lnRef idx="2">
+              <a:schemeClr val="accent1">
+                <a:shade val="50000"/>
+              </a:schemeClr>
+            </a:lnRef>
+            <a:fillRef idx="1">
+              <a:schemeClr val="accent1"/>
+            </a:fillRef>
+            <a:effectRef idx="0">
+              <a:schemeClr val="accent1"/>
+            </a:effectRef>
+            <a:fontRef idx="minor">
+              <a:schemeClr val="lt1"/>
+            </a:fontRef>
+          </p:style>
+          <p:txBody>
+            <a:bodyPr rtlCol="0" anchor="ctr"/>
+            <a:lstStyle/>
+            <a:p>
+              <a:pPr algn="ctr"/>
+              <a:endParaRPr lang="ko-KR" altLang="en-US" dirty="0">
+                <a:latin typeface="나눔스퀘어 네오 Regular" panose="00000500000000000000" pitchFamily="2" charset="-127"/>
+                <a:ea typeface="나눔스퀘어 네오 Regular" panose="00000500000000000000" pitchFamily="2" charset="-127"/>
+              </a:endParaRPr>
+            </a:p>
+          </p:txBody>
+        </p:sp>
+        <p:sp>
+          <p:nvSpPr>
+            <p:cNvPr id="43" name="TextBox 42">
+              <a:extLst>
+                <a:ext uri="{FF2B5EF4-FFF2-40B4-BE49-F238E27FC236}">
+                  <a16:creationId xmlns:a16="http://schemas.microsoft.com/office/drawing/2014/main" id="{32F030B2-D46D-471C-9915-7D8C912DBC85}"/>
+                </a:ext>
+              </a:extLst>
+            </p:cNvPr>
+            <p:cNvSpPr txBox="1"/>
+            <p:nvPr/>
+          </p:nvSpPr>
+          <p:spPr>
+            <a:xfrm>
+              <a:off x="6473645" y="2002558"/>
+              <a:ext cx="566181" cy="1631216"/>
+            </a:xfrm>
+            <a:prstGeom prst="rect">
+              <a:avLst/>
+            </a:prstGeom>
+            <a:noFill/>
+          </p:spPr>
+          <p:txBody>
+            <a:bodyPr wrap="none" rtlCol="0">
+              <a:spAutoFit/>
+            </a:bodyPr>
+            <a:lstStyle/>
+            <a:p>
+              <a:r>
+                <a:rPr lang="en-US" altLang="ko-KR" sz="2000" dirty="0">
+                  <a:latin typeface="나눔스퀘어 네오 Regular" panose="00000500000000000000" pitchFamily="2" charset="-127"/>
+                  <a:ea typeface="나눔스퀘어 네오 Regular" panose="00000500000000000000" pitchFamily="2" charset="-127"/>
+                </a:rPr>
+                <a:t>N0</a:t>
+              </a:r>
+            </a:p>
+            <a:p>
+              <a:r>
+                <a:rPr lang="en-US" altLang="ko-KR" sz="2000" dirty="0">
+                  <a:latin typeface="나눔스퀘어 네오 Regular" panose="00000500000000000000" pitchFamily="2" charset="-127"/>
+                  <a:ea typeface="나눔스퀘어 네오 Regular" panose="00000500000000000000" pitchFamily="2" charset="-127"/>
+                </a:rPr>
+                <a:t>N1</a:t>
+              </a:r>
+            </a:p>
+            <a:p>
+              <a:r>
+                <a:rPr lang="en-US" altLang="ko-KR" sz="2000" dirty="0">
+                  <a:latin typeface="나눔스퀘어 네오 Regular" panose="00000500000000000000" pitchFamily="2" charset="-127"/>
+                  <a:ea typeface="나눔스퀘어 네오 Regular" panose="00000500000000000000" pitchFamily="2" charset="-127"/>
+                </a:rPr>
+                <a:t>N2</a:t>
+              </a:r>
+            </a:p>
+            <a:p>
+              <a:r>
+                <a:rPr lang="en-US" altLang="ko-KR" sz="2000" dirty="0">
+                  <a:latin typeface="나눔스퀘어 네오 Regular" panose="00000500000000000000" pitchFamily="2" charset="-127"/>
+                  <a:ea typeface="나눔스퀘어 네오 Regular" panose="00000500000000000000" pitchFamily="2" charset="-127"/>
+                </a:rPr>
+                <a:t>N3</a:t>
+              </a:r>
+            </a:p>
+            <a:p>
+              <a:r>
+                <a:rPr lang="en-US" altLang="ko-KR" sz="2000" dirty="0">
+                  <a:latin typeface="나눔스퀘어 네오 Regular" panose="00000500000000000000" pitchFamily="2" charset="-127"/>
+                  <a:ea typeface="나눔스퀘어 네오 Regular" panose="00000500000000000000" pitchFamily="2" charset="-127"/>
+                </a:rPr>
+                <a:t>N4</a:t>
+              </a:r>
+            </a:p>
+          </p:txBody>
+        </p:sp>
+        <p:sp>
+          <p:nvSpPr>
+            <p:cNvPr id="45" name="TextBox 44">
+              <a:extLst>
+                <a:ext uri="{FF2B5EF4-FFF2-40B4-BE49-F238E27FC236}">
+                  <a16:creationId xmlns:a16="http://schemas.microsoft.com/office/drawing/2014/main" id="{75D0135A-C902-40D0-916F-9363C16B7616}"/>
+                </a:ext>
+              </a:extLst>
+            </p:cNvPr>
+            <p:cNvSpPr txBox="1"/>
+            <p:nvPr/>
+          </p:nvSpPr>
+          <p:spPr>
+            <a:xfrm>
+              <a:off x="7126507" y="1719209"/>
+              <a:ext cx="3889155" cy="400110"/>
+            </a:xfrm>
+            <a:prstGeom prst="rect">
+              <a:avLst/>
+            </a:prstGeom>
+            <a:noFill/>
+          </p:spPr>
+          <p:txBody>
+            <a:bodyPr wrap="square">
+              <a:spAutoFit/>
+            </a:bodyPr>
+            <a:lstStyle/>
+            <a:p>
+              <a:r>
+                <a:rPr lang="en-US" altLang="ko-KR" sz="2000" dirty="0">
+                  <a:latin typeface="나눔스퀘어 네오 Regular" panose="00000500000000000000" pitchFamily="2" charset="-127"/>
+                  <a:ea typeface="나눔스퀘어 네오 Regular" panose="00000500000000000000" pitchFamily="2" charset="-127"/>
+                </a:rPr>
+                <a:t>N0       N1     N2     N3    N4</a:t>
+              </a:r>
+            </a:p>
+          </p:txBody>
+        </p:sp>
+      </p:grpSp>
+      <p:sp>
+        <p:nvSpPr>
+          <p:cNvPr id="18" name="제목 1">
+            <a:extLst>
+              <a:ext uri="{FF2B5EF4-FFF2-40B4-BE49-F238E27FC236}">
+                <a16:creationId xmlns:a16="http://schemas.microsoft.com/office/drawing/2014/main" id="{0EF5844A-7CDB-462C-AF28-3F3945583C88}"/>
+              </a:ext>
+            </a:extLst>
+          </p:cNvPr>
+          <p:cNvSpPr txBox="1">
+            <a:spLocks/>
+          </p:cNvSpPr>
+          <p:nvPr/>
+        </p:nvSpPr>
+        <p:spPr>
+          <a:xfrm>
+            <a:off x="509586" y="0"/>
+            <a:ext cx="12120563" cy="1325563"/>
+          </a:xfrm>
+          <a:prstGeom prst="rect">
+            <a:avLst/>
+          </a:prstGeom>
+        </p:spPr>
+        <p:txBody>
+          <a:bodyPr vert="horz" lIns="91440" tIns="45720" rIns="91440" bIns="45720" rtlCol="0" anchor="ctr">
+            <a:normAutofit/>
+          </a:bodyPr>
+          <a:lstStyle>
+            <a:lvl1pPr algn="l" defTabSz="914400" rtl="0" eaLnBrk="1" latinLnBrk="1" hangingPunct="1">
+              <a:lnSpc>
+                <a:spcPct val="90000"/>
+              </a:lnSpc>
+              <a:spcBef>
+                <a:spcPct val="0"/>
+              </a:spcBef>
+              <a:buNone/>
+              <a:defRPr sz="4400" kern="1200">
+                <a:solidFill>
+                  <a:schemeClr val="tx1"/>
+                </a:solidFill>
+                <a:latin typeface="나눔스퀘어 네오 Regular" panose="00000500000000000000" pitchFamily="2" charset="-127"/>
+                <a:ea typeface="나눔스퀘어 네오 Regular" panose="00000500000000000000" pitchFamily="2" charset="-127"/>
+                <a:cs typeface="+mj-cs"/>
+              </a:defRPr>
+            </a:lvl1pPr>
+          </a:lstStyle>
+          <a:p>
+            <a:r>
+              <a:rPr lang="en-US" altLang="ko-KR" sz="3200" dirty="0"/>
+              <a:t>3. Graph Dataset</a:t>
+            </a:r>
+            <a:r>
+              <a:rPr lang="ko-KR" altLang="en-US" sz="3200" dirty="0"/>
+              <a:t>으로</a:t>
+            </a:r>
+            <a:r>
+              <a:rPr lang="en-US" altLang="ko-KR" sz="3200" dirty="0"/>
+              <a:t> </a:t>
+            </a:r>
+            <a:r>
+              <a:rPr lang="ko-KR" altLang="en-US" sz="3200" dirty="0"/>
+              <a:t>변환</a:t>
+            </a:r>
+            <a:r>
+              <a:rPr lang="en-US" altLang="ko-KR" sz="3200" dirty="0"/>
+              <a:t> – weighted adjacency matrix</a:t>
+            </a:r>
+            <a:endParaRPr lang="ko-KR" altLang="en-US" sz="3200" dirty="0"/>
+          </a:p>
+        </p:txBody>
+      </p:sp>
+      <p:cxnSp>
+        <p:nvCxnSpPr>
+          <p:cNvPr id="11" name="직선 화살표 연결선 10">
+            <a:extLst>
+              <a:ext uri="{FF2B5EF4-FFF2-40B4-BE49-F238E27FC236}">
+                <a16:creationId xmlns:a16="http://schemas.microsoft.com/office/drawing/2014/main" id="{169FEFF3-3FB1-4C62-AB5F-B748BBB27774}"/>
+              </a:ext>
+            </a:extLst>
+          </p:cNvPr>
+          <p:cNvCxnSpPr/>
+          <p:nvPr/>
+        </p:nvCxnSpPr>
+        <p:spPr>
+          <a:xfrm flipV="1">
+            <a:off x="3629025" y="2415747"/>
+            <a:ext cx="5514975" cy="470328"/>
+          </a:xfrm>
+          <a:prstGeom prst="straightConnector1">
+            <a:avLst/>
+          </a:prstGeom>
+          <a:ln w="38100">
+            <a:solidFill>
+              <a:srgbClr val="FFC000"/>
+            </a:solidFill>
+            <a:tailEnd type="triangle"/>
+          </a:ln>
+        </p:spPr>
+        <p:style>
+          <a:lnRef idx="1">
+            <a:schemeClr val="accent1"/>
+          </a:lnRef>
+          <a:fillRef idx="0">
+            <a:schemeClr val="accent1"/>
+          </a:fillRef>
+          <a:effectRef idx="0">
+            <a:schemeClr val="accent1"/>
+          </a:effectRef>
+          <a:fontRef idx="minor">
+            <a:schemeClr val="tx1"/>
+          </a:fontRef>
+        </p:style>
+      </p:cxnSp>
+      <p:cxnSp>
+        <p:nvCxnSpPr>
+          <p:cNvPr id="27" name="직선 화살표 연결선 26">
+            <a:extLst>
+              <a:ext uri="{FF2B5EF4-FFF2-40B4-BE49-F238E27FC236}">
+                <a16:creationId xmlns:a16="http://schemas.microsoft.com/office/drawing/2014/main" id="{FB19C428-E59A-4A9F-A8D4-06488D8EB29E}"/>
+              </a:ext>
+            </a:extLst>
+          </p:cNvPr>
+          <p:cNvCxnSpPr>
+            <a:cxnSpLocks/>
+          </p:cNvCxnSpPr>
+          <p:nvPr/>
+        </p:nvCxnSpPr>
+        <p:spPr>
+          <a:xfrm flipV="1">
+            <a:off x="3518575" y="2227303"/>
+            <a:ext cx="5882600" cy="27183"/>
+          </a:xfrm>
+          <a:prstGeom prst="straightConnector1">
+            <a:avLst/>
+          </a:prstGeom>
+          <a:ln w="38100">
+            <a:solidFill>
+              <a:srgbClr val="FFC000"/>
+            </a:solidFill>
+            <a:tailEnd type="triangle"/>
+          </a:ln>
+        </p:spPr>
+        <p:style>
+          <a:lnRef idx="1">
+            <a:schemeClr val="accent1"/>
+          </a:lnRef>
+          <a:fillRef idx="0">
+            <a:schemeClr val="accent1"/>
+          </a:fillRef>
+          <a:effectRef idx="0">
+            <a:schemeClr val="accent1"/>
+          </a:effectRef>
+          <a:fontRef idx="minor">
+            <a:schemeClr val="tx1"/>
+          </a:fontRef>
+        </p:style>
+      </p:cxnSp>
+    </p:spTree>
+    <p:extLst>
+      <p:ext uri="{BB962C8B-B14F-4D97-AF65-F5344CB8AC3E}">
+        <p14:creationId xmlns:p14="http://schemas.microsoft.com/office/powerpoint/2010/main" val="448161822"/>
+      </p:ext>
+    </p:extLst>
+  </p:cSld>
+  <p:clrMapOvr>
+    <a:masterClrMapping/>
+  </p:clrMapOvr>
+</p:sld>
+</file>
+
+<file path=ppt/slides/slide9.xml><?xml version="1.0" encoding="utf-8"?>
+<p:sld xmlns:a="http://schemas.openxmlformats.org/drawingml/2006/main" xmlns:r="http://schemas.openxmlformats.org/officeDocument/2006/relationships" xmlns:p="http://schemas.openxmlformats.org/presentationml/2006/main">
+  <p:cSld>
+    <p:spTree>
+      <p:nvGrpSpPr>
+        <p:cNvPr id="1" name="">
+          <a:extLst>
+            <a:ext uri="{FF2B5EF4-FFF2-40B4-BE49-F238E27FC236}">
+              <a16:creationId xmlns:a16="http://schemas.microsoft.com/office/drawing/2014/main" id="{C612D8D5-39B5-DED1-0BB5-8A1962B4418F}"/>
+            </a:ext>
+          </a:extLst>
+        </p:cNvPr>
+        <p:cNvGrpSpPr/>
+        <p:nvPr/>
+      </p:nvGrpSpPr>
+      <p:grpSpPr>
+        <a:xfrm>
+          <a:off x="0" y="0"/>
+          <a:ext cx="0" cy="0"/>
+          <a:chOff x="0" y="0"/>
+          <a:chExt cx="0" cy="0"/>
+        </a:xfrm>
+      </p:grpSpPr>
+      <p:sp>
+        <p:nvSpPr>
           <p:cNvPr id="2" name="제목 1">
             <a:extLst>
               <a:ext uri="{FF2B5EF4-FFF2-40B4-BE49-F238E27FC236}">
@@ -8216,7 +9911,7 @@
         <p:spPr>
           <a:xfrm>
             <a:off x="596891" y="2116635"/>
-            <a:ext cx="487634" cy="1477328"/>
+            <a:ext cx="527709" cy="1477328"/>
           </a:xfrm>
           <a:prstGeom prst="rect">
             <a:avLst/>
@@ -8231,8 +9926,8 @@
           <a:p>
             <a:r>
               <a:rPr lang="en-US" altLang="ko-KR" dirty="0">
-                <a:latin typeface="나눔스퀘어" panose="020B0600000101010101" pitchFamily="50" charset="-127"/>
-                <a:ea typeface="나눔스퀘어" panose="020B0600000101010101" pitchFamily="50" charset="-127"/>
+                <a:latin typeface="나눔스퀘어 네오 Regular" panose="00000500000000000000" pitchFamily="2" charset="-127"/>
+                <a:ea typeface="나눔스퀘어 네오 Regular" panose="00000500000000000000" pitchFamily="2" charset="-127"/>
               </a:rPr>
               <a:t>N0</a:t>
             </a:r>
@@ -8240,8 +9935,8 @@
           <a:p>
             <a:r>
               <a:rPr lang="en-US" altLang="ko-KR" dirty="0">
-                <a:latin typeface="나눔스퀘어" panose="020B0600000101010101" pitchFamily="50" charset="-127"/>
-                <a:ea typeface="나눔스퀘어" panose="020B0600000101010101" pitchFamily="50" charset="-127"/>
+                <a:latin typeface="나눔스퀘어 네오 Regular" panose="00000500000000000000" pitchFamily="2" charset="-127"/>
+                <a:ea typeface="나눔스퀘어 네오 Regular" panose="00000500000000000000" pitchFamily="2" charset="-127"/>
               </a:rPr>
               <a:t>N1</a:t>
             </a:r>
@@ -8249,8 +9944,8 @@
           <a:p>
             <a:r>
               <a:rPr lang="en-US" altLang="ko-KR" dirty="0">
-                <a:latin typeface="나눔스퀘어" panose="020B0600000101010101" pitchFamily="50" charset="-127"/>
-                <a:ea typeface="나눔스퀘어" panose="020B0600000101010101" pitchFamily="50" charset="-127"/>
+                <a:latin typeface="나눔스퀘어 네오 Regular" panose="00000500000000000000" pitchFamily="2" charset="-127"/>
+                <a:ea typeface="나눔스퀘어 네오 Regular" panose="00000500000000000000" pitchFamily="2" charset="-127"/>
               </a:rPr>
               <a:t>N2</a:t>
             </a:r>
@@ -8258,24 +9953,20 @@
           <a:p>
             <a:r>
               <a:rPr lang="en-US" altLang="ko-KR" dirty="0">
-                <a:latin typeface="나눔스퀘어" panose="020B0600000101010101" pitchFamily="50" charset="-127"/>
-                <a:ea typeface="나눔스퀘어" panose="020B0600000101010101" pitchFamily="50" charset="-127"/>
+                <a:latin typeface="나눔스퀘어 네오 Regular" panose="00000500000000000000" pitchFamily="2" charset="-127"/>
+                <a:ea typeface="나눔스퀘어 네오 Regular" panose="00000500000000000000" pitchFamily="2" charset="-127"/>
               </a:rPr>
               <a:t>N3</a:t>
             </a:r>
           </a:p>
           <a:p>
             <a:r>
-              <a:rPr lang="en-US" altLang="ko-KR">
-                <a:latin typeface="나눔스퀘어" panose="020B0600000101010101" pitchFamily="50" charset="-127"/>
-                <a:ea typeface="나눔스퀘어" panose="020B0600000101010101" pitchFamily="50" charset="-127"/>
+              <a:rPr lang="en-US" altLang="ko-KR" dirty="0">
+                <a:latin typeface="나눔스퀘어 네오 Regular" panose="00000500000000000000" pitchFamily="2" charset="-127"/>
+                <a:ea typeface="나눔스퀘어 네오 Regular" panose="00000500000000000000" pitchFamily="2" charset="-127"/>
               </a:rPr>
               <a:t>N4</a:t>
             </a:r>
-            <a:endParaRPr lang="en-US" altLang="ko-KR" dirty="0">
-              <a:latin typeface="나눔스퀘어" panose="020B0600000101010101" pitchFamily="50" charset="-127"/>
-              <a:ea typeface="나눔스퀘어" panose="020B0600000101010101" pitchFamily="50" charset="-127"/>
-            </a:endParaRPr>
           </a:p>
         </p:txBody>
       </p:sp>
@@ -8308,16 +9999,12 @@
           <a:lstStyle/>
           <a:p>
             <a:r>
-              <a:rPr lang="en-US" altLang="ko-KR">
-                <a:latin typeface="나눔스퀘어" panose="020B0600000101010101" pitchFamily="50" charset="-127"/>
-                <a:ea typeface="나눔스퀘어" panose="020B0600000101010101" pitchFamily="50" charset="-127"/>
+              <a:rPr lang="en-US" altLang="ko-KR" dirty="0">
+                <a:latin typeface="나눔스퀘어 네오 Regular" panose="00000500000000000000" pitchFamily="2" charset="-127"/>
+                <a:ea typeface="나눔스퀘어 네오 Regular" panose="00000500000000000000" pitchFamily="2" charset="-127"/>
               </a:rPr>
               <a:t>N0     N1      N2    N3   N4 </a:t>
             </a:r>
-            <a:endParaRPr lang="en-US" altLang="ko-KR" dirty="0">
-              <a:latin typeface="나눔스퀘어" panose="020B0600000101010101" pitchFamily="50" charset="-127"/>
-              <a:ea typeface="나눔스퀘어" panose="020B0600000101010101" pitchFamily="50" charset="-127"/>
-            </a:endParaRPr>
           </a:p>
         </p:txBody>
       </p:sp>
@@ -8369,9 +10056,9 @@
           <a:lstStyle/>
           <a:p>
             <a:pPr algn="ctr"/>
-            <a:endParaRPr lang="ko-KR" altLang="en-US">
-              <a:latin typeface="나눔스퀘어" panose="020B0600000101010101" pitchFamily="50" charset="-127"/>
-              <a:ea typeface="나눔스퀘어" panose="020B0600000101010101" pitchFamily="50" charset="-127"/>
+            <a:endParaRPr lang="ko-KR" altLang="en-US" dirty="0">
+              <a:latin typeface="나눔스퀘어 네오 Regular" panose="00000500000000000000" pitchFamily="2" charset="-127"/>
+              <a:ea typeface="나눔스퀘어 네오 Regular" panose="00000500000000000000" pitchFamily="2" charset="-127"/>
             </a:endParaRPr>
           </a:p>
         </p:txBody>
@@ -8424,9 +10111,9 @@
           <a:lstStyle/>
           <a:p>
             <a:pPr algn="ctr"/>
-            <a:endParaRPr lang="ko-KR" altLang="en-US">
-              <a:latin typeface="나눔스퀘어" panose="020B0600000101010101" pitchFamily="50" charset="-127"/>
-              <a:ea typeface="나눔스퀘어" panose="020B0600000101010101" pitchFamily="50" charset="-127"/>
+            <a:endParaRPr lang="ko-KR" altLang="en-US" dirty="0">
+              <a:latin typeface="나눔스퀘어 네오 Regular" panose="00000500000000000000" pitchFamily="2" charset="-127"/>
+              <a:ea typeface="나눔스퀘어 네오 Regular" panose="00000500000000000000" pitchFamily="2" charset="-127"/>
             </a:endParaRPr>
           </a:p>
         </p:txBody>
@@ -8479,9 +10166,9 @@
           <a:lstStyle/>
           <a:p>
             <a:pPr algn="ctr"/>
-            <a:endParaRPr lang="ko-KR" altLang="en-US">
-              <a:latin typeface="나눔스퀘어" panose="020B0600000101010101" pitchFamily="50" charset="-127"/>
-              <a:ea typeface="나눔스퀘어" panose="020B0600000101010101" pitchFamily="50" charset="-127"/>
+            <a:endParaRPr lang="ko-KR" altLang="en-US" dirty="0">
+              <a:latin typeface="나눔스퀘어 네오 Regular" panose="00000500000000000000" pitchFamily="2" charset="-127"/>
+              <a:ea typeface="나눔스퀘어 네오 Regular" panose="00000500000000000000" pitchFamily="2" charset="-127"/>
             </a:endParaRPr>
           </a:p>
         </p:txBody>
@@ -8534,9 +10221,9 @@
           <a:lstStyle/>
           <a:p>
             <a:pPr algn="ctr"/>
-            <a:endParaRPr lang="ko-KR" altLang="en-US">
-              <a:latin typeface="나눔스퀘어" panose="020B0600000101010101" pitchFamily="50" charset="-127"/>
-              <a:ea typeface="나눔스퀘어" panose="020B0600000101010101" pitchFamily="50" charset="-127"/>
+            <a:endParaRPr lang="ko-KR" altLang="en-US" dirty="0">
+              <a:latin typeface="나눔스퀘어 네오 Regular" panose="00000500000000000000" pitchFamily="2" charset="-127"/>
+              <a:ea typeface="나눔스퀘어 네오 Regular" panose="00000500000000000000" pitchFamily="2" charset="-127"/>
             </a:endParaRPr>
           </a:p>
         </p:txBody>
@@ -8589,9 +10276,9 @@
           <a:lstStyle/>
           <a:p>
             <a:pPr algn="ctr"/>
-            <a:endParaRPr lang="ko-KR" altLang="en-US">
-              <a:latin typeface="나눔스퀘어" panose="020B0600000101010101" pitchFamily="50" charset="-127"/>
-              <a:ea typeface="나눔스퀘어" panose="020B0600000101010101" pitchFamily="50" charset="-127"/>
+            <a:endParaRPr lang="ko-KR" altLang="en-US" dirty="0">
+              <a:latin typeface="나눔스퀘어 네오 Regular" panose="00000500000000000000" pitchFamily="2" charset="-127"/>
+              <a:ea typeface="나눔스퀘어 네오 Regular" panose="00000500000000000000" pitchFamily="2" charset="-127"/>
             </a:endParaRPr>
           </a:p>
         </p:txBody>
@@ -8644,9 +10331,9 @@
           <a:lstStyle/>
           <a:p>
             <a:pPr algn="ctr"/>
-            <a:endParaRPr lang="ko-KR" altLang="en-US">
-              <a:latin typeface="나눔스퀘어" panose="020B0600000101010101" pitchFamily="50" charset="-127"/>
-              <a:ea typeface="나눔스퀘어" panose="020B0600000101010101" pitchFamily="50" charset="-127"/>
+            <a:endParaRPr lang="ko-KR" altLang="en-US" dirty="0">
+              <a:latin typeface="나눔스퀘어 네오 Regular" panose="00000500000000000000" pitchFamily="2" charset="-127"/>
+              <a:ea typeface="나눔스퀘어 네오 Regular" panose="00000500000000000000" pitchFamily="2" charset="-127"/>
             </a:endParaRPr>
           </a:p>
         </p:txBody>
@@ -8699,9 +10386,9 @@
           <a:lstStyle/>
           <a:p>
             <a:pPr algn="ctr"/>
-            <a:endParaRPr lang="ko-KR" altLang="en-US">
-              <a:latin typeface="나눔스퀘어" panose="020B0600000101010101" pitchFamily="50" charset="-127"/>
-              <a:ea typeface="나눔스퀘어" panose="020B0600000101010101" pitchFamily="50" charset="-127"/>
+            <a:endParaRPr lang="ko-KR" altLang="en-US" dirty="0">
+              <a:latin typeface="나눔스퀘어 네오 Regular" panose="00000500000000000000" pitchFamily="2" charset="-127"/>
+              <a:ea typeface="나눔스퀘어 네오 Regular" panose="00000500000000000000" pitchFamily="2" charset="-127"/>
             </a:endParaRPr>
           </a:p>
         </p:txBody>
@@ -8754,9 +10441,9 @@
           <a:lstStyle/>
           <a:p>
             <a:pPr algn="ctr"/>
-            <a:endParaRPr lang="ko-KR" altLang="en-US">
-              <a:latin typeface="나눔스퀘어" panose="020B0600000101010101" pitchFamily="50" charset="-127"/>
-              <a:ea typeface="나눔스퀘어" panose="020B0600000101010101" pitchFamily="50" charset="-127"/>
+            <a:endParaRPr lang="ko-KR" altLang="en-US" dirty="0">
+              <a:latin typeface="나눔스퀘어 네오 Regular" panose="00000500000000000000" pitchFamily="2" charset="-127"/>
+              <a:ea typeface="나눔스퀘어 네오 Regular" panose="00000500000000000000" pitchFamily="2" charset="-127"/>
             </a:endParaRPr>
           </a:p>
         </p:txBody>
@@ -8809,9 +10496,9 @@
           <a:lstStyle/>
           <a:p>
             <a:pPr algn="ctr"/>
-            <a:endParaRPr lang="ko-KR" altLang="en-US">
-              <a:latin typeface="나눔스퀘어" panose="020B0600000101010101" pitchFamily="50" charset="-127"/>
-              <a:ea typeface="나눔스퀘어" panose="020B0600000101010101" pitchFamily="50" charset="-127"/>
+            <a:endParaRPr lang="ko-KR" altLang="en-US" dirty="0">
+              <a:latin typeface="나눔스퀘어 네오 Regular" panose="00000500000000000000" pitchFamily="2" charset="-127"/>
+              <a:ea typeface="나눔스퀘어 네오 Regular" panose="00000500000000000000" pitchFamily="2" charset="-127"/>
             </a:endParaRPr>
           </a:p>
         </p:txBody>
@@ -8864,9 +10551,9 @@
           <a:lstStyle/>
           <a:p>
             <a:pPr algn="ctr"/>
-            <a:endParaRPr lang="ko-KR" altLang="en-US">
-              <a:latin typeface="나눔스퀘어" panose="020B0600000101010101" pitchFamily="50" charset="-127"/>
-              <a:ea typeface="나눔스퀘어" panose="020B0600000101010101" pitchFamily="50" charset="-127"/>
+            <a:endParaRPr lang="ko-KR" altLang="en-US" dirty="0">
+              <a:latin typeface="나눔스퀘어 네오 Regular" panose="00000500000000000000" pitchFamily="2" charset="-127"/>
+              <a:ea typeface="나눔스퀘어 네오 Regular" panose="00000500000000000000" pitchFamily="2" charset="-127"/>
             </a:endParaRPr>
           </a:p>
         </p:txBody>
@@ -8900,50 +10587,50 @@
           <a:lstStyle/>
           <a:p>
             <a:r>
-              <a:rPr lang="en-US" altLang="ko-KR">
-                <a:latin typeface="나눔스퀘어" panose="020B0600000101010101" pitchFamily="50" charset="-127"/>
-                <a:ea typeface="나눔스퀘어" panose="020B0600000101010101" pitchFamily="50" charset="-127"/>
+              <a:rPr lang="en-US" altLang="ko-KR" dirty="0">
+                <a:latin typeface="나눔스퀘어 네오 Regular" panose="00000500000000000000" pitchFamily="2" charset="-127"/>
+                <a:ea typeface="나눔스퀘어 네오 Regular" panose="00000500000000000000" pitchFamily="2" charset="-127"/>
               </a:rPr>
               <a:t>Gaussian Kernel</a:t>
             </a:r>
             <a:r>
-              <a:rPr lang="ko-KR" altLang="en-US">
-                <a:latin typeface="나눔스퀘어" panose="020B0600000101010101" pitchFamily="50" charset="-127"/>
-                <a:ea typeface="나눔스퀘어" panose="020B0600000101010101" pitchFamily="50" charset="-127"/>
+              <a:rPr lang="ko-KR" altLang="en-US" dirty="0">
+                <a:latin typeface="나눔스퀘어 네오 Regular" panose="00000500000000000000" pitchFamily="2" charset="-127"/>
+                <a:ea typeface="나눔스퀘어 네오 Regular" panose="00000500000000000000" pitchFamily="2" charset="-127"/>
               </a:rPr>
               <a:t>을 사용해</a:t>
             </a:r>
-            <a:endParaRPr lang="en-US" altLang="ko-KR">
-              <a:latin typeface="나눔스퀘어" panose="020B0600000101010101" pitchFamily="50" charset="-127"/>
-              <a:ea typeface="나눔스퀘어" panose="020B0600000101010101" pitchFamily="50" charset="-127"/>
+            <a:endParaRPr lang="en-US" altLang="ko-KR" dirty="0">
+              <a:latin typeface="나눔스퀘어 네오 Regular" panose="00000500000000000000" pitchFamily="2" charset="-127"/>
+              <a:ea typeface="나눔스퀘어 네오 Regular" panose="00000500000000000000" pitchFamily="2" charset="-127"/>
             </a:endParaRPr>
           </a:p>
           <a:p>
             <a:r>
-              <a:rPr lang="en-US" altLang="ko-KR">
-                <a:latin typeface="나눔스퀘어" panose="020B0600000101010101" pitchFamily="50" charset="-127"/>
-                <a:ea typeface="나눔스퀘어" panose="020B0600000101010101" pitchFamily="50" charset="-127"/>
+              <a:rPr lang="en-US" altLang="ko-KR" dirty="0">
+                <a:latin typeface="나눔스퀘어 네오 Regular" panose="00000500000000000000" pitchFamily="2" charset="-127"/>
+                <a:ea typeface="나눔스퀘어 네오 Regular" panose="00000500000000000000" pitchFamily="2" charset="-127"/>
               </a:rPr>
               <a:t>Distance</a:t>
             </a:r>
             <a:r>
-              <a:rPr lang="ko-KR" altLang="en-US">
-                <a:latin typeface="나눔스퀘어" panose="020B0600000101010101" pitchFamily="50" charset="-127"/>
-                <a:ea typeface="나눔스퀘어" panose="020B0600000101010101" pitchFamily="50" charset="-127"/>
+              <a:rPr lang="ko-KR" altLang="en-US" dirty="0">
+                <a:latin typeface="나눔스퀘어 네오 Regular" panose="00000500000000000000" pitchFamily="2" charset="-127"/>
+                <a:ea typeface="나눔스퀘어 네오 Regular" panose="00000500000000000000" pitchFamily="2" charset="-127"/>
               </a:rPr>
               <a:t> 값을 </a:t>
             </a:r>
             <a:r>
-              <a:rPr lang="en-US" altLang="ko-KR">
-                <a:latin typeface="나눔스퀘어" panose="020B0600000101010101" pitchFamily="50" charset="-127"/>
-                <a:ea typeface="나눔스퀘어" panose="020B0600000101010101" pitchFamily="50" charset="-127"/>
+              <a:rPr lang="en-US" altLang="ko-KR" dirty="0">
+                <a:latin typeface="나눔스퀘어 네오 Regular" panose="00000500000000000000" pitchFamily="2" charset="-127"/>
+                <a:ea typeface="나눔스퀘어 네오 Regular" panose="00000500000000000000" pitchFamily="2" charset="-127"/>
               </a:rPr>
               <a:t>weight</a:t>
             </a:r>
             <a:r>
-              <a:rPr lang="ko-KR" altLang="en-US">
-                <a:latin typeface="나눔스퀘어" panose="020B0600000101010101" pitchFamily="50" charset="-127"/>
-                <a:ea typeface="나눔스퀘어" panose="020B0600000101010101" pitchFamily="50" charset="-127"/>
+              <a:rPr lang="ko-KR" altLang="en-US" dirty="0">
+                <a:latin typeface="나눔스퀘어 네오 Regular" panose="00000500000000000000" pitchFamily="2" charset="-127"/>
+                <a:ea typeface="나눔스퀘어 네오 Regular" panose="00000500000000000000" pitchFamily="2" charset="-127"/>
               </a:rPr>
               <a:t>으로 변환</a:t>
             </a:r>
@@ -9057,9 +10744,9 @@
           <a:lstStyle/>
           <a:p>
             <a:pPr algn="ctr"/>
-            <a:endParaRPr lang="ko-KR" altLang="en-US">
-              <a:latin typeface="나눔스퀘어" panose="020B0600000101010101" pitchFamily="50" charset="-127"/>
-              <a:ea typeface="나눔스퀘어" panose="020B0600000101010101" pitchFamily="50" charset="-127"/>
+            <a:endParaRPr lang="ko-KR" altLang="en-US" dirty="0">
+              <a:latin typeface="나눔스퀘어 네오 Regular" panose="00000500000000000000" pitchFamily="2" charset="-127"/>
+              <a:ea typeface="나눔스퀘어 네오 Regular" panose="00000500000000000000" pitchFamily="2" charset="-127"/>
             </a:endParaRPr>
           </a:p>
         </p:txBody>
@@ -9112,9 +10799,9 @@
           <a:lstStyle/>
           <a:p>
             <a:pPr algn="ctr"/>
-            <a:endParaRPr lang="ko-KR" altLang="en-US">
-              <a:latin typeface="나눔스퀘어" panose="020B0600000101010101" pitchFamily="50" charset="-127"/>
-              <a:ea typeface="나눔스퀘어" panose="020B0600000101010101" pitchFamily="50" charset="-127"/>
+            <a:endParaRPr lang="ko-KR" altLang="en-US" dirty="0">
+              <a:latin typeface="나눔스퀘어 네오 Regular" panose="00000500000000000000" pitchFamily="2" charset="-127"/>
+              <a:ea typeface="나눔스퀘어 네오 Regular" panose="00000500000000000000" pitchFamily="2" charset="-127"/>
             </a:endParaRPr>
           </a:p>
         </p:txBody>
@@ -9148,15 +10835,15 @@
           <a:lstStyle/>
           <a:p>
             <a:r>
-              <a:rPr lang="en-US" altLang="ko-KR">
-                <a:latin typeface="나눔스퀘어" panose="020B0600000101010101" pitchFamily="50" charset="-127"/>
-                <a:ea typeface="나눔스퀘어" panose="020B0600000101010101" pitchFamily="50" charset="-127"/>
+              <a:rPr lang="en-US" altLang="ko-KR" dirty="0" err="1">
+                <a:latin typeface="나눔스퀘어 네오 Regular" panose="00000500000000000000" pitchFamily="2" charset="-127"/>
+                <a:ea typeface="나눔스퀘어 네오 Regular" panose="00000500000000000000" pitchFamily="2" charset="-127"/>
               </a:rPr>
               <a:t>Edge_index</a:t>
             </a:r>
-            <a:endParaRPr lang="ko-KR" altLang="en-US">
-              <a:latin typeface="나눔스퀘어" panose="020B0600000101010101" pitchFamily="50" charset="-127"/>
-              <a:ea typeface="나눔스퀘어" panose="020B0600000101010101" pitchFamily="50" charset="-127"/>
+            <a:endParaRPr lang="ko-KR" altLang="en-US" dirty="0">
+              <a:latin typeface="나눔스퀘어 네오 Regular" panose="00000500000000000000" pitchFamily="2" charset="-127"/>
+              <a:ea typeface="나눔스퀘어 네오 Regular" panose="00000500000000000000" pitchFamily="2" charset="-127"/>
             </a:endParaRPr>
           </a:p>
         </p:txBody>
@@ -9176,7 +10863,7 @@
         <p:spPr>
           <a:xfrm>
             <a:off x="596891" y="5425347"/>
-            <a:ext cx="1772909" cy="369332"/>
+            <a:ext cx="1772909" cy="646331"/>
           </a:xfrm>
           <a:prstGeom prst="rect">
             <a:avLst/>
@@ -9190,15 +10877,15 @@
           <a:lstStyle/>
           <a:p>
             <a:r>
-              <a:rPr lang="en-US" altLang="ko-KR">
-                <a:latin typeface="나눔스퀘어" panose="020B0600000101010101" pitchFamily="50" charset="-127"/>
-                <a:ea typeface="나눔스퀘어" panose="020B0600000101010101" pitchFamily="50" charset="-127"/>
+              <a:rPr lang="en-US" altLang="ko-KR" dirty="0" err="1">
+                <a:latin typeface="나눔스퀘어 네오 Regular" panose="00000500000000000000" pitchFamily="2" charset="-127"/>
+                <a:ea typeface="나눔스퀘어 네오 Regular" panose="00000500000000000000" pitchFamily="2" charset="-127"/>
               </a:rPr>
               <a:t>Edge_attribute</a:t>
             </a:r>
-            <a:endParaRPr lang="ko-KR" altLang="en-US">
-              <a:latin typeface="나눔스퀘어" panose="020B0600000101010101" pitchFamily="50" charset="-127"/>
-              <a:ea typeface="나눔스퀘어" panose="020B0600000101010101" pitchFamily="50" charset="-127"/>
+            <a:endParaRPr lang="ko-KR" altLang="en-US" dirty="0">
+              <a:latin typeface="나눔스퀘어 네오 Regular" panose="00000500000000000000" pitchFamily="2" charset="-127"/>
+              <a:ea typeface="나눔스퀘어 네오 Regular" panose="00000500000000000000" pitchFamily="2" charset="-127"/>
             </a:endParaRPr>
           </a:p>
         </p:txBody>
@@ -9218,7 +10905,7 @@
         <p:spPr>
           <a:xfrm>
             <a:off x="8556803" y="1358505"/>
-            <a:ext cx="3201999" cy="369332"/>
+            <a:ext cx="3201999" cy="646331"/>
           </a:xfrm>
           <a:prstGeom prst="rect">
             <a:avLst/>
@@ -9232,15 +10919,15 @@
           <a:lstStyle/>
           <a:p>
             <a:r>
-              <a:rPr lang="en-US" altLang="ko-KR">
-                <a:latin typeface="나눔스퀘어" panose="020B0600000101010101" pitchFamily="50" charset="-127"/>
-                <a:ea typeface="나눔스퀘어" panose="020B0600000101010101" pitchFamily="50" charset="-127"/>
+              <a:rPr lang="en-US" altLang="ko-KR" dirty="0">
+                <a:latin typeface="나눔스퀘어 네오 Regular" panose="00000500000000000000" pitchFamily="2" charset="-127"/>
+                <a:ea typeface="나눔스퀘어 네오 Regular" panose="00000500000000000000" pitchFamily="2" charset="-127"/>
               </a:rPr>
               <a:t>Weighted adjacency matrix</a:t>
             </a:r>
-            <a:endParaRPr lang="ko-KR" altLang="en-US">
-              <a:latin typeface="나눔스퀘어" panose="020B0600000101010101" pitchFamily="50" charset="-127"/>
-              <a:ea typeface="나눔스퀘어" panose="020B0600000101010101" pitchFamily="50" charset="-127"/>
+            <a:endParaRPr lang="ko-KR" altLang="en-US" dirty="0">
+              <a:latin typeface="나눔스퀘어 네오 Regular" panose="00000500000000000000" pitchFamily="2" charset="-127"/>
+              <a:ea typeface="나눔스퀘어 네오 Regular" panose="00000500000000000000" pitchFamily="2" charset="-127"/>
             </a:endParaRPr>
           </a:p>
         </p:txBody>
@@ -9274,15 +10961,15 @@
           <a:lstStyle/>
           <a:p>
             <a:r>
-              <a:rPr lang="en-US" altLang="ko-KR">
-                <a:latin typeface="나눔스퀘어" panose="020B0600000101010101" pitchFamily="50" charset="-127"/>
-                <a:ea typeface="나눔스퀘어" panose="020B0600000101010101" pitchFamily="50" charset="-127"/>
+              <a:rPr lang="en-US" altLang="ko-KR" dirty="0">
+                <a:latin typeface="나눔스퀘어 네오 Regular" panose="00000500000000000000" pitchFamily="2" charset="-127"/>
+                <a:ea typeface="나눔스퀘어 네오 Regular" panose="00000500000000000000" pitchFamily="2" charset="-127"/>
               </a:rPr>
               <a:t>KNN-based Adjacency matrix (k=3)</a:t>
             </a:r>
             <a:endParaRPr lang="ko-KR" altLang="en-US" dirty="0">
-              <a:latin typeface="나눔스퀘어" panose="020B0600000101010101" pitchFamily="50" charset="-127"/>
-              <a:ea typeface="나눔스퀘어" panose="020B0600000101010101" pitchFamily="50" charset="-127"/>
+              <a:latin typeface="나눔스퀘어 네오 Regular" panose="00000500000000000000" pitchFamily="2" charset="-127"/>
+              <a:ea typeface="나눔스퀘어 네오 Regular" panose="00000500000000000000" pitchFamily="2" charset="-127"/>
             </a:endParaRPr>
           </a:p>
         </p:txBody>
@@ -9316,64 +11003,64 @@
           <a:lstStyle/>
           <a:p>
             <a:r>
-              <a:rPr lang="ko-KR" altLang="en-US">
-                <a:latin typeface="나눔스퀘어" panose="020B0600000101010101" pitchFamily="50" charset="-127"/>
-                <a:ea typeface="나눔스퀘어" panose="020B0600000101010101" pitchFamily="50" charset="-127"/>
+              <a:rPr lang="ko-KR" altLang="en-US" dirty="0">
+                <a:latin typeface="나눔스퀘어 네오 Regular" panose="00000500000000000000" pitchFamily="2" charset="-127"/>
+                <a:ea typeface="나눔스퀘어 네오 Regular" panose="00000500000000000000" pitchFamily="2" charset="-127"/>
               </a:rPr>
               <a:t>각 </a:t>
             </a:r>
             <a:r>
-              <a:rPr lang="en-US" altLang="ko-KR">
-                <a:latin typeface="나눔스퀘어" panose="020B0600000101010101" pitchFamily="50" charset="-127"/>
-                <a:ea typeface="나눔스퀘어" panose="020B0600000101010101" pitchFamily="50" charset="-127"/>
+              <a:rPr lang="en-US" altLang="ko-KR" dirty="0">
+                <a:latin typeface="나눔스퀘어 네오 Regular" panose="00000500000000000000" pitchFamily="2" charset="-127"/>
+                <a:ea typeface="나눔스퀘어 네오 Regular" panose="00000500000000000000" pitchFamily="2" charset="-127"/>
               </a:rPr>
               <a:t>node</a:t>
             </a:r>
             <a:r>
-              <a:rPr lang="ko-KR" altLang="en-US">
-                <a:latin typeface="나눔스퀘어" panose="020B0600000101010101" pitchFamily="50" charset="-127"/>
-                <a:ea typeface="나눔스퀘어" panose="020B0600000101010101" pitchFamily="50" charset="-127"/>
+              <a:rPr lang="ko-KR" altLang="en-US" dirty="0">
+                <a:latin typeface="나눔스퀘어 네오 Regular" panose="00000500000000000000" pitchFamily="2" charset="-127"/>
+                <a:ea typeface="나눔스퀘어 네오 Regular" panose="00000500000000000000" pitchFamily="2" charset="-127"/>
               </a:rPr>
               <a:t>마다 </a:t>
             </a:r>
-            <a:endParaRPr lang="en-US" altLang="ko-KR">
-              <a:latin typeface="나눔스퀘어" panose="020B0600000101010101" pitchFamily="50" charset="-127"/>
-              <a:ea typeface="나눔스퀘어" panose="020B0600000101010101" pitchFamily="50" charset="-127"/>
+            <a:endParaRPr lang="en-US" altLang="ko-KR" dirty="0">
+              <a:latin typeface="나눔스퀘어 네오 Regular" panose="00000500000000000000" pitchFamily="2" charset="-127"/>
+              <a:ea typeface="나눔스퀘어 네오 Regular" panose="00000500000000000000" pitchFamily="2" charset="-127"/>
             </a:endParaRPr>
           </a:p>
           <a:p>
             <a:r>
-              <a:rPr lang="ko-KR" altLang="en-US">
-                <a:latin typeface="나눔스퀘어" panose="020B0600000101010101" pitchFamily="50" charset="-127"/>
-                <a:ea typeface="나눔스퀘어" panose="020B0600000101010101" pitchFamily="50" charset="-127"/>
+              <a:rPr lang="ko-KR" altLang="en-US" dirty="0">
+                <a:latin typeface="나눔스퀘어 네오 Regular" panose="00000500000000000000" pitchFamily="2" charset="-127"/>
+                <a:ea typeface="나눔스퀘어 네오 Regular" panose="00000500000000000000" pitchFamily="2" charset="-127"/>
               </a:rPr>
               <a:t>유사성이 높은 특정 개수</a:t>
             </a:r>
             <a:r>
-              <a:rPr lang="en-US" altLang="ko-KR">
-                <a:latin typeface="나눔스퀘어" panose="020B0600000101010101" pitchFamily="50" charset="-127"/>
-                <a:ea typeface="나눔스퀘어" panose="020B0600000101010101" pitchFamily="50" charset="-127"/>
+              <a:rPr lang="en-US" altLang="ko-KR" dirty="0">
+                <a:latin typeface="나눔스퀘어 네오 Regular" panose="00000500000000000000" pitchFamily="2" charset="-127"/>
+                <a:ea typeface="나눔스퀘어 네오 Regular" panose="00000500000000000000" pitchFamily="2" charset="-127"/>
               </a:rPr>
               <a:t>(k)</a:t>
             </a:r>
             <a:r>
-              <a:rPr lang="ko-KR" altLang="en-US">
-                <a:latin typeface="나눔스퀘어" panose="020B0600000101010101" pitchFamily="50" charset="-127"/>
-                <a:ea typeface="나눔스퀘어" panose="020B0600000101010101" pitchFamily="50" charset="-127"/>
+              <a:rPr lang="ko-KR" altLang="en-US" dirty="0">
+                <a:latin typeface="나눔스퀘어 네오 Regular" panose="00000500000000000000" pitchFamily="2" charset="-127"/>
+                <a:ea typeface="나눔스퀘어 네오 Regular" panose="00000500000000000000" pitchFamily="2" charset="-127"/>
               </a:rPr>
               <a:t>의 </a:t>
             </a:r>
             <a:r>
-              <a:rPr lang="en-US" altLang="ko-KR">
-                <a:latin typeface="나눔스퀘어" panose="020B0600000101010101" pitchFamily="50" charset="-127"/>
-                <a:ea typeface="나눔스퀘어" panose="020B0600000101010101" pitchFamily="50" charset="-127"/>
+              <a:rPr lang="en-US" altLang="ko-KR" dirty="0">
+                <a:latin typeface="나눔스퀘어 네오 Regular" panose="00000500000000000000" pitchFamily="2" charset="-127"/>
+                <a:ea typeface="나눔스퀘어 네오 Regular" panose="00000500000000000000" pitchFamily="2" charset="-127"/>
               </a:rPr>
               <a:t>node</a:t>
             </a:r>
             <a:r>
-              <a:rPr lang="ko-KR" altLang="en-US">
-                <a:latin typeface="나눔스퀘어" panose="020B0600000101010101" pitchFamily="50" charset="-127"/>
-                <a:ea typeface="나눔스퀘어" panose="020B0600000101010101" pitchFamily="50" charset="-127"/>
+              <a:rPr lang="ko-KR" altLang="en-US" dirty="0">
+                <a:latin typeface="나눔스퀘어 네오 Regular" panose="00000500000000000000" pitchFamily="2" charset="-127"/>
+                <a:ea typeface="나눔스퀘어 네오 Regular" panose="00000500000000000000" pitchFamily="2" charset="-127"/>
               </a:rPr>
               <a:t>와의 관계만 고려</a:t>
             </a:r>
@@ -9384,227 +11071,6 @@
     <p:extLst>
       <p:ext uri="{BB962C8B-B14F-4D97-AF65-F5344CB8AC3E}">
         <p14:creationId xmlns:p14="http://schemas.microsoft.com/office/powerpoint/2010/main" val="1956321875"/>
-      </p:ext>
-    </p:extLst>
-  </p:cSld>
-  <p:clrMapOvr>
-    <a:masterClrMapping/>
-  </p:clrMapOvr>
-</p:sld>
-</file>
-
-<file path=ppt/slides/slide9.xml><?xml version="1.0" encoding="utf-8"?>
-<p:sld xmlns:a="http://schemas.openxmlformats.org/drawingml/2006/main" xmlns:r="http://schemas.openxmlformats.org/officeDocument/2006/relationships" xmlns:p="http://schemas.openxmlformats.org/presentationml/2006/main">
-  <p:cSld>
-    <p:spTree>
-      <p:nvGrpSpPr>
-        <p:cNvPr id="1" name="">
-          <a:extLst>
-            <a:ext uri="{FF2B5EF4-FFF2-40B4-BE49-F238E27FC236}">
-              <a16:creationId xmlns:a16="http://schemas.microsoft.com/office/drawing/2014/main" id="{44792E7C-DE38-127E-17D1-2FDCB43238DA}"/>
-            </a:ext>
-          </a:extLst>
-        </p:cNvPr>
-        <p:cNvGrpSpPr/>
-        <p:nvPr/>
-      </p:nvGrpSpPr>
-      <p:grpSpPr>
-        <a:xfrm>
-          <a:off x="0" y="0"/>
-          <a:ext cx="0" cy="0"/>
-          <a:chOff x="0" y="0"/>
-          <a:chExt cx="0" cy="0"/>
-        </a:xfrm>
-      </p:grpSpPr>
-      <p:sp>
-        <p:nvSpPr>
-          <p:cNvPr id="2" name="제목 1">
-            <a:extLst>
-              <a:ext uri="{FF2B5EF4-FFF2-40B4-BE49-F238E27FC236}">
-                <a16:creationId xmlns:a16="http://schemas.microsoft.com/office/drawing/2014/main" id="{A2D3AE7B-BFE0-B0A5-C805-7CAF963BFEDF}"/>
-              </a:ext>
-            </a:extLst>
-          </p:cNvPr>
-          <p:cNvSpPr>
-            <a:spLocks noGrp="1"/>
-          </p:cNvSpPr>
-          <p:nvPr>
-            <p:ph type="title"/>
-          </p:nvPr>
-        </p:nvSpPr>
-        <p:spPr/>
-        <p:txBody>
-          <a:bodyPr/>
-          <a:lstStyle/>
-          <a:p>
-            <a:r>
-              <a:rPr lang="en-US" altLang="ko-KR"/>
-              <a:t>4. GCN model </a:t>
-            </a:r>
-            <a:r>
-              <a:rPr lang="ko-KR" altLang="en-US"/>
-              <a:t>구축</a:t>
-            </a:r>
-          </a:p>
-        </p:txBody>
-      </p:sp>
-      <p:sp>
-        <p:nvSpPr>
-          <p:cNvPr id="3" name="내용 개체 틀 2">
-            <a:extLst>
-              <a:ext uri="{FF2B5EF4-FFF2-40B4-BE49-F238E27FC236}">
-                <a16:creationId xmlns:a16="http://schemas.microsoft.com/office/drawing/2014/main" id="{64FA42F5-EF64-185D-E8CD-AE28C6BAF63B}"/>
-              </a:ext>
-            </a:extLst>
-          </p:cNvPr>
-          <p:cNvSpPr>
-            <a:spLocks noGrp="1"/>
-          </p:cNvSpPr>
-          <p:nvPr>
-            <p:ph idx="1"/>
-          </p:nvPr>
-        </p:nvSpPr>
-        <p:spPr/>
-        <p:txBody>
-          <a:bodyPr>
-            <a:normAutofit/>
-          </a:bodyPr>
-          <a:lstStyle/>
-          <a:p>
-            <a:pPr marL="0" indent="0">
-              <a:buNone/>
-            </a:pPr>
-            <a:r>
-              <a:rPr lang="en-US" altLang="ko-KR"/>
-              <a:t>ChebConv</a:t>
-            </a:r>
-            <a:r>
-              <a:rPr lang="ko-KR" altLang="en-US"/>
-              <a:t> </a:t>
-            </a:r>
-            <a:r>
-              <a:rPr lang="en-US" altLang="ko-KR"/>
-              <a:t>Layer 3 (feature# -&gt; 64 -&gt; 64-&gt; 128) : </a:t>
-            </a:r>
-            <a:r>
-              <a:rPr lang="ko-KR" altLang="en-US"/>
-              <a:t>최대 </a:t>
-            </a:r>
-            <a:r>
-              <a:rPr lang="en-US" altLang="ko-KR"/>
-              <a:t>6</a:t>
-            </a:r>
-            <a:r>
-              <a:rPr lang="ko-KR" altLang="en-US"/>
-              <a:t>차로 설정</a:t>
-            </a:r>
-            <a:endParaRPr lang="en-US" altLang="ko-KR"/>
-          </a:p>
-          <a:p>
-            <a:pPr marL="0" indent="0">
-              <a:buNone/>
-            </a:pPr>
-            <a:r>
-              <a:rPr lang="en-US" altLang="ko-KR"/>
-              <a:t>Linear Layer 1(128 -&gt; 2(class#))</a:t>
-            </a:r>
-          </a:p>
-          <a:p>
-            <a:pPr marL="0" indent="0">
-              <a:buNone/>
-            </a:pPr>
-            <a:r>
-              <a:rPr lang="en-US" altLang="ko-KR"/>
-              <a:t>Log_softmax</a:t>
-            </a:r>
-          </a:p>
-          <a:p>
-            <a:pPr marL="0" indent="0">
-              <a:buNone/>
-            </a:pPr>
-            <a:endParaRPr lang="en-US" altLang="ko-KR"/>
-          </a:p>
-          <a:p>
-            <a:pPr marL="0" indent="0">
-              <a:buNone/>
-            </a:pPr>
-            <a:r>
-              <a:rPr lang="en-US" altLang="ko-KR"/>
-              <a:t>Activation function : ReLU</a:t>
-            </a:r>
-          </a:p>
-          <a:p>
-            <a:pPr marL="0" indent="0">
-              <a:buNone/>
-            </a:pPr>
-            <a:endParaRPr lang="en-US" altLang="ko-KR"/>
-          </a:p>
-          <a:p>
-            <a:pPr marL="0" indent="0">
-              <a:buNone/>
-            </a:pPr>
-            <a:r>
-              <a:rPr lang="en-US" altLang="ko-KR"/>
-              <a:t>2,3 layer</a:t>
-            </a:r>
-            <a:r>
-              <a:rPr lang="ko-KR" altLang="en-US"/>
-              <a:t> </a:t>
-            </a:r>
-            <a:r>
-              <a:rPr lang="en-US" altLang="ko-KR"/>
-              <a:t>dropout(0.5</a:t>
-            </a:r>
-            <a:r>
-              <a:rPr lang="ko-KR" altLang="en-US"/>
-              <a:t>비율</a:t>
-            </a:r>
-            <a:r>
-              <a:rPr lang="en-US" altLang="ko-KR"/>
-              <a:t>)</a:t>
-            </a:r>
-          </a:p>
-          <a:p>
-            <a:pPr marL="0" indent="0">
-              <a:buNone/>
-            </a:pPr>
-            <a:r>
-              <a:rPr lang="en-US" altLang="ko-KR"/>
-              <a:t>Linear Layer </a:t>
-            </a:r>
-            <a:r>
-              <a:rPr lang="ko-KR" altLang="en-US"/>
-              <a:t>전 </a:t>
-            </a:r>
-            <a:r>
-              <a:rPr lang="en-US" altLang="ko-KR"/>
-              <a:t>Global mean pooling</a:t>
-            </a:r>
-          </a:p>
-          <a:p>
-            <a:pPr marL="0" indent="0">
-              <a:buNone/>
-            </a:pPr>
-            <a:endParaRPr lang="en-US" altLang="ko-KR"/>
-          </a:p>
-          <a:p>
-            <a:pPr marL="0" indent="0">
-              <a:buNone/>
-            </a:pPr>
-            <a:endParaRPr lang="en-US" altLang="ko-KR"/>
-          </a:p>
-          <a:p>
-            <a:pPr marL="0" indent="0">
-              <a:buNone/>
-            </a:pPr>
-            <a:endParaRPr lang="ko-KR" altLang="en-US"/>
-          </a:p>
-        </p:txBody>
-      </p:sp>
-    </p:spTree>
-    <p:extLst>
-      <p:ext uri="{BB962C8B-B14F-4D97-AF65-F5344CB8AC3E}">
-        <p14:creationId xmlns:p14="http://schemas.microsoft.com/office/powerpoint/2010/main" val="1272733660"/>
       </p:ext>
     </p:extLst>
   </p:cSld>
